--- a/JavaLecture/LectureFile/java 12강 예외처리.pptx
+++ b/JavaLecture/LectureFile/java 12강 예외처리.pptx
@@ -5,7 +5,7 @@
     <p:sldMasterId id="2147483648" r:id="rId1"/>
   </p:sldMasterIdLst>
   <p:notesMasterIdLst>
-    <p:notesMasterId r:id="rId52"/>
+    <p:notesMasterId r:id="rId55"/>
   </p:notesMasterIdLst>
   <p:sldIdLst>
     <p:sldId id="257" r:id="rId2"/>
@@ -33,31 +33,34 @@
     <p:sldId id="784" r:id="rId24"/>
     <p:sldId id="785" r:id="rId25"/>
     <p:sldId id="786" r:id="rId26"/>
-    <p:sldId id="787" r:id="rId27"/>
-    <p:sldId id="789" r:id="rId28"/>
-    <p:sldId id="790" r:id="rId29"/>
-    <p:sldId id="788" r:id="rId30"/>
-    <p:sldId id="791" r:id="rId31"/>
-    <p:sldId id="728" r:id="rId32"/>
-    <p:sldId id="803" r:id="rId33"/>
-    <p:sldId id="810" r:id="rId34"/>
-    <p:sldId id="374" r:id="rId35"/>
-    <p:sldId id="792" r:id="rId36"/>
-    <p:sldId id="793" r:id="rId37"/>
-    <p:sldId id="800" r:id="rId38"/>
-    <p:sldId id="794" r:id="rId39"/>
-    <p:sldId id="796" r:id="rId40"/>
-    <p:sldId id="797" r:id="rId41"/>
-    <p:sldId id="798" r:id="rId42"/>
-    <p:sldId id="799" r:id="rId43"/>
-    <p:sldId id="801" r:id="rId44"/>
-    <p:sldId id="795" r:id="rId45"/>
-    <p:sldId id="759" r:id="rId46"/>
-    <p:sldId id="760" r:id="rId47"/>
-    <p:sldId id="809" r:id="rId48"/>
-    <p:sldId id="807" r:id="rId49"/>
-    <p:sldId id="808" r:id="rId50"/>
-    <p:sldId id="275" r:id="rId51"/>
+    <p:sldId id="811" r:id="rId27"/>
+    <p:sldId id="812" r:id="rId28"/>
+    <p:sldId id="787" r:id="rId29"/>
+    <p:sldId id="789" r:id="rId30"/>
+    <p:sldId id="790" r:id="rId31"/>
+    <p:sldId id="788" r:id="rId32"/>
+    <p:sldId id="791" r:id="rId33"/>
+    <p:sldId id="728" r:id="rId34"/>
+    <p:sldId id="803" r:id="rId35"/>
+    <p:sldId id="813" r:id="rId36"/>
+    <p:sldId id="810" r:id="rId37"/>
+    <p:sldId id="374" r:id="rId38"/>
+    <p:sldId id="792" r:id="rId39"/>
+    <p:sldId id="793" r:id="rId40"/>
+    <p:sldId id="800" r:id="rId41"/>
+    <p:sldId id="794" r:id="rId42"/>
+    <p:sldId id="796" r:id="rId43"/>
+    <p:sldId id="797" r:id="rId44"/>
+    <p:sldId id="798" r:id="rId45"/>
+    <p:sldId id="799" r:id="rId46"/>
+    <p:sldId id="801" r:id="rId47"/>
+    <p:sldId id="795" r:id="rId48"/>
+    <p:sldId id="759" r:id="rId49"/>
+    <p:sldId id="760" r:id="rId50"/>
+    <p:sldId id="809" r:id="rId51"/>
+    <p:sldId id="807" r:id="rId52"/>
+    <p:sldId id="808" r:id="rId53"/>
+    <p:sldId id="275" r:id="rId54"/>
   </p:sldIdLst>
   <p:sldSz cx="18288000" cy="10287000"/>
   <p:notesSz cx="7104063" cy="10234613"/>
@@ -257,7 +260,7 @@
           <a:p>
             <a:fld id="{D79F2C30-10E1-4C46-91DC-BBDB9629E720}" type="datetimeFigureOut">
               <a:rPr lang="ko-KR" altLang="en-US" smtClean="0"/>
-              <a:t>2023-03-11</a:t>
+              <a:t>2023-04-30 Sunday</a:t>
             </a:fld>
             <a:endParaRPr lang="ko-KR" altLang="en-US"/>
           </a:p>
@@ -556,6 +559,9 @@
             <a:off x="685800" y="2130425"/>
             <a:ext cx="7772400" cy="1470025"/>
           </a:xfrm>
+          <a:prstGeom prst="rect">
+            <a:avLst/>
+          </a:prstGeom>
         </p:spPr>
         <p:txBody>
           <a:bodyPr/>
@@ -583,6 +589,9 @@
             <a:off x="1371600" y="3886200"/>
             <a:ext cx="6400800" cy="1752600"/>
           </a:xfrm>
+          <a:prstGeom prst="rect">
+            <a:avLst/>
+          </a:prstGeom>
         </p:spPr>
         <p:txBody>
           <a:bodyPr/>
@@ -696,14 +705,22 @@
             <p:ph type="dt" sz="half" idx="10"/>
           </p:nvPr>
         </p:nvSpPr>
-        <p:spPr/>
+        <p:spPr>
+          <a:xfrm>
+            <a:off x="457200" y="6356350"/>
+            <a:ext cx="2133600" cy="365125"/>
+          </a:xfrm>
+          <a:prstGeom prst="rect">
+            <a:avLst/>
+          </a:prstGeom>
+        </p:spPr>
         <p:txBody>
           <a:bodyPr/>
           <a:lstStyle/>
           <a:p>
             <a:fld id="{F8166F1F-CE9B-4651-A6AA-CD717754106B}" type="datetimeFigureOut">
               <a:rPr lang="en-US" smtClean="0"/>
-              <a:t>3/11/2023</a:t>
+              <a:t>4/30/2023</a:t>
             </a:fld>
             <a:endParaRPr lang="en-US"/>
           </a:p>
@@ -719,7 +736,15 @@
             <p:ph type="ftr" sz="quarter" idx="11"/>
           </p:nvPr>
         </p:nvSpPr>
-        <p:spPr/>
+        <p:spPr>
+          <a:xfrm>
+            <a:off x="3124200" y="6356350"/>
+            <a:ext cx="2895600" cy="365125"/>
+          </a:xfrm>
+          <a:prstGeom prst="rect">
+            <a:avLst/>
+          </a:prstGeom>
+        </p:spPr>
         <p:txBody>
           <a:bodyPr/>
           <a:lstStyle/>
@@ -738,7 +763,15 @@
             <p:ph type="sldNum" sz="quarter" idx="12"/>
           </p:nvPr>
         </p:nvSpPr>
-        <p:spPr/>
+        <p:spPr>
+          <a:xfrm>
+            <a:off x="6553200" y="6356350"/>
+            <a:ext cx="2133600" cy="365125"/>
+          </a:xfrm>
+          <a:prstGeom prst="rect">
+            <a:avLst/>
+          </a:prstGeom>
+        </p:spPr>
         <p:txBody>
           <a:bodyPr/>
           <a:lstStyle/>
@@ -786,7 +819,15 @@
             <p:ph type="title"/>
           </p:nvPr>
         </p:nvSpPr>
-        <p:spPr/>
+        <p:spPr>
+          <a:xfrm>
+            <a:off x="457200" y="274638"/>
+            <a:ext cx="8229600" cy="1143000"/>
+          </a:xfrm>
+          <a:prstGeom prst="rect">
+            <a:avLst/>
+          </a:prstGeom>
+        </p:spPr>
         <p:txBody>
           <a:bodyPr/>
           <a:lstStyle/>
@@ -808,7 +849,15 @@
             <p:ph type="body" orient="vert" idx="1"/>
           </p:nvPr>
         </p:nvSpPr>
-        <p:spPr/>
+        <p:spPr>
+          <a:xfrm>
+            <a:off x="457200" y="1600200"/>
+            <a:ext cx="8229600" cy="4525963"/>
+          </a:xfrm>
+          <a:prstGeom prst="rect">
+            <a:avLst/>
+          </a:prstGeom>
+        </p:spPr>
         <p:txBody>
           <a:bodyPr vert="eaVert"/>
           <a:lstStyle/>
@@ -859,14 +908,22 @@
             <p:ph type="dt" sz="half" idx="10"/>
           </p:nvPr>
         </p:nvSpPr>
-        <p:spPr/>
+        <p:spPr>
+          <a:xfrm>
+            <a:off x="457200" y="6356350"/>
+            <a:ext cx="2133600" cy="365125"/>
+          </a:xfrm>
+          <a:prstGeom prst="rect">
+            <a:avLst/>
+          </a:prstGeom>
+        </p:spPr>
         <p:txBody>
           <a:bodyPr/>
           <a:lstStyle/>
           <a:p>
             <a:fld id="{A76116CE-C4A3-4A05-B2D7-7C2E9A889C0F}" type="datetimeFigureOut">
               <a:rPr lang="en-US" smtClean="0"/>
-              <a:t>3/11/2023</a:t>
+              <a:t>4/30/2023</a:t>
             </a:fld>
             <a:endParaRPr lang="en-US"/>
           </a:p>
@@ -882,7 +939,15 @@
             <p:ph type="ftr" sz="quarter" idx="11"/>
           </p:nvPr>
         </p:nvSpPr>
-        <p:spPr/>
+        <p:spPr>
+          <a:xfrm>
+            <a:off x="3124200" y="6356350"/>
+            <a:ext cx="2895600" cy="365125"/>
+          </a:xfrm>
+          <a:prstGeom prst="rect">
+            <a:avLst/>
+          </a:prstGeom>
+        </p:spPr>
         <p:txBody>
           <a:bodyPr/>
           <a:lstStyle/>
@@ -901,7 +966,15 @@
             <p:ph type="sldNum" sz="quarter" idx="12"/>
           </p:nvPr>
         </p:nvSpPr>
-        <p:spPr/>
+        <p:spPr>
+          <a:xfrm>
+            <a:off x="6553200" y="6356350"/>
+            <a:ext cx="2133600" cy="365125"/>
+          </a:xfrm>
+          <a:prstGeom prst="rect">
+            <a:avLst/>
+          </a:prstGeom>
+        </p:spPr>
         <p:txBody>
           <a:bodyPr/>
           <a:lstStyle/>
@@ -954,6 +1027,9 @@
             <a:off x="6629400" y="274638"/>
             <a:ext cx="2057400" cy="5851525"/>
           </a:xfrm>
+          <a:prstGeom prst="rect">
+            <a:avLst/>
+          </a:prstGeom>
         </p:spPr>
         <p:txBody>
           <a:bodyPr vert="eaVert"/>
@@ -981,6 +1057,9 @@
             <a:off x="457200" y="274638"/>
             <a:ext cx="6019800" cy="5851525"/>
           </a:xfrm>
+          <a:prstGeom prst="rect">
+            <a:avLst/>
+          </a:prstGeom>
         </p:spPr>
         <p:txBody>
           <a:bodyPr vert="eaVert"/>
@@ -1032,14 +1111,22 @@
             <p:ph type="dt" sz="half" idx="10"/>
           </p:nvPr>
         </p:nvSpPr>
-        <p:spPr/>
+        <p:spPr>
+          <a:xfrm>
+            <a:off x="457200" y="6356350"/>
+            <a:ext cx="2133600" cy="365125"/>
+          </a:xfrm>
+          <a:prstGeom prst="rect">
+            <a:avLst/>
+          </a:prstGeom>
+        </p:spPr>
         <p:txBody>
           <a:bodyPr/>
           <a:lstStyle/>
           <a:p>
             <a:fld id="{A76116CE-C4A3-4A05-B2D7-7C2E9A889C0F}" type="datetimeFigureOut">
               <a:rPr lang="en-US" smtClean="0"/>
-              <a:t>3/11/2023</a:t>
+              <a:t>4/30/2023</a:t>
             </a:fld>
             <a:endParaRPr lang="en-US"/>
           </a:p>
@@ -1055,7 +1142,15 @@
             <p:ph type="ftr" sz="quarter" idx="11"/>
           </p:nvPr>
         </p:nvSpPr>
-        <p:spPr/>
+        <p:spPr>
+          <a:xfrm>
+            <a:off x="3124200" y="6356350"/>
+            <a:ext cx="2895600" cy="365125"/>
+          </a:xfrm>
+          <a:prstGeom prst="rect">
+            <a:avLst/>
+          </a:prstGeom>
+        </p:spPr>
         <p:txBody>
           <a:bodyPr/>
           <a:lstStyle/>
@@ -1074,7 +1169,15 @@
             <p:ph type="sldNum" sz="quarter" idx="12"/>
           </p:nvPr>
         </p:nvSpPr>
-        <p:spPr/>
+        <p:spPr>
+          <a:xfrm>
+            <a:off x="6553200" y="6356350"/>
+            <a:ext cx="2133600" cy="365125"/>
+          </a:xfrm>
+          <a:prstGeom prst="rect">
+            <a:avLst/>
+          </a:prstGeom>
+        </p:spPr>
         <p:txBody>
           <a:bodyPr/>
           <a:lstStyle/>
@@ -1122,7 +1225,15 @@
             <p:ph type="title"/>
           </p:nvPr>
         </p:nvSpPr>
-        <p:spPr/>
+        <p:spPr>
+          <a:xfrm>
+            <a:off x="457200" y="274638"/>
+            <a:ext cx="8229600" cy="1143000"/>
+          </a:xfrm>
+          <a:prstGeom prst="rect">
+            <a:avLst/>
+          </a:prstGeom>
+        </p:spPr>
         <p:txBody>
           <a:bodyPr/>
           <a:lstStyle/>
@@ -1144,7 +1255,15 @@
             <p:ph idx="1"/>
           </p:nvPr>
         </p:nvSpPr>
-        <p:spPr/>
+        <p:spPr>
+          <a:xfrm>
+            <a:off x="457200" y="1600200"/>
+            <a:ext cx="8229600" cy="4525963"/>
+          </a:xfrm>
+          <a:prstGeom prst="rect">
+            <a:avLst/>
+          </a:prstGeom>
+        </p:spPr>
         <p:txBody>
           <a:bodyPr/>
           <a:lstStyle/>
@@ -1197,14 +1316,22 @@
             <p:ph type="dt" sz="half" idx="10"/>
           </p:nvPr>
         </p:nvSpPr>
-        <p:spPr/>
+        <p:spPr>
+          <a:xfrm>
+            <a:off x="457200" y="6356350"/>
+            <a:ext cx="2133600" cy="365125"/>
+          </a:xfrm>
+          <a:prstGeom prst="rect">
+            <a:avLst/>
+          </a:prstGeom>
+        </p:spPr>
         <p:txBody>
           <a:bodyPr/>
           <a:lstStyle/>
           <a:p>
             <a:fld id="{A76116CE-C4A3-4A05-B2D7-7C2E9A889C0F}" type="datetimeFigureOut">
               <a:rPr lang="en-US" smtClean="0"/>
-              <a:t>3/11/2023</a:t>
+              <a:t>4/30/2023</a:t>
             </a:fld>
             <a:endParaRPr lang="en-US"/>
           </a:p>
@@ -1220,7 +1347,15 @@
             <p:ph type="ftr" sz="quarter" idx="11"/>
           </p:nvPr>
         </p:nvSpPr>
-        <p:spPr/>
+        <p:spPr>
+          <a:xfrm>
+            <a:off x="3124200" y="6356350"/>
+            <a:ext cx="2895600" cy="365125"/>
+          </a:xfrm>
+          <a:prstGeom prst="rect">
+            <a:avLst/>
+          </a:prstGeom>
+        </p:spPr>
         <p:txBody>
           <a:bodyPr/>
           <a:lstStyle/>
@@ -1239,7 +1374,15 @@
             <p:ph type="sldNum" sz="quarter" idx="12"/>
           </p:nvPr>
         </p:nvSpPr>
-        <p:spPr/>
+        <p:spPr>
+          <a:xfrm>
+            <a:off x="6553200" y="6356350"/>
+            <a:ext cx="2133600" cy="365125"/>
+          </a:xfrm>
+          <a:prstGeom prst="rect">
+            <a:avLst/>
+          </a:prstGeom>
+        </p:spPr>
         <p:txBody>
           <a:bodyPr/>
           <a:lstStyle/>
@@ -1292,6 +1435,9 @@
             <a:off x="722313" y="4406900"/>
             <a:ext cx="7772400" cy="1362075"/>
           </a:xfrm>
+          <a:prstGeom prst="rect">
+            <a:avLst/>
+          </a:prstGeom>
         </p:spPr>
         <p:txBody>
           <a:bodyPr anchor="t"/>
@@ -1323,6 +1469,9 @@
             <a:off x="722313" y="2906713"/>
             <a:ext cx="7772400" cy="1500187"/>
           </a:xfrm>
+          <a:prstGeom prst="rect">
+            <a:avLst/>
+          </a:prstGeom>
         </p:spPr>
         <p:txBody>
           <a:bodyPr anchor="b"/>
@@ -1437,14 +1586,22 @@
             <p:ph type="dt" sz="half" idx="10"/>
           </p:nvPr>
         </p:nvSpPr>
-        <p:spPr/>
+        <p:spPr>
+          <a:xfrm>
+            <a:off x="457200" y="6356350"/>
+            <a:ext cx="2133600" cy="365125"/>
+          </a:xfrm>
+          <a:prstGeom prst="rect">
+            <a:avLst/>
+          </a:prstGeom>
+        </p:spPr>
         <p:txBody>
           <a:bodyPr/>
           <a:lstStyle/>
           <a:p>
             <a:fld id="{A76116CE-C4A3-4A05-B2D7-7C2E9A889C0F}" type="datetimeFigureOut">
               <a:rPr lang="en-US" smtClean="0"/>
-              <a:t>3/11/2023</a:t>
+              <a:t>4/30/2023</a:t>
             </a:fld>
             <a:endParaRPr lang="en-US"/>
           </a:p>
@@ -1460,7 +1617,15 @@
             <p:ph type="ftr" sz="quarter" idx="11"/>
           </p:nvPr>
         </p:nvSpPr>
-        <p:spPr/>
+        <p:spPr>
+          <a:xfrm>
+            <a:off x="3124200" y="6356350"/>
+            <a:ext cx="2895600" cy="365125"/>
+          </a:xfrm>
+          <a:prstGeom prst="rect">
+            <a:avLst/>
+          </a:prstGeom>
+        </p:spPr>
         <p:txBody>
           <a:bodyPr/>
           <a:lstStyle/>
@@ -1479,7 +1644,15 @@
             <p:ph type="sldNum" sz="quarter" idx="12"/>
           </p:nvPr>
         </p:nvSpPr>
-        <p:spPr/>
+        <p:spPr>
+          <a:xfrm>
+            <a:off x="6553200" y="6356350"/>
+            <a:ext cx="2133600" cy="365125"/>
+          </a:xfrm>
+          <a:prstGeom prst="rect">
+            <a:avLst/>
+          </a:prstGeom>
+        </p:spPr>
         <p:txBody>
           <a:bodyPr/>
           <a:lstStyle/>
@@ -1527,7 +1700,15 @@
             <p:ph type="title"/>
           </p:nvPr>
         </p:nvSpPr>
-        <p:spPr/>
+        <p:spPr>
+          <a:xfrm>
+            <a:off x="457200" y="274638"/>
+            <a:ext cx="8229600" cy="1143000"/>
+          </a:xfrm>
+          <a:prstGeom prst="rect">
+            <a:avLst/>
+          </a:prstGeom>
+        </p:spPr>
         <p:txBody>
           <a:bodyPr/>
           <a:lstStyle/>
@@ -1554,6 +1735,9 @@
             <a:off x="457200" y="1600200"/>
             <a:ext cx="4038600" cy="4525963"/>
           </a:xfrm>
+          <a:prstGeom prst="rect">
+            <a:avLst/>
+          </a:prstGeom>
         </p:spPr>
         <p:txBody>
           <a:bodyPr/>
@@ -1638,6 +1822,9 @@
             <a:off x="4648200" y="1600200"/>
             <a:ext cx="4038600" cy="4525963"/>
           </a:xfrm>
+          <a:prstGeom prst="rect">
+            <a:avLst/>
+          </a:prstGeom>
         </p:spPr>
         <p:txBody>
           <a:bodyPr/>
@@ -1717,14 +1904,22 @@
             <p:ph type="dt" sz="half" idx="10"/>
           </p:nvPr>
         </p:nvSpPr>
-        <p:spPr/>
+        <p:spPr>
+          <a:xfrm>
+            <a:off x="457200" y="6356350"/>
+            <a:ext cx="2133600" cy="365125"/>
+          </a:xfrm>
+          <a:prstGeom prst="rect">
+            <a:avLst/>
+          </a:prstGeom>
+        </p:spPr>
         <p:txBody>
           <a:bodyPr/>
           <a:lstStyle/>
           <a:p>
             <a:fld id="{A76116CE-C4A3-4A05-B2D7-7C2E9A889C0F}" type="datetimeFigureOut">
               <a:rPr lang="en-US" smtClean="0"/>
-              <a:t>3/11/2023</a:t>
+              <a:t>4/30/2023</a:t>
             </a:fld>
             <a:endParaRPr lang="en-US"/>
           </a:p>
@@ -1740,7 +1935,15 @@
             <p:ph type="ftr" sz="quarter" idx="11"/>
           </p:nvPr>
         </p:nvSpPr>
-        <p:spPr/>
+        <p:spPr>
+          <a:xfrm>
+            <a:off x="3124200" y="6356350"/>
+            <a:ext cx="2895600" cy="365125"/>
+          </a:xfrm>
+          <a:prstGeom prst="rect">
+            <a:avLst/>
+          </a:prstGeom>
+        </p:spPr>
         <p:txBody>
           <a:bodyPr/>
           <a:lstStyle/>
@@ -1759,7 +1962,15 @@
             <p:ph type="sldNum" sz="quarter" idx="12"/>
           </p:nvPr>
         </p:nvSpPr>
-        <p:spPr/>
+        <p:spPr>
+          <a:xfrm>
+            <a:off x="6553200" y="6356350"/>
+            <a:ext cx="2133600" cy="365125"/>
+          </a:xfrm>
+          <a:prstGeom prst="rect">
+            <a:avLst/>
+          </a:prstGeom>
+        </p:spPr>
         <p:txBody>
           <a:bodyPr/>
           <a:lstStyle/>
@@ -1807,7 +2018,15 @@
             <p:ph type="title"/>
           </p:nvPr>
         </p:nvSpPr>
-        <p:spPr/>
+        <p:spPr>
+          <a:xfrm>
+            <a:off x="457200" y="274638"/>
+            <a:ext cx="8229600" cy="1143000"/>
+          </a:xfrm>
+          <a:prstGeom prst="rect">
+            <a:avLst/>
+          </a:prstGeom>
+        </p:spPr>
         <p:txBody>
           <a:bodyPr/>
           <a:lstStyle>
@@ -1838,6 +2057,9 @@
             <a:off x="457200" y="1535113"/>
             <a:ext cx="4040188" cy="639762"/>
           </a:xfrm>
+          <a:prstGeom prst="rect">
+            <a:avLst/>
+          </a:prstGeom>
         </p:spPr>
         <p:txBody>
           <a:bodyPr anchor="b"/>
@@ -1903,6 +2125,9 @@
             <a:off x="457200" y="2174875"/>
             <a:ext cx="4040188" cy="3951288"/>
           </a:xfrm>
+          <a:prstGeom prst="rect">
+            <a:avLst/>
+          </a:prstGeom>
         </p:spPr>
         <p:txBody>
           <a:bodyPr/>
@@ -1987,6 +2212,9 @@
             <a:off x="4645025" y="1535113"/>
             <a:ext cx="4041775" cy="639762"/>
           </a:xfrm>
+          <a:prstGeom prst="rect">
+            <a:avLst/>
+          </a:prstGeom>
         </p:spPr>
         <p:txBody>
           <a:bodyPr anchor="b"/>
@@ -2052,6 +2280,9 @@
             <a:off x="4645025" y="2174875"/>
             <a:ext cx="4041775" cy="3951288"/>
           </a:xfrm>
+          <a:prstGeom prst="rect">
+            <a:avLst/>
+          </a:prstGeom>
         </p:spPr>
         <p:txBody>
           <a:bodyPr/>
@@ -2131,14 +2362,22 @@
             <p:ph type="dt" sz="half" idx="10"/>
           </p:nvPr>
         </p:nvSpPr>
-        <p:spPr/>
+        <p:spPr>
+          <a:xfrm>
+            <a:off x="457200" y="6356350"/>
+            <a:ext cx="2133600" cy="365125"/>
+          </a:xfrm>
+          <a:prstGeom prst="rect">
+            <a:avLst/>
+          </a:prstGeom>
+        </p:spPr>
         <p:txBody>
           <a:bodyPr/>
           <a:lstStyle/>
           <a:p>
             <a:fld id="{A76116CE-C4A3-4A05-B2D7-7C2E9A889C0F}" type="datetimeFigureOut">
               <a:rPr lang="en-US" smtClean="0"/>
-              <a:t>3/11/2023</a:t>
+              <a:t>4/30/2023</a:t>
             </a:fld>
             <a:endParaRPr lang="en-US"/>
           </a:p>
@@ -2154,7 +2393,15 @@
             <p:ph type="ftr" sz="quarter" idx="11"/>
           </p:nvPr>
         </p:nvSpPr>
-        <p:spPr/>
+        <p:spPr>
+          <a:xfrm>
+            <a:off x="3124200" y="6356350"/>
+            <a:ext cx="2895600" cy="365125"/>
+          </a:xfrm>
+          <a:prstGeom prst="rect">
+            <a:avLst/>
+          </a:prstGeom>
+        </p:spPr>
         <p:txBody>
           <a:bodyPr/>
           <a:lstStyle/>
@@ -2173,7 +2420,15 @@
             <p:ph type="sldNum" sz="quarter" idx="12"/>
           </p:nvPr>
         </p:nvSpPr>
-        <p:spPr/>
+        <p:spPr>
+          <a:xfrm>
+            <a:off x="6553200" y="6356350"/>
+            <a:ext cx="2133600" cy="365125"/>
+          </a:xfrm>
+          <a:prstGeom prst="rect">
+            <a:avLst/>
+          </a:prstGeom>
+        </p:spPr>
         <p:txBody>
           <a:bodyPr/>
           <a:lstStyle/>
@@ -2221,7 +2476,15 @@
             <p:ph type="title"/>
           </p:nvPr>
         </p:nvSpPr>
-        <p:spPr/>
+        <p:spPr>
+          <a:xfrm>
+            <a:off x="457200" y="274638"/>
+            <a:ext cx="8229600" cy="1143000"/>
+          </a:xfrm>
+          <a:prstGeom prst="rect">
+            <a:avLst/>
+          </a:prstGeom>
+        </p:spPr>
         <p:txBody>
           <a:bodyPr/>
           <a:lstStyle/>
@@ -2243,14 +2506,22 @@
             <p:ph type="dt" sz="half" idx="10"/>
           </p:nvPr>
         </p:nvSpPr>
-        <p:spPr/>
+        <p:spPr>
+          <a:xfrm>
+            <a:off x="457200" y="6356350"/>
+            <a:ext cx="2133600" cy="365125"/>
+          </a:xfrm>
+          <a:prstGeom prst="rect">
+            <a:avLst/>
+          </a:prstGeom>
+        </p:spPr>
         <p:txBody>
           <a:bodyPr/>
           <a:lstStyle/>
           <a:p>
             <a:fld id="{A76116CE-C4A3-4A05-B2D7-7C2E9A889C0F}" type="datetimeFigureOut">
               <a:rPr lang="en-US" smtClean="0"/>
-              <a:t>3/11/2023</a:t>
+              <a:t>4/30/2023</a:t>
             </a:fld>
             <a:endParaRPr lang="en-US"/>
           </a:p>
@@ -2266,7 +2537,15 @@
             <p:ph type="ftr" sz="quarter" idx="11"/>
           </p:nvPr>
         </p:nvSpPr>
-        <p:spPr/>
+        <p:spPr>
+          <a:xfrm>
+            <a:off x="3124200" y="6356350"/>
+            <a:ext cx="2895600" cy="365125"/>
+          </a:xfrm>
+          <a:prstGeom prst="rect">
+            <a:avLst/>
+          </a:prstGeom>
+        </p:spPr>
         <p:txBody>
           <a:bodyPr/>
           <a:lstStyle/>
@@ -2285,7 +2564,15 @@
             <p:ph type="sldNum" sz="quarter" idx="12"/>
           </p:nvPr>
         </p:nvSpPr>
-        <p:spPr/>
+        <p:spPr>
+          <a:xfrm>
+            <a:off x="6553200" y="6356350"/>
+            <a:ext cx="2133600" cy="365125"/>
+          </a:xfrm>
+          <a:prstGeom prst="rect">
+            <a:avLst/>
+          </a:prstGeom>
+        </p:spPr>
         <p:txBody>
           <a:bodyPr/>
           <a:lstStyle/>
@@ -2333,14 +2620,22 @@
             <p:ph type="dt" sz="half" idx="10"/>
           </p:nvPr>
         </p:nvSpPr>
-        <p:spPr/>
+        <p:spPr>
+          <a:xfrm>
+            <a:off x="457200" y="6356350"/>
+            <a:ext cx="2133600" cy="365125"/>
+          </a:xfrm>
+          <a:prstGeom prst="rect">
+            <a:avLst/>
+          </a:prstGeom>
+        </p:spPr>
         <p:txBody>
           <a:bodyPr/>
           <a:lstStyle/>
           <a:p>
             <a:fld id="{A76116CE-C4A3-4A05-B2D7-7C2E9A889C0F}" type="datetimeFigureOut">
               <a:rPr lang="en-US" smtClean="0"/>
-              <a:t>3/11/2023</a:t>
+              <a:t>4/30/2023</a:t>
             </a:fld>
             <a:endParaRPr lang="en-US"/>
           </a:p>
@@ -2356,7 +2651,15 @@
             <p:ph type="ftr" sz="quarter" idx="11"/>
           </p:nvPr>
         </p:nvSpPr>
-        <p:spPr/>
+        <p:spPr>
+          <a:xfrm>
+            <a:off x="3124200" y="6356350"/>
+            <a:ext cx="2895600" cy="365125"/>
+          </a:xfrm>
+          <a:prstGeom prst="rect">
+            <a:avLst/>
+          </a:prstGeom>
+        </p:spPr>
         <p:txBody>
           <a:bodyPr/>
           <a:lstStyle/>
@@ -2375,7 +2678,15 @@
             <p:ph type="sldNum" sz="quarter" idx="12"/>
           </p:nvPr>
         </p:nvSpPr>
-        <p:spPr/>
+        <p:spPr>
+          <a:xfrm>
+            <a:off x="6553200" y="6356350"/>
+            <a:ext cx="2133600" cy="365125"/>
+          </a:xfrm>
+          <a:prstGeom prst="rect">
+            <a:avLst/>
+          </a:prstGeom>
+        </p:spPr>
         <p:txBody>
           <a:bodyPr/>
           <a:lstStyle/>
@@ -2428,6 +2739,9 @@
             <a:off x="457200" y="273050"/>
             <a:ext cx="3008313" cy="1162050"/>
           </a:xfrm>
+          <a:prstGeom prst="rect">
+            <a:avLst/>
+          </a:prstGeom>
         </p:spPr>
         <p:txBody>
           <a:bodyPr anchor="b"/>
@@ -2459,6 +2773,9 @@
             <a:off x="3575050" y="273050"/>
             <a:ext cx="5111750" cy="5853113"/>
           </a:xfrm>
+          <a:prstGeom prst="rect">
+            <a:avLst/>
+          </a:prstGeom>
         </p:spPr>
         <p:txBody>
           <a:bodyPr/>
@@ -2543,6 +2860,9 @@
             <a:off x="457200" y="1435100"/>
             <a:ext cx="3008313" cy="4691063"/>
           </a:xfrm>
+          <a:prstGeom prst="rect">
+            <a:avLst/>
+          </a:prstGeom>
         </p:spPr>
         <p:txBody>
           <a:bodyPr/>
@@ -2603,14 +2923,22 @@
             <p:ph type="dt" sz="half" idx="10"/>
           </p:nvPr>
         </p:nvSpPr>
-        <p:spPr/>
+        <p:spPr>
+          <a:xfrm>
+            <a:off x="457200" y="6356350"/>
+            <a:ext cx="2133600" cy="365125"/>
+          </a:xfrm>
+          <a:prstGeom prst="rect">
+            <a:avLst/>
+          </a:prstGeom>
+        </p:spPr>
         <p:txBody>
           <a:bodyPr/>
           <a:lstStyle/>
           <a:p>
             <a:fld id="{A76116CE-C4A3-4A05-B2D7-7C2E9A889C0F}" type="datetimeFigureOut">
               <a:rPr lang="en-US" smtClean="0"/>
-              <a:t>3/11/2023</a:t>
+              <a:t>4/30/2023</a:t>
             </a:fld>
             <a:endParaRPr lang="en-US"/>
           </a:p>
@@ -2626,7 +2954,15 @@
             <p:ph type="ftr" sz="quarter" idx="11"/>
           </p:nvPr>
         </p:nvSpPr>
-        <p:spPr/>
+        <p:spPr>
+          <a:xfrm>
+            <a:off x="3124200" y="6356350"/>
+            <a:ext cx="2895600" cy="365125"/>
+          </a:xfrm>
+          <a:prstGeom prst="rect">
+            <a:avLst/>
+          </a:prstGeom>
+        </p:spPr>
         <p:txBody>
           <a:bodyPr/>
           <a:lstStyle/>
@@ -2645,7 +2981,15 @@
             <p:ph type="sldNum" sz="quarter" idx="12"/>
           </p:nvPr>
         </p:nvSpPr>
-        <p:spPr/>
+        <p:spPr>
+          <a:xfrm>
+            <a:off x="6553200" y="6356350"/>
+            <a:ext cx="2133600" cy="365125"/>
+          </a:xfrm>
+          <a:prstGeom prst="rect">
+            <a:avLst/>
+          </a:prstGeom>
+        </p:spPr>
         <p:txBody>
           <a:bodyPr/>
           <a:lstStyle/>
@@ -2698,6 +3042,9 @@
             <a:off x="1792288" y="4800600"/>
             <a:ext cx="5486400" cy="566738"/>
           </a:xfrm>
+          <a:prstGeom prst="rect">
+            <a:avLst/>
+          </a:prstGeom>
         </p:spPr>
         <p:txBody>
           <a:bodyPr anchor="b"/>
@@ -2729,6 +3076,9 @@
             <a:off x="1792288" y="612775"/>
             <a:ext cx="5486400" cy="4114800"/>
           </a:xfrm>
+          <a:prstGeom prst="rect">
+            <a:avLst/>
+          </a:prstGeom>
         </p:spPr>
         <p:txBody>
           <a:bodyPr/>
@@ -2790,6 +3140,9 @@
             <a:off x="1792288" y="5367338"/>
             <a:ext cx="5486400" cy="804862"/>
           </a:xfrm>
+          <a:prstGeom prst="rect">
+            <a:avLst/>
+          </a:prstGeom>
         </p:spPr>
         <p:txBody>
           <a:bodyPr/>
@@ -2850,14 +3203,22 @@
             <p:ph type="dt" sz="half" idx="10"/>
           </p:nvPr>
         </p:nvSpPr>
-        <p:spPr/>
+        <p:spPr>
+          <a:xfrm>
+            <a:off x="457200" y="6356350"/>
+            <a:ext cx="2133600" cy="365125"/>
+          </a:xfrm>
+          <a:prstGeom prst="rect">
+            <a:avLst/>
+          </a:prstGeom>
+        </p:spPr>
         <p:txBody>
           <a:bodyPr/>
           <a:lstStyle/>
           <a:p>
             <a:fld id="{A76116CE-C4A3-4A05-B2D7-7C2E9A889C0F}" type="datetimeFigureOut">
               <a:rPr lang="en-US" smtClean="0"/>
-              <a:t>3/11/2023</a:t>
+              <a:t>4/30/2023</a:t>
             </a:fld>
             <a:endParaRPr lang="en-US"/>
           </a:p>
@@ -2873,7 +3234,15 @@
             <p:ph type="ftr" sz="quarter" idx="11"/>
           </p:nvPr>
         </p:nvSpPr>
-        <p:spPr/>
+        <p:spPr>
+          <a:xfrm>
+            <a:off x="3124200" y="6356350"/>
+            <a:ext cx="2895600" cy="365125"/>
+          </a:xfrm>
+          <a:prstGeom prst="rect">
+            <a:avLst/>
+          </a:prstGeom>
+        </p:spPr>
         <p:txBody>
           <a:bodyPr/>
           <a:lstStyle/>
@@ -2892,7 +3261,15 @@
             <p:ph type="sldNum" sz="quarter" idx="12"/>
           </p:nvPr>
         </p:nvSpPr>
-        <p:spPr/>
+        <p:spPr>
+          <a:xfrm>
+            <a:off x="6553200" y="6356350"/>
+            <a:ext cx="2133600" cy="365125"/>
+          </a:xfrm>
+          <a:prstGeom prst="rect">
+            <a:avLst/>
+          </a:prstGeom>
+        </p:spPr>
         <p:txBody>
           <a:bodyPr/>
           <a:lstStyle/>
@@ -2937,213 +3314,93 @@
       </p:grpSpPr>
       <p:sp>
         <p:nvSpPr>
-          <p:cNvPr id="2" name="Title Placeholder 1"/>
-          <p:cNvSpPr>
-            <a:spLocks noGrp="1"/>
-          </p:cNvSpPr>
-          <p:nvPr>
-            <p:ph type="title"/>
-          </p:nvPr>
+          <p:cNvPr id="7" name="TextBox 6"/>
+          <p:cNvSpPr txBox="1"/>
+          <p:nvPr userDrawn="1"/>
         </p:nvSpPr>
         <p:spPr>
-          <a:xfrm>
-            <a:off x="457200" y="274638"/>
-            <a:ext cx="8229600" cy="1143000"/>
-          </a:xfrm>
-          <a:prstGeom prst="rect">
-            <a:avLst/>
-          </a:prstGeom>
+          <a:xfrm rot="2407424">
+            <a:off x="-235263" y="8916399"/>
+            <a:ext cx="3302507" cy="523220"/>
+          </a:xfrm>
+          <a:prstGeom prst="rect">
+            <a:avLst/>
+          </a:prstGeom>
+          <a:noFill/>
         </p:spPr>
         <p:txBody>
-          <a:bodyPr vert="horz" lIns="91440" tIns="45720" rIns="91440" bIns="45720" rtlCol="0" anchor="ctr">
-            <a:normAutofit/>
+          <a:bodyPr wrap="none" rtlCol="0">
+            <a:spAutoFit/>
           </a:bodyPr>
           <a:lstStyle/>
           <a:p>
             <a:r>
-              <a:rPr lang="en-US"/>
-              <a:t>Click to edit Master title style</a:t>
-            </a:r>
+              <a:rPr lang="en-US" altLang="ko-KR" sz="2800">
+                <a:solidFill>
+                  <a:srgbClr val="4C50BC">
+                    <a:alpha val="20000"/>
+                  </a:srgbClr>
+                </a:solidFill>
+                <a:latin typeface="G마켓 산스 Medium" panose="02000000000000000000" pitchFamily="50" charset="-127"/>
+                <a:ea typeface="G마켓 산스 Medium" panose="02000000000000000000" pitchFamily="50" charset="-127"/>
+              </a:rPr>
+              <a:t>Park Ju Byeong</a:t>
+            </a:r>
+            <a:endParaRPr lang="ko-KR" altLang="en-US" sz="2800">
+              <a:solidFill>
+                <a:srgbClr val="4C50BC">
+                  <a:alpha val="20000"/>
+                </a:srgbClr>
+              </a:solidFill>
+              <a:latin typeface="G마켓 산스 Medium" panose="02000000000000000000" pitchFamily="50" charset="-127"/>
+              <a:ea typeface="G마켓 산스 Medium" panose="02000000000000000000" pitchFamily="50" charset="-127"/>
+            </a:endParaRPr>
           </a:p>
         </p:txBody>
       </p:sp>
       <p:sp>
         <p:nvSpPr>
-          <p:cNvPr id="3" name="Text Placeholder 2"/>
-          <p:cNvSpPr>
-            <a:spLocks noGrp="1"/>
-          </p:cNvSpPr>
-          <p:nvPr>
-            <p:ph type="body" idx="1"/>
-          </p:nvPr>
+          <p:cNvPr id="8" name="TextBox 7"/>
+          <p:cNvSpPr txBox="1"/>
+          <p:nvPr userDrawn="1"/>
         </p:nvSpPr>
         <p:spPr>
-          <a:xfrm>
-            <a:off x="457200" y="1600200"/>
-            <a:ext cx="8229600" cy="4525963"/>
-          </a:xfrm>
-          <a:prstGeom prst="rect">
-            <a:avLst/>
-          </a:prstGeom>
+          <a:xfrm rot="19438419">
+            <a:off x="15147432" y="8842616"/>
+            <a:ext cx="3302507" cy="523220"/>
+          </a:xfrm>
+          <a:prstGeom prst="rect">
+            <a:avLst/>
+          </a:prstGeom>
+          <a:noFill/>
         </p:spPr>
         <p:txBody>
-          <a:bodyPr vert="horz" lIns="91440" tIns="45720" rIns="91440" bIns="45720" rtlCol="0">
-            <a:normAutofit/>
+          <a:bodyPr wrap="none" rtlCol="0">
+            <a:spAutoFit/>
           </a:bodyPr>
           <a:lstStyle/>
           <a:p>
-            <a:pPr lvl="0"/>
-            <a:r>
-              <a:rPr lang="en-US"/>
-              <a:t>Click to edit Master text styles</a:t>
-            </a:r>
-          </a:p>
-          <a:p>
-            <a:pPr lvl="1"/>
-            <a:r>
-              <a:rPr lang="en-US"/>
-              <a:t>Second level</a:t>
-            </a:r>
-          </a:p>
-          <a:p>
-            <a:pPr lvl="2"/>
-            <a:r>
-              <a:rPr lang="en-US"/>
-              <a:t>Third level</a:t>
-            </a:r>
-          </a:p>
-          <a:p>
-            <a:pPr lvl="3"/>
-            <a:r>
-              <a:rPr lang="en-US"/>
-              <a:t>Fourth level</a:t>
-            </a:r>
-          </a:p>
-          <a:p>
-            <a:pPr lvl="4"/>
-            <a:r>
-              <a:rPr lang="en-US"/>
-              <a:t>Fifth level</a:t>
-            </a:r>
-          </a:p>
-        </p:txBody>
-      </p:sp>
-      <p:sp>
-        <p:nvSpPr>
-          <p:cNvPr id="4" name="Date Placeholder 3"/>
-          <p:cNvSpPr>
-            <a:spLocks noGrp="1"/>
-          </p:cNvSpPr>
-          <p:nvPr>
-            <p:ph type="dt" sz="half" idx="2"/>
-          </p:nvPr>
-        </p:nvSpPr>
-        <p:spPr>
-          <a:xfrm>
-            <a:off x="457200" y="6356350"/>
-            <a:ext cx="2133600" cy="365125"/>
-          </a:xfrm>
-          <a:prstGeom prst="rect">
-            <a:avLst/>
-          </a:prstGeom>
-        </p:spPr>
-        <p:txBody>
-          <a:bodyPr vert="horz" lIns="91440" tIns="45720" rIns="91440" bIns="45720" rtlCol="0" anchor="ctr"/>
-          <a:lstStyle>
-            <a:lvl1pPr algn="l">
-              <a:defRPr sz="1200">
-                <a:solidFill>
-                  <a:schemeClr val="tx1">
-                    <a:tint val="75000"/>
-                  </a:schemeClr>
-                </a:solidFill>
-              </a:defRPr>
-            </a:lvl1pPr>
-          </a:lstStyle>
-          <a:p>
-            <a:fld id="{F8166F1F-CE9B-4651-A6AA-CD717754106B}" type="datetimeFigureOut">
-              <a:rPr lang="en-US" smtClean="0"/>
-              <a:t>3/11/2023</a:t>
-            </a:fld>
-            <a:endParaRPr lang="en-US"/>
-          </a:p>
-        </p:txBody>
-      </p:sp>
-      <p:sp>
-        <p:nvSpPr>
-          <p:cNvPr id="5" name="Footer Placeholder 4"/>
-          <p:cNvSpPr>
-            <a:spLocks noGrp="1"/>
-          </p:cNvSpPr>
-          <p:nvPr>
-            <p:ph type="ftr" sz="quarter" idx="3"/>
-          </p:nvPr>
-        </p:nvSpPr>
-        <p:spPr>
-          <a:xfrm>
-            <a:off x="3124200" y="6356350"/>
-            <a:ext cx="2895600" cy="365125"/>
-          </a:xfrm>
-          <a:prstGeom prst="rect">
-            <a:avLst/>
-          </a:prstGeom>
-        </p:spPr>
-        <p:txBody>
-          <a:bodyPr vert="horz" lIns="91440" tIns="45720" rIns="91440" bIns="45720" rtlCol="0" anchor="ctr"/>
-          <a:lstStyle>
-            <a:lvl1pPr algn="ctr">
-              <a:defRPr sz="1200">
-                <a:solidFill>
-                  <a:schemeClr val="tx1">
-                    <a:tint val="75000"/>
-                  </a:schemeClr>
-                </a:solidFill>
-              </a:defRPr>
-            </a:lvl1pPr>
-          </a:lstStyle>
-          <a:p>
-            <a:endParaRPr lang="en-US"/>
-          </a:p>
-        </p:txBody>
-      </p:sp>
-      <p:sp>
-        <p:nvSpPr>
-          <p:cNvPr id="6" name="Slide Number Placeholder 5"/>
-          <p:cNvSpPr>
-            <a:spLocks noGrp="1"/>
-          </p:cNvSpPr>
-          <p:nvPr>
-            <p:ph type="sldNum" sz="quarter" idx="4"/>
-          </p:nvPr>
-        </p:nvSpPr>
-        <p:spPr>
-          <a:xfrm>
-            <a:off x="6553200" y="6356350"/>
-            <a:ext cx="2133600" cy="365125"/>
-          </a:xfrm>
-          <a:prstGeom prst="rect">
-            <a:avLst/>
-          </a:prstGeom>
-        </p:spPr>
-        <p:txBody>
-          <a:bodyPr vert="horz" lIns="91440" tIns="45720" rIns="91440" bIns="45720" rtlCol="0" anchor="ctr"/>
-          <a:lstStyle>
-            <a:lvl1pPr algn="r">
-              <a:defRPr sz="1200">
-                <a:solidFill>
-                  <a:schemeClr val="tx1">
-                    <a:tint val="75000"/>
-                  </a:schemeClr>
-                </a:solidFill>
-              </a:defRPr>
-            </a:lvl1pPr>
-          </a:lstStyle>
-          <a:p>
-            <a:fld id="{F7021451-1387-4CA6-816F-3879F97B5CBC}" type="slidenum">
-              <a:rPr lang="en-US" smtClean="0"/>
-              <a:t>‹#›</a:t>
-            </a:fld>
-            <a:endParaRPr lang="en-US"/>
+            <a:r>
+              <a:rPr lang="en-US" altLang="ko-KR" sz="2800">
+                <a:solidFill>
+                  <a:srgbClr val="4C50BC">
+                    <a:alpha val="20000"/>
+                  </a:srgbClr>
+                </a:solidFill>
+                <a:latin typeface="G마켓 산스 Medium" panose="02000000000000000000" pitchFamily="50" charset="-127"/>
+                <a:ea typeface="G마켓 산스 Medium" panose="02000000000000000000" pitchFamily="50" charset="-127"/>
+              </a:rPr>
+              <a:t>Park Ju Byeong</a:t>
+            </a:r>
+            <a:endParaRPr lang="ko-KR" altLang="en-US" sz="2800">
+              <a:solidFill>
+                <a:srgbClr val="4C50BC">
+                  <a:alpha val="20000"/>
+                </a:srgbClr>
+              </a:solidFill>
+              <a:latin typeface="G마켓 산스 Medium" panose="02000000000000000000" pitchFamily="50" charset="-127"/>
+              <a:ea typeface="G마켓 산스 Medium" panose="02000000000000000000" pitchFamily="50" charset="-127"/>
+            </a:endParaRPr>
           </a:p>
         </p:txBody>
       </p:sp>
@@ -3878,6 +4135,13 @@
   <p:clrMapOvr>
     <a:masterClrMapping/>
   </p:clrMapOvr>
+  <p:timing>
+    <p:tnLst>
+      <p:par>
+        <p:cTn id="1" dur="indefinite" restart="never" nodeType="tmRoot"/>
+      </p:par>
+    </p:tnLst>
+  </p:timing>
 </p:sld>
 </file>
 
@@ -3991,7 +4255,7 @@
         <p:spPr>
           <a:xfrm>
             <a:off x="762000" y="1333500"/>
-            <a:ext cx="16764000" cy="707886"/>
+            <a:ext cx="17678400" cy="707886"/>
           </a:xfrm>
           <a:prstGeom prst="rect">
             <a:avLst/>
@@ -4201,7 +4465,7 @@
         <p:spPr>
           <a:xfrm>
             <a:off x="8305800" y="7538043"/>
-            <a:ext cx="7543800" cy="707886"/>
+            <a:ext cx="8763000" cy="707886"/>
           </a:xfrm>
           <a:prstGeom prst="rect">
             <a:avLst/>
@@ -4451,7 +4715,7 @@
         </p:nvSpPr>
         <p:spPr>
           <a:xfrm>
-            <a:off x="838200" y="342900"/>
+            <a:off x="228600" y="342900"/>
             <a:ext cx="8610600" cy="830997"/>
           </a:xfrm>
           <a:prstGeom prst="rect">
@@ -4670,7 +4934,7 @@
         </p:nvSpPr>
         <p:spPr>
           <a:xfrm>
-            <a:off x="609600" y="5350015"/>
+            <a:off x="457200" y="5350015"/>
             <a:ext cx="3962400" cy="707886"/>
           </a:xfrm>
           <a:prstGeom prst="rect">
@@ -6755,7 +7019,7 @@
           <a:lstStyle/>
           <a:p>
             <a:r>
-              <a:rPr lang="en-US" altLang="ko-KR" sz="4000" smtClean="0">
+              <a:rPr lang="en-US" altLang="ko-KR" sz="4000" dirty="0" err="1" smtClean="0">
                 <a:solidFill>
                   <a:srgbClr val="FF0000"/>
                 </a:solidFill>
@@ -6765,7 +7029,7 @@
               <a:t>RuntimeException</a:t>
             </a:r>
             <a:r>
-              <a:rPr lang="ko-KR" altLang="en-US" sz="4000" smtClean="0">
+              <a:rPr lang="ko-KR" altLang="en-US" sz="4000" dirty="0" smtClean="0">
                 <a:solidFill>
                   <a:srgbClr val="FF0000"/>
                 </a:solidFill>
@@ -6775,7 +7039,7 @@
               <a:t>은 </a:t>
             </a:r>
             <a:r>
-              <a:rPr lang="en-US" altLang="ko-KR" sz="4000" smtClean="0">
+              <a:rPr lang="en-US" altLang="ko-KR" sz="4000" dirty="0" err="1" smtClean="0">
                 <a:solidFill>
                   <a:srgbClr val="FF0000"/>
                 </a:solidFill>
@@ -6785,7 +7049,7 @@
               <a:t>NullPointerException</a:t>
             </a:r>
             <a:r>
-              <a:rPr lang="ko-KR" altLang="en-US" sz="4000" smtClean="0">
+              <a:rPr lang="ko-KR" altLang="en-US" sz="4000" dirty="0" smtClean="0">
                 <a:solidFill>
                   <a:srgbClr val="FF0000"/>
                 </a:solidFill>
@@ -6795,7 +7059,7 @@
               <a:t>의 부모이다</a:t>
             </a:r>
             <a:r>
-              <a:rPr lang="en-US" altLang="ko-KR" sz="4000" smtClean="0">
+              <a:rPr lang="en-US" altLang="ko-KR" sz="4000" dirty="0" smtClean="0">
                 <a:solidFill>
                   <a:srgbClr val="FF0000"/>
                 </a:solidFill>
@@ -6827,9 +7091,80 @@
   <p:timing>
     <p:tnLst>
       <p:par>
-        <p:cTn id="1" dur="indefinite" restart="never" nodeType="tmRoot"/>
+        <p:cTn id="1" dur="indefinite" restart="never" nodeType="tmRoot">
+          <p:childTnLst>
+            <p:seq concurrent="1" nextAc="seek">
+              <p:cTn id="2" dur="indefinite" nodeType="mainSeq">
+                <p:childTnLst>
+                  <p:par>
+                    <p:cTn id="3" fill="hold">
+                      <p:stCondLst>
+                        <p:cond delay="indefinite"/>
+                      </p:stCondLst>
+                      <p:childTnLst>
+                        <p:par>
+                          <p:cTn id="4" fill="hold">
+                            <p:stCondLst>
+                              <p:cond delay="0"/>
+                            </p:stCondLst>
+                            <p:childTnLst>
+                              <p:par>
+                                <p:cTn id="5" presetID="1" presetClass="entr" presetSubtype="0" fill="hold" grpId="0" nodeType="clickEffect">
+                                  <p:stCondLst>
+                                    <p:cond delay="0"/>
+                                  </p:stCondLst>
+                                  <p:childTnLst>
+                                    <p:set>
+                                      <p:cBhvr>
+                                        <p:cTn id="6" dur="1" fill="hold">
+                                          <p:stCondLst>
+                                            <p:cond delay="0"/>
+                                          </p:stCondLst>
+                                        </p:cTn>
+                                        <p:tgtEl>
+                                          <p:spTgt spid="6"/>
+                                        </p:tgtEl>
+                                        <p:attrNameLst>
+                                          <p:attrName>style.visibility</p:attrName>
+                                        </p:attrNameLst>
+                                      </p:cBhvr>
+                                      <p:to>
+                                        <p:strVal val="visible"/>
+                                      </p:to>
+                                    </p:set>
+                                  </p:childTnLst>
+                                </p:cTn>
+                              </p:par>
+                            </p:childTnLst>
+                          </p:cTn>
+                        </p:par>
+                      </p:childTnLst>
+                    </p:cTn>
+                  </p:par>
+                </p:childTnLst>
+              </p:cTn>
+              <p:prevCondLst>
+                <p:cond evt="onPrev" delay="0">
+                  <p:tgtEl>
+                    <p:sldTgt/>
+                  </p:tgtEl>
+                </p:cond>
+              </p:prevCondLst>
+              <p:nextCondLst>
+                <p:cond evt="onNext" delay="0">
+                  <p:tgtEl>
+                    <p:sldTgt/>
+                  </p:tgtEl>
+                </p:cond>
+              </p:nextCondLst>
+            </p:seq>
+          </p:childTnLst>
+        </p:cTn>
       </p:par>
     </p:tnLst>
+    <p:bldLst>
+      <p:bldP spid="6" grpId="0"/>
+    </p:bldLst>
   </p:timing>
 </p:sld>
 </file>
@@ -9520,7 +9855,7 @@
         </p:blipFill>
         <p:spPr>
           <a:xfrm>
-            <a:off x="9563100" y="5178623"/>
+            <a:off x="9372600" y="5802511"/>
             <a:ext cx="8393313" cy="1793677"/>
           </a:xfrm>
           <a:prstGeom prst="rect">
@@ -10294,62 +10629,252 @@
         </p:blipFill>
         <p:spPr>
           <a:xfrm>
-            <a:off x="0" y="1409700"/>
-            <a:ext cx="6173423" cy="4572000"/>
+            <a:off x="485775" y="2129998"/>
+            <a:ext cx="10010191" cy="7413487"/>
           </a:xfrm>
           <a:prstGeom prst="rect">
             <a:avLst/>
           </a:prstGeom>
         </p:spPr>
       </p:pic>
-      <p:pic>
-        <p:nvPicPr>
-          <p:cNvPr id="6" name="그림 5"/>
-          <p:cNvPicPr>
-            <a:picLocks noChangeAspect="1"/>
-          </p:cNvPicPr>
-          <p:nvPr/>
-        </p:nvPicPr>
-        <p:blipFill>
-          <a:blip r:embed="rId3"/>
-          <a:stretch>
-            <a:fillRect/>
-          </a:stretch>
-        </p:blipFill>
-        <p:spPr>
-          <a:xfrm>
-            <a:off x="6172200" y="1409700"/>
-            <a:ext cx="6314303" cy="4572000"/>
-          </a:xfrm>
-          <a:prstGeom prst="rect">
-            <a:avLst/>
-          </a:prstGeom>
-        </p:spPr>
-      </p:pic>
-      <p:pic>
-        <p:nvPicPr>
-          <p:cNvPr id="7" name="그림 6"/>
-          <p:cNvPicPr>
-            <a:picLocks noChangeAspect="1"/>
-          </p:cNvPicPr>
-          <p:nvPr/>
-        </p:nvPicPr>
-        <p:blipFill>
-          <a:blip r:embed="rId4"/>
-          <a:stretch>
-            <a:fillRect/>
-          </a:stretch>
-        </p:blipFill>
-        <p:spPr>
-          <a:xfrm>
-            <a:off x="12511902" y="1409700"/>
-            <a:ext cx="5738209" cy="4648200"/>
-          </a:xfrm>
-          <a:prstGeom prst="rect">
-            <a:avLst/>
-          </a:prstGeom>
-        </p:spPr>
-      </p:pic>
+      <p:sp>
+        <p:nvSpPr>
+          <p:cNvPr id="9" name="TextBox 8">
+            <a:extLst>
+              <a:ext uri="{FF2B5EF4-FFF2-40B4-BE49-F238E27FC236}">
+                <a16:creationId xmlns:a16="http://schemas.microsoft.com/office/drawing/2014/main" xmlns="" id="{A2AD056B-97A4-5BCC-4460-250160F3E171}"/>
+              </a:ext>
+            </a:extLst>
+          </p:cNvPr>
+          <p:cNvSpPr txBox="1"/>
+          <p:nvPr/>
+        </p:nvSpPr>
+        <p:spPr>
+          <a:xfrm>
+            <a:off x="1066800" y="1169134"/>
+            <a:ext cx="14059111" cy="707886"/>
+          </a:xfrm>
+          <a:prstGeom prst="rect">
+            <a:avLst/>
+          </a:prstGeom>
+          <a:noFill/>
+        </p:spPr>
+        <p:txBody>
+          <a:bodyPr wrap="square" rtlCol="0">
+            <a:spAutoFit/>
+          </a:bodyPr>
+          <a:lstStyle/>
+          <a:p>
+            <a:r>
+              <a:rPr lang="ko-KR" altLang="en-US" sz="4000" dirty="0" smtClean="0">
+                <a:solidFill>
+                  <a:schemeClr val="tx1">
+                    <a:lumMod val="50000"/>
+                    <a:lumOff val="50000"/>
+                  </a:schemeClr>
+                </a:solidFill>
+                <a:latin typeface="G마켓 산스 Medium" panose="02000000000000000000" pitchFamily="50" charset="-127"/>
+                <a:ea typeface="G마켓 산스 Medium" panose="02000000000000000000" pitchFamily="50" charset="-127"/>
+              </a:rPr>
+              <a:t>예외와 상관없이 반드시 실행되어야 하는 코드가 있다면</a:t>
+            </a:r>
+            <a:r>
+              <a:rPr lang="en-US" altLang="ko-KR" sz="4000" dirty="0" smtClean="0">
+                <a:solidFill>
+                  <a:schemeClr val="tx1">
+                    <a:lumMod val="50000"/>
+                    <a:lumOff val="50000"/>
+                  </a:schemeClr>
+                </a:solidFill>
+                <a:latin typeface="G마켓 산스 Medium" panose="02000000000000000000" pitchFamily="50" charset="-127"/>
+                <a:ea typeface="G마켓 산스 Medium" panose="02000000000000000000" pitchFamily="50" charset="-127"/>
+              </a:rPr>
+              <a:t>?</a:t>
+            </a:r>
+            <a:endParaRPr lang="en-US" altLang="ko-KR" sz="4000" dirty="0">
+              <a:solidFill>
+                <a:schemeClr val="tx1">
+                  <a:lumMod val="50000"/>
+                  <a:lumOff val="50000"/>
+                </a:schemeClr>
+              </a:solidFill>
+              <a:latin typeface="G마켓 산스 Medium" panose="02000000000000000000" pitchFamily="50" charset="-127"/>
+              <a:ea typeface="G마켓 산스 Medium" panose="02000000000000000000" pitchFamily="50" charset="-127"/>
+            </a:endParaRPr>
+          </a:p>
+        </p:txBody>
+      </p:sp>
+      <p:cxnSp>
+        <p:nvCxnSpPr>
+          <p:cNvPr id="10" name="직선 화살표 연결선 9">
+            <a:extLst>
+              <a:ext uri="{FF2B5EF4-FFF2-40B4-BE49-F238E27FC236}">
+                <a16:creationId xmlns:a16="http://schemas.microsoft.com/office/drawing/2014/main" xmlns="" id="{299DF5EC-9DF4-5255-06AC-0A7CE4FF58C3}"/>
+              </a:ext>
+            </a:extLst>
+          </p:cNvPr>
+          <p:cNvCxnSpPr>
+            <a:cxnSpLocks/>
+          </p:cNvCxnSpPr>
+          <p:nvPr/>
+        </p:nvCxnSpPr>
+        <p:spPr>
+          <a:xfrm>
+            <a:off x="10210800" y="4838700"/>
+            <a:ext cx="1219200" cy="0"/>
+          </a:xfrm>
+          <a:prstGeom prst="straightConnector1">
+            <a:avLst/>
+          </a:prstGeom>
+          <a:ln w="38100">
+            <a:tailEnd type="triangle"/>
+          </a:ln>
+        </p:spPr>
+        <p:style>
+          <a:lnRef idx="1">
+            <a:schemeClr val="accent2"/>
+          </a:lnRef>
+          <a:fillRef idx="0">
+            <a:schemeClr val="accent2"/>
+          </a:fillRef>
+          <a:effectRef idx="0">
+            <a:schemeClr val="accent2"/>
+          </a:effectRef>
+          <a:fontRef idx="minor">
+            <a:schemeClr val="tx1"/>
+          </a:fontRef>
+        </p:style>
+      </p:cxnSp>
+      <p:sp>
+        <p:nvSpPr>
+          <p:cNvPr id="11" name="직사각형 10">
+            <a:extLst>
+              <a:ext uri="{FF2B5EF4-FFF2-40B4-BE49-F238E27FC236}">
+                <a16:creationId xmlns:a16="http://schemas.microsoft.com/office/drawing/2014/main" xmlns="" id="{FFF506F9-840A-0508-4CAF-3AC711D8D5CE}"/>
+              </a:ext>
+            </a:extLst>
+          </p:cNvPr>
+          <p:cNvSpPr/>
+          <p:nvPr/>
+        </p:nvSpPr>
+        <p:spPr>
+          <a:xfrm>
+            <a:off x="1600200" y="4533900"/>
+            <a:ext cx="8610600" cy="457200"/>
+          </a:xfrm>
+          <a:prstGeom prst="rect">
+            <a:avLst/>
+          </a:prstGeom>
+          <a:noFill/>
+          <a:ln>
+            <a:solidFill>
+              <a:srgbClr val="FF0000"/>
+            </a:solidFill>
+          </a:ln>
+        </p:spPr>
+        <p:style>
+          <a:lnRef idx="2">
+            <a:schemeClr val="accent2">
+              <a:shade val="50000"/>
+            </a:schemeClr>
+          </a:lnRef>
+          <a:fillRef idx="1">
+            <a:schemeClr val="accent2"/>
+          </a:fillRef>
+          <a:effectRef idx="0">
+            <a:schemeClr val="accent2"/>
+          </a:effectRef>
+          <a:fontRef idx="minor">
+            <a:schemeClr val="lt1"/>
+          </a:fontRef>
+        </p:style>
+        <p:txBody>
+          <a:bodyPr rtlCol="0" anchor="ctr"/>
+          <a:lstStyle/>
+          <a:p>
+            <a:pPr algn="ctr"/>
+            <a:endParaRPr lang="ko-KR" altLang="en-US"/>
+          </a:p>
+        </p:txBody>
+      </p:sp>
+      <p:sp>
+        <p:nvSpPr>
+          <p:cNvPr id="12" name="TextBox 11">
+            <a:extLst>
+              <a:ext uri="{FF2B5EF4-FFF2-40B4-BE49-F238E27FC236}">
+                <a16:creationId xmlns:a16="http://schemas.microsoft.com/office/drawing/2014/main" xmlns="" id="{C6D113C6-EA5C-788F-0C77-E7CE6EBB865F}"/>
+              </a:ext>
+            </a:extLst>
+          </p:cNvPr>
+          <p:cNvSpPr txBox="1"/>
+          <p:nvPr/>
+        </p:nvSpPr>
+        <p:spPr>
+          <a:xfrm>
+            <a:off x="11334750" y="4390935"/>
+            <a:ext cx="6953250" cy="646331"/>
+          </a:xfrm>
+          <a:prstGeom prst="rect">
+            <a:avLst/>
+          </a:prstGeom>
+          <a:noFill/>
+        </p:spPr>
+        <p:txBody>
+          <a:bodyPr wrap="square" rtlCol="0">
+            <a:spAutoFit/>
+          </a:bodyPr>
+          <a:lstStyle/>
+          <a:p>
+            <a:r>
+              <a:rPr lang="ko-KR" altLang="en-US" sz="3600" dirty="0" smtClean="0">
+                <a:solidFill>
+                  <a:srgbClr val="FF0000"/>
+                </a:solidFill>
+                <a:latin typeface="G마켓 산스 Medium" panose="02000000000000000000" pitchFamily="50" charset="-127"/>
+                <a:ea typeface="G마켓 산스 Medium" panose="02000000000000000000" pitchFamily="50" charset="-127"/>
+              </a:rPr>
+              <a:t>예외가 발생하면 </a:t>
+            </a:r>
+            <a:r>
+              <a:rPr lang="ko-KR" altLang="en-US" sz="3600" dirty="0" err="1" smtClean="0">
+                <a:solidFill>
+                  <a:srgbClr val="FF0000"/>
+                </a:solidFill>
+                <a:latin typeface="G마켓 산스 Medium" panose="02000000000000000000" pitchFamily="50" charset="-127"/>
+                <a:ea typeface="G마켓 산스 Medium" panose="02000000000000000000" pitchFamily="50" charset="-127"/>
+              </a:rPr>
+              <a:t>실행될수</a:t>
+            </a:r>
+            <a:r>
+              <a:rPr lang="ko-KR" altLang="en-US" sz="3600" dirty="0" smtClean="0">
+                <a:solidFill>
+                  <a:srgbClr val="FF0000"/>
+                </a:solidFill>
+                <a:latin typeface="G마켓 산스 Medium" panose="02000000000000000000" pitchFamily="50" charset="-127"/>
+                <a:ea typeface="G마켓 산스 Medium" panose="02000000000000000000" pitchFamily="50" charset="-127"/>
+              </a:rPr>
+              <a:t> 없다</a:t>
+            </a:r>
+            <a:r>
+              <a:rPr lang="en-US" altLang="ko-KR" sz="3600" dirty="0" smtClean="0">
+                <a:solidFill>
+                  <a:srgbClr val="FF0000"/>
+                </a:solidFill>
+                <a:latin typeface="G마켓 산스 Medium" panose="02000000000000000000" pitchFamily="50" charset="-127"/>
+                <a:ea typeface="G마켓 산스 Medium" panose="02000000000000000000" pitchFamily="50" charset="-127"/>
+              </a:rPr>
+              <a:t>.</a:t>
+            </a:r>
+            <a:endParaRPr lang="en-US" altLang="ko-KR" sz="3600" dirty="0">
+              <a:solidFill>
+                <a:srgbClr val="FF0000"/>
+              </a:solidFill>
+              <a:latin typeface="G마켓 산스 Medium" panose="02000000000000000000" pitchFamily="50" charset="-127"/>
+              <a:ea typeface="G마켓 산스 Medium" panose="02000000000000000000" pitchFamily="50" charset="-127"/>
+            </a:endParaRPr>
+          </a:p>
+        </p:txBody>
+      </p:sp>
     </p:spTree>
     <p:extLst>
       <p:ext uri="{BB962C8B-B14F-4D97-AF65-F5344CB8AC3E}">
@@ -10403,44 +10928,61 @@
         </p:blipFill>
         <p:spPr>
           <a:xfrm>
-            <a:off x="1219200" y="647700"/>
-            <a:ext cx="8382000" cy="6211801"/>
+            <a:off x="304800" y="342900"/>
+            <a:ext cx="11576222" cy="8382000"/>
           </a:xfrm>
           <a:prstGeom prst="rect">
             <a:avLst/>
           </a:prstGeom>
         </p:spPr>
       </p:pic>
-      <p:pic>
-        <p:nvPicPr>
-          <p:cNvPr id="5" name="그림 4"/>
-          <p:cNvPicPr>
-            <a:picLocks noChangeAspect="1"/>
-          </p:cNvPicPr>
-          <p:nvPr/>
-        </p:nvPicPr>
-        <p:blipFill>
-          <a:blip r:embed="rId3"/>
-          <a:stretch>
-            <a:fillRect/>
-          </a:stretch>
-        </p:blipFill>
-        <p:spPr>
-          <a:xfrm>
-            <a:off x="9982200" y="4503224"/>
-            <a:ext cx="5105400" cy="2271152"/>
-          </a:xfrm>
-          <a:prstGeom prst="rect">
-            <a:avLst/>
-          </a:prstGeom>
-        </p:spPr>
-      </p:pic>
+      <p:cxnSp>
+        <p:nvCxnSpPr>
+          <p:cNvPr id="6" name="직선 화살표 연결선 5">
+            <a:extLst>
+              <a:ext uri="{FF2B5EF4-FFF2-40B4-BE49-F238E27FC236}">
+                <a16:creationId xmlns:a16="http://schemas.microsoft.com/office/drawing/2014/main" xmlns="" id="{299DF5EC-9DF4-5255-06AC-0A7CE4FF58C3}"/>
+              </a:ext>
+            </a:extLst>
+          </p:cNvPr>
+          <p:cNvCxnSpPr>
+            <a:cxnSpLocks/>
+          </p:cNvCxnSpPr>
+          <p:nvPr/>
+        </p:nvCxnSpPr>
+        <p:spPr>
+          <a:xfrm>
+            <a:off x="8610600" y="5847071"/>
+            <a:ext cx="228600" cy="668029"/>
+          </a:xfrm>
+          <a:prstGeom prst="straightConnector1">
+            <a:avLst/>
+          </a:prstGeom>
+          <a:ln w="38100">
+            <a:tailEnd type="triangle"/>
+          </a:ln>
+        </p:spPr>
+        <p:style>
+          <a:lnRef idx="1">
+            <a:schemeClr val="accent2"/>
+          </a:lnRef>
+          <a:fillRef idx="0">
+            <a:schemeClr val="accent2"/>
+          </a:fillRef>
+          <a:effectRef idx="0">
+            <a:schemeClr val="accent2"/>
+          </a:effectRef>
+          <a:fontRef idx="minor">
+            <a:schemeClr val="tx1"/>
+          </a:fontRef>
+        </p:style>
+      </p:cxnSp>
       <p:sp>
         <p:nvSpPr>
-          <p:cNvPr id="6" name="직사각형 5">
+          <p:cNvPr id="7" name="직사각형 6">
             <a:extLst>
               <a:ext uri="{FF2B5EF4-FFF2-40B4-BE49-F238E27FC236}">
-                <a16:creationId xmlns="" xmlns:a16="http://schemas.microsoft.com/office/drawing/2014/main" id="{FFF506F9-840A-0508-4CAF-3AC711D8D5CE}"/>
+                <a16:creationId xmlns:a16="http://schemas.microsoft.com/office/drawing/2014/main" xmlns="" id="{FFF506F9-840A-0508-4CAF-3AC711D8D5CE}"/>
               </a:ext>
             </a:extLst>
           </p:cNvPr>
@@ -10449,8 +10991,8 @@
         </p:nvSpPr>
         <p:spPr>
           <a:xfrm>
-            <a:off x="1181100" y="4838700"/>
-            <a:ext cx="8115300" cy="1600200"/>
+            <a:off x="3067050" y="5362665"/>
+            <a:ext cx="8610600" cy="457200"/>
           </a:xfrm>
           <a:prstGeom prst="rect">
             <a:avLst/>
@@ -10489,10 +11031,10 @@
       </p:sp>
       <p:sp>
         <p:nvSpPr>
-          <p:cNvPr id="7" name="TextBox 6">
+          <p:cNvPr id="8" name="TextBox 7">
             <a:extLst>
               <a:ext uri="{FF2B5EF4-FFF2-40B4-BE49-F238E27FC236}">
-                <a16:creationId xmlns="" xmlns:a16="http://schemas.microsoft.com/office/drawing/2014/main" id="{C6D113C6-EA5C-788F-0C77-E7CE6EBB865F}"/>
+                <a16:creationId xmlns:a16="http://schemas.microsoft.com/office/drawing/2014/main" xmlns="" id="{C6D113C6-EA5C-788F-0C77-E7CE6EBB865F}"/>
               </a:ext>
             </a:extLst>
           </p:cNvPr>
@@ -10501,8 +11043,8 @@
         </p:nvSpPr>
         <p:spPr>
           <a:xfrm>
-            <a:off x="914400" y="7734300"/>
-            <a:ext cx="17221200" cy="707886"/>
+            <a:off x="7010400" y="6819900"/>
+            <a:ext cx="10363200" cy="646331"/>
           </a:xfrm>
           <a:prstGeom prst="rect">
             <a:avLst/>
@@ -10516,76 +11058,46 @@
           <a:lstStyle/>
           <a:p>
             <a:r>
-              <a:rPr lang="en-US" altLang="ko-KR" sz="4000" smtClean="0">
+              <a:rPr lang="ko-KR" altLang="en-US" sz="3600" dirty="0" smtClean="0">
                 <a:solidFill>
                   <a:srgbClr val="FF0000"/>
                 </a:solidFill>
                 <a:latin typeface="G마켓 산스 Medium" panose="02000000000000000000" pitchFamily="50" charset="-127"/>
                 <a:ea typeface="G마켓 산스 Medium" panose="02000000000000000000" pitchFamily="50" charset="-127"/>
               </a:rPr>
-              <a:t>catch</a:t>
-            </a:r>
-            <a:r>
-              <a:rPr lang="ko-KR" altLang="en-US" sz="4000" smtClean="0">
+              <a:t>예외가 발생하지 않으면 </a:t>
+            </a:r>
+            <a:r>
+              <a:rPr lang="ko-KR" altLang="en-US" sz="3600" dirty="0" err="1" smtClean="0">
                 <a:solidFill>
                   <a:srgbClr val="FF0000"/>
                 </a:solidFill>
                 <a:latin typeface="G마켓 산스 Medium" panose="02000000000000000000" pitchFamily="50" charset="-127"/>
                 <a:ea typeface="G마켓 산스 Medium" panose="02000000000000000000" pitchFamily="50" charset="-127"/>
               </a:rPr>
-              <a:t>에서 </a:t>
-            </a:r>
-            <a:r>
-              <a:rPr lang="en-US" altLang="ko-KR" sz="4000" smtClean="0">
+              <a:t>실행될수</a:t>
+            </a:r>
+            <a:r>
+              <a:rPr lang="ko-KR" altLang="en-US" sz="3600" dirty="0" smtClean="0">
                 <a:solidFill>
                   <a:srgbClr val="FF0000"/>
                 </a:solidFill>
                 <a:latin typeface="G마켓 산스 Medium" panose="02000000000000000000" pitchFamily="50" charset="-127"/>
                 <a:ea typeface="G마켓 산스 Medium" panose="02000000000000000000" pitchFamily="50" charset="-127"/>
               </a:rPr>
-              <a:t>retur</a:t>
-            </a:r>
-            <a:r>
-              <a:rPr lang="ko-KR" altLang="en-US" sz="4000" smtClean="0">
+              <a:t> 없다</a:t>
+            </a:r>
+            <a:r>
+              <a:rPr lang="en-US" altLang="ko-KR" sz="3600" dirty="0" smtClean="0">
                 <a:solidFill>
                   <a:srgbClr val="FF0000"/>
                 </a:solidFill>
                 <a:latin typeface="G마켓 산스 Medium" panose="02000000000000000000" pitchFamily="50" charset="-127"/>
                 <a:ea typeface="G마켓 산스 Medium" panose="02000000000000000000" pitchFamily="50" charset="-127"/>
               </a:rPr>
-              <a:t>을 만나더라도 </a:t>
-            </a:r>
-            <a:r>
-              <a:rPr lang="en-US" altLang="ko-KR" sz="4000" smtClean="0">
-                <a:solidFill>
-                  <a:srgbClr val="FF0000"/>
-                </a:solidFill>
-                <a:latin typeface="G마켓 산스 Medium" panose="02000000000000000000" pitchFamily="50" charset="-127"/>
-                <a:ea typeface="G마켓 산스 Medium" panose="02000000000000000000" pitchFamily="50" charset="-127"/>
-              </a:rPr>
-              <a:t>finally</a:t>
-            </a:r>
-            <a:r>
-              <a:rPr lang="ko-KR" altLang="en-US" sz="4000" smtClean="0">
-                <a:solidFill>
-                  <a:srgbClr val="FF0000"/>
-                </a:solidFill>
-                <a:latin typeface="G마켓 산스 Medium" panose="02000000000000000000" pitchFamily="50" charset="-127"/>
-                <a:ea typeface="G마켓 산스 Medium" panose="02000000000000000000" pitchFamily="50" charset="-127"/>
-              </a:rPr>
-              <a:t>는 무조건 실행이 된다</a:t>
-            </a:r>
-            <a:r>
-              <a:rPr lang="en-US" altLang="ko-KR" sz="4000" smtClean="0">
-                <a:solidFill>
-                  <a:srgbClr val="FF0000"/>
-                </a:solidFill>
-                <a:latin typeface="G마켓 산스 Medium" panose="02000000000000000000" pitchFamily="50" charset="-127"/>
-                <a:ea typeface="G마켓 산스 Medium" panose="02000000000000000000" pitchFamily="50" charset="-127"/>
-              </a:rPr>
               <a:t>.</a:t>
             </a:r>
-            <a:endParaRPr lang="en-US" altLang="ko-KR" sz="4000" dirty="0">
+            <a:endParaRPr lang="en-US" altLang="ko-KR" sz="3600" dirty="0">
               <a:solidFill>
                 <a:srgbClr val="FF0000"/>
               </a:solidFill>
@@ -10598,7 +11110,7 @@
     </p:spTree>
     <p:extLst>
       <p:ext uri="{BB962C8B-B14F-4D97-AF65-F5344CB8AC3E}">
-        <p14:creationId xmlns:p14="http://schemas.microsoft.com/office/powerpoint/2010/main" val="3762665694"/>
+        <p14:creationId xmlns:p14="http://schemas.microsoft.com/office/powerpoint/2010/main" val="3121350708"/>
       </p:ext>
     </p:extLst>
   </p:cSld>
@@ -10648,6 +11160,463 @@
         </p:blipFill>
         <p:spPr>
           <a:xfrm>
+            <a:off x="152400" y="266700"/>
+            <a:ext cx="11811000" cy="9567426"/>
+          </a:xfrm>
+          <a:prstGeom prst="rect">
+            <a:avLst/>
+          </a:prstGeom>
+        </p:spPr>
+      </p:pic>
+      <p:cxnSp>
+        <p:nvCxnSpPr>
+          <p:cNvPr id="5" name="직선 화살표 연결선 4">
+            <a:extLst>
+              <a:ext uri="{FF2B5EF4-FFF2-40B4-BE49-F238E27FC236}">
+                <a16:creationId xmlns:a16="http://schemas.microsoft.com/office/drawing/2014/main" xmlns="" id="{299DF5EC-9DF4-5255-06AC-0A7CE4FF58C3}"/>
+              </a:ext>
+            </a:extLst>
+          </p:cNvPr>
+          <p:cNvCxnSpPr>
+            <a:cxnSpLocks/>
+          </p:cNvCxnSpPr>
+          <p:nvPr/>
+        </p:nvCxnSpPr>
+        <p:spPr>
+          <a:xfrm flipV="1">
+            <a:off x="7772400" y="7466231"/>
+            <a:ext cx="762000" cy="1468219"/>
+          </a:xfrm>
+          <a:prstGeom prst="straightConnector1">
+            <a:avLst/>
+          </a:prstGeom>
+          <a:ln w="38100">
+            <a:tailEnd type="triangle"/>
+          </a:ln>
+        </p:spPr>
+        <p:style>
+          <a:lnRef idx="1">
+            <a:schemeClr val="accent2"/>
+          </a:lnRef>
+          <a:fillRef idx="0">
+            <a:schemeClr val="accent2"/>
+          </a:fillRef>
+          <a:effectRef idx="0">
+            <a:schemeClr val="accent2"/>
+          </a:effectRef>
+          <a:fontRef idx="minor">
+            <a:schemeClr val="tx1"/>
+          </a:fontRef>
+        </p:style>
+      </p:cxnSp>
+      <p:sp>
+        <p:nvSpPr>
+          <p:cNvPr id="6" name="직사각형 5">
+            <a:extLst>
+              <a:ext uri="{FF2B5EF4-FFF2-40B4-BE49-F238E27FC236}">
+                <a16:creationId xmlns:a16="http://schemas.microsoft.com/office/drawing/2014/main" xmlns="" id="{FFF506F9-840A-0508-4CAF-3AC711D8D5CE}"/>
+              </a:ext>
+            </a:extLst>
+          </p:cNvPr>
+          <p:cNvSpPr/>
+          <p:nvPr/>
+        </p:nvSpPr>
+        <p:spPr>
+          <a:xfrm>
+            <a:off x="0" y="8953500"/>
+            <a:ext cx="11811000" cy="533400"/>
+          </a:xfrm>
+          <a:prstGeom prst="rect">
+            <a:avLst/>
+          </a:prstGeom>
+          <a:noFill/>
+          <a:ln>
+            <a:solidFill>
+              <a:srgbClr val="FF0000"/>
+            </a:solidFill>
+          </a:ln>
+        </p:spPr>
+        <p:style>
+          <a:lnRef idx="2">
+            <a:schemeClr val="accent2">
+              <a:shade val="50000"/>
+            </a:schemeClr>
+          </a:lnRef>
+          <a:fillRef idx="1">
+            <a:schemeClr val="accent2"/>
+          </a:fillRef>
+          <a:effectRef idx="0">
+            <a:schemeClr val="accent2"/>
+          </a:effectRef>
+          <a:fontRef idx="minor">
+            <a:schemeClr val="lt1"/>
+          </a:fontRef>
+        </p:style>
+        <p:txBody>
+          <a:bodyPr rtlCol="0" anchor="ctr"/>
+          <a:lstStyle/>
+          <a:p>
+            <a:pPr algn="ctr"/>
+            <a:endParaRPr lang="ko-KR" altLang="en-US"/>
+          </a:p>
+        </p:txBody>
+      </p:sp>
+      <p:sp>
+        <p:nvSpPr>
+          <p:cNvPr id="7" name="TextBox 6">
+            <a:extLst>
+              <a:ext uri="{FF2B5EF4-FFF2-40B4-BE49-F238E27FC236}">
+                <a16:creationId xmlns:a16="http://schemas.microsoft.com/office/drawing/2014/main" xmlns="" id="{C6D113C6-EA5C-788F-0C77-E7CE6EBB865F}"/>
+              </a:ext>
+            </a:extLst>
+          </p:cNvPr>
+          <p:cNvSpPr txBox="1"/>
+          <p:nvPr/>
+        </p:nvSpPr>
+        <p:spPr>
+          <a:xfrm>
+            <a:off x="7010400" y="6819900"/>
+            <a:ext cx="10363200" cy="646331"/>
+          </a:xfrm>
+          <a:prstGeom prst="rect">
+            <a:avLst/>
+          </a:prstGeom>
+          <a:noFill/>
+        </p:spPr>
+        <p:txBody>
+          <a:bodyPr wrap="square" rtlCol="0">
+            <a:spAutoFit/>
+          </a:bodyPr>
+          <a:lstStyle/>
+          <a:p>
+            <a:r>
+              <a:rPr lang="ko-KR" altLang="en-US" sz="3600" dirty="0" smtClean="0">
+                <a:solidFill>
+                  <a:srgbClr val="FF0000"/>
+                </a:solidFill>
+                <a:latin typeface="G마켓 산스 Medium" panose="02000000000000000000" pitchFamily="50" charset="-127"/>
+                <a:ea typeface="G마켓 산스 Medium" panose="02000000000000000000" pitchFamily="50" charset="-127"/>
+              </a:rPr>
+              <a:t>예외가 발생하면 실행 될 수 없다</a:t>
+            </a:r>
+            <a:r>
+              <a:rPr lang="en-US" altLang="ko-KR" sz="3600" dirty="0" smtClean="0">
+                <a:solidFill>
+                  <a:srgbClr val="FF0000"/>
+                </a:solidFill>
+                <a:latin typeface="G마켓 산스 Medium" panose="02000000000000000000" pitchFamily="50" charset="-127"/>
+                <a:ea typeface="G마켓 산스 Medium" panose="02000000000000000000" pitchFamily="50" charset="-127"/>
+              </a:rPr>
+              <a:t>.</a:t>
+            </a:r>
+            <a:endParaRPr lang="en-US" altLang="ko-KR" sz="3600" dirty="0">
+              <a:solidFill>
+                <a:srgbClr val="FF0000"/>
+              </a:solidFill>
+              <a:latin typeface="G마켓 산스 Medium" panose="02000000000000000000" pitchFamily="50" charset="-127"/>
+              <a:ea typeface="G마켓 산스 Medium" panose="02000000000000000000" pitchFamily="50" charset="-127"/>
+            </a:endParaRPr>
+          </a:p>
+        </p:txBody>
+      </p:sp>
+    </p:spTree>
+    <p:extLst>
+      <p:ext uri="{BB962C8B-B14F-4D97-AF65-F5344CB8AC3E}">
+        <p14:creationId xmlns:p14="http://schemas.microsoft.com/office/powerpoint/2010/main" val="1185164479"/>
+      </p:ext>
+    </p:extLst>
+  </p:cSld>
+  <p:clrMapOvr>
+    <a:masterClrMapping/>
+  </p:clrMapOvr>
+  <p:timing>
+    <p:tnLst>
+      <p:par>
+        <p:cTn id="1" dur="indefinite" restart="never" nodeType="tmRoot"/>
+      </p:par>
+    </p:tnLst>
+  </p:timing>
+</p:sld>
+</file>
+
+<file path=ppt/slides/slide28.xml><?xml version="1.0" encoding="utf-8"?>
+<p:sld xmlns:a="http://schemas.openxmlformats.org/drawingml/2006/main" xmlns:r="http://schemas.openxmlformats.org/officeDocument/2006/relationships" xmlns:p="http://schemas.openxmlformats.org/presentationml/2006/main">
+  <p:cSld>
+    <p:spTree>
+      <p:nvGrpSpPr>
+        <p:cNvPr id="1" name=""/>
+        <p:cNvGrpSpPr/>
+        <p:nvPr/>
+      </p:nvGrpSpPr>
+      <p:grpSpPr>
+        <a:xfrm>
+          <a:off x="0" y="0"/>
+          <a:ext cx="0" cy="0"/>
+          <a:chOff x="0" y="0"/>
+          <a:chExt cx="0" cy="0"/>
+        </a:xfrm>
+      </p:grpSpPr>
+      <p:pic>
+        <p:nvPicPr>
+          <p:cNvPr id="4" name="그림 3"/>
+          <p:cNvPicPr>
+            <a:picLocks noChangeAspect="1"/>
+          </p:cNvPicPr>
+          <p:nvPr/>
+        </p:nvPicPr>
+        <p:blipFill>
+          <a:blip r:embed="rId2"/>
+          <a:stretch>
+            <a:fillRect/>
+          </a:stretch>
+        </p:blipFill>
+        <p:spPr>
+          <a:xfrm>
+            <a:off x="685800" y="602176"/>
+            <a:ext cx="9525000" cy="7058865"/>
+          </a:xfrm>
+          <a:prstGeom prst="rect">
+            <a:avLst/>
+          </a:prstGeom>
+        </p:spPr>
+      </p:pic>
+      <p:pic>
+        <p:nvPicPr>
+          <p:cNvPr id="5" name="그림 4"/>
+          <p:cNvPicPr>
+            <a:picLocks noChangeAspect="1"/>
+          </p:cNvPicPr>
+          <p:nvPr/>
+        </p:nvPicPr>
+        <p:blipFill>
+          <a:blip r:embed="rId3"/>
+          <a:stretch>
+            <a:fillRect/>
+          </a:stretch>
+        </p:blipFill>
+        <p:spPr>
+          <a:xfrm>
+            <a:off x="10515600" y="5143500"/>
+            <a:ext cx="5105400" cy="2271152"/>
+          </a:xfrm>
+          <a:prstGeom prst="rect">
+            <a:avLst/>
+          </a:prstGeom>
+        </p:spPr>
+      </p:pic>
+      <p:sp>
+        <p:nvSpPr>
+          <p:cNvPr id="6" name="직사각형 5">
+            <a:extLst>
+              <a:ext uri="{FF2B5EF4-FFF2-40B4-BE49-F238E27FC236}">
+                <a16:creationId xmlns="" xmlns:a16="http://schemas.microsoft.com/office/drawing/2014/main" id="{FFF506F9-840A-0508-4CAF-3AC711D8D5CE}"/>
+              </a:ext>
+            </a:extLst>
+          </p:cNvPr>
+          <p:cNvSpPr/>
+          <p:nvPr/>
+        </p:nvSpPr>
+        <p:spPr>
+          <a:xfrm>
+            <a:off x="685800" y="5295900"/>
+            <a:ext cx="9296400" cy="1905000"/>
+          </a:xfrm>
+          <a:prstGeom prst="rect">
+            <a:avLst/>
+          </a:prstGeom>
+          <a:noFill/>
+          <a:ln>
+            <a:solidFill>
+              <a:srgbClr val="FF0000"/>
+            </a:solidFill>
+          </a:ln>
+        </p:spPr>
+        <p:style>
+          <a:lnRef idx="2">
+            <a:schemeClr val="accent2">
+              <a:shade val="50000"/>
+            </a:schemeClr>
+          </a:lnRef>
+          <a:fillRef idx="1">
+            <a:schemeClr val="accent2"/>
+          </a:fillRef>
+          <a:effectRef idx="0">
+            <a:schemeClr val="accent2"/>
+          </a:effectRef>
+          <a:fontRef idx="minor">
+            <a:schemeClr val="lt1"/>
+          </a:fontRef>
+        </p:style>
+        <p:txBody>
+          <a:bodyPr rtlCol="0" anchor="ctr"/>
+          <a:lstStyle/>
+          <a:p>
+            <a:pPr algn="ctr"/>
+            <a:endParaRPr lang="ko-KR" altLang="en-US"/>
+          </a:p>
+        </p:txBody>
+      </p:sp>
+      <p:sp>
+        <p:nvSpPr>
+          <p:cNvPr id="7" name="TextBox 6">
+            <a:extLst>
+              <a:ext uri="{FF2B5EF4-FFF2-40B4-BE49-F238E27FC236}">
+                <a16:creationId xmlns="" xmlns:a16="http://schemas.microsoft.com/office/drawing/2014/main" id="{C6D113C6-EA5C-788F-0C77-E7CE6EBB865F}"/>
+              </a:ext>
+            </a:extLst>
+          </p:cNvPr>
+          <p:cNvSpPr txBox="1"/>
+          <p:nvPr/>
+        </p:nvSpPr>
+        <p:spPr>
+          <a:xfrm>
+            <a:off x="457200" y="8572500"/>
+            <a:ext cx="17221200" cy="707886"/>
+          </a:xfrm>
+          <a:prstGeom prst="rect">
+            <a:avLst/>
+          </a:prstGeom>
+          <a:noFill/>
+        </p:spPr>
+        <p:txBody>
+          <a:bodyPr wrap="square" rtlCol="0">
+            <a:spAutoFit/>
+          </a:bodyPr>
+          <a:lstStyle/>
+          <a:p>
+            <a:r>
+              <a:rPr lang="en-US" altLang="ko-KR" sz="4000" dirty="0" smtClean="0">
+                <a:solidFill>
+                  <a:srgbClr val="FF0000"/>
+                </a:solidFill>
+                <a:latin typeface="G마켓 산스 Medium" panose="02000000000000000000" pitchFamily="50" charset="-127"/>
+                <a:ea typeface="G마켓 산스 Medium" panose="02000000000000000000" pitchFamily="50" charset="-127"/>
+              </a:rPr>
+              <a:t>catch</a:t>
+            </a:r>
+            <a:r>
+              <a:rPr lang="ko-KR" altLang="en-US" sz="4000" dirty="0" smtClean="0">
+                <a:solidFill>
+                  <a:srgbClr val="FF0000"/>
+                </a:solidFill>
+                <a:latin typeface="G마켓 산스 Medium" panose="02000000000000000000" pitchFamily="50" charset="-127"/>
+                <a:ea typeface="G마켓 산스 Medium" panose="02000000000000000000" pitchFamily="50" charset="-127"/>
+              </a:rPr>
+              <a:t>에서 </a:t>
+            </a:r>
+            <a:r>
+              <a:rPr lang="en-US" altLang="ko-KR" sz="4000" dirty="0" smtClean="0">
+                <a:solidFill>
+                  <a:srgbClr val="FF0000"/>
+                </a:solidFill>
+                <a:latin typeface="G마켓 산스 Medium" panose="02000000000000000000" pitchFamily="50" charset="-127"/>
+                <a:ea typeface="G마켓 산스 Medium" panose="02000000000000000000" pitchFamily="50" charset="-127"/>
+              </a:rPr>
+              <a:t>return</a:t>
+            </a:r>
+            <a:r>
+              <a:rPr lang="ko-KR" altLang="en-US" sz="4000" dirty="0" smtClean="0">
+                <a:solidFill>
+                  <a:srgbClr val="FF0000"/>
+                </a:solidFill>
+                <a:latin typeface="G마켓 산스 Medium" panose="02000000000000000000" pitchFamily="50" charset="-127"/>
+                <a:ea typeface="G마켓 산스 Medium" panose="02000000000000000000" pitchFamily="50" charset="-127"/>
+              </a:rPr>
+              <a:t>을 만나더라도 </a:t>
+            </a:r>
+            <a:r>
+              <a:rPr lang="en-US" altLang="ko-KR" sz="4000" dirty="0" smtClean="0">
+                <a:solidFill>
+                  <a:srgbClr val="FF0000"/>
+                </a:solidFill>
+                <a:latin typeface="G마켓 산스 Medium" panose="02000000000000000000" pitchFamily="50" charset="-127"/>
+                <a:ea typeface="G마켓 산스 Medium" panose="02000000000000000000" pitchFamily="50" charset="-127"/>
+              </a:rPr>
+              <a:t>finally</a:t>
+            </a:r>
+            <a:r>
+              <a:rPr lang="ko-KR" altLang="en-US" sz="4000" dirty="0" smtClean="0">
+                <a:solidFill>
+                  <a:srgbClr val="FF0000"/>
+                </a:solidFill>
+                <a:latin typeface="G마켓 산스 Medium" panose="02000000000000000000" pitchFamily="50" charset="-127"/>
+                <a:ea typeface="G마켓 산스 Medium" panose="02000000000000000000" pitchFamily="50" charset="-127"/>
+              </a:rPr>
+              <a:t>는 무조건 실행이 된다</a:t>
+            </a:r>
+            <a:r>
+              <a:rPr lang="en-US" altLang="ko-KR" sz="4000" dirty="0" smtClean="0">
+                <a:solidFill>
+                  <a:srgbClr val="FF0000"/>
+                </a:solidFill>
+                <a:latin typeface="G마켓 산스 Medium" panose="02000000000000000000" pitchFamily="50" charset="-127"/>
+                <a:ea typeface="G마켓 산스 Medium" panose="02000000000000000000" pitchFamily="50" charset="-127"/>
+              </a:rPr>
+              <a:t>.</a:t>
+            </a:r>
+            <a:endParaRPr lang="en-US" altLang="ko-KR" sz="4000" dirty="0">
+              <a:solidFill>
+                <a:srgbClr val="FF0000"/>
+              </a:solidFill>
+              <a:latin typeface="G마켓 산스 Medium" panose="02000000000000000000" pitchFamily="50" charset="-127"/>
+              <a:ea typeface="G마켓 산스 Medium" panose="02000000000000000000" pitchFamily="50" charset="-127"/>
+            </a:endParaRPr>
+          </a:p>
+        </p:txBody>
+      </p:sp>
+    </p:spTree>
+    <p:extLst>
+      <p:ext uri="{BB962C8B-B14F-4D97-AF65-F5344CB8AC3E}">
+        <p14:creationId xmlns:p14="http://schemas.microsoft.com/office/powerpoint/2010/main" val="3762665694"/>
+      </p:ext>
+    </p:extLst>
+  </p:cSld>
+  <p:clrMapOvr>
+    <a:masterClrMapping/>
+  </p:clrMapOvr>
+  <p:timing>
+    <p:tnLst>
+      <p:par>
+        <p:cTn id="1" dur="indefinite" restart="never" nodeType="tmRoot"/>
+      </p:par>
+    </p:tnLst>
+  </p:timing>
+</p:sld>
+</file>
+
+<file path=ppt/slides/slide29.xml><?xml version="1.0" encoding="utf-8"?>
+<p:sld xmlns:a="http://schemas.openxmlformats.org/drawingml/2006/main" xmlns:r="http://schemas.openxmlformats.org/officeDocument/2006/relationships" xmlns:p="http://schemas.openxmlformats.org/presentationml/2006/main">
+  <p:cSld>
+    <p:spTree>
+      <p:nvGrpSpPr>
+        <p:cNvPr id="1" name=""/>
+        <p:cNvGrpSpPr/>
+        <p:nvPr/>
+      </p:nvGrpSpPr>
+      <p:grpSpPr>
+        <a:xfrm>
+          <a:off x="0" y="0"/>
+          <a:ext cx="0" cy="0"/>
+          <a:chOff x="0" y="0"/>
+          <a:chExt cx="0" cy="0"/>
+        </a:xfrm>
+      </p:grpSpPr>
+      <p:pic>
+        <p:nvPicPr>
+          <p:cNvPr id="4" name="그림 3"/>
+          <p:cNvPicPr>
+            <a:picLocks noChangeAspect="1"/>
+          </p:cNvPicPr>
+          <p:nvPr/>
+        </p:nvPicPr>
+        <p:blipFill>
+          <a:blip r:embed="rId2"/>
+          <a:stretch>
+            <a:fillRect/>
+          </a:stretch>
+        </p:blipFill>
+        <p:spPr>
+          <a:xfrm>
             <a:off x="1066800" y="190500"/>
             <a:ext cx="8839200" cy="7393537"/>
           </a:xfrm>
@@ -10671,7 +11640,7 @@
         <p:spPr>
           <a:xfrm>
             <a:off x="2057400" y="8017014"/>
-            <a:ext cx="11277600" cy="830997"/>
+            <a:ext cx="14706600" cy="830997"/>
           </a:xfrm>
           <a:prstGeom prst="rect">
             <a:avLst/>
@@ -10685,7 +11654,7 @@
           <a:lstStyle/>
           <a:p>
             <a:r>
-              <a:rPr lang="ko-KR" altLang="en-US" sz="4800" smtClean="0">
+              <a:rPr lang="ko-KR" altLang="en-US" sz="4800" dirty="0" smtClean="0">
                 <a:solidFill>
                   <a:srgbClr val="FF0000"/>
                 </a:solidFill>
@@ -10695,7 +11664,7 @@
               <a:t>그런데</a:t>
             </a:r>
             <a:r>
-              <a:rPr lang="en-US" altLang="ko-KR" sz="4800" smtClean="0">
+              <a:rPr lang="en-US" altLang="ko-KR" sz="4800" dirty="0" smtClean="0">
                 <a:solidFill>
                   <a:srgbClr val="FF0000"/>
                 </a:solidFill>
@@ -10705,7 +11674,7 @@
               <a:t> close </a:t>
             </a:r>
             <a:r>
-              <a:rPr lang="ko-KR" altLang="en-US" sz="4800" smtClean="0">
+              <a:rPr lang="ko-KR" altLang="en-US" sz="4800" dirty="0" smtClean="0">
                 <a:solidFill>
                   <a:srgbClr val="FF0000"/>
                 </a:solidFill>
@@ -10715,7 +11684,7 @@
               <a:t>하다가 예외가 발생하면</a:t>
             </a:r>
             <a:r>
-              <a:rPr lang="en-US" altLang="ko-KR" sz="4800" smtClean="0">
+              <a:rPr lang="en-US" altLang="ko-KR" sz="4800" dirty="0" smtClean="0">
                 <a:solidFill>
                   <a:srgbClr val="FF0000"/>
                 </a:solidFill>
@@ -11030,472 +11999,6 @@
 </p:sld>
 </file>
 
-<file path=ppt/slides/slide28.xml><?xml version="1.0" encoding="utf-8"?>
-<p:sld xmlns:a="http://schemas.openxmlformats.org/drawingml/2006/main" xmlns:r="http://schemas.openxmlformats.org/officeDocument/2006/relationships" xmlns:p="http://schemas.openxmlformats.org/presentationml/2006/main">
-  <p:cSld>
-    <p:spTree>
-      <p:nvGrpSpPr>
-        <p:cNvPr id="1" name=""/>
-        <p:cNvGrpSpPr/>
-        <p:nvPr/>
-      </p:nvGrpSpPr>
-      <p:grpSpPr>
-        <a:xfrm>
-          <a:off x="0" y="0"/>
-          <a:ext cx="0" cy="0"/>
-          <a:chOff x="0" y="0"/>
-          <a:chExt cx="0" cy="0"/>
-        </a:xfrm>
-      </p:grpSpPr>
-      <p:pic>
-        <p:nvPicPr>
-          <p:cNvPr id="4" name="그림 3"/>
-          <p:cNvPicPr>
-            <a:picLocks noChangeAspect="1"/>
-          </p:cNvPicPr>
-          <p:nvPr/>
-        </p:nvPicPr>
-        <p:blipFill>
-          <a:blip r:embed="rId2"/>
-          <a:stretch>
-            <a:fillRect/>
-          </a:stretch>
-        </p:blipFill>
-        <p:spPr>
-          <a:xfrm>
-            <a:off x="1295400" y="1028700"/>
-            <a:ext cx="9980307" cy="5029200"/>
-          </a:xfrm>
-          <a:prstGeom prst="rect">
-            <a:avLst/>
-          </a:prstGeom>
-        </p:spPr>
-      </p:pic>
-      <p:sp>
-        <p:nvSpPr>
-          <p:cNvPr id="5" name="TextBox 4">
-            <a:extLst>
-              <a:ext uri="{FF2B5EF4-FFF2-40B4-BE49-F238E27FC236}">
-                <a16:creationId xmlns="" xmlns:a16="http://schemas.microsoft.com/office/drawing/2014/main" id="{C6D113C6-EA5C-788F-0C77-E7CE6EBB865F}"/>
-              </a:ext>
-            </a:extLst>
-          </p:cNvPr>
-          <p:cNvSpPr txBox="1"/>
-          <p:nvPr/>
-        </p:nvSpPr>
-        <p:spPr>
-          <a:xfrm>
-            <a:off x="1447800" y="6972300"/>
-            <a:ext cx="14211300" cy="707886"/>
-          </a:xfrm>
-          <a:prstGeom prst="rect">
-            <a:avLst/>
-          </a:prstGeom>
-          <a:noFill/>
-        </p:spPr>
-        <p:txBody>
-          <a:bodyPr wrap="square" rtlCol="0">
-            <a:spAutoFit/>
-          </a:bodyPr>
-          <a:lstStyle/>
-          <a:p>
-            <a:r>
-              <a:rPr lang="en-US" altLang="ko-KR" sz="4000" smtClean="0">
-                <a:solidFill>
-                  <a:srgbClr val="FF0000"/>
-                </a:solidFill>
-                <a:latin typeface="G마켓 산스 Medium" panose="02000000000000000000" pitchFamily="50" charset="-127"/>
-                <a:ea typeface="G마켓 산스 Medium" panose="02000000000000000000" pitchFamily="50" charset="-127"/>
-              </a:rPr>
-              <a:t>finally </a:t>
-            </a:r>
-            <a:r>
-              <a:rPr lang="ko-KR" altLang="en-US" sz="4000" smtClean="0">
-                <a:solidFill>
-                  <a:srgbClr val="FF0000"/>
-                </a:solidFill>
-                <a:latin typeface="G마켓 산스 Medium" panose="02000000000000000000" pitchFamily="50" charset="-127"/>
-                <a:ea typeface="G마켓 산스 Medium" panose="02000000000000000000" pitchFamily="50" charset="-127"/>
-              </a:rPr>
-              <a:t>안에서 다시 예외 처리를 해줘야 한다 ㅠㅠ</a:t>
-            </a:r>
-            <a:endParaRPr lang="en-US" altLang="ko-KR" sz="4000" dirty="0">
-              <a:solidFill>
-                <a:srgbClr val="FF0000"/>
-              </a:solidFill>
-              <a:latin typeface="G마켓 산스 Medium" panose="02000000000000000000" pitchFamily="50" charset="-127"/>
-              <a:ea typeface="G마켓 산스 Medium" panose="02000000000000000000" pitchFamily="50" charset="-127"/>
-            </a:endParaRPr>
-          </a:p>
-        </p:txBody>
-      </p:sp>
-    </p:spTree>
-    <p:extLst>
-      <p:ext uri="{BB962C8B-B14F-4D97-AF65-F5344CB8AC3E}">
-        <p14:creationId xmlns:p14="http://schemas.microsoft.com/office/powerpoint/2010/main" val="1816533443"/>
-      </p:ext>
-    </p:extLst>
-  </p:cSld>
-  <p:clrMapOvr>
-    <a:masterClrMapping/>
-  </p:clrMapOvr>
-  <p:timing>
-    <p:tnLst>
-      <p:par>
-        <p:cTn id="1" dur="indefinite" restart="never" nodeType="tmRoot"/>
-      </p:par>
-    </p:tnLst>
-  </p:timing>
-</p:sld>
-</file>
-
-<file path=ppt/slides/slide29.xml><?xml version="1.0" encoding="utf-8"?>
-<p:sld xmlns:a="http://schemas.openxmlformats.org/drawingml/2006/main" xmlns:r="http://schemas.openxmlformats.org/officeDocument/2006/relationships" xmlns:p="http://schemas.openxmlformats.org/presentationml/2006/main">
-  <p:cSld>
-    <p:spTree>
-      <p:nvGrpSpPr>
-        <p:cNvPr id="1" name=""/>
-        <p:cNvGrpSpPr/>
-        <p:nvPr/>
-      </p:nvGrpSpPr>
-      <p:grpSpPr>
-        <a:xfrm>
-          <a:off x="0" y="0"/>
-          <a:ext cx="0" cy="0"/>
-          <a:chOff x="0" y="0"/>
-          <a:chExt cx="0" cy="0"/>
-        </a:xfrm>
-      </p:grpSpPr>
-      <p:sp>
-        <p:nvSpPr>
-          <p:cNvPr id="4" name="TextBox 3">
-            <a:extLst>
-              <a:ext uri="{FF2B5EF4-FFF2-40B4-BE49-F238E27FC236}">
-                <a16:creationId xmlns="" xmlns:a16="http://schemas.microsoft.com/office/drawing/2014/main" id="{842ED589-6A4E-CC1A-50B8-343A67912051}"/>
-              </a:ext>
-            </a:extLst>
-          </p:cNvPr>
-          <p:cNvSpPr txBox="1"/>
-          <p:nvPr/>
-        </p:nvSpPr>
-        <p:spPr>
-          <a:xfrm>
-            <a:off x="457200" y="342900"/>
-            <a:ext cx="7772400" cy="830997"/>
-          </a:xfrm>
-          <a:prstGeom prst="rect">
-            <a:avLst/>
-          </a:prstGeom>
-          <a:noFill/>
-        </p:spPr>
-        <p:txBody>
-          <a:bodyPr wrap="square" rtlCol="0">
-            <a:spAutoFit/>
-          </a:bodyPr>
-          <a:lstStyle/>
-          <a:p>
-            <a:r>
-              <a:rPr lang="en-US" altLang="ko-KR" sz="4800" smtClean="0">
-                <a:solidFill>
-                  <a:srgbClr val="4C50BC"/>
-                </a:solidFill>
-                <a:latin typeface="G마켓 산스 Medium" panose="02000000000000000000" pitchFamily="50" charset="-127"/>
-                <a:ea typeface="G마켓 산스 Medium" panose="02000000000000000000" pitchFamily="50" charset="-127"/>
-              </a:rPr>
-              <a:t>try with resource</a:t>
-            </a:r>
-            <a:r>
-              <a:rPr lang="ko-KR" altLang="en-US" sz="4800" smtClean="0">
-                <a:solidFill>
-                  <a:srgbClr val="4C50BC"/>
-                </a:solidFill>
-                <a:latin typeface="G마켓 산스 Medium" panose="02000000000000000000" pitchFamily="50" charset="-127"/>
-                <a:ea typeface="G마켓 산스 Medium" panose="02000000000000000000" pitchFamily="50" charset="-127"/>
-              </a:rPr>
-              <a:t>문</a:t>
-            </a:r>
-            <a:endParaRPr lang="en-US" altLang="ko-KR" sz="4800" dirty="0">
-              <a:solidFill>
-                <a:srgbClr val="4C50BC"/>
-              </a:solidFill>
-              <a:latin typeface="G마켓 산스 Medium" panose="02000000000000000000" pitchFamily="50" charset="-127"/>
-              <a:ea typeface="G마켓 산스 Medium" panose="02000000000000000000" pitchFamily="50" charset="-127"/>
-            </a:endParaRPr>
-          </a:p>
-        </p:txBody>
-      </p:sp>
-      <p:sp>
-        <p:nvSpPr>
-          <p:cNvPr id="5" name="TextBox 4">
-            <a:extLst>
-              <a:ext uri="{FF2B5EF4-FFF2-40B4-BE49-F238E27FC236}">
-                <a16:creationId xmlns="" xmlns:a16="http://schemas.microsoft.com/office/drawing/2014/main" id="{A2AD056B-97A4-5BCC-4460-250160F3E171}"/>
-              </a:ext>
-            </a:extLst>
-          </p:cNvPr>
-          <p:cNvSpPr txBox="1"/>
-          <p:nvPr/>
-        </p:nvSpPr>
-        <p:spPr>
-          <a:xfrm>
-            <a:off x="7696200" y="342900"/>
-            <a:ext cx="6019800" cy="707886"/>
-          </a:xfrm>
-          <a:prstGeom prst="rect">
-            <a:avLst/>
-          </a:prstGeom>
-          <a:noFill/>
-        </p:spPr>
-        <p:txBody>
-          <a:bodyPr wrap="square" rtlCol="0">
-            <a:spAutoFit/>
-          </a:bodyPr>
-          <a:lstStyle/>
-          <a:p>
-            <a:r>
-              <a:rPr lang="en-US" altLang="ko-KR" sz="4000" smtClean="0">
-                <a:solidFill>
-                  <a:schemeClr val="tx1">
-                    <a:lumMod val="50000"/>
-                    <a:lumOff val="50000"/>
-                  </a:schemeClr>
-                </a:solidFill>
-                <a:latin typeface="G마켓 산스 Medium" panose="02000000000000000000" pitchFamily="50" charset="-127"/>
-                <a:ea typeface="G마켓 산스 Medium" panose="02000000000000000000" pitchFamily="50" charset="-127"/>
-              </a:rPr>
-              <a:t>SDK 1.7</a:t>
-            </a:r>
-            <a:r>
-              <a:rPr lang="ko-KR" altLang="en-US" sz="4000" smtClean="0">
-                <a:solidFill>
-                  <a:schemeClr val="tx1">
-                    <a:lumMod val="50000"/>
-                    <a:lumOff val="50000"/>
-                  </a:schemeClr>
-                </a:solidFill>
-                <a:latin typeface="G마켓 산스 Medium" panose="02000000000000000000" pitchFamily="50" charset="-127"/>
-                <a:ea typeface="G마켓 산스 Medium" panose="02000000000000000000" pitchFamily="50" charset="-127"/>
-              </a:rPr>
-              <a:t>부터 사용가능</a:t>
-            </a:r>
-            <a:endParaRPr lang="en-US" altLang="ko-KR" sz="4000" dirty="0">
-              <a:solidFill>
-                <a:schemeClr val="tx1">
-                  <a:lumMod val="50000"/>
-                  <a:lumOff val="50000"/>
-                </a:schemeClr>
-              </a:solidFill>
-              <a:latin typeface="G마켓 산스 Medium" panose="02000000000000000000" pitchFamily="50" charset="-127"/>
-              <a:ea typeface="G마켓 산스 Medium" panose="02000000000000000000" pitchFamily="50" charset="-127"/>
-            </a:endParaRPr>
-          </a:p>
-        </p:txBody>
-      </p:sp>
-      <p:pic>
-        <p:nvPicPr>
-          <p:cNvPr id="7" name="그림 6"/>
-          <p:cNvPicPr>
-            <a:picLocks noChangeAspect="1"/>
-          </p:cNvPicPr>
-          <p:nvPr/>
-        </p:nvPicPr>
-        <p:blipFill>
-          <a:blip r:embed="rId2"/>
-          <a:stretch>
-            <a:fillRect/>
-          </a:stretch>
-        </p:blipFill>
-        <p:spPr>
-          <a:xfrm>
-            <a:off x="857250" y="1409700"/>
-            <a:ext cx="11126400" cy="5791200"/>
-          </a:xfrm>
-          <a:prstGeom prst="rect">
-            <a:avLst/>
-          </a:prstGeom>
-        </p:spPr>
-      </p:pic>
-      <p:cxnSp>
-        <p:nvCxnSpPr>
-          <p:cNvPr id="11" name="직선 화살표 연결선 10">
-            <a:extLst>
-              <a:ext uri="{FF2B5EF4-FFF2-40B4-BE49-F238E27FC236}">
-                <a16:creationId xmlns="" xmlns:a16="http://schemas.microsoft.com/office/drawing/2014/main" id="{299DF5EC-9DF4-5255-06AC-0A7CE4FF58C3}"/>
-              </a:ext>
-            </a:extLst>
-          </p:cNvPr>
-          <p:cNvCxnSpPr>
-            <a:cxnSpLocks/>
-          </p:cNvCxnSpPr>
-          <p:nvPr/>
-        </p:nvCxnSpPr>
-        <p:spPr>
-          <a:xfrm>
-            <a:off x="9979543" y="2739614"/>
-            <a:ext cx="1219200" cy="0"/>
-          </a:xfrm>
-          <a:prstGeom prst="straightConnector1">
-            <a:avLst/>
-          </a:prstGeom>
-          <a:ln w="38100">
-            <a:tailEnd type="triangle"/>
-          </a:ln>
-        </p:spPr>
-        <p:style>
-          <a:lnRef idx="1">
-            <a:schemeClr val="accent2"/>
-          </a:lnRef>
-          <a:fillRef idx="0">
-            <a:schemeClr val="accent2"/>
-          </a:fillRef>
-          <a:effectRef idx="0">
-            <a:schemeClr val="accent2"/>
-          </a:effectRef>
-          <a:fontRef idx="minor">
-            <a:schemeClr val="tx1"/>
-          </a:fontRef>
-        </p:style>
-      </p:cxnSp>
-      <p:sp>
-        <p:nvSpPr>
-          <p:cNvPr id="12" name="직사각형 11">
-            <a:extLst>
-              <a:ext uri="{FF2B5EF4-FFF2-40B4-BE49-F238E27FC236}">
-                <a16:creationId xmlns="" xmlns:a16="http://schemas.microsoft.com/office/drawing/2014/main" id="{FFF506F9-840A-0508-4CAF-3AC711D8D5CE}"/>
-              </a:ext>
-            </a:extLst>
-          </p:cNvPr>
-          <p:cNvSpPr/>
-          <p:nvPr/>
-        </p:nvSpPr>
-        <p:spPr>
-          <a:xfrm>
-            <a:off x="1905000" y="2499716"/>
-            <a:ext cx="8074543" cy="532269"/>
-          </a:xfrm>
-          <a:prstGeom prst="rect">
-            <a:avLst/>
-          </a:prstGeom>
-          <a:noFill/>
-          <a:ln>
-            <a:solidFill>
-              <a:srgbClr val="FF0000"/>
-            </a:solidFill>
-          </a:ln>
-        </p:spPr>
-        <p:style>
-          <a:lnRef idx="2">
-            <a:schemeClr val="accent2">
-              <a:shade val="50000"/>
-            </a:schemeClr>
-          </a:lnRef>
-          <a:fillRef idx="1">
-            <a:schemeClr val="accent2"/>
-          </a:fillRef>
-          <a:effectRef idx="0">
-            <a:schemeClr val="accent2"/>
-          </a:effectRef>
-          <a:fontRef idx="minor">
-            <a:schemeClr val="lt1"/>
-          </a:fontRef>
-        </p:style>
-        <p:txBody>
-          <a:bodyPr rtlCol="0" anchor="ctr"/>
-          <a:lstStyle/>
-          <a:p>
-            <a:pPr algn="ctr"/>
-            <a:endParaRPr lang="ko-KR" altLang="en-US"/>
-          </a:p>
-        </p:txBody>
-      </p:sp>
-      <p:sp>
-        <p:nvSpPr>
-          <p:cNvPr id="13" name="TextBox 12">
-            <a:extLst>
-              <a:ext uri="{FF2B5EF4-FFF2-40B4-BE49-F238E27FC236}">
-                <a16:creationId xmlns="" xmlns:a16="http://schemas.microsoft.com/office/drawing/2014/main" id="{C6D113C6-EA5C-788F-0C77-E7CE6EBB865F}"/>
-              </a:ext>
-            </a:extLst>
-          </p:cNvPr>
-          <p:cNvSpPr txBox="1"/>
-          <p:nvPr/>
-        </p:nvSpPr>
-        <p:spPr>
-          <a:xfrm>
-            <a:off x="11353800" y="2324100"/>
-            <a:ext cx="6400800" cy="1323439"/>
-          </a:xfrm>
-          <a:prstGeom prst="rect">
-            <a:avLst/>
-          </a:prstGeom>
-          <a:noFill/>
-        </p:spPr>
-        <p:txBody>
-          <a:bodyPr wrap="square" rtlCol="0">
-            <a:spAutoFit/>
-          </a:bodyPr>
-          <a:lstStyle/>
-          <a:p>
-            <a:r>
-              <a:rPr lang="en-US" altLang="ko-KR" sz="4000" smtClean="0">
-                <a:solidFill>
-                  <a:srgbClr val="FF0000"/>
-                </a:solidFill>
-                <a:latin typeface="G마켓 산스 Medium" panose="02000000000000000000" pitchFamily="50" charset="-127"/>
-                <a:ea typeface="G마켓 산스 Medium" panose="02000000000000000000" pitchFamily="50" charset="-127"/>
-              </a:rPr>
-              <a:t>Close()</a:t>
-            </a:r>
-            <a:r>
-              <a:rPr lang="ko-KR" altLang="en-US" sz="4000" smtClean="0">
-                <a:solidFill>
-                  <a:srgbClr val="FF0000"/>
-                </a:solidFill>
-                <a:latin typeface="G마켓 산스 Medium" panose="02000000000000000000" pitchFamily="50" charset="-127"/>
-                <a:ea typeface="G마켓 산스 Medium" panose="02000000000000000000" pitchFamily="50" charset="-127"/>
-              </a:rPr>
-              <a:t>를 자동으로 호출해준다</a:t>
-            </a:r>
-            <a:r>
-              <a:rPr lang="en-US" altLang="ko-KR" sz="4000" smtClean="0">
-                <a:solidFill>
-                  <a:srgbClr val="FF0000"/>
-                </a:solidFill>
-                <a:latin typeface="G마켓 산스 Medium" panose="02000000000000000000" pitchFamily="50" charset="-127"/>
-                <a:ea typeface="G마켓 산스 Medium" panose="02000000000000000000" pitchFamily="50" charset="-127"/>
-              </a:rPr>
-              <a:t>.</a:t>
-            </a:r>
-            <a:endParaRPr lang="en-US" altLang="ko-KR" sz="4000" dirty="0">
-              <a:solidFill>
-                <a:srgbClr val="FF0000"/>
-              </a:solidFill>
-              <a:latin typeface="G마켓 산스 Medium" panose="02000000000000000000" pitchFamily="50" charset="-127"/>
-              <a:ea typeface="G마켓 산스 Medium" panose="02000000000000000000" pitchFamily="50" charset="-127"/>
-            </a:endParaRPr>
-          </a:p>
-        </p:txBody>
-      </p:sp>
-    </p:spTree>
-    <p:extLst>
-      <p:ext uri="{BB962C8B-B14F-4D97-AF65-F5344CB8AC3E}">
-        <p14:creationId xmlns:p14="http://schemas.microsoft.com/office/powerpoint/2010/main" val="2994043452"/>
-      </p:ext>
-    </p:extLst>
-  </p:cSld>
-  <p:clrMapOvr>
-    <a:masterClrMapping/>
-  </p:clrMapOvr>
-  <p:timing>
-    <p:tnLst>
-      <p:par>
-        <p:cTn id="1" dur="indefinite" restart="never" nodeType="tmRoot"/>
-      </p:par>
-    </p:tnLst>
-  </p:timing>
-</p:sld>
-</file>
-
 <file path=ppt/slides/slide3.xml><?xml version="1.0" encoding="utf-8"?>
 <p:sld xmlns:a="http://schemas.openxmlformats.org/drawingml/2006/main" xmlns:r="http://schemas.openxmlformats.org/officeDocument/2006/relationships" xmlns:p="http://schemas.openxmlformats.org/presentationml/2006/main">
   <p:cSld name="Slide 4">
@@ -11797,32 +12300,8 @@
         </p:blipFill>
         <p:spPr>
           <a:xfrm>
-            <a:off x="1219200" y="800100"/>
-            <a:ext cx="8384345" cy="1219200"/>
-          </a:xfrm>
-          <a:prstGeom prst="rect">
-            <a:avLst/>
-          </a:prstGeom>
-        </p:spPr>
-      </p:pic>
-      <p:pic>
-        <p:nvPicPr>
-          <p:cNvPr id="5" name="그림 4"/>
-          <p:cNvPicPr>
-            <a:picLocks noChangeAspect="1"/>
-          </p:cNvPicPr>
-          <p:nvPr/>
-        </p:nvPicPr>
-        <p:blipFill>
-          <a:blip r:embed="rId3"/>
-          <a:stretch>
-            <a:fillRect/>
-          </a:stretch>
-        </p:blipFill>
-        <p:spPr>
-          <a:xfrm>
-            <a:off x="1244600" y="2019300"/>
-            <a:ext cx="7981950" cy="1219200"/>
+            <a:off x="1295400" y="1028700"/>
+            <a:ext cx="9980307" cy="5029200"/>
           </a:xfrm>
           <a:prstGeom prst="rect">
             <a:avLst/>
@@ -11831,7 +12310,7 @@
       </p:pic>
       <p:sp>
         <p:nvSpPr>
-          <p:cNvPr id="6" name="TextBox 5">
+          <p:cNvPr id="5" name="TextBox 4">
             <a:extLst>
               <a:ext uri="{FF2B5EF4-FFF2-40B4-BE49-F238E27FC236}">
                 <a16:creationId xmlns="" xmlns:a16="http://schemas.microsoft.com/office/drawing/2014/main" id="{C6D113C6-EA5C-788F-0C77-E7CE6EBB865F}"/>
@@ -11843,8 +12322,8 @@
         </p:nvSpPr>
         <p:spPr>
           <a:xfrm>
-            <a:off x="1371600" y="5905500"/>
-            <a:ext cx="13995400" cy="1323439"/>
+            <a:off x="1447800" y="6972300"/>
+            <a:ext cx="14211300" cy="707886"/>
           </a:xfrm>
           <a:prstGeom prst="rect">
             <a:avLst/>
@@ -11865,7 +12344,7 @@
                 <a:latin typeface="G마켓 산스 Medium" panose="02000000000000000000" pitchFamily="50" charset="-127"/>
                 <a:ea typeface="G마켓 산스 Medium" panose="02000000000000000000" pitchFamily="50" charset="-127"/>
               </a:rPr>
-              <a:t>AutoCloseable </a:t>
+              <a:t>finally </a:t>
             </a:r>
             <a:r>
               <a:rPr lang="ko-KR" altLang="en-US" sz="4000" smtClean="0">
@@ -11875,37 +12354,7 @@
                 <a:latin typeface="G마켓 산스 Medium" panose="02000000000000000000" pitchFamily="50" charset="-127"/>
                 <a:ea typeface="G마켓 산스 Medium" panose="02000000000000000000" pitchFamily="50" charset="-127"/>
               </a:rPr>
-              <a:t>인터페이스를 구현한 클래스들만 </a:t>
-            </a:r>
-            <a:r>
-              <a:rPr lang="en-US" altLang="ko-KR" sz="4000" smtClean="0">
-                <a:solidFill>
-                  <a:srgbClr val="FF0000"/>
-                </a:solidFill>
-                <a:latin typeface="G마켓 산스 Medium" panose="02000000000000000000" pitchFamily="50" charset="-127"/>
-                <a:ea typeface="G마켓 산스 Medium" panose="02000000000000000000" pitchFamily="50" charset="-127"/>
-              </a:rPr>
-              <a:t>try with resource</a:t>
-            </a:r>
-            <a:r>
-              <a:rPr lang="ko-KR" altLang="en-US" sz="4000" smtClean="0">
-                <a:solidFill>
-                  <a:srgbClr val="FF0000"/>
-                </a:solidFill>
-                <a:latin typeface="G마켓 산스 Medium" panose="02000000000000000000" pitchFamily="50" charset="-127"/>
-                <a:ea typeface="G마켓 산스 Medium" panose="02000000000000000000" pitchFamily="50" charset="-127"/>
-              </a:rPr>
-              <a:t>문에 들어갈수 있다</a:t>
-            </a:r>
-            <a:r>
-              <a:rPr lang="en-US" altLang="ko-KR" sz="4000" smtClean="0">
-                <a:solidFill>
-                  <a:srgbClr val="FF0000"/>
-                </a:solidFill>
-                <a:latin typeface="G마켓 산스 Medium" panose="02000000000000000000" pitchFamily="50" charset="-127"/>
-                <a:ea typeface="G마켓 산스 Medium" panose="02000000000000000000" pitchFamily="50" charset="-127"/>
-              </a:rPr>
-              <a:t>.</a:t>
+              <a:t>안에서 다시 예외 처리를 해줘야 한다 ㅠㅠ</a:t>
             </a:r>
             <a:endParaRPr lang="en-US" altLang="ko-KR" sz="4000" dirty="0">
               <a:solidFill>
@@ -11920,7 +12369,7 @@
     </p:spTree>
     <p:extLst>
       <p:ext uri="{BB962C8B-B14F-4D97-AF65-F5344CB8AC3E}">
-        <p14:creationId xmlns:p14="http://schemas.microsoft.com/office/powerpoint/2010/main" val="3441044182"/>
+        <p14:creationId xmlns:p14="http://schemas.microsoft.com/office/powerpoint/2010/main" val="1816533443"/>
       </p:ext>
     </p:extLst>
   </p:cSld>
@@ -11959,6 +12408,556 @@
           <p:cNvPr id="4" name="TextBox 3">
             <a:extLst>
               <a:ext uri="{FF2B5EF4-FFF2-40B4-BE49-F238E27FC236}">
+                <a16:creationId xmlns="" xmlns:a16="http://schemas.microsoft.com/office/drawing/2014/main" id="{842ED589-6A4E-CC1A-50B8-343A67912051}"/>
+              </a:ext>
+            </a:extLst>
+          </p:cNvPr>
+          <p:cNvSpPr txBox="1"/>
+          <p:nvPr/>
+        </p:nvSpPr>
+        <p:spPr>
+          <a:xfrm>
+            <a:off x="457200" y="342900"/>
+            <a:ext cx="7772400" cy="830997"/>
+          </a:xfrm>
+          <a:prstGeom prst="rect">
+            <a:avLst/>
+          </a:prstGeom>
+          <a:noFill/>
+        </p:spPr>
+        <p:txBody>
+          <a:bodyPr wrap="square" rtlCol="0">
+            <a:spAutoFit/>
+          </a:bodyPr>
+          <a:lstStyle/>
+          <a:p>
+            <a:r>
+              <a:rPr lang="en-US" altLang="ko-KR" sz="4800" smtClean="0">
+                <a:solidFill>
+                  <a:srgbClr val="4C50BC"/>
+                </a:solidFill>
+                <a:latin typeface="G마켓 산스 Medium" panose="02000000000000000000" pitchFamily="50" charset="-127"/>
+                <a:ea typeface="G마켓 산스 Medium" panose="02000000000000000000" pitchFamily="50" charset="-127"/>
+              </a:rPr>
+              <a:t>try with resource</a:t>
+            </a:r>
+            <a:r>
+              <a:rPr lang="ko-KR" altLang="en-US" sz="4800" smtClean="0">
+                <a:solidFill>
+                  <a:srgbClr val="4C50BC"/>
+                </a:solidFill>
+                <a:latin typeface="G마켓 산스 Medium" panose="02000000000000000000" pitchFamily="50" charset="-127"/>
+                <a:ea typeface="G마켓 산스 Medium" panose="02000000000000000000" pitchFamily="50" charset="-127"/>
+              </a:rPr>
+              <a:t>문</a:t>
+            </a:r>
+            <a:endParaRPr lang="en-US" altLang="ko-KR" sz="4800" dirty="0">
+              <a:solidFill>
+                <a:srgbClr val="4C50BC"/>
+              </a:solidFill>
+              <a:latin typeface="G마켓 산스 Medium" panose="02000000000000000000" pitchFamily="50" charset="-127"/>
+              <a:ea typeface="G마켓 산스 Medium" panose="02000000000000000000" pitchFamily="50" charset="-127"/>
+            </a:endParaRPr>
+          </a:p>
+        </p:txBody>
+      </p:sp>
+      <p:sp>
+        <p:nvSpPr>
+          <p:cNvPr id="5" name="TextBox 4">
+            <a:extLst>
+              <a:ext uri="{FF2B5EF4-FFF2-40B4-BE49-F238E27FC236}">
+                <a16:creationId xmlns="" xmlns:a16="http://schemas.microsoft.com/office/drawing/2014/main" id="{A2AD056B-97A4-5BCC-4460-250160F3E171}"/>
+              </a:ext>
+            </a:extLst>
+          </p:cNvPr>
+          <p:cNvSpPr txBox="1"/>
+          <p:nvPr/>
+        </p:nvSpPr>
+        <p:spPr>
+          <a:xfrm>
+            <a:off x="7696200" y="342900"/>
+            <a:ext cx="6019800" cy="707886"/>
+          </a:xfrm>
+          <a:prstGeom prst="rect">
+            <a:avLst/>
+          </a:prstGeom>
+          <a:noFill/>
+        </p:spPr>
+        <p:txBody>
+          <a:bodyPr wrap="square" rtlCol="0">
+            <a:spAutoFit/>
+          </a:bodyPr>
+          <a:lstStyle/>
+          <a:p>
+            <a:r>
+              <a:rPr lang="en-US" altLang="ko-KR" sz="4000" smtClean="0">
+                <a:solidFill>
+                  <a:schemeClr val="tx1">
+                    <a:lumMod val="50000"/>
+                    <a:lumOff val="50000"/>
+                  </a:schemeClr>
+                </a:solidFill>
+                <a:latin typeface="G마켓 산스 Medium" panose="02000000000000000000" pitchFamily="50" charset="-127"/>
+                <a:ea typeface="G마켓 산스 Medium" panose="02000000000000000000" pitchFamily="50" charset="-127"/>
+              </a:rPr>
+              <a:t>SDK 1.7</a:t>
+            </a:r>
+            <a:r>
+              <a:rPr lang="ko-KR" altLang="en-US" sz="4000" smtClean="0">
+                <a:solidFill>
+                  <a:schemeClr val="tx1">
+                    <a:lumMod val="50000"/>
+                    <a:lumOff val="50000"/>
+                  </a:schemeClr>
+                </a:solidFill>
+                <a:latin typeface="G마켓 산스 Medium" panose="02000000000000000000" pitchFamily="50" charset="-127"/>
+                <a:ea typeface="G마켓 산스 Medium" panose="02000000000000000000" pitchFamily="50" charset="-127"/>
+              </a:rPr>
+              <a:t>부터 사용가능</a:t>
+            </a:r>
+            <a:endParaRPr lang="en-US" altLang="ko-KR" sz="4000" dirty="0">
+              <a:solidFill>
+                <a:schemeClr val="tx1">
+                  <a:lumMod val="50000"/>
+                  <a:lumOff val="50000"/>
+                </a:schemeClr>
+              </a:solidFill>
+              <a:latin typeface="G마켓 산스 Medium" panose="02000000000000000000" pitchFamily="50" charset="-127"/>
+              <a:ea typeface="G마켓 산스 Medium" panose="02000000000000000000" pitchFamily="50" charset="-127"/>
+            </a:endParaRPr>
+          </a:p>
+        </p:txBody>
+      </p:sp>
+      <p:pic>
+        <p:nvPicPr>
+          <p:cNvPr id="7" name="그림 6"/>
+          <p:cNvPicPr>
+            <a:picLocks noChangeAspect="1"/>
+          </p:cNvPicPr>
+          <p:nvPr/>
+        </p:nvPicPr>
+        <p:blipFill>
+          <a:blip r:embed="rId2"/>
+          <a:stretch>
+            <a:fillRect/>
+          </a:stretch>
+        </p:blipFill>
+        <p:spPr>
+          <a:xfrm>
+            <a:off x="857250" y="1409700"/>
+            <a:ext cx="11126400" cy="5791200"/>
+          </a:xfrm>
+          <a:prstGeom prst="rect">
+            <a:avLst/>
+          </a:prstGeom>
+        </p:spPr>
+      </p:pic>
+      <p:cxnSp>
+        <p:nvCxnSpPr>
+          <p:cNvPr id="11" name="직선 화살표 연결선 10">
+            <a:extLst>
+              <a:ext uri="{FF2B5EF4-FFF2-40B4-BE49-F238E27FC236}">
+                <a16:creationId xmlns="" xmlns:a16="http://schemas.microsoft.com/office/drawing/2014/main" id="{299DF5EC-9DF4-5255-06AC-0A7CE4FF58C3}"/>
+              </a:ext>
+            </a:extLst>
+          </p:cNvPr>
+          <p:cNvCxnSpPr>
+            <a:cxnSpLocks/>
+          </p:cNvCxnSpPr>
+          <p:nvPr/>
+        </p:nvCxnSpPr>
+        <p:spPr>
+          <a:xfrm>
+            <a:off x="9979543" y="2739614"/>
+            <a:ext cx="1219200" cy="0"/>
+          </a:xfrm>
+          <a:prstGeom prst="straightConnector1">
+            <a:avLst/>
+          </a:prstGeom>
+          <a:ln w="38100">
+            <a:tailEnd type="triangle"/>
+          </a:ln>
+        </p:spPr>
+        <p:style>
+          <a:lnRef idx="1">
+            <a:schemeClr val="accent2"/>
+          </a:lnRef>
+          <a:fillRef idx="0">
+            <a:schemeClr val="accent2"/>
+          </a:fillRef>
+          <a:effectRef idx="0">
+            <a:schemeClr val="accent2"/>
+          </a:effectRef>
+          <a:fontRef idx="minor">
+            <a:schemeClr val="tx1"/>
+          </a:fontRef>
+        </p:style>
+      </p:cxnSp>
+      <p:sp>
+        <p:nvSpPr>
+          <p:cNvPr id="12" name="직사각형 11">
+            <a:extLst>
+              <a:ext uri="{FF2B5EF4-FFF2-40B4-BE49-F238E27FC236}">
+                <a16:creationId xmlns="" xmlns:a16="http://schemas.microsoft.com/office/drawing/2014/main" id="{FFF506F9-840A-0508-4CAF-3AC711D8D5CE}"/>
+              </a:ext>
+            </a:extLst>
+          </p:cNvPr>
+          <p:cNvSpPr/>
+          <p:nvPr/>
+        </p:nvSpPr>
+        <p:spPr>
+          <a:xfrm>
+            <a:off x="1905000" y="2499716"/>
+            <a:ext cx="8074543" cy="532269"/>
+          </a:xfrm>
+          <a:prstGeom prst="rect">
+            <a:avLst/>
+          </a:prstGeom>
+          <a:noFill/>
+          <a:ln>
+            <a:solidFill>
+              <a:srgbClr val="FF0000"/>
+            </a:solidFill>
+          </a:ln>
+        </p:spPr>
+        <p:style>
+          <a:lnRef idx="2">
+            <a:schemeClr val="accent2">
+              <a:shade val="50000"/>
+            </a:schemeClr>
+          </a:lnRef>
+          <a:fillRef idx="1">
+            <a:schemeClr val="accent2"/>
+          </a:fillRef>
+          <a:effectRef idx="0">
+            <a:schemeClr val="accent2"/>
+          </a:effectRef>
+          <a:fontRef idx="minor">
+            <a:schemeClr val="lt1"/>
+          </a:fontRef>
+        </p:style>
+        <p:txBody>
+          <a:bodyPr rtlCol="0" anchor="ctr"/>
+          <a:lstStyle/>
+          <a:p>
+            <a:pPr algn="ctr"/>
+            <a:endParaRPr lang="ko-KR" altLang="en-US"/>
+          </a:p>
+        </p:txBody>
+      </p:sp>
+      <p:sp>
+        <p:nvSpPr>
+          <p:cNvPr id="13" name="TextBox 12">
+            <a:extLst>
+              <a:ext uri="{FF2B5EF4-FFF2-40B4-BE49-F238E27FC236}">
+                <a16:creationId xmlns="" xmlns:a16="http://schemas.microsoft.com/office/drawing/2014/main" id="{C6D113C6-EA5C-788F-0C77-E7CE6EBB865F}"/>
+              </a:ext>
+            </a:extLst>
+          </p:cNvPr>
+          <p:cNvSpPr txBox="1"/>
+          <p:nvPr/>
+        </p:nvSpPr>
+        <p:spPr>
+          <a:xfrm>
+            <a:off x="11353800" y="2324100"/>
+            <a:ext cx="6400800" cy="1323439"/>
+          </a:xfrm>
+          <a:prstGeom prst="rect">
+            <a:avLst/>
+          </a:prstGeom>
+          <a:noFill/>
+        </p:spPr>
+        <p:txBody>
+          <a:bodyPr wrap="square" rtlCol="0">
+            <a:spAutoFit/>
+          </a:bodyPr>
+          <a:lstStyle/>
+          <a:p>
+            <a:r>
+              <a:rPr lang="en-US" altLang="ko-KR" sz="4000" smtClean="0">
+                <a:solidFill>
+                  <a:srgbClr val="FF0000"/>
+                </a:solidFill>
+                <a:latin typeface="G마켓 산스 Medium" panose="02000000000000000000" pitchFamily="50" charset="-127"/>
+                <a:ea typeface="G마켓 산스 Medium" panose="02000000000000000000" pitchFamily="50" charset="-127"/>
+              </a:rPr>
+              <a:t>Close()</a:t>
+            </a:r>
+            <a:r>
+              <a:rPr lang="ko-KR" altLang="en-US" sz="4000" smtClean="0">
+                <a:solidFill>
+                  <a:srgbClr val="FF0000"/>
+                </a:solidFill>
+                <a:latin typeface="G마켓 산스 Medium" panose="02000000000000000000" pitchFamily="50" charset="-127"/>
+                <a:ea typeface="G마켓 산스 Medium" panose="02000000000000000000" pitchFamily="50" charset="-127"/>
+              </a:rPr>
+              <a:t>를 자동으로 호출해준다</a:t>
+            </a:r>
+            <a:r>
+              <a:rPr lang="en-US" altLang="ko-KR" sz="4000" smtClean="0">
+                <a:solidFill>
+                  <a:srgbClr val="FF0000"/>
+                </a:solidFill>
+                <a:latin typeface="G마켓 산스 Medium" panose="02000000000000000000" pitchFamily="50" charset="-127"/>
+                <a:ea typeface="G마켓 산스 Medium" panose="02000000000000000000" pitchFamily="50" charset="-127"/>
+              </a:rPr>
+              <a:t>.</a:t>
+            </a:r>
+            <a:endParaRPr lang="en-US" altLang="ko-KR" sz="4000" dirty="0">
+              <a:solidFill>
+                <a:srgbClr val="FF0000"/>
+              </a:solidFill>
+              <a:latin typeface="G마켓 산스 Medium" panose="02000000000000000000" pitchFamily="50" charset="-127"/>
+              <a:ea typeface="G마켓 산스 Medium" panose="02000000000000000000" pitchFamily="50" charset="-127"/>
+            </a:endParaRPr>
+          </a:p>
+        </p:txBody>
+      </p:sp>
+    </p:spTree>
+    <p:extLst>
+      <p:ext uri="{BB962C8B-B14F-4D97-AF65-F5344CB8AC3E}">
+        <p14:creationId xmlns:p14="http://schemas.microsoft.com/office/powerpoint/2010/main" val="2994043452"/>
+      </p:ext>
+    </p:extLst>
+  </p:cSld>
+  <p:clrMapOvr>
+    <a:masterClrMapping/>
+  </p:clrMapOvr>
+  <p:timing>
+    <p:tnLst>
+      <p:par>
+        <p:cTn id="1" dur="indefinite" restart="never" nodeType="tmRoot"/>
+      </p:par>
+    </p:tnLst>
+  </p:timing>
+</p:sld>
+</file>
+
+<file path=ppt/slides/slide32.xml><?xml version="1.0" encoding="utf-8"?>
+<p:sld xmlns:a="http://schemas.openxmlformats.org/drawingml/2006/main" xmlns:r="http://schemas.openxmlformats.org/officeDocument/2006/relationships" xmlns:p="http://schemas.openxmlformats.org/presentationml/2006/main">
+  <p:cSld>
+    <p:spTree>
+      <p:nvGrpSpPr>
+        <p:cNvPr id="1" name=""/>
+        <p:cNvGrpSpPr/>
+        <p:nvPr/>
+      </p:nvGrpSpPr>
+      <p:grpSpPr>
+        <a:xfrm>
+          <a:off x="0" y="0"/>
+          <a:ext cx="0" cy="0"/>
+          <a:chOff x="0" y="0"/>
+          <a:chExt cx="0" cy="0"/>
+        </a:xfrm>
+      </p:grpSpPr>
+      <p:pic>
+        <p:nvPicPr>
+          <p:cNvPr id="4" name="그림 3"/>
+          <p:cNvPicPr>
+            <a:picLocks noChangeAspect="1"/>
+          </p:cNvPicPr>
+          <p:nvPr/>
+        </p:nvPicPr>
+        <p:blipFill>
+          <a:blip r:embed="rId2"/>
+          <a:stretch>
+            <a:fillRect/>
+          </a:stretch>
+        </p:blipFill>
+        <p:spPr>
+          <a:xfrm>
+            <a:off x="1219200" y="800100"/>
+            <a:ext cx="8384345" cy="1219200"/>
+          </a:xfrm>
+          <a:prstGeom prst="rect">
+            <a:avLst/>
+          </a:prstGeom>
+        </p:spPr>
+      </p:pic>
+      <p:pic>
+        <p:nvPicPr>
+          <p:cNvPr id="5" name="그림 4"/>
+          <p:cNvPicPr>
+            <a:picLocks noChangeAspect="1"/>
+          </p:cNvPicPr>
+          <p:nvPr/>
+        </p:nvPicPr>
+        <p:blipFill>
+          <a:blip r:embed="rId3"/>
+          <a:stretch>
+            <a:fillRect/>
+          </a:stretch>
+        </p:blipFill>
+        <p:spPr>
+          <a:xfrm>
+            <a:off x="1219200" y="2028825"/>
+            <a:ext cx="7981950" cy="1219200"/>
+          </a:xfrm>
+          <a:prstGeom prst="rect">
+            <a:avLst/>
+          </a:prstGeom>
+        </p:spPr>
+      </p:pic>
+      <p:sp>
+        <p:nvSpPr>
+          <p:cNvPr id="6" name="TextBox 5">
+            <a:extLst>
+              <a:ext uri="{FF2B5EF4-FFF2-40B4-BE49-F238E27FC236}">
+                <a16:creationId xmlns="" xmlns:a16="http://schemas.microsoft.com/office/drawing/2014/main" id="{C6D113C6-EA5C-788F-0C77-E7CE6EBB865F}"/>
+              </a:ext>
+            </a:extLst>
+          </p:cNvPr>
+          <p:cNvSpPr txBox="1"/>
+          <p:nvPr/>
+        </p:nvSpPr>
+        <p:spPr>
+          <a:xfrm>
+            <a:off x="1447800" y="4686300"/>
+            <a:ext cx="12496800" cy="1323439"/>
+          </a:xfrm>
+          <a:prstGeom prst="rect">
+            <a:avLst/>
+          </a:prstGeom>
+          <a:noFill/>
+        </p:spPr>
+        <p:txBody>
+          <a:bodyPr wrap="square" rtlCol="0">
+            <a:spAutoFit/>
+          </a:bodyPr>
+          <a:lstStyle/>
+          <a:p>
+            <a:r>
+              <a:rPr lang="en-US" altLang="ko-KR" sz="4000" dirty="0" err="1" smtClean="0">
+                <a:solidFill>
+                  <a:srgbClr val="FF0000"/>
+                </a:solidFill>
+                <a:latin typeface="G마켓 산스 Medium" panose="02000000000000000000" pitchFamily="50" charset="-127"/>
+                <a:ea typeface="G마켓 산스 Medium" panose="02000000000000000000" pitchFamily="50" charset="-127"/>
+              </a:rPr>
+              <a:t>AutoCloseable</a:t>
+            </a:r>
+            <a:r>
+              <a:rPr lang="en-US" altLang="ko-KR" sz="4000" dirty="0" smtClean="0">
+                <a:solidFill>
+                  <a:srgbClr val="FF0000"/>
+                </a:solidFill>
+                <a:latin typeface="G마켓 산스 Medium" panose="02000000000000000000" pitchFamily="50" charset="-127"/>
+                <a:ea typeface="G마켓 산스 Medium" panose="02000000000000000000" pitchFamily="50" charset="-127"/>
+              </a:rPr>
+              <a:t> </a:t>
+            </a:r>
+            <a:r>
+              <a:rPr lang="ko-KR" altLang="en-US" sz="4000" dirty="0" smtClean="0">
+                <a:solidFill>
+                  <a:srgbClr val="FF0000"/>
+                </a:solidFill>
+                <a:latin typeface="G마켓 산스 Medium" panose="02000000000000000000" pitchFamily="50" charset="-127"/>
+                <a:ea typeface="G마켓 산스 Medium" panose="02000000000000000000" pitchFamily="50" charset="-127"/>
+              </a:rPr>
+              <a:t>인터페이스를 구현한 클래스들만 </a:t>
+            </a:r>
+            <a:r>
+              <a:rPr lang="en-US" altLang="ko-KR" sz="4000" dirty="0" smtClean="0">
+                <a:solidFill>
+                  <a:srgbClr val="FF0000"/>
+                </a:solidFill>
+                <a:latin typeface="G마켓 산스 Medium" panose="02000000000000000000" pitchFamily="50" charset="-127"/>
+                <a:ea typeface="G마켓 산스 Medium" panose="02000000000000000000" pitchFamily="50" charset="-127"/>
+              </a:rPr>
+              <a:t>try with resource</a:t>
+            </a:r>
+            <a:r>
+              <a:rPr lang="ko-KR" altLang="en-US" sz="4000" dirty="0" smtClean="0">
+                <a:solidFill>
+                  <a:srgbClr val="FF0000"/>
+                </a:solidFill>
+                <a:latin typeface="G마켓 산스 Medium" panose="02000000000000000000" pitchFamily="50" charset="-127"/>
+                <a:ea typeface="G마켓 산스 Medium" panose="02000000000000000000" pitchFamily="50" charset="-127"/>
+              </a:rPr>
+              <a:t>문에 </a:t>
+            </a:r>
+            <a:r>
+              <a:rPr lang="ko-KR" altLang="en-US" sz="4000" dirty="0" err="1" smtClean="0">
+                <a:solidFill>
+                  <a:srgbClr val="FF0000"/>
+                </a:solidFill>
+                <a:latin typeface="G마켓 산스 Medium" panose="02000000000000000000" pitchFamily="50" charset="-127"/>
+                <a:ea typeface="G마켓 산스 Medium" panose="02000000000000000000" pitchFamily="50" charset="-127"/>
+              </a:rPr>
+              <a:t>들어갈수</a:t>
+            </a:r>
+            <a:r>
+              <a:rPr lang="ko-KR" altLang="en-US" sz="4000" dirty="0" smtClean="0">
+                <a:solidFill>
+                  <a:srgbClr val="FF0000"/>
+                </a:solidFill>
+                <a:latin typeface="G마켓 산스 Medium" panose="02000000000000000000" pitchFamily="50" charset="-127"/>
+                <a:ea typeface="G마켓 산스 Medium" panose="02000000000000000000" pitchFamily="50" charset="-127"/>
+              </a:rPr>
+              <a:t> 있다</a:t>
+            </a:r>
+            <a:r>
+              <a:rPr lang="en-US" altLang="ko-KR" sz="4000" dirty="0" smtClean="0">
+                <a:solidFill>
+                  <a:srgbClr val="FF0000"/>
+                </a:solidFill>
+                <a:latin typeface="G마켓 산스 Medium" panose="02000000000000000000" pitchFamily="50" charset="-127"/>
+                <a:ea typeface="G마켓 산스 Medium" panose="02000000000000000000" pitchFamily="50" charset="-127"/>
+              </a:rPr>
+              <a:t>.</a:t>
+            </a:r>
+            <a:endParaRPr lang="en-US" altLang="ko-KR" sz="4000" dirty="0">
+              <a:solidFill>
+                <a:srgbClr val="FF0000"/>
+              </a:solidFill>
+              <a:latin typeface="G마켓 산스 Medium" panose="02000000000000000000" pitchFamily="50" charset="-127"/>
+              <a:ea typeface="G마켓 산스 Medium" panose="02000000000000000000" pitchFamily="50" charset="-127"/>
+            </a:endParaRPr>
+          </a:p>
+        </p:txBody>
+      </p:sp>
+    </p:spTree>
+    <p:extLst>
+      <p:ext uri="{BB962C8B-B14F-4D97-AF65-F5344CB8AC3E}">
+        <p14:creationId xmlns:p14="http://schemas.microsoft.com/office/powerpoint/2010/main" val="3441044182"/>
+      </p:ext>
+    </p:extLst>
+  </p:cSld>
+  <p:clrMapOvr>
+    <a:masterClrMapping/>
+  </p:clrMapOvr>
+  <p:timing>
+    <p:tnLst>
+      <p:par>
+        <p:cTn id="1" dur="indefinite" restart="never" nodeType="tmRoot"/>
+      </p:par>
+    </p:tnLst>
+  </p:timing>
+</p:sld>
+</file>
+
+<file path=ppt/slides/slide33.xml><?xml version="1.0" encoding="utf-8"?>
+<p:sld xmlns:a="http://schemas.openxmlformats.org/drawingml/2006/main" xmlns:r="http://schemas.openxmlformats.org/officeDocument/2006/relationships" xmlns:p="http://schemas.openxmlformats.org/presentationml/2006/main">
+  <p:cSld>
+    <p:spTree>
+      <p:nvGrpSpPr>
+        <p:cNvPr id="1" name=""/>
+        <p:cNvGrpSpPr/>
+        <p:nvPr/>
+      </p:nvGrpSpPr>
+      <p:grpSpPr>
+        <a:xfrm>
+          <a:off x="0" y="0"/>
+          <a:ext cx="0" cy="0"/>
+          <a:chOff x="0" y="0"/>
+          <a:chExt cx="0" cy="0"/>
+        </a:xfrm>
+      </p:grpSpPr>
+      <p:sp>
+        <p:nvSpPr>
+          <p:cNvPr id="4" name="TextBox 3">
+            <a:extLst>
+              <a:ext uri="{FF2B5EF4-FFF2-40B4-BE49-F238E27FC236}">
                 <a16:creationId xmlns="" xmlns:a16="http://schemas.microsoft.com/office/drawing/2014/main" id="{F84DC196-DA83-3926-FA25-58A1850ED904}"/>
               </a:ext>
             </a:extLst>
@@ -12020,7 +13019,7 @@
         <p:spPr>
           <a:xfrm>
             <a:off x="1143000" y="753775"/>
-            <a:ext cx="16611600" cy="1077218"/>
+            <a:ext cx="16611600" cy="584775"/>
           </a:xfrm>
           <a:prstGeom prst="rect">
             <a:avLst/>
@@ -12037,17 +13036,17 @@
               <a:buAutoNum type="arabicPeriod"/>
             </a:pPr>
             <a:r>
-              <a:rPr lang="ko-KR" altLang="en-US" sz="3200" smtClean="0">
+              <a:rPr lang="ko-KR" altLang="en-US" sz="3200" dirty="0" smtClean="0">
                 <a:solidFill>
                   <a:srgbClr val="4C50BB"/>
                 </a:solidFill>
                 <a:latin typeface="G마켓 산스 Medium" panose="02000000000000000000" pitchFamily="50" charset="-127"/>
                 <a:ea typeface="G마켓 산스 Medium" panose="02000000000000000000" pitchFamily="50" charset="-127"/>
               </a:rPr>
-              <a:t>아래의 코드가 강제종료되지 않게 예외처리 해보자</a:t>
-            </a:r>
-            <a:r>
-              <a:rPr lang="en-US" altLang="ko-KR" sz="3200" smtClean="0">
+              <a:t>아래의 코드가 강제 종료되지 않게 예외처리 해보자</a:t>
+            </a:r>
+            <a:r>
+              <a:rPr lang="en-US" altLang="ko-KR" sz="3200" dirty="0" smtClean="0">
                 <a:solidFill>
                   <a:srgbClr val="4C50BB"/>
                 </a:solidFill>
@@ -12056,58 +13055,6 @@
               </a:rPr>
               <a:t>.</a:t>
             </a:r>
-            <a:r>
-              <a:rPr lang="ko-KR" altLang="en-US" sz="3200" smtClean="0">
-                <a:solidFill>
-                  <a:srgbClr val="4C50BB"/>
-                </a:solidFill>
-                <a:latin typeface="G마켓 산스 Medium" panose="02000000000000000000" pitchFamily="50" charset="-127"/>
-                <a:ea typeface="G마켓 산스 Medium" panose="02000000000000000000" pitchFamily="50" charset="-127"/>
-              </a:rPr>
-              <a:t> </a:t>
-            </a:r>
-            <a:endParaRPr lang="en-US" altLang="ko-KR" sz="3200" smtClean="0">
-              <a:solidFill>
-                <a:srgbClr val="4C50BB"/>
-              </a:solidFill>
-              <a:latin typeface="G마켓 산스 Medium" panose="02000000000000000000" pitchFamily="50" charset="-127"/>
-              <a:ea typeface="G마켓 산스 Medium" panose="02000000000000000000" pitchFamily="50" charset="-127"/>
-            </a:endParaRPr>
-          </a:p>
-          <a:p>
-            <a:r>
-              <a:rPr lang="en-US" altLang="ko-KR" sz="3200" smtClean="0">
-                <a:solidFill>
-                  <a:schemeClr val="bg1">
-                    <a:lumMod val="50000"/>
-                  </a:schemeClr>
-                </a:solidFill>
-                <a:latin typeface="G마켓 산스 Medium" panose="02000000000000000000" pitchFamily="50" charset="-127"/>
-                <a:ea typeface="G마켓 산스 Medium" panose="02000000000000000000" pitchFamily="50" charset="-127"/>
-              </a:rPr>
-              <a:t>Exception </a:t>
-            </a:r>
-            <a:r>
-              <a:rPr lang="ko-KR" altLang="en-US" sz="3200" smtClean="0">
-                <a:solidFill>
-                  <a:schemeClr val="bg1">
-                    <a:lumMod val="50000"/>
-                  </a:schemeClr>
-                </a:solidFill>
-                <a:latin typeface="G마켓 산스 Medium" panose="02000000000000000000" pitchFamily="50" charset="-127"/>
-                <a:ea typeface="G마켓 산스 Medium" panose="02000000000000000000" pitchFamily="50" charset="-127"/>
-              </a:rPr>
-              <a:t>으로는 하지 않기</a:t>
-            </a:r>
-            <a:endParaRPr lang="en-US" altLang="ko-KR" sz="2800" dirty="0">
-              <a:solidFill>
-                <a:schemeClr val="bg1">
-                  <a:lumMod val="50000"/>
-                </a:schemeClr>
-              </a:solidFill>
-              <a:latin typeface="G마켓 산스 Medium" panose="02000000000000000000" pitchFamily="50" charset="-127"/>
-              <a:ea typeface="G마켓 산스 Medium" panose="02000000000000000000" pitchFamily="50" charset="-127"/>
-            </a:endParaRPr>
           </a:p>
         </p:txBody>
       </p:sp>
@@ -12127,8 +13074,8 @@
         </p:blipFill>
         <p:spPr>
           <a:xfrm>
-            <a:off x="1600200" y="3311768"/>
-            <a:ext cx="6564124" cy="3050931"/>
+            <a:off x="914400" y="2705100"/>
+            <a:ext cx="8197272" cy="3810000"/>
           </a:xfrm>
           <a:prstGeom prst="rect">
             <a:avLst/>
@@ -12151,8 +13098,8 @@
         </p:blipFill>
         <p:spPr>
           <a:xfrm>
-            <a:off x="9296400" y="3318217"/>
-            <a:ext cx="4914900" cy="3467100"/>
+            <a:off x="9829799" y="2705100"/>
+            <a:ext cx="8317523" cy="5867400"/>
           </a:xfrm>
           <a:prstGeom prst="rect">
             <a:avLst/>
@@ -12174,7 +13121,7 @@
                 <a14:imgProps xmlns:a14="http://schemas.microsoft.com/office/drawing/2010/main">
                   <a14:imgLayer r:embed="rId5">
                     <a14:imgEffect>
-                      <a14:artisticBlur radius="11"/>
+                      <a14:artisticGlass/>
                     </a14:imgEffect>
                   </a14:imgLayer>
                 </a14:imgProps>
@@ -12187,8 +13134,8 @@
         </p:blipFill>
         <p:spPr>
           <a:xfrm>
-            <a:off x="9296400" y="3352800"/>
-            <a:ext cx="4914900" cy="3467100"/>
+            <a:off x="9829799" y="2728912"/>
+            <a:ext cx="8283768" cy="5843588"/>
           </a:xfrm>
           <a:prstGeom prst="rect">
             <a:avLst/>
@@ -12283,7 +13230,7 @@
 </p:sld>
 </file>
 
-<file path=ppt/slides/slide32.xml><?xml version="1.0" encoding="utf-8"?>
+<file path=ppt/slides/slide34.xml><?xml version="1.0" encoding="utf-8"?>
 <p:sld xmlns:a="http://schemas.openxmlformats.org/drawingml/2006/main" xmlns:r="http://schemas.openxmlformats.org/officeDocument/2006/relationships" xmlns:p="http://schemas.openxmlformats.org/presentationml/2006/main">
   <p:cSld>
     <p:spTree>
@@ -12314,8 +13261,8 @@
         </p:nvSpPr>
         <p:spPr>
           <a:xfrm>
-            <a:off x="838200" y="723900"/>
-            <a:ext cx="13106400" cy="1077218"/>
+            <a:off x="533400" y="309329"/>
+            <a:ext cx="15773400" cy="1508105"/>
           </a:xfrm>
           <a:prstGeom prst="rect">
             <a:avLst/>
@@ -12329,7 +13276,7 @@
           <a:lstStyle/>
           <a:p>
             <a:r>
-              <a:rPr lang="en-US" altLang="ko-KR" sz="3200">
+              <a:rPr lang="en-US" altLang="ko-KR" sz="3200" dirty="0">
                 <a:solidFill>
                   <a:srgbClr val="4C50BB"/>
                 </a:solidFill>
@@ -12339,7 +13286,7 @@
               <a:t>2</a:t>
             </a:r>
             <a:r>
-              <a:rPr lang="en-US" altLang="ko-KR" sz="3200" smtClean="0">
+              <a:rPr lang="en-US" altLang="ko-KR" sz="3200" dirty="0" smtClean="0">
                 <a:solidFill>
                   <a:srgbClr val="4C50BB"/>
                 </a:solidFill>
@@ -12349,17 +13296,17 @@
               <a:t>. 1~100 </a:t>
             </a:r>
             <a:r>
-              <a:rPr lang="ko-KR" altLang="en-US" sz="3200" smtClean="0">
+              <a:rPr lang="ko-KR" altLang="en-US" sz="3200" dirty="0" smtClean="0">
                 <a:solidFill>
                   <a:srgbClr val="4C50BB"/>
                 </a:solidFill>
                 <a:latin typeface="G마켓 산스 Medium" panose="02000000000000000000" pitchFamily="50" charset="-127"/>
                 <a:ea typeface="G마켓 산스 Medium" panose="02000000000000000000" pitchFamily="50" charset="-127"/>
               </a:rPr>
-              <a:t>숫자 맞추기 게임중 정상적이지 않은 값 입력시 다시 입력하도록 예외처리 해보자</a:t>
-            </a:r>
-            <a:r>
-              <a:rPr lang="en-US" altLang="ko-KR" sz="3200" smtClean="0">
+              <a:t>숫자 맞추기 게임 중 숫자가 아닌 값 입력 시 다시 입력하도록 예외처리 해보자</a:t>
+            </a:r>
+            <a:r>
+              <a:rPr lang="en-US" altLang="ko-KR" sz="3200" dirty="0" smtClean="0">
                 <a:solidFill>
                   <a:srgbClr val="4C50BB"/>
                 </a:solidFill>
@@ -12379,11 +13326,124 @@
               <a:ea typeface="G마켓 산스 Medium" panose="02000000000000000000" pitchFamily="50" charset="-127"/>
             </a:endParaRPr>
           </a:p>
+          <a:p>
+            <a:r>
+              <a:rPr lang="en-US" altLang="ko-KR" sz="2800" dirty="0" smtClean="0">
+                <a:solidFill>
+                  <a:schemeClr val="tx1">
+                    <a:lumMod val="50000"/>
+                    <a:lumOff val="50000"/>
+                  </a:schemeClr>
+                </a:solidFill>
+                <a:latin typeface="G마켓 산스 Medium" panose="02000000000000000000" pitchFamily="50" charset="-127"/>
+                <a:ea typeface="G마켓 산스 Medium" panose="02000000000000000000" pitchFamily="50" charset="-127"/>
+              </a:rPr>
+              <a:t>- </a:t>
+            </a:r>
+            <a:r>
+              <a:rPr lang="en-US" altLang="ko-KR" sz="2800" dirty="0" err="1" smtClean="0">
+                <a:solidFill>
+                  <a:schemeClr val="tx1">
+                    <a:lumMod val="50000"/>
+                    <a:lumOff val="50000"/>
+                  </a:schemeClr>
+                </a:solidFill>
+                <a:latin typeface="G마켓 산스 Medium" panose="02000000000000000000" pitchFamily="50" charset="-127"/>
+                <a:ea typeface="G마켓 산스 Medium" panose="02000000000000000000" pitchFamily="50" charset="-127"/>
+              </a:rPr>
+              <a:t>nextInt</a:t>
+            </a:r>
+            <a:r>
+              <a:rPr lang="en-US" altLang="ko-KR" sz="2800" dirty="0" smtClean="0">
+                <a:solidFill>
+                  <a:schemeClr val="tx1">
+                    <a:lumMod val="50000"/>
+                    <a:lumOff val="50000"/>
+                  </a:schemeClr>
+                </a:solidFill>
+                <a:latin typeface="G마켓 산스 Medium" panose="02000000000000000000" pitchFamily="50" charset="-127"/>
+                <a:ea typeface="G마켓 산스 Medium" panose="02000000000000000000" pitchFamily="50" charset="-127"/>
+              </a:rPr>
+              <a:t>() </a:t>
+            </a:r>
+            <a:r>
+              <a:rPr lang="ko-KR" altLang="en-US" sz="2800" dirty="0" err="1" smtClean="0">
+                <a:solidFill>
+                  <a:schemeClr val="tx1">
+                    <a:lumMod val="50000"/>
+                    <a:lumOff val="50000"/>
+                  </a:schemeClr>
+                </a:solidFill>
+                <a:latin typeface="G마켓 산스 Medium" panose="02000000000000000000" pitchFamily="50" charset="-127"/>
+                <a:ea typeface="G마켓 산스 Medium" panose="02000000000000000000" pitchFamily="50" charset="-127"/>
+              </a:rPr>
+              <a:t>메서드는</a:t>
+            </a:r>
+            <a:r>
+              <a:rPr lang="ko-KR" altLang="en-US" sz="2800" dirty="0" smtClean="0">
+                <a:solidFill>
+                  <a:schemeClr val="tx1">
+                    <a:lumMod val="50000"/>
+                    <a:lumOff val="50000"/>
+                  </a:schemeClr>
+                </a:solidFill>
+                <a:latin typeface="G마켓 산스 Medium" panose="02000000000000000000" pitchFamily="50" charset="-127"/>
+                <a:ea typeface="G마켓 산스 Medium" panose="02000000000000000000" pitchFamily="50" charset="-127"/>
+              </a:rPr>
+              <a:t> 숫자 이외의 값이 들어오면 </a:t>
+            </a:r>
+            <a:r>
+              <a:rPr lang="en-US" altLang="ko-KR" sz="2800" dirty="0" err="1" smtClean="0">
+                <a:solidFill>
+                  <a:schemeClr val="tx1">
+                    <a:lumMod val="50000"/>
+                    <a:lumOff val="50000"/>
+                  </a:schemeClr>
+                </a:solidFill>
+                <a:latin typeface="G마켓 산스 Medium" panose="02000000000000000000" pitchFamily="50" charset="-127"/>
+                <a:ea typeface="G마켓 산스 Medium" panose="02000000000000000000" pitchFamily="50" charset="-127"/>
+              </a:rPr>
+              <a:t>InputMismatchException</a:t>
+            </a:r>
+            <a:r>
+              <a:rPr lang="ko-KR" altLang="en-US" sz="2800" dirty="0" smtClean="0">
+                <a:solidFill>
+                  <a:schemeClr val="tx1">
+                    <a:lumMod val="50000"/>
+                    <a:lumOff val="50000"/>
+                  </a:schemeClr>
+                </a:solidFill>
+                <a:latin typeface="G마켓 산스 Medium" panose="02000000000000000000" pitchFamily="50" charset="-127"/>
+                <a:ea typeface="G마켓 산스 Medium" panose="02000000000000000000" pitchFamily="50" charset="-127"/>
+              </a:rPr>
+              <a:t>이 발생한다</a:t>
+            </a:r>
+            <a:r>
+              <a:rPr lang="en-US" altLang="ko-KR" sz="2800" dirty="0" smtClean="0">
+                <a:solidFill>
+                  <a:schemeClr val="tx1">
+                    <a:lumMod val="50000"/>
+                    <a:lumOff val="50000"/>
+                  </a:schemeClr>
+                </a:solidFill>
+                <a:latin typeface="G마켓 산스 Medium" panose="02000000000000000000" pitchFamily="50" charset="-127"/>
+                <a:ea typeface="G마켓 산스 Medium" panose="02000000000000000000" pitchFamily="50" charset="-127"/>
+              </a:rPr>
+              <a:t>.</a:t>
+            </a:r>
+            <a:endParaRPr lang="en-US" altLang="ko-KR" sz="3200" dirty="0" smtClean="0">
+              <a:solidFill>
+                <a:srgbClr val="4C50BB"/>
+              </a:solidFill>
+              <a:latin typeface="G마켓 산스 Medium" panose="02000000000000000000" pitchFamily="50" charset="-127"/>
+              <a:ea typeface="G마켓 산스 Medium" panose="02000000000000000000" pitchFamily="50" charset="-127"/>
+            </a:endParaRPr>
+          </a:p>
         </p:txBody>
       </p:sp>
       <p:pic>
         <p:nvPicPr>
-          <p:cNvPr id="6" name="그림 5"/>
+          <p:cNvPr id="8" name="그림 7"/>
           <p:cNvPicPr>
             <a:picLocks noChangeAspect="1"/>
           </p:cNvPicPr>
@@ -12397,8 +13457,8 @@
         </p:blipFill>
         <p:spPr>
           <a:xfrm>
-            <a:off x="9982200" y="1409700"/>
-            <a:ext cx="7391400" cy="7303798"/>
+            <a:off x="547688" y="3149239"/>
+            <a:ext cx="8732520" cy="609600"/>
           </a:xfrm>
           <a:prstGeom prst="rect">
             <a:avLst/>
@@ -12407,7 +13467,250 @@
       </p:pic>
       <p:pic>
         <p:nvPicPr>
-          <p:cNvPr id="7" name="그림 6"/>
+          <p:cNvPr id="9" name="그림 8"/>
+          <p:cNvPicPr>
+            <a:picLocks noChangeAspect="1"/>
+          </p:cNvPicPr>
+          <p:nvPr/>
+        </p:nvPicPr>
+        <p:blipFill>
+          <a:blip r:embed="rId3"/>
+          <a:stretch>
+            <a:fillRect/>
+          </a:stretch>
+        </p:blipFill>
+        <p:spPr>
+          <a:xfrm>
+            <a:off x="381000" y="4686300"/>
+            <a:ext cx="8827808" cy="924818"/>
+          </a:xfrm>
+          <a:prstGeom prst="rect">
+            <a:avLst/>
+          </a:prstGeom>
+        </p:spPr>
+      </p:pic>
+      <p:sp>
+        <p:nvSpPr>
+          <p:cNvPr id="10" name="TextBox 9">
+            <a:extLst>
+              <a:ext uri="{FF2B5EF4-FFF2-40B4-BE49-F238E27FC236}">
+                <a16:creationId xmlns:a16="http://schemas.microsoft.com/office/drawing/2014/main" xmlns="" id="{A2AD056B-97A4-5BCC-4460-250160F3E171}"/>
+              </a:ext>
+            </a:extLst>
+          </p:cNvPr>
+          <p:cNvSpPr txBox="1"/>
+          <p:nvPr/>
+        </p:nvSpPr>
+        <p:spPr>
+          <a:xfrm>
+            <a:off x="700088" y="2395046"/>
+            <a:ext cx="6096000" cy="707886"/>
+          </a:xfrm>
+          <a:prstGeom prst="rect">
+            <a:avLst/>
+          </a:prstGeom>
+          <a:noFill/>
+        </p:spPr>
+        <p:txBody>
+          <a:bodyPr wrap="square" rtlCol="0">
+            <a:spAutoFit/>
+          </a:bodyPr>
+          <a:lstStyle/>
+          <a:p>
+            <a:r>
+              <a:rPr lang="en-US" altLang="ko-KR" sz="4000" dirty="0" smtClean="0">
+                <a:solidFill>
+                  <a:schemeClr val="tx1">
+                    <a:lumMod val="50000"/>
+                    <a:lumOff val="50000"/>
+                  </a:schemeClr>
+                </a:solidFill>
+                <a:latin typeface="G마켓 산스 Medium" panose="02000000000000000000" pitchFamily="50" charset="-127"/>
+                <a:ea typeface="G마켓 산스 Medium" panose="02000000000000000000" pitchFamily="50" charset="-127"/>
+              </a:rPr>
+              <a:t>1~100 </a:t>
+            </a:r>
+            <a:r>
+              <a:rPr lang="ko-KR" altLang="en-US" sz="4000" dirty="0" smtClean="0">
+                <a:solidFill>
+                  <a:schemeClr val="tx1">
+                    <a:lumMod val="50000"/>
+                    <a:lumOff val="50000"/>
+                  </a:schemeClr>
+                </a:solidFill>
+                <a:latin typeface="G마켓 산스 Medium" panose="02000000000000000000" pitchFamily="50" charset="-127"/>
+                <a:ea typeface="G마켓 산스 Medium" panose="02000000000000000000" pitchFamily="50" charset="-127"/>
+              </a:rPr>
+              <a:t>랜덤숫자 얻기</a:t>
+            </a:r>
+            <a:endParaRPr lang="en-US" altLang="ko-KR" sz="4000" dirty="0">
+              <a:solidFill>
+                <a:schemeClr val="tx1">
+                  <a:lumMod val="50000"/>
+                  <a:lumOff val="50000"/>
+                </a:schemeClr>
+              </a:solidFill>
+              <a:latin typeface="G마켓 산스 Medium" panose="02000000000000000000" pitchFamily="50" charset="-127"/>
+              <a:ea typeface="G마켓 산스 Medium" panose="02000000000000000000" pitchFamily="50" charset="-127"/>
+            </a:endParaRPr>
+          </a:p>
+        </p:txBody>
+      </p:sp>
+      <p:sp>
+        <p:nvSpPr>
+          <p:cNvPr id="11" name="TextBox 10">
+            <a:extLst>
+              <a:ext uri="{FF2B5EF4-FFF2-40B4-BE49-F238E27FC236}">
+                <a16:creationId xmlns:a16="http://schemas.microsoft.com/office/drawing/2014/main" xmlns="" id="{A2AD056B-97A4-5BCC-4460-250160F3E171}"/>
+              </a:ext>
+            </a:extLst>
+          </p:cNvPr>
+          <p:cNvSpPr txBox="1"/>
+          <p:nvPr/>
+        </p:nvSpPr>
+        <p:spPr>
+          <a:xfrm>
+            <a:off x="502920" y="3905863"/>
+            <a:ext cx="6096000" cy="707886"/>
+          </a:xfrm>
+          <a:prstGeom prst="rect">
+            <a:avLst/>
+          </a:prstGeom>
+          <a:noFill/>
+        </p:spPr>
+        <p:txBody>
+          <a:bodyPr wrap="square" rtlCol="0">
+            <a:spAutoFit/>
+          </a:bodyPr>
+          <a:lstStyle/>
+          <a:p>
+            <a:r>
+              <a:rPr lang="ko-KR" altLang="en-US" sz="4000" dirty="0" smtClean="0">
+                <a:solidFill>
+                  <a:schemeClr val="tx1">
+                    <a:lumMod val="50000"/>
+                    <a:lumOff val="50000"/>
+                  </a:schemeClr>
+                </a:solidFill>
+                <a:latin typeface="G마켓 산스 Medium" panose="02000000000000000000" pitchFamily="50" charset="-127"/>
+                <a:ea typeface="G마켓 산스 Medium" panose="02000000000000000000" pitchFamily="50" charset="-127"/>
+              </a:rPr>
+              <a:t>키보드로 숫자 </a:t>
+            </a:r>
+            <a:r>
+              <a:rPr lang="ko-KR" altLang="en-US" sz="4000" dirty="0" err="1" smtClean="0">
+                <a:solidFill>
+                  <a:schemeClr val="tx1">
+                    <a:lumMod val="50000"/>
+                    <a:lumOff val="50000"/>
+                  </a:schemeClr>
+                </a:solidFill>
+                <a:latin typeface="G마켓 산스 Medium" panose="02000000000000000000" pitchFamily="50" charset="-127"/>
+                <a:ea typeface="G마켓 산스 Medium" panose="02000000000000000000" pitchFamily="50" charset="-127"/>
+              </a:rPr>
+              <a:t>입력받기</a:t>
+            </a:r>
+            <a:endParaRPr lang="en-US" altLang="ko-KR" sz="4000" dirty="0">
+              <a:solidFill>
+                <a:schemeClr val="tx1">
+                  <a:lumMod val="50000"/>
+                  <a:lumOff val="50000"/>
+                </a:schemeClr>
+              </a:solidFill>
+              <a:latin typeface="G마켓 산스 Medium" panose="02000000000000000000" pitchFamily="50" charset="-127"/>
+              <a:ea typeface="G마켓 산스 Medium" panose="02000000000000000000" pitchFamily="50" charset="-127"/>
+            </a:endParaRPr>
+          </a:p>
+        </p:txBody>
+      </p:sp>
+      <p:pic>
+        <p:nvPicPr>
+          <p:cNvPr id="12" name="그림 11"/>
+          <p:cNvPicPr>
+            <a:picLocks noChangeAspect="1"/>
+          </p:cNvPicPr>
+          <p:nvPr/>
+        </p:nvPicPr>
+        <p:blipFill>
+          <a:blip r:embed="rId4"/>
+          <a:stretch>
+            <a:fillRect/>
+          </a:stretch>
+        </p:blipFill>
+        <p:spPr>
+          <a:xfrm>
+            <a:off x="10396537" y="2610474"/>
+            <a:ext cx="5943600" cy="4006549"/>
+          </a:xfrm>
+          <a:prstGeom prst="rect">
+            <a:avLst/>
+          </a:prstGeom>
+        </p:spPr>
+      </p:pic>
+    </p:spTree>
+    <p:extLst>
+      <p:ext uri="{BB962C8B-B14F-4D97-AF65-F5344CB8AC3E}">
+        <p14:creationId xmlns:p14="http://schemas.microsoft.com/office/powerpoint/2010/main" val="3818087621"/>
+      </p:ext>
+    </p:extLst>
+  </p:cSld>
+  <p:clrMapOvr>
+    <a:masterClrMapping/>
+  </p:clrMapOvr>
+  <p:timing>
+    <p:tnLst>
+      <p:par>
+        <p:cTn id="1" dur="indefinite" restart="never" nodeType="tmRoot"/>
+      </p:par>
+    </p:tnLst>
+  </p:timing>
+</p:sld>
+</file>
+
+<file path=ppt/slides/slide35.xml><?xml version="1.0" encoding="utf-8"?>
+<p:sld xmlns:a="http://schemas.openxmlformats.org/drawingml/2006/main" xmlns:r="http://schemas.openxmlformats.org/officeDocument/2006/relationships" xmlns:p="http://schemas.openxmlformats.org/presentationml/2006/main">
+  <p:cSld>
+    <p:spTree>
+      <p:nvGrpSpPr>
+        <p:cNvPr id="1" name=""/>
+        <p:cNvGrpSpPr/>
+        <p:nvPr/>
+      </p:nvGrpSpPr>
+      <p:grpSpPr>
+        <a:xfrm>
+          <a:off x="0" y="0"/>
+          <a:ext cx="0" cy="0"/>
+          <a:chOff x="0" y="0"/>
+          <a:chExt cx="0" cy="0"/>
+        </a:xfrm>
+      </p:grpSpPr>
+      <p:pic>
+        <p:nvPicPr>
+          <p:cNvPr id="5" name="그림 4"/>
+          <p:cNvPicPr>
+            <a:picLocks noChangeAspect="1"/>
+          </p:cNvPicPr>
+          <p:nvPr/>
+        </p:nvPicPr>
+        <p:blipFill>
+          <a:blip r:embed="rId2"/>
+          <a:stretch>
+            <a:fillRect/>
+          </a:stretch>
+        </p:blipFill>
+        <p:spPr>
+          <a:xfrm>
+            <a:off x="533400" y="64290"/>
+            <a:ext cx="10229650" cy="10108410"/>
+          </a:xfrm>
+          <a:prstGeom prst="rect">
+            <a:avLst/>
+          </a:prstGeom>
+        </p:spPr>
+      </p:pic>
+      <p:pic>
+        <p:nvPicPr>
+          <p:cNvPr id="4" name="그림 3"/>
           <p:cNvPicPr>
             <a:picLocks noChangeAspect="1"/>
           </p:cNvPicPr>
@@ -12433,201 +13736,8 @@
         </p:blipFill>
         <p:spPr>
           <a:xfrm>
-            <a:off x="9982200" y="1392702"/>
-            <a:ext cx="7391400" cy="7303798"/>
-          </a:xfrm>
-          <a:prstGeom prst="rect">
-            <a:avLst/>
-          </a:prstGeom>
-        </p:spPr>
-      </p:pic>
-      <p:pic>
-        <p:nvPicPr>
-          <p:cNvPr id="8" name="그림 7"/>
-          <p:cNvPicPr>
-            <a:picLocks noChangeAspect="1"/>
-          </p:cNvPicPr>
-          <p:nvPr/>
-        </p:nvPicPr>
-        <p:blipFill>
-          <a:blip r:embed="rId5"/>
-          <a:stretch>
-            <a:fillRect/>
-          </a:stretch>
-        </p:blipFill>
-        <p:spPr>
-          <a:xfrm>
-            <a:off x="838200" y="2818161"/>
-            <a:ext cx="8732520" cy="609600"/>
-          </a:xfrm>
-          <a:prstGeom prst="rect">
-            <a:avLst/>
-          </a:prstGeom>
-        </p:spPr>
-      </p:pic>
-      <p:pic>
-        <p:nvPicPr>
-          <p:cNvPr id="9" name="그림 8"/>
-          <p:cNvPicPr>
-            <a:picLocks noChangeAspect="1"/>
-          </p:cNvPicPr>
-          <p:nvPr/>
-        </p:nvPicPr>
-        <p:blipFill>
-          <a:blip r:embed="rId6"/>
-          <a:stretch>
-            <a:fillRect/>
-          </a:stretch>
-        </p:blipFill>
-        <p:spPr>
-          <a:xfrm>
-            <a:off x="868680" y="4758851"/>
-            <a:ext cx="8827808" cy="924818"/>
-          </a:xfrm>
-          <a:prstGeom prst="rect">
-            <a:avLst/>
-          </a:prstGeom>
-        </p:spPr>
-      </p:pic>
-      <p:sp>
-        <p:nvSpPr>
-          <p:cNvPr id="10" name="TextBox 9">
-            <a:extLst>
-              <a:ext uri="{FF2B5EF4-FFF2-40B4-BE49-F238E27FC236}">
-                <a16:creationId xmlns:a16="http://schemas.microsoft.com/office/drawing/2014/main" xmlns="" id="{A2AD056B-97A4-5BCC-4460-250160F3E171}"/>
-              </a:ext>
-            </a:extLst>
-          </p:cNvPr>
-          <p:cNvSpPr txBox="1"/>
-          <p:nvPr/>
-        </p:nvSpPr>
-        <p:spPr>
-          <a:xfrm>
-            <a:off x="990600" y="2063968"/>
-            <a:ext cx="6096000" cy="707886"/>
-          </a:xfrm>
-          <a:prstGeom prst="rect">
-            <a:avLst/>
-          </a:prstGeom>
-          <a:noFill/>
-        </p:spPr>
-        <p:txBody>
-          <a:bodyPr wrap="square" rtlCol="0">
-            <a:spAutoFit/>
-          </a:bodyPr>
-          <a:lstStyle/>
-          <a:p>
-            <a:r>
-              <a:rPr lang="en-US" altLang="ko-KR" sz="4000" smtClean="0">
-                <a:solidFill>
-                  <a:schemeClr val="tx1">
-                    <a:lumMod val="50000"/>
-                    <a:lumOff val="50000"/>
-                  </a:schemeClr>
-                </a:solidFill>
-                <a:latin typeface="G마켓 산스 Medium" panose="02000000000000000000" pitchFamily="50" charset="-127"/>
-                <a:ea typeface="G마켓 산스 Medium" panose="02000000000000000000" pitchFamily="50" charset="-127"/>
-              </a:rPr>
-              <a:t>1~100 </a:t>
-            </a:r>
-            <a:r>
-              <a:rPr lang="ko-KR" altLang="en-US" sz="4000" smtClean="0">
-                <a:solidFill>
-                  <a:schemeClr val="tx1">
-                    <a:lumMod val="50000"/>
-                    <a:lumOff val="50000"/>
-                  </a:schemeClr>
-                </a:solidFill>
-                <a:latin typeface="G마켓 산스 Medium" panose="02000000000000000000" pitchFamily="50" charset="-127"/>
-                <a:ea typeface="G마켓 산스 Medium" panose="02000000000000000000" pitchFamily="50" charset="-127"/>
-              </a:rPr>
-              <a:t>랜덤숫자 얻기</a:t>
-            </a:r>
-            <a:endParaRPr lang="en-US" altLang="ko-KR" sz="4000" dirty="0">
-              <a:solidFill>
-                <a:schemeClr val="tx1">
-                  <a:lumMod val="50000"/>
-                  <a:lumOff val="50000"/>
-                </a:schemeClr>
-              </a:solidFill>
-              <a:latin typeface="G마켓 산스 Medium" panose="02000000000000000000" pitchFamily="50" charset="-127"/>
-              <a:ea typeface="G마켓 산스 Medium" panose="02000000000000000000" pitchFamily="50" charset="-127"/>
-            </a:endParaRPr>
-          </a:p>
-        </p:txBody>
-      </p:sp>
-      <p:sp>
-        <p:nvSpPr>
-          <p:cNvPr id="11" name="TextBox 10">
-            <a:extLst>
-              <a:ext uri="{FF2B5EF4-FFF2-40B4-BE49-F238E27FC236}">
-                <a16:creationId xmlns:a16="http://schemas.microsoft.com/office/drawing/2014/main" xmlns="" id="{A2AD056B-97A4-5BCC-4460-250160F3E171}"/>
-              </a:ext>
-            </a:extLst>
-          </p:cNvPr>
-          <p:cNvSpPr txBox="1"/>
-          <p:nvPr/>
-        </p:nvSpPr>
-        <p:spPr>
-          <a:xfrm>
-            <a:off x="990600" y="3978414"/>
-            <a:ext cx="6096000" cy="707886"/>
-          </a:xfrm>
-          <a:prstGeom prst="rect">
-            <a:avLst/>
-          </a:prstGeom>
-          <a:noFill/>
-        </p:spPr>
-        <p:txBody>
-          <a:bodyPr wrap="square" rtlCol="0">
-            <a:spAutoFit/>
-          </a:bodyPr>
-          <a:lstStyle/>
-          <a:p>
-            <a:r>
-              <a:rPr lang="ko-KR" altLang="en-US" sz="4000" smtClean="0">
-                <a:solidFill>
-                  <a:schemeClr val="tx1">
-                    <a:lumMod val="50000"/>
-                    <a:lumOff val="50000"/>
-                  </a:schemeClr>
-                </a:solidFill>
-                <a:latin typeface="G마켓 산스 Medium" panose="02000000000000000000" pitchFamily="50" charset="-127"/>
-                <a:ea typeface="G마켓 산스 Medium" panose="02000000000000000000" pitchFamily="50" charset="-127"/>
-              </a:rPr>
-              <a:t>키보드로 숫자 입력받기</a:t>
-            </a:r>
-            <a:endParaRPr lang="en-US" altLang="ko-KR" sz="4000" dirty="0">
-              <a:solidFill>
-                <a:schemeClr val="tx1">
-                  <a:lumMod val="50000"/>
-                  <a:lumOff val="50000"/>
-                </a:schemeClr>
-              </a:solidFill>
-              <a:latin typeface="G마켓 산스 Medium" panose="02000000000000000000" pitchFamily="50" charset="-127"/>
-              <a:ea typeface="G마켓 산스 Medium" panose="02000000000000000000" pitchFamily="50" charset="-127"/>
-            </a:endParaRPr>
-          </a:p>
-        </p:txBody>
-      </p:sp>
-      <p:pic>
-        <p:nvPicPr>
-          <p:cNvPr id="12" name="그림 11"/>
-          <p:cNvPicPr>
-            <a:picLocks noChangeAspect="1"/>
-          </p:cNvPicPr>
-          <p:nvPr/>
-        </p:nvPicPr>
-        <p:blipFill>
-          <a:blip r:embed="rId7"/>
-          <a:stretch>
-            <a:fillRect/>
-          </a:stretch>
-        </p:blipFill>
-        <p:spPr>
-          <a:xfrm>
-            <a:off x="990600" y="6037904"/>
-            <a:ext cx="5943600" cy="4006549"/>
+            <a:off x="533399" y="64290"/>
+            <a:ext cx="10229651" cy="10108410"/>
           </a:xfrm>
           <a:prstGeom prst="rect">
             <a:avLst/>
@@ -12637,7 +13747,7 @@
     </p:spTree>
     <p:extLst>
       <p:ext uri="{BB962C8B-B14F-4D97-AF65-F5344CB8AC3E}">
-        <p14:creationId xmlns:p14="http://schemas.microsoft.com/office/powerpoint/2010/main" val="3818087621"/>
+        <p14:creationId xmlns:p14="http://schemas.microsoft.com/office/powerpoint/2010/main" val="3607886586"/>
       </p:ext>
     </p:extLst>
   </p:cSld>
@@ -12678,7 +13788,7 @@
                                           </p:stCondLst>
                                         </p:cTn>
                                         <p:tgtEl>
-                                          <p:spTgt spid="7"/>
+                                          <p:spTgt spid="4"/>
                                         </p:tgtEl>
                                         <p:attrNameLst>
                                           <p:attrName>style.visibility</p:attrName>
@@ -12722,7 +13832,7 @@
 </p:sld>
 </file>
 
-<file path=ppt/slides/slide33.xml><?xml version="1.0" encoding="utf-8"?>
+<file path=ppt/slides/slide36.xml><?xml version="1.0" encoding="utf-8"?>
 <p:sld xmlns:a="http://schemas.openxmlformats.org/drawingml/2006/main" xmlns:r="http://schemas.openxmlformats.org/officeDocument/2006/relationships" xmlns:p="http://schemas.openxmlformats.org/presentationml/2006/main">
   <p:cSld>
     <p:spTree>
@@ -12753,8 +13863,8 @@
         </p:nvSpPr>
         <p:spPr>
           <a:xfrm>
-            <a:off x="838200" y="419100"/>
-            <a:ext cx="13106400" cy="584775"/>
+            <a:off x="457200" y="38100"/>
+            <a:ext cx="18135600" cy="1508105"/>
           </a:xfrm>
           <a:prstGeom prst="rect">
             <a:avLst/>
@@ -12768,31 +13878,174 @@
           <a:lstStyle/>
           <a:p>
             <a:r>
-              <a:rPr lang="en-US" altLang="ko-KR" sz="3200" smtClean="0">
+              <a:rPr lang="en-US" altLang="ko-KR" sz="3200" dirty="0" smtClean="0">
                 <a:solidFill>
                   <a:srgbClr val="4C50BB"/>
                 </a:solidFill>
                 <a:latin typeface="G마켓 산스 Medium" panose="02000000000000000000" pitchFamily="50" charset="-127"/>
                 <a:ea typeface="G마켓 산스 Medium" panose="02000000000000000000" pitchFamily="50" charset="-127"/>
               </a:rPr>
-              <a:t>3. </a:t>
-            </a:r>
-            <a:r>
-              <a:rPr lang="ko-KR" altLang="en-US" sz="3200" smtClean="0">
+              <a:t>3. Main </a:t>
+            </a:r>
+            <a:r>
+              <a:rPr lang="ko-KR" altLang="en-US" sz="3200" dirty="0" smtClean="0">
                 <a:solidFill>
                   <a:srgbClr val="4C50BB"/>
                 </a:solidFill>
                 <a:latin typeface="G마켓 산스 Medium" panose="02000000000000000000" pitchFamily="50" charset="-127"/>
                 <a:ea typeface="G마켓 산스 Medium" panose="02000000000000000000" pitchFamily="50" charset="-127"/>
               </a:rPr>
-              <a:t>아래의 출력결과 처럼 나올수 있게 빈칸을 메꾸시오</a:t>
+              <a:t>클래스에 </a:t>
+            </a:r>
+            <a:r>
+              <a:rPr lang="en-US" altLang="ko-KR" sz="3200" dirty="0" smtClean="0">
+                <a:solidFill>
+                  <a:srgbClr val="4C50BB"/>
+                </a:solidFill>
+                <a:latin typeface="G마켓 산스 Medium" panose="02000000000000000000" pitchFamily="50" charset="-127"/>
+                <a:ea typeface="G마켓 산스 Medium" panose="02000000000000000000" pitchFamily="50" charset="-127"/>
+              </a:rPr>
+              <a:t>test </a:t>
+            </a:r>
+            <a:r>
+              <a:rPr lang="ko-KR" altLang="en-US" sz="3200" dirty="0" err="1" smtClean="0">
+                <a:solidFill>
+                  <a:srgbClr val="4C50BB"/>
+                </a:solidFill>
+                <a:latin typeface="G마켓 산스 Medium" panose="02000000000000000000" pitchFamily="50" charset="-127"/>
+                <a:ea typeface="G마켓 산스 Medium" panose="02000000000000000000" pitchFamily="50" charset="-127"/>
+              </a:rPr>
+              <a:t>메서드를</a:t>
+            </a:r>
+            <a:r>
+              <a:rPr lang="ko-KR" altLang="en-US" sz="3200" dirty="0">
+                <a:solidFill>
+                  <a:srgbClr val="4C50BB"/>
+                </a:solidFill>
+                <a:latin typeface="G마켓 산스 Medium" panose="02000000000000000000" pitchFamily="50" charset="-127"/>
+                <a:ea typeface="G마켓 산스 Medium" panose="02000000000000000000" pitchFamily="50" charset="-127"/>
+              </a:rPr>
+              <a:t> </a:t>
+            </a:r>
+            <a:r>
+              <a:rPr lang="ko-KR" altLang="en-US" sz="3200" dirty="0" smtClean="0">
+                <a:solidFill>
+                  <a:srgbClr val="4C50BB"/>
+                </a:solidFill>
+                <a:latin typeface="G마켓 산스 Medium" panose="02000000000000000000" pitchFamily="50" charset="-127"/>
+                <a:ea typeface="G마켓 산스 Medium" panose="02000000000000000000" pitchFamily="50" charset="-127"/>
+              </a:rPr>
+              <a:t>아래와 같이 만들어서 사용해보자</a:t>
+            </a:r>
+            <a:endParaRPr lang="en-US" altLang="ko-KR" sz="3200" dirty="0" smtClean="0">
+              <a:solidFill>
+                <a:srgbClr val="4C50BB"/>
+              </a:solidFill>
+              <a:latin typeface="G마켓 산스 Medium" panose="02000000000000000000" pitchFamily="50" charset="-127"/>
+              <a:ea typeface="G마켓 산스 Medium" panose="02000000000000000000" pitchFamily="50" charset="-127"/>
+            </a:endParaRPr>
+          </a:p>
+          <a:p>
+            <a:pPr marL="457200" indent="-457200">
+              <a:buFontTx/>
+              <a:buChar char="-"/>
+            </a:pPr>
+            <a:r>
+              <a:rPr lang="ko-KR" altLang="en-US" sz="3200" dirty="0" smtClean="0">
+                <a:solidFill>
+                  <a:srgbClr val="4C50BB"/>
+                </a:solidFill>
+                <a:latin typeface="G마켓 산스 Medium" panose="02000000000000000000" pitchFamily="50" charset="-127"/>
+                <a:ea typeface="G마켓 산스 Medium" panose="02000000000000000000" pitchFamily="50" charset="-127"/>
+              </a:rPr>
+              <a:t>빈칸 부분을 적절하게 채워 넣어 </a:t>
+            </a:r>
+            <a:r>
+              <a:rPr lang="en-US" altLang="ko-KR" sz="3200" dirty="0" smtClean="0">
+                <a:solidFill>
+                  <a:srgbClr val="4C50BB"/>
+                </a:solidFill>
+                <a:latin typeface="G마켓 산스 Medium" panose="02000000000000000000" pitchFamily="50" charset="-127"/>
+                <a:ea typeface="G마켓 산스 Medium" panose="02000000000000000000" pitchFamily="50" charset="-127"/>
+              </a:rPr>
+              <a:t>124561356 </a:t>
+            </a:r>
+            <a:r>
+              <a:rPr lang="ko-KR" altLang="en-US" sz="3200" dirty="0" smtClean="0">
+                <a:solidFill>
+                  <a:srgbClr val="4C50BB"/>
+                </a:solidFill>
+                <a:latin typeface="G마켓 산스 Medium" panose="02000000000000000000" pitchFamily="50" charset="-127"/>
+                <a:ea typeface="G마켓 산스 Medium" panose="02000000000000000000" pitchFamily="50" charset="-127"/>
+              </a:rPr>
+              <a:t>이 출력 </a:t>
+            </a:r>
+            <a:r>
+              <a:rPr lang="ko-KR" altLang="en-US" sz="3200" dirty="0" smtClean="0">
+                <a:solidFill>
+                  <a:srgbClr val="4C50BB"/>
+                </a:solidFill>
+                <a:latin typeface="G마켓 산스 Medium" panose="02000000000000000000" pitchFamily="50" charset="-127"/>
+                <a:ea typeface="G마켓 산스 Medium" panose="02000000000000000000" pitchFamily="50" charset="-127"/>
+              </a:rPr>
+              <a:t>되도록 실행흐름을 만들어보자</a:t>
+            </a:r>
+            <a:endParaRPr lang="en-US" altLang="ko-KR" sz="3200" dirty="0" smtClean="0">
+              <a:solidFill>
+                <a:srgbClr val="4C50BB"/>
+              </a:solidFill>
+              <a:latin typeface="G마켓 산스 Medium" panose="02000000000000000000" pitchFamily="50" charset="-127"/>
+              <a:ea typeface="G마켓 산스 Medium" panose="02000000000000000000" pitchFamily="50" charset="-127"/>
+            </a:endParaRPr>
+          </a:p>
+          <a:p>
+            <a:pPr marL="457200" indent="-457200">
+              <a:buFontTx/>
+              <a:buChar char="-"/>
+            </a:pPr>
+            <a:r>
+              <a:rPr lang="en-US" altLang="ko-KR" sz="2800" dirty="0">
+                <a:solidFill>
+                  <a:srgbClr val="FF0000"/>
+                </a:solidFill>
+                <a:latin typeface="G마켓 산스 Medium" panose="02000000000000000000" pitchFamily="50" charset="-127"/>
+                <a:ea typeface="G마켓 산스 Medium" panose="02000000000000000000" pitchFamily="50" charset="-127"/>
+              </a:rPr>
+              <a:t>test </a:t>
+            </a:r>
+            <a:r>
+              <a:rPr lang="ko-KR" altLang="en-US" sz="2800" dirty="0" err="1">
+                <a:solidFill>
+                  <a:srgbClr val="FF0000"/>
+                </a:solidFill>
+                <a:latin typeface="G마켓 산스 Medium" panose="02000000000000000000" pitchFamily="50" charset="-127"/>
+                <a:ea typeface="G마켓 산스 Medium" panose="02000000000000000000" pitchFamily="50" charset="-127"/>
+              </a:rPr>
+              <a:t>메서드</a:t>
+            </a:r>
+            <a:r>
+              <a:rPr lang="ko-KR" altLang="en-US" sz="2800" dirty="0">
+                <a:solidFill>
+                  <a:srgbClr val="FF0000"/>
+                </a:solidFill>
+                <a:latin typeface="G마켓 산스 Medium" panose="02000000000000000000" pitchFamily="50" charset="-127"/>
+                <a:ea typeface="G마켓 산스 Medium" panose="02000000000000000000" pitchFamily="50" charset="-127"/>
+              </a:rPr>
+              <a:t> 사용시 반드시 예외처리를 하도록 </a:t>
+            </a:r>
+            <a:r>
+              <a:rPr lang="ko-KR" altLang="en-US" sz="2800" dirty="0" err="1" smtClean="0">
+                <a:solidFill>
+                  <a:srgbClr val="FF0000"/>
+                </a:solidFill>
+                <a:latin typeface="G마켓 산스 Medium" panose="02000000000000000000" pitchFamily="50" charset="-127"/>
+                <a:ea typeface="G마켓 산스 Medium" panose="02000000000000000000" pitchFamily="50" charset="-127"/>
+              </a:rPr>
+              <a:t>강제할것</a:t>
             </a:r>
             <a:endParaRPr lang="en-US" altLang="ko-KR" sz="2800" dirty="0">
               <a:solidFill>
-                <a:schemeClr val="tx1">
-                  <a:lumMod val="50000"/>
-                  <a:lumOff val="50000"/>
-                </a:schemeClr>
+                <a:srgbClr val="FF0000"/>
               </a:solidFill>
               <a:latin typeface="G마켓 산스 Medium" panose="02000000000000000000" pitchFamily="50" charset="-127"/>
               <a:ea typeface="G마켓 산스 Medium" panose="02000000000000000000" pitchFamily="50" charset="-127"/>
@@ -12816,7 +14069,7 @@
         </p:blipFill>
         <p:spPr>
           <a:xfrm>
-            <a:off x="427012" y="1485899"/>
+            <a:off x="427012" y="1675671"/>
             <a:ext cx="8793187" cy="8649429"/>
           </a:xfrm>
           <a:prstGeom prst="rect">
@@ -12840,7 +14093,7 @@
         </p:blipFill>
         <p:spPr>
           <a:xfrm>
-            <a:off x="3124200" y="3314700"/>
+            <a:off x="3124200" y="3467100"/>
             <a:ext cx="3637189" cy="514350"/>
           </a:xfrm>
           <a:prstGeom prst="rect">
@@ -12864,7 +14117,7 @@
         </p:blipFill>
         <p:spPr>
           <a:xfrm>
-            <a:off x="2514600" y="5143500"/>
+            <a:off x="2514600" y="5295900"/>
             <a:ext cx="2514600" cy="355600"/>
           </a:xfrm>
           <a:prstGeom prst="rect">
@@ -12888,7 +14141,7 @@
         </p:blipFill>
         <p:spPr>
           <a:xfrm>
-            <a:off x="692393" y="7734300"/>
+            <a:off x="692393" y="7886700"/>
             <a:ext cx="2514600" cy="355600"/>
           </a:xfrm>
           <a:prstGeom prst="rect">
@@ -12912,7 +14165,7 @@
         </p:blipFill>
         <p:spPr>
           <a:xfrm>
-            <a:off x="6705599" y="1485899"/>
+            <a:off x="6705599" y="1638299"/>
             <a:ext cx="2514600" cy="355600"/>
           </a:xfrm>
           <a:prstGeom prst="rect">
@@ -12936,7 +14189,7 @@
         </p:blipFill>
         <p:spPr>
           <a:xfrm>
-            <a:off x="9677400" y="1485899"/>
+            <a:off x="9677400" y="1638299"/>
             <a:ext cx="7932635" cy="5699175"/>
           </a:xfrm>
           <a:prstGeom prst="rect">
@@ -12960,7 +14213,7 @@
         </p:blipFill>
         <p:spPr>
           <a:xfrm>
-            <a:off x="9697328" y="7442199"/>
+            <a:off x="9697328" y="7505700"/>
             <a:ext cx="3713872" cy="2196029"/>
           </a:xfrm>
           <a:prstGeom prst="rect">
@@ -12984,7 +14237,7 @@
         </p:blipFill>
         <p:spPr>
           <a:xfrm>
-            <a:off x="12420600" y="3070274"/>
+            <a:off x="12420600" y="3222674"/>
             <a:ext cx="990599" cy="514350"/>
           </a:xfrm>
           <a:prstGeom prst="rect">
@@ -13008,7 +14261,7 @@
         </p:blipFill>
         <p:spPr>
           <a:xfrm>
-            <a:off x="12420601" y="3761848"/>
+            <a:off x="12420601" y="3914248"/>
             <a:ext cx="761999" cy="514350"/>
           </a:xfrm>
           <a:prstGeom prst="rect">
@@ -13016,64 +14269,6 @@
           </a:prstGeom>
         </p:spPr>
       </p:pic>
-      <p:sp>
-        <p:nvSpPr>
-          <p:cNvPr id="15" name="TextBox 14">
-            <a:extLst>
-              <a:ext uri="{FF2B5EF4-FFF2-40B4-BE49-F238E27FC236}">
-                <a16:creationId xmlns:a16="http://schemas.microsoft.com/office/drawing/2014/main" xmlns="" id="{A2AD056B-97A4-5BCC-4460-250160F3E171}"/>
-              </a:ext>
-            </a:extLst>
-          </p:cNvPr>
-          <p:cNvSpPr txBox="1"/>
-          <p:nvPr/>
-        </p:nvSpPr>
-        <p:spPr>
-          <a:xfrm>
-            <a:off x="9659257" y="946350"/>
-            <a:ext cx="8763000" cy="523220"/>
-          </a:xfrm>
-          <a:prstGeom prst="rect">
-            <a:avLst/>
-          </a:prstGeom>
-          <a:noFill/>
-        </p:spPr>
-        <p:txBody>
-          <a:bodyPr wrap="square" rtlCol="0">
-            <a:spAutoFit/>
-          </a:bodyPr>
-          <a:lstStyle/>
-          <a:p>
-            <a:r>
-              <a:rPr lang="en-US" altLang="ko-KR" sz="2800" smtClean="0">
-                <a:solidFill>
-                  <a:srgbClr val="FF0000"/>
-                </a:solidFill>
-                <a:latin typeface="G마켓 산스 Medium" panose="02000000000000000000" pitchFamily="50" charset="-127"/>
-                <a:ea typeface="G마켓 산스 Medium" panose="02000000000000000000" pitchFamily="50" charset="-127"/>
-              </a:rPr>
-              <a:t>test </a:t>
-            </a:r>
-            <a:r>
-              <a:rPr lang="ko-KR" altLang="en-US" sz="2800" smtClean="0">
-                <a:solidFill>
-                  <a:srgbClr val="FF0000"/>
-                </a:solidFill>
-                <a:latin typeface="G마켓 산스 Medium" panose="02000000000000000000" pitchFamily="50" charset="-127"/>
-                <a:ea typeface="G마켓 산스 Medium" panose="02000000000000000000" pitchFamily="50" charset="-127"/>
-              </a:rPr>
-              <a:t>메서드 사용시 반드시 예외처리를 하도록 강제할것</a:t>
-            </a:r>
-            <a:endParaRPr lang="en-US" altLang="ko-KR" sz="2800" dirty="0">
-              <a:solidFill>
-                <a:srgbClr val="FF0000"/>
-              </a:solidFill>
-              <a:latin typeface="G마켓 산스 Medium" panose="02000000000000000000" pitchFamily="50" charset="-127"/>
-              <a:ea typeface="G마켓 산스 Medium" panose="02000000000000000000" pitchFamily="50" charset="-127"/>
-            </a:endParaRPr>
-          </a:p>
-        </p:txBody>
-      </p:sp>
     </p:spTree>
     <p:extLst>
       <p:ext uri="{BB962C8B-B14F-4D97-AF65-F5344CB8AC3E}">
@@ -13105,7 +14300,7 @@
                             </p:stCondLst>
                             <p:childTnLst>
                               <p:par>
-                                <p:cTn id="5" presetID="1" presetClass="entr" presetSubtype="0" fill="hold" nodeType="clickEffect">
+                                <p:cTn id="5" presetID="1" presetClass="exit" presetSubtype="0" fill="hold" nodeType="clickEffect">
                                   <p:stCondLst>
                                     <p:cond delay="0"/>
                                   </p:stCondLst>
@@ -13118,21 +14313,21 @@
                                           </p:stCondLst>
                                         </p:cTn>
                                         <p:tgtEl>
-                                          <p:spTgt spid="9"/>
+                                          <p:spTgt spid="14"/>
                                         </p:tgtEl>
                                         <p:attrNameLst>
                                           <p:attrName>style.visibility</p:attrName>
                                         </p:attrNameLst>
                                       </p:cBhvr>
                                       <p:to>
-                                        <p:strVal val="visible"/>
+                                        <p:strVal val="hidden"/>
                                       </p:to>
                                     </p:set>
                                   </p:childTnLst>
                                 </p:cTn>
                               </p:par>
                               <p:par>
-                                <p:cTn id="7" presetID="1" presetClass="entr" presetSubtype="0" fill="hold" nodeType="withEffect">
+                                <p:cTn id="7" presetID="1" presetClass="exit" presetSubtype="0" fill="hold" nodeType="withEffect">
                                   <p:stCondLst>
                                     <p:cond delay="0"/>
                                   </p:stCondLst>
@@ -13145,21 +14340,21 @@
                                           </p:stCondLst>
                                         </p:cTn>
                                         <p:tgtEl>
-                                          <p:spTgt spid="6"/>
+                                          <p:spTgt spid="13"/>
                                         </p:tgtEl>
                                         <p:attrNameLst>
                                           <p:attrName>style.visibility</p:attrName>
                                         </p:attrNameLst>
                                       </p:cBhvr>
                                       <p:to>
-                                        <p:strVal val="visible"/>
+                                        <p:strVal val="hidden"/>
                                       </p:to>
                                     </p:set>
                                   </p:childTnLst>
                                 </p:cTn>
                               </p:par>
                               <p:par>
-                                <p:cTn id="9" presetID="1" presetClass="entr" presetSubtype="0" fill="hold" nodeType="withEffect">
+                                <p:cTn id="9" presetID="1" presetClass="exit" presetSubtype="0" fill="hold" nodeType="withEffect">
                                   <p:stCondLst>
                                     <p:cond delay="0"/>
                                   </p:stCondLst>
@@ -13172,21 +14367,21 @@
                                           </p:stCondLst>
                                         </p:cTn>
                                         <p:tgtEl>
-                                          <p:spTgt spid="7"/>
+                                          <p:spTgt spid="9"/>
                                         </p:tgtEl>
                                         <p:attrNameLst>
                                           <p:attrName>style.visibility</p:attrName>
                                         </p:attrNameLst>
                                       </p:cBhvr>
                                       <p:to>
-                                        <p:strVal val="visible"/>
+                                        <p:strVal val="hidden"/>
                                       </p:to>
                                     </p:set>
                                   </p:childTnLst>
                                 </p:cTn>
                               </p:par>
                               <p:par>
-                                <p:cTn id="11" presetID="1" presetClass="entr" presetSubtype="0" fill="hold" nodeType="withEffect">
+                                <p:cTn id="11" presetID="1" presetClass="exit" presetSubtype="0" fill="hold" nodeType="withEffect">
                                   <p:stCondLst>
                                     <p:cond delay="0"/>
                                   </p:stCondLst>
@@ -13199,21 +14394,21 @@
                                           </p:stCondLst>
                                         </p:cTn>
                                         <p:tgtEl>
-                                          <p:spTgt spid="8"/>
+                                          <p:spTgt spid="6"/>
                                         </p:tgtEl>
                                         <p:attrNameLst>
                                           <p:attrName>style.visibility</p:attrName>
                                         </p:attrNameLst>
                                       </p:cBhvr>
                                       <p:to>
-                                        <p:strVal val="visible"/>
+                                        <p:strVal val="hidden"/>
                                       </p:to>
                                     </p:set>
                                   </p:childTnLst>
                                 </p:cTn>
                               </p:par>
                               <p:par>
-                                <p:cTn id="13" presetID="1" presetClass="entr" presetSubtype="0" fill="hold" nodeType="withEffect">
+                                <p:cTn id="13" presetID="1" presetClass="exit" presetSubtype="0" fill="hold" nodeType="withEffect">
                                   <p:stCondLst>
                                     <p:cond delay="0"/>
                                   </p:stCondLst>
@@ -13226,21 +14421,21 @@
                                           </p:stCondLst>
                                         </p:cTn>
                                         <p:tgtEl>
-                                          <p:spTgt spid="13"/>
+                                          <p:spTgt spid="7"/>
                                         </p:tgtEl>
                                         <p:attrNameLst>
                                           <p:attrName>style.visibility</p:attrName>
                                         </p:attrNameLst>
                                       </p:cBhvr>
                                       <p:to>
-                                        <p:strVal val="visible"/>
+                                        <p:strVal val="hidden"/>
                                       </p:to>
                                     </p:set>
                                   </p:childTnLst>
                                 </p:cTn>
                               </p:par>
                               <p:par>
-                                <p:cTn id="15" presetID="1" presetClass="entr" presetSubtype="0" fill="hold" nodeType="withEffect">
+                                <p:cTn id="15" presetID="1" presetClass="exit" presetSubtype="0" fill="hold" nodeType="withEffect">
                                   <p:stCondLst>
                                     <p:cond delay="0"/>
                                   </p:stCondLst>
@@ -13253,14 +14448,14 @@
                                           </p:stCondLst>
                                         </p:cTn>
                                         <p:tgtEl>
-                                          <p:spTgt spid="14"/>
+                                          <p:spTgt spid="8"/>
                                         </p:tgtEl>
                                         <p:attrNameLst>
                                           <p:attrName>style.visibility</p:attrName>
                                         </p:attrNameLst>
                                       </p:cBhvr>
                                       <p:to>
-                                        <p:strVal val="visible"/>
+                                        <p:strVal val="hidden"/>
                                       </p:to>
                                     </p:set>
                                   </p:childTnLst>
@@ -13297,7 +14492,7 @@
 </p:sld>
 </file>
 
-<file path=ppt/slides/slide34.xml><?xml version="1.0" encoding="utf-8"?>
+<file path=ppt/slides/slide37.xml><?xml version="1.0" encoding="utf-8"?>
 <p:sld xmlns:a="http://schemas.openxmlformats.org/drawingml/2006/main" xmlns:r="http://schemas.openxmlformats.org/officeDocument/2006/relationships" xmlns:p="http://schemas.openxmlformats.org/presentationml/2006/main">
   <p:cSld>
     <p:bg>
@@ -13624,7 +14819,7 @@
 </p:sld>
 </file>
 
-<file path=ppt/slides/slide35.xml><?xml version="1.0" encoding="utf-8"?>
+<file path=ppt/slides/slide38.xml><?xml version="1.0" encoding="utf-8"?>
 <p:sld xmlns:a="http://schemas.openxmlformats.org/drawingml/2006/main" xmlns:r="http://schemas.openxmlformats.org/officeDocument/2006/relationships" xmlns:p="http://schemas.openxmlformats.org/presentationml/2006/main">
   <p:cSld>
     <p:spTree>
@@ -13733,7 +14928,7 @@
 </p:sld>
 </file>
 
-<file path=ppt/slides/slide36.xml><?xml version="1.0" encoding="utf-8"?>
+<file path=ppt/slides/slide39.xml><?xml version="1.0" encoding="utf-8"?>
 <p:sld xmlns:a="http://schemas.openxmlformats.org/drawingml/2006/main" xmlns:r="http://schemas.openxmlformats.org/officeDocument/2006/relationships" xmlns:p="http://schemas.openxmlformats.org/presentationml/2006/main">
   <p:cSld>
     <p:spTree>
@@ -14808,575 +16003,33 @@
                       </p:childTnLst>
                     </p:cTn>
                   </p:par>
-                </p:childTnLst>
-              </p:cTn>
-              <p:prevCondLst>
-                <p:cond evt="onPrev" delay="0">
-                  <p:tgtEl>
-                    <p:sldTgt/>
-                  </p:tgtEl>
-                </p:cond>
-              </p:prevCondLst>
-              <p:nextCondLst>
-                <p:cond evt="onNext" delay="0">
-                  <p:tgtEl>
-                    <p:sldTgt/>
-                  </p:tgtEl>
-                </p:cond>
-              </p:nextCondLst>
-            </p:seq>
-          </p:childTnLst>
-        </p:cTn>
-      </p:par>
-    </p:tnLst>
-    <p:bldLst>
-      <p:bldP spid="28" grpId="0"/>
-      <p:bldP spid="32" grpId="0"/>
-      <p:bldP spid="36" grpId="0"/>
-      <p:bldP spid="43" grpId="0"/>
-    </p:bldLst>
-  </p:timing>
-</p:sld>
-</file>
-
-<file path=ppt/slides/slide37.xml><?xml version="1.0" encoding="utf-8"?>
-<p:sld xmlns:a="http://schemas.openxmlformats.org/drawingml/2006/main" xmlns:r="http://schemas.openxmlformats.org/officeDocument/2006/relationships" xmlns:p="http://schemas.openxmlformats.org/presentationml/2006/main">
-  <p:cSld>
-    <p:spTree>
-      <p:nvGrpSpPr>
-        <p:cNvPr id="1" name=""/>
-        <p:cNvGrpSpPr/>
-        <p:nvPr/>
-      </p:nvGrpSpPr>
-      <p:grpSpPr>
-        <a:xfrm>
-          <a:off x="0" y="0"/>
-          <a:ext cx="0" cy="0"/>
-          <a:chOff x="0" y="0"/>
-          <a:chExt cx="0" cy="0"/>
-        </a:xfrm>
-      </p:grpSpPr>
-      <p:sp>
-        <p:nvSpPr>
-          <p:cNvPr id="4" name="TextBox 3">
-            <a:extLst>
-              <a:ext uri="{FF2B5EF4-FFF2-40B4-BE49-F238E27FC236}">
-                <a16:creationId xmlns="" xmlns:a16="http://schemas.microsoft.com/office/drawing/2014/main" id="{F84DC196-DA83-3926-FA25-58A1850ED904}"/>
-              </a:ext>
-            </a:extLst>
-          </p:cNvPr>
-          <p:cNvSpPr txBox="1"/>
-          <p:nvPr/>
-        </p:nvSpPr>
-        <p:spPr>
-          <a:xfrm>
-            <a:off x="2286000" y="3086100"/>
-            <a:ext cx="13868400" cy="3785652"/>
-          </a:xfrm>
-          <a:prstGeom prst="rect">
-            <a:avLst/>
-          </a:prstGeom>
-          <a:noFill/>
-        </p:spPr>
-        <p:txBody>
-          <a:bodyPr wrap="square" rtlCol="0">
-            <a:spAutoFit/>
-          </a:bodyPr>
-          <a:lstStyle/>
-          <a:p>
-            <a:r>
-              <a:rPr lang="ko-KR" altLang="en-US" sz="4000" smtClean="0">
-                <a:solidFill>
-                  <a:srgbClr val="4C50BC"/>
-                </a:solidFill>
-                <a:latin typeface="G마켓 산스 Medium" panose="02000000000000000000" pitchFamily="50" charset="-127"/>
-                <a:ea typeface="G마켓 산스 Medium" panose="02000000000000000000" pitchFamily="50" charset="-127"/>
-              </a:rPr>
-              <a:t>그런데 에러를 일부러 생성해서 발생 시킬 이유가 있는가</a:t>
-            </a:r>
-            <a:r>
-              <a:rPr lang="en-US" altLang="ko-KR" sz="4000" smtClean="0">
-                <a:solidFill>
-                  <a:srgbClr val="4C50BC"/>
-                </a:solidFill>
-                <a:latin typeface="G마켓 산스 Medium" panose="02000000000000000000" pitchFamily="50" charset="-127"/>
-                <a:ea typeface="G마켓 산스 Medium" panose="02000000000000000000" pitchFamily="50" charset="-127"/>
-              </a:rPr>
-              <a:t>..?</a:t>
-            </a:r>
-          </a:p>
-          <a:p>
-            <a:endParaRPr lang="en-US" altLang="ko-KR" sz="4000">
-              <a:solidFill>
-                <a:srgbClr val="4C50BC"/>
-              </a:solidFill>
-              <a:latin typeface="G마켓 산스 Medium" panose="02000000000000000000" pitchFamily="50" charset="-127"/>
-              <a:ea typeface="G마켓 산스 Medium" panose="02000000000000000000" pitchFamily="50" charset="-127"/>
-            </a:endParaRPr>
-          </a:p>
-          <a:p>
-            <a:r>
-              <a:rPr lang="ko-KR" altLang="en-US" sz="4000" smtClean="0">
-                <a:solidFill>
-                  <a:srgbClr val="4C50BC"/>
-                </a:solidFill>
-                <a:latin typeface="G마켓 산스 Medium" panose="02000000000000000000" pitchFamily="50" charset="-127"/>
-                <a:ea typeface="G마켓 산스 Medium" panose="02000000000000000000" pitchFamily="50" charset="-127"/>
-              </a:rPr>
-              <a:t>게다가 자체적으로 새롭게 만든 에러까지 만들어서 발생시켜서 어디다 써먹는걸까</a:t>
-            </a:r>
-            <a:r>
-              <a:rPr lang="en-US" altLang="ko-KR" sz="4000" smtClean="0">
-                <a:solidFill>
-                  <a:srgbClr val="4C50BC"/>
-                </a:solidFill>
-                <a:latin typeface="G마켓 산스 Medium" panose="02000000000000000000" pitchFamily="50" charset="-127"/>
-                <a:ea typeface="G마켓 산스 Medium" panose="02000000000000000000" pitchFamily="50" charset="-127"/>
-              </a:rPr>
-              <a:t>..?</a:t>
-            </a:r>
-          </a:p>
-          <a:p>
-            <a:endParaRPr lang="en-US" altLang="ko-KR" sz="4000">
-              <a:solidFill>
-                <a:srgbClr val="4C50BC"/>
-              </a:solidFill>
-              <a:latin typeface="G마켓 산스 Medium" panose="02000000000000000000" pitchFamily="50" charset="-127"/>
-              <a:ea typeface="G마켓 산스 Medium" panose="02000000000000000000" pitchFamily="50" charset="-127"/>
-            </a:endParaRPr>
-          </a:p>
-          <a:p>
-            <a:r>
-              <a:rPr lang="ko-KR" altLang="en-US" sz="4000" smtClean="0">
-                <a:solidFill>
-                  <a:srgbClr val="4C50BC"/>
-                </a:solidFill>
-                <a:latin typeface="G마켓 산스 Medium" panose="02000000000000000000" pitchFamily="50" charset="-127"/>
-                <a:ea typeface="G마켓 산스 Medium" panose="02000000000000000000" pitchFamily="50" charset="-127"/>
-              </a:rPr>
-              <a:t>에러는 안나게 해야하는건데 왜 더 발생시키려는걸까</a:t>
-            </a:r>
-            <a:r>
-              <a:rPr lang="en-US" altLang="ko-KR" sz="4000" smtClean="0">
-                <a:solidFill>
-                  <a:srgbClr val="4C50BC"/>
-                </a:solidFill>
-                <a:latin typeface="G마켓 산스 Medium" panose="02000000000000000000" pitchFamily="50" charset="-127"/>
-                <a:ea typeface="G마켓 산스 Medium" panose="02000000000000000000" pitchFamily="50" charset="-127"/>
-              </a:rPr>
-              <a:t>?</a:t>
-            </a:r>
-            <a:endParaRPr lang="en-US" altLang="ko-KR" sz="4000" dirty="0">
-              <a:solidFill>
-                <a:srgbClr val="4C50BC"/>
-              </a:solidFill>
-              <a:latin typeface="G마켓 산스 Medium" panose="02000000000000000000" pitchFamily="50" charset="-127"/>
-              <a:ea typeface="G마켓 산스 Medium" panose="02000000000000000000" pitchFamily="50" charset="-127"/>
-            </a:endParaRPr>
-          </a:p>
-        </p:txBody>
-      </p:sp>
-    </p:spTree>
-    <p:extLst>
-      <p:ext uri="{BB962C8B-B14F-4D97-AF65-F5344CB8AC3E}">
-        <p14:creationId xmlns:p14="http://schemas.microsoft.com/office/powerpoint/2010/main" val="4174329085"/>
-      </p:ext>
-    </p:extLst>
-  </p:cSld>
-  <p:clrMapOvr>
-    <a:masterClrMapping/>
-  </p:clrMapOvr>
-  <p:timing>
-    <p:tnLst>
-      <p:par>
-        <p:cTn id="1" dur="indefinite" restart="never" nodeType="tmRoot"/>
-      </p:par>
-    </p:tnLst>
-  </p:timing>
-</p:sld>
-</file>
-
-<file path=ppt/slides/slide38.xml><?xml version="1.0" encoding="utf-8"?>
-<p:sld xmlns:a="http://schemas.openxmlformats.org/drawingml/2006/main" xmlns:r="http://schemas.openxmlformats.org/officeDocument/2006/relationships" xmlns:p="http://schemas.openxmlformats.org/presentationml/2006/main">
-  <p:cSld>
-    <p:spTree>
-      <p:nvGrpSpPr>
-        <p:cNvPr id="1" name=""/>
-        <p:cNvGrpSpPr/>
-        <p:nvPr/>
-      </p:nvGrpSpPr>
-      <p:grpSpPr>
-        <a:xfrm>
-          <a:off x="0" y="0"/>
-          <a:ext cx="0" cy="0"/>
-          <a:chOff x="0" y="0"/>
-          <a:chExt cx="0" cy="0"/>
-        </a:xfrm>
-      </p:grpSpPr>
-      <p:sp>
-        <p:nvSpPr>
-          <p:cNvPr id="4" name="TextBox 3">
-            <a:extLst>
-              <a:ext uri="{FF2B5EF4-FFF2-40B4-BE49-F238E27FC236}">
-                <a16:creationId xmlns="" xmlns:a16="http://schemas.microsoft.com/office/drawing/2014/main" id="{F84DC196-DA83-3926-FA25-58A1850ED904}"/>
-              </a:ext>
-            </a:extLst>
-          </p:cNvPr>
-          <p:cNvSpPr txBox="1"/>
-          <p:nvPr/>
-        </p:nvSpPr>
-        <p:spPr>
-          <a:xfrm>
-            <a:off x="838200" y="190500"/>
-            <a:ext cx="5410200" cy="707886"/>
-          </a:xfrm>
-          <a:prstGeom prst="rect">
-            <a:avLst/>
-          </a:prstGeom>
-          <a:noFill/>
-        </p:spPr>
-        <p:txBody>
-          <a:bodyPr wrap="square" rtlCol="0">
-            <a:spAutoFit/>
-          </a:bodyPr>
-          <a:lstStyle/>
-          <a:p>
-            <a:r>
-              <a:rPr lang="ko-KR" altLang="en-US" sz="4000" smtClean="0">
-                <a:solidFill>
-                  <a:srgbClr val="4C50BC"/>
-                </a:solidFill>
-                <a:latin typeface="G마켓 산스 Medium" panose="02000000000000000000" pitchFamily="50" charset="-127"/>
-                <a:ea typeface="G마켓 산스 Medium" panose="02000000000000000000" pitchFamily="50" charset="-127"/>
-              </a:rPr>
-              <a:t>사용자 정의 예외 활용</a:t>
-            </a:r>
-            <a:endParaRPr lang="en-US" altLang="ko-KR" sz="4000" dirty="0">
-              <a:solidFill>
-                <a:srgbClr val="4C50BC"/>
-              </a:solidFill>
-              <a:latin typeface="G마켓 산스 Medium" panose="02000000000000000000" pitchFamily="50" charset="-127"/>
-              <a:ea typeface="G마켓 산스 Medium" panose="02000000000000000000" pitchFamily="50" charset="-127"/>
-            </a:endParaRPr>
-          </a:p>
-        </p:txBody>
-      </p:sp>
-      <p:pic>
-        <p:nvPicPr>
-          <p:cNvPr id="2" name="그림 1"/>
-          <p:cNvPicPr>
-            <a:picLocks noChangeAspect="1"/>
-          </p:cNvPicPr>
-          <p:nvPr/>
-        </p:nvPicPr>
-        <p:blipFill>
-          <a:blip r:embed="rId2"/>
-          <a:stretch>
-            <a:fillRect/>
-          </a:stretch>
-        </p:blipFill>
-        <p:spPr>
-          <a:xfrm>
-            <a:off x="908259" y="1485900"/>
-            <a:ext cx="11573301" cy="3657600"/>
-          </a:xfrm>
-          <a:prstGeom prst="rect">
-            <a:avLst/>
-          </a:prstGeom>
-        </p:spPr>
-      </p:pic>
-      <p:sp>
-        <p:nvSpPr>
-          <p:cNvPr id="5" name="TextBox 4">
-            <a:extLst>
-              <a:ext uri="{FF2B5EF4-FFF2-40B4-BE49-F238E27FC236}">
-                <a16:creationId xmlns="" xmlns:a16="http://schemas.microsoft.com/office/drawing/2014/main" id="{A2AD056B-97A4-5BCC-4460-250160F3E171}"/>
-              </a:ext>
-            </a:extLst>
-          </p:cNvPr>
-          <p:cNvSpPr txBox="1"/>
-          <p:nvPr/>
-        </p:nvSpPr>
-        <p:spPr>
-          <a:xfrm>
-            <a:off x="1752600" y="876300"/>
-            <a:ext cx="10744200" cy="707886"/>
-          </a:xfrm>
-          <a:prstGeom prst="rect">
-            <a:avLst/>
-          </a:prstGeom>
-          <a:noFill/>
-        </p:spPr>
-        <p:txBody>
-          <a:bodyPr wrap="square" rtlCol="0">
-            <a:spAutoFit/>
-          </a:bodyPr>
-          <a:lstStyle/>
-          <a:p>
-            <a:r>
-              <a:rPr lang="ko-KR" altLang="en-US" sz="4000" smtClean="0">
-                <a:solidFill>
-                  <a:schemeClr val="tx1">
-                    <a:lumMod val="50000"/>
-                    <a:lumOff val="50000"/>
-                  </a:schemeClr>
-                </a:solidFill>
-                <a:latin typeface="G마켓 산스 Medium" panose="02000000000000000000" pitchFamily="50" charset="-127"/>
-                <a:ea typeface="G마켓 산스 Medium" panose="02000000000000000000" pitchFamily="50" charset="-127"/>
-              </a:rPr>
-              <a:t>아래 코드의 문제점이 무엇일까</a:t>
-            </a:r>
-            <a:r>
-              <a:rPr lang="en-US" altLang="ko-KR" sz="4000" smtClean="0">
-                <a:solidFill>
-                  <a:schemeClr val="tx1">
-                    <a:lumMod val="50000"/>
-                    <a:lumOff val="50000"/>
-                  </a:schemeClr>
-                </a:solidFill>
-                <a:latin typeface="G마켓 산스 Medium" panose="02000000000000000000" pitchFamily="50" charset="-127"/>
-                <a:ea typeface="G마켓 산스 Medium" panose="02000000000000000000" pitchFamily="50" charset="-127"/>
-              </a:rPr>
-              <a:t>?</a:t>
-            </a:r>
-            <a:endParaRPr lang="en-US" altLang="ko-KR" sz="4000" dirty="0">
-              <a:solidFill>
-                <a:schemeClr val="tx1">
-                  <a:lumMod val="50000"/>
-                  <a:lumOff val="50000"/>
-                </a:schemeClr>
-              </a:solidFill>
-              <a:latin typeface="G마켓 산스 Medium" panose="02000000000000000000" pitchFamily="50" charset="-127"/>
-              <a:ea typeface="G마켓 산스 Medium" panose="02000000000000000000" pitchFamily="50" charset="-127"/>
-            </a:endParaRPr>
-          </a:p>
-        </p:txBody>
-      </p:sp>
-      <p:pic>
-        <p:nvPicPr>
-          <p:cNvPr id="3" name="그림 2"/>
-          <p:cNvPicPr>
-            <a:picLocks noChangeAspect="1"/>
-          </p:cNvPicPr>
-          <p:nvPr/>
-        </p:nvPicPr>
-        <p:blipFill>
-          <a:blip r:embed="rId3"/>
-          <a:stretch>
-            <a:fillRect/>
-          </a:stretch>
-        </p:blipFill>
-        <p:spPr>
-          <a:xfrm>
-            <a:off x="937566" y="5295900"/>
-            <a:ext cx="7264601" cy="3429000"/>
-          </a:xfrm>
-          <a:prstGeom prst="rect">
-            <a:avLst/>
-          </a:prstGeom>
-        </p:spPr>
-      </p:pic>
-      <p:pic>
-        <p:nvPicPr>
-          <p:cNvPr id="6" name="그림 5"/>
-          <p:cNvPicPr>
-            <a:picLocks noChangeAspect="1"/>
-          </p:cNvPicPr>
-          <p:nvPr/>
-        </p:nvPicPr>
-        <p:blipFill>
-          <a:blip r:embed="rId4"/>
-          <a:stretch>
-            <a:fillRect/>
-          </a:stretch>
-        </p:blipFill>
-        <p:spPr>
-          <a:xfrm>
-            <a:off x="8686800" y="5372100"/>
-            <a:ext cx="3048000" cy="1143000"/>
-          </a:xfrm>
-          <a:prstGeom prst="rect">
-            <a:avLst/>
-          </a:prstGeom>
-        </p:spPr>
-      </p:pic>
-      <p:sp>
-        <p:nvSpPr>
-          <p:cNvPr id="7" name="TextBox 6">
-            <a:extLst>
-              <a:ext uri="{FF2B5EF4-FFF2-40B4-BE49-F238E27FC236}">
-                <a16:creationId xmlns="" xmlns:a16="http://schemas.microsoft.com/office/drawing/2014/main" id="{C6D113C6-EA5C-788F-0C77-E7CE6EBB865F}"/>
-              </a:ext>
-            </a:extLst>
-          </p:cNvPr>
-          <p:cNvSpPr txBox="1"/>
-          <p:nvPr/>
-        </p:nvSpPr>
-        <p:spPr>
-          <a:xfrm>
-            <a:off x="838200" y="8849261"/>
-            <a:ext cx="16764000" cy="1323439"/>
-          </a:xfrm>
-          <a:prstGeom prst="rect">
-            <a:avLst/>
-          </a:prstGeom>
-          <a:noFill/>
-        </p:spPr>
-        <p:txBody>
-          <a:bodyPr wrap="square" rtlCol="0">
-            <a:spAutoFit/>
-          </a:bodyPr>
-          <a:lstStyle/>
-          <a:p>
-            <a:r>
-              <a:rPr lang="ko-KR" altLang="en-US" sz="4000" smtClean="0">
-                <a:solidFill>
-                  <a:srgbClr val="FF0000"/>
-                </a:solidFill>
-                <a:latin typeface="G마켓 산스 Medium" panose="02000000000000000000" pitchFamily="50" charset="-127"/>
-                <a:ea typeface="G마켓 산스 Medium" panose="02000000000000000000" pitchFamily="50" charset="-127"/>
-              </a:rPr>
-              <a:t>수리가 불가능 할때 나는 다른 문구를 쓰고 싶은데</a:t>
-            </a:r>
-            <a:r>
-              <a:rPr lang="en-US" altLang="ko-KR" sz="4000" smtClean="0">
-                <a:solidFill>
-                  <a:srgbClr val="FF0000"/>
-                </a:solidFill>
-                <a:latin typeface="G마켓 산스 Medium" panose="02000000000000000000" pitchFamily="50" charset="-127"/>
-                <a:ea typeface="G마켓 산스 Medium" panose="02000000000000000000" pitchFamily="50" charset="-127"/>
-              </a:rPr>
-              <a:t>… BlackSmith </a:t>
-            </a:r>
-            <a:r>
-              <a:rPr lang="ko-KR" altLang="en-US" sz="4000" smtClean="0">
-                <a:solidFill>
-                  <a:srgbClr val="FF0000"/>
-                </a:solidFill>
-                <a:latin typeface="G마켓 산스 Medium" panose="02000000000000000000" pitchFamily="50" charset="-127"/>
-                <a:ea typeface="G마켓 산스 Medium" panose="02000000000000000000" pitchFamily="50" charset="-127"/>
-              </a:rPr>
-              <a:t>만든놈이 자기 맘대로 문구를 정해놓고 출력까지 해버리네</a:t>
-            </a:r>
-            <a:r>
-              <a:rPr lang="en-US" altLang="ko-KR" sz="4000" smtClean="0">
-                <a:solidFill>
-                  <a:srgbClr val="FF0000"/>
-                </a:solidFill>
-                <a:latin typeface="G마켓 산스 Medium" panose="02000000000000000000" pitchFamily="50" charset="-127"/>
-                <a:ea typeface="G마켓 산스 Medium" panose="02000000000000000000" pitchFamily="50" charset="-127"/>
-              </a:rPr>
-              <a:t>?</a:t>
-            </a:r>
-            <a:endParaRPr lang="en-US" altLang="ko-KR" sz="4000" dirty="0">
-              <a:solidFill>
-                <a:srgbClr val="FF0000"/>
-              </a:solidFill>
-              <a:latin typeface="G마켓 산스 Medium" panose="02000000000000000000" pitchFamily="50" charset="-127"/>
-              <a:ea typeface="G마켓 산스 Medium" panose="02000000000000000000" pitchFamily="50" charset="-127"/>
-            </a:endParaRPr>
-          </a:p>
-        </p:txBody>
-      </p:sp>
-    </p:spTree>
-    <p:extLst>
-      <p:ext uri="{BB962C8B-B14F-4D97-AF65-F5344CB8AC3E}">
-        <p14:creationId xmlns:p14="http://schemas.microsoft.com/office/powerpoint/2010/main" val="3443186137"/>
-      </p:ext>
-    </p:extLst>
-  </p:cSld>
-  <p:clrMapOvr>
-    <a:masterClrMapping/>
-  </p:clrMapOvr>
-  <p:timing>
-    <p:tnLst>
-      <p:par>
-        <p:cTn id="1" dur="indefinite" restart="never" nodeType="tmRoot">
-          <p:childTnLst>
-            <p:seq concurrent="1" nextAc="seek">
-              <p:cTn id="2" dur="indefinite" nodeType="mainSeq">
-                <p:childTnLst>
                   <p:par>
-                    <p:cTn id="3" fill="hold">
+                    <p:cTn id="27" fill="hold">
                       <p:stCondLst>
                         <p:cond delay="indefinite"/>
                       </p:stCondLst>
                       <p:childTnLst>
                         <p:par>
-                          <p:cTn id="4" fill="hold">
+                          <p:cTn id="28" fill="hold">
                             <p:stCondLst>
                               <p:cond delay="0"/>
                             </p:stCondLst>
                             <p:childTnLst>
                               <p:par>
-                                <p:cTn id="5" presetID="1" presetClass="entr" presetSubtype="0" fill="hold" nodeType="clickEffect">
+                                <p:cTn id="29" presetID="1" presetClass="entr" presetSubtype="0" fill="hold" grpId="0" nodeType="clickEffect">
                                   <p:stCondLst>
                                     <p:cond delay="0"/>
                                   </p:stCondLst>
                                   <p:childTnLst>
                                     <p:set>
                                       <p:cBhvr>
-                                        <p:cTn id="6" dur="1" fill="hold">
+                                        <p:cTn id="30" dur="1" fill="hold">
                                           <p:stCondLst>
                                             <p:cond delay="0"/>
                                           </p:stCondLst>
                                         </p:cTn>
                                         <p:tgtEl>
-                                          <p:spTgt spid="3"/>
-                                        </p:tgtEl>
-                                        <p:attrNameLst>
-                                          <p:attrName>style.visibility</p:attrName>
-                                        </p:attrNameLst>
-                                      </p:cBhvr>
-                                      <p:to>
-                                        <p:strVal val="visible"/>
-                                      </p:to>
-                                    </p:set>
-                                  </p:childTnLst>
-                                </p:cTn>
-                              </p:par>
-                              <p:par>
-                                <p:cTn id="7" presetID="1" presetClass="entr" presetSubtype="0" fill="hold" nodeType="withEffect">
-                                  <p:stCondLst>
-                                    <p:cond delay="0"/>
-                                  </p:stCondLst>
-                                  <p:childTnLst>
-                                    <p:set>
-                                      <p:cBhvr>
-                                        <p:cTn id="8" dur="1" fill="hold">
-                                          <p:stCondLst>
-                                            <p:cond delay="0"/>
-                                          </p:stCondLst>
-                                        </p:cTn>
-                                        <p:tgtEl>
-                                          <p:spTgt spid="6"/>
-                                        </p:tgtEl>
-                                        <p:attrNameLst>
-                                          <p:attrName>style.visibility</p:attrName>
-                                        </p:attrNameLst>
-                                      </p:cBhvr>
-                                      <p:to>
-                                        <p:strVal val="visible"/>
-                                      </p:to>
-                                    </p:set>
-                                  </p:childTnLst>
-                                </p:cTn>
-                              </p:par>
-                              <p:par>
-                                <p:cTn id="9" presetID="1" presetClass="entr" presetSubtype="0" fill="hold" grpId="0" nodeType="withEffect">
-                                  <p:stCondLst>
-                                    <p:cond delay="0"/>
-                                  </p:stCondLst>
-                                  <p:childTnLst>
-                                    <p:set>
-                                      <p:cBhvr>
-                                        <p:cTn id="10" dur="1" fill="hold">
-                                          <p:stCondLst>
-                                            <p:cond delay="0"/>
-                                          </p:stCondLst>
-                                        </p:cTn>
-                                        <p:tgtEl>
-                                          <p:spTgt spid="7"/>
+                                          <p:spTgt spid="48"/>
                                         </p:tgtEl>
                                         <p:attrNameLst>
                                           <p:attrName>style.visibility</p:attrName>
@@ -15417,147 +16070,12 @@
       </p:par>
     </p:tnLst>
     <p:bldLst>
-      <p:bldP spid="7" grpId="0"/>
+      <p:bldP spid="28" grpId="0"/>
+      <p:bldP spid="32" grpId="0"/>
+      <p:bldP spid="36" grpId="0"/>
+      <p:bldP spid="43" grpId="0"/>
+      <p:bldP spid="48" grpId="0"/>
     </p:bldLst>
-  </p:timing>
-</p:sld>
-</file>
-
-<file path=ppt/slides/slide39.xml><?xml version="1.0" encoding="utf-8"?>
-<p:sld xmlns:a="http://schemas.openxmlformats.org/drawingml/2006/main" xmlns:r="http://schemas.openxmlformats.org/officeDocument/2006/relationships" xmlns:p="http://schemas.openxmlformats.org/presentationml/2006/main">
-  <p:cSld>
-    <p:spTree>
-      <p:nvGrpSpPr>
-        <p:cNvPr id="1" name=""/>
-        <p:cNvGrpSpPr/>
-        <p:nvPr/>
-      </p:nvGrpSpPr>
-      <p:grpSpPr>
-        <a:xfrm>
-          <a:off x="0" y="0"/>
-          <a:ext cx="0" cy="0"/>
-          <a:chOff x="0" y="0"/>
-          <a:chExt cx="0" cy="0"/>
-        </a:xfrm>
-      </p:grpSpPr>
-      <p:sp>
-        <p:nvSpPr>
-          <p:cNvPr id="5" name="TextBox 4">
-            <a:extLst>
-              <a:ext uri="{FF2B5EF4-FFF2-40B4-BE49-F238E27FC236}">
-                <a16:creationId xmlns="" xmlns:a16="http://schemas.microsoft.com/office/drawing/2014/main" id="{F84DC196-DA83-3926-FA25-58A1850ED904}"/>
-              </a:ext>
-            </a:extLst>
-          </p:cNvPr>
-          <p:cNvSpPr txBox="1"/>
-          <p:nvPr/>
-        </p:nvSpPr>
-        <p:spPr>
-          <a:xfrm>
-            <a:off x="1219200" y="6819900"/>
-            <a:ext cx="17068800" cy="1938992"/>
-          </a:xfrm>
-          <a:prstGeom prst="rect">
-            <a:avLst/>
-          </a:prstGeom>
-          <a:noFill/>
-        </p:spPr>
-        <p:txBody>
-          <a:bodyPr wrap="square" rtlCol="0">
-            <a:spAutoFit/>
-          </a:bodyPr>
-          <a:lstStyle/>
-          <a:p>
-            <a:r>
-              <a:rPr lang="ko-KR" altLang="en-US" sz="4000" smtClean="0">
-                <a:solidFill>
-                  <a:srgbClr val="4C50BC"/>
-                </a:solidFill>
-                <a:latin typeface="G마켓 산스 Medium" panose="02000000000000000000" pitchFamily="50" charset="-127"/>
-                <a:ea typeface="G마켓 산스 Medium" panose="02000000000000000000" pitchFamily="50" charset="-127"/>
-              </a:rPr>
-              <a:t>그래 알겠어 화면 디자인과 관련된건 모두 너가 알아서해 나는 수리가능</a:t>
-            </a:r>
-            <a:r>
-              <a:rPr lang="en-US" altLang="ko-KR" sz="4000" smtClean="0">
-                <a:solidFill>
-                  <a:srgbClr val="4C50BC"/>
-                </a:solidFill>
-                <a:latin typeface="G마켓 산스 Medium" panose="02000000000000000000" pitchFamily="50" charset="-127"/>
-                <a:ea typeface="G마켓 산스 Medium" panose="02000000000000000000" pitchFamily="50" charset="-127"/>
-              </a:rPr>
-              <a:t>, </a:t>
-            </a:r>
-            <a:r>
-              <a:rPr lang="ko-KR" altLang="en-US" sz="4000" smtClean="0">
-                <a:solidFill>
-                  <a:srgbClr val="4C50BC"/>
-                </a:solidFill>
-                <a:latin typeface="G마켓 산스 Medium" panose="02000000000000000000" pitchFamily="50" charset="-127"/>
-                <a:ea typeface="G마켓 산스 Medium" panose="02000000000000000000" pitchFamily="50" charset="-127"/>
-              </a:rPr>
-              <a:t>불가능만 반환값으로 돌려줄게 그에 맞춰서 너가 문구 정하고 어떻게 표시 할건지 정하면 돼</a:t>
-            </a:r>
-            <a:r>
-              <a:rPr lang="en-US" altLang="ko-KR" sz="4000" smtClean="0">
-                <a:solidFill>
-                  <a:srgbClr val="4C50BC"/>
-                </a:solidFill>
-                <a:latin typeface="G마켓 산스 Medium" panose="02000000000000000000" pitchFamily="50" charset="-127"/>
-                <a:ea typeface="G마켓 산스 Medium" panose="02000000000000000000" pitchFamily="50" charset="-127"/>
-              </a:rPr>
-              <a:t>!</a:t>
-            </a:r>
-            <a:endParaRPr lang="en-US" altLang="ko-KR" sz="4000" dirty="0">
-              <a:solidFill>
-                <a:srgbClr val="4C50BC"/>
-              </a:solidFill>
-              <a:latin typeface="G마켓 산스 Medium" panose="02000000000000000000" pitchFamily="50" charset="-127"/>
-              <a:ea typeface="G마켓 산스 Medium" panose="02000000000000000000" pitchFamily="50" charset="-127"/>
-            </a:endParaRPr>
-          </a:p>
-        </p:txBody>
-      </p:sp>
-      <p:pic>
-        <p:nvPicPr>
-          <p:cNvPr id="6" name="그림 5"/>
-          <p:cNvPicPr>
-            <a:picLocks noChangeAspect="1"/>
-          </p:cNvPicPr>
-          <p:nvPr/>
-        </p:nvPicPr>
-        <p:blipFill>
-          <a:blip r:embed="rId2"/>
-          <a:stretch>
-            <a:fillRect/>
-          </a:stretch>
-        </p:blipFill>
-        <p:spPr>
-          <a:xfrm>
-            <a:off x="1219200" y="495300"/>
-            <a:ext cx="8973312" cy="4876800"/>
-          </a:xfrm>
-          <a:prstGeom prst="rect">
-            <a:avLst/>
-          </a:prstGeom>
-        </p:spPr>
-      </p:pic>
-    </p:spTree>
-    <p:extLst>
-      <p:ext uri="{BB962C8B-B14F-4D97-AF65-F5344CB8AC3E}">
-        <p14:creationId xmlns:p14="http://schemas.microsoft.com/office/powerpoint/2010/main" val="3948068541"/>
-      </p:ext>
-    </p:extLst>
-  </p:cSld>
-  <p:clrMapOvr>
-    <a:masterClrMapping/>
-  </p:clrMapOvr>
-  <p:timing>
-    <p:tnLst>
-      <p:par>
-        <p:cTn id="1" dur="indefinite" restart="never" nodeType="tmRoot"/>
-      </p:par>
-    </p:tnLst>
   </p:timing>
 </p:sld>
 </file>
@@ -15889,7 +16407,7 @@
         <p:spPr>
           <a:xfrm>
             <a:off x="3227854" y="4386008"/>
-            <a:ext cx="2716193" cy="707886"/>
+            <a:ext cx="3367235" cy="707886"/>
           </a:xfrm>
           <a:prstGeom prst="rect">
             <a:avLst/>
@@ -15903,7 +16421,7 @@
           <a:lstStyle/>
           <a:p>
             <a:r>
-              <a:rPr lang="ko-KR" altLang="en-US" sz="4000">
+              <a:rPr lang="ko-KR" altLang="en-US" sz="4000" dirty="0">
                 <a:solidFill>
                   <a:schemeClr val="tx1">
                     <a:lumMod val="50000"/>
@@ -16340,8 +16858,8 @@
         </p:nvSpPr>
         <p:spPr>
           <a:xfrm>
-            <a:off x="1552145" y="5500294"/>
-            <a:ext cx="6681945" cy="830997"/>
+            <a:off x="667773" y="5526302"/>
+            <a:ext cx="10792255" cy="461665"/>
           </a:xfrm>
           <a:prstGeom prst="rect">
             <a:avLst/>
@@ -16355,7 +16873,7 @@
           <a:lstStyle/>
           <a:p>
             <a:r>
-              <a:rPr lang="ko-KR" altLang="en-US" sz="2400">
+              <a:rPr lang="ko-KR" altLang="en-US" sz="2400" dirty="0">
                 <a:solidFill>
                   <a:srgbClr val="4C50BC"/>
                 </a:solidFill>
@@ -16365,7 +16883,7 @@
               <a:t>오타</a:t>
             </a:r>
             <a:r>
-              <a:rPr lang="en-US" altLang="ko-KR" sz="2400">
+              <a:rPr lang="en-US" altLang="ko-KR" sz="2400" dirty="0">
                 <a:solidFill>
                   <a:srgbClr val="4C50BC"/>
                 </a:solidFill>
@@ -16375,7 +16893,7 @@
               <a:t>, </a:t>
             </a:r>
             <a:r>
-              <a:rPr lang="ko-KR" altLang="en-US" sz="2400">
+              <a:rPr lang="ko-KR" altLang="en-US" sz="2400" dirty="0">
                 <a:solidFill>
                   <a:srgbClr val="4C50BC"/>
                 </a:solidFill>
@@ -16385,7 +16903,7 @@
               <a:t>문법</a:t>
             </a:r>
             <a:r>
-              <a:rPr lang="en-US" altLang="ko-KR" sz="2400">
+              <a:rPr lang="en-US" altLang="ko-KR" sz="2400" dirty="0">
                 <a:solidFill>
                   <a:srgbClr val="4C50BC"/>
                 </a:solidFill>
@@ -16395,14 +16913,54 @@
               <a:t>, </a:t>
             </a:r>
             <a:r>
-              <a:rPr lang="ko-KR" altLang="en-US" sz="2400">
+              <a:rPr lang="ko-KR" altLang="en-US" sz="2400" dirty="0" err="1">
                 <a:solidFill>
                   <a:srgbClr val="4C50BC"/>
                 </a:solidFill>
                 <a:latin typeface="G마켓 산스 Medium" panose="02000000000000000000" pitchFamily="50" charset="-127"/>
                 <a:ea typeface="G마켓 산스 Medium" panose="02000000000000000000" pitchFamily="50" charset="-127"/>
               </a:rPr>
-              <a:t>자료형 체크 등등 실행하지 않아도 알수있는에러</a:t>
+              <a:t>자료형</a:t>
+            </a:r>
+            <a:r>
+              <a:rPr lang="ko-KR" altLang="en-US" sz="2400" dirty="0">
+                <a:solidFill>
+                  <a:srgbClr val="4C50BC"/>
+                </a:solidFill>
+                <a:latin typeface="G마켓 산스 Medium" panose="02000000000000000000" pitchFamily="50" charset="-127"/>
+                <a:ea typeface="G마켓 산스 Medium" panose="02000000000000000000" pitchFamily="50" charset="-127"/>
+              </a:rPr>
+              <a:t> 체크 등등 실행하지 않아도 </a:t>
+            </a:r>
+            <a:r>
+              <a:rPr lang="ko-KR" altLang="en-US" sz="2400" dirty="0" err="1" smtClean="0">
+                <a:solidFill>
+                  <a:srgbClr val="4C50BC"/>
+                </a:solidFill>
+                <a:latin typeface="G마켓 산스 Medium" panose="02000000000000000000" pitchFamily="50" charset="-127"/>
+                <a:ea typeface="G마켓 산스 Medium" panose="02000000000000000000" pitchFamily="50" charset="-127"/>
+              </a:rPr>
+              <a:t>알수</a:t>
+            </a:r>
+            <a:r>
+              <a:rPr lang="ko-KR" altLang="en-US" sz="2400" dirty="0" smtClean="0">
+                <a:solidFill>
+                  <a:srgbClr val="4C50BC"/>
+                </a:solidFill>
+                <a:latin typeface="G마켓 산스 Medium" panose="02000000000000000000" pitchFamily="50" charset="-127"/>
+                <a:ea typeface="G마켓 산스 Medium" panose="02000000000000000000" pitchFamily="50" charset="-127"/>
+              </a:rPr>
+              <a:t> </a:t>
+            </a:r>
+            <a:r>
+              <a:rPr lang="ko-KR" altLang="en-US" sz="2400" dirty="0" err="1" smtClean="0">
+                <a:solidFill>
+                  <a:srgbClr val="4C50BC"/>
+                </a:solidFill>
+                <a:latin typeface="G마켓 산스 Medium" panose="02000000000000000000" pitchFamily="50" charset="-127"/>
+                <a:ea typeface="G마켓 산스 Medium" panose="02000000000000000000" pitchFamily="50" charset="-127"/>
+              </a:rPr>
+              <a:t>있는에러</a:t>
             </a:r>
             <a:endParaRPr lang="en-US" altLang="ko-KR" sz="2400" dirty="0">
               <a:solidFill>
@@ -16428,8 +16986,8 @@
         </p:nvSpPr>
         <p:spPr>
           <a:xfrm>
-            <a:off x="12801306" y="5366609"/>
-            <a:ext cx="5638800" cy="461665"/>
+            <a:off x="12496800" y="5366609"/>
+            <a:ext cx="6782094" cy="461665"/>
           </a:xfrm>
           <a:prstGeom prst="rect">
             <a:avLst/>
@@ -16854,6 +17412,886 @@
           <a:chExt cx="0" cy="0"/>
         </a:xfrm>
       </p:grpSpPr>
+      <p:sp>
+        <p:nvSpPr>
+          <p:cNvPr id="4" name="TextBox 3">
+            <a:extLst>
+              <a:ext uri="{FF2B5EF4-FFF2-40B4-BE49-F238E27FC236}">
+                <a16:creationId xmlns="" xmlns:a16="http://schemas.microsoft.com/office/drawing/2014/main" id="{F84DC196-DA83-3926-FA25-58A1850ED904}"/>
+              </a:ext>
+            </a:extLst>
+          </p:cNvPr>
+          <p:cNvSpPr txBox="1"/>
+          <p:nvPr/>
+        </p:nvSpPr>
+        <p:spPr>
+          <a:xfrm>
+            <a:off x="1371600" y="2933700"/>
+            <a:ext cx="15621000" cy="3785652"/>
+          </a:xfrm>
+          <a:prstGeom prst="rect">
+            <a:avLst/>
+          </a:prstGeom>
+          <a:noFill/>
+        </p:spPr>
+        <p:txBody>
+          <a:bodyPr wrap="square" rtlCol="0">
+            <a:spAutoFit/>
+          </a:bodyPr>
+          <a:lstStyle/>
+          <a:p>
+            <a:r>
+              <a:rPr lang="ko-KR" altLang="en-US" sz="4000" dirty="0" smtClean="0">
+                <a:solidFill>
+                  <a:srgbClr val="4C50BC"/>
+                </a:solidFill>
+                <a:latin typeface="G마켓 산스 Medium" panose="02000000000000000000" pitchFamily="50" charset="-127"/>
+                <a:ea typeface="G마켓 산스 Medium" panose="02000000000000000000" pitchFamily="50" charset="-127"/>
+              </a:rPr>
+              <a:t>그런데 에러를 일부러 생성해서 발생 시킬 이유가 있는가</a:t>
+            </a:r>
+            <a:r>
+              <a:rPr lang="en-US" altLang="ko-KR" sz="4000" dirty="0" smtClean="0">
+                <a:solidFill>
+                  <a:srgbClr val="4C50BC"/>
+                </a:solidFill>
+                <a:latin typeface="G마켓 산스 Medium" panose="02000000000000000000" pitchFamily="50" charset="-127"/>
+                <a:ea typeface="G마켓 산스 Medium" panose="02000000000000000000" pitchFamily="50" charset="-127"/>
+              </a:rPr>
+              <a:t>..?</a:t>
+            </a:r>
+          </a:p>
+          <a:p>
+            <a:endParaRPr lang="en-US" altLang="ko-KR" sz="4000" dirty="0">
+              <a:solidFill>
+                <a:srgbClr val="4C50BC"/>
+              </a:solidFill>
+              <a:latin typeface="G마켓 산스 Medium" panose="02000000000000000000" pitchFamily="50" charset="-127"/>
+              <a:ea typeface="G마켓 산스 Medium" panose="02000000000000000000" pitchFamily="50" charset="-127"/>
+            </a:endParaRPr>
+          </a:p>
+          <a:p>
+            <a:r>
+              <a:rPr lang="ko-KR" altLang="en-US" sz="4000" dirty="0" smtClean="0">
+                <a:solidFill>
+                  <a:srgbClr val="4C50BC"/>
+                </a:solidFill>
+                <a:latin typeface="G마켓 산스 Medium" panose="02000000000000000000" pitchFamily="50" charset="-127"/>
+                <a:ea typeface="G마켓 산스 Medium" panose="02000000000000000000" pitchFamily="50" charset="-127"/>
+              </a:rPr>
+              <a:t>게다가 자체적으로 새롭게 만든 에러까지 만들어서 발생시켜서 어디다 </a:t>
+            </a:r>
+            <a:r>
+              <a:rPr lang="ko-KR" altLang="en-US" sz="4000" dirty="0" err="1" smtClean="0">
+                <a:solidFill>
+                  <a:srgbClr val="4C50BC"/>
+                </a:solidFill>
+                <a:latin typeface="G마켓 산스 Medium" panose="02000000000000000000" pitchFamily="50" charset="-127"/>
+                <a:ea typeface="G마켓 산스 Medium" panose="02000000000000000000" pitchFamily="50" charset="-127"/>
+              </a:rPr>
+              <a:t>써먹는걸까</a:t>
+            </a:r>
+            <a:r>
+              <a:rPr lang="en-US" altLang="ko-KR" sz="4000" dirty="0" smtClean="0">
+                <a:solidFill>
+                  <a:srgbClr val="4C50BC"/>
+                </a:solidFill>
+                <a:latin typeface="G마켓 산스 Medium" panose="02000000000000000000" pitchFamily="50" charset="-127"/>
+                <a:ea typeface="G마켓 산스 Medium" panose="02000000000000000000" pitchFamily="50" charset="-127"/>
+              </a:rPr>
+              <a:t>..?</a:t>
+            </a:r>
+          </a:p>
+          <a:p>
+            <a:endParaRPr lang="en-US" altLang="ko-KR" sz="4000" dirty="0">
+              <a:solidFill>
+                <a:srgbClr val="4C50BC"/>
+              </a:solidFill>
+              <a:latin typeface="G마켓 산스 Medium" panose="02000000000000000000" pitchFamily="50" charset="-127"/>
+              <a:ea typeface="G마켓 산스 Medium" panose="02000000000000000000" pitchFamily="50" charset="-127"/>
+            </a:endParaRPr>
+          </a:p>
+          <a:p>
+            <a:r>
+              <a:rPr lang="ko-KR" altLang="en-US" sz="4000" dirty="0" smtClean="0">
+                <a:solidFill>
+                  <a:srgbClr val="4C50BC"/>
+                </a:solidFill>
+                <a:latin typeface="G마켓 산스 Medium" panose="02000000000000000000" pitchFamily="50" charset="-127"/>
+                <a:ea typeface="G마켓 산스 Medium" panose="02000000000000000000" pitchFamily="50" charset="-127"/>
+              </a:rPr>
+              <a:t>에러는 </a:t>
+            </a:r>
+            <a:r>
+              <a:rPr lang="ko-KR" altLang="en-US" sz="4000" dirty="0" err="1" smtClean="0">
+                <a:solidFill>
+                  <a:srgbClr val="4C50BC"/>
+                </a:solidFill>
+                <a:latin typeface="G마켓 산스 Medium" panose="02000000000000000000" pitchFamily="50" charset="-127"/>
+                <a:ea typeface="G마켓 산스 Medium" panose="02000000000000000000" pitchFamily="50" charset="-127"/>
+              </a:rPr>
+              <a:t>안나게</a:t>
+            </a:r>
+            <a:r>
+              <a:rPr lang="ko-KR" altLang="en-US" sz="4000" dirty="0" smtClean="0">
+                <a:solidFill>
+                  <a:srgbClr val="4C50BC"/>
+                </a:solidFill>
+                <a:latin typeface="G마켓 산스 Medium" panose="02000000000000000000" pitchFamily="50" charset="-127"/>
+                <a:ea typeface="G마켓 산스 Medium" panose="02000000000000000000" pitchFamily="50" charset="-127"/>
+              </a:rPr>
+              <a:t> </a:t>
+            </a:r>
+            <a:r>
+              <a:rPr lang="ko-KR" altLang="en-US" sz="4000" dirty="0" err="1" smtClean="0">
+                <a:solidFill>
+                  <a:srgbClr val="4C50BC"/>
+                </a:solidFill>
+                <a:latin typeface="G마켓 산스 Medium" panose="02000000000000000000" pitchFamily="50" charset="-127"/>
+                <a:ea typeface="G마켓 산스 Medium" panose="02000000000000000000" pitchFamily="50" charset="-127"/>
+              </a:rPr>
+              <a:t>해야하는건데</a:t>
+            </a:r>
+            <a:r>
+              <a:rPr lang="ko-KR" altLang="en-US" sz="4000" dirty="0" smtClean="0">
+                <a:solidFill>
+                  <a:srgbClr val="4C50BC"/>
+                </a:solidFill>
+                <a:latin typeface="G마켓 산스 Medium" panose="02000000000000000000" pitchFamily="50" charset="-127"/>
+                <a:ea typeface="G마켓 산스 Medium" panose="02000000000000000000" pitchFamily="50" charset="-127"/>
+              </a:rPr>
+              <a:t> 왜 더 </a:t>
+            </a:r>
+            <a:r>
+              <a:rPr lang="ko-KR" altLang="en-US" sz="4000" dirty="0" err="1" smtClean="0">
+                <a:solidFill>
+                  <a:srgbClr val="4C50BC"/>
+                </a:solidFill>
+                <a:latin typeface="G마켓 산스 Medium" panose="02000000000000000000" pitchFamily="50" charset="-127"/>
+                <a:ea typeface="G마켓 산스 Medium" panose="02000000000000000000" pitchFamily="50" charset="-127"/>
+              </a:rPr>
+              <a:t>발생시키려는걸까</a:t>
+            </a:r>
+            <a:r>
+              <a:rPr lang="en-US" altLang="ko-KR" sz="4000" dirty="0" smtClean="0">
+                <a:solidFill>
+                  <a:srgbClr val="4C50BC"/>
+                </a:solidFill>
+                <a:latin typeface="G마켓 산스 Medium" panose="02000000000000000000" pitchFamily="50" charset="-127"/>
+                <a:ea typeface="G마켓 산스 Medium" panose="02000000000000000000" pitchFamily="50" charset="-127"/>
+              </a:rPr>
+              <a:t>?</a:t>
+            </a:r>
+            <a:endParaRPr lang="en-US" altLang="ko-KR" sz="4000" dirty="0">
+              <a:solidFill>
+                <a:srgbClr val="4C50BC"/>
+              </a:solidFill>
+              <a:latin typeface="G마켓 산스 Medium" panose="02000000000000000000" pitchFamily="50" charset="-127"/>
+              <a:ea typeface="G마켓 산스 Medium" panose="02000000000000000000" pitchFamily="50" charset="-127"/>
+            </a:endParaRPr>
+          </a:p>
+        </p:txBody>
+      </p:sp>
+    </p:spTree>
+    <p:extLst>
+      <p:ext uri="{BB962C8B-B14F-4D97-AF65-F5344CB8AC3E}">
+        <p14:creationId xmlns:p14="http://schemas.microsoft.com/office/powerpoint/2010/main" val="4174329085"/>
+      </p:ext>
+    </p:extLst>
+  </p:cSld>
+  <p:clrMapOvr>
+    <a:masterClrMapping/>
+  </p:clrMapOvr>
+  <p:timing>
+    <p:tnLst>
+      <p:par>
+        <p:cTn id="1" dur="indefinite" restart="never" nodeType="tmRoot"/>
+      </p:par>
+    </p:tnLst>
+  </p:timing>
+</p:sld>
+</file>
+
+<file path=ppt/slides/slide41.xml><?xml version="1.0" encoding="utf-8"?>
+<p:sld xmlns:a="http://schemas.openxmlformats.org/drawingml/2006/main" xmlns:r="http://schemas.openxmlformats.org/officeDocument/2006/relationships" xmlns:p="http://schemas.openxmlformats.org/presentationml/2006/main">
+  <p:cSld>
+    <p:spTree>
+      <p:nvGrpSpPr>
+        <p:cNvPr id="1" name=""/>
+        <p:cNvGrpSpPr/>
+        <p:nvPr/>
+      </p:nvGrpSpPr>
+      <p:grpSpPr>
+        <a:xfrm>
+          <a:off x="0" y="0"/>
+          <a:ext cx="0" cy="0"/>
+          <a:chOff x="0" y="0"/>
+          <a:chExt cx="0" cy="0"/>
+        </a:xfrm>
+      </p:grpSpPr>
+      <p:sp>
+        <p:nvSpPr>
+          <p:cNvPr id="4" name="TextBox 3">
+            <a:extLst>
+              <a:ext uri="{FF2B5EF4-FFF2-40B4-BE49-F238E27FC236}">
+                <a16:creationId xmlns="" xmlns:a16="http://schemas.microsoft.com/office/drawing/2014/main" id="{F84DC196-DA83-3926-FA25-58A1850ED904}"/>
+              </a:ext>
+            </a:extLst>
+          </p:cNvPr>
+          <p:cNvSpPr txBox="1"/>
+          <p:nvPr/>
+        </p:nvSpPr>
+        <p:spPr>
+          <a:xfrm>
+            <a:off x="838200" y="190500"/>
+            <a:ext cx="9525000" cy="707886"/>
+          </a:xfrm>
+          <a:prstGeom prst="rect">
+            <a:avLst/>
+          </a:prstGeom>
+          <a:noFill/>
+        </p:spPr>
+        <p:txBody>
+          <a:bodyPr wrap="square" rtlCol="0">
+            <a:spAutoFit/>
+          </a:bodyPr>
+          <a:lstStyle/>
+          <a:p>
+            <a:r>
+              <a:rPr lang="ko-KR" altLang="en-US" sz="4000" dirty="0" smtClean="0">
+                <a:solidFill>
+                  <a:srgbClr val="4C50BC"/>
+                </a:solidFill>
+                <a:latin typeface="G마켓 산스 Medium" panose="02000000000000000000" pitchFamily="50" charset="-127"/>
+                <a:ea typeface="G마켓 산스 Medium" panose="02000000000000000000" pitchFamily="50" charset="-127"/>
+              </a:rPr>
+              <a:t>사용자 정의 예외 활용</a:t>
+            </a:r>
+            <a:endParaRPr lang="en-US" altLang="ko-KR" sz="4000" dirty="0">
+              <a:solidFill>
+                <a:srgbClr val="4C50BC"/>
+              </a:solidFill>
+              <a:latin typeface="G마켓 산스 Medium" panose="02000000000000000000" pitchFamily="50" charset="-127"/>
+              <a:ea typeface="G마켓 산스 Medium" panose="02000000000000000000" pitchFamily="50" charset="-127"/>
+            </a:endParaRPr>
+          </a:p>
+        </p:txBody>
+      </p:sp>
+      <p:pic>
+        <p:nvPicPr>
+          <p:cNvPr id="2" name="그림 1"/>
+          <p:cNvPicPr>
+            <a:picLocks noChangeAspect="1"/>
+          </p:cNvPicPr>
+          <p:nvPr/>
+        </p:nvPicPr>
+        <p:blipFill>
+          <a:blip r:embed="rId2"/>
+          <a:stretch>
+            <a:fillRect/>
+          </a:stretch>
+        </p:blipFill>
+        <p:spPr>
+          <a:xfrm>
+            <a:off x="908259" y="1485900"/>
+            <a:ext cx="11573301" cy="3657600"/>
+          </a:xfrm>
+          <a:prstGeom prst="rect">
+            <a:avLst/>
+          </a:prstGeom>
+        </p:spPr>
+      </p:pic>
+      <p:sp>
+        <p:nvSpPr>
+          <p:cNvPr id="5" name="TextBox 4">
+            <a:extLst>
+              <a:ext uri="{FF2B5EF4-FFF2-40B4-BE49-F238E27FC236}">
+                <a16:creationId xmlns="" xmlns:a16="http://schemas.microsoft.com/office/drawing/2014/main" id="{A2AD056B-97A4-5BCC-4460-250160F3E171}"/>
+              </a:ext>
+            </a:extLst>
+          </p:cNvPr>
+          <p:cNvSpPr txBox="1"/>
+          <p:nvPr/>
+        </p:nvSpPr>
+        <p:spPr>
+          <a:xfrm>
+            <a:off x="1752600" y="876300"/>
+            <a:ext cx="10744200" cy="707886"/>
+          </a:xfrm>
+          <a:prstGeom prst="rect">
+            <a:avLst/>
+          </a:prstGeom>
+          <a:noFill/>
+        </p:spPr>
+        <p:txBody>
+          <a:bodyPr wrap="square" rtlCol="0">
+            <a:spAutoFit/>
+          </a:bodyPr>
+          <a:lstStyle/>
+          <a:p>
+            <a:r>
+              <a:rPr lang="ko-KR" altLang="en-US" sz="4000" smtClean="0">
+                <a:solidFill>
+                  <a:schemeClr val="tx1">
+                    <a:lumMod val="50000"/>
+                    <a:lumOff val="50000"/>
+                  </a:schemeClr>
+                </a:solidFill>
+                <a:latin typeface="G마켓 산스 Medium" panose="02000000000000000000" pitchFamily="50" charset="-127"/>
+                <a:ea typeface="G마켓 산스 Medium" panose="02000000000000000000" pitchFamily="50" charset="-127"/>
+              </a:rPr>
+              <a:t>아래 코드의 문제점이 무엇일까</a:t>
+            </a:r>
+            <a:r>
+              <a:rPr lang="en-US" altLang="ko-KR" sz="4000" smtClean="0">
+                <a:solidFill>
+                  <a:schemeClr val="tx1">
+                    <a:lumMod val="50000"/>
+                    <a:lumOff val="50000"/>
+                  </a:schemeClr>
+                </a:solidFill>
+                <a:latin typeface="G마켓 산스 Medium" panose="02000000000000000000" pitchFamily="50" charset="-127"/>
+                <a:ea typeface="G마켓 산스 Medium" panose="02000000000000000000" pitchFamily="50" charset="-127"/>
+              </a:rPr>
+              <a:t>?</a:t>
+            </a:r>
+            <a:endParaRPr lang="en-US" altLang="ko-KR" sz="4000" dirty="0">
+              <a:solidFill>
+                <a:schemeClr val="tx1">
+                  <a:lumMod val="50000"/>
+                  <a:lumOff val="50000"/>
+                </a:schemeClr>
+              </a:solidFill>
+              <a:latin typeface="G마켓 산스 Medium" panose="02000000000000000000" pitchFamily="50" charset="-127"/>
+              <a:ea typeface="G마켓 산스 Medium" panose="02000000000000000000" pitchFamily="50" charset="-127"/>
+            </a:endParaRPr>
+          </a:p>
+        </p:txBody>
+      </p:sp>
+      <p:pic>
+        <p:nvPicPr>
+          <p:cNvPr id="3" name="그림 2"/>
+          <p:cNvPicPr>
+            <a:picLocks noChangeAspect="1"/>
+          </p:cNvPicPr>
+          <p:nvPr/>
+        </p:nvPicPr>
+        <p:blipFill>
+          <a:blip r:embed="rId3"/>
+          <a:stretch>
+            <a:fillRect/>
+          </a:stretch>
+        </p:blipFill>
+        <p:spPr>
+          <a:xfrm>
+            <a:off x="937566" y="5295900"/>
+            <a:ext cx="7264601" cy="3429000"/>
+          </a:xfrm>
+          <a:prstGeom prst="rect">
+            <a:avLst/>
+          </a:prstGeom>
+        </p:spPr>
+      </p:pic>
+      <p:pic>
+        <p:nvPicPr>
+          <p:cNvPr id="6" name="그림 5"/>
+          <p:cNvPicPr>
+            <a:picLocks noChangeAspect="1"/>
+          </p:cNvPicPr>
+          <p:nvPr/>
+        </p:nvPicPr>
+        <p:blipFill>
+          <a:blip r:embed="rId4"/>
+          <a:stretch>
+            <a:fillRect/>
+          </a:stretch>
+        </p:blipFill>
+        <p:spPr>
+          <a:xfrm>
+            <a:off x="8686800" y="5372100"/>
+            <a:ext cx="3048000" cy="1143000"/>
+          </a:xfrm>
+          <a:prstGeom prst="rect">
+            <a:avLst/>
+          </a:prstGeom>
+        </p:spPr>
+      </p:pic>
+      <p:sp>
+        <p:nvSpPr>
+          <p:cNvPr id="7" name="TextBox 6">
+            <a:extLst>
+              <a:ext uri="{FF2B5EF4-FFF2-40B4-BE49-F238E27FC236}">
+                <a16:creationId xmlns="" xmlns:a16="http://schemas.microsoft.com/office/drawing/2014/main" id="{C6D113C6-EA5C-788F-0C77-E7CE6EBB865F}"/>
+              </a:ext>
+            </a:extLst>
+          </p:cNvPr>
+          <p:cNvSpPr txBox="1"/>
+          <p:nvPr/>
+        </p:nvSpPr>
+        <p:spPr>
+          <a:xfrm>
+            <a:off x="838200" y="8849261"/>
+            <a:ext cx="16764000" cy="1323439"/>
+          </a:xfrm>
+          <a:prstGeom prst="rect">
+            <a:avLst/>
+          </a:prstGeom>
+          <a:noFill/>
+        </p:spPr>
+        <p:txBody>
+          <a:bodyPr wrap="square" rtlCol="0">
+            <a:spAutoFit/>
+          </a:bodyPr>
+          <a:lstStyle/>
+          <a:p>
+            <a:r>
+              <a:rPr lang="ko-KR" altLang="en-US" sz="4000" dirty="0" smtClean="0">
+                <a:solidFill>
+                  <a:srgbClr val="FF0000"/>
+                </a:solidFill>
+                <a:latin typeface="G마켓 산스 Medium" panose="02000000000000000000" pitchFamily="50" charset="-127"/>
+                <a:ea typeface="G마켓 산스 Medium" panose="02000000000000000000" pitchFamily="50" charset="-127"/>
+              </a:rPr>
+              <a:t>수리가 불가능 할 때 나는 다른 문구를 쓰고 싶은데</a:t>
+            </a:r>
+            <a:r>
+              <a:rPr lang="en-US" altLang="ko-KR" sz="4000" dirty="0" smtClean="0">
+                <a:solidFill>
+                  <a:srgbClr val="FF0000"/>
+                </a:solidFill>
+                <a:latin typeface="G마켓 산스 Medium" panose="02000000000000000000" pitchFamily="50" charset="-127"/>
+                <a:ea typeface="G마켓 산스 Medium" panose="02000000000000000000" pitchFamily="50" charset="-127"/>
+              </a:rPr>
+              <a:t>… </a:t>
+            </a:r>
+            <a:r>
+              <a:rPr lang="en-US" altLang="ko-KR" sz="4000" dirty="0" err="1" smtClean="0">
+                <a:solidFill>
+                  <a:srgbClr val="FF0000"/>
+                </a:solidFill>
+                <a:latin typeface="G마켓 산스 Medium" panose="02000000000000000000" pitchFamily="50" charset="-127"/>
+                <a:ea typeface="G마켓 산스 Medium" panose="02000000000000000000" pitchFamily="50" charset="-127"/>
+              </a:rPr>
+              <a:t>BlackSmith</a:t>
+            </a:r>
+            <a:r>
+              <a:rPr lang="en-US" altLang="ko-KR" sz="4000" dirty="0" smtClean="0">
+                <a:solidFill>
+                  <a:srgbClr val="FF0000"/>
+                </a:solidFill>
+                <a:latin typeface="G마켓 산스 Medium" panose="02000000000000000000" pitchFamily="50" charset="-127"/>
+                <a:ea typeface="G마켓 산스 Medium" panose="02000000000000000000" pitchFamily="50" charset="-127"/>
+              </a:rPr>
+              <a:t> </a:t>
+            </a:r>
+            <a:r>
+              <a:rPr lang="ko-KR" altLang="en-US" sz="4000" dirty="0" smtClean="0">
+                <a:solidFill>
+                  <a:srgbClr val="FF0000"/>
+                </a:solidFill>
+                <a:latin typeface="G마켓 산스 Medium" panose="02000000000000000000" pitchFamily="50" charset="-127"/>
+                <a:ea typeface="G마켓 산스 Medium" panose="02000000000000000000" pitchFamily="50" charset="-127"/>
+              </a:rPr>
+              <a:t>클래스에서 자기 맘대로 문구를 정해놓고 출력까지 해버리네</a:t>
+            </a:r>
+            <a:r>
+              <a:rPr lang="en-US" altLang="ko-KR" sz="4000" dirty="0" smtClean="0">
+                <a:solidFill>
+                  <a:srgbClr val="FF0000"/>
+                </a:solidFill>
+                <a:latin typeface="G마켓 산스 Medium" panose="02000000000000000000" pitchFamily="50" charset="-127"/>
+                <a:ea typeface="G마켓 산스 Medium" panose="02000000000000000000" pitchFamily="50" charset="-127"/>
+              </a:rPr>
+              <a:t>?</a:t>
+            </a:r>
+            <a:endParaRPr lang="en-US" altLang="ko-KR" sz="4000" dirty="0">
+              <a:solidFill>
+                <a:srgbClr val="FF0000"/>
+              </a:solidFill>
+              <a:latin typeface="G마켓 산스 Medium" panose="02000000000000000000" pitchFamily="50" charset="-127"/>
+              <a:ea typeface="G마켓 산스 Medium" panose="02000000000000000000" pitchFamily="50" charset="-127"/>
+            </a:endParaRPr>
+          </a:p>
+        </p:txBody>
+      </p:sp>
+    </p:spTree>
+    <p:extLst>
+      <p:ext uri="{BB962C8B-B14F-4D97-AF65-F5344CB8AC3E}">
+        <p14:creationId xmlns:p14="http://schemas.microsoft.com/office/powerpoint/2010/main" val="3443186137"/>
+      </p:ext>
+    </p:extLst>
+  </p:cSld>
+  <p:clrMapOvr>
+    <a:masterClrMapping/>
+  </p:clrMapOvr>
+  <p:timing>
+    <p:tnLst>
+      <p:par>
+        <p:cTn id="1" dur="indefinite" restart="never" nodeType="tmRoot">
+          <p:childTnLst>
+            <p:seq concurrent="1" nextAc="seek">
+              <p:cTn id="2" dur="indefinite" nodeType="mainSeq">
+                <p:childTnLst>
+                  <p:par>
+                    <p:cTn id="3" fill="hold">
+                      <p:stCondLst>
+                        <p:cond delay="indefinite"/>
+                      </p:stCondLst>
+                      <p:childTnLst>
+                        <p:par>
+                          <p:cTn id="4" fill="hold">
+                            <p:stCondLst>
+                              <p:cond delay="0"/>
+                            </p:stCondLst>
+                            <p:childTnLst>
+                              <p:par>
+                                <p:cTn id="5" presetID="1" presetClass="entr" presetSubtype="0" fill="hold" nodeType="clickEffect">
+                                  <p:stCondLst>
+                                    <p:cond delay="0"/>
+                                  </p:stCondLst>
+                                  <p:childTnLst>
+                                    <p:set>
+                                      <p:cBhvr>
+                                        <p:cTn id="6" dur="1" fill="hold">
+                                          <p:stCondLst>
+                                            <p:cond delay="0"/>
+                                          </p:stCondLst>
+                                        </p:cTn>
+                                        <p:tgtEl>
+                                          <p:spTgt spid="3"/>
+                                        </p:tgtEl>
+                                        <p:attrNameLst>
+                                          <p:attrName>style.visibility</p:attrName>
+                                        </p:attrNameLst>
+                                      </p:cBhvr>
+                                      <p:to>
+                                        <p:strVal val="visible"/>
+                                      </p:to>
+                                    </p:set>
+                                  </p:childTnLst>
+                                </p:cTn>
+                              </p:par>
+                              <p:par>
+                                <p:cTn id="7" presetID="1" presetClass="entr" presetSubtype="0" fill="hold" nodeType="withEffect">
+                                  <p:stCondLst>
+                                    <p:cond delay="0"/>
+                                  </p:stCondLst>
+                                  <p:childTnLst>
+                                    <p:set>
+                                      <p:cBhvr>
+                                        <p:cTn id="8" dur="1" fill="hold">
+                                          <p:stCondLst>
+                                            <p:cond delay="0"/>
+                                          </p:stCondLst>
+                                        </p:cTn>
+                                        <p:tgtEl>
+                                          <p:spTgt spid="6"/>
+                                        </p:tgtEl>
+                                        <p:attrNameLst>
+                                          <p:attrName>style.visibility</p:attrName>
+                                        </p:attrNameLst>
+                                      </p:cBhvr>
+                                      <p:to>
+                                        <p:strVal val="visible"/>
+                                      </p:to>
+                                    </p:set>
+                                  </p:childTnLst>
+                                </p:cTn>
+                              </p:par>
+                            </p:childTnLst>
+                          </p:cTn>
+                        </p:par>
+                      </p:childTnLst>
+                    </p:cTn>
+                  </p:par>
+                  <p:par>
+                    <p:cTn id="9" fill="hold">
+                      <p:stCondLst>
+                        <p:cond delay="indefinite"/>
+                      </p:stCondLst>
+                      <p:childTnLst>
+                        <p:par>
+                          <p:cTn id="10" fill="hold">
+                            <p:stCondLst>
+                              <p:cond delay="0"/>
+                            </p:stCondLst>
+                            <p:childTnLst>
+                              <p:par>
+                                <p:cTn id="11" presetID="1" presetClass="entr" presetSubtype="0" fill="hold" grpId="0" nodeType="clickEffect">
+                                  <p:stCondLst>
+                                    <p:cond delay="0"/>
+                                  </p:stCondLst>
+                                  <p:childTnLst>
+                                    <p:set>
+                                      <p:cBhvr>
+                                        <p:cTn id="12" dur="1" fill="hold">
+                                          <p:stCondLst>
+                                            <p:cond delay="0"/>
+                                          </p:stCondLst>
+                                        </p:cTn>
+                                        <p:tgtEl>
+                                          <p:spTgt spid="7"/>
+                                        </p:tgtEl>
+                                        <p:attrNameLst>
+                                          <p:attrName>style.visibility</p:attrName>
+                                        </p:attrNameLst>
+                                      </p:cBhvr>
+                                      <p:to>
+                                        <p:strVal val="visible"/>
+                                      </p:to>
+                                    </p:set>
+                                  </p:childTnLst>
+                                </p:cTn>
+                              </p:par>
+                            </p:childTnLst>
+                          </p:cTn>
+                        </p:par>
+                      </p:childTnLst>
+                    </p:cTn>
+                  </p:par>
+                </p:childTnLst>
+              </p:cTn>
+              <p:prevCondLst>
+                <p:cond evt="onPrev" delay="0">
+                  <p:tgtEl>
+                    <p:sldTgt/>
+                  </p:tgtEl>
+                </p:cond>
+              </p:prevCondLst>
+              <p:nextCondLst>
+                <p:cond evt="onNext" delay="0">
+                  <p:tgtEl>
+                    <p:sldTgt/>
+                  </p:tgtEl>
+                </p:cond>
+              </p:nextCondLst>
+            </p:seq>
+          </p:childTnLst>
+        </p:cTn>
+      </p:par>
+    </p:tnLst>
+    <p:bldLst>
+      <p:bldP spid="7" grpId="0"/>
+    </p:bldLst>
+  </p:timing>
+</p:sld>
+</file>
+
+<file path=ppt/slides/slide42.xml><?xml version="1.0" encoding="utf-8"?>
+<p:sld xmlns:a="http://schemas.openxmlformats.org/drawingml/2006/main" xmlns:r="http://schemas.openxmlformats.org/officeDocument/2006/relationships" xmlns:p="http://schemas.openxmlformats.org/presentationml/2006/main">
+  <p:cSld>
+    <p:spTree>
+      <p:nvGrpSpPr>
+        <p:cNvPr id="1" name=""/>
+        <p:cNvGrpSpPr/>
+        <p:nvPr/>
+      </p:nvGrpSpPr>
+      <p:grpSpPr>
+        <a:xfrm>
+          <a:off x="0" y="0"/>
+          <a:ext cx="0" cy="0"/>
+          <a:chOff x="0" y="0"/>
+          <a:chExt cx="0" cy="0"/>
+        </a:xfrm>
+      </p:grpSpPr>
+      <p:sp>
+        <p:nvSpPr>
+          <p:cNvPr id="5" name="TextBox 4">
+            <a:extLst>
+              <a:ext uri="{FF2B5EF4-FFF2-40B4-BE49-F238E27FC236}">
+                <a16:creationId xmlns="" xmlns:a16="http://schemas.microsoft.com/office/drawing/2014/main" id="{F84DC196-DA83-3926-FA25-58A1850ED904}"/>
+              </a:ext>
+            </a:extLst>
+          </p:cNvPr>
+          <p:cNvSpPr txBox="1"/>
+          <p:nvPr/>
+        </p:nvSpPr>
+        <p:spPr>
+          <a:xfrm>
+            <a:off x="457200" y="6286500"/>
+            <a:ext cx="17373600" cy="1323439"/>
+          </a:xfrm>
+          <a:prstGeom prst="rect">
+            <a:avLst/>
+          </a:prstGeom>
+          <a:noFill/>
+        </p:spPr>
+        <p:txBody>
+          <a:bodyPr wrap="square" rtlCol="0">
+            <a:spAutoFit/>
+          </a:bodyPr>
+          <a:lstStyle/>
+          <a:p>
+            <a:r>
+              <a:rPr lang="ko-KR" altLang="en-US" sz="4000" dirty="0" smtClean="0">
+                <a:solidFill>
+                  <a:srgbClr val="FF0000"/>
+                </a:solidFill>
+                <a:latin typeface="G마켓 산스 Medium" panose="02000000000000000000" pitchFamily="50" charset="-127"/>
+                <a:ea typeface="G마켓 산스 Medium" panose="02000000000000000000" pitchFamily="50" charset="-127"/>
+              </a:rPr>
+              <a:t>그래 알겠어 나는 수리 가능</a:t>
+            </a:r>
+            <a:r>
+              <a:rPr lang="en-US" altLang="ko-KR" sz="4000" dirty="0" smtClean="0">
+                <a:solidFill>
+                  <a:srgbClr val="FF0000"/>
+                </a:solidFill>
+                <a:latin typeface="G마켓 산스 Medium" panose="02000000000000000000" pitchFamily="50" charset="-127"/>
+                <a:ea typeface="G마켓 산스 Medium" panose="02000000000000000000" pitchFamily="50" charset="-127"/>
+              </a:rPr>
+              <a:t>, </a:t>
+            </a:r>
+            <a:r>
+              <a:rPr lang="ko-KR" altLang="en-US" sz="4000" dirty="0" smtClean="0">
+                <a:solidFill>
+                  <a:srgbClr val="FF0000"/>
+                </a:solidFill>
+                <a:latin typeface="G마켓 산스 Medium" panose="02000000000000000000" pitchFamily="50" charset="-127"/>
+                <a:ea typeface="G마켓 산스 Medium" panose="02000000000000000000" pitchFamily="50" charset="-127"/>
+              </a:rPr>
+              <a:t>불가능 여부만 </a:t>
+            </a:r>
+            <a:r>
+              <a:rPr lang="en-US" altLang="ko-KR" sz="4000" dirty="0" err="1" smtClean="0">
+                <a:solidFill>
+                  <a:srgbClr val="FF0000"/>
+                </a:solidFill>
+                <a:latin typeface="G마켓 산스 Medium" panose="02000000000000000000" pitchFamily="50" charset="-127"/>
+                <a:ea typeface="G마켓 산스 Medium" panose="02000000000000000000" pitchFamily="50" charset="-127"/>
+              </a:rPr>
+              <a:t>boolean</a:t>
+            </a:r>
+            <a:r>
+              <a:rPr lang="ko-KR" altLang="en-US" sz="4000" dirty="0" smtClean="0">
+                <a:solidFill>
+                  <a:srgbClr val="FF0000"/>
+                </a:solidFill>
+                <a:latin typeface="G마켓 산스 Medium" panose="02000000000000000000" pitchFamily="50" charset="-127"/>
+                <a:ea typeface="G마켓 산스 Medium" panose="02000000000000000000" pitchFamily="50" charset="-127"/>
+              </a:rPr>
+              <a:t>으로 반환해줄게</a:t>
+            </a:r>
+            <a:endParaRPr lang="en-US" altLang="ko-KR" sz="4000" dirty="0" smtClean="0">
+              <a:solidFill>
+                <a:srgbClr val="FF0000"/>
+              </a:solidFill>
+              <a:latin typeface="G마켓 산스 Medium" panose="02000000000000000000" pitchFamily="50" charset="-127"/>
+              <a:ea typeface="G마켓 산스 Medium" panose="02000000000000000000" pitchFamily="50" charset="-127"/>
+            </a:endParaRPr>
+          </a:p>
+          <a:p>
+            <a:r>
+              <a:rPr lang="ko-KR" altLang="en-US" sz="4000" dirty="0" smtClean="0">
+                <a:solidFill>
+                  <a:srgbClr val="FF0000"/>
+                </a:solidFill>
+                <a:latin typeface="G마켓 산스 Medium" panose="02000000000000000000" pitchFamily="50" charset="-127"/>
+                <a:ea typeface="G마켓 산스 Medium" panose="02000000000000000000" pitchFamily="50" charset="-127"/>
+              </a:rPr>
+              <a:t>문구는 </a:t>
+            </a:r>
+            <a:r>
+              <a:rPr lang="ko-KR" altLang="en-US" sz="4000" dirty="0" err="1" smtClean="0">
+                <a:solidFill>
+                  <a:srgbClr val="FF0000"/>
+                </a:solidFill>
+                <a:latin typeface="G마켓 산스 Medium" panose="02000000000000000000" pitchFamily="50" charset="-127"/>
+                <a:ea typeface="G마켓 산스 Medium" panose="02000000000000000000" pitchFamily="50" charset="-127"/>
+              </a:rPr>
+              <a:t>사용하는쪽에서</a:t>
+            </a:r>
+            <a:r>
+              <a:rPr lang="ko-KR" altLang="en-US" sz="4000" dirty="0" smtClean="0">
+                <a:solidFill>
+                  <a:srgbClr val="FF0000"/>
+                </a:solidFill>
+                <a:latin typeface="G마켓 산스 Medium" panose="02000000000000000000" pitchFamily="50" charset="-127"/>
+                <a:ea typeface="G마켓 산스 Medium" panose="02000000000000000000" pitchFamily="50" charset="-127"/>
+              </a:rPr>
+              <a:t> 정해</a:t>
+            </a:r>
+            <a:r>
+              <a:rPr lang="en-US" altLang="ko-KR" sz="4000" dirty="0" smtClean="0">
+                <a:solidFill>
+                  <a:srgbClr val="FF0000"/>
+                </a:solidFill>
+                <a:latin typeface="G마켓 산스 Medium" panose="02000000000000000000" pitchFamily="50" charset="-127"/>
+                <a:ea typeface="G마켓 산스 Medium" panose="02000000000000000000" pitchFamily="50" charset="-127"/>
+              </a:rPr>
+              <a:t>!</a:t>
+            </a:r>
+            <a:endParaRPr lang="en-US" altLang="ko-KR" sz="4000" dirty="0">
+              <a:solidFill>
+                <a:srgbClr val="FF0000"/>
+              </a:solidFill>
+              <a:latin typeface="G마켓 산스 Medium" panose="02000000000000000000" pitchFamily="50" charset="-127"/>
+              <a:ea typeface="G마켓 산스 Medium" panose="02000000000000000000" pitchFamily="50" charset="-127"/>
+            </a:endParaRPr>
+          </a:p>
+        </p:txBody>
+      </p:sp>
+      <p:pic>
+        <p:nvPicPr>
+          <p:cNvPr id="6" name="그림 5"/>
+          <p:cNvPicPr>
+            <a:picLocks noChangeAspect="1"/>
+          </p:cNvPicPr>
+          <p:nvPr/>
+        </p:nvPicPr>
+        <p:blipFill>
+          <a:blip r:embed="rId2"/>
+          <a:stretch>
+            <a:fillRect/>
+          </a:stretch>
+        </p:blipFill>
+        <p:spPr>
+          <a:xfrm>
+            <a:off x="1219200" y="495300"/>
+            <a:ext cx="8973312" cy="4876800"/>
+          </a:xfrm>
+          <a:prstGeom prst="rect">
+            <a:avLst/>
+          </a:prstGeom>
+        </p:spPr>
+      </p:pic>
+    </p:spTree>
+    <p:extLst>
+      <p:ext uri="{BB962C8B-B14F-4D97-AF65-F5344CB8AC3E}">
+        <p14:creationId xmlns:p14="http://schemas.microsoft.com/office/powerpoint/2010/main" val="3948068541"/>
+      </p:ext>
+    </p:extLst>
+  </p:cSld>
+  <p:clrMapOvr>
+    <a:masterClrMapping/>
+  </p:clrMapOvr>
+  <p:timing>
+    <p:tnLst>
+      <p:par>
+        <p:cTn id="1" dur="indefinite" restart="never" nodeType="tmRoot"/>
+      </p:par>
+    </p:tnLst>
+  </p:timing>
+</p:sld>
+</file>
+
+<file path=ppt/slides/slide43.xml><?xml version="1.0" encoding="utf-8"?>
+<p:sld xmlns:a="http://schemas.openxmlformats.org/drawingml/2006/main" xmlns:r="http://schemas.openxmlformats.org/officeDocument/2006/relationships" xmlns:p="http://schemas.openxmlformats.org/presentationml/2006/main">
+  <p:cSld>
+    <p:spTree>
+      <p:nvGrpSpPr>
+        <p:cNvPr id="1" name=""/>
+        <p:cNvGrpSpPr/>
+        <p:nvPr/>
+      </p:nvGrpSpPr>
+      <p:grpSpPr>
+        <a:xfrm>
+          <a:off x="0" y="0"/>
+          <a:ext cx="0" cy="0"/>
+          <a:chOff x="0" y="0"/>
+          <a:chExt cx="0" cy="0"/>
+        </a:xfrm>
+      </p:grpSpPr>
       <p:pic>
         <p:nvPicPr>
           <p:cNvPr id="4" name="그림 3"/>
@@ -16907,17 +18345,17 @@
           <a:lstStyle/>
           <a:p>
             <a:r>
-              <a:rPr lang="ko-KR" altLang="en-US" sz="4000" smtClean="0">
+              <a:rPr lang="ko-KR" altLang="en-US" sz="4000" dirty="0" smtClean="0">
                 <a:solidFill>
                   <a:srgbClr val="4C50BC"/>
                 </a:solidFill>
                 <a:latin typeface="G마켓 산스 Medium" panose="02000000000000000000" pitchFamily="50" charset="-127"/>
                 <a:ea typeface="G마켓 산스 Medium" panose="02000000000000000000" pitchFamily="50" charset="-127"/>
               </a:rPr>
-              <a:t>이제 어떤 문구를 어떻게 표시 할것인지는 </a:t>
-            </a:r>
-            <a:r>
-              <a:rPr lang="en-US" altLang="ko-KR" sz="4000" smtClean="0">
+              <a:t>이제 어떤 문구를 어떻게 표시 할 것인지는 </a:t>
+            </a:r>
+            <a:r>
+              <a:rPr lang="en-US" altLang="ko-KR" sz="4000" dirty="0" err="1" smtClean="0">
                 <a:solidFill>
                   <a:srgbClr val="4C50BC"/>
                 </a:solidFill>
@@ -16927,51 +18365,25 @@
               <a:t>BlackSmith</a:t>
             </a:r>
             <a:r>
-              <a:rPr lang="ko-KR" altLang="en-US" sz="4000" smtClean="0">
+              <a:rPr lang="ko-KR" altLang="en-US" sz="4000" dirty="0" smtClean="0">
                 <a:solidFill>
                   <a:srgbClr val="4C50BC"/>
                 </a:solidFill>
                 <a:latin typeface="G마켓 산스 Medium" panose="02000000000000000000" pitchFamily="50" charset="-127"/>
                 <a:ea typeface="G마켓 산스 Medium" panose="02000000000000000000" pitchFamily="50" charset="-127"/>
               </a:rPr>
-              <a:t>에서 벗어났어</a:t>
-            </a:r>
-            <a:endParaRPr lang="en-US" altLang="ko-KR" sz="4000" smtClean="0">
-              <a:solidFill>
-                <a:srgbClr val="4C50BC"/>
-              </a:solidFill>
-              <a:latin typeface="G마켓 산스 Medium" panose="02000000000000000000" pitchFamily="50" charset="-127"/>
-              <a:ea typeface="G마켓 산스 Medium" panose="02000000000000000000" pitchFamily="50" charset="-127"/>
-            </a:endParaRPr>
-          </a:p>
-          <a:p>
-            <a:r>
-              <a:rPr lang="ko-KR" altLang="en-US" sz="4000" smtClean="0">
+              <a:t>에서 제거 되었다</a:t>
+            </a:r>
+            <a:r>
+              <a:rPr lang="en-US" altLang="ko-KR" sz="4000" dirty="0" smtClean="0">
                 <a:solidFill>
                   <a:srgbClr val="4C50BC"/>
                 </a:solidFill>
                 <a:latin typeface="G마켓 산스 Medium" panose="02000000000000000000" pitchFamily="50" charset="-127"/>
                 <a:ea typeface="G마켓 산스 Medium" panose="02000000000000000000" pitchFamily="50" charset="-127"/>
               </a:rPr>
-              <a:t>자유롭게 만들면돼</a:t>
-            </a:r>
-            <a:r>
-              <a:rPr lang="en-US" altLang="ko-KR" sz="4000" smtClean="0">
-                <a:solidFill>
-                  <a:srgbClr val="4C50BC"/>
-                </a:solidFill>
-                <a:latin typeface="G마켓 산스 Medium" panose="02000000000000000000" pitchFamily="50" charset="-127"/>
-                <a:ea typeface="G마켓 산스 Medium" panose="02000000000000000000" pitchFamily="50" charset="-127"/>
-              </a:rPr>
-              <a:t>!</a:t>
-            </a:r>
-            <a:endParaRPr lang="en-US" altLang="ko-KR" sz="4000" dirty="0">
-              <a:solidFill>
-                <a:srgbClr val="4C50BC"/>
-              </a:solidFill>
-              <a:latin typeface="G마켓 산스 Medium" panose="02000000000000000000" pitchFamily="50" charset="-127"/>
-              <a:ea typeface="G마켓 산스 Medium" panose="02000000000000000000" pitchFamily="50" charset="-127"/>
-            </a:endParaRPr>
+              <a:t>.</a:t>
+            </a:r>
           </a:p>
         </p:txBody>
       </p:sp>
@@ -17166,7 +18578,7 @@
 </p:sld>
 </file>
 
-<file path=ppt/slides/slide41.xml><?xml version="1.0" encoding="utf-8"?>
+<file path=ppt/slides/slide44.xml><?xml version="1.0" encoding="utf-8"?>
 <p:sld xmlns:a="http://schemas.openxmlformats.org/drawingml/2006/main" xmlns:r="http://schemas.openxmlformats.org/officeDocument/2006/relationships" xmlns:p="http://schemas.openxmlformats.org/presentationml/2006/main">
   <p:cSld>
     <p:spTree>
@@ -17389,17 +18801,7 @@
                 <a:latin typeface="G마켓 산스 Medium" panose="02000000000000000000" pitchFamily="50" charset="-127"/>
                 <a:ea typeface="G마켓 산스 Medium" panose="02000000000000000000" pitchFamily="50" charset="-127"/>
               </a:rPr>
-              <a:t>물론 그런 정보를 담을 용도의 클래스를 </a:t>
-            </a:r>
-            <a:r>
-              <a:rPr lang="ko-KR" altLang="en-US" sz="4000">
-                <a:solidFill>
-                  <a:srgbClr val="FF0000"/>
-                </a:solidFill>
-                <a:latin typeface="G마켓 산스 Medium" panose="02000000000000000000" pitchFamily="50" charset="-127"/>
-                <a:ea typeface="G마켓 산스 Medium" panose="02000000000000000000" pitchFamily="50" charset="-127"/>
-              </a:rPr>
-              <a:t>만들어 </a:t>
+              <a:t>물론 그런 정보를 담을 용도의 클래스를 만들어 </a:t>
             </a:r>
             <a:endParaRPr lang="en-US" altLang="ko-KR" sz="4000" smtClean="0">
               <a:solidFill>
@@ -17541,7 +18943,7 @@
 </p:sld>
 </file>
 
-<file path=ppt/slides/slide42.xml><?xml version="1.0" encoding="utf-8"?>
+<file path=ppt/slides/slide45.xml><?xml version="1.0" encoding="utf-8"?>
 <p:sld xmlns:a="http://schemas.openxmlformats.org/drawingml/2006/main" xmlns:r="http://schemas.openxmlformats.org/officeDocument/2006/relationships" xmlns:p="http://schemas.openxmlformats.org/presentationml/2006/main">
   <p:cSld>
     <p:spTree>
@@ -17775,44 +19177,44 @@
           <a:lstStyle/>
           <a:p>
             <a:r>
-              <a:rPr lang="ko-KR" altLang="en-US" sz="4000" smtClean="0">
+              <a:rPr lang="ko-KR" altLang="en-US" sz="4000" dirty="0" err="1" smtClean="0">
                 <a:solidFill>
                   <a:srgbClr val="FF0000"/>
                 </a:solidFill>
                 <a:latin typeface="G마켓 산스 Medium" panose="02000000000000000000" pitchFamily="50" charset="-127"/>
                 <a:ea typeface="G마켓 산스 Medium" panose="02000000000000000000" pitchFamily="50" charset="-127"/>
               </a:rPr>
-              <a:t>반환값 만으로 외부와 커뮤니케이션 하려면 이 아래부터 </a:t>
-            </a:r>
-            <a:r>
-              <a:rPr lang="en-US" altLang="ko-KR" sz="4000" smtClean="0">
+              <a:t>반환값</a:t>
+            </a:r>
+            <a:r>
+              <a:rPr lang="ko-KR" altLang="en-US" sz="4000" dirty="0" smtClean="0">
                 <a:solidFill>
                   <a:srgbClr val="FF0000"/>
                 </a:solidFill>
                 <a:latin typeface="G마켓 산스 Medium" panose="02000000000000000000" pitchFamily="50" charset="-127"/>
                 <a:ea typeface="G마켓 산스 Medium" panose="02000000000000000000" pitchFamily="50" charset="-127"/>
               </a:rPr>
+              <a:t> 만으로 외부와 커뮤니케이션 하려면 이 아래부터 </a:t>
+            </a:r>
+            <a:r>
+              <a:rPr lang="en-US" altLang="ko-KR" sz="4000" dirty="0" smtClean="0">
+                <a:solidFill>
+                  <a:srgbClr val="FF0000"/>
+                </a:solidFill>
+                <a:latin typeface="G마켓 산스 Medium" panose="02000000000000000000" pitchFamily="50" charset="-127"/>
+                <a:ea typeface="G마켓 산스 Medium" panose="02000000000000000000" pitchFamily="50" charset="-127"/>
+              </a:rPr>
               <a:t>IF</a:t>
             </a:r>
             <a:r>
-              <a:rPr lang="ko-KR" altLang="en-US" sz="4000" smtClean="0">
+              <a:rPr lang="ko-KR" altLang="en-US" sz="4000" dirty="0" smtClean="0">
                 <a:solidFill>
                   <a:srgbClr val="FF0000"/>
                 </a:solidFill>
                 <a:latin typeface="G마켓 산스 Medium" panose="02000000000000000000" pitchFamily="50" charset="-127"/>
                 <a:ea typeface="G마켓 산스 Medium" panose="02000000000000000000" pitchFamily="50" charset="-127"/>
               </a:rPr>
-              <a:t>문 떡칠 해야 한다</a:t>
-            </a:r>
-            <a:r>
-              <a:rPr lang="en-US" altLang="ko-KR" sz="4000" smtClean="0">
-                <a:solidFill>
-                  <a:srgbClr val="FF0000"/>
-                </a:solidFill>
-                <a:latin typeface="G마켓 산스 Medium" panose="02000000000000000000" pitchFamily="50" charset="-127"/>
-                <a:ea typeface="G마켓 산스 Medium" panose="02000000000000000000" pitchFamily="50" charset="-127"/>
-              </a:rPr>
-              <a:t>…</a:t>
+              <a:t>문이 잔뜩 들어가야 한다</a:t>
             </a:r>
             <a:endParaRPr lang="en-US" altLang="ko-KR" sz="4000" dirty="0">
               <a:solidFill>
@@ -17844,7 +19246,7 @@
 </p:sld>
 </file>
 
-<file path=ppt/slides/slide43.xml><?xml version="1.0" encoding="utf-8"?>
+<file path=ppt/slides/slide46.xml><?xml version="1.0" encoding="utf-8"?>
 <p:sld xmlns:a="http://schemas.openxmlformats.org/drawingml/2006/main" xmlns:r="http://schemas.openxmlformats.org/officeDocument/2006/relationships" xmlns:p="http://schemas.openxmlformats.org/presentationml/2006/main">
   <p:cSld>
     <p:spTree>
@@ -18056,7 +19458,7 @@
 </p:sld>
 </file>
 
-<file path=ppt/slides/slide44.xml><?xml version="1.0" encoding="utf-8"?>
+<file path=ppt/slides/slide47.xml><?xml version="1.0" encoding="utf-8"?>
 <p:sld xmlns:a="http://schemas.openxmlformats.org/drawingml/2006/main" xmlns:r="http://schemas.openxmlformats.org/officeDocument/2006/relationships" xmlns:p="http://schemas.openxmlformats.org/presentationml/2006/main">
   <p:cSld>
     <p:spTree>
@@ -18087,8 +19489,8 @@
         </p:nvSpPr>
         <p:spPr>
           <a:xfrm>
-            <a:off x="1752600" y="4076700"/>
-            <a:ext cx="14859000" cy="3170099"/>
+            <a:off x="838200" y="1943100"/>
+            <a:ext cx="16687800" cy="3170099"/>
           </a:xfrm>
           <a:prstGeom prst="rect">
             <a:avLst/>
@@ -18102,7 +19504,7 @@
           <a:lstStyle/>
           <a:p>
             <a:r>
-              <a:rPr lang="ko-KR" altLang="en-US" sz="4000" smtClean="0">
+              <a:rPr lang="ko-KR" altLang="en-US" sz="4000" dirty="0" smtClean="0">
                 <a:solidFill>
                   <a:srgbClr val="FF0000"/>
                 </a:solidFill>
@@ -18112,7 +19514,7 @@
               <a:t>주의점</a:t>
             </a:r>
             <a:r>
-              <a:rPr lang="en-US" altLang="ko-KR" sz="4000" smtClean="0">
+              <a:rPr lang="en-US" altLang="ko-KR" sz="4000" dirty="0" smtClean="0">
                 <a:solidFill>
                   <a:srgbClr val="FF0000"/>
                 </a:solidFill>
@@ -18122,28 +19524,48 @@
               <a:t>: </a:t>
             </a:r>
             <a:r>
-              <a:rPr lang="ko-KR" altLang="en-US" sz="4000" smtClean="0">
+              <a:rPr lang="ko-KR" altLang="en-US" sz="4000" dirty="0" smtClean="0">
                 <a:solidFill>
                   <a:srgbClr val="FF0000"/>
                 </a:solidFill>
                 <a:latin typeface="G마켓 산스 Medium" panose="02000000000000000000" pitchFamily="50" charset="-127"/>
                 <a:ea typeface="G마켓 산스 Medium" panose="02000000000000000000" pitchFamily="50" charset="-127"/>
               </a:rPr>
-              <a:t>정보 전달을 메인목적으로 예외를 사용하는건 옳지 않다</a:t>
-            </a:r>
-            <a:r>
-              <a:rPr lang="en-US" altLang="ko-KR" sz="4000" smtClean="0">
+              <a:t>정보 전달을 메인 목적으로 예외를 </a:t>
+            </a:r>
+            <a:r>
+              <a:rPr lang="ko-KR" altLang="en-US" sz="4000" dirty="0" err="1" smtClean="0">
                 <a:solidFill>
                   <a:srgbClr val="FF0000"/>
                 </a:solidFill>
                 <a:latin typeface="G마켓 산스 Medium" panose="02000000000000000000" pitchFamily="50" charset="-127"/>
                 <a:ea typeface="G마켓 산스 Medium" panose="02000000000000000000" pitchFamily="50" charset="-127"/>
               </a:rPr>
+              <a:t>사용하는건</a:t>
+            </a:r>
+            <a:r>
+              <a:rPr lang="ko-KR" altLang="en-US" sz="4000" dirty="0" smtClean="0">
+                <a:solidFill>
+                  <a:srgbClr val="FF0000"/>
+                </a:solidFill>
+                <a:latin typeface="G마켓 산스 Medium" panose="02000000000000000000" pitchFamily="50" charset="-127"/>
+                <a:ea typeface="G마켓 산스 Medium" panose="02000000000000000000" pitchFamily="50" charset="-127"/>
+              </a:rPr>
+              <a:t> 옳지 않다</a:t>
+            </a:r>
+            <a:r>
+              <a:rPr lang="en-US" altLang="ko-KR" sz="4000" dirty="0" smtClean="0">
+                <a:solidFill>
+                  <a:srgbClr val="FF0000"/>
+                </a:solidFill>
+                <a:latin typeface="G마켓 산스 Medium" panose="02000000000000000000" pitchFamily="50" charset="-127"/>
+                <a:ea typeface="G마켓 산스 Medium" panose="02000000000000000000" pitchFamily="50" charset="-127"/>
+              </a:rPr>
               <a:t>.</a:t>
             </a:r>
           </a:p>
           <a:p>
-            <a:endParaRPr lang="en-US" altLang="ko-KR" sz="4000">
+            <a:endParaRPr lang="en-US" altLang="ko-KR" sz="4000" dirty="0">
               <a:solidFill>
                 <a:srgbClr val="FF0000"/>
               </a:solidFill>
@@ -18153,37 +19575,97 @@
           </a:p>
           <a:p>
             <a:r>
-              <a:rPr lang="ko-KR" altLang="en-US" sz="4000" smtClean="0">
+              <a:rPr lang="ko-KR" altLang="en-US" sz="4000" dirty="0" smtClean="0">
                 <a:solidFill>
                   <a:srgbClr val="FF0000"/>
                 </a:solidFill>
                 <a:latin typeface="G마켓 산스 Medium" panose="02000000000000000000" pitchFamily="50" charset="-127"/>
                 <a:ea typeface="G마켓 산스 Medium" panose="02000000000000000000" pitchFamily="50" charset="-127"/>
               </a:rPr>
-              <a:t>외부로 전달하려는 정보들이 프로그래밍 코드로써 대응해야하는 문제점들인지</a:t>
-            </a:r>
-            <a:r>
-              <a:rPr lang="en-US" altLang="ko-KR" sz="4000">
+              <a:t>외부로 전달하려는 정보들이 프로그래밍 코드로써 대응 </a:t>
+            </a:r>
+            <a:r>
+              <a:rPr lang="ko-KR" altLang="en-US" sz="4000" dirty="0" err="1" smtClean="0">
                 <a:solidFill>
                   <a:srgbClr val="FF0000"/>
                 </a:solidFill>
                 <a:latin typeface="G마켓 산스 Medium" panose="02000000000000000000" pitchFamily="50" charset="-127"/>
                 <a:ea typeface="G마켓 산스 Medium" panose="02000000000000000000" pitchFamily="50" charset="-127"/>
               </a:rPr>
+              <a:t>해야하는</a:t>
+            </a:r>
+            <a:r>
+              <a:rPr lang="ko-KR" altLang="en-US" sz="4000" dirty="0" smtClean="0">
+                <a:solidFill>
+                  <a:srgbClr val="FF0000"/>
+                </a:solidFill>
+                <a:latin typeface="G마켓 산스 Medium" panose="02000000000000000000" pitchFamily="50" charset="-127"/>
+                <a:ea typeface="G마켓 산스 Medium" panose="02000000000000000000" pitchFamily="50" charset="-127"/>
+              </a:rPr>
+              <a:t> 문제점들인지</a:t>
+            </a:r>
+            <a:r>
+              <a:rPr lang="en-US" altLang="ko-KR" sz="4000" dirty="0">
+                <a:solidFill>
+                  <a:srgbClr val="FF0000"/>
+                </a:solidFill>
+                <a:latin typeface="G마켓 산스 Medium" panose="02000000000000000000" pitchFamily="50" charset="-127"/>
+                <a:ea typeface="G마켓 산스 Medium" panose="02000000000000000000" pitchFamily="50" charset="-127"/>
+              </a:rPr>
               <a:t> </a:t>
             </a:r>
             <a:r>
-              <a:rPr lang="ko-KR" altLang="en-US" sz="4000" smtClean="0">
+              <a:rPr lang="ko-KR" altLang="en-US" sz="4000" dirty="0" smtClean="0">
                 <a:solidFill>
                   <a:srgbClr val="FF0000"/>
                 </a:solidFill>
                 <a:latin typeface="G마켓 산스 Medium" panose="02000000000000000000" pitchFamily="50" charset="-127"/>
                 <a:ea typeface="G마켓 산스 Medium" panose="02000000000000000000" pitchFamily="50" charset="-127"/>
               </a:rPr>
-              <a:t>객체를 반환하는것보다 코드의 가독성이 좋아 지는지 등을 고려 해야한다</a:t>
-            </a:r>
-            <a:r>
-              <a:rPr lang="en-US" altLang="ko-KR" sz="4000" smtClean="0">
+              <a:t>객체를 </a:t>
+            </a:r>
+            <a:r>
+              <a:rPr lang="ko-KR" altLang="en-US" sz="4000" dirty="0" err="1" smtClean="0">
+                <a:solidFill>
+                  <a:srgbClr val="FF0000"/>
+                </a:solidFill>
+                <a:latin typeface="G마켓 산스 Medium" panose="02000000000000000000" pitchFamily="50" charset="-127"/>
+                <a:ea typeface="G마켓 산스 Medium" panose="02000000000000000000" pitchFamily="50" charset="-127"/>
+              </a:rPr>
+              <a:t>반환하는것보다</a:t>
+            </a:r>
+            <a:r>
+              <a:rPr lang="ko-KR" altLang="en-US" sz="4000" dirty="0" smtClean="0">
+                <a:solidFill>
+                  <a:srgbClr val="FF0000"/>
+                </a:solidFill>
+                <a:latin typeface="G마켓 산스 Medium" panose="02000000000000000000" pitchFamily="50" charset="-127"/>
+                <a:ea typeface="G마켓 산스 Medium" panose="02000000000000000000" pitchFamily="50" charset="-127"/>
+              </a:rPr>
+              <a:t> 코드의 </a:t>
+            </a:r>
+            <a:r>
+              <a:rPr lang="ko-KR" altLang="en-US" sz="4000" dirty="0" err="1" smtClean="0">
+                <a:solidFill>
+                  <a:srgbClr val="FF0000"/>
+                </a:solidFill>
+                <a:latin typeface="G마켓 산스 Medium" panose="02000000000000000000" pitchFamily="50" charset="-127"/>
+                <a:ea typeface="G마켓 산스 Medium" panose="02000000000000000000" pitchFamily="50" charset="-127"/>
+              </a:rPr>
+              <a:t>가독성이</a:t>
+            </a:r>
+            <a:r>
+              <a:rPr lang="ko-KR" altLang="en-US" sz="4000" dirty="0" smtClean="0">
+                <a:solidFill>
+                  <a:srgbClr val="FF0000"/>
+                </a:solidFill>
+                <a:latin typeface="G마켓 산스 Medium" panose="02000000000000000000" pitchFamily="50" charset="-127"/>
+                <a:ea typeface="G마켓 산스 Medium" panose="02000000000000000000" pitchFamily="50" charset="-127"/>
+              </a:rPr>
+              <a:t> 좋아 지는지 등을 고려 해야 한다</a:t>
+            </a:r>
+            <a:r>
+              <a:rPr lang="en-US" altLang="ko-KR" sz="4000" dirty="0" smtClean="0">
                 <a:solidFill>
                   <a:srgbClr val="FF0000"/>
                 </a:solidFill>
@@ -18222,7 +19704,7 @@
 </p:sld>
 </file>
 
-<file path=ppt/slides/slide45.xml><?xml version="1.0" encoding="utf-8"?>
+<file path=ppt/slides/slide48.xml><?xml version="1.0" encoding="utf-8"?>
 <p:sld xmlns:a="http://schemas.openxmlformats.org/drawingml/2006/main" xmlns:r="http://schemas.openxmlformats.org/officeDocument/2006/relationships" xmlns:p="http://schemas.openxmlformats.org/presentationml/2006/main">
   <p:cSld>
     <p:bg>
@@ -18495,7 +19977,7 @@
 </p:sld>
 </file>
 
-<file path=ppt/slides/slide46.xml><?xml version="1.0" encoding="utf-8"?>
+<file path=ppt/slides/slide49.xml><?xml version="1.0" encoding="utf-8"?>
 <p:sld xmlns:a="http://schemas.openxmlformats.org/drawingml/2006/main" xmlns:r="http://schemas.openxmlformats.org/officeDocument/2006/relationships" xmlns:p="http://schemas.openxmlformats.org/presentationml/2006/main">
   <p:cSld>
     <p:spTree>
@@ -18584,7 +20066,7 @@
         </p:nvSpPr>
         <p:spPr>
           <a:xfrm>
-            <a:off x="1143000" y="2542282"/>
+            <a:off x="1143000" y="2154525"/>
             <a:ext cx="15011400" cy="1077218"/>
           </a:xfrm>
           <a:prstGeom prst="rect">
@@ -18599,7 +20081,7 @@
           <a:lstStyle/>
           <a:p>
             <a:r>
-              <a:rPr lang="en-US" altLang="ko-KR" sz="3200" smtClean="0">
+              <a:rPr lang="en-US" altLang="ko-KR" sz="3200" dirty="0" smtClean="0">
                 <a:solidFill>
                   <a:schemeClr val="tx1">
                     <a:lumMod val="50000"/>
@@ -18612,7 +20094,7 @@
               <a:t>0</a:t>
             </a:r>
             <a:r>
-              <a:rPr lang="ko-KR" altLang="en-US" sz="3200" smtClean="0">
+              <a:rPr lang="ko-KR" altLang="en-US" sz="3200" dirty="0" smtClean="0">
                 <a:solidFill>
                   <a:schemeClr val="tx1">
                     <a:lumMod val="50000"/>
@@ -18622,10 +20104,10 @@
                 <a:latin typeface="G마켓 산스 Medium" panose="02000000000000000000" pitchFamily="50" charset="-127"/>
                 <a:ea typeface="G마켓 산스 Medium" panose="02000000000000000000" pitchFamily="50" charset="-127"/>
               </a:rPr>
-              <a:t>을 더할경우 직접만든 </a:t>
-            </a:r>
-            <a:r>
-              <a:rPr lang="en-US" altLang="ko-KR" sz="3200" smtClean="0">
+              <a:t>을 </a:t>
+            </a:r>
+            <a:r>
+              <a:rPr lang="ko-KR" altLang="en-US" sz="3200" dirty="0" err="1" smtClean="0">
                 <a:solidFill>
                   <a:schemeClr val="tx1">
                     <a:lumMod val="50000"/>
@@ -18635,10 +20117,10 @@
                 <a:latin typeface="G마켓 산스 Medium" panose="02000000000000000000" pitchFamily="50" charset="-127"/>
                 <a:ea typeface="G마켓 산스 Medium" panose="02000000000000000000" pitchFamily="50" charset="-127"/>
               </a:rPr>
-              <a:t>CanNotAddZeroException </a:t>
-            </a:r>
-            <a:r>
-              <a:rPr lang="ko-KR" altLang="en-US" sz="3200" smtClean="0">
+              <a:t>더할경우</a:t>
+            </a:r>
+            <a:r>
+              <a:rPr lang="ko-KR" altLang="en-US" sz="3200" dirty="0" smtClean="0">
                 <a:solidFill>
                   <a:schemeClr val="tx1">
                     <a:lumMod val="50000"/>
@@ -18648,10 +20130,10 @@
                 <a:latin typeface="G마켓 산스 Medium" panose="02000000000000000000" pitchFamily="50" charset="-127"/>
                 <a:ea typeface="G마켓 산스 Medium" panose="02000000000000000000" pitchFamily="50" charset="-127"/>
               </a:rPr>
-              <a:t>예외를 발생시켜보자</a:t>
-            </a:r>
-            <a:r>
-              <a:rPr lang="en-US" altLang="ko-KR" sz="3200" smtClean="0">
+              <a:t> </a:t>
+            </a:r>
+            <a:r>
+              <a:rPr lang="ko-KR" altLang="en-US" sz="3200" dirty="0" err="1" smtClean="0">
                 <a:solidFill>
                   <a:schemeClr val="tx1">
                     <a:lumMod val="50000"/>
@@ -18661,30 +20143,10 @@
                 <a:latin typeface="G마켓 산스 Medium" panose="02000000000000000000" pitchFamily="50" charset="-127"/>
                 <a:ea typeface="G마켓 산스 Medium" panose="02000000000000000000" pitchFamily="50" charset="-127"/>
               </a:rPr>
-              <a:t>(</a:t>
-            </a:r>
-            <a:r>
-              <a:rPr lang="ko-KR" altLang="en-US" sz="3200" smtClean="0">
-                <a:solidFill>
-                  <a:srgbClr val="FF0000"/>
-                </a:solidFill>
-                <a:latin typeface="G마켓 산스 Medium" panose="02000000000000000000" pitchFamily="50" charset="-127"/>
-                <a:ea typeface="G마켓 산스 Medium" panose="02000000000000000000" pitchFamily="50" charset="-127"/>
-              </a:rPr>
-              <a:t>사용자에게 예외처리를 강제하지 말것</a:t>
-            </a:r>
-            <a:r>
-              <a:rPr lang="en-US" altLang="ko-KR" sz="3200" smtClean="0">
-                <a:solidFill>
-                  <a:srgbClr val="FF0000"/>
-                </a:solidFill>
-                <a:latin typeface="G마켓 산스 Medium" panose="02000000000000000000" pitchFamily="50" charset="-127"/>
-                <a:ea typeface="G마켓 산스 Medium" panose="02000000000000000000" pitchFamily="50" charset="-127"/>
-              </a:rPr>
-              <a:t>!</a:t>
-            </a:r>
-            <a:r>
-              <a:rPr lang="en-US" altLang="ko-KR" sz="3200" smtClean="0">
+              <a:t>직접만든</a:t>
+            </a:r>
+            <a:r>
+              <a:rPr lang="ko-KR" altLang="en-US" sz="3200" dirty="0" smtClean="0">
                 <a:solidFill>
                   <a:schemeClr val="tx1">
                     <a:lumMod val="50000"/>
@@ -18694,9 +20156,104 @@
                 <a:latin typeface="G마켓 산스 Medium" panose="02000000000000000000" pitchFamily="50" charset="-127"/>
                 <a:ea typeface="G마켓 산스 Medium" panose="02000000000000000000" pitchFamily="50" charset="-127"/>
               </a:rPr>
+              <a:t> </a:t>
+            </a:r>
+            <a:r>
+              <a:rPr lang="en-US" altLang="ko-KR" sz="3200" dirty="0" err="1" smtClean="0">
+                <a:solidFill>
+                  <a:schemeClr val="tx1">
+                    <a:lumMod val="50000"/>
+                    <a:lumOff val="50000"/>
+                  </a:schemeClr>
+                </a:solidFill>
+                <a:latin typeface="G마켓 산스 Medium" panose="02000000000000000000" pitchFamily="50" charset="-127"/>
+                <a:ea typeface="G마켓 산스 Medium" panose="02000000000000000000" pitchFamily="50" charset="-127"/>
+              </a:rPr>
+              <a:t>CanNotAddZeroException</a:t>
+            </a:r>
+            <a:r>
+              <a:rPr lang="en-US" altLang="ko-KR" sz="3200" dirty="0" smtClean="0">
+                <a:solidFill>
+                  <a:schemeClr val="tx1">
+                    <a:lumMod val="50000"/>
+                    <a:lumOff val="50000"/>
+                  </a:schemeClr>
+                </a:solidFill>
+                <a:latin typeface="G마켓 산스 Medium" panose="02000000000000000000" pitchFamily="50" charset="-127"/>
+                <a:ea typeface="G마켓 산스 Medium" panose="02000000000000000000" pitchFamily="50" charset="-127"/>
+              </a:rPr>
+              <a:t> </a:t>
+            </a:r>
+            <a:r>
+              <a:rPr lang="ko-KR" altLang="en-US" sz="3200" dirty="0" smtClean="0">
+                <a:solidFill>
+                  <a:schemeClr val="tx1">
+                    <a:lumMod val="50000"/>
+                    <a:lumOff val="50000"/>
+                  </a:schemeClr>
+                </a:solidFill>
+                <a:latin typeface="G마켓 산스 Medium" panose="02000000000000000000" pitchFamily="50" charset="-127"/>
+                <a:ea typeface="G마켓 산스 Medium" panose="02000000000000000000" pitchFamily="50" charset="-127"/>
+              </a:rPr>
+              <a:t>예외를 발생시켜보자</a:t>
+            </a:r>
+            <a:r>
+              <a:rPr lang="en-US" altLang="ko-KR" sz="3200" dirty="0" smtClean="0">
+                <a:solidFill>
+                  <a:schemeClr val="tx1">
+                    <a:lumMod val="50000"/>
+                    <a:lumOff val="50000"/>
+                  </a:schemeClr>
+                </a:solidFill>
+                <a:latin typeface="G마켓 산스 Medium" panose="02000000000000000000" pitchFamily="50" charset="-127"/>
+                <a:ea typeface="G마켓 산스 Medium" panose="02000000000000000000" pitchFamily="50" charset="-127"/>
+              </a:rPr>
+              <a:t>(</a:t>
+            </a:r>
+            <a:r>
+              <a:rPr lang="ko-KR" altLang="en-US" sz="3200" dirty="0" smtClean="0">
+                <a:solidFill>
+                  <a:srgbClr val="FF0000"/>
+                </a:solidFill>
+                <a:latin typeface="G마켓 산스 Medium" panose="02000000000000000000" pitchFamily="50" charset="-127"/>
+                <a:ea typeface="G마켓 산스 Medium" panose="02000000000000000000" pitchFamily="50" charset="-127"/>
+              </a:rPr>
+              <a:t>사용자에게 예외처리를 강제하지 </a:t>
+            </a:r>
+            <a:r>
+              <a:rPr lang="ko-KR" altLang="en-US" sz="3200" dirty="0" err="1" smtClean="0">
+                <a:solidFill>
+                  <a:srgbClr val="FF0000"/>
+                </a:solidFill>
+                <a:latin typeface="G마켓 산스 Medium" panose="02000000000000000000" pitchFamily="50" charset="-127"/>
+                <a:ea typeface="G마켓 산스 Medium" panose="02000000000000000000" pitchFamily="50" charset="-127"/>
+              </a:rPr>
+              <a:t>말것</a:t>
+            </a:r>
+            <a:r>
+              <a:rPr lang="en-US" altLang="ko-KR" sz="3200" dirty="0" smtClean="0">
+                <a:solidFill>
+                  <a:srgbClr val="FF0000"/>
+                </a:solidFill>
+                <a:latin typeface="G마켓 산스 Medium" panose="02000000000000000000" pitchFamily="50" charset="-127"/>
+                <a:ea typeface="G마켓 산스 Medium" panose="02000000000000000000" pitchFamily="50" charset="-127"/>
+              </a:rPr>
+              <a:t>!</a:t>
+            </a:r>
+            <a:r>
+              <a:rPr lang="en-US" altLang="ko-KR" sz="3200" dirty="0" smtClean="0">
+                <a:solidFill>
+                  <a:schemeClr val="tx1">
+                    <a:lumMod val="50000"/>
+                    <a:lumOff val="50000"/>
+                  </a:schemeClr>
+                </a:solidFill>
+                <a:latin typeface="G마켓 산스 Medium" panose="02000000000000000000" pitchFamily="50" charset="-127"/>
+                <a:ea typeface="G마켓 산스 Medium" panose="02000000000000000000" pitchFamily="50" charset="-127"/>
+              </a:rPr>
               <a:t>)</a:t>
             </a:r>
-            <a:endParaRPr lang="en-US" altLang="ko-KR" sz="3200">
+            <a:endParaRPr lang="en-US" altLang="ko-KR" sz="3200" dirty="0">
               <a:solidFill>
                 <a:schemeClr val="tx1">
                   <a:lumMod val="50000"/>
@@ -18950,1081 +20507,6 @@
                                       </p:cBhvr>
                                       <p:to>
                                         <p:strVal val="visible"/>
-                                      </p:to>
-                                    </p:set>
-                                  </p:childTnLst>
-                                </p:cTn>
-                              </p:par>
-                            </p:childTnLst>
-                          </p:cTn>
-                        </p:par>
-                      </p:childTnLst>
-                    </p:cTn>
-                  </p:par>
-                </p:childTnLst>
-              </p:cTn>
-              <p:prevCondLst>
-                <p:cond evt="onPrev" delay="0">
-                  <p:tgtEl>
-                    <p:sldTgt/>
-                  </p:tgtEl>
-                </p:cond>
-              </p:prevCondLst>
-              <p:nextCondLst>
-                <p:cond evt="onNext" delay="0">
-                  <p:tgtEl>
-                    <p:sldTgt/>
-                  </p:tgtEl>
-                </p:cond>
-              </p:nextCondLst>
-            </p:seq>
-          </p:childTnLst>
-        </p:cTn>
-      </p:par>
-    </p:tnLst>
-  </p:timing>
-</p:sld>
-</file>
-
-<file path=ppt/slides/slide47.xml><?xml version="1.0" encoding="utf-8"?>
-<p:sld xmlns:a="http://schemas.openxmlformats.org/drawingml/2006/main" xmlns:r="http://schemas.openxmlformats.org/officeDocument/2006/relationships" xmlns:p="http://schemas.openxmlformats.org/presentationml/2006/main">
-  <p:cSld>
-    <p:spTree>
-      <p:nvGrpSpPr>
-        <p:cNvPr id="1" name=""/>
-        <p:cNvGrpSpPr/>
-        <p:nvPr/>
-      </p:nvGrpSpPr>
-      <p:grpSpPr>
-        <a:xfrm>
-          <a:off x="0" y="0"/>
-          <a:ext cx="0" cy="0"/>
-          <a:chOff x="0" y="0"/>
-          <a:chExt cx="0" cy="0"/>
-        </a:xfrm>
-      </p:grpSpPr>
-      <p:sp>
-        <p:nvSpPr>
-          <p:cNvPr id="4" name="TextBox 3">
-            <a:extLst>
-              <a:ext uri="{FF2B5EF4-FFF2-40B4-BE49-F238E27FC236}">
-                <a16:creationId xmlns="" xmlns:a16="http://schemas.microsoft.com/office/drawing/2014/main" id="{2FFEA572-0493-CB52-6BE5-4BCEFE8076B6}"/>
-              </a:ext>
-            </a:extLst>
-          </p:cNvPr>
-          <p:cNvSpPr txBox="1"/>
-          <p:nvPr/>
-        </p:nvSpPr>
-        <p:spPr>
-          <a:xfrm>
-            <a:off x="1066800" y="924461"/>
-            <a:ext cx="16154400" cy="707886"/>
-          </a:xfrm>
-          <a:prstGeom prst="rect">
-            <a:avLst/>
-          </a:prstGeom>
-          <a:noFill/>
-        </p:spPr>
-        <p:txBody>
-          <a:bodyPr wrap="square" rtlCol="0">
-            <a:spAutoFit/>
-          </a:bodyPr>
-          <a:lstStyle/>
-          <a:p>
-            <a:r>
-              <a:rPr lang="en-US" altLang="ko-KR" sz="4000">
-                <a:solidFill>
-                  <a:srgbClr val="4C50BB"/>
-                </a:solidFill>
-                <a:latin typeface="G마켓 산스 Medium" panose="02000000000000000000" pitchFamily="50" charset="-127"/>
-                <a:ea typeface="G마켓 산스 Medium" panose="02000000000000000000" pitchFamily="50" charset="-127"/>
-              </a:rPr>
-              <a:t>2</a:t>
-            </a:r>
-            <a:r>
-              <a:rPr lang="en-US" altLang="ko-KR" sz="4000" smtClean="0">
-                <a:solidFill>
-                  <a:srgbClr val="4C50BB"/>
-                </a:solidFill>
-                <a:latin typeface="G마켓 산스 Medium" panose="02000000000000000000" pitchFamily="50" charset="-127"/>
-                <a:ea typeface="G마켓 산스 Medium" panose="02000000000000000000" pitchFamily="50" charset="-127"/>
-              </a:rPr>
-              <a:t>. </a:t>
-            </a:r>
-            <a:r>
-              <a:rPr lang="ko-KR" altLang="en-US" sz="4000" smtClean="0">
-                <a:solidFill>
-                  <a:srgbClr val="4C50BB"/>
-                </a:solidFill>
-                <a:latin typeface="G마켓 산스 Medium" panose="02000000000000000000" pitchFamily="50" charset="-127"/>
-                <a:ea typeface="G마켓 산스 Medium" panose="02000000000000000000" pitchFamily="50" charset="-127"/>
-              </a:rPr>
-              <a:t>아래의 코드는 에러가 발생한다</a:t>
-            </a:r>
-            <a:r>
-              <a:rPr lang="en-US" altLang="ko-KR" sz="4000" smtClean="0">
-                <a:solidFill>
-                  <a:srgbClr val="4C50BB"/>
-                </a:solidFill>
-                <a:latin typeface="G마켓 산스 Medium" panose="02000000000000000000" pitchFamily="50" charset="-127"/>
-                <a:ea typeface="G마켓 산스 Medium" panose="02000000000000000000" pitchFamily="50" charset="-127"/>
-              </a:rPr>
-              <a:t>. </a:t>
-            </a:r>
-            <a:r>
-              <a:rPr lang="ko-KR" altLang="en-US" sz="4000" smtClean="0">
-                <a:solidFill>
-                  <a:srgbClr val="4C50BB"/>
-                </a:solidFill>
-                <a:latin typeface="G마켓 산스 Medium" panose="02000000000000000000" pitchFamily="50" charset="-127"/>
-                <a:ea typeface="G마켓 산스 Medium" panose="02000000000000000000" pitchFamily="50" charset="-127"/>
-              </a:rPr>
-              <a:t>왜 그런지 생각해보고 수정을 해보자</a:t>
-            </a:r>
-            <a:endParaRPr lang="en-US" altLang="ko-KR" sz="3600" dirty="0">
-              <a:solidFill>
-                <a:schemeClr val="tx1">
-                  <a:lumMod val="50000"/>
-                  <a:lumOff val="50000"/>
-                </a:schemeClr>
-              </a:solidFill>
-              <a:latin typeface="G마켓 산스 Medium" panose="02000000000000000000" pitchFamily="50" charset="-127"/>
-              <a:ea typeface="G마켓 산스 Medium" panose="02000000000000000000" pitchFamily="50" charset="-127"/>
-            </a:endParaRPr>
-          </a:p>
-        </p:txBody>
-      </p:sp>
-      <p:pic>
-        <p:nvPicPr>
-          <p:cNvPr id="5" name="그림 4"/>
-          <p:cNvPicPr>
-            <a:picLocks noChangeAspect="1"/>
-          </p:cNvPicPr>
-          <p:nvPr/>
-        </p:nvPicPr>
-        <p:blipFill>
-          <a:blip r:embed="rId2"/>
-          <a:stretch>
-            <a:fillRect/>
-          </a:stretch>
-        </p:blipFill>
-        <p:spPr>
-          <a:xfrm>
-            <a:off x="609600" y="2019300"/>
-            <a:ext cx="9296400" cy="8114342"/>
-          </a:xfrm>
-          <a:prstGeom prst="rect">
-            <a:avLst/>
-          </a:prstGeom>
-        </p:spPr>
-      </p:pic>
-      <p:pic>
-        <p:nvPicPr>
-          <p:cNvPr id="6" name="그림 5"/>
-          <p:cNvPicPr>
-            <a:picLocks noChangeAspect="1"/>
-          </p:cNvPicPr>
-          <p:nvPr/>
-        </p:nvPicPr>
-        <p:blipFill>
-          <a:blip r:embed="rId3"/>
-          <a:stretch>
-            <a:fillRect/>
-          </a:stretch>
-        </p:blipFill>
-        <p:spPr>
-          <a:xfrm>
-            <a:off x="10302926" y="2019300"/>
-            <a:ext cx="7223074" cy="4191000"/>
-          </a:xfrm>
-          <a:prstGeom prst="rect">
-            <a:avLst/>
-          </a:prstGeom>
-        </p:spPr>
-      </p:pic>
-    </p:spTree>
-    <p:extLst>
-      <p:ext uri="{BB962C8B-B14F-4D97-AF65-F5344CB8AC3E}">
-        <p14:creationId xmlns:p14="http://schemas.microsoft.com/office/powerpoint/2010/main" val="4121545142"/>
-      </p:ext>
-    </p:extLst>
-  </p:cSld>
-  <p:clrMapOvr>
-    <a:masterClrMapping/>
-  </p:clrMapOvr>
-  <p:timing>
-    <p:tnLst>
-      <p:par>
-        <p:cTn id="1" dur="indefinite" restart="never" nodeType="tmRoot"/>
-      </p:par>
-    </p:tnLst>
-  </p:timing>
-</p:sld>
-</file>
-
-<file path=ppt/slides/slide48.xml><?xml version="1.0" encoding="utf-8"?>
-<p:sld xmlns:a="http://schemas.openxmlformats.org/drawingml/2006/main" xmlns:r="http://schemas.openxmlformats.org/officeDocument/2006/relationships" xmlns:p="http://schemas.openxmlformats.org/presentationml/2006/main">
-  <p:cSld>
-    <p:spTree>
-      <p:nvGrpSpPr>
-        <p:cNvPr id="1" name=""/>
-        <p:cNvGrpSpPr/>
-        <p:nvPr/>
-      </p:nvGrpSpPr>
-      <p:grpSpPr>
-        <a:xfrm>
-          <a:off x="0" y="0"/>
-          <a:ext cx="0" cy="0"/>
-          <a:chOff x="0" y="0"/>
-          <a:chExt cx="0" cy="0"/>
-        </a:xfrm>
-      </p:grpSpPr>
-      <p:sp>
-        <p:nvSpPr>
-          <p:cNvPr id="4" name="TextBox 3">
-            <a:extLst>
-              <a:ext uri="{FF2B5EF4-FFF2-40B4-BE49-F238E27FC236}">
-                <a16:creationId xmlns="" xmlns:a16="http://schemas.microsoft.com/office/drawing/2014/main" id="{2FFEA572-0493-CB52-6BE5-4BCEFE8076B6}"/>
-              </a:ext>
-            </a:extLst>
-          </p:cNvPr>
-          <p:cNvSpPr txBox="1"/>
-          <p:nvPr/>
-        </p:nvSpPr>
-        <p:spPr>
-          <a:xfrm>
-            <a:off x="457200" y="167482"/>
-            <a:ext cx="13106400" cy="707886"/>
-          </a:xfrm>
-          <a:prstGeom prst="rect">
-            <a:avLst/>
-          </a:prstGeom>
-          <a:noFill/>
-        </p:spPr>
-        <p:txBody>
-          <a:bodyPr wrap="square" rtlCol="0">
-            <a:spAutoFit/>
-          </a:bodyPr>
-          <a:lstStyle/>
-          <a:p>
-            <a:r>
-              <a:rPr lang="en-US" altLang="ko-KR" sz="4000" smtClean="0">
-                <a:solidFill>
-                  <a:srgbClr val="4C50BB"/>
-                </a:solidFill>
-                <a:latin typeface="G마켓 산스 Medium" panose="02000000000000000000" pitchFamily="50" charset="-127"/>
-                <a:ea typeface="G마켓 산스 Medium" panose="02000000000000000000" pitchFamily="50" charset="-127"/>
-              </a:rPr>
-              <a:t>3. test.txt </a:t>
-            </a:r>
-            <a:r>
-              <a:rPr lang="ko-KR" altLang="en-US" sz="4000" smtClean="0">
-                <a:solidFill>
-                  <a:srgbClr val="4C50BB"/>
-                </a:solidFill>
-                <a:latin typeface="G마켓 산스 Medium" panose="02000000000000000000" pitchFamily="50" charset="-127"/>
-                <a:ea typeface="G마켓 산스 Medium" panose="02000000000000000000" pitchFamily="50" charset="-127"/>
-              </a:rPr>
-              <a:t>파일을 읽어서 콘솔화면에 출력해보자</a:t>
-            </a:r>
-            <a:r>
-              <a:rPr lang="en-US" altLang="ko-KR" sz="4000" smtClean="0">
-                <a:solidFill>
-                  <a:srgbClr val="4C50BB"/>
-                </a:solidFill>
-                <a:latin typeface="G마켓 산스 Medium" panose="02000000000000000000" pitchFamily="50" charset="-127"/>
-                <a:ea typeface="G마켓 산스 Medium" panose="02000000000000000000" pitchFamily="50" charset="-127"/>
-              </a:rPr>
-              <a:t>.</a:t>
-            </a:r>
-            <a:endParaRPr lang="en-US" altLang="ko-KR" sz="3600" dirty="0">
-              <a:solidFill>
-                <a:schemeClr val="tx1">
-                  <a:lumMod val="50000"/>
-                  <a:lumOff val="50000"/>
-                </a:schemeClr>
-              </a:solidFill>
-              <a:latin typeface="G마켓 산스 Medium" panose="02000000000000000000" pitchFamily="50" charset="-127"/>
-              <a:ea typeface="G마켓 산스 Medium" panose="02000000000000000000" pitchFamily="50" charset="-127"/>
-            </a:endParaRPr>
-          </a:p>
-        </p:txBody>
-      </p:sp>
-      <p:pic>
-        <p:nvPicPr>
-          <p:cNvPr id="5" name="그림 4"/>
-          <p:cNvPicPr>
-            <a:picLocks noChangeAspect="1"/>
-          </p:cNvPicPr>
-          <p:nvPr/>
-        </p:nvPicPr>
-        <p:blipFill>
-          <a:blip r:embed="rId2"/>
-          <a:stretch>
-            <a:fillRect/>
-          </a:stretch>
-        </p:blipFill>
-        <p:spPr>
-          <a:xfrm>
-            <a:off x="990600" y="2365854"/>
-            <a:ext cx="7452074" cy="4648200"/>
-          </a:xfrm>
-          <a:prstGeom prst="rect">
-            <a:avLst/>
-          </a:prstGeom>
-        </p:spPr>
-      </p:pic>
-      <p:sp>
-        <p:nvSpPr>
-          <p:cNvPr id="6" name="직사각형 5">
-            <a:extLst>
-              <a:ext uri="{FF2B5EF4-FFF2-40B4-BE49-F238E27FC236}">
-                <a16:creationId xmlns:a16="http://schemas.microsoft.com/office/drawing/2014/main" xmlns="" id="{FFF506F9-840A-0508-4CAF-3AC711D8D5CE}"/>
-              </a:ext>
-            </a:extLst>
-          </p:cNvPr>
-          <p:cNvSpPr/>
-          <p:nvPr/>
-        </p:nvSpPr>
-        <p:spPr>
-          <a:xfrm>
-            <a:off x="2124665" y="2594454"/>
-            <a:ext cx="1075735" cy="381000"/>
-          </a:xfrm>
-          <a:prstGeom prst="rect">
-            <a:avLst/>
-          </a:prstGeom>
-          <a:noFill/>
-          <a:ln>
-            <a:solidFill>
-              <a:srgbClr val="FF0000"/>
-            </a:solidFill>
-          </a:ln>
-        </p:spPr>
-        <p:style>
-          <a:lnRef idx="2">
-            <a:schemeClr val="accent2">
-              <a:shade val="50000"/>
-            </a:schemeClr>
-          </a:lnRef>
-          <a:fillRef idx="1">
-            <a:schemeClr val="accent2"/>
-          </a:fillRef>
-          <a:effectRef idx="0">
-            <a:schemeClr val="accent2"/>
-          </a:effectRef>
-          <a:fontRef idx="minor">
-            <a:schemeClr val="lt1"/>
-          </a:fontRef>
-        </p:style>
-        <p:txBody>
-          <a:bodyPr rtlCol="0" anchor="ctr"/>
-          <a:lstStyle/>
-          <a:p>
-            <a:pPr algn="ctr"/>
-            <a:endParaRPr lang="ko-KR" altLang="en-US"/>
-          </a:p>
-        </p:txBody>
-      </p:sp>
-      <p:sp>
-        <p:nvSpPr>
-          <p:cNvPr id="7" name="직사각형 6">
-            <a:extLst>
-              <a:ext uri="{FF2B5EF4-FFF2-40B4-BE49-F238E27FC236}">
-                <a16:creationId xmlns:a16="http://schemas.microsoft.com/office/drawing/2014/main" xmlns="" id="{FFF506F9-840A-0508-4CAF-3AC711D8D5CE}"/>
-              </a:ext>
-            </a:extLst>
-          </p:cNvPr>
-          <p:cNvSpPr/>
-          <p:nvPr/>
-        </p:nvSpPr>
-        <p:spPr>
-          <a:xfrm>
-            <a:off x="5867401" y="5718654"/>
-            <a:ext cx="914400" cy="381000"/>
-          </a:xfrm>
-          <a:prstGeom prst="rect">
-            <a:avLst/>
-          </a:prstGeom>
-          <a:noFill/>
-          <a:ln>
-            <a:solidFill>
-              <a:srgbClr val="FF0000"/>
-            </a:solidFill>
-          </a:ln>
-        </p:spPr>
-        <p:style>
-          <a:lnRef idx="2">
-            <a:schemeClr val="accent2">
-              <a:shade val="50000"/>
-            </a:schemeClr>
-          </a:lnRef>
-          <a:fillRef idx="1">
-            <a:schemeClr val="accent2"/>
-          </a:fillRef>
-          <a:effectRef idx="0">
-            <a:schemeClr val="accent2"/>
-          </a:effectRef>
-          <a:fontRef idx="minor">
-            <a:schemeClr val="lt1"/>
-          </a:fontRef>
-        </p:style>
-        <p:txBody>
-          <a:bodyPr rtlCol="0" anchor="ctr"/>
-          <a:lstStyle/>
-          <a:p>
-            <a:pPr algn="ctr"/>
-            <a:endParaRPr lang="ko-KR" altLang="en-US"/>
-          </a:p>
-        </p:txBody>
-      </p:sp>
-      <p:sp>
-        <p:nvSpPr>
-          <p:cNvPr id="8" name="TextBox 7">
-            <a:extLst>
-              <a:ext uri="{FF2B5EF4-FFF2-40B4-BE49-F238E27FC236}">
-                <a16:creationId xmlns:a16="http://schemas.microsoft.com/office/drawing/2014/main" xmlns="" id="{A2AD056B-97A4-5BCC-4460-250160F3E171}"/>
-              </a:ext>
-            </a:extLst>
-          </p:cNvPr>
-          <p:cNvSpPr txBox="1"/>
-          <p:nvPr/>
-        </p:nvSpPr>
-        <p:spPr>
-          <a:xfrm>
-            <a:off x="708543" y="1633579"/>
-            <a:ext cx="16413713" cy="707886"/>
-          </a:xfrm>
-          <a:prstGeom prst="rect">
-            <a:avLst/>
-          </a:prstGeom>
-          <a:noFill/>
-        </p:spPr>
-        <p:txBody>
-          <a:bodyPr wrap="square" rtlCol="0">
-            <a:spAutoFit/>
-          </a:bodyPr>
-          <a:lstStyle/>
-          <a:p>
-            <a:r>
-              <a:rPr lang="ko-KR" altLang="en-US" sz="4000" smtClean="0">
-                <a:solidFill>
-                  <a:schemeClr val="tx1">
-                    <a:lumMod val="50000"/>
-                    <a:lumOff val="50000"/>
-                  </a:schemeClr>
-                </a:solidFill>
-                <a:latin typeface="G마켓 산스 Medium" panose="02000000000000000000" pitchFamily="50" charset="-127"/>
-                <a:ea typeface="G마켓 산스 Medium" panose="02000000000000000000" pitchFamily="50" charset="-127"/>
-              </a:rPr>
-              <a:t>파일경로</a:t>
-            </a:r>
-            <a:r>
-              <a:rPr lang="en-US" altLang="ko-KR" sz="4000" smtClean="0">
-                <a:solidFill>
-                  <a:schemeClr val="tx1">
-                    <a:lumMod val="50000"/>
-                    <a:lumOff val="50000"/>
-                  </a:schemeClr>
-                </a:solidFill>
-                <a:latin typeface="G마켓 산스 Medium" panose="02000000000000000000" pitchFamily="50" charset="-127"/>
-                <a:ea typeface="G마켓 산스 Medium" panose="02000000000000000000" pitchFamily="50" charset="-127"/>
-              </a:rPr>
-              <a:t>: </a:t>
-            </a:r>
-            <a:r>
-              <a:rPr lang="ko-KR" altLang="en-US" sz="4000" smtClean="0">
-                <a:solidFill>
-                  <a:schemeClr val="tx1">
-                    <a:lumMod val="50000"/>
-                    <a:lumOff val="50000"/>
-                  </a:schemeClr>
-                </a:solidFill>
-                <a:latin typeface="G마켓 산스 Medium" panose="02000000000000000000" pitchFamily="50" charset="-127"/>
-                <a:ea typeface="G마켓 산스 Medium" panose="02000000000000000000" pitchFamily="50" charset="-127"/>
-              </a:rPr>
-              <a:t>생성된 파일 우클릭 </a:t>
-            </a:r>
-            <a:r>
-              <a:rPr lang="en-US" altLang="ko-KR" sz="4000" smtClean="0">
-                <a:solidFill>
-                  <a:schemeClr val="tx1">
-                    <a:lumMod val="50000"/>
-                    <a:lumOff val="50000"/>
-                  </a:schemeClr>
-                </a:solidFill>
-                <a:latin typeface="G마켓 산스 Medium" panose="02000000000000000000" pitchFamily="50" charset="-127"/>
-                <a:ea typeface="G마켓 산스 Medium" panose="02000000000000000000" pitchFamily="50" charset="-127"/>
-              </a:rPr>
-              <a:t>-&gt;Properties -&gt; </a:t>
-            </a:r>
-            <a:r>
-              <a:rPr lang="ko-KR" altLang="en-US" sz="4000" smtClean="0">
-                <a:solidFill>
-                  <a:schemeClr val="tx1">
-                    <a:lumMod val="50000"/>
-                    <a:lumOff val="50000"/>
-                  </a:schemeClr>
-                </a:solidFill>
-                <a:latin typeface="G마켓 산스 Medium" panose="02000000000000000000" pitchFamily="50" charset="-127"/>
-                <a:ea typeface="G마켓 산스 Medium" panose="02000000000000000000" pitchFamily="50" charset="-127"/>
-              </a:rPr>
-              <a:t>파일 경로 나옴</a:t>
-            </a:r>
-            <a:endParaRPr lang="en-US" altLang="ko-KR" sz="4000" dirty="0">
-              <a:solidFill>
-                <a:schemeClr val="tx1">
-                  <a:lumMod val="50000"/>
-                  <a:lumOff val="50000"/>
-                </a:schemeClr>
-              </a:solidFill>
-              <a:latin typeface="G마켓 산스 Medium" panose="02000000000000000000" pitchFamily="50" charset="-127"/>
-              <a:ea typeface="G마켓 산스 Medium" panose="02000000000000000000" pitchFamily="50" charset="-127"/>
-            </a:endParaRPr>
-          </a:p>
-        </p:txBody>
-      </p:sp>
-      <p:pic>
-        <p:nvPicPr>
-          <p:cNvPr id="9" name="그림 8"/>
-          <p:cNvPicPr>
-            <a:picLocks noChangeAspect="1"/>
-          </p:cNvPicPr>
-          <p:nvPr/>
-        </p:nvPicPr>
-        <p:blipFill>
-          <a:blip r:embed="rId3"/>
-          <a:stretch>
-            <a:fillRect/>
-          </a:stretch>
-        </p:blipFill>
-        <p:spPr>
-          <a:xfrm>
-            <a:off x="8915400" y="2413479"/>
-            <a:ext cx="8371010" cy="714375"/>
-          </a:xfrm>
-          <a:prstGeom prst="rect">
-            <a:avLst/>
-          </a:prstGeom>
-        </p:spPr>
-      </p:pic>
-      <p:pic>
-        <p:nvPicPr>
-          <p:cNvPr id="10" name="그림 9"/>
-          <p:cNvPicPr>
-            <a:picLocks noChangeAspect="1"/>
-          </p:cNvPicPr>
-          <p:nvPr/>
-        </p:nvPicPr>
-        <p:blipFill>
-          <a:blip r:embed="rId4"/>
-          <a:stretch>
-            <a:fillRect/>
-          </a:stretch>
-        </p:blipFill>
-        <p:spPr>
-          <a:xfrm>
-            <a:off x="8922433" y="3432654"/>
-            <a:ext cx="8901113" cy="533400"/>
-          </a:xfrm>
-          <a:prstGeom prst="rect">
-            <a:avLst/>
-          </a:prstGeom>
-        </p:spPr>
-      </p:pic>
-      <p:pic>
-        <p:nvPicPr>
-          <p:cNvPr id="11" name="그림 10"/>
-          <p:cNvPicPr>
-            <a:picLocks noChangeAspect="1"/>
-          </p:cNvPicPr>
-          <p:nvPr/>
-        </p:nvPicPr>
-        <p:blipFill>
-          <a:blip r:embed="rId5"/>
-          <a:stretch>
-            <a:fillRect/>
-          </a:stretch>
-        </p:blipFill>
-        <p:spPr>
-          <a:xfrm>
-            <a:off x="8968856" y="4169070"/>
-            <a:ext cx="8854208" cy="2159184"/>
-          </a:xfrm>
-          <a:prstGeom prst="rect">
-            <a:avLst/>
-          </a:prstGeom>
-        </p:spPr>
-      </p:pic>
-      <p:cxnSp>
-        <p:nvCxnSpPr>
-          <p:cNvPr id="12" name="직선 화살표 연결선 11">
-            <a:extLst>
-              <a:ext uri="{FF2B5EF4-FFF2-40B4-BE49-F238E27FC236}">
-                <a16:creationId xmlns:a16="http://schemas.microsoft.com/office/drawing/2014/main" xmlns="" id="{299DF5EC-9DF4-5255-06AC-0A7CE4FF58C3}"/>
-              </a:ext>
-            </a:extLst>
-          </p:cNvPr>
-          <p:cNvCxnSpPr>
-            <a:cxnSpLocks/>
-          </p:cNvCxnSpPr>
-          <p:nvPr/>
-        </p:nvCxnSpPr>
-        <p:spPr>
-          <a:xfrm flipH="1">
-            <a:off x="13792200" y="5185254"/>
-            <a:ext cx="2590800" cy="1423228"/>
-          </a:xfrm>
-          <a:prstGeom prst="straightConnector1">
-            <a:avLst/>
-          </a:prstGeom>
-          <a:ln w="38100">
-            <a:tailEnd type="triangle"/>
-          </a:ln>
-        </p:spPr>
-        <p:style>
-          <a:lnRef idx="1">
-            <a:schemeClr val="accent2"/>
-          </a:lnRef>
-          <a:fillRef idx="0">
-            <a:schemeClr val="accent2"/>
-          </a:fillRef>
-          <a:effectRef idx="0">
-            <a:schemeClr val="accent2"/>
-          </a:effectRef>
-          <a:fontRef idx="minor">
-            <a:schemeClr val="tx1"/>
-          </a:fontRef>
-        </p:style>
-      </p:cxnSp>
-      <p:sp>
-        <p:nvSpPr>
-          <p:cNvPr id="13" name="TextBox 12">
-            <a:extLst>
-              <a:ext uri="{FF2B5EF4-FFF2-40B4-BE49-F238E27FC236}">
-                <a16:creationId xmlns:a16="http://schemas.microsoft.com/office/drawing/2014/main" xmlns="" id="{C6D113C6-EA5C-788F-0C77-E7CE6EBB865F}"/>
-              </a:ext>
-            </a:extLst>
-          </p:cNvPr>
-          <p:cNvSpPr txBox="1"/>
-          <p:nvPr/>
-        </p:nvSpPr>
-        <p:spPr>
-          <a:xfrm>
-            <a:off x="9448800" y="6791861"/>
-            <a:ext cx="7837610" cy="1323439"/>
-          </a:xfrm>
-          <a:prstGeom prst="rect">
-            <a:avLst/>
-          </a:prstGeom>
-          <a:noFill/>
-        </p:spPr>
-        <p:txBody>
-          <a:bodyPr wrap="square" rtlCol="0">
-            <a:spAutoFit/>
-          </a:bodyPr>
-          <a:lstStyle/>
-          <a:p>
-            <a:r>
-              <a:rPr lang="ko-KR" altLang="en-US" sz="4000" smtClean="0">
-                <a:solidFill>
-                  <a:srgbClr val="FF0000"/>
-                </a:solidFill>
-                <a:latin typeface="G마켓 산스 Medium" panose="02000000000000000000" pitchFamily="50" charset="-127"/>
-                <a:ea typeface="G마켓 산스 Medium" panose="02000000000000000000" pitchFamily="50" charset="-127"/>
-              </a:rPr>
-              <a:t>파일 내용의 끝이 나올때까지 </a:t>
-            </a:r>
-            <a:r>
-              <a:rPr lang="en-US" altLang="ko-KR" sz="4000" smtClean="0">
-                <a:solidFill>
-                  <a:srgbClr val="FF0000"/>
-                </a:solidFill>
-                <a:latin typeface="G마켓 산스 Medium" panose="02000000000000000000" pitchFamily="50" charset="-127"/>
-                <a:ea typeface="G마켓 산스 Medium" panose="02000000000000000000" pitchFamily="50" charset="-127"/>
-              </a:rPr>
-              <a:t>1</a:t>
-            </a:r>
-            <a:r>
-              <a:rPr lang="ko-KR" altLang="en-US" sz="4000" smtClean="0">
-                <a:solidFill>
-                  <a:srgbClr val="FF0000"/>
-                </a:solidFill>
-                <a:latin typeface="G마켓 산스 Medium" panose="02000000000000000000" pitchFamily="50" charset="-127"/>
-                <a:ea typeface="G마켓 산스 Medium" panose="02000000000000000000" pitchFamily="50" charset="-127"/>
-              </a:rPr>
-              <a:t>글자씩 가져온다</a:t>
-            </a:r>
-            <a:endParaRPr lang="en-US" altLang="ko-KR" sz="4000" dirty="0">
-              <a:solidFill>
-                <a:srgbClr val="FF0000"/>
-              </a:solidFill>
-              <a:latin typeface="G마켓 산스 Medium" panose="02000000000000000000" pitchFamily="50" charset="-127"/>
-              <a:ea typeface="G마켓 산스 Medium" panose="02000000000000000000" pitchFamily="50" charset="-127"/>
-            </a:endParaRPr>
-          </a:p>
-        </p:txBody>
-      </p:sp>
-      <p:sp>
-        <p:nvSpPr>
-          <p:cNvPr id="16" name="TextBox 15">
-            <a:extLst>
-              <a:ext uri="{FF2B5EF4-FFF2-40B4-BE49-F238E27FC236}">
-                <a16:creationId xmlns:a16="http://schemas.microsoft.com/office/drawing/2014/main" xmlns="" id="{A2AD056B-97A4-5BCC-4460-250160F3E171}"/>
-              </a:ext>
-            </a:extLst>
-          </p:cNvPr>
-          <p:cNvSpPr txBox="1"/>
-          <p:nvPr/>
-        </p:nvSpPr>
-        <p:spPr>
-          <a:xfrm>
-            <a:off x="761999" y="979352"/>
-            <a:ext cx="16413713" cy="646331"/>
-          </a:xfrm>
-          <a:prstGeom prst="rect">
-            <a:avLst/>
-          </a:prstGeom>
-          <a:noFill/>
-        </p:spPr>
-        <p:txBody>
-          <a:bodyPr wrap="square" rtlCol="0">
-            <a:spAutoFit/>
-          </a:bodyPr>
-          <a:lstStyle/>
-          <a:p>
-            <a:r>
-              <a:rPr lang="en-US" altLang="ko-KR" sz="3600" smtClean="0">
-                <a:solidFill>
-                  <a:schemeClr val="tx1">
-                    <a:lumMod val="50000"/>
-                    <a:lumOff val="50000"/>
-                  </a:schemeClr>
-                </a:solidFill>
-                <a:latin typeface="G마켓 산스 Medium" panose="02000000000000000000" pitchFamily="50" charset="-127"/>
-                <a:ea typeface="G마켓 산스 Medium" panose="02000000000000000000" pitchFamily="50" charset="-127"/>
-              </a:rPr>
-              <a:t>FileReader </a:t>
-            </a:r>
-            <a:r>
-              <a:rPr lang="ko-KR" altLang="en-US" sz="3600" smtClean="0">
-                <a:solidFill>
-                  <a:schemeClr val="tx1">
-                    <a:lumMod val="50000"/>
-                    <a:lumOff val="50000"/>
-                  </a:schemeClr>
-                </a:solidFill>
-                <a:latin typeface="G마켓 산스 Medium" panose="02000000000000000000" pitchFamily="50" charset="-127"/>
-                <a:ea typeface="G마켓 산스 Medium" panose="02000000000000000000" pitchFamily="50" charset="-127"/>
-              </a:rPr>
-              <a:t>객체는 다 사용하였다면 </a:t>
-            </a:r>
-            <a:r>
-              <a:rPr lang="en-US" altLang="ko-KR" sz="3600" smtClean="0">
-                <a:solidFill>
-                  <a:schemeClr val="tx1">
-                    <a:lumMod val="50000"/>
-                    <a:lumOff val="50000"/>
-                  </a:schemeClr>
-                </a:solidFill>
-                <a:latin typeface="G마켓 산스 Medium" panose="02000000000000000000" pitchFamily="50" charset="-127"/>
-                <a:ea typeface="G마켓 산스 Medium" panose="02000000000000000000" pitchFamily="50" charset="-127"/>
-              </a:rPr>
-              <a:t>close() </a:t>
-            </a:r>
-            <a:r>
-              <a:rPr lang="ko-KR" altLang="en-US" sz="3600" smtClean="0">
-                <a:solidFill>
-                  <a:schemeClr val="tx1">
-                    <a:lumMod val="50000"/>
-                    <a:lumOff val="50000"/>
-                  </a:schemeClr>
-                </a:solidFill>
-                <a:latin typeface="G마켓 산스 Medium" panose="02000000000000000000" pitchFamily="50" charset="-127"/>
-                <a:ea typeface="G마켓 산스 Medium" panose="02000000000000000000" pitchFamily="50" charset="-127"/>
-              </a:rPr>
-              <a:t>메서드를 이용하여 닫아 줘야한다</a:t>
-            </a:r>
-            <a:r>
-              <a:rPr lang="en-US" altLang="ko-KR" sz="3600" smtClean="0">
-                <a:solidFill>
-                  <a:schemeClr val="tx1">
-                    <a:lumMod val="50000"/>
-                    <a:lumOff val="50000"/>
-                  </a:schemeClr>
-                </a:solidFill>
-                <a:latin typeface="G마켓 산스 Medium" panose="02000000000000000000" pitchFamily="50" charset="-127"/>
-                <a:ea typeface="G마켓 산스 Medium" panose="02000000000000000000" pitchFamily="50" charset="-127"/>
-              </a:rPr>
-              <a:t>.</a:t>
-            </a:r>
-            <a:endParaRPr lang="en-US" altLang="ko-KR" sz="3600" dirty="0">
-              <a:solidFill>
-                <a:schemeClr val="tx1">
-                  <a:lumMod val="50000"/>
-                  <a:lumOff val="50000"/>
-                </a:schemeClr>
-              </a:solidFill>
-              <a:latin typeface="G마켓 산스 Medium" panose="02000000000000000000" pitchFamily="50" charset="-127"/>
-              <a:ea typeface="G마켓 산스 Medium" panose="02000000000000000000" pitchFamily="50" charset="-127"/>
-            </a:endParaRPr>
-          </a:p>
-        </p:txBody>
-      </p:sp>
-    </p:spTree>
-    <p:extLst>
-      <p:ext uri="{BB962C8B-B14F-4D97-AF65-F5344CB8AC3E}">
-        <p14:creationId xmlns:p14="http://schemas.microsoft.com/office/powerpoint/2010/main" val="56378941"/>
-      </p:ext>
-    </p:extLst>
-  </p:cSld>
-  <p:clrMapOvr>
-    <a:masterClrMapping/>
-  </p:clrMapOvr>
-  <p:timing>
-    <p:tnLst>
-      <p:par>
-        <p:cTn id="1" dur="indefinite" restart="never" nodeType="tmRoot"/>
-      </p:par>
-    </p:tnLst>
-  </p:timing>
-</p:sld>
-</file>
-
-<file path=ppt/slides/slide49.xml><?xml version="1.0" encoding="utf-8"?>
-<p:sld xmlns:a="http://schemas.openxmlformats.org/drawingml/2006/main" xmlns:r="http://schemas.openxmlformats.org/officeDocument/2006/relationships" xmlns:p="http://schemas.openxmlformats.org/presentationml/2006/main">
-  <p:cSld>
-    <p:spTree>
-      <p:nvGrpSpPr>
-        <p:cNvPr id="1" name=""/>
-        <p:cNvGrpSpPr/>
-        <p:nvPr/>
-      </p:nvGrpSpPr>
-      <p:grpSpPr>
-        <a:xfrm>
-          <a:off x="0" y="0"/>
-          <a:ext cx="0" cy="0"/>
-          <a:chOff x="0" y="0"/>
-          <a:chExt cx="0" cy="0"/>
-        </a:xfrm>
-      </p:grpSpPr>
-      <p:pic>
-        <p:nvPicPr>
-          <p:cNvPr id="4" name="그림 3"/>
-          <p:cNvPicPr>
-            <a:picLocks noChangeAspect="1"/>
-          </p:cNvPicPr>
-          <p:nvPr/>
-        </p:nvPicPr>
-        <p:blipFill>
-          <a:blip r:embed="rId2"/>
-          <a:stretch>
-            <a:fillRect/>
-          </a:stretch>
-        </p:blipFill>
-        <p:spPr>
-          <a:xfrm>
-            <a:off x="8610600" y="582832"/>
-            <a:ext cx="9561649" cy="6389467"/>
-          </a:xfrm>
-          <a:prstGeom prst="rect">
-            <a:avLst/>
-          </a:prstGeom>
-        </p:spPr>
-      </p:pic>
-      <p:pic>
-        <p:nvPicPr>
-          <p:cNvPr id="5" name="그림 4"/>
-          <p:cNvPicPr>
-            <a:picLocks noChangeAspect="1"/>
-          </p:cNvPicPr>
-          <p:nvPr/>
-        </p:nvPicPr>
-        <p:blipFill>
-          <a:blip r:embed="rId3"/>
-          <a:stretch>
-            <a:fillRect/>
-          </a:stretch>
-        </p:blipFill>
-        <p:spPr>
-          <a:xfrm>
-            <a:off x="228600" y="571500"/>
-            <a:ext cx="7967003" cy="8333157"/>
-          </a:xfrm>
-          <a:prstGeom prst="rect">
-            <a:avLst/>
-          </a:prstGeom>
-        </p:spPr>
-      </p:pic>
-      <p:pic>
-        <p:nvPicPr>
-          <p:cNvPr id="6" name="그림 5"/>
-          <p:cNvPicPr>
-            <a:picLocks noChangeAspect="1"/>
-          </p:cNvPicPr>
-          <p:nvPr/>
-        </p:nvPicPr>
-        <p:blipFill>
-          <a:blip r:embed="rId4">
-            <a:extLst>
-              <a:ext uri="{BEBA8EAE-BF5A-486C-A8C5-ECC9F3942E4B}">
-                <a14:imgProps xmlns:a14="http://schemas.microsoft.com/office/drawing/2010/main">
-                  <a14:imgLayer r:embed="rId5">
-                    <a14:imgEffect>
-                      <a14:artisticGlass/>
-                    </a14:imgEffect>
-                  </a14:imgLayer>
-                </a14:imgProps>
-              </a:ext>
-            </a:extLst>
-          </a:blip>
-          <a:stretch>
-            <a:fillRect/>
-          </a:stretch>
-        </p:blipFill>
-        <p:spPr>
-          <a:xfrm>
-            <a:off x="228600" y="571500"/>
-            <a:ext cx="7967003" cy="8333157"/>
-          </a:xfrm>
-          <a:prstGeom prst="rect">
-            <a:avLst/>
-          </a:prstGeom>
-        </p:spPr>
-      </p:pic>
-      <p:pic>
-        <p:nvPicPr>
-          <p:cNvPr id="7" name="그림 6"/>
-          <p:cNvPicPr>
-            <a:picLocks noChangeAspect="1"/>
-          </p:cNvPicPr>
-          <p:nvPr/>
-        </p:nvPicPr>
-        <p:blipFill>
-          <a:blip r:embed="rId6">
-            <a:extLst>
-              <a:ext uri="{BEBA8EAE-BF5A-486C-A8C5-ECC9F3942E4B}">
-                <a14:imgProps xmlns:a14="http://schemas.microsoft.com/office/drawing/2010/main">
-                  <a14:imgLayer r:embed="rId7">
-                    <a14:imgEffect>
-                      <a14:artisticBlur radius="18"/>
-                    </a14:imgEffect>
-                  </a14:imgLayer>
-                </a14:imgProps>
-              </a:ext>
-            </a:extLst>
-          </a:blip>
-          <a:stretch>
-            <a:fillRect/>
-          </a:stretch>
-        </p:blipFill>
-        <p:spPr>
-          <a:xfrm>
-            <a:off x="8610600" y="571500"/>
-            <a:ext cx="9561649" cy="6389467"/>
-          </a:xfrm>
-          <a:prstGeom prst="rect">
-            <a:avLst/>
-          </a:prstGeom>
-        </p:spPr>
-      </p:pic>
-    </p:spTree>
-    <p:extLst>
-      <p:ext uri="{BB962C8B-B14F-4D97-AF65-F5344CB8AC3E}">
-        <p14:creationId xmlns:p14="http://schemas.microsoft.com/office/powerpoint/2010/main" val="2372155722"/>
-      </p:ext>
-    </p:extLst>
-  </p:cSld>
-  <p:clrMapOvr>
-    <a:masterClrMapping/>
-  </p:clrMapOvr>
-  <p:timing>
-    <p:tnLst>
-      <p:par>
-        <p:cTn id="1" dur="indefinite" restart="never" nodeType="tmRoot">
-          <p:childTnLst>
-            <p:seq concurrent="1" nextAc="seek">
-              <p:cTn id="2" dur="indefinite" nodeType="mainSeq">
-                <p:childTnLst>
-                  <p:par>
-                    <p:cTn id="3" fill="hold">
-                      <p:stCondLst>
-                        <p:cond delay="indefinite"/>
-                      </p:stCondLst>
-                      <p:childTnLst>
-                        <p:par>
-                          <p:cTn id="4" fill="hold">
-                            <p:stCondLst>
-                              <p:cond delay="0"/>
-                            </p:stCondLst>
-                            <p:childTnLst>
-                              <p:par>
-                                <p:cTn id="5" presetID="1" presetClass="exit" presetSubtype="0" fill="hold" nodeType="clickEffect">
-                                  <p:stCondLst>
-                                    <p:cond delay="0"/>
-                                  </p:stCondLst>
-                                  <p:childTnLst>
-                                    <p:set>
-                                      <p:cBhvr>
-                                        <p:cTn id="6" dur="1" fill="hold">
-                                          <p:stCondLst>
-                                            <p:cond delay="0"/>
-                                          </p:stCondLst>
-                                        </p:cTn>
-                                        <p:tgtEl>
-                                          <p:spTgt spid="6"/>
-                                        </p:tgtEl>
-                                        <p:attrNameLst>
-                                          <p:attrName>style.visibility</p:attrName>
-                                        </p:attrNameLst>
-                                      </p:cBhvr>
-                                      <p:to>
-                                        <p:strVal val="hidden"/>
-                                      </p:to>
-                                    </p:set>
-                                  </p:childTnLst>
-                                </p:cTn>
-                              </p:par>
-                            </p:childTnLst>
-                          </p:cTn>
-                        </p:par>
-                      </p:childTnLst>
-                    </p:cTn>
-                  </p:par>
-                  <p:par>
-                    <p:cTn id="7" fill="hold">
-                      <p:stCondLst>
-                        <p:cond delay="indefinite"/>
-                      </p:stCondLst>
-                      <p:childTnLst>
-                        <p:par>
-                          <p:cTn id="8" fill="hold">
-                            <p:stCondLst>
-                              <p:cond delay="0"/>
-                            </p:stCondLst>
-                            <p:childTnLst>
-                              <p:par>
-                                <p:cTn id="9" presetID="1" presetClass="exit" presetSubtype="0" fill="hold" nodeType="clickEffect">
-                                  <p:stCondLst>
-                                    <p:cond delay="0"/>
-                                  </p:stCondLst>
-                                  <p:childTnLst>
-                                    <p:set>
-                                      <p:cBhvr>
-                                        <p:cTn id="10" dur="1" fill="hold">
-                                          <p:stCondLst>
-                                            <p:cond delay="0"/>
-                                          </p:stCondLst>
-                                        </p:cTn>
-                                        <p:tgtEl>
-                                          <p:spTgt spid="7"/>
-                                        </p:tgtEl>
-                                        <p:attrNameLst>
-                                          <p:attrName>style.visibility</p:attrName>
-                                        </p:attrNameLst>
-                                      </p:cBhvr>
-                                      <p:to>
-                                        <p:strVal val="hidden"/>
                                       </p:to>
                                     </p:set>
                                   </p:childTnLst>
@@ -20314,8 +20796,8 @@
         </p:nvSpPr>
         <p:spPr>
           <a:xfrm>
-            <a:off x="3962400" y="4130814"/>
-            <a:ext cx="1927819" cy="830997"/>
+            <a:off x="3310516" y="4042454"/>
+            <a:ext cx="2667000" cy="830997"/>
           </a:xfrm>
           <a:prstGeom prst="rect">
             <a:avLst/>
@@ -20329,7 +20811,7 @@
           <a:lstStyle/>
           <a:p>
             <a:r>
-              <a:rPr lang="en-US" altLang="ko-KR" sz="4800">
+              <a:rPr lang="en-US" altLang="ko-KR" sz="4800" dirty="0">
                 <a:solidFill>
                   <a:schemeClr val="tx1">
                     <a:lumMod val="50000"/>
@@ -20341,16 +20823,6 @@
               </a:rPr>
               <a:t>.java</a:t>
             </a:r>
-            <a:endParaRPr lang="en-US" altLang="ko-KR" sz="4800" dirty="0">
-              <a:solidFill>
-                <a:schemeClr val="tx1">
-                  <a:lumMod val="50000"/>
-                  <a:lumOff val="50000"/>
-                </a:schemeClr>
-              </a:solidFill>
-              <a:latin typeface="G마켓 산스 Medium" panose="02000000000000000000" pitchFamily="50" charset="-127"/>
-              <a:ea typeface="G마켓 산스 Medium" panose="02000000000000000000" pitchFamily="50" charset="-127"/>
-            </a:endParaRPr>
           </a:p>
         </p:txBody>
       </p:sp>
@@ -20416,7 +20888,7 @@
         </p:nvSpPr>
         <p:spPr>
           <a:xfrm>
-            <a:off x="7620000" y="4130814"/>
+            <a:off x="7586662" y="4030905"/>
             <a:ext cx="2514600" cy="830997"/>
           </a:xfrm>
           <a:prstGeom prst="rect">
@@ -20431,7 +20903,7 @@
           <a:lstStyle/>
           <a:p>
             <a:r>
-              <a:rPr lang="en-US" altLang="ko-KR" sz="4800">
+              <a:rPr lang="en-US" altLang="ko-KR" sz="4800" dirty="0">
                 <a:solidFill>
                   <a:schemeClr val="tx1">
                     <a:lumMod val="50000"/>
@@ -20443,16 +20915,6 @@
               </a:rPr>
               <a:t>.class</a:t>
             </a:r>
-            <a:endParaRPr lang="en-US" altLang="ko-KR" sz="4800" dirty="0">
-              <a:solidFill>
-                <a:schemeClr val="tx1">
-                  <a:lumMod val="50000"/>
-                  <a:lumOff val="50000"/>
-                </a:schemeClr>
-              </a:solidFill>
-              <a:latin typeface="G마켓 산스 Medium" panose="02000000000000000000" pitchFamily="50" charset="-127"/>
-              <a:ea typeface="G마켓 산스 Medium" panose="02000000000000000000" pitchFamily="50" charset="-127"/>
-            </a:endParaRPr>
           </a:p>
         </p:txBody>
       </p:sp>
@@ -20952,6 +21414,1120 @@
 
 <file path=ppt/slides/slide50.xml><?xml version="1.0" encoding="utf-8"?>
 <p:sld xmlns:a="http://schemas.openxmlformats.org/drawingml/2006/main" xmlns:r="http://schemas.openxmlformats.org/officeDocument/2006/relationships" xmlns:p="http://schemas.openxmlformats.org/presentationml/2006/main">
+  <p:cSld>
+    <p:spTree>
+      <p:nvGrpSpPr>
+        <p:cNvPr id="1" name=""/>
+        <p:cNvGrpSpPr/>
+        <p:nvPr/>
+      </p:nvGrpSpPr>
+      <p:grpSpPr>
+        <a:xfrm>
+          <a:off x="0" y="0"/>
+          <a:ext cx="0" cy="0"/>
+          <a:chOff x="0" y="0"/>
+          <a:chExt cx="0" cy="0"/>
+        </a:xfrm>
+      </p:grpSpPr>
+      <p:sp>
+        <p:nvSpPr>
+          <p:cNvPr id="4" name="TextBox 3">
+            <a:extLst>
+              <a:ext uri="{FF2B5EF4-FFF2-40B4-BE49-F238E27FC236}">
+                <a16:creationId xmlns="" xmlns:a16="http://schemas.microsoft.com/office/drawing/2014/main" id="{2FFEA572-0493-CB52-6BE5-4BCEFE8076B6}"/>
+              </a:ext>
+            </a:extLst>
+          </p:cNvPr>
+          <p:cNvSpPr txBox="1"/>
+          <p:nvPr/>
+        </p:nvSpPr>
+        <p:spPr>
+          <a:xfrm>
+            <a:off x="581025" y="190500"/>
+            <a:ext cx="16459200" cy="1323439"/>
+          </a:xfrm>
+          <a:prstGeom prst="rect">
+            <a:avLst/>
+          </a:prstGeom>
+          <a:noFill/>
+        </p:spPr>
+        <p:txBody>
+          <a:bodyPr wrap="square" rtlCol="0">
+            <a:spAutoFit/>
+          </a:bodyPr>
+          <a:lstStyle/>
+          <a:p>
+            <a:r>
+              <a:rPr lang="en-US" altLang="ko-KR" sz="4000" dirty="0">
+                <a:solidFill>
+                  <a:srgbClr val="4C50BB"/>
+                </a:solidFill>
+                <a:latin typeface="G마켓 산스 Medium" panose="02000000000000000000" pitchFamily="50" charset="-127"/>
+                <a:ea typeface="G마켓 산스 Medium" panose="02000000000000000000" pitchFamily="50" charset="-127"/>
+              </a:rPr>
+              <a:t>2</a:t>
+            </a:r>
+            <a:r>
+              <a:rPr lang="en-US" altLang="ko-KR" sz="4000" dirty="0" smtClean="0">
+                <a:solidFill>
+                  <a:srgbClr val="4C50BB"/>
+                </a:solidFill>
+                <a:latin typeface="G마켓 산스 Medium" panose="02000000000000000000" pitchFamily="50" charset="-127"/>
+                <a:ea typeface="G마켓 산스 Medium" panose="02000000000000000000" pitchFamily="50" charset="-127"/>
+              </a:rPr>
+              <a:t>. </a:t>
+            </a:r>
+            <a:r>
+              <a:rPr lang="ko-KR" altLang="en-US" sz="4000" dirty="0" smtClean="0">
+                <a:solidFill>
+                  <a:srgbClr val="4C50BB"/>
+                </a:solidFill>
+                <a:latin typeface="G마켓 산스 Medium" panose="02000000000000000000" pitchFamily="50" charset="-127"/>
+                <a:ea typeface="G마켓 산스 Medium" panose="02000000000000000000" pitchFamily="50" charset="-127"/>
+              </a:rPr>
+              <a:t>아래의 코드는 에러가 발생한다</a:t>
+            </a:r>
+            <a:r>
+              <a:rPr lang="en-US" altLang="ko-KR" sz="4000" dirty="0" smtClean="0">
+                <a:solidFill>
+                  <a:srgbClr val="4C50BB"/>
+                </a:solidFill>
+                <a:latin typeface="G마켓 산스 Medium" panose="02000000000000000000" pitchFamily="50" charset="-127"/>
+                <a:ea typeface="G마켓 산스 Medium" panose="02000000000000000000" pitchFamily="50" charset="-127"/>
+              </a:rPr>
+              <a:t>. </a:t>
+            </a:r>
+            <a:r>
+              <a:rPr lang="ko-KR" altLang="en-US" sz="4000" dirty="0" smtClean="0">
+                <a:solidFill>
+                  <a:srgbClr val="4C50BB"/>
+                </a:solidFill>
+                <a:latin typeface="G마켓 산스 Medium" panose="02000000000000000000" pitchFamily="50" charset="-127"/>
+                <a:ea typeface="G마켓 산스 Medium" panose="02000000000000000000" pitchFamily="50" charset="-127"/>
+              </a:rPr>
+              <a:t>왜 그런지 생각해보고 수정을 해보자</a:t>
+            </a:r>
+            <a:endParaRPr lang="en-US" altLang="ko-KR" sz="3600" dirty="0">
+              <a:solidFill>
+                <a:schemeClr val="tx1">
+                  <a:lumMod val="50000"/>
+                  <a:lumOff val="50000"/>
+                </a:schemeClr>
+              </a:solidFill>
+              <a:latin typeface="G마켓 산스 Medium" panose="02000000000000000000" pitchFamily="50" charset="-127"/>
+              <a:ea typeface="G마켓 산스 Medium" panose="02000000000000000000" pitchFamily="50" charset="-127"/>
+            </a:endParaRPr>
+          </a:p>
+        </p:txBody>
+      </p:sp>
+      <p:pic>
+        <p:nvPicPr>
+          <p:cNvPr id="5" name="그림 4"/>
+          <p:cNvPicPr>
+            <a:picLocks noChangeAspect="1"/>
+          </p:cNvPicPr>
+          <p:nvPr/>
+        </p:nvPicPr>
+        <p:blipFill>
+          <a:blip r:embed="rId2"/>
+          <a:stretch>
+            <a:fillRect/>
+          </a:stretch>
+        </p:blipFill>
+        <p:spPr>
+          <a:xfrm>
+            <a:off x="609600" y="2019300"/>
+            <a:ext cx="9296400" cy="8114342"/>
+          </a:xfrm>
+          <a:prstGeom prst="rect">
+            <a:avLst/>
+          </a:prstGeom>
+        </p:spPr>
+      </p:pic>
+      <p:pic>
+        <p:nvPicPr>
+          <p:cNvPr id="6" name="그림 5"/>
+          <p:cNvPicPr>
+            <a:picLocks noChangeAspect="1"/>
+          </p:cNvPicPr>
+          <p:nvPr/>
+        </p:nvPicPr>
+        <p:blipFill>
+          <a:blip r:embed="rId3"/>
+          <a:stretch>
+            <a:fillRect/>
+          </a:stretch>
+        </p:blipFill>
+        <p:spPr>
+          <a:xfrm>
+            <a:off x="10302926" y="2019300"/>
+            <a:ext cx="7223074" cy="4191000"/>
+          </a:xfrm>
+          <a:prstGeom prst="rect">
+            <a:avLst/>
+          </a:prstGeom>
+        </p:spPr>
+      </p:pic>
+    </p:spTree>
+    <p:extLst>
+      <p:ext uri="{BB962C8B-B14F-4D97-AF65-F5344CB8AC3E}">
+        <p14:creationId xmlns:p14="http://schemas.microsoft.com/office/powerpoint/2010/main" val="4121545142"/>
+      </p:ext>
+    </p:extLst>
+  </p:cSld>
+  <p:clrMapOvr>
+    <a:masterClrMapping/>
+  </p:clrMapOvr>
+  <p:timing>
+    <p:tnLst>
+      <p:par>
+        <p:cTn id="1" dur="indefinite" restart="never" nodeType="tmRoot"/>
+      </p:par>
+    </p:tnLst>
+  </p:timing>
+</p:sld>
+</file>
+
+<file path=ppt/slides/slide51.xml><?xml version="1.0" encoding="utf-8"?>
+<p:sld xmlns:a="http://schemas.openxmlformats.org/drawingml/2006/main" xmlns:r="http://schemas.openxmlformats.org/officeDocument/2006/relationships" xmlns:p="http://schemas.openxmlformats.org/presentationml/2006/main">
+  <p:cSld>
+    <p:spTree>
+      <p:nvGrpSpPr>
+        <p:cNvPr id="1" name=""/>
+        <p:cNvGrpSpPr/>
+        <p:nvPr/>
+      </p:nvGrpSpPr>
+      <p:grpSpPr>
+        <a:xfrm>
+          <a:off x="0" y="0"/>
+          <a:ext cx="0" cy="0"/>
+          <a:chOff x="0" y="0"/>
+          <a:chExt cx="0" cy="0"/>
+        </a:xfrm>
+      </p:grpSpPr>
+      <p:sp>
+        <p:nvSpPr>
+          <p:cNvPr id="4" name="TextBox 3">
+            <a:extLst>
+              <a:ext uri="{FF2B5EF4-FFF2-40B4-BE49-F238E27FC236}">
+                <a16:creationId xmlns="" xmlns:a16="http://schemas.microsoft.com/office/drawing/2014/main" id="{2FFEA572-0493-CB52-6BE5-4BCEFE8076B6}"/>
+              </a:ext>
+            </a:extLst>
+          </p:cNvPr>
+          <p:cNvSpPr txBox="1"/>
+          <p:nvPr/>
+        </p:nvSpPr>
+        <p:spPr>
+          <a:xfrm>
+            <a:off x="457200" y="167482"/>
+            <a:ext cx="13106400" cy="707886"/>
+          </a:xfrm>
+          <a:prstGeom prst="rect">
+            <a:avLst/>
+          </a:prstGeom>
+          <a:noFill/>
+        </p:spPr>
+        <p:txBody>
+          <a:bodyPr wrap="square" rtlCol="0">
+            <a:spAutoFit/>
+          </a:bodyPr>
+          <a:lstStyle/>
+          <a:p>
+            <a:r>
+              <a:rPr lang="en-US" altLang="ko-KR" sz="4000" smtClean="0">
+                <a:solidFill>
+                  <a:srgbClr val="4C50BB"/>
+                </a:solidFill>
+                <a:latin typeface="G마켓 산스 Medium" panose="02000000000000000000" pitchFamily="50" charset="-127"/>
+                <a:ea typeface="G마켓 산스 Medium" panose="02000000000000000000" pitchFamily="50" charset="-127"/>
+              </a:rPr>
+              <a:t>3. test.txt </a:t>
+            </a:r>
+            <a:r>
+              <a:rPr lang="ko-KR" altLang="en-US" sz="4000" smtClean="0">
+                <a:solidFill>
+                  <a:srgbClr val="4C50BB"/>
+                </a:solidFill>
+                <a:latin typeface="G마켓 산스 Medium" panose="02000000000000000000" pitchFamily="50" charset="-127"/>
+                <a:ea typeface="G마켓 산스 Medium" panose="02000000000000000000" pitchFamily="50" charset="-127"/>
+              </a:rPr>
+              <a:t>파일을 읽어서 콘솔화면에 출력해보자</a:t>
+            </a:r>
+            <a:r>
+              <a:rPr lang="en-US" altLang="ko-KR" sz="4000" smtClean="0">
+                <a:solidFill>
+                  <a:srgbClr val="4C50BB"/>
+                </a:solidFill>
+                <a:latin typeface="G마켓 산스 Medium" panose="02000000000000000000" pitchFamily="50" charset="-127"/>
+                <a:ea typeface="G마켓 산스 Medium" panose="02000000000000000000" pitchFamily="50" charset="-127"/>
+              </a:rPr>
+              <a:t>.</a:t>
+            </a:r>
+            <a:endParaRPr lang="en-US" altLang="ko-KR" sz="3600" dirty="0">
+              <a:solidFill>
+                <a:schemeClr val="tx1">
+                  <a:lumMod val="50000"/>
+                  <a:lumOff val="50000"/>
+                </a:schemeClr>
+              </a:solidFill>
+              <a:latin typeface="G마켓 산스 Medium" panose="02000000000000000000" pitchFamily="50" charset="-127"/>
+              <a:ea typeface="G마켓 산스 Medium" panose="02000000000000000000" pitchFamily="50" charset="-127"/>
+            </a:endParaRPr>
+          </a:p>
+        </p:txBody>
+      </p:sp>
+      <p:pic>
+        <p:nvPicPr>
+          <p:cNvPr id="5" name="그림 4"/>
+          <p:cNvPicPr>
+            <a:picLocks noChangeAspect="1"/>
+          </p:cNvPicPr>
+          <p:nvPr/>
+        </p:nvPicPr>
+        <p:blipFill>
+          <a:blip r:embed="rId2"/>
+          <a:stretch>
+            <a:fillRect/>
+          </a:stretch>
+        </p:blipFill>
+        <p:spPr>
+          <a:xfrm>
+            <a:off x="990600" y="3467100"/>
+            <a:ext cx="7452074" cy="4648200"/>
+          </a:xfrm>
+          <a:prstGeom prst="rect">
+            <a:avLst/>
+          </a:prstGeom>
+        </p:spPr>
+      </p:pic>
+      <p:sp>
+        <p:nvSpPr>
+          <p:cNvPr id="6" name="직사각형 5">
+            <a:extLst>
+              <a:ext uri="{FF2B5EF4-FFF2-40B4-BE49-F238E27FC236}">
+                <a16:creationId xmlns:a16="http://schemas.microsoft.com/office/drawing/2014/main" xmlns="" id="{FFF506F9-840A-0508-4CAF-3AC711D8D5CE}"/>
+              </a:ext>
+            </a:extLst>
+          </p:cNvPr>
+          <p:cNvSpPr/>
+          <p:nvPr/>
+        </p:nvSpPr>
+        <p:spPr>
+          <a:xfrm>
+            <a:off x="2124665" y="3695700"/>
+            <a:ext cx="1075735" cy="381000"/>
+          </a:xfrm>
+          <a:prstGeom prst="rect">
+            <a:avLst/>
+          </a:prstGeom>
+          <a:noFill/>
+          <a:ln>
+            <a:solidFill>
+              <a:srgbClr val="FF0000"/>
+            </a:solidFill>
+          </a:ln>
+        </p:spPr>
+        <p:style>
+          <a:lnRef idx="2">
+            <a:schemeClr val="accent2">
+              <a:shade val="50000"/>
+            </a:schemeClr>
+          </a:lnRef>
+          <a:fillRef idx="1">
+            <a:schemeClr val="accent2"/>
+          </a:fillRef>
+          <a:effectRef idx="0">
+            <a:schemeClr val="accent2"/>
+          </a:effectRef>
+          <a:fontRef idx="minor">
+            <a:schemeClr val="lt1"/>
+          </a:fontRef>
+        </p:style>
+        <p:txBody>
+          <a:bodyPr rtlCol="0" anchor="ctr"/>
+          <a:lstStyle/>
+          <a:p>
+            <a:pPr algn="ctr"/>
+            <a:endParaRPr lang="ko-KR" altLang="en-US"/>
+          </a:p>
+        </p:txBody>
+      </p:sp>
+      <p:sp>
+        <p:nvSpPr>
+          <p:cNvPr id="7" name="직사각형 6">
+            <a:extLst>
+              <a:ext uri="{FF2B5EF4-FFF2-40B4-BE49-F238E27FC236}">
+                <a16:creationId xmlns:a16="http://schemas.microsoft.com/office/drawing/2014/main" xmlns="" id="{FFF506F9-840A-0508-4CAF-3AC711D8D5CE}"/>
+              </a:ext>
+            </a:extLst>
+          </p:cNvPr>
+          <p:cNvSpPr/>
+          <p:nvPr/>
+        </p:nvSpPr>
+        <p:spPr>
+          <a:xfrm>
+            <a:off x="5867401" y="6819900"/>
+            <a:ext cx="914400" cy="381000"/>
+          </a:xfrm>
+          <a:prstGeom prst="rect">
+            <a:avLst/>
+          </a:prstGeom>
+          <a:noFill/>
+          <a:ln>
+            <a:solidFill>
+              <a:srgbClr val="FF0000"/>
+            </a:solidFill>
+          </a:ln>
+        </p:spPr>
+        <p:style>
+          <a:lnRef idx="2">
+            <a:schemeClr val="accent2">
+              <a:shade val="50000"/>
+            </a:schemeClr>
+          </a:lnRef>
+          <a:fillRef idx="1">
+            <a:schemeClr val="accent2"/>
+          </a:fillRef>
+          <a:effectRef idx="0">
+            <a:schemeClr val="accent2"/>
+          </a:effectRef>
+          <a:fontRef idx="minor">
+            <a:schemeClr val="lt1"/>
+          </a:fontRef>
+        </p:style>
+        <p:txBody>
+          <a:bodyPr rtlCol="0" anchor="ctr"/>
+          <a:lstStyle/>
+          <a:p>
+            <a:pPr algn="ctr"/>
+            <a:endParaRPr lang="ko-KR" altLang="en-US"/>
+          </a:p>
+        </p:txBody>
+      </p:sp>
+      <p:sp>
+        <p:nvSpPr>
+          <p:cNvPr id="8" name="TextBox 7">
+            <a:extLst>
+              <a:ext uri="{FF2B5EF4-FFF2-40B4-BE49-F238E27FC236}">
+                <a16:creationId xmlns:a16="http://schemas.microsoft.com/office/drawing/2014/main" xmlns="" id="{A2AD056B-97A4-5BCC-4460-250160F3E171}"/>
+              </a:ext>
+            </a:extLst>
+          </p:cNvPr>
+          <p:cNvSpPr txBox="1"/>
+          <p:nvPr/>
+        </p:nvSpPr>
+        <p:spPr>
+          <a:xfrm>
+            <a:off x="708543" y="1633579"/>
+            <a:ext cx="16413713" cy="707886"/>
+          </a:xfrm>
+          <a:prstGeom prst="rect">
+            <a:avLst/>
+          </a:prstGeom>
+          <a:noFill/>
+        </p:spPr>
+        <p:txBody>
+          <a:bodyPr wrap="square" rtlCol="0">
+            <a:spAutoFit/>
+          </a:bodyPr>
+          <a:lstStyle/>
+          <a:p>
+            <a:r>
+              <a:rPr lang="ko-KR" altLang="en-US" sz="4000" smtClean="0">
+                <a:solidFill>
+                  <a:schemeClr val="tx1">
+                    <a:lumMod val="50000"/>
+                    <a:lumOff val="50000"/>
+                  </a:schemeClr>
+                </a:solidFill>
+                <a:latin typeface="G마켓 산스 Medium" panose="02000000000000000000" pitchFamily="50" charset="-127"/>
+                <a:ea typeface="G마켓 산스 Medium" panose="02000000000000000000" pitchFamily="50" charset="-127"/>
+              </a:rPr>
+              <a:t>파일경로</a:t>
+            </a:r>
+            <a:r>
+              <a:rPr lang="en-US" altLang="ko-KR" sz="4000" smtClean="0">
+                <a:solidFill>
+                  <a:schemeClr val="tx1">
+                    <a:lumMod val="50000"/>
+                    <a:lumOff val="50000"/>
+                  </a:schemeClr>
+                </a:solidFill>
+                <a:latin typeface="G마켓 산스 Medium" panose="02000000000000000000" pitchFamily="50" charset="-127"/>
+                <a:ea typeface="G마켓 산스 Medium" panose="02000000000000000000" pitchFamily="50" charset="-127"/>
+              </a:rPr>
+              <a:t>: </a:t>
+            </a:r>
+            <a:r>
+              <a:rPr lang="ko-KR" altLang="en-US" sz="4000" smtClean="0">
+                <a:solidFill>
+                  <a:schemeClr val="tx1">
+                    <a:lumMod val="50000"/>
+                    <a:lumOff val="50000"/>
+                  </a:schemeClr>
+                </a:solidFill>
+                <a:latin typeface="G마켓 산스 Medium" panose="02000000000000000000" pitchFamily="50" charset="-127"/>
+                <a:ea typeface="G마켓 산스 Medium" panose="02000000000000000000" pitchFamily="50" charset="-127"/>
+              </a:rPr>
+              <a:t>생성된 파일 우클릭 </a:t>
+            </a:r>
+            <a:r>
+              <a:rPr lang="en-US" altLang="ko-KR" sz="4000" smtClean="0">
+                <a:solidFill>
+                  <a:schemeClr val="tx1">
+                    <a:lumMod val="50000"/>
+                    <a:lumOff val="50000"/>
+                  </a:schemeClr>
+                </a:solidFill>
+                <a:latin typeface="G마켓 산스 Medium" panose="02000000000000000000" pitchFamily="50" charset="-127"/>
+                <a:ea typeface="G마켓 산스 Medium" panose="02000000000000000000" pitchFamily="50" charset="-127"/>
+              </a:rPr>
+              <a:t>-&gt;Properties -&gt; </a:t>
+            </a:r>
+            <a:r>
+              <a:rPr lang="ko-KR" altLang="en-US" sz="4000" smtClean="0">
+                <a:solidFill>
+                  <a:schemeClr val="tx1">
+                    <a:lumMod val="50000"/>
+                    <a:lumOff val="50000"/>
+                  </a:schemeClr>
+                </a:solidFill>
+                <a:latin typeface="G마켓 산스 Medium" panose="02000000000000000000" pitchFamily="50" charset="-127"/>
+                <a:ea typeface="G마켓 산스 Medium" panose="02000000000000000000" pitchFamily="50" charset="-127"/>
+              </a:rPr>
+              <a:t>파일 경로 나옴</a:t>
+            </a:r>
+            <a:endParaRPr lang="en-US" altLang="ko-KR" sz="4000" dirty="0">
+              <a:solidFill>
+                <a:schemeClr val="tx1">
+                  <a:lumMod val="50000"/>
+                  <a:lumOff val="50000"/>
+                </a:schemeClr>
+              </a:solidFill>
+              <a:latin typeface="G마켓 산스 Medium" panose="02000000000000000000" pitchFamily="50" charset="-127"/>
+              <a:ea typeface="G마켓 산스 Medium" panose="02000000000000000000" pitchFamily="50" charset="-127"/>
+            </a:endParaRPr>
+          </a:p>
+        </p:txBody>
+      </p:sp>
+      <p:pic>
+        <p:nvPicPr>
+          <p:cNvPr id="9" name="그림 8"/>
+          <p:cNvPicPr>
+            <a:picLocks noChangeAspect="1"/>
+          </p:cNvPicPr>
+          <p:nvPr/>
+        </p:nvPicPr>
+        <p:blipFill>
+          <a:blip r:embed="rId3"/>
+          <a:stretch>
+            <a:fillRect/>
+          </a:stretch>
+        </p:blipFill>
+        <p:spPr>
+          <a:xfrm>
+            <a:off x="8915400" y="3480279"/>
+            <a:ext cx="8371010" cy="714375"/>
+          </a:xfrm>
+          <a:prstGeom prst="rect">
+            <a:avLst/>
+          </a:prstGeom>
+        </p:spPr>
+      </p:pic>
+      <p:pic>
+        <p:nvPicPr>
+          <p:cNvPr id="10" name="그림 9"/>
+          <p:cNvPicPr>
+            <a:picLocks noChangeAspect="1"/>
+          </p:cNvPicPr>
+          <p:nvPr/>
+        </p:nvPicPr>
+        <p:blipFill>
+          <a:blip r:embed="rId4"/>
+          <a:stretch>
+            <a:fillRect/>
+          </a:stretch>
+        </p:blipFill>
+        <p:spPr>
+          <a:xfrm>
+            <a:off x="8922433" y="4499454"/>
+            <a:ext cx="8901113" cy="533400"/>
+          </a:xfrm>
+          <a:prstGeom prst="rect">
+            <a:avLst/>
+          </a:prstGeom>
+        </p:spPr>
+      </p:pic>
+      <p:pic>
+        <p:nvPicPr>
+          <p:cNvPr id="11" name="그림 10"/>
+          <p:cNvPicPr>
+            <a:picLocks noChangeAspect="1"/>
+          </p:cNvPicPr>
+          <p:nvPr/>
+        </p:nvPicPr>
+        <p:blipFill>
+          <a:blip r:embed="rId5"/>
+          <a:stretch>
+            <a:fillRect/>
+          </a:stretch>
+        </p:blipFill>
+        <p:spPr>
+          <a:xfrm>
+            <a:off x="8968856" y="5235870"/>
+            <a:ext cx="8854208" cy="2159184"/>
+          </a:xfrm>
+          <a:prstGeom prst="rect">
+            <a:avLst/>
+          </a:prstGeom>
+        </p:spPr>
+      </p:pic>
+      <p:cxnSp>
+        <p:nvCxnSpPr>
+          <p:cNvPr id="12" name="직선 화살표 연결선 11">
+            <a:extLst>
+              <a:ext uri="{FF2B5EF4-FFF2-40B4-BE49-F238E27FC236}">
+                <a16:creationId xmlns:a16="http://schemas.microsoft.com/office/drawing/2014/main" xmlns="" id="{299DF5EC-9DF4-5255-06AC-0A7CE4FF58C3}"/>
+              </a:ext>
+            </a:extLst>
+          </p:cNvPr>
+          <p:cNvCxnSpPr>
+            <a:cxnSpLocks/>
+          </p:cNvCxnSpPr>
+          <p:nvPr/>
+        </p:nvCxnSpPr>
+        <p:spPr>
+          <a:xfrm flipH="1">
+            <a:off x="13792200" y="6252054"/>
+            <a:ext cx="2590800" cy="1423228"/>
+          </a:xfrm>
+          <a:prstGeom prst="straightConnector1">
+            <a:avLst/>
+          </a:prstGeom>
+          <a:ln w="38100">
+            <a:tailEnd type="triangle"/>
+          </a:ln>
+        </p:spPr>
+        <p:style>
+          <a:lnRef idx="1">
+            <a:schemeClr val="accent2"/>
+          </a:lnRef>
+          <a:fillRef idx="0">
+            <a:schemeClr val="accent2"/>
+          </a:fillRef>
+          <a:effectRef idx="0">
+            <a:schemeClr val="accent2"/>
+          </a:effectRef>
+          <a:fontRef idx="minor">
+            <a:schemeClr val="tx1"/>
+          </a:fontRef>
+        </p:style>
+      </p:cxnSp>
+      <p:sp>
+        <p:nvSpPr>
+          <p:cNvPr id="13" name="TextBox 12">
+            <a:extLst>
+              <a:ext uri="{FF2B5EF4-FFF2-40B4-BE49-F238E27FC236}">
+                <a16:creationId xmlns:a16="http://schemas.microsoft.com/office/drawing/2014/main" xmlns="" id="{C6D113C6-EA5C-788F-0C77-E7CE6EBB865F}"/>
+              </a:ext>
+            </a:extLst>
+          </p:cNvPr>
+          <p:cNvSpPr txBox="1"/>
+          <p:nvPr/>
+        </p:nvSpPr>
+        <p:spPr>
+          <a:xfrm>
+            <a:off x="9448800" y="7858661"/>
+            <a:ext cx="7837610" cy="1323439"/>
+          </a:xfrm>
+          <a:prstGeom prst="rect">
+            <a:avLst/>
+          </a:prstGeom>
+          <a:noFill/>
+        </p:spPr>
+        <p:txBody>
+          <a:bodyPr wrap="square" rtlCol="0">
+            <a:spAutoFit/>
+          </a:bodyPr>
+          <a:lstStyle/>
+          <a:p>
+            <a:r>
+              <a:rPr lang="ko-KR" altLang="en-US" sz="4000" smtClean="0">
+                <a:solidFill>
+                  <a:srgbClr val="FF0000"/>
+                </a:solidFill>
+                <a:latin typeface="G마켓 산스 Medium" panose="02000000000000000000" pitchFamily="50" charset="-127"/>
+                <a:ea typeface="G마켓 산스 Medium" panose="02000000000000000000" pitchFamily="50" charset="-127"/>
+              </a:rPr>
+              <a:t>파일 내용의 끝이 나올때까지 </a:t>
+            </a:r>
+            <a:r>
+              <a:rPr lang="en-US" altLang="ko-KR" sz="4000" smtClean="0">
+                <a:solidFill>
+                  <a:srgbClr val="FF0000"/>
+                </a:solidFill>
+                <a:latin typeface="G마켓 산스 Medium" panose="02000000000000000000" pitchFamily="50" charset="-127"/>
+                <a:ea typeface="G마켓 산스 Medium" panose="02000000000000000000" pitchFamily="50" charset="-127"/>
+              </a:rPr>
+              <a:t>1</a:t>
+            </a:r>
+            <a:r>
+              <a:rPr lang="ko-KR" altLang="en-US" sz="4000" smtClean="0">
+                <a:solidFill>
+                  <a:srgbClr val="FF0000"/>
+                </a:solidFill>
+                <a:latin typeface="G마켓 산스 Medium" panose="02000000000000000000" pitchFamily="50" charset="-127"/>
+                <a:ea typeface="G마켓 산스 Medium" panose="02000000000000000000" pitchFamily="50" charset="-127"/>
+              </a:rPr>
+              <a:t>글자씩 가져온다</a:t>
+            </a:r>
+            <a:endParaRPr lang="en-US" altLang="ko-KR" sz="4000" dirty="0">
+              <a:solidFill>
+                <a:srgbClr val="FF0000"/>
+              </a:solidFill>
+              <a:latin typeface="G마켓 산스 Medium" panose="02000000000000000000" pitchFamily="50" charset="-127"/>
+              <a:ea typeface="G마켓 산스 Medium" panose="02000000000000000000" pitchFamily="50" charset="-127"/>
+            </a:endParaRPr>
+          </a:p>
+        </p:txBody>
+      </p:sp>
+      <p:sp>
+        <p:nvSpPr>
+          <p:cNvPr id="16" name="TextBox 15">
+            <a:extLst>
+              <a:ext uri="{FF2B5EF4-FFF2-40B4-BE49-F238E27FC236}">
+                <a16:creationId xmlns:a16="http://schemas.microsoft.com/office/drawing/2014/main" xmlns="" id="{A2AD056B-97A4-5BCC-4460-250160F3E171}"/>
+              </a:ext>
+            </a:extLst>
+          </p:cNvPr>
+          <p:cNvSpPr txBox="1"/>
+          <p:nvPr/>
+        </p:nvSpPr>
+        <p:spPr>
+          <a:xfrm>
+            <a:off x="371474" y="976064"/>
+            <a:ext cx="17907001" cy="646331"/>
+          </a:xfrm>
+          <a:prstGeom prst="rect">
+            <a:avLst/>
+          </a:prstGeom>
+          <a:noFill/>
+        </p:spPr>
+        <p:txBody>
+          <a:bodyPr wrap="square" rtlCol="0">
+            <a:spAutoFit/>
+          </a:bodyPr>
+          <a:lstStyle/>
+          <a:p>
+            <a:r>
+              <a:rPr lang="en-US" altLang="ko-KR" sz="3600" dirty="0" err="1" smtClean="0">
+                <a:solidFill>
+                  <a:schemeClr val="tx1">
+                    <a:lumMod val="50000"/>
+                    <a:lumOff val="50000"/>
+                  </a:schemeClr>
+                </a:solidFill>
+                <a:latin typeface="G마켓 산스 Medium" panose="02000000000000000000" pitchFamily="50" charset="-127"/>
+                <a:ea typeface="G마켓 산스 Medium" panose="02000000000000000000" pitchFamily="50" charset="-127"/>
+              </a:rPr>
+              <a:t>FileReader</a:t>
+            </a:r>
+            <a:r>
+              <a:rPr lang="en-US" altLang="ko-KR" sz="3600" dirty="0" smtClean="0">
+                <a:solidFill>
+                  <a:schemeClr val="tx1">
+                    <a:lumMod val="50000"/>
+                    <a:lumOff val="50000"/>
+                  </a:schemeClr>
+                </a:solidFill>
+                <a:latin typeface="G마켓 산스 Medium" panose="02000000000000000000" pitchFamily="50" charset="-127"/>
+                <a:ea typeface="G마켓 산스 Medium" panose="02000000000000000000" pitchFamily="50" charset="-127"/>
+              </a:rPr>
+              <a:t> </a:t>
+            </a:r>
+            <a:r>
+              <a:rPr lang="ko-KR" altLang="en-US" sz="3600" dirty="0" smtClean="0">
+                <a:solidFill>
+                  <a:schemeClr val="tx1">
+                    <a:lumMod val="50000"/>
+                    <a:lumOff val="50000"/>
+                  </a:schemeClr>
+                </a:solidFill>
+                <a:latin typeface="G마켓 산스 Medium" panose="02000000000000000000" pitchFamily="50" charset="-127"/>
+                <a:ea typeface="G마켓 산스 Medium" panose="02000000000000000000" pitchFamily="50" charset="-127"/>
+              </a:rPr>
+              <a:t>객체는 다 사용하였다면 </a:t>
+            </a:r>
+            <a:r>
+              <a:rPr lang="en-US" altLang="ko-KR" sz="3600" dirty="0" smtClean="0">
+                <a:solidFill>
+                  <a:schemeClr val="tx1">
+                    <a:lumMod val="50000"/>
+                    <a:lumOff val="50000"/>
+                  </a:schemeClr>
+                </a:solidFill>
+                <a:latin typeface="G마켓 산스 Medium" panose="02000000000000000000" pitchFamily="50" charset="-127"/>
+                <a:ea typeface="G마켓 산스 Medium" panose="02000000000000000000" pitchFamily="50" charset="-127"/>
+              </a:rPr>
+              <a:t>close() </a:t>
+            </a:r>
+            <a:r>
+              <a:rPr lang="ko-KR" altLang="en-US" sz="3600" dirty="0" err="1" smtClean="0">
+                <a:solidFill>
+                  <a:schemeClr val="tx1">
+                    <a:lumMod val="50000"/>
+                    <a:lumOff val="50000"/>
+                  </a:schemeClr>
+                </a:solidFill>
+                <a:latin typeface="G마켓 산스 Medium" panose="02000000000000000000" pitchFamily="50" charset="-127"/>
+                <a:ea typeface="G마켓 산스 Medium" panose="02000000000000000000" pitchFamily="50" charset="-127"/>
+              </a:rPr>
+              <a:t>메서드를</a:t>
+            </a:r>
+            <a:r>
+              <a:rPr lang="ko-KR" altLang="en-US" sz="3600" dirty="0" smtClean="0">
+                <a:solidFill>
+                  <a:schemeClr val="tx1">
+                    <a:lumMod val="50000"/>
+                    <a:lumOff val="50000"/>
+                  </a:schemeClr>
+                </a:solidFill>
+                <a:latin typeface="G마켓 산스 Medium" panose="02000000000000000000" pitchFamily="50" charset="-127"/>
+                <a:ea typeface="G마켓 산스 Medium" panose="02000000000000000000" pitchFamily="50" charset="-127"/>
+              </a:rPr>
+              <a:t> 이용하여 닫아 </a:t>
+            </a:r>
+            <a:r>
+              <a:rPr lang="ko-KR" altLang="en-US" sz="3600" dirty="0" err="1" smtClean="0">
+                <a:solidFill>
+                  <a:schemeClr val="tx1">
+                    <a:lumMod val="50000"/>
+                    <a:lumOff val="50000"/>
+                  </a:schemeClr>
+                </a:solidFill>
+                <a:latin typeface="G마켓 산스 Medium" panose="02000000000000000000" pitchFamily="50" charset="-127"/>
+                <a:ea typeface="G마켓 산스 Medium" panose="02000000000000000000" pitchFamily="50" charset="-127"/>
+              </a:rPr>
+              <a:t>줘야한다</a:t>
+            </a:r>
+            <a:r>
+              <a:rPr lang="en-US" altLang="ko-KR" sz="3600" dirty="0" smtClean="0">
+                <a:solidFill>
+                  <a:schemeClr val="tx1">
+                    <a:lumMod val="50000"/>
+                    <a:lumOff val="50000"/>
+                  </a:schemeClr>
+                </a:solidFill>
+                <a:latin typeface="G마켓 산스 Medium" panose="02000000000000000000" pitchFamily="50" charset="-127"/>
+                <a:ea typeface="G마켓 산스 Medium" panose="02000000000000000000" pitchFamily="50" charset="-127"/>
+              </a:rPr>
+              <a:t>.</a:t>
+            </a:r>
+            <a:endParaRPr lang="en-US" altLang="ko-KR" sz="3600" dirty="0">
+              <a:solidFill>
+                <a:schemeClr val="tx1">
+                  <a:lumMod val="50000"/>
+                  <a:lumOff val="50000"/>
+                </a:schemeClr>
+              </a:solidFill>
+              <a:latin typeface="G마켓 산스 Medium" panose="02000000000000000000" pitchFamily="50" charset="-127"/>
+              <a:ea typeface="G마켓 산스 Medium" panose="02000000000000000000" pitchFamily="50" charset="-127"/>
+            </a:endParaRPr>
+          </a:p>
+        </p:txBody>
+      </p:sp>
+    </p:spTree>
+    <p:extLst>
+      <p:ext uri="{BB962C8B-B14F-4D97-AF65-F5344CB8AC3E}">
+        <p14:creationId xmlns:p14="http://schemas.microsoft.com/office/powerpoint/2010/main" val="56378941"/>
+      </p:ext>
+    </p:extLst>
+  </p:cSld>
+  <p:clrMapOvr>
+    <a:masterClrMapping/>
+  </p:clrMapOvr>
+  <p:timing>
+    <p:tnLst>
+      <p:par>
+        <p:cTn id="1" dur="indefinite" restart="never" nodeType="tmRoot"/>
+      </p:par>
+    </p:tnLst>
+  </p:timing>
+</p:sld>
+</file>
+
+<file path=ppt/slides/slide52.xml><?xml version="1.0" encoding="utf-8"?>
+<p:sld xmlns:a="http://schemas.openxmlformats.org/drawingml/2006/main" xmlns:r="http://schemas.openxmlformats.org/officeDocument/2006/relationships" xmlns:p="http://schemas.openxmlformats.org/presentationml/2006/main">
+  <p:cSld>
+    <p:spTree>
+      <p:nvGrpSpPr>
+        <p:cNvPr id="1" name=""/>
+        <p:cNvGrpSpPr/>
+        <p:nvPr/>
+      </p:nvGrpSpPr>
+      <p:grpSpPr>
+        <a:xfrm>
+          <a:off x="0" y="0"/>
+          <a:ext cx="0" cy="0"/>
+          <a:chOff x="0" y="0"/>
+          <a:chExt cx="0" cy="0"/>
+        </a:xfrm>
+      </p:grpSpPr>
+      <p:pic>
+        <p:nvPicPr>
+          <p:cNvPr id="4" name="그림 3"/>
+          <p:cNvPicPr>
+            <a:picLocks noChangeAspect="1"/>
+          </p:cNvPicPr>
+          <p:nvPr/>
+        </p:nvPicPr>
+        <p:blipFill>
+          <a:blip r:embed="rId2"/>
+          <a:stretch>
+            <a:fillRect/>
+          </a:stretch>
+        </p:blipFill>
+        <p:spPr>
+          <a:xfrm>
+            <a:off x="8610600" y="582832"/>
+            <a:ext cx="9561649" cy="6389467"/>
+          </a:xfrm>
+          <a:prstGeom prst="rect">
+            <a:avLst/>
+          </a:prstGeom>
+        </p:spPr>
+      </p:pic>
+      <p:pic>
+        <p:nvPicPr>
+          <p:cNvPr id="5" name="그림 4"/>
+          <p:cNvPicPr>
+            <a:picLocks noChangeAspect="1"/>
+          </p:cNvPicPr>
+          <p:nvPr/>
+        </p:nvPicPr>
+        <p:blipFill>
+          <a:blip r:embed="rId3"/>
+          <a:stretch>
+            <a:fillRect/>
+          </a:stretch>
+        </p:blipFill>
+        <p:spPr>
+          <a:xfrm>
+            <a:off x="228600" y="571500"/>
+            <a:ext cx="7967003" cy="8333157"/>
+          </a:xfrm>
+          <a:prstGeom prst="rect">
+            <a:avLst/>
+          </a:prstGeom>
+        </p:spPr>
+      </p:pic>
+      <p:pic>
+        <p:nvPicPr>
+          <p:cNvPr id="6" name="그림 5"/>
+          <p:cNvPicPr>
+            <a:picLocks noChangeAspect="1"/>
+          </p:cNvPicPr>
+          <p:nvPr/>
+        </p:nvPicPr>
+        <p:blipFill>
+          <a:blip r:embed="rId4">
+            <a:extLst>
+              <a:ext uri="{BEBA8EAE-BF5A-486C-A8C5-ECC9F3942E4B}">
+                <a14:imgProps xmlns:a14="http://schemas.microsoft.com/office/drawing/2010/main">
+                  <a14:imgLayer r:embed="rId5">
+                    <a14:imgEffect>
+                      <a14:artisticGlass/>
+                    </a14:imgEffect>
+                  </a14:imgLayer>
+                </a14:imgProps>
+              </a:ext>
+            </a:extLst>
+          </a:blip>
+          <a:stretch>
+            <a:fillRect/>
+          </a:stretch>
+        </p:blipFill>
+        <p:spPr>
+          <a:xfrm>
+            <a:off x="228600" y="571500"/>
+            <a:ext cx="7967003" cy="8333157"/>
+          </a:xfrm>
+          <a:prstGeom prst="rect">
+            <a:avLst/>
+          </a:prstGeom>
+        </p:spPr>
+      </p:pic>
+      <p:pic>
+        <p:nvPicPr>
+          <p:cNvPr id="7" name="그림 6"/>
+          <p:cNvPicPr>
+            <a:picLocks noChangeAspect="1"/>
+          </p:cNvPicPr>
+          <p:nvPr/>
+        </p:nvPicPr>
+        <p:blipFill>
+          <a:blip r:embed="rId6">
+            <a:extLst>
+              <a:ext uri="{BEBA8EAE-BF5A-486C-A8C5-ECC9F3942E4B}">
+                <a14:imgProps xmlns:a14="http://schemas.microsoft.com/office/drawing/2010/main">
+                  <a14:imgLayer r:embed="rId7">
+                    <a14:imgEffect>
+                      <a14:artisticBlur radius="18"/>
+                    </a14:imgEffect>
+                  </a14:imgLayer>
+                </a14:imgProps>
+              </a:ext>
+            </a:extLst>
+          </a:blip>
+          <a:stretch>
+            <a:fillRect/>
+          </a:stretch>
+        </p:blipFill>
+        <p:spPr>
+          <a:xfrm>
+            <a:off x="8610600" y="571500"/>
+            <a:ext cx="9561649" cy="6389467"/>
+          </a:xfrm>
+          <a:prstGeom prst="rect">
+            <a:avLst/>
+          </a:prstGeom>
+        </p:spPr>
+      </p:pic>
+    </p:spTree>
+    <p:extLst>
+      <p:ext uri="{BB962C8B-B14F-4D97-AF65-F5344CB8AC3E}">
+        <p14:creationId xmlns:p14="http://schemas.microsoft.com/office/powerpoint/2010/main" val="2372155722"/>
+      </p:ext>
+    </p:extLst>
+  </p:cSld>
+  <p:clrMapOvr>
+    <a:masterClrMapping/>
+  </p:clrMapOvr>
+  <p:timing>
+    <p:tnLst>
+      <p:par>
+        <p:cTn id="1" dur="indefinite" restart="never" nodeType="tmRoot">
+          <p:childTnLst>
+            <p:seq concurrent="1" nextAc="seek">
+              <p:cTn id="2" dur="indefinite" nodeType="mainSeq">
+                <p:childTnLst>
+                  <p:par>
+                    <p:cTn id="3" fill="hold">
+                      <p:stCondLst>
+                        <p:cond delay="indefinite"/>
+                      </p:stCondLst>
+                      <p:childTnLst>
+                        <p:par>
+                          <p:cTn id="4" fill="hold">
+                            <p:stCondLst>
+                              <p:cond delay="0"/>
+                            </p:stCondLst>
+                            <p:childTnLst>
+                              <p:par>
+                                <p:cTn id="5" presetID="1" presetClass="exit" presetSubtype="0" fill="hold" nodeType="clickEffect">
+                                  <p:stCondLst>
+                                    <p:cond delay="0"/>
+                                  </p:stCondLst>
+                                  <p:childTnLst>
+                                    <p:set>
+                                      <p:cBhvr>
+                                        <p:cTn id="6" dur="1" fill="hold">
+                                          <p:stCondLst>
+                                            <p:cond delay="0"/>
+                                          </p:stCondLst>
+                                        </p:cTn>
+                                        <p:tgtEl>
+                                          <p:spTgt spid="6"/>
+                                        </p:tgtEl>
+                                        <p:attrNameLst>
+                                          <p:attrName>style.visibility</p:attrName>
+                                        </p:attrNameLst>
+                                      </p:cBhvr>
+                                      <p:to>
+                                        <p:strVal val="hidden"/>
+                                      </p:to>
+                                    </p:set>
+                                  </p:childTnLst>
+                                </p:cTn>
+                              </p:par>
+                            </p:childTnLst>
+                          </p:cTn>
+                        </p:par>
+                      </p:childTnLst>
+                    </p:cTn>
+                  </p:par>
+                  <p:par>
+                    <p:cTn id="7" fill="hold">
+                      <p:stCondLst>
+                        <p:cond delay="indefinite"/>
+                      </p:stCondLst>
+                      <p:childTnLst>
+                        <p:par>
+                          <p:cTn id="8" fill="hold">
+                            <p:stCondLst>
+                              <p:cond delay="0"/>
+                            </p:stCondLst>
+                            <p:childTnLst>
+                              <p:par>
+                                <p:cTn id="9" presetID="1" presetClass="exit" presetSubtype="0" fill="hold" nodeType="clickEffect">
+                                  <p:stCondLst>
+                                    <p:cond delay="0"/>
+                                  </p:stCondLst>
+                                  <p:childTnLst>
+                                    <p:set>
+                                      <p:cBhvr>
+                                        <p:cTn id="10" dur="1" fill="hold">
+                                          <p:stCondLst>
+                                            <p:cond delay="0"/>
+                                          </p:stCondLst>
+                                        </p:cTn>
+                                        <p:tgtEl>
+                                          <p:spTgt spid="7"/>
+                                        </p:tgtEl>
+                                        <p:attrNameLst>
+                                          <p:attrName>style.visibility</p:attrName>
+                                        </p:attrNameLst>
+                                      </p:cBhvr>
+                                      <p:to>
+                                        <p:strVal val="hidden"/>
+                                      </p:to>
+                                    </p:set>
+                                  </p:childTnLst>
+                                </p:cTn>
+                              </p:par>
+                            </p:childTnLst>
+                          </p:cTn>
+                        </p:par>
+                      </p:childTnLst>
+                    </p:cTn>
+                  </p:par>
+                </p:childTnLst>
+              </p:cTn>
+              <p:prevCondLst>
+                <p:cond evt="onPrev" delay="0">
+                  <p:tgtEl>
+                    <p:sldTgt/>
+                  </p:tgtEl>
+                </p:cond>
+              </p:prevCondLst>
+              <p:nextCondLst>
+                <p:cond evt="onNext" delay="0">
+                  <p:tgtEl>
+                    <p:sldTgt/>
+                  </p:tgtEl>
+                </p:cond>
+              </p:nextCondLst>
+            </p:seq>
+          </p:childTnLst>
+        </p:cTn>
+      </p:par>
+    </p:tnLst>
+  </p:timing>
+</p:sld>
+</file>
+
+<file path=ppt/slides/slide53.xml><?xml version="1.0" encoding="utf-8"?>
+<p:sld xmlns:a="http://schemas.openxmlformats.org/drawingml/2006/main" xmlns:r="http://schemas.openxmlformats.org/officeDocument/2006/relationships" xmlns:p="http://schemas.openxmlformats.org/presentationml/2006/main">
   <p:cSld name="Slide 20">
     <p:bg>
       <p:bgPr>
@@ -21327,8 +22903,8 @@
         </p:nvSpPr>
         <p:spPr>
           <a:xfrm>
-            <a:off x="838200" y="342900"/>
-            <a:ext cx="6172200" cy="830997"/>
+            <a:off x="838199" y="342900"/>
+            <a:ext cx="8349165" cy="830997"/>
           </a:xfrm>
           <a:prstGeom prst="rect">
             <a:avLst/>

--- a/JavaLecture/LectureFile/java 12강 예외처리.pptx
+++ b/JavaLecture/LectureFile/java 12강 예외처리.pptx
@@ -260,7 +260,7 @@
           <a:p>
             <a:fld id="{D79F2C30-10E1-4C46-91DC-BBDB9629E720}" type="datetimeFigureOut">
               <a:rPr lang="ko-KR" altLang="en-US" smtClean="0"/>
-              <a:t>2023-04-30 Sunday</a:t>
+              <a:t>2023-09-13 Wednesday</a:t>
             </a:fld>
             <a:endParaRPr lang="ko-KR" altLang="en-US"/>
           </a:p>
@@ -720,7 +720,7 @@
           <a:p>
             <a:fld id="{F8166F1F-CE9B-4651-A6AA-CD717754106B}" type="datetimeFigureOut">
               <a:rPr lang="en-US" smtClean="0"/>
-              <a:t>4/30/2023</a:t>
+              <a:t>9/13/2023</a:t>
             </a:fld>
             <a:endParaRPr lang="en-US"/>
           </a:p>
@@ -923,7 +923,7 @@
           <a:p>
             <a:fld id="{A76116CE-C4A3-4A05-B2D7-7C2E9A889C0F}" type="datetimeFigureOut">
               <a:rPr lang="en-US" smtClean="0"/>
-              <a:t>4/30/2023</a:t>
+              <a:t>9/13/2023</a:t>
             </a:fld>
             <a:endParaRPr lang="en-US"/>
           </a:p>
@@ -1126,7 +1126,7 @@
           <a:p>
             <a:fld id="{A76116CE-C4A3-4A05-B2D7-7C2E9A889C0F}" type="datetimeFigureOut">
               <a:rPr lang="en-US" smtClean="0"/>
-              <a:t>4/30/2023</a:t>
+              <a:t>9/13/2023</a:t>
             </a:fld>
             <a:endParaRPr lang="en-US"/>
           </a:p>
@@ -1331,7 +1331,7 @@
           <a:p>
             <a:fld id="{A76116CE-C4A3-4A05-B2D7-7C2E9A889C0F}" type="datetimeFigureOut">
               <a:rPr lang="en-US" smtClean="0"/>
-              <a:t>4/30/2023</a:t>
+              <a:t>9/13/2023</a:t>
             </a:fld>
             <a:endParaRPr lang="en-US"/>
           </a:p>
@@ -1601,7 +1601,7 @@
           <a:p>
             <a:fld id="{A76116CE-C4A3-4A05-B2D7-7C2E9A889C0F}" type="datetimeFigureOut">
               <a:rPr lang="en-US" smtClean="0"/>
-              <a:t>4/30/2023</a:t>
+              <a:t>9/13/2023</a:t>
             </a:fld>
             <a:endParaRPr lang="en-US"/>
           </a:p>
@@ -1919,7 +1919,7 @@
           <a:p>
             <a:fld id="{A76116CE-C4A3-4A05-B2D7-7C2E9A889C0F}" type="datetimeFigureOut">
               <a:rPr lang="en-US" smtClean="0"/>
-              <a:t>4/30/2023</a:t>
+              <a:t>9/13/2023</a:t>
             </a:fld>
             <a:endParaRPr lang="en-US"/>
           </a:p>
@@ -2377,7 +2377,7 @@
           <a:p>
             <a:fld id="{A76116CE-C4A3-4A05-B2D7-7C2E9A889C0F}" type="datetimeFigureOut">
               <a:rPr lang="en-US" smtClean="0"/>
-              <a:t>4/30/2023</a:t>
+              <a:t>9/13/2023</a:t>
             </a:fld>
             <a:endParaRPr lang="en-US"/>
           </a:p>
@@ -2521,7 +2521,7 @@
           <a:p>
             <a:fld id="{A76116CE-C4A3-4A05-B2D7-7C2E9A889C0F}" type="datetimeFigureOut">
               <a:rPr lang="en-US" smtClean="0"/>
-              <a:t>4/30/2023</a:t>
+              <a:t>9/13/2023</a:t>
             </a:fld>
             <a:endParaRPr lang="en-US"/>
           </a:p>
@@ -2635,7 +2635,7 @@
           <a:p>
             <a:fld id="{A76116CE-C4A3-4A05-B2D7-7C2E9A889C0F}" type="datetimeFigureOut">
               <a:rPr lang="en-US" smtClean="0"/>
-              <a:t>4/30/2023</a:t>
+              <a:t>9/13/2023</a:t>
             </a:fld>
             <a:endParaRPr lang="en-US"/>
           </a:p>
@@ -2938,7 +2938,7 @@
           <a:p>
             <a:fld id="{A76116CE-C4A3-4A05-B2D7-7C2E9A889C0F}" type="datetimeFigureOut">
               <a:rPr lang="en-US" smtClean="0"/>
-              <a:t>4/30/2023</a:t>
+              <a:t>9/13/2023</a:t>
             </a:fld>
             <a:endParaRPr lang="en-US"/>
           </a:p>
@@ -3218,7 +3218,7 @@
           <a:p>
             <a:fld id="{A76116CE-C4A3-4A05-B2D7-7C2E9A889C0F}" type="datetimeFigureOut">
               <a:rPr lang="en-US" smtClean="0"/>
-              <a:t>4/30/2023</a:t>
+              <a:t>9/13/2023</a:t>
             </a:fld>
             <a:endParaRPr lang="en-US"/>
           </a:p>
@@ -3976,7 +3976,7 @@
           <p:cNvPr id="2" name="TextBox 1">
             <a:extLst>
               <a:ext uri="{FF2B5EF4-FFF2-40B4-BE49-F238E27FC236}">
-                <a16:creationId xmlns="" xmlns:a16="http://schemas.microsoft.com/office/drawing/2014/main" id="{E9A453A8-9968-67AB-7B4A-83EEB4662AA6}"/>
+                <a16:creationId xmlns:a16="http://schemas.microsoft.com/office/drawing/2014/main" id="{E9A453A8-9968-67AB-7B4A-83EEB4662AA6}"/>
               </a:ext>
             </a:extLst>
           </p:cNvPr>
@@ -4024,7 +4024,7 @@
           <p:cNvPr id="4" name="TextBox 3">
             <a:extLst>
               <a:ext uri="{FF2B5EF4-FFF2-40B4-BE49-F238E27FC236}">
-                <a16:creationId xmlns="" xmlns:a16="http://schemas.microsoft.com/office/drawing/2014/main" id="{F4B7A35A-8AAC-4622-64BC-CAD1472D4115}"/>
+                <a16:creationId xmlns:a16="http://schemas.microsoft.com/office/drawing/2014/main" id="{F4B7A35A-8AAC-4622-64BC-CAD1472D4115}"/>
               </a:ext>
             </a:extLst>
           </p:cNvPr>
@@ -4096,7 +4096,7 @@
           <p:cNvPr id="7" name="TextBox 6">
             <a:extLst>
               <a:ext uri="{FF2B5EF4-FFF2-40B4-BE49-F238E27FC236}">
-                <a16:creationId xmlns="" xmlns:a16="http://schemas.microsoft.com/office/drawing/2014/main" id="{3ACE900A-D779-4343-6623-8588B376F0A1}"/>
+                <a16:creationId xmlns:a16="http://schemas.microsoft.com/office/drawing/2014/main" id="{3ACE900A-D779-4343-6623-8588B376F0A1}"/>
               </a:ext>
             </a:extLst>
           </p:cNvPr>
@@ -4135,13 +4135,6 @@
   <p:clrMapOvr>
     <a:masterClrMapping/>
   </p:clrMapOvr>
-  <p:timing>
-    <p:tnLst>
-      <p:par>
-        <p:cTn id="1" dur="indefinite" restart="never" nodeType="tmRoot"/>
-      </p:par>
-    </p:tnLst>
-  </p:timing>
 </p:sld>
 </file>
 
@@ -4167,7 +4160,7 @@
           <p:cNvPr id="4" name="TextBox 3">
             <a:extLst>
               <a:ext uri="{FF2B5EF4-FFF2-40B4-BE49-F238E27FC236}">
-                <a16:creationId xmlns="" xmlns:a16="http://schemas.microsoft.com/office/drawing/2014/main" id="{EE79C406-3461-D6A5-5346-D7C2FC38FCCD}"/>
+                <a16:creationId xmlns:a16="http://schemas.microsoft.com/office/drawing/2014/main" id="{EE79C406-3461-D6A5-5346-D7C2FC38FCCD}"/>
               </a:ext>
             </a:extLst>
           </p:cNvPr>
@@ -4245,7 +4238,7 @@
           <p:cNvPr id="5" name="TextBox 4">
             <a:extLst>
               <a:ext uri="{FF2B5EF4-FFF2-40B4-BE49-F238E27FC236}">
-                <a16:creationId xmlns="" xmlns:a16="http://schemas.microsoft.com/office/drawing/2014/main" id="{1583823F-6E16-B4AA-2A3D-AE935DD9603F}"/>
+                <a16:creationId xmlns:a16="http://schemas.microsoft.com/office/drawing/2014/main" id="{1583823F-6E16-B4AA-2A3D-AE935DD9603F}"/>
               </a:ext>
             </a:extLst>
           </p:cNvPr>
@@ -4302,7 +4295,7 @@
           <p:cNvPr id="7" name="그림 6">
             <a:extLst>
               <a:ext uri="{FF2B5EF4-FFF2-40B4-BE49-F238E27FC236}">
-                <a16:creationId xmlns="" xmlns:a16="http://schemas.microsoft.com/office/drawing/2014/main" id="{3B212094-C9D2-02F2-1B77-8C804582E345}"/>
+                <a16:creationId xmlns:a16="http://schemas.microsoft.com/office/drawing/2014/main" id="{3B212094-C9D2-02F2-1B77-8C804582E345}"/>
               </a:ext>
             </a:extLst>
           </p:cNvPr>
@@ -4332,7 +4325,7 @@
           <p:cNvPr id="9" name="그림 8">
             <a:extLst>
               <a:ext uri="{FF2B5EF4-FFF2-40B4-BE49-F238E27FC236}">
-                <a16:creationId xmlns="" xmlns:a16="http://schemas.microsoft.com/office/drawing/2014/main" id="{CE1B1B75-9AB2-2013-BB6F-0143935009FC}"/>
+                <a16:creationId xmlns:a16="http://schemas.microsoft.com/office/drawing/2014/main" id="{CE1B1B75-9AB2-2013-BB6F-0143935009FC}"/>
               </a:ext>
             </a:extLst>
           </p:cNvPr>
@@ -4362,7 +4355,7 @@
           <p:cNvPr id="10" name="직선 화살표 연결선 9">
             <a:extLst>
               <a:ext uri="{FF2B5EF4-FFF2-40B4-BE49-F238E27FC236}">
-                <a16:creationId xmlns="" xmlns:a16="http://schemas.microsoft.com/office/drawing/2014/main" id="{19469B41-CB1D-4442-AE4F-439C343DFFDD}"/>
+                <a16:creationId xmlns:a16="http://schemas.microsoft.com/office/drawing/2014/main" id="{19469B41-CB1D-4442-AE4F-439C343DFFDD}"/>
               </a:ext>
             </a:extLst>
           </p:cNvPr>
@@ -4403,7 +4396,7 @@
           <p:cNvPr id="11" name="직사각형 10">
             <a:extLst>
               <a:ext uri="{FF2B5EF4-FFF2-40B4-BE49-F238E27FC236}">
-                <a16:creationId xmlns="" xmlns:a16="http://schemas.microsoft.com/office/drawing/2014/main" id="{FFF7D7ED-FFE5-7940-8928-098E763BE29A}"/>
+                <a16:creationId xmlns:a16="http://schemas.microsoft.com/office/drawing/2014/main" id="{FFF7D7ED-FFE5-7940-8928-098E763BE29A}"/>
               </a:ext>
             </a:extLst>
           </p:cNvPr>
@@ -4455,7 +4448,7 @@
           <p:cNvPr id="12" name="TextBox 11">
             <a:extLst>
               <a:ext uri="{FF2B5EF4-FFF2-40B4-BE49-F238E27FC236}">
-                <a16:creationId xmlns="" xmlns:a16="http://schemas.microsoft.com/office/drawing/2014/main" id="{528FEE32-966C-754B-FA30-4B36778FD805}"/>
+                <a16:creationId xmlns:a16="http://schemas.microsoft.com/office/drawing/2014/main" id="{528FEE32-966C-754B-FA30-4B36778FD805}"/>
               </a:ext>
             </a:extLst>
           </p:cNvPr>
@@ -4676,7 +4669,7 @@
           <p:cNvPr id="5" name="그림 4">
             <a:extLst>
               <a:ext uri="{FF2B5EF4-FFF2-40B4-BE49-F238E27FC236}">
-                <a16:creationId xmlns="" xmlns:a16="http://schemas.microsoft.com/office/drawing/2014/main" id="{55162697-71CD-91B7-355A-FF15A0905044}"/>
+                <a16:creationId xmlns:a16="http://schemas.microsoft.com/office/drawing/2014/main" id="{55162697-71CD-91B7-355A-FF15A0905044}"/>
               </a:ext>
             </a:extLst>
           </p:cNvPr>
@@ -4706,7 +4699,7 @@
           <p:cNvPr id="6" name="TextBox 5">
             <a:extLst>
               <a:ext uri="{FF2B5EF4-FFF2-40B4-BE49-F238E27FC236}">
-                <a16:creationId xmlns="" xmlns:a16="http://schemas.microsoft.com/office/drawing/2014/main" id="{842ED589-6A4E-CC1A-50B8-343A67912051}"/>
+                <a16:creationId xmlns:a16="http://schemas.microsoft.com/office/drawing/2014/main" id="{842ED589-6A4E-CC1A-50B8-343A67912051}"/>
               </a:ext>
             </a:extLst>
           </p:cNvPr>
@@ -4784,7 +4777,7 @@
           <p:cNvPr id="7" name="직선 화살표 연결선 6">
             <a:extLst>
               <a:ext uri="{FF2B5EF4-FFF2-40B4-BE49-F238E27FC236}">
-                <a16:creationId xmlns="" xmlns:a16="http://schemas.microsoft.com/office/drawing/2014/main" id="{78350CA7-7D9E-D5BC-71A2-76542762DA7E}"/>
+                <a16:creationId xmlns:a16="http://schemas.microsoft.com/office/drawing/2014/main" id="{78350CA7-7D9E-D5BC-71A2-76542762DA7E}"/>
               </a:ext>
             </a:extLst>
           </p:cNvPr>
@@ -4825,7 +4818,7 @@
           <p:cNvPr id="8" name="직사각형 7">
             <a:extLst>
               <a:ext uri="{FF2B5EF4-FFF2-40B4-BE49-F238E27FC236}">
-                <a16:creationId xmlns="" xmlns:a16="http://schemas.microsoft.com/office/drawing/2014/main" id="{33193D77-5A18-A0DA-BB53-F16BFE75FA0E}"/>
+                <a16:creationId xmlns:a16="http://schemas.microsoft.com/office/drawing/2014/main" id="{33193D77-5A18-A0DA-BB53-F16BFE75FA0E}"/>
               </a:ext>
             </a:extLst>
           </p:cNvPr>
@@ -4877,7 +4870,7 @@
           <p:cNvPr id="9" name="TextBox 8">
             <a:extLst>
               <a:ext uri="{FF2B5EF4-FFF2-40B4-BE49-F238E27FC236}">
-                <a16:creationId xmlns="" xmlns:a16="http://schemas.microsoft.com/office/drawing/2014/main" id="{C6164B7A-CA1C-488F-8ABC-692B60D8B6B5}"/>
+                <a16:creationId xmlns:a16="http://schemas.microsoft.com/office/drawing/2014/main" id="{C6164B7A-CA1C-488F-8ABC-692B60D8B6B5}"/>
               </a:ext>
             </a:extLst>
           </p:cNvPr>
@@ -4925,7 +4918,7 @@
           <p:cNvPr id="13" name="TextBox 12">
             <a:extLst>
               <a:ext uri="{FF2B5EF4-FFF2-40B4-BE49-F238E27FC236}">
-                <a16:creationId xmlns="" xmlns:a16="http://schemas.microsoft.com/office/drawing/2014/main" id="{EB114B2D-5101-9468-FBA4-85DE6949CD2E}"/>
+                <a16:creationId xmlns:a16="http://schemas.microsoft.com/office/drawing/2014/main" id="{EB114B2D-5101-9468-FBA4-85DE6949CD2E}"/>
               </a:ext>
             </a:extLst>
           </p:cNvPr>
@@ -4983,7 +4976,7 @@
           <p:cNvPr id="14" name="직선 화살표 연결선 13">
             <a:extLst>
               <a:ext uri="{FF2B5EF4-FFF2-40B4-BE49-F238E27FC236}">
-                <a16:creationId xmlns="" xmlns:a16="http://schemas.microsoft.com/office/drawing/2014/main" id="{02FD05C8-47C0-8BD0-E666-89DB9DE9F93D}"/>
+                <a16:creationId xmlns:a16="http://schemas.microsoft.com/office/drawing/2014/main" id="{02FD05C8-47C0-8BD0-E666-89DB9DE9F93D}"/>
               </a:ext>
             </a:extLst>
           </p:cNvPr>
@@ -5024,7 +5017,7 @@
           <p:cNvPr id="16" name="직선 화살표 연결선 15">
             <a:extLst>
               <a:ext uri="{FF2B5EF4-FFF2-40B4-BE49-F238E27FC236}">
-                <a16:creationId xmlns="" xmlns:a16="http://schemas.microsoft.com/office/drawing/2014/main" id="{DAE50015-329C-E6CE-9C9A-64E4EC165251}"/>
+                <a16:creationId xmlns:a16="http://schemas.microsoft.com/office/drawing/2014/main" id="{DAE50015-329C-E6CE-9C9A-64E4EC165251}"/>
               </a:ext>
             </a:extLst>
           </p:cNvPr>
@@ -5334,7 +5327,7 @@
           <p:cNvPr id="5" name="TextBox 4">
             <a:extLst>
               <a:ext uri="{FF2B5EF4-FFF2-40B4-BE49-F238E27FC236}">
-                <a16:creationId xmlns="" xmlns:a16="http://schemas.microsoft.com/office/drawing/2014/main" id="{842ED589-6A4E-CC1A-50B8-343A67912051}"/>
+                <a16:creationId xmlns:a16="http://schemas.microsoft.com/office/drawing/2014/main" id="{842ED589-6A4E-CC1A-50B8-343A67912051}"/>
               </a:ext>
             </a:extLst>
           </p:cNvPr>
@@ -5388,7 +5381,7 @@
               <a:t>catch</a:t>
             </a:r>
             <a:r>
-              <a:rPr lang="ko-KR" altLang="en-US" sz="4800" smtClean="0">
+              <a:rPr lang="ko-KR" altLang="en-US" sz="4800">
                 <a:solidFill>
                   <a:srgbClr val="4C50BC"/>
                 </a:solidFill>
@@ -5412,7 +5405,7 @@
           <p:cNvPr id="7" name="직선 화살표 연결선 6">
             <a:extLst>
               <a:ext uri="{FF2B5EF4-FFF2-40B4-BE49-F238E27FC236}">
-                <a16:creationId xmlns="" xmlns:a16="http://schemas.microsoft.com/office/drawing/2014/main" id="{299DF5EC-9DF4-5255-06AC-0A7CE4FF58C3}"/>
+                <a16:creationId xmlns:a16="http://schemas.microsoft.com/office/drawing/2014/main" id="{299DF5EC-9DF4-5255-06AC-0A7CE4FF58C3}"/>
               </a:ext>
             </a:extLst>
           </p:cNvPr>
@@ -5651,7 +5644,7 @@
           <p:cNvPr id="5" name="TextBox 4">
             <a:extLst>
               <a:ext uri="{FF2B5EF4-FFF2-40B4-BE49-F238E27FC236}">
-                <a16:creationId xmlns="" xmlns:a16="http://schemas.microsoft.com/office/drawing/2014/main" id="{842ED589-6A4E-CC1A-50B8-343A67912051}"/>
+                <a16:creationId xmlns:a16="http://schemas.microsoft.com/office/drawing/2014/main" id="{842ED589-6A4E-CC1A-50B8-343A67912051}"/>
               </a:ext>
             </a:extLst>
           </p:cNvPr>
@@ -5675,7 +5668,7 @@
           <a:lstStyle/>
           <a:p>
             <a:r>
-              <a:rPr lang="ko-KR" altLang="en-US" sz="4800" smtClean="0">
+              <a:rPr lang="ko-KR" altLang="en-US" sz="4800">
                 <a:solidFill>
                   <a:srgbClr val="4C50BC"/>
                 </a:solidFill>
@@ -5723,7 +5716,7 @@
           <p:cNvPr id="7" name="직선 화살표 연결선 6">
             <a:extLst>
               <a:ext uri="{FF2B5EF4-FFF2-40B4-BE49-F238E27FC236}">
-                <a16:creationId xmlns="" xmlns:a16="http://schemas.microsoft.com/office/drawing/2014/main" id="{299DF5EC-9DF4-5255-06AC-0A7CE4FF58C3}"/>
+                <a16:creationId xmlns:a16="http://schemas.microsoft.com/office/drawing/2014/main" id="{299DF5EC-9DF4-5255-06AC-0A7CE4FF58C3}"/>
               </a:ext>
             </a:extLst>
           </p:cNvPr>
@@ -5764,7 +5757,7 @@
           <p:cNvPr id="8" name="TextBox 7">
             <a:extLst>
               <a:ext uri="{FF2B5EF4-FFF2-40B4-BE49-F238E27FC236}">
-                <a16:creationId xmlns="" xmlns:a16="http://schemas.microsoft.com/office/drawing/2014/main" id="{C6D113C6-EA5C-788F-0C77-E7CE6EBB865F}"/>
+                <a16:creationId xmlns:a16="http://schemas.microsoft.com/office/drawing/2014/main" id="{C6D113C6-EA5C-788F-0C77-E7CE6EBB865F}"/>
               </a:ext>
             </a:extLst>
           </p:cNvPr>
@@ -5788,7 +5781,7 @@
           <a:lstStyle/>
           <a:p>
             <a:r>
-              <a:rPr lang="ko-KR" altLang="en-US" sz="4000" smtClean="0">
+              <a:rPr lang="ko-KR" altLang="en-US" sz="4000">
                 <a:solidFill>
                   <a:srgbClr val="FF0000"/>
                 </a:solidFill>
@@ -6016,7 +6009,7 @@
           <p:cNvPr id="5" name="TextBox 4">
             <a:extLst>
               <a:ext uri="{FF2B5EF4-FFF2-40B4-BE49-F238E27FC236}">
-                <a16:creationId xmlns="" xmlns:a16="http://schemas.microsoft.com/office/drawing/2014/main" id="{842ED589-6A4E-CC1A-50B8-343A67912051}"/>
+                <a16:creationId xmlns:a16="http://schemas.microsoft.com/office/drawing/2014/main" id="{842ED589-6A4E-CC1A-50B8-343A67912051}"/>
               </a:ext>
             </a:extLst>
           </p:cNvPr>
@@ -6040,7 +6033,7 @@
           <a:lstStyle/>
           <a:p>
             <a:r>
-              <a:rPr lang="ko-KR" altLang="en-US" sz="4800" smtClean="0">
+              <a:rPr lang="ko-KR" altLang="en-US" sz="4800">
                 <a:solidFill>
                   <a:srgbClr val="4C50BC"/>
                 </a:solidFill>
@@ -6064,7 +6057,7 @@
           <p:cNvPr id="6" name="직선 화살표 연결선 5">
             <a:extLst>
               <a:ext uri="{FF2B5EF4-FFF2-40B4-BE49-F238E27FC236}">
-                <a16:creationId xmlns="" xmlns:a16="http://schemas.microsoft.com/office/drawing/2014/main" id="{299DF5EC-9DF4-5255-06AC-0A7CE4FF58C3}"/>
+                <a16:creationId xmlns:a16="http://schemas.microsoft.com/office/drawing/2014/main" id="{299DF5EC-9DF4-5255-06AC-0A7CE4FF58C3}"/>
               </a:ext>
             </a:extLst>
           </p:cNvPr>
@@ -6105,7 +6098,7 @@
           <p:cNvPr id="7" name="TextBox 6">
             <a:extLst>
               <a:ext uri="{FF2B5EF4-FFF2-40B4-BE49-F238E27FC236}">
-                <a16:creationId xmlns="" xmlns:a16="http://schemas.microsoft.com/office/drawing/2014/main" id="{C6D113C6-EA5C-788F-0C77-E7CE6EBB865F}"/>
+                <a16:creationId xmlns:a16="http://schemas.microsoft.com/office/drawing/2014/main" id="{C6D113C6-EA5C-788F-0C77-E7CE6EBB865F}"/>
               </a:ext>
             </a:extLst>
           </p:cNvPr>
@@ -6129,7 +6122,7 @@
           <a:lstStyle/>
           <a:p>
             <a:r>
-              <a:rPr lang="en-US" altLang="ko-KR" sz="4000" smtClean="0">
+              <a:rPr lang="en-US" altLang="ko-KR" sz="4000">
                 <a:solidFill>
                   <a:srgbClr val="FF0000"/>
                 </a:solidFill>
@@ -6139,7 +6132,7 @@
               <a:t>try </a:t>
             </a:r>
             <a:r>
-              <a:rPr lang="ko-KR" altLang="en-US" sz="4000" smtClean="0">
+              <a:rPr lang="ko-KR" altLang="en-US" sz="4000">
                 <a:solidFill>
                   <a:srgbClr val="FF0000"/>
                 </a:solidFill>
@@ -6149,7 +6142,7 @@
               <a:t>내부에서 예외 발생시 객체를 생성하여 </a:t>
             </a:r>
             <a:r>
-              <a:rPr lang="en-US" altLang="ko-KR" sz="4000" smtClean="0">
+              <a:rPr lang="en-US" altLang="ko-KR" sz="4000">
                 <a:solidFill>
                   <a:srgbClr val="FF0000"/>
                 </a:solidFill>
@@ -6159,7 +6152,7 @@
               <a:t>ex</a:t>
             </a:r>
             <a:r>
-              <a:rPr lang="ko-KR" altLang="en-US" sz="4000" smtClean="0">
+              <a:rPr lang="ko-KR" altLang="en-US" sz="4000">
                 <a:solidFill>
                   <a:srgbClr val="FF0000"/>
                 </a:solidFill>
@@ -6169,7 +6162,7 @@
               <a:t>참조변수에 넣어준다</a:t>
             </a:r>
             <a:r>
-              <a:rPr lang="en-US" altLang="ko-KR" sz="4000" smtClean="0">
+              <a:rPr lang="en-US" altLang="ko-KR" sz="4000">
                 <a:solidFill>
                   <a:srgbClr val="FF0000"/>
                 </a:solidFill>
@@ -6198,13 +6191,6 @@
   <p:clrMapOvr>
     <a:masterClrMapping/>
   </p:clrMapOvr>
-  <p:timing>
-    <p:tnLst>
-      <p:par>
-        <p:cTn id="1" dur="indefinite" restart="never" nodeType="tmRoot"/>
-      </p:par>
-    </p:tnLst>
-  </p:timing>
 </p:sld>
 </file>
 
@@ -6254,7 +6240,7 @@
           <p:cNvPr id="5" name="TextBox 4">
             <a:extLst>
               <a:ext uri="{FF2B5EF4-FFF2-40B4-BE49-F238E27FC236}">
-                <a16:creationId xmlns="" xmlns:a16="http://schemas.microsoft.com/office/drawing/2014/main" id="{842ED589-6A4E-CC1A-50B8-343A67912051}"/>
+                <a16:creationId xmlns:a16="http://schemas.microsoft.com/office/drawing/2014/main" id="{842ED589-6A4E-CC1A-50B8-343A67912051}"/>
               </a:ext>
             </a:extLst>
           </p:cNvPr>
@@ -6278,7 +6264,7 @@
           <a:lstStyle/>
           <a:p>
             <a:r>
-              <a:rPr lang="en-US" altLang="ko-KR" sz="4800" smtClean="0">
+              <a:rPr lang="en-US" altLang="ko-KR" sz="4800">
                 <a:solidFill>
                   <a:srgbClr val="4C50BC"/>
                 </a:solidFill>
@@ -6302,7 +6288,7 @@
           <p:cNvPr id="6" name="TextBox 5">
             <a:extLst>
               <a:ext uri="{FF2B5EF4-FFF2-40B4-BE49-F238E27FC236}">
-                <a16:creationId xmlns="" xmlns:a16="http://schemas.microsoft.com/office/drawing/2014/main" id="{A2AD056B-97A4-5BCC-4460-250160F3E171}"/>
+                <a16:creationId xmlns:a16="http://schemas.microsoft.com/office/drawing/2014/main" id="{A2AD056B-97A4-5BCC-4460-250160F3E171}"/>
               </a:ext>
             </a:extLst>
           </p:cNvPr>
@@ -6326,7 +6312,7 @@
           <a:lstStyle/>
           <a:p>
             <a:r>
-              <a:rPr lang="ko-KR" altLang="en-US" sz="3200" smtClean="0">
+              <a:rPr lang="ko-KR" altLang="en-US" sz="3200">
                 <a:solidFill>
                   <a:schemeClr val="tx1">
                     <a:lumMod val="50000"/>
@@ -6338,7 +6324,7 @@
               </a:rPr>
               <a:t>예외가 발생된 메서드의 정보 및 </a:t>
             </a:r>
-            <a:endParaRPr lang="en-US" altLang="ko-KR" sz="3200" smtClean="0">
+            <a:endParaRPr lang="en-US" altLang="ko-KR" sz="3200">
               <a:solidFill>
                 <a:schemeClr val="tx1">
                   <a:lumMod val="50000"/>
@@ -6351,7 +6337,7 @@
           </a:p>
           <a:p>
             <a:r>
-              <a:rPr lang="ko-KR" altLang="en-US" sz="3200" smtClean="0">
+              <a:rPr lang="ko-KR" altLang="en-US" sz="3200">
                 <a:solidFill>
                   <a:schemeClr val="tx1">
                     <a:lumMod val="50000"/>
@@ -6381,7 +6367,7 @@
           <p:cNvPr id="7" name="TextBox 6">
             <a:extLst>
               <a:ext uri="{FF2B5EF4-FFF2-40B4-BE49-F238E27FC236}">
-                <a16:creationId xmlns="" xmlns:a16="http://schemas.microsoft.com/office/drawing/2014/main" id="{842ED589-6A4E-CC1A-50B8-343A67912051}"/>
+                <a16:creationId xmlns:a16="http://schemas.microsoft.com/office/drawing/2014/main" id="{842ED589-6A4E-CC1A-50B8-343A67912051}"/>
               </a:ext>
             </a:extLst>
           </p:cNvPr>
@@ -6405,7 +6391,7 @@
           <a:lstStyle/>
           <a:p>
             <a:r>
-              <a:rPr lang="en-US" altLang="ko-KR" sz="4800" smtClean="0">
+              <a:rPr lang="en-US" altLang="ko-KR" sz="4800">
                 <a:solidFill>
                   <a:srgbClr val="4C50BC"/>
                 </a:solidFill>
@@ -6429,7 +6415,7 @@
           <p:cNvPr id="8" name="TextBox 7">
             <a:extLst>
               <a:ext uri="{FF2B5EF4-FFF2-40B4-BE49-F238E27FC236}">
-                <a16:creationId xmlns="" xmlns:a16="http://schemas.microsoft.com/office/drawing/2014/main" id="{A2AD056B-97A4-5BCC-4460-250160F3E171}"/>
+                <a16:creationId xmlns:a16="http://schemas.microsoft.com/office/drawing/2014/main" id="{A2AD056B-97A4-5BCC-4460-250160F3E171}"/>
               </a:ext>
             </a:extLst>
           </p:cNvPr>
@@ -6453,7 +6439,7 @@
           <a:lstStyle/>
           <a:p>
             <a:r>
-              <a:rPr lang="ko-KR" altLang="en-US" sz="3200" smtClean="0">
+              <a:rPr lang="ko-KR" altLang="en-US" sz="3200">
                 <a:solidFill>
                   <a:schemeClr val="tx1">
                     <a:lumMod val="50000"/>
@@ -6466,7 +6452,7 @@
               <a:t>예외클래스의 인스턴스에 저장된 메시지를 </a:t>
             </a:r>
             <a:r>
-              <a:rPr lang="en-US" altLang="ko-KR" sz="3200" smtClean="0">
+              <a:rPr lang="en-US" altLang="ko-KR" sz="3200">
                 <a:solidFill>
                   <a:schemeClr val="tx1">
                     <a:lumMod val="50000"/>
@@ -6479,7 +6465,7 @@
               <a:t>String</a:t>
             </a:r>
             <a:r>
-              <a:rPr lang="ko-KR" altLang="en-US" sz="3200" smtClean="0">
+              <a:rPr lang="ko-KR" altLang="en-US" sz="3200">
                 <a:solidFill>
                   <a:schemeClr val="tx1">
                     <a:lumMod val="50000"/>
@@ -6538,13 +6524,6 @@
   <p:clrMapOvr>
     <a:masterClrMapping/>
   </p:clrMapOvr>
-  <p:timing>
-    <p:tnLst>
-      <p:par>
-        <p:cTn id="1" dur="indefinite" restart="never" nodeType="tmRoot"/>
-      </p:par>
-    </p:tnLst>
-  </p:timing>
 </p:sld>
 </file>
 
@@ -6570,7 +6549,7 @@
           <p:cNvPr id="4" name="TextBox 3">
             <a:extLst>
               <a:ext uri="{FF2B5EF4-FFF2-40B4-BE49-F238E27FC236}">
-                <a16:creationId xmlns="" xmlns:a16="http://schemas.microsoft.com/office/drawing/2014/main" id="{842ED589-6A4E-CC1A-50B8-343A67912051}"/>
+                <a16:creationId xmlns:a16="http://schemas.microsoft.com/office/drawing/2014/main" id="{842ED589-6A4E-CC1A-50B8-343A67912051}"/>
               </a:ext>
             </a:extLst>
           </p:cNvPr>
@@ -6594,7 +6573,7 @@
           <a:lstStyle/>
           <a:p>
             <a:r>
-              <a:rPr lang="ko-KR" altLang="en-US" sz="4800" smtClean="0">
+              <a:rPr lang="ko-KR" altLang="en-US" sz="4800">
                 <a:solidFill>
                   <a:srgbClr val="4C50BC"/>
                 </a:solidFill>
@@ -6604,7 +6583,7 @@
               <a:t>멀티 </a:t>
             </a:r>
             <a:r>
-              <a:rPr lang="en-US" altLang="ko-KR" sz="4800" smtClean="0">
+              <a:rPr lang="en-US" altLang="ko-KR" sz="4800">
                 <a:solidFill>
                   <a:srgbClr val="4C50BC"/>
                 </a:solidFill>
@@ -6614,7 +6593,7 @@
               <a:t>catch </a:t>
             </a:r>
             <a:r>
-              <a:rPr lang="ko-KR" altLang="en-US" sz="4800" smtClean="0">
+              <a:rPr lang="ko-KR" altLang="en-US" sz="4800">
                 <a:solidFill>
                   <a:srgbClr val="4C50BC"/>
                 </a:solidFill>
@@ -6638,7 +6617,7 @@
           <p:cNvPr id="5" name="그림 4">
             <a:extLst>
               <a:ext uri="{FF2B5EF4-FFF2-40B4-BE49-F238E27FC236}">
-                <a16:creationId xmlns="" xmlns:a16="http://schemas.microsoft.com/office/drawing/2014/main" id="{3B212094-C9D2-02F2-1B77-8C804582E345}"/>
+                <a16:creationId xmlns:a16="http://schemas.microsoft.com/office/drawing/2014/main" id="{3B212094-C9D2-02F2-1B77-8C804582E345}"/>
               </a:ext>
             </a:extLst>
           </p:cNvPr>
@@ -6668,7 +6647,7 @@
           <p:cNvPr id="6" name="그룹 1008">
             <a:extLst>
               <a:ext uri="{FF2B5EF4-FFF2-40B4-BE49-F238E27FC236}">
-                <a16:creationId xmlns="" xmlns:a16="http://schemas.microsoft.com/office/drawing/2014/main" id="{678F6342-C505-E8AD-ADA4-022CB2C2088E}"/>
+                <a16:creationId xmlns:a16="http://schemas.microsoft.com/office/drawing/2014/main" id="{678F6342-C505-E8AD-ADA4-022CB2C2088E}"/>
               </a:ext>
             </a:extLst>
           </p:cNvPr>
@@ -6688,7 +6667,7 @@
             <p:cNvPr id="7" name="그룹 1009">
               <a:extLst>
                 <a:ext uri="{FF2B5EF4-FFF2-40B4-BE49-F238E27FC236}">
-                  <a16:creationId xmlns="" xmlns:a16="http://schemas.microsoft.com/office/drawing/2014/main" id="{4E1F1FED-812B-9BBB-925A-84B54A077414}"/>
+                  <a16:creationId xmlns:a16="http://schemas.microsoft.com/office/drawing/2014/main" id="{4E1F1FED-812B-9BBB-925A-84B54A077414}"/>
                 </a:ext>
               </a:extLst>
             </p:cNvPr>
@@ -6708,7 +6687,7 @@
               <p:cNvPr id="12" name="Object 29">
                 <a:extLst>
                   <a:ext uri="{FF2B5EF4-FFF2-40B4-BE49-F238E27FC236}">
-                    <a16:creationId xmlns="" xmlns:a16="http://schemas.microsoft.com/office/drawing/2014/main" id="{7B078609-4286-7B00-51EB-809C8E2DE289}"/>
+                    <a16:creationId xmlns:a16="http://schemas.microsoft.com/office/drawing/2014/main" id="{7B078609-4286-7B00-51EB-809C8E2DE289}"/>
                   </a:ext>
                 </a:extLst>
               </p:cNvPr>
@@ -6739,7 +6718,7 @@
             <p:cNvPr id="8" name="그룹 1010">
               <a:extLst>
                 <a:ext uri="{FF2B5EF4-FFF2-40B4-BE49-F238E27FC236}">
-                  <a16:creationId xmlns="" xmlns:a16="http://schemas.microsoft.com/office/drawing/2014/main" id="{02A649BF-B5B5-FBAF-7DFD-E118A4DF8907}"/>
+                  <a16:creationId xmlns:a16="http://schemas.microsoft.com/office/drawing/2014/main" id="{02A649BF-B5B5-FBAF-7DFD-E118A4DF8907}"/>
                 </a:ext>
               </a:extLst>
             </p:cNvPr>
@@ -6759,7 +6738,7 @@
               <p:cNvPr id="11" name="Object 32">
                 <a:extLst>
                   <a:ext uri="{FF2B5EF4-FFF2-40B4-BE49-F238E27FC236}">
-                    <a16:creationId xmlns="" xmlns:a16="http://schemas.microsoft.com/office/drawing/2014/main" id="{2A0FFF23-B3C9-3EA0-1C1B-A87D4FF098AE}"/>
+                    <a16:creationId xmlns:a16="http://schemas.microsoft.com/office/drawing/2014/main" id="{2A0FFF23-B3C9-3EA0-1C1B-A87D4FF098AE}"/>
                   </a:ext>
                 </a:extLst>
               </p:cNvPr>
@@ -6790,7 +6769,7 @@
             <p:cNvPr id="9" name="그룹 1011">
               <a:extLst>
                 <a:ext uri="{FF2B5EF4-FFF2-40B4-BE49-F238E27FC236}">
-                  <a16:creationId xmlns="" xmlns:a16="http://schemas.microsoft.com/office/drawing/2014/main" id="{881F5410-F7FB-F261-A584-707359BAC593}"/>
+                  <a16:creationId xmlns:a16="http://schemas.microsoft.com/office/drawing/2014/main" id="{881F5410-F7FB-F261-A584-707359BAC593}"/>
                 </a:ext>
               </a:extLst>
             </p:cNvPr>
@@ -6810,7 +6789,7 @@
               <p:cNvPr id="10" name="Object 35">
                 <a:extLst>
                   <a:ext uri="{FF2B5EF4-FFF2-40B4-BE49-F238E27FC236}">
-                    <a16:creationId xmlns="" xmlns:a16="http://schemas.microsoft.com/office/drawing/2014/main" id="{4E99E669-73EB-F9F4-EFE8-DC107035C265}"/>
+                    <a16:creationId xmlns:a16="http://schemas.microsoft.com/office/drawing/2014/main" id="{4E99E669-73EB-F9F4-EFE8-DC107035C265}"/>
                   </a:ext>
                 </a:extLst>
               </p:cNvPr>
@@ -6871,13 +6850,6 @@
   <p:clrMapOvr>
     <a:masterClrMapping/>
   </p:clrMapOvr>
-  <p:timing>
-    <p:tnLst>
-      <p:par>
-        <p:cTn id="1" dur="indefinite" restart="never" nodeType="tmRoot"/>
-      </p:par>
-    </p:tnLst>
-  </p:timing>
 </p:sld>
 </file>
 
@@ -6903,7 +6875,7 @@
           <p:cNvPr id="4" name="TextBox 3">
             <a:extLst>
               <a:ext uri="{FF2B5EF4-FFF2-40B4-BE49-F238E27FC236}">
-                <a16:creationId xmlns="" xmlns:a16="http://schemas.microsoft.com/office/drawing/2014/main" id="{842ED589-6A4E-CC1A-50B8-343A67912051}"/>
+                <a16:creationId xmlns:a16="http://schemas.microsoft.com/office/drawing/2014/main" id="{842ED589-6A4E-CC1A-50B8-343A67912051}"/>
               </a:ext>
             </a:extLst>
           </p:cNvPr>
@@ -6927,7 +6899,7 @@
           <a:lstStyle/>
           <a:p>
             <a:r>
-              <a:rPr lang="ko-KR" altLang="en-US" sz="4800" smtClean="0">
+              <a:rPr lang="ko-KR" altLang="en-US" sz="4800">
                 <a:solidFill>
                   <a:srgbClr val="4C50BC"/>
                 </a:solidFill>
@@ -6937,7 +6909,7 @@
               <a:t>멀티 </a:t>
             </a:r>
             <a:r>
-              <a:rPr lang="en-US" altLang="ko-KR" sz="4800" smtClean="0">
+              <a:rPr lang="en-US" altLang="ko-KR" sz="4800">
                 <a:solidFill>
                   <a:srgbClr val="4C50BC"/>
                 </a:solidFill>
@@ -6947,7 +6919,7 @@
               <a:t>catch </a:t>
             </a:r>
             <a:r>
-              <a:rPr lang="ko-KR" altLang="en-US" sz="4800" smtClean="0">
+              <a:rPr lang="ko-KR" altLang="en-US" sz="4800">
                 <a:solidFill>
                   <a:srgbClr val="4C50BC"/>
                 </a:solidFill>
@@ -6995,7 +6967,7 @@
           <p:cNvPr id="6" name="TextBox 5">
             <a:extLst>
               <a:ext uri="{FF2B5EF4-FFF2-40B4-BE49-F238E27FC236}">
-                <a16:creationId xmlns="" xmlns:a16="http://schemas.microsoft.com/office/drawing/2014/main" id="{C6D113C6-EA5C-788F-0C77-E7CE6EBB865F}"/>
+                <a16:creationId xmlns:a16="http://schemas.microsoft.com/office/drawing/2014/main" id="{C6D113C6-EA5C-788F-0C77-E7CE6EBB865F}"/>
               </a:ext>
             </a:extLst>
           </p:cNvPr>
@@ -7019,7 +6991,7 @@
           <a:lstStyle/>
           <a:p>
             <a:r>
-              <a:rPr lang="en-US" altLang="ko-KR" sz="4000" dirty="0" err="1" smtClean="0">
+              <a:rPr lang="en-US" altLang="ko-KR" sz="4000" dirty="0" err="1">
                 <a:solidFill>
                   <a:srgbClr val="FF0000"/>
                 </a:solidFill>
@@ -7029,7 +7001,7 @@
               <a:t>RuntimeException</a:t>
             </a:r>
             <a:r>
-              <a:rPr lang="ko-KR" altLang="en-US" sz="4000" dirty="0" smtClean="0">
+              <a:rPr lang="ko-KR" altLang="en-US" sz="4000" dirty="0">
                 <a:solidFill>
                   <a:srgbClr val="FF0000"/>
                 </a:solidFill>
@@ -7039,7 +7011,7 @@
               <a:t>은 </a:t>
             </a:r>
             <a:r>
-              <a:rPr lang="en-US" altLang="ko-KR" sz="4000" dirty="0" err="1" smtClean="0">
+              <a:rPr lang="en-US" altLang="ko-KR" sz="4000" dirty="0" err="1">
                 <a:solidFill>
                   <a:srgbClr val="FF0000"/>
                 </a:solidFill>
@@ -7049,7 +7021,7 @@
               <a:t>NullPointerException</a:t>
             </a:r>
             <a:r>
-              <a:rPr lang="ko-KR" altLang="en-US" sz="4000" dirty="0" smtClean="0">
+              <a:rPr lang="ko-KR" altLang="en-US" sz="4000" dirty="0">
                 <a:solidFill>
                   <a:srgbClr val="FF0000"/>
                 </a:solidFill>
@@ -7059,7 +7031,7 @@
               <a:t>의 부모이다</a:t>
             </a:r>
             <a:r>
-              <a:rPr lang="en-US" altLang="ko-KR" sz="4000" dirty="0" smtClean="0">
+              <a:rPr lang="en-US" altLang="ko-KR" sz="4000" dirty="0">
                 <a:solidFill>
                   <a:srgbClr val="FF0000"/>
                 </a:solidFill>
@@ -7068,13 +7040,6 @@
               </a:rPr>
               <a:t>.</a:t>
             </a:r>
-            <a:endParaRPr lang="en-US" altLang="ko-KR" sz="4000" dirty="0">
-              <a:solidFill>
-                <a:srgbClr val="FF0000"/>
-              </a:solidFill>
-              <a:latin typeface="G마켓 산스 Medium" panose="02000000000000000000" pitchFamily="50" charset="-127"/>
-              <a:ea typeface="G마켓 산스 Medium" panose="02000000000000000000" pitchFamily="50" charset="-127"/>
-            </a:endParaRPr>
           </a:p>
         </p:txBody>
       </p:sp>
@@ -7191,7 +7156,7 @@
           <p:cNvPr id="4" name="TextBox 3">
             <a:extLst>
               <a:ext uri="{FF2B5EF4-FFF2-40B4-BE49-F238E27FC236}">
-                <a16:creationId xmlns="" xmlns:a16="http://schemas.microsoft.com/office/drawing/2014/main" id="{842ED589-6A4E-CC1A-50B8-343A67912051}"/>
+                <a16:creationId xmlns:a16="http://schemas.microsoft.com/office/drawing/2014/main" id="{842ED589-6A4E-CC1A-50B8-343A67912051}"/>
               </a:ext>
             </a:extLst>
           </p:cNvPr>
@@ -7215,7 +7180,7 @@
           <a:lstStyle/>
           <a:p>
             <a:r>
-              <a:rPr lang="ko-KR" altLang="en-US" sz="4800" smtClean="0">
+              <a:rPr lang="ko-KR" altLang="en-US" sz="4800">
                 <a:solidFill>
                   <a:srgbClr val="4C50BC"/>
                 </a:solidFill>
@@ -7268,13 +7233,6 @@
   <p:clrMapOvr>
     <a:masterClrMapping/>
   </p:clrMapOvr>
-  <p:timing>
-    <p:tnLst>
-      <p:par>
-        <p:cTn id="1" dur="indefinite" restart="never" nodeType="tmRoot"/>
-      </p:par>
-    </p:tnLst>
-  </p:timing>
 </p:sld>
 </file>
 
@@ -7300,7 +7258,7 @@
           <p:cNvPr id="4" name="TextBox 3">
             <a:extLst>
               <a:ext uri="{FF2B5EF4-FFF2-40B4-BE49-F238E27FC236}">
-                <a16:creationId xmlns="" xmlns:a16="http://schemas.microsoft.com/office/drawing/2014/main" id="{842ED589-6A4E-CC1A-50B8-343A67912051}"/>
+                <a16:creationId xmlns:a16="http://schemas.microsoft.com/office/drawing/2014/main" id="{842ED589-6A4E-CC1A-50B8-343A67912051}"/>
               </a:ext>
             </a:extLst>
           </p:cNvPr>
@@ -7324,7 +7282,7 @@
           <a:lstStyle/>
           <a:p>
             <a:r>
-              <a:rPr lang="en-US" altLang="ko-KR" sz="4800" smtClean="0">
+              <a:rPr lang="en-US" altLang="ko-KR" sz="4800">
                 <a:solidFill>
                   <a:srgbClr val="4C50BC"/>
                 </a:solidFill>
@@ -7372,7 +7330,7 @@
           <p:cNvPr id="6" name="TextBox 5">
             <a:extLst>
               <a:ext uri="{FF2B5EF4-FFF2-40B4-BE49-F238E27FC236}">
-                <a16:creationId xmlns="" xmlns:a16="http://schemas.microsoft.com/office/drawing/2014/main" id="{A06D4055-10A8-4A24-5EDC-0761473BA40F}"/>
+                <a16:creationId xmlns:a16="http://schemas.microsoft.com/office/drawing/2014/main" id="{A06D4055-10A8-4A24-5EDC-0761473BA40F}"/>
               </a:ext>
             </a:extLst>
           </p:cNvPr>
@@ -7396,7 +7354,7 @@
           <a:lstStyle/>
           <a:p>
             <a:r>
-              <a:rPr lang="en-US" altLang="ko-KR" sz="3600" smtClean="0">
+              <a:rPr lang="en-US" altLang="ko-KR" sz="3600">
                 <a:solidFill>
                   <a:srgbClr val="FF0000"/>
                 </a:solidFill>
@@ -7406,7 +7364,7 @@
               <a:t>checked </a:t>
             </a:r>
             <a:r>
-              <a:rPr lang="ko-KR" altLang="en-US" sz="3600" smtClean="0">
+              <a:rPr lang="ko-KR" altLang="en-US" sz="3600">
                 <a:solidFill>
                   <a:srgbClr val="FF0000"/>
                 </a:solidFill>
@@ -7416,7 +7374,7 @@
               <a:t>예외 </a:t>
             </a:r>
             <a:r>
-              <a:rPr lang="en-US" altLang="ko-KR" sz="3600" smtClean="0">
+              <a:rPr lang="en-US" altLang="ko-KR" sz="3600">
                 <a:solidFill>
                   <a:srgbClr val="FF0000"/>
                 </a:solidFill>
@@ -7426,7 +7384,7 @@
               <a:t>: </a:t>
             </a:r>
             <a:r>
-              <a:rPr lang="ko-KR" altLang="en-US" sz="3600" smtClean="0">
+              <a:rPr lang="ko-KR" altLang="en-US" sz="3600">
                 <a:solidFill>
                   <a:srgbClr val="FF0000"/>
                 </a:solidFill>
@@ -7436,7 +7394,7 @@
               <a:t>반드시 예외처리 해야 한다</a:t>
             </a:r>
             <a:r>
-              <a:rPr lang="en-US" altLang="ko-KR" sz="3600" smtClean="0">
+              <a:rPr lang="en-US" altLang="ko-KR" sz="3600">
                 <a:solidFill>
                   <a:srgbClr val="FF0000"/>
                 </a:solidFill>
@@ -7460,7 +7418,7 @@
           <p:cNvPr id="7" name="직선 화살표 연결선 6">
             <a:extLst>
               <a:ext uri="{FF2B5EF4-FFF2-40B4-BE49-F238E27FC236}">
-                <a16:creationId xmlns="" xmlns:a16="http://schemas.microsoft.com/office/drawing/2014/main" id="{299DF5EC-9DF4-5255-06AC-0A7CE4FF58C3}"/>
+                <a16:creationId xmlns:a16="http://schemas.microsoft.com/office/drawing/2014/main" id="{299DF5EC-9DF4-5255-06AC-0A7CE4FF58C3}"/>
               </a:ext>
             </a:extLst>
           </p:cNvPr>
@@ -7525,7 +7483,7 @@
           <p:cNvPr id="11" name="TextBox 10">
             <a:extLst>
               <a:ext uri="{FF2B5EF4-FFF2-40B4-BE49-F238E27FC236}">
-                <a16:creationId xmlns="" xmlns:a16="http://schemas.microsoft.com/office/drawing/2014/main" id="{A06D4055-10A8-4A24-5EDC-0761473BA40F}"/>
+                <a16:creationId xmlns:a16="http://schemas.microsoft.com/office/drawing/2014/main" id="{A06D4055-10A8-4A24-5EDC-0761473BA40F}"/>
               </a:ext>
             </a:extLst>
           </p:cNvPr>
@@ -7549,7 +7507,7 @@
           <a:lstStyle/>
           <a:p>
             <a:r>
-              <a:rPr lang="en-US" altLang="ko-KR" sz="3600" smtClean="0">
+              <a:rPr lang="en-US" altLang="ko-KR" sz="3600">
                 <a:solidFill>
                   <a:srgbClr val="FF0000"/>
                 </a:solidFill>
@@ -7559,7 +7517,7 @@
               <a:t>unchecked </a:t>
             </a:r>
             <a:r>
-              <a:rPr lang="ko-KR" altLang="en-US" sz="3600" smtClean="0">
+              <a:rPr lang="ko-KR" altLang="en-US" sz="3600">
                 <a:solidFill>
                   <a:srgbClr val="FF0000"/>
                 </a:solidFill>
@@ -7569,7 +7527,7 @@
               <a:t>예외 </a:t>
             </a:r>
             <a:r>
-              <a:rPr lang="en-US" altLang="ko-KR" sz="3600" smtClean="0">
+              <a:rPr lang="en-US" altLang="ko-KR" sz="3600">
                 <a:solidFill>
                   <a:srgbClr val="FF0000"/>
                 </a:solidFill>
@@ -7579,7 +7537,7 @@
               <a:t>: </a:t>
             </a:r>
             <a:r>
-              <a:rPr lang="ko-KR" altLang="en-US" sz="3600" smtClean="0">
+              <a:rPr lang="ko-KR" altLang="en-US" sz="3600">
                 <a:solidFill>
                   <a:srgbClr val="FF0000"/>
                 </a:solidFill>
@@ -7589,7 +7547,7 @@
               <a:t>컴파일은 통과된다</a:t>
             </a:r>
             <a:r>
-              <a:rPr lang="en-US" altLang="ko-KR" sz="3600" smtClean="0">
+              <a:rPr lang="en-US" altLang="ko-KR" sz="3600">
                 <a:solidFill>
                   <a:srgbClr val="FF0000"/>
                 </a:solidFill>
@@ -7613,7 +7571,7 @@
           <p:cNvPr id="12" name="직선 화살표 연결선 11">
             <a:extLst>
               <a:ext uri="{FF2B5EF4-FFF2-40B4-BE49-F238E27FC236}">
-                <a16:creationId xmlns="" xmlns:a16="http://schemas.microsoft.com/office/drawing/2014/main" id="{299DF5EC-9DF4-5255-06AC-0A7CE4FF58C3}"/>
+                <a16:creationId xmlns:a16="http://schemas.microsoft.com/office/drawing/2014/main" id="{299DF5EC-9DF4-5255-06AC-0A7CE4FF58C3}"/>
               </a:ext>
             </a:extLst>
           </p:cNvPr>
@@ -7966,7 +7924,7 @@
           <p:cNvPr id="11" name="TextBox 10">
             <a:extLst>
               <a:ext uri="{FF2B5EF4-FFF2-40B4-BE49-F238E27FC236}">
-                <a16:creationId xmlns="" xmlns:a16="http://schemas.microsoft.com/office/drawing/2014/main" id="{9F88F580-08BE-88C2-D640-13F0026591CB}"/>
+                <a16:creationId xmlns:a16="http://schemas.microsoft.com/office/drawing/2014/main" id="{9F88F580-08BE-88C2-D640-13F0026591CB}"/>
               </a:ext>
             </a:extLst>
           </p:cNvPr>
@@ -8024,7 +7982,7 @@
           <p:cNvPr id="13" name="TextBox 12">
             <a:extLst>
               <a:ext uri="{FF2B5EF4-FFF2-40B4-BE49-F238E27FC236}">
-                <a16:creationId xmlns="" xmlns:a16="http://schemas.microsoft.com/office/drawing/2014/main" id="{72769C28-9BB6-DE9C-7B6F-264B77B8DD0E}"/>
+                <a16:creationId xmlns:a16="http://schemas.microsoft.com/office/drawing/2014/main" id="{72769C28-9BB6-DE9C-7B6F-264B77B8DD0E}"/>
               </a:ext>
             </a:extLst>
           </p:cNvPr>
@@ -8072,7 +8030,7 @@
           <p:cNvPr id="14" name="TextBox 13">
             <a:extLst>
               <a:ext uri="{FF2B5EF4-FFF2-40B4-BE49-F238E27FC236}">
-                <a16:creationId xmlns="" xmlns:a16="http://schemas.microsoft.com/office/drawing/2014/main" id="{270FBB6A-01CE-5637-78DA-58F0C974145C}"/>
+                <a16:creationId xmlns:a16="http://schemas.microsoft.com/office/drawing/2014/main" id="{270FBB6A-01CE-5637-78DA-58F0C974145C}"/>
               </a:ext>
             </a:extLst>
           </p:cNvPr>
@@ -8113,7 +8071,7 @@
           <p:cNvPr id="2" name="Object 17">
             <a:extLst>
               <a:ext uri="{FF2B5EF4-FFF2-40B4-BE49-F238E27FC236}">
-                <a16:creationId xmlns="" xmlns:a16="http://schemas.microsoft.com/office/drawing/2014/main" id="{140B283D-FE58-FA6F-6F7C-E0F1DBB62A65}"/>
+                <a16:creationId xmlns:a16="http://schemas.microsoft.com/office/drawing/2014/main" id="{140B283D-FE58-FA6F-6F7C-E0F1DBB62A65}"/>
               </a:ext>
             </a:extLst>
           </p:cNvPr>
@@ -8143,7 +8101,7 @@
           <p:cNvPr id="4" name="TextBox 3">
             <a:extLst>
               <a:ext uri="{FF2B5EF4-FFF2-40B4-BE49-F238E27FC236}">
-                <a16:creationId xmlns="" xmlns:a16="http://schemas.microsoft.com/office/drawing/2014/main" id="{2C8D0998-79BC-6FD2-59D9-8052B4A25F65}"/>
+                <a16:creationId xmlns:a16="http://schemas.microsoft.com/office/drawing/2014/main" id="{2C8D0998-79BC-6FD2-59D9-8052B4A25F65}"/>
               </a:ext>
             </a:extLst>
           </p:cNvPr>
@@ -8167,7 +8125,7 @@
           <a:lstStyle/>
           <a:p>
             <a:r>
-              <a:rPr lang="ko-KR" altLang="en-US" sz="3200" smtClean="0">
+              <a:rPr lang="ko-KR" altLang="en-US" sz="3200">
                 <a:solidFill>
                   <a:srgbClr val="4D4848"/>
                 </a:solidFill>
@@ -8191,7 +8149,7 @@
           <p:cNvPr id="5" name="Object 18">
             <a:extLst>
               <a:ext uri="{FF2B5EF4-FFF2-40B4-BE49-F238E27FC236}">
-                <a16:creationId xmlns="" xmlns:a16="http://schemas.microsoft.com/office/drawing/2014/main" id="{3F58EA3E-1018-64D3-FAB2-4F6B9618FA56}"/>
+                <a16:creationId xmlns:a16="http://schemas.microsoft.com/office/drawing/2014/main" id="{3F58EA3E-1018-64D3-FAB2-4F6B9618FA56}"/>
               </a:ext>
             </a:extLst>
           </p:cNvPr>
@@ -8221,7 +8179,7 @@
           <p:cNvPr id="8" name="TextBox 7">
             <a:extLst>
               <a:ext uri="{FF2B5EF4-FFF2-40B4-BE49-F238E27FC236}">
-                <a16:creationId xmlns="" xmlns:a16="http://schemas.microsoft.com/office/drawing/2014/main" id="{681D3F16-7DCF-41AD-F5F1-0558C78C0E4D}"/>
+                <a16:creationId xmlns:a16="http://schemas.microsoft.com/office/drawing/2014/main" id="{681D3F16-7DCF-41AD-F5F1-0558C78C0E4D}"/>
               </a:ext>
             </a:extLst>
           </p:cNvPr>
@@ -8269,13 +8227,6 @@
   <p:clrMapOvr>
     <a:masterClrMapping/>
   </p:clrMapOvr>
-  <p:timing>
-    <p:tnLst>
-      <p:par>
-        <p:cTn id="1" dur="indefinite" restart="never" nodeType="tmRoot"/>
-      </p:par>
-    </p:tnLst>
-  </p:timing>
 </p:sld>
 </file>
 
@@ -8301,7 +8252,7 @@
           <p:cNvPr id="4" name="TextBox 3">
             <a:extLst>
               <a:ext uri="{FF2B5EF4-FFF2-40B4-BE49-F238E27FC236}">
-                <a16:creationId xmlns="" xmlns:a16="http://schemas.microsoft.com/office/drawing/2014/main" id="{842ED589-6A4E-CC1A-50B8-343A67912051}"/>
+                <a16:creationId xmlns:a16="http://schemas.microsoft.com/office/drawing/2014/main" id="{842ED589-6A4E-CC1A-50B8-343A67912051}"/>
               </a:ext>
             </a:extLst>
           </p:cNvPr>
@@ -8325,7 +8276,7 @@
           <a:lstStyle/>
           <a:p>
             <a:r>
-              <a:rPr lang="en-US" altLang="ko-KR" sz="4800" smtClean="0">
+              <a:rPr lang="en-US" altLang="ko-KR" sz="4800">
                 <a:solidFill>
                   <a:srgbClr val="4C50BC"/>
                 </a:solidFill>
@@ -8349,7 +8300,7 @@
           <p:cNvPr id="29" name="그룹 1018">
             <a:extLst>
               <a:ext uri="{FF2B5EF4-FFF2-40B4-BE49-F238E27FC236}">
-                <a16:creationId xmlns="" xmlns:a16="http://schemas.microsoft.com/office/drawing/2014/main" id="{F53BC57C-78A5-6AFC-CB34-7E3FD29B339F}"/>
+                <a16:creationId xmlns:a16="http://schemas.microsoft.com/office/drawing/2014/main" id="{F53BC57C-78A5-6AFC-CB34-7E3FD29B339F}"/>
               </a:ext>
             </a:extLst>
           </p:cNvPr>
@@ -8369,7 +8320,7 @@
             <p:cNvPr id="30" name="Object 61">
               <a:extLst>
                 <a:ext uri="{FF2B5EF4-FFF2-40B4-BE49-F238E27FC236}">
-                  <a16:creationId xmlns="" xmlns:a16="http://schemas.microsoft.com/office/drawing/2014/main" id="{E6F73685-14E5-06A9-813C-1C372BD6F4DE}"/>
+                  <a16:creationId xmlns:a16="http://schemas.microsoft.com/office/drawing/2014/main" id="{E6F73685-14E5-06A9-813C-1C372BD6F4DE}"/>
                 </a:ext>
               </a:extLst>
             </p:cNvPr>
@@ -8400,7 +8351,7 @@
           <p:cNvPr id="31" name="TextBox 30">
             <a:extLst>
               <a:ext uri="{FF2B5EF4-FFF2-40B4-BE49-F238E27FC236}">
-                <a16:creationId xmlns="" xmlns:a16="http://schemas.microsoft.com/office/drawing/2014/main" id="{A06D4055-10A8-4A24-5EDC-0761473BA40F}"/>
+                <a16:creationId xmlns:a16="http://schemas.microsoft.com/office/drawing/2014/main" id="{A06D4055-10A8-4A24-5EDC-0761473BA40F}"/>
               </a:ext>
             </a:extLst>
           </p:cNvPr>
@@ -8454,7 +8405,7 @@
           <p:cNvPr id="32" name="직선 연결선 31">
             <a:extLst>
               <a:ext uri="{FF2B5EF4-FFF2-40B4-BE49-F238E27FC236}">
-                <a16:creationId xmlns="" xmlns:a16="http://schemas.microsoft.com/office/drawing/2014/main" id="{1172879B-889D-0C2F-EEA8-003E6793F36F}"/>
+                <a16:creationId xmlns:a16="http://schemas.microsoft.com/office/drawing/2014/main" id="{1172879B-889D-0C2F-EEA8-003E6793F36F}"/>
               </a:ext>
             </a:extLst>
           </p:cNvPr>
@@ -8499,7 +8450,7 @@
           <p:cNvPr id="33" name="그룹 1018">
             <a:extLst>
               <a:ext uri="{FF2B5EF4-FFF2-40B4-BE49-F238E27FC236}">
-                <a16:creationId xmlns="" xmlns:a16="http://schemas.microsoft.com/office/drawing/2014/main" id="{F53BC57C-78A5-6AFC-CB34-7E3FD29B339F}"/>
+                <a16:creationId xmlns:a16="http://schemas.microsoft.com/office/drawing/2014/main" id="{F53BC57C-78A5-6AFC-CB34-7E3FD29B339F}"/>
               </a:ext>
             </a:extLst>
           </p:cNvPr>
@@ -8519,7 +8470,7 @@
             <p:cNvPr id="34" name="Object 61">
               <a:extLst>
                 <a:ext uri="{FF2B5EF4-FFF2-40B4-BE49-F238E27FC236}">
-                  <a16:creationId xmlns="" xmlns:a16="http://schemas.microsoft.com/office/drawing/2014/main" id="{E6F73685-14E5-06A9-813C-1C372BD6F4DE}"/>
+                  <a16:creationId xmlns:a16="http://schemas.microsoft.com/office/drawing/2014/main" id="{E6F73685-14E5-06A9-813C-1C372BD6F4DE}"/>
                 </a:ext>
               </a:extLst>
             </p:cNvPr>
@@ -8550,7 +8501,7 @@
           <p:cNvPr id="35" name="TextBox 34">
             <a:extLst>
               <a:ext uri="{FF2B5EF4-FFF2-40B4-BE49-F238E27FC236}">
-                <a16:creationId xmlns="" xmlns:a16="http://schemas.microsoft.com/office/drawing/2014/main" id="{A06D4055-10A8-4A24-5EDC-0761473BA40F}"/>
+                <a16:creationId xmlns:a16="http://schemas.microsoft.com/office/drawing/2014/main" id="{A06D4055-10A8-4A24-5EDC-0761473BA40F}"/>
               </a:ext>
             </a:extLst>
           </p:cNvPr>
@@ -8610,7 +8561,7 @@
           <p:cNvPr id="36" name="직선 연결선 35">
             <a:extLst>
               <a:ext uri="{FF2B5EF4-FFF2-40B4-BE49-F238E27FC236}">
-                <a16:creationId xmlns="" xmlns:a16="http://schemas.microsoft.com/office/drawing/2014/main" id="{1172879B-889D-0C2F-EEA8-003E6793F36F}"/>
+                <a16:creationId xmlns:a16="http://schemas.microsoft.com/office/drawing/2014/main" id="{1172879B-889D-0C2F-EEA8-003E6793F36F}"/>
               </a:ext>
             </a:extLst>
           </p:cNvPr>
@@ -8655,7 +8606,7 @@
           <p:cNvPr id="37" name="그룹 1018">
             <a:extLst>
               <a:ext uri="{FF2B5EF4-FFF2-40B4-BE49-F238E27FC236}">
-                <a16:creationId xmlns="" xmlns:a16="http://schemas.microsoft.com/office/drawing/2014/main" id="{F53BC57C-78A5-6AFC-CB34-7E3FD29B339F}"/>
+                <a16:creationId xmlns:a16="http://schemas.microsoft.com/office/drawing/2014/main" id="{F53BC57C-78A5-6AFC-CB34-7E3FD29B339F}"/>
               </a:ext>
             </a:extLst>
           </p:cNvPr>
@@ -8675,7 +8626,7 @@
             <p:cNvPr id="38" name="Object 61">
               <a:extLst>
                 <a:ext uri="{FF2B5EF4-FFF2-40B4-BE49-F238E27FC236}">
-                  <a16:creationId xmlns="" xmlns:a16="http://schemas.microsoft.com/office/drawing/2014/main" id="{E6F73685-14E5-06A9-813C-1C372BD6F4DE}"/>
+                  <a16:creationId xmlns:a16="http://schemas.microsoft.com/office/drawing/2014/main" id="{E6F73685-14E5-06A9-813C-1C372BD6F4DE}"/>
                 </a:ext>
               </a:extLst>
             </p:cNvPr>
@@ -8706,7 +8657,7 @@
           <p:cNvPr id="39" name="TextBox 38">
             <a:extLst>
               <a:ext uri="{FF2B5EF4-FFF2-40B4-BE49-F238E27FC236}">
-                <a16:creationId xmlns="" xmlns:a16="http://schemas.microsoft.com/office/drawing/2014/main" id="{A06D4055-10A8-4A24-5EDC-0761473BA40F}"/>
+                <a16:creationId xmlns:a16="http://schemas.microsoft.com/office/drawing/2014/main" id="{A06D4055-10A8-4A24-5EDC-0761473BA40F}"/>
               </a:ext>
             </a:extLst>
           </p:cNvPr>
@@ -8760,7 +8711,7 @@
           <p:cNvPr id="40" name="직선 연결선 39">
             <a:extLst>
               <a:ext uri="{FF2B5EF4-FFF2-40B4-BE49-F238E27FC236}">
-                <a16:creationId xmlns="" xmlns:a16="http://schemas.microsoft.com/office/drawing/2014/main" id="{1172879B-889D-0C2F-EEA8-003E6793F36F}"/>
+                <a16:creationId xmlns:a16="http://schemas.microsoft.com/office/drawing/2014/main" id="{1172879B-889D-0C2F-EEA8-003E6793F36F}"/>
               </a:ext>
             </a:extLst>
           </p:cNvPr>
@@ -8805,7 +8756,7 @@
           <p:cNvPr id="41" name="그룹 1018">
             <a:extLst>
               <a:ext uri="{FF2B5EF4-FFF2-40B4-BE49-F238E27FC236}">
-                <a16:creationId xmlns="" xmlns:a16="http://schemas.microsoft.com/office/drawing/2014/main" id="{F53BC57C-78A5-6AFC-CB34-7E3FD29B339F}"/>
+                <a16:creationId xmlns:a16="http://schemas.microsoft.com/office/drawing/2014/main" id="{F53BC57C-78A5-6AFC-CB34-7E3FD29B339F}"/>
               </a:ext>
             </a:extLst>
           </p:cNvPr>
@@ -8825,7 +8776,7 @@
             <p:cNvPr id="42" name="Object 61">
               <a:extLst>
                 <a:ext uri="{FF2B5EF4-FFF2-40B4-BE49-F238E27FC236}">
-                  <a16:creationId xmlns="" xmlns:a16="http://schemas.microsoft.com/office/drawing/2014/main" id="{E6F73685-14E5-06A9-813C-1C372BD6F4DE}"/>
+                  <a16:creationId xmlns:a16="http://schemas.microsoft.com/office/drawing/2014/main" id="{E6F73685-14E5-06A9-813C-1C372BD6F4DE}"/>
                 </a:ext>
               </a:extLst>
             </p:cNvPr>
@@ -8856,7 +8807,7 @@
           <p:cNvPr id="43" name="TextBox 42">
             <a:extLst>
               <a:ext uri="{FF2B5EF4-FFF2-40B4-BE49-F238E27FC236}">
-                <a16:creationId xmlns="" xmlns:a16="http://schemas.microsoft.com/office/drawing/2014/main" id="{A06D4055-10A8-4A24-5EDC-0761473BA40F}"/>
+                <a16:creationId xmlns:a16="http://schemas.microsoft.com/office/drawing/2014/main" id="{A06D4055-10A8-4A24-5EDC-0761473BA40F}"/>
               </a:ext>
             </a:extLst>
           </p:cNvPr>
@@ -8910,7 +8861,7 @@
           <p:cNvPr id="44" name="그룹 1018">
             <a:extLst>
               <a:ext uri="{FF2B5EF4-FFF2-40B4-BE49-F238E27FC236}">
-                <a16:creationId xmlns="" xmlns:a16="http://schemas.microsoft.com/office/drawing/2014/main" id="{F53BC57C-78A5-6AFC-CB34-7E3FD29B339F}"/>
+                <a16:creationId xmlns:a16="http://schemas.microsoft.com/office/drawing/2014/main" id="{F53BC57C-78A5-6AFC-CB34-7E3FD29B339F}"/>
               </a:ext>
             </a:extLst>
           </p:cNvPr>
@@ -8930,7 +8881,7 @@
             <p:cNvPr id="45" name="Object 61">
               <a:extLst>
                 <a:ext uri="{FF2B5EF4-FFF2-40B4-BE49-F238E27FC236}">
-                  <a16:creationId xmlns="" xmlns:a16="http://schemas.microsoft.com/office/drawing/2014/main" id="{E6F73685-14E5-06A9-813C-1C372BD6F4DE}"/>
+                  <a16:creationId xmlns:a16="http://schemas.microsoft.com/office/drawing/2014/main" id="{E6F73685-14E5-06A9-813C-1C372BD6F4DE}"/>
                 </a:ext>
               </a:extLst>
             </p:cNvPr>
@@ -8961,7 +8912,7 @@
           <p:cNvPr id="46" name="TextBox 45">
             <a:extLst>
               <a:ext uri="{FF2B5EF4-FFF2-40B4-BE49-F238E27FC236}">
-                <a16:creationId xmlns="" xmlns:a16="http://schemas.microsoft.com/office/drawing/2014/main" id="{A06D4055-10A8-4A24-5EDC-0761473BA40F}"/>
+                <a16:creationId xmlns:a16="http://schemas.microsoft.com/office/drawing/2014/main" id="{A06D4055-10A8-4A24-5EDC-0761473BA40F}"/>
               </a:ext>
             </a:extLst>
           </p:cNvPr>
@@ -8985,7 +8936,7 @@
           <a:lstStyle/>
           <a:p>
             <a:r>
-              <a:rPr lang="en-US" altLang="ko-KR" sz="4000" smtClean="0">
+              <a:rPr lang="en-US" altLang="ko-KR" sz="4000">
                 <a:solidFill>
                   <a:schemeClr val="tx1">
                     <a:lumMod val="50000"/>
@@ -9015,7 +8966,7 @@
           <p:cNvPr id="47" name="직선 연결선 46">
             <a:extLst>
               <a:ext uri="{FF2B5EF4-FFF2-40B4-BE49-F238E27FC236}">
-                <a16:creationId xmlns="" xmlns:a16="http://schemas.microsoft.com/office/drawing/2014/main" id="{1172879B-889D-0C2F-EEA8-003E6793F36F}"/>
+                <a16:creationId xmlns:a16="http://schemas.microsoft.com/office/drawing/2014/main" id="{1172879B-889D-0C2F-EEA8-003E6793F36F}"/>
               </a:ext>
             </a:extLst>
           </p:cNvPr>
@@ -9492,7 +9443,7 @@
           <p:cNvPr id="5" name="TextBox 4">
             <a:extLst>
               <a:ext uri="{FF2B5EF4-FFF2-40B4-BE49-F238E27FC236}">
-                <a16:creationId xmlns="" xmlns:a16="http://schemas.microsoft.com/office/drawing/2014/main" id="{C6D113C6-EA5C-788F-0C77-E7CE6EBB865F}"/>
+                <a16:creationId xmlns:a16="http://schemas.microsoft.com/office/drawing/2014/main" id="{C6D113C6-EA5C-788F-0C77-E7CE6EBB865F}"/>
               </a:ext>
             </a:extLst>
           </p:cNvPr>
@@ -9516,7 +9467,7 @@
           <a:lstStyle/>
           <a:p>
             <a:r>
-              <a:rPr lang="en-US" altLang="ko-KR" sz="4000" smtClean="0">
+              <a:rPr lang="en-US" altLang="ko-KR" sz="4000">
                 <a:solidFill>
                   <a:srgbClr val="FF0000"/>
                 </a:solidFill>
@@ -9526,7 +9477,7 @@
               <a:t>RuntimeException </a:t>
             </a:r>
             <a:r>
-              <a:rPr lang="ko-KR" altLang="en-US" sz="4000" smtClean="0">
+              <a:rPr lang="ko-KR" altLang="en-US" sz="4000">
                 <a:solidFill>
                   <a:srgbClr val="FF0000"/>
                 </a:solidFill>
@@ -9536,7 +9487,7 @@
               <a:t>이기에 그동안 예외처리 없이 컴파일이 가능했다</a:t>
             </a:r>
             <a:r>
-              <a:rPr lang="en-US" altLang="ko-KR" sz="4000" smtClean="0">
+              <a:rPr lang="en-US" altLang="ko-KR" sz="4000">
                 <a:solidFill>
                   <a:srgbClr val="FF0000"/>
                 </a:solidFill>
@@ -9565,13 +9516,6 @@
   <p:clrMapOvr>
     <a:masterClrMapping/>
   </p:clrMapOvr>
-  <p:timing>
-    <p:tnLst>
-      <p:par>
-        <p:cTn id="1" dur="indefinite" restart="never" nodeType="tmRoot"/>
-      </p:par>
-    </p:tnLst>
-  </p:timing>
 </p:sld>
 </file>
 
@@ -9597,7 +9541,7 @@
           <p:cNvPr id="5" name="TextBox 4">
             <a:extLst>
               <a:ext uri="{FF2B5EF4-FFF2-40B4-BE49-F238E27FC236}">
-                <a16:creationId xmlns="" xmlns:a16="http://schemas.microsoft.com/office/drawing/2014/main" id="{842ED589-6A4E-CC1A-50B8-343A67912051}"/>
+                <a16:creationId xmlns:a16="http://schemas.microsoft.com/office/drawing/2014/main" id="{842ED589-6A4E-CC1A-50B8-343A67912051}"/>
               </a:ext>
             </a:extLst>
           </p:cNvPr>
@@ -9621,7 +9565,7 @@
           <a:lstStyle/>
           <a:p>
             <a:r>
-              <a:rPr lang="ko-KR" altLang="en-US" sz="4800" smtClean="0">
+              <a:rPr lang="ko-KR" altLang="en-US" sz="4800">
                 <a:solidFill>
                   <a:srgbClr val="4C50BC"/>
                 </a:solidFill>
@@ -9669,7 +9613,7 @@
           <p:cNvPr id="9" name="직선 화살표 연결선 8">
             <a:extLst>
               <a:ext uri="{FF2B5EF4-FFF2-40B4-BE49-F238E27FC236}">
-                <a16:creationId xmlns="" xmlns:a16="http://schemas.microsoft.com/office/drawing/2014/main" id="{299DF5EC-9DF4-5255-06AC-0A7CE4FF58C3}"/>
+                <a16:creationId xmlns:a16="http://schemas.microsoft.com/office/drawing/2014/main" id="{299DF5EC-9DF4-5255-06AC-0A7CE4FF58C3}"/>
               </a:ext>
             </a:extLst>
           </p:cNvPr>
@@ -9710,7 +9654,7 @@
           <p:cNvPr id="10" name="직사각형 9">
             <a:extLst>
               <a:ext uri="{FF2B5EF4-FFF2-40B4-BE49-F238E27FC236}">
-                <a16:creationId xmlns="" xmlns:a16="http://schemas.microsoft.com/office/drawing/2014/main" id="{FFF506F9-840A-0508-4CAF-3AC711D8D5CE}"/>
+                <a16:creationId xmlns:a16="http://schemas.microsoft.com/office/drawing/2014/main" id="{FFF506F9-840A-0508-4CAF-3AC711D8D5CE}"/>
               </a:ext>
             </a:extLst>
           </p:cNvPr>
@@ -9762,7 +9706,7 @@
           <p:cNvPr id="11" name="TextBox 10">
             <a:extLst>
               <a:ext uri="{FF2B5EF4-FFF2-40B4-BE49-F238E27FC236}">
-                <a16:creationId xmlns="" xmlns:a16="http://schemas.microsoft.com/office/drawing/2014/main" id="{C6D113C6-EA5C-788F-0C77-E7CE6EBB865F}"/>
+                <a16:creationId xmlns:a16="http://schemas.microsoft.com/office/drawing/2014/main" id="{C6D113C6-EA5C-788F-0C77-E7CE6EBB865F}"/>
               </a:ext>
             </a:extLst>
           </p:cNvPr>
@@ -9786,7 +9730,7 @@
           <a:lstStyle/>
           <a:p>
             <a:r>
-              <a:rPr lang="ko-KR" altLang="en-US" sz="4000" smtClean="0">
+              <a:rPr lang="ko-KR" altLang="en-US" sz="4000">
                 <a:solidFill>
                   <a:srgbClr val="FF0000"/>
                 </a:solidFill>
@@ -9796,7 +9740,7 @@
               <a:t>메서드 내부에서 해당 예외 발생시 메서드를 호출한쪽으로 예외를 넘긴다</a:t>
             </a:r>
             <a:r>
-              <a:rPr lang="en-US" altLang="ko-KR" sz="4000" smtClean="0">
+              <a:rPr lang="en-US" altLang="ko-KR" sz="4000">
                 <a:solidFill>
                   <a:srgbClr val="FF0000"/>
                 </a:solidFill>
@@ -9873,13 +9817,6 @@
   <p:clrMapOvr>
     <a:masterClrMapping/>
   </p:clrMapOvr>
-  <p:timing>
-    <p:tnLst>
-      <p:par>
-        <p:cTn id="1" dur="indefinite" restart="never" nodeType="tmRoot"/>
-      </p:par>
-    </p:tnLst>
-  </p:timing>
 </p:sld>
 </file>
 
@@ -9929,7 +9866,7 @@
           <p:cNvPr id="6" name="그룹 1008">
             <a:extLst>
               <a:ext uri="{FF2B5EF4-FFF2-40B4-BE49-F238E27FC236}">
-                <a16:creationId xmlns="" xmlns:a16="http://schemas.microsoft.com/office/drawing/2014/main" id="{678F6342-C505-E8AD-ADA4-022CB2C2088E}"/>
+                <a16:creationId xmlns:a16="http://schemas.microsoft.com/office/drawing/2014/main" id="{678F6342-C505-E8AD-ADA4-022CB2C2088E}"/>
               </a:ext>
             </a:extLst>
           </p:cNvPr>
@@ -9949,7 +9886,7 @@
             <p:cNvPr id="7" name="그룹 1009">
               <a:extLst>
                 <a:ext uri="{FF2B5EF4-FFF2-40B4-BE49-F238E27FC236}">
-                  <a16:creationId xmlns="" xmlns:a16="http://schemas.microsoft.com/office/drawing/2014/main" id="{4E1F1FED-812B-9BBB-925A-84B54A077414}"/>
+                  <a16:creationId xmlns:a16="http://schemas.microsoft.com/office/drawing/2014/main" id="{4E1F1FED-812B-9BBB-925A-84B54A077414}"/>
                 </a:ext>
               </a:extLst>
             </p:cNvPr>
@@ -9969,7 +9906,7 @@
               <p:cNvPr id="12" name="Object 29">
                 <a:extLst>
                   <a:ext uri="{FF2B5EF4-FFF2-40B4-BE49-F238E27FC236}">
-                    <a16:creationId xmlns="" xmlns:a16="http://schemas.microsoft.com/office/drawing/2014/main" id="{7B078609-4286-7B00-51EB-809C8E2DE289}"/>
+                    <a16:creationId xmlns:a16="http://schemas.microsoft.com/office/drawing/2014/main" id="{7B078609-4286-7B00-51EB-809C8E2DE289}"/>
                   </a:ext>
                 </a:extLst>
               </p:cNvPr>
@@ -10000,7 +9937,7 @@
             <p:cNvPr id="8" name="그룹 1010">
               <a:extLst>
                 <a:ext uri="{FF2B5EF4-FFF2-40B4-BE49-F238E27FC236}">
-                  <a16:creationId xmlns="" xmlns:a16="http://schemas.microsoft.com/office/drawing/2014/main" id="{02A649BF-B5B5-FBAF-7DFD-E118A4DF8907}"/>
+                  <a16:creationId xmlns:a16="http://schemas.microsoft.com/office/drawing/2014/main" id="{02A649BF-B5B5-FBAF-7DFD-E118A4DF8907}"/>
                 </a:ext>
               </a:extLst>
             </p:cNvPr>
@@ -10020,7 +9957,7 @@
               <p:cNvPr id="11" name="Object 32">
                 <a:extLst>
                   <a:ext uri="{FF2B5EF4-FFF2-40B4-BE49-F238E27FC236}">
-                    <a16:creationId xmlns="" xmlns:a16="http://schemas.microsoft.com/office/drawing/2014/main" id="{2A0FFF23-B3C9-3EA0-1C1B-A87D4FF098AE}"/>
+                    <a16:creationId xmlns:a16="http://schemas.microsoft.com/office/drawing/2014/main" id="{2A0FFF23-B3C9-3EA0-1C1B-A87D4FF098AE}"/>
                   </a:ext>
                 </a:extLst>
               </p:cNvPr>
@@ -10051,7 +9988,7 @@
             <p:cNvPr id="9" name="그룹 1011">
               <a:extLst>
                 <a:ext uri="{FF2B5EF4-FFF2-40B4-BE49-F238E27FC236}">
-                  <a16:creationId xmlns="" xmlns:a16="http://schemas.microsoft.com/office/drawing/2014/main" id="{881F5410-F7FB-F261-A584-707359BAC593}"/>
+                  <a16:creationId xmlns:a16="http://schemas.microsoft.com/office/drawing/2014/main" id="{881F5410-F7FB-F261-A584-707359BAC593}"/>
                 </a:ext>
               </a:extLst>
             </p:cNvPr>
@@ -10071,7 +10008,7 @@
               <p:cNvPr id="10" name="Object 35">
                 <a:extLst>
                   <a:ext uri="{FF2B5EF4-FFF2-40B4-BE49-F238E27FC236}">
-                    <a16:creationId xmlns="" xmlns:a16="http://schemas.microsoft.com/office/drawing/2014/main" id="{4E99E669-73EB-F9F4-EFE8-DC107035C265}"/>
+                    <a16:creationId xmlns:a16="http://schemas.microsoft.com/office/drawing/2014/main" id="{4E99E669-73EB-F9F4-EFE8-DC107035C265}"/>
                   </a:ext>
                 </a:extLst>
               </p:cNvPr>
@@ -10151,7 +10088,7 @@
           <p:cNvPr id="15" name="직사각형 14">
             <a:extLst>
               <a:ext uri="{FF2B5EF4-FFF2-40B4-BE49-F238E27FC236}">
-                <a16:creationId xmlns="" xmlns:a16="http://schemas.microsoft.com/office/drawing/2014/main" id="{FFF506F9-840A-0508-4CAF-3AC711D8D5CE}"/>
+                <a16:creationId xmlns:a16="http://schemas.microsoft.com/office/drawing/2014/main" id="{FFF506F9-840A-0508-4CAF-3AC711D8D5CE}"/>
               </a:ext>
             </a:extLst>
           </p:cNvPr>
@@ -10203,7 +10140,7 @@
           <p:cNvPr id="16" name="TextBox 15">
             <a:extLst>
               <a:ext uri="{FF2B5EF4-FFF2-40B4-BE49-F238E27FC236}">
-                <a16:creationId xmlns="" xmlns:a16="http://schemas.microsoft.com/office/drawing/2014/main" id="{C6D113C6-EA5C-788F-0C77-E7CE6EBB865F}"/>
+                <a16:creationId xmlns:a16="http://schemas.microsoft.com/office/drawing/2014/main" id="{C6D113C6-EA5C-788F-0C77-E7CE6EBB865F}"/>
               </a:ext>
             </a:extLst>
           </p:cNvPr>
@@ -10227,7 +10164,7 @@
           <a:lstStyle/>
           <a:p>
             <a:r>
-              <a:rPr lang="en-US" altLang="ko-KR" sz="4000" smtClean="0">
+              <a:rPr lang="en-US" altLang="ko-KR" sz="4000">
                 <a:solidFill>
                   <a:srgbClr val="FF0000"/>
                 </a:solidFill>
@@ -10237,7 +10174,7 @@
               <a:t>unchecked </a:t>
             </a:r>
             <a:r>
-              <a:rPr lang="ko-KR" altLang="en-US" sz="4000" smtClean="0">
+              <a:rPr lang="ko-KR" altLang="en-US" sz="4000">
                 <a:solidFill>
                   <a:srgbClr val="FF0000"/>
                 </a:solidFill>
@@ -10247,7 +10184,7 @@
               <a:t>예외를 넘긴다면 호출하는쪽에서 반드시 예외처리를 해줘야 된다</a:t>
             </a:r>
             <a:r>
-              <a:rPr lang="en-US" altLang="ko-KR" sz="4000" smtClean="0">
+              <a:rPr lang="en-US" altLang="ko-KR" sz="4000">
                 <a:solidFill>
                   <a:srgbClr val="FF0000"/>
                 </a:solidFill>
@@ -10276,13 +10213,6 @@
   <p:clrMapOvr>
     <a:masterClrMapping/>
   </p:clrMapOvr>
-  <p:timing>
-    <p:tnLst>
-      <p:par>
-        <p:cTn id="1" dur="indefinite" restart="never" nodeType="tmRoot"/>
-      </p:par>
-    </p:tnLst>
-  </p:timing>
 </p:sld>
 </file>
 
@@ -10332,7 +10262,7 @@
           <p:cNvPr id="7" name="직선 화살표 연결선 6">
             <a:extLst>
               <a:ext uri="{FF2B5EF4-FFF2-40B4-BE49-F238E27FC236}">
-                <a16:creationId xmlns="" xmlns:a16="http://schemas.microsoft.com/office/drawing/2014/main" id="{299DF5EC-9DF4-5255-06AC-0A7CE4FF58C3}"/>
+                <a16:creationId xmlns:a16="http://schemas.microsoft.com/office/drawing/2014/main" id="{299DF5EC-9DF4-5255-06AC-0A7CE4FF58C3}"/>
               </a:ext>
             </a:extLst>
           </p:cNvPr>
@@ -10373,7 +10303,7 @@
           <p:cNvPr id="8" name="직사각형 7">
             <a:extLst>
               <a:ext uri="{FF2B5EF4-FFF2-40B4-BE49-F238E27FC236}">
-                <a16:creationId xmlns="" xmlns:a16="http://schemas.microsoft.com/office/drawing/2014/main" id="{FFF506F9-840A-0508-4CAF-3AC711D8D5CE}"/>
+                <a16:creationId xmlns:a16="http://schemas.microsoft.com/office/drawing/2014/main" id="{FFF506F9-840A-0508-4CAF-3AC711D8D5CE}"/>
               </a:ext>
             </a:extLst>
           </p:cNvPr>
@@ -10425,7 +10355,7 @@
           <p:cNvPr id="9" name="TextBox 8">
             <a:extLst>
               <a:ext uri="{FF2B5EF4-FFF2-40B4-BE49-F238E27FC236}">
-                <a16:creationId xmlns="" xmlns:a16="http://schemas.microsoft.com/office/drawing/2014/main" id="{C6D113C6-EA5C-788F-0C77-E7CE6EBB865F}"/>
+                <a16:creationId xmlns:a16="http://schemas.microsoft.com/office/drawing/2014/main" id="{C6D113C6-EA5C-788F-0C77-E7CE6EBB865F}"/>
               </a:ext>
             </a:extLst>
           </p:cNvPr>
@@ -10449,7 +10379,7 @@
           <a:lstStyle/>
           <a:p>
             <a:r>
-              <a:rPr lang="en-US" altLang="ko-KR" sz="4000" smtClean="0">
+              <a:rPr lang="en-US" altLang="ko-KR" sz="4000">
                 <a:solidFill>
                   <a:srgbClr val="FF0000"/>
                 </a:solidFill>
@@ -10459,7 +10389,7 @@
               <a:t>method</a:t>
             </a:r>
             <a:r>
-              <a:rPr lang="ko-KR" altLang="en-US" sz="4000" smtClean="0">
+              <a:rPr lang="ko-KR" altLang="en-US" sz="4000">
                 <a:solidFill>
                   <a:srgbClr val="FF0000"/>
                 </a:solidFill>
@@ -10469,7 +10399,7 @@
               <a:t>가 </a:t>
             </a:r>
             <a:r>
-              <a:rPr lang="en-US" altLang="ko-KR" sz="4000" smtClean="0">
+              <a:rPr lang="en-US" altLang="ko-KR" sz="4000">
                 <a:solidFill>
                   <a:srgbClr val="FF0000"/>
                 </a:solidFill>
@@ -10479,7 +10409,7 @@
               <a:t>IOException</a:t>
             </a:r>
             <a:r>
-              <a:rPr lang="ko-KR" altLang="en-US" sz="4000" smtClean="0">
+              <a:rPr lang="ko-KR" altLang="en-US" sz="4000">
                 <a:solidFill>
                   <a:srgbClr val="FF0000"/>
                 </a:solidFill>
@@ -10489,7 +10419,7 @@
               <a:t>을 처리하지 않고 넘겼으나 </a:t>
             </a:r>
             <a:r>
-              <a:rPr lang="en-US" altLang="ko-KR" sz="4000" smtClean="0">
+              <a:rPr lang="en-US" altLang="ko-KR" sz="4000">
                 <a:solidFill>
                   <a:srgbClr val="FF0000"/>
                 </a:solidFill>
@@ -10499,7 +10429,7 @@
               <a:t>main </a:t>
             </a:r>
             <a:r>
-              <a:rPr lang="ko-KR" altLang="en-US" sz="4000" smtClean="0">
+              <a:rPr lang="ko-KR" altLang="en-US" sz="4000">
                 <a:solidFill>
                   <a:srgbClr val="FF0000"/>
                 </a:solidFill>
@@ -10509,7 +10439,7 @@
               <a:t>메서드 역시 처리하지 않고 본인을 호출한쪽으로 예외를 넘기고 있다</a:t>
             </a:r>
             <a:r>
-              <a:rPr lang="en-US" altLang="ko-KR" sz="4000" smtClean="0">
+              <a:rPr lang="en-US" altLang="ko-KR" sz="4000">
                 <a:solidFill>
                   <a:srgbClr val="FF0000"/>
                 </a:solidFill>
@@ -10538,13 +10468,6 @@
   <p:clrMapOvr>
     <a:masterClrMapping/>
   </p:clrMapOvr>
-  <p:timing>
-    <p:tnLst>
-      <p:par>
-        <p:cTn id="1" dur="indefinite" restart="never" nodeType="tmRoot"/>
-      </p:par>
-    </p:tnLst>
-  </p:timing>
 </p:sld>
 </file>
 
@@ -10570,7 +10493,7 @@
           <p:cNvPr id="4" name="TextBox 3">
             <a:extLst>
               <a:ext uri="{FF2B5EF4-FFF2-40B4-BE49-F238E27FC236}">
-                <a16:creationId xmlns="" xmlns:a16="http://schemas.microsoft.com/office/drawing/2014/main" id="{842ED589-6A4E-CC1A-50B8-343A67912051}"/>
+                <a16:creationId xmlns:a16="http://schemas.microsoft.com/office/drawing/2014/main" id="{842ED589-6A4E-CC1A-50B8-343A67912051}"/>
               </a:ext>
             </a:extLst>
           </p:cNvPr>
@@ -10594,7 +10517,7 @@
           <a:lstStyle/>
           <a:p>
             <a:r>
-              <a:rPr lang="en-US" altLang="ko-KR" sz="4800" smtClean="0">
+              <a:rPr lang="en-US" altLang="ko-KR" sz="4800">
                 <a:solidFill>
                   <a:srgbClr val="4C50BC"/>
                 </a:solidFill>
@@ -10642,7 +10565,7 @@
           <p:cNvPr id="9" name="TextBox 8">
             <a:extLst>
               <a:ext uri="{FF2B5EF4-FFF2-40B4-BE49-F238E27FC236}">
-                <a16:creationId xmlns:a16="http://schemas.microsoft.com/office/drawing/2014/main" xmlns="" id="{A2AD056B-97A4-5BCC-4460-250160F3E171}"/>
+                <a16:creationId xmlns:a16="http://schemas.microsoft.com/office/drawing/2014/main" id="{A2AD056B-97A4-5BCC-4460-250160F3E171}"/>
               </a:ext>
             </a:extLst>
           </p:cNvPr>
@@ -10666,7 +10589,7 @@
           <a:lstStyle/>
           <a:p>
             <a:r>
-              <a:rPr lang="ko-KR" altLang="en-US" sz="4000" dirty="0" smtClean="0">
+              <a:rPr lang="ko-KR" altLang="en-US" sz="4000" dirty="0">
                 <a:solidFill>
                   <a:schemeClr val="tx1">
                     <a:lumMod val="50000"/>
@@ -10679,7 +10602,7 @@
               <a:t>예외와 상관없이 반드시 실행되어야 하는 코드가 있다면</a:t>
             </a:r>
             <a:r>
-              <a:rPr lang="en-US" altLang="ko-KR" sz="4000" dirty="0" smtClean="0">
+              <a:rPr lang="en-US" altLang="ko-KR" sz="4000" dirty="0">
                 <a:solidFill>
                   <a:schemeClr val="tx1">
                     <a:lumMod val="50000"/>
@@ -10691,16 +10614,6 @@
               </a:rPr>
               <a:t>?</a:t>
             </a:r>
-            <a:endParaRPr lang="en-US" altLang="ko-KR" sz="4000" dirty="0">
-              <a:solidFill>
-                <a:schemeClr val="tx1">
-                  <a:lumMod val="50000"/>
-                  <a:lumOff val="50000"/>
-                </a:schemeClr>
-              </a:solidFill>
-              <a:latin typeface="G마켓 산스 Medium" panose="02000000000000000000" pitchFamily="50" charset="-127"/>
-              <a:ea typeface="G마켓 산스 Medium" panose="02000000000000000000" pitchFamily="50" charset="-127"/>
-            </a:endParaRPr>
           </a:p>
         </p:txBody>
       </p:sp>
@@ -10709,7 +10622,7 @@
           <p:cNvPr id="10" name="직선 화살표 연결선 9">
             <a:extLst>
               <a:ext uri="{FF2B5EF4-FFF2-40B4-BE49-F238E27FC236}">
-                <a16:creationId xmlns:a16="http://schemas.microsoft.com/office/drawing/2014/main" xmlns="" id="{299DF5EC-9DF4-5255-06AC-0A7CE4FF58C3}"/>
+                <a16:creationId xmlns:a16="http://schemas.microsoft.com/office/drawing/2014/main" id="{299DF5EC-9DF4-5255-06AC-0A7CE4FF58C3}"/>
               </a:ext>
             </a:extLst>
           </p:cNvPr>
@@ -10750,7 +10663,7 @@
           <p:cNvPr id="11" name="직사각형 10">
             <a:extLst>
               <a:ext uri="{FF2B5EF4-FFF2-40B4-BE49-F238E27FC236}">
-                <a16:creationId xmlns:a16="http://schemas.microsoft.com/office/drawing/2014/main" xmlns="" id="{FFF506F9-840A-0508-4CAF-3AC711D8D5CE}"/>
+                <a16:creationId xmlns:a16="http://schemas.microsoft.com/office/drawing/2014/main" id="{FFF506F9-840A-0508-4CAF-3AC711D8D5CE}"/>
               </a:ext>
             </a:extLst>
           </p:cNvPr>
@@ -10802,7 +10715,7 @@
           <p:cNvPr id="12" name="TextBox 11">
             <a:extLst>
               <a:ext uri="{FF2B5EF4-FFF2-40B4-BE49-F238E27FC236}">
-                <a16:creationId xmlns:a16="http://schemas.microsoft.com/office/drawing/2014/main" xmlns="" id="{C6D113C6-EA5C-788F-0C77-E7CE6EBB865F}"/>
+                <a16:creationId xmlns:a16="http://schemas.microsoft.com/office/drawing/2014/main" id="{C6D113C6-EA5C-788F-0C77-E7CE6EBB865F}"/>
               </a:ext>
             </a:extLst>
           </p:cNvPr>
@@ -10826,7 +10739,7 @@
           <a:lstStyle/>
           <a:p>
             <a:r>
-              <a:rPr lang="ko-KR" altLang="en-US" sz="3600" dirty="0" smtClean="0">
+              <a:rPr lang="ko-KR" altLang="en-US" sz="3600" dirty="0">
                 <a:solidFill>
                   <a:srgbClr val="FF0000"/>
                 </a:solidFill>
@@ -10836,7 +10749,7 @@
               <a:t>예외가 발생하면 </a:t>
             </a:r>
             <a:r>
-              <a:rPr lang="ko-KR" altLang="en-US" sz="3600" dirty="0" err="1" smtClean="0">
+              <a:rPr lang="ko-KR" altLang="en-US" sz="3600" dirty="0" err="1">
                 <a:solidFill>
                   <a:srgbClr val="FF0000"/>
                 </a:solidFill>
@@ -10846,7 +10759,7 @@
               <a:t>실행될수</a:t>
             </a:r>
             <a:r>
-              <a:rPr lang="ko-KR" altLang="en-US" sz="3600" dirty="0" smtClean="0">
+              <a:rPr lang="ko-KR" altLang="en-US" sz="3600" dirty="0">
                 <a:solidFill>
                   <a:srgbClr val="FF0000"/>
                 </a:solidFill>
@@ -10856,7 +10769,7 @@
               <a:t> 없다</a:t>
             </a:r>
             <a:r>
-              <a:rPr lang="en-US" altLang="ko-KR" sz="3600" dirty="0" smtClean="0">
+              <a:rPr lang="en-US" altLang="ko-KR" sz="3600" dirty="0">
                 <a:solidFill>
                   <a:srgbClr val="FF0000"/>
                 </a:solidFill>
@@ -10865,13 +10778,6 @@
               </a:rPr>
               <a:t>.</a:t>
             </a:r>
-            <a:endParaRPr lang="en-US" altLang="ko-KR" sz="3600" dirty="0">
-              <a:solidFill>
-                <a:srgbClr val="FF0000"/>
-              </a:solidFill>
-              <a:latin typeface="G마켓 산스 Medium" panose="02000000000000000000" pitchFamily="50" charset="-127"/>
-              <a:ea typeface="G마켓 산스 Medium" panose="02000000000000000000" pitchFamily="50" charset="-127"/>
-            </a:endParaRPr>
           </a:p>
         </p:txBody>
       </p:sp>
@@ -10885,13 +10791,6 @@
   <p:clrMapOvr>
     <a:masterClrMapping/>
   </p:clrMapOvr>
-  <p:timing>
-    <p:tnLst>
-      <p:par>
-        <p:cTn id="1" dur="indefinite" restart="never" nodeType="tmRoot"/>
-      </p:par>
-    </p:tnLst>
-  </p:timing>
 </p:sld>
 </file>
 
@@ -10941,7 +10840,7 @@
           <p:cNvPr id="6" name="직선 화살표 연결선 5">
             <a:extLst>
               <a:ext uri="{FF2B5EF4-FFF2-40B4-BE49-F238E27FC236}">
-                <a16:creationId xmlns:a16="http://schemas.microsoft.com/office/drawing/2014/main" xmlns="" id="{299DF5EC-9DF4-5255-06AC-0A7CE4FF58C3}"/>
+                <a16:creationId xmlns:a16="http://schemas.microsoft.com/office/drawing/2014/main" id="{299DF5EC-9DF4-5255-06AC-0A7CE4FF58C3}"/>
               </a:ext>
             </a:extLst>
           </p:cNvPr>
@@ -10982,7 +10881,7 @@
           <p:cNvPr id="7" name="직사각형 6">
             <a:extLst>
               <a:ext uri="{FF2B5EF4-FFF2-40B4-BE49-F238E27FC236}">
-                <a16:creationId xmlns:a16="http://schemas.microsoft.com/office/drawing/2014/main" xmlns="" id="{FFF506F9-840A-0508-4CAF-3AC711D8D5CE}"/>
+                <a16:creationId xmlns:a16="http://schemas.microsoft.com/office/drawing/2014/main" id="{FFF506F9-840A-0508-4CAF-3AC711D8D5CE}"/>
               </a:ext>
             </a:extLst>
           </p:cNvPr>
@@ -11034,7 +10933,7 @@
           <p:cNvPr id="8" name="TextBox 7">
             <a:extLst>
               <a:ext uri="{FF2B5EF4-FFF2-40B4-BE49-F238E27FC236}">
-                <a16:creationId xmlns:a16="http://schemas.microsoft.com/office/drawing/2014/main" xmlns="" id="{C6D113C6-EA5C-788F-0C77-E7CE6EBB865F}"/>
+                <a16:creationId xmlns:a16="http://schemas.microsoft.com/office/drawing/2014/main" id="{C6D113C6-EA5C-788F-0C77-E7CE6EBB865F}"/>
               </a:ext>
             </a:extLst>
           </p:cNvPr>
@@ -11058,7 +10957,7 @@
           <a:lstStyle/>
           <a:p>
             <a:r>
-              <a:rPr lang="ko-KR" altLang="en-US" sz="3600" dirty="0" smtClean="0">
+              <a:rPr lang="ko-KR" altLang="en-US" sz="3600" dirty="0">
                 <a:solidFill>
                   <a:srgbClr val="FF0000"/>
                 </a:solidFill>
@@ -11068,7 +10967,7 @@
               <a:t>예외가 발생하지 않으면 </a:t>
             </a:r>
             <a:r>
-              <a:rPr lang="ko-KR" altLang="en-US" sz="3600" dirty="0" err="1" smtClean="0">
+              <a:rPr lang="ko-KR" altLang="en-US" sz="3600" dirty="0" err="1">
                 <a:solidFill>
                   <a:srgbClr val="FF0000"/>
                 </a:solidFill>
@@ -11078,7 +10977,7 @@
               <a:t>실행될수</a:t>
             </a:r>
             <a:r>
-              <a:rPr lang="ko-KR" altLang="en-US" sz="3600" dirty="0" smtClean="0">
+              <a:rPr lang="ko-KR" altLang="en-US" sz="3600" dirty="0">
                 <a:solidFill>
                   <a:srgbClr val="FF0000"/>
                 </a:solidFill>
@@ -11088,7 +10987,7 @@
               <a:t> 없다</a:t>
             </a:r>
             <a:r>
-              <a:rPr lang="en-US" altLang="ko-KR" sz="3600" dirty="0" smtClean="0">
+              <a:rPr lang="en-US" altLang="ko-KR" sz="3600" dirty="0">
                 <a:solidFill>
                   <a:srgbClr val="FF0000"/>
                 </a:solidFill>
@@ -11097,13 +10996,6 @@
               </a:rPr>
               <a:t>.</a:t>
             </a:r>
-            <a:endParaRPr lang="en-US" altLang="ko-KR" sz="3600" dirty="0">
-              <a:solidFill>
-                <a:srgbClr val="FF0000"/>
-              </a:solidFill>
-              <a:latin typeface="G마켓 산스 Medium" panose="02000000000000000000" pitchFamily="50" charset="-127"/>
-              <a:ea typeface="G마켓 산스 Medium" panose="02000000000000000000" pitchFamily="50" charset="-127"/>
-            </a:endParaRPr>
           </a:p>
         </p:txBody>
       </p:sp>
@@ -11117,13 +11009,6 @@
   <p:clrMapOvr>
     <a:masterClrMapping/>
   </p:clrMapOvr>
-  <p:timing>
-    <p:tnLst>
-      <p:par>
-        <p:cTn id="1" dur="indefinite" restart="never" nodeType="tmRoot"/>
-      </p:par>
-    </p:tnLst>
-  </p:timing>
 </p:sld>
 </file>
 
@@ -11173,7 +11058,7 @@
           <p:cNvPr id="5" name="직선 화살표 연결선 4">
             <a:extLst>
               <a:ext uri="{FF2B5EF4-FFF2-40B4-BE49-F238E27FC236}">
-                <a16:creationId xmlns:a16="http://schemas.microsoft.com/office/drawing/2014/main" xmlns="" id="{299DF5EC-9DF4-5255-06AC-0A7CE4FF58C3}"/>
+                <a16:creationId xmlns:a16="http://schemas.microsoft.com/office/drawing/2014/main" id="{299DF5EC-9DF4-5255-06AC-0A7CE4FF58C3}"/>
               </a:ext>
             </a:extLst>
           </p:cNvPr>
@@ -11214,7 +11099,7 @@
           <p:cNvPr id="6" name="직사각형 5">
             <a:extLst>
               <a:ext uri="{FF2B5EF4-FFF2-40B4-BE49-F238E27FC236}">
-                <a16:creationId xmlns:a16="http://schemas.microsoft.com/office/drawing/2014/main" xmlns="" id="{FFF506F9-840A-0508-4CAF-3AC711D8D5CE}"/>
+                <a16:creationId xmlns:a16="http://schemas.microsoft.com/office/drawing/2014/main" id="{FFF506F9-840A-0508-4CAF-3AC711D8D5CE}"/>
               </a:ext>
             </a:extLst>
           </p:cNvPr>
@@ -11266,7 +11151,7 @@
           <p:cNvPr id="7" name="TextBox 6">
             <a:extLst>
               <a:ext uri="{FF2B5EF4-FFF2-40B4-BE49-F238E27FC236}">
-                <a16:creationId xmlns:a16="http://schemas.microsoft.com/office/drawing/2014/main" xmlns="" id="{C6D113C6-EA5C-788F-0C77-E7CE6EBB865F}"/>
+                <a16:creationId xmlns:a16="http://schemas.microsoft.com/office/drawing/2014/main" id="{C6D113C6-EA5C-788F-0C77-E7CE6EBB865F}"/>
               </a:ext>
             </a:extLst>
           </p:cNvPr>
@@ -11290,7 +11175,7 @@
           <a:lstStyle/>
           <a:p>
             <a:r>
-              <a:rPr lang="ko-KR" altLang="en-US" sz="3600" dirty="0" smtClean="0">
+              <a:rPr lang="ko-KR" altLang="en-US" sz="3600" dirty="0">
                 <a:solidFill>
                   <a:srgbClr val="FF0000"/>
                 </a:solidFill>
@@ -11300,7 +11185,7 @@
               <a:t>예외가 발생하면 실행 될 수 없다</a:t>
             </a:r>
             <a:r>
-              <a:rPr lang="en-US" altLang="ko-KR" sz="3600" dirty="0" smtClean="0">
+              <a:rPr lang="en-US" altLang="ko-KR" sz="3600" dirty="0">
                 <a:solidFill>
                   <a:srgbClr val="FF0000"/>
                 </a:solidFill>
@@ -11309,13 +11194,6 @@
               </a:rPr>
               <a:t>.</a:t>
             </a:r>
-            <a:endParaRPr lang="en-US" altLang="ko-KR" sz="3600" dirty="0">
-              <a:solidFill>
-                <a:srgbClr val="FF0000"/>
-              </a:solidFill>
-              <a:latin typeface="G마켓 산스 Medium" panose="02000000000000000000" pitchFamily="50" charset="-127"/>
-              <a:ea typeface="G마켓 산스 Medium" panose="02000000000000000000" pitchFamily="50" charset="-127"/>
-            </a:endParaRPr>
           </a:p>
         </p:txBody>
       </p:sp>
@@ -11329,13 +11207,6 @@
   <p:clrMapOvr>
     <a:masterClrMapping/>
   </p:clrMapOvr>
-  <p:timing>
-    <p:tnLst>
-      <p:par>
-        <p:cTn id="1" dur="indefinite" restart="never" nodeType="tmRoot"/>
-      </p:par>
-    </p:tnLst>
-  </p:timing>
 </p:sld>
 </file>
 
@@ -11409,7 +11280,7 @@
           <p:cNvPr id="6" name="직사각형 5">
             <a:extLst>
               <a:ext uri="{FF2B5EF4-FFF2-40B4-BE49-F238E27FC236}">
-                <a16:creationId xmlns="" xmlns:a16="http://schemas.microsoft.com/office/drawing/2014/main" id="{FFF506F9-840A-0508-4CAF-3AC711D8D5CE}"/>
+                <a16:creationId xmlns:a16="http://schemas.microsoft.com/office/drawing/2014/main" id="{FFF506F9-840A-0508-4CAF-3AC711D8D5CE}"/>
               </a:ext>
             </a:extLst>
           </p:cNvPr>
@@ -11461,7 +11332,7 @@
           <p:cNvPr id="7" name="TextBox 6">
             <a:extLst>
               <a:ext uri="{FF2B5EF4-FFF2-40B4-BE49-F238E27FC236}">
-                <a16:creationId xmlns="" xmlns:a16="http://schemas.microsoft.com/office/drawing/2014/main" id="{C6D113C6-EA5C-788F-0C77-E7CE6EBB865F}"/>
+                <a16:creationId xmlns:a16="http://schemas.microsoft.com/office/drawing/2014/main" id="{C6D113C6-EA5C-788F-0C77-E7CE6EBB865F}"/>
               </a:ext>
             </a:extLst>
           </p:cNvPr>
@@ -11485,7 +11356,7 @@
           <a:lstStyle/>
           <a:p>
             <a:r>
-              <a:rPr lang="en-US" altLang="ko-KR" sz="4000" dirty="0" smtClean="0">
+              <a:rPr lang="en-US" altLang="ko-KR" sz="4000" dirty="0">
                 <a:solidFill>
                   <a:srgbClr val="FF0000"/>
                 </a:solidFill>
@@ -11495,7 +11366,7 @@
               <a:t>catch</a:t>
             </a:r>
             <a:r>
-              <a:rPr lang="ko-KR" altLang="en-US" sz="4000" dirty="0" smtClean="0">
+              <a:rPr lang="ko-KR" altLang="en-US" sz="4000" dirty="0">
                 <a:solidFill>
                   <a:srgbClr val="FF0000"/>
                 </a:solidFill>
@@ -11505,7 +11376,7 @@
               <a:t>에서 </a:t>
             </a:r>
             <a:r>
-              <a:rPr lang="en-US" altLang="ko-KR" sz="4000" dirty="0" smtClean="0">
+              <a:rPr lang="en-US" altLang="ko-KR" sz="4000" dirty="0">
                 <a:solidFill>
                   <a:srgbClr val="FF0000"/>
                 </a:solidFill>
@@ -11515,7 +11386,7 @@
               <a:t>return</a:t>
             </a:r>
             <a:r>
-              <a:rPr lang="ko-KR" altLang="en-US" sz="4000" dirty="0" smtClean="0">
+              <a:rPr lang="ko-KR" altLang="en-US" sz="4000" dirty="0">
                 <a:solidFill>
                   <a:srgbClr val="FF0000"/>
                 </a:solidFill>
@@ -11525,7 +11396,7 @@
               <a:t>을 만나더라도 </a:t>
             </a:r>
             <a:r>
-              <a:rPr lang="en-US" altLang="ko-KR" sz="4000" dirty="0" smtClean="0">
+              <a:rPr lang="en-US" altLang="ko-KR" sz="4000" dirty="0">
                 <a:solidFill>
                   <a:srgbClr val="FF0000"/>
                 </a:solidFill>
@@ -11535,7 +11406,7 @@
               <a:t>finally</a:t>
             </a:r>
             <a:r>
-              <a:rPr lang="ko-KR" altLang="en-US" sz="4000" dirty="0" smtClean="0">
+              <a:rPr lang="ko-KR" altLang="en-US" sz="4000" dirty="0">
                 <a:solidFill>
                   <a:srgbClr val="FF0000"/>
                 </a:solidFill>
@@ -11545,7 +11416,7 @@
               <a:t>는 무조건 실행이 된다</a:t>
             </a:r>
             <a:r>
-              <a:rPr lang="en-US" altLang="ko-KR" sz="4000" dirty="0" smtClean="0">
+              <a:rPr lang="en-US" altLang="ko-KR" sz="4000" dirty="0">
                 <a:solidFill>
                   <a:srgbClr val="FF0000"/>
                 </a:solidFill>
@@ -11554,13 +11425,6 @@
               </a:rPr>
               <a:t>.</a:t>
             </a:r>
-            <a:endParaRPr lang="en-US" altLang="ko-KR" sz="4000" dirty="0">
-              <a:solidFill>
-                <a:srgbClr val="FF0000"/>
-              </a:solidFill>
-              <a:latin typeface="G마켓 산스 Medium" panose="02000000000000000000" pitchFamily="50" charset="-127"/>
-              <a:ea typeface="G마켓 산스 Medium" panose="02000000000000000000" pitchFamily="50" charset="-127"/>
-            </a:endParaRPr>
           </a:p>
         </p:txBody>
       </p:sp>
@@ -11574,13 +11438,6 @@
   <p:clrMapOvr>
     <a:masterClrMapping/>
   </p:clrMapOvr>
-  <p:timing>
-    <p:tnLst>
-      <p:par>
-        <p:cTn id="1" dur="indefinite" restart="never" nodeType="tmRoot"/>
-      </p:par>
-    </p:tnLst>
-  </p:timing>
 </p:sld>
 </file>
 
@@ -11630,7 +11487,7 @@
           <p:cNvPr id="5" name="TextBox 4">
             <a:extLst>
               <a:ext uri="{FF2B5EF4-FFF2-40B4-BE49-F238E27FC236}">
-                <a16:creationId xmlns="" xmlns:a16="http://schemas.microsoft.com/office/drawing/2014/main" id="{C6D113C6-EA5C-788F-0C77-E7CE6EBB865F}"/>
+                <a16:creationId xmlns:a16="http://schemas.microsoft.com/office/drawing/2014/main" id="{C6D113C6-EA5C-788F-0C77-E7CE6EBB865F}"/>
               </a:ext>
             </a:extLst>
           </p:cNvPr>
@@ -11654,7 +11511,7 @@
           <a:lstStyle/>
           <a:p>
             <a:r>
-              <a:rPr lang="ko-KR" altLang="en-US" sz="4800" dirty="0" smtClean="0">
+              <a:rPr lang="ko-KR" altLang="en-US" sz="4800" dirty="0">
                 <a:solidFill>
                   <a:srgbClr val="FF0000"/>
                 </a:solidFill>
@@ -11664,7 +11521,7 @@
               <a:t>그런데</a:t>
             </a:r>
             <a:r>
-              <a:rPr lang="en-US" altLang="ko-KR" sz="4800" dirty="0" smtClean="0">
+              <a:rPr lang="en-US" altLang="ko-KR" sz="4800" dirty="0">
                 <a:solidFill>
                   <a:srgbClr val="FF0000"/>
                 </a:solidFill>
@@ -11674,7 +11531,7 @@
               <a:t> close </a:t>
             </a:r>
             <a:r>
-              <a:rPr lang="ko-KR" altLang="en-US" sz="4800" dirty="0" smtClean="0">
+              <a:rPr lang="ko-KR" altLang="en-US" sz="4800" dirty="0">
                 <a:solidFill>
                   <a:srgbClr val="FF0000"/>
                 </a:solidFill>
@@ -11684,7 +11541,7 @@
               <a:t>하다가 예외가 발생하면</a:t>
             </a:r>
             <a:r>
-              <a:rPr lang="en-US" altLang="ko-KR" sz="4800" dirty="0" smtClean="0">
+              <a:rPr lang="en-US" altLang="ko-KR" sz="4800" dirty="0">
                 <a:solidFill>
                   <a:srgbClr val="FF0000"/>
                 </a:solidFill>
@@ -11693,13 +11550,6 @@
               </a:rPr>
               <a:t>…??</a:t>
             </a:r>
-            <a:endParaRPr lang="en-US" altLang="ko-KR" sz="4800" dirty="0">
-              <a:solidFill>
-                <a:srgbClr val="FF0000"/>
-              </a:solidFill>
-              <a:latin typeface="G마켓 산스 Medium" panose="02000000000000000000" pitchFamily="50" charset="-127"/>
-              <a:ea typeface="G마켓 산스 Medium" panose="02000000000000000000" pitchFamily="50" charset="-127"/>
-            </a:endParaRPr>
           </a:p>
         </p:txBody>
       </p:sp>
@@ -11708,7 +11558,7 @@
           <p:cNvPr id="6" name="직선 화살표 연결선 5">
             <a:extLst>
               <a:ext uri="{FF2B5EF4-FFF2-40B4-BE49-F238E27FC236}">
-                <a16:creationId xmlns="" xmlns:a16="http://schemas.microsoft.com/office/drawing/2014/main" id="{299DF5EC-9DF4-5255-06AC-0A7CE4FF58C3}"/>
+                <a16:creationId xmlns:a16="http://schemas.microsoft.com/office/drawing/2014/main" id="{299DF5EC-9DF4-5255-06AC-0A7CE4FF58C3}"/>
               </a:ext>
             </a:extLst>
           </p:cNvPr>
@@ -11749,7 +11599,7 @@
           <p:cNvPr id="7" name="직사각형 6">
             <a:extLst>
               <a:ext uri="{FF2B5EF4-FFF2-40B4-BE49-F238E27FC236}">
-                <a16:creationId xmlns="" xmlns:a16="http://schemas.microsoft.com/office/drawing/2014/main" id="{FFF506F9-840A-0508-4CAF-3AC711D8D5CE}"/>
+                <a16:creationId xmlns:a16="http://schemas.microsoft.com/office/drawing/2014/main" id="{FFF506F9-840A-0508-4CAF-3AC711D8D5CE}"/>
               </a:ext>
             </a:extLst>
           </p:cNvPr>
@@ -11801,7 +11651,7 @@
           <p:cNvPr id="8" name="TextBox 7">
             <a:extLst>
               <a:ext uri="{FF2B5EF4-FFF2-40B4-BE49-F238E27FC236}">
-                <a16:creationId xmlns="" xmlns:a16="http://schemas.microsoft.com/office/drawing/2014/main" id="{C6D113C6-EA5C-788F-0C77-E7CE6EBB865F}"/>
+                <a16:creationId xmlns:a16="http://schemas.microsoft.com/office/drawing/2014/main" id="{C6D113C6-EA5C-788F-0C77-E7CE6EBB865F}"/>
               </a:ext>
             </a:extLst>
           </p:cNvPr>
@@ -11825,7 +11675,7 @@
           <a:lstStyle/>
           <a:p>
             <a:r>
-              <a:rPr lang="en-US" altLang="ko-KR" sz="4000" smtClean="0">
+              <a:rPr lang="en-US" altLang="ko-KR" sz="4000">
                 <a:solidFill>
                   <a:srgbClr val="FF0000"/>
                 </a:solidFill>
@@ -11835,7 +11685,7 @@
               <a:t>close</a:t>
             </a:r>
             <a:r>
-              <a:rPr lang="ko-KR" altLang="en-US" sz="4000" smtClean="0">
+              <a:rPr lang="ko-KR" altLang="en-US" sz="4000">
                 <a:solidFill>
                   <a:srgbClr val="FF0000"/>
                 </a:solidFill>
@@ -12209,7 +12059,7 @@
           <p:cNvPr id="2" name="TextBox 1">
             <a:extLst>
               <a:ext uri="{FF2B5EF4-FFF2-40B4-BE49-F238E27FC236}">
-                <a16:creationId xmlns="" xmlns:a16="http://schemas.microsoft.com/office/drawing/2014/main" id="{8D19D88B-9541-32D7-90F1-0C45C993E21C}"/>
+                <a16:creationId xmlns:a16="http://schemas.microsoft.com/office/drawing/2014/main" id="{8D19D88B-9541-32D7-90F1-0C45C993E21C}"/>
               </a:ext>
             </a:extLst>
           </p:cNvPr>
@@ -12233,7 +12083,7 @@
           <a:lstStyle/>
           <a:p>
             <a:r>
-              <a:rPr lang="ko-KR" altLang="en-US" sz="6600" smtClean="0">
+              <a:rPr lang="ko-KR" altLang="en-US" sz="6600">
                 <a:solidFill>
                   <a:schemeClr val="bg1"/>
                 </a:solidFill>
@@ -12257,13 +12107,6 @@
   <p:clrMapOvr>
     <a:masterClrMapping/>
   </p:clrMapOvr>
-  <p:timing>
-    <p:tnLst>
-      <p:par>
-        <p:cTn id="1" dur="indefinite" restart="never" nodeType="tmRoot"/>
-      </p:par>
-    </p:tnLst>
-  </p:timing>
 </p:sld>
 </file>
 
@@ -12313,7 +12156,7 @@
           <p:cNvPr id="5" name="TextBox 4">
             <a:extLst>
               <a:ext uri="{FF2B5EF4-FFF2-40B4-BE49-F238E27FC236}">
-                <a16:creationId xmlns="" xmlns:a16="http://schemas.microsoft.com/office/drawing/2014/main" id="{C6D113C6-EA5C-788F-0C77-E7CE6EBB865F}"/>
+                <a16:creationId xmlns:a16="http://schemas.microsoft.com/office/drawing/2014/main" id="{C6D113C6-EA5C-788F-0C77-E7CE6EBB865F}"/>
               </a:ext>
             </a:extLst>
           </p:cNvPr>
@@ -12337,7 +12180,7 @@
           <a:lstStyle/>
           <a:p>
             <a:r>
-              <a:rPr lang="en-US" altLang="ko-KR" sz="4000" smtClean="0">
+              <a:rPr lang="en-US" altLang="ko-KR" sz="4000">
                 <a:solidFill>
                   <a:srgbClr val="FF0000"/>
                 </a:solidFill>
@@ -12347,7 +12190,7 @@
               <a:t>finally </a:t>
             </a:r>
             <a:r>
-              <a:rPr lang="ko-KR" altLang="en-US" sz="4000" smtClean="0">
+              <a:rPr lang="ko-KR" altLang="en-US" sz="4000">
                 <a:solidFill>
                   <a:srgbClr val="FF0000"/>
                 </a:solidFill>
@@ -12376,13 +12219,6 @@
   <p:clrMapOvr>
     <a:masterClrMapping/>
   </p:clrMapOvr>
-  <p:timing>
-    <p:tnLst>
-      <p:par>
-        <p:cTn id="1" dur="indefinite" restart="never" nodeType="tmRoot"/>
-      </p:par>
-    </p:tnLst>
-  </p:timing>
 </p:sld>
 </file>
 
@@ -12408,7 +12244,7 @@
           <p:cNvPr id="4" name="TextBox 3">
             <a:extLst>
               <a:ext uri="{FF2B5EF4-FFF2-40B4-BE49-F238E27FC236}">
-                <a16:creationId xmlns="" xmlns:a16="http://schemas.microsoft.com/office/drawing/2014/main" id="{842ED589-6A4E-CC1A-50B8-343A67912051}"/>
+                <a16:creationId xmlns:a16="http://schemas.microsoft.com/office/drawing/2014/main" id="{842ED589-6A4E-CC1A-50B8-343A67912051}"/>
               </a:ext>
             </a:extLst>
           </p:cNvPr>
@@ -12432,7 +12268,7 @@
           <a:lstStyle/>
           <a:p>
             <a:r>
-              <a:rPr lang="en-US" altLang="ko-KR" sz="4800" smtClean="0">
+              <a:rPr lang="en-US" altLang="ko-KR" sz="4800">
                 <a:solidFill>
                   <a:srgbClr val="4C50BC"/>
                 </a:solidFill>
@@ -12442,7 +12278,7 @@
               <a:t>try with resource</a:t>
             </a:r>
             <a:r>
-              <a:rPr lang="ko-KR" altLang="en-US" sz="4800" smtClean="0">
+              <a:rPr lang="ko-KR" altLang="en-US" sz="4800">
                 <a:solidFill>
                   <a:srgbClr val="4C50BC"/>
                 </a:solidFill>
@@ -12466,7 +12302,7 @@
           <p:cNvPr id="5" name="TextBox 4">
             <a:extLst>
               <a:ext uri="{FF2B5EF4-FFF2-40B4-BE49-F238E27FC236}">
-                <a16:creationId xmlns="" xmlns:a16="http://schemas.microsoft.com/office/drawing/2014/main" id="{A2AD056B-97A4-5BCC-4460-250160F3E171}"/>
+                <a16:creationId xmlns:a16="http://schemas.microsoft.com/office/drawing/2014/main" id="{A2AD056B-97A4-5BCC-4460-250160F3E171}"/>
               </a:ext>
             </a:extLst>
           </p:cNvPr>
@@ -12490,7 +12326,7 @@
           <a:lstStyle/>
           <a:p>
             <a:r>
-              <a:rPr lang="en-US" altLang="ko-KR" sz="4000" smtClean="0">
+              <a:rPr lang="en-US" altLang="ko-KR" sz="4000">
                 <a:solidFill>
                   <a:schemeClr val="tx1">
                     <a:lumMod val="50000"/>
@@ -12503,7 +12339,7 @@
               <a:t>SDK 1.7</a:t>
             </a:r>
             <a:r>
-              <a:rPr lang="ko-KR" altLang="en-US" sz="4000" smtClean="0">
+              <a:rPr lang="ko-KR" altLang="en-US" sz="4000">
                 <a:solidFill>
                   <a:schemeClr val="tx1">
                     <a:lumMod val="50000"/>
@@ -12557,7 +12393,7 @@
           <p:cNvPr id="11" name="직선 화살표 연결선 10">
             <a:extLst>
               <a:ext uri="{FF2B5EF4-FFF2-40B4-BE49-F238E27FC236}">
-                <a16:creationId xmlns="" xmlns:a16="http://schemas.microsoft.com/office/drawing/2014/main" id="{299DF5EC-9DF4-5255-06AC-0A7CE4FF58C3}"/>
+                <a16:creationId xmlns:a16="http://schemas.microsoft.com/office/drawing/2014/main" id="{299DF5EC-9DF4-5255-06AC-0A7CE4FF58C3}"/>
               </a:ext>
             </a:extLst>
           </p:cNvPr>
@@ -12598,7 +12434,7 @@
           <p:cNvPr id="12" name="직사각형 11">
             <a:extLst>
               <a:ext uri="{FF2B5EF4-FFF2-40B4-BE49-F238E27FC236}">
-                <a16:creationId xmlns="" xmlns:a16="http://schemas.microsoft.com/office/drawing/2014/main" id="{FFF506F9-840A-0508-4CAF-3AC711D8D5CE}"/>
+                <a16:creationId xmlns:a16="http://schemas.microsoft.com/office/drawing/2014/main" id="{FFF506F9-840A-0508-4CAF-3AC711D8D5CE}"/>
               </a:ext>
             </a:extLst>
           </p:cNvPr>
@@ -12650,7 +12486,7 @@
           <p:cNvPr id="13" name="TextBox 12">
             <a:extLst>
               <a:ext uri="{FF2B5EF4-FFF2-40B4-BE49-F238E27FC236}">
-                <a16:creationId xmlns="" xmlns:a16="http://schemas.microsoft.com/office/drawing/2014/main" id="{C6D113C6-EA5C-788F-0C77-E7CE6EBB865F}"/>
+                <a16:creationId xmlns:a16="http://schemas.microsoft.com/office/drawing/2014/main" id="{C6D113C6-EA5C-788F-0C77-E7CE6EBB865F}"/>
               </a:ext>
             </a:extLst>
           </p:cNvPr>
@@ -12674,7 +12510,7 @@
           <a:lstStyle/>
           <a:p>
             <a:r>
-              <a:rPr lang="en-US" altLang="ko-KR" sz="4000" smtClean="0">
+              <a:rPr lang="en-US" altLang="ko-KR" sz="4000">
                 <a:solidFill>
                   <a:srgbClr val="FF0000"/>
                 </a:solidFill>
@@ -12684,7 +12520,7 @@
               <a:t>Close()</a:t>
             </a:r>
             <a:r>
-              <a:rPr lang="ko-KR" altLang="en-US" sz="4000" smtClean="0">
+              <a:rPr lang="ko-KR" altLang="en-US" sz="4000">
                 <a:solidFill>
                   <a:srgbClr val="FF0000"/>
                 </a:solidFill>
@@ -12694,7 +12530,7 @@
               <a:t>를 자동으로 호출해준다</a:t>
             </a:r>
             <a:r>
-              <a:rPr lang="en-US" altLang="ko-KR" sz="4000" smtClean="0">
+              <a:rPr lang="en-US" altLang="ko-KR" sz="4000">
                 <a:solidFill>
                   <a:srgbClr val="FF0000"/>
                 </a:solidFill>
@@ -12723,13 +12559,6 @@
   <p:clrMapOvr>
     <a:masterClrMapping/>
   </p:clrMapOvr>
-  <p:timing>
-    <p:tnLst>
-      <p:par>
-        <p:cTn id="1" dur="indefinite" restart="never" nodeType="tmRoot"/>
-      </p:par>
-    </p:tnLst>
-  </p:timing>
 </p:sld>
 </file>
 
@@ -12803,7 +12632,7 @@
           <p:cNvPr id="6" name="TextBox 5">
             <a:extLst>
               <a:ext uri="{FF2B5EF4-FFF2-40B4-BE49-F238E27FC236}">
-                <a16:creationId xmlns="" xmlns:a16="http://schemas.microsoft.com/office/drawing/2014/main" id="{C6D113C6-EA5C-788F-0C77-E7CE6EBB865F}"/>
+                <a16:creationId xmlns:a16="http://schemas.microsoft.com/office/drawing/2014/main" id="{C6D113C6-EA5C-788F-0C77-E7CE6EBB865F}"/>
               </a:ext>
             </a:extLst>
           </p:cNvPr>
@@ -12827,7 +12656,7 @@
           <a:lstStyle/>
           <a:p>
             <a:r>
-              <a:rPr lang="en-US" altLang="ko-KR" sz="4000" dirty="0" err="1" smtClean="0">
+              <a:rPr lang="en-US" altLang="ko-KR" sz="4000" dirty="0" err="1">
                 <a:solidFill>
                   <a:srgbClr val="FF0000"/>
                 </a:solidFill>
@@ -12837,7 +12666,7 @@
               <a:t>AutoCloseable</a:t>
             </a:r>
             <a:r>
-              <a:rPr lang="en-US" altLang="ko-KR" sz="4000" dirty="0" smtClean="0">
+              <a:rPr lang="en-US" altLang="ko-KR" sz="4000" dirty="0">
                 <a:solidFill>
                   <a:srgbClr val="FF0000"/>
                 </a:solidFill>
@@ -12847,7 +12676,7 @@
               <a:t> </a:t>
             </a:r>
             <a:r>
-              <a:rPr lang="ko-KR" altLang="en-US" sz="4000" dirty="0" smtClean="0">
+              <a:rPr lang="ko-KR" altLang="en-US" sz="4000" dirty="0">
                 <a:solidFill>
                   <a:srgbClr val="FF0000"/>
                 </a:solidFill>
@@ -12857,7 +12686,7 @@
               <a:t>인터페이스를 구현한 클래스들만 </a:t>
             </a:r>
             <a:r>
-              <a:rPr lang="en-US" altLang="ko-KR" sz="4000" dirty="0" smtClean="0">
+              <a:rPr lang="en-US" altLang="ko-KR" sz="4000" dirty="0">
                 <a:solidFill>
                   <a:srgbClr val="FF0000"/>
                 </a:solidFill>
@@ -12867,7 +12696,7 @@
               <a:t>try with resource</a:t>
             </a:r>
             <a:r>
-              <a:rPr lang="ko-KR" altLang="en-US" sz="4000" dirty="0" smtClean="0">
+              <a:rPr lang="ko-KR" altLang="en-US" sz="4000" dirty="0">
                 <a:solidFill>
                   <a:srgbClr val="FF0000"/>
                 </a:solidFill>
@@ -12877,7 +12706,7 @@
               <a:t>문에 </a:t>
             </a:r>
             <a:r>
-              <a:rPr lang="ko-KR" altLang="en-US" sz="4000" dirty="0" err="1" smtClean="0">
+              <a:rPr lang="ko-KR" altLang="en-US" sz="4000" dirty="0" err="1">
                 <a:solidFill>
                   <a:srgbClr val="FF0000"/>
                 </a:solidFill>
@@ -12887,7 +12716,7 @@
               <a:t>들어갈수</a:t>
             </a:r>
             <a:r>
-              <a:rPr lang="ko-KR" altLang="en-US" sz="4000" dirty="0" smtClean="0">
+              <a:rPr lang="ko-KR" altLang="en-US" sz="4000" dirty="0">
                 <a:solidFill>
                   <a:srgbClr val="FF0000"/>
                 </a:solidFill>
@@ -12897,7 +12726,7 @@
               <a:t> 있다</a:t>
             </a:r>
             <a:r>
-              <a:rPr lang="en-US" altLang="ko-KR" sz="4000" dirty="0" smtClean="0">
+              <a:rPr lang="en-US" altLang="ko-KR" sz="4000" dirty="0">
                 <a:solidFill>
                   <a:srgbClr val="FF0000"/>
                 </a:solidFill>
@@ -12906,13 +12735,6 @@
               </a:rPr>
               <a:t>.</a:t>
             </a:r>
-            <a:endParaRPr lang="en-US" altLang="ko-KR" sz="4000" dirty="0">
-              <a:solidFill>
-                <a:srgbClr val="FF0000"/>
-              </a:solidFill>
-              <a:latin typeface="G마켓 산스 Medium" panose="02000000000000000000" pitchFamily="50" charset="-127"/>
-              <a:ea typeface="G마켓 산스 Medium" panose="02000000000000000000" pitchFamily="50" charset="-127"/>
-            </a:endParaRPr>
           </a:p>
         </p:txBody>
       </p:sp>
@@ -12926,13 +12748,6 @@
   <p:clrMapOvr>
     <a:masterClrMapping/>
   </p:clrMapOvr>
-  <p:timing>
-    <p:tnLst>
-      <p:par>
-        <p:cTn id="1" dur="indefinite" restart="never" nodeType="tmRoot"/>
-      </p:par>
-    </p:tnLst>
-  </p:timing>
 </p:sld>
 </file>
 
@@ -12958,7 +12773,7 @@
           <p:cNvPr id="4" name="TextBox 3">
             <a:extLst>
               <a:ext uri="{FF2B5EF4-FFF2-40B4-BE49-F238E27FC236}">
-                <a16:creationId xmlns="" xmlns:a16="http://schemas.microsoft.com/office/drawing/2014/main" id="{F84DC196-DA83-3926-FA25-58A1850ED904}"/>
+                <a16:creationId xmlns:a16="http://schemas.microsoft.com/office/drawing/2014/main" id="{F84DC196-DA83-3926-FA25-58A1850ED904}"/>
               </a:ext>
             </a:extLst>
           </p:cNvPr>
@@ -13009,7 +12824,7 @@
           <p:cNvPr id="5" name="TextBox 4">
             <a:extLst>
               <a:ext uri="{FF2B5EF4-FFF2-40B4-BE49-F238E27FC236}">
-                <a16:creationId xmlns="" xmlns:a16="http://schemas.microsoft.com/office/drawing/2014/main" id="{2FFEA572-0493-CB52-6BE5-4BCEFE8076B6}"/>
+                <a16:creationId xmlns:a16="http://schemas.microsoft.com/office/drawing/2014/main" id="{2FFEA572-0493-CB52-6BE5-4BCEFE8076B6}"/>
               </a:ext>
             </a:extLst>
           </p:cNvPr>
@@ -13036,7 +12851,7 @@
               <a:buAutoNum type="arabicPeriod"/>
             </a:pPr>
             <a:r>
-              <a:rPr lang="ko-KR" altLang="en-US" sz="3200" dirty="0" smtClean="0">
+              <a:rPr lang="ko-KR" altLang="en-US" sz="3200" dirty="0">
                 <a:solidFill>
                   <a:srgbClr val="4C50BB"/>
                 </a:solidFill>
@@ -13046,7 +12861,7 @@
               <a:t>아래의 코드가 강제 종료되지 않게 예외처리 해보자</a:t>
             </a:r>
             <a:r>
-              <a:rPr lang="en-US" altLang="ko-KR" sz="3200" dirty="0" smtClean="0">
+              <a:rPr lang="en-US" altLang="ko-KR" sz="3200" dirty="0">
                 <a:solidFill>
                   <a:srgbClr val="4C50BB"/>
                 </a:solidFill>
@@ -13252,7 +13067,7 @@
           <p:cNvPr id="5" name="TextBox 4">
             <a:extLst>
               <a:ext uri="{FF2B5EF4-FFF2-40B4-BE49-F238E27FC236}">
-                <a16:creationId xmlns="" xmlns:a16="http://schemas.microsoft.com/office/drawing/2014/main" id="{2FFEA572-0493-CB52-6BE5-4BCEFE8076B6}"/>
+                <a16:creationId xmlns:a16="http://schemas.microsoft.com/office/drawing/2014/main" id="{2FFEA572-0493-CB52-6BE5-4BCEFE8076B6}"/>
               </a:ext>
             </a:extLst>
           </p:cNvPr>
@@ -13283,30 +13098,20 @@
                 <a:latin typeface="G마켓 산스 Medium" panose="02000000000000000000" pitchFamily="50" charset="-127"/>
                 <a:ea typeface="G마켓 산스 Medium" panose="02000000000000000000" pitchFamily="50" charset="-127"/>
               </a:rPr>
-              <a:t>2</a:t>
-            </a:r>
-            <a:r>
-              <a:rPr lang="en-US" altLang="ko-KR" sz="3200" dirty="0" smtClean="0">
+              <a:t>2. 1~100 </a:t>
+            </a:r>
+            <a:r>
+              <a:rPr lang="ko-KR" altLang="en-US" sz="3200" dirty="0">
                 <a:solidFill>
                   <a:srgbClr val="4C50BB"/>
                 </a:solidFill>
                 <a:latin typeface="G마켓 산스 Medium" panose="02000000000000000000" pitchFamily="50" charset="-127"/>
                 <a:ea typeface="G마켓 산스 Medium" panose="02000000000000000000" pitchFamily="50" charset="-127"/>
               </a:rPr>
-              <a:t>. 1~100 </a:t>
-            </a:r>
-            <a:r>
-              <a:rPr lang="ko-KR" altLang="en-US" sz="3200" dirty="0" smtClean="0">
-                <a:solidFill>
-                  <a:srgbClr val="4C50BB"/>
-                </a:solidFill>
-                <a:latin typeface="G마켓 산스 Medium" panose="02000000000000000000" pitchFamily="50" charset="-127"/>
-                <a:ea typeface="G마켓 산스 Medium" panose="02000000000000000000" pitchFamily="50" charset="-127"/>
-              </a:rPr>
               <a:t>숫자 맞추기 게임 중 숫자가 아닌 값 입력 시 다시 입력하도록 예외처리 해보자</a:t>
             </a:r>
             <a:r>
-              <a:rPr lang="en-US" altLang="ko-KR" sz="3200" dirty="0" smtClean="0">
+              <a:rPr lang="en-US" altLang="ko-KR" sz="3200" dirty="0">
                 <a:solidFill>
                   <a:srgbClr val="4C50BB"/>
                 </a:solidFill>
@@ -13328,7 +13133,7 @@
           </a:p>
           <a:p>
             <a:r>
-              <a:rPr lang="en-US" altLang="ko-KR" sz="2800" dirty="0" smtClean="0">
+              <a:rPr lang="en-US" altLang="ko-KR" sz="2800" dirty="0">
                 <a:solidFill>
                   <a:schemeClr val="tx1">
                     <a:lumMod val="50000"/>
@@ -13341,7 +13146,7 @@
               <a:t>- </a:t>
             </a:r>
             <a:r>
-              <a:rPr lang="en-US" altLang="ko-KR" sz="2800" dirty="0" err="1" smtClean="0">
+              <a:rPr lang="en-US" altLang="ko-KR" sz="2800" dirty="0" err="1">
                 <a:solidFill>
                   <a:schemeClr val="tx1">
                     <a:lumMod val="50000"/>
@@ -13354,7 +13159,7 @@
               <a:t>nextInt</a:t>
             </a:r>
             <a:r>
-              <a:rPr lang="en-US" altLang="ko-KR" sz="2800" dirty="0" smtClean="0">
+              <a:rPr lang="en-US" altLang="ko-KR" sz="2800" dirty="0">
                 <a:solidFill>
                   <a:schemeClr val="tx1">
                     <a:lumMod val="50000"/>
@@ -13367,7 +13172,7 @@
               <a:t>() </a:t>
             </a:r>
             <a:r>
-              <a:rPr lang="ko-KR" altLang="en-US" sz="2800" dirty="0" err="1" smtClean="0">
+              <a:rPr lang="ko-KR" altLang="en-US" sz="2800" dirty="0" err="1">
                 <a:solidFill>
                   <a:schemeClr val="tx1">
                     <a:lumMod val="50000"/>
@@ -13380,7 +13185,7 @@
               <a:t>메서드는</a:t>
             </a:r>
             <a:r>
-              <a:rPr lang="ko-KR" altLang="en-US" sz="2800" dirty="0" smtClean="0">
+              <a:rPr lang="ko-KR" altLang="en-US" sz="2800" dirty="0">
                 <a:solidFill>
                   <a:schemeClr val="tx1">
                     <a:lumMod val="50000"/>
@@ -13393,7 +13198,7 @@
               <a:t> 숫자 이외의 값이 들어오면 </a:t>
             </a:r>
             <a:r>
-              <a:rPr lang="en-US" altLang="ko-KR" sz="2800" dirty="0" err="1" smtClean="0">
+              <a:rPr lang="en-US" altLang="ko-KR" sz="2800" dirty="0" err="1">
                 <a:solidFill>
                   <a:schemeClr val="tx1">
                     <a:lumMod val="50000"/>
@@ -13406,7 +13211,7 @@
               <a:t>InputMismatchException</a:t>
             </a:r>
             <a:r>
-              <a:rPr lang="ko-KR" altLang="en-US" sz="2800" dirty="0" smtClean="0">
+              <a:rPr lang="ko-KR" altLang="en-US" sz="2800" dirty="0">
                 <a:solidFill>
                   <a:schemeClr val="tx1">
                     <a:lumMod val="50000"/>
@@ -13419,7 +13224,7 @@
               <a:t>이 발생한다</a:t>
             </a:r>
             <a:r>
-              <a:rPr lang="en-US" altLang="ko-KR" sz="2800" dirty="0" smtClean="0">
+              <a:rPr lang="en-US" altLang="ko-KR" sz="2800" dirty="0">
                 <a:solidFill>
                   <a:schemeClr val="tx1">
                     <a:lumMod val="50000"/>
@@ -13431,7 +13236,7 @@
               </a:rPr>
               <a:t>.</a:t>
             </a:r>
-            <a:endParaRPr lang="en-US" altLang="ko-KR" sz="3200" dirty="0" smtClean="0">
+            <a:endParaRPr lang="en-US" altLang="ko-KR" sz="3200" dirty="0">
               <a:solidFill>
                 <a:srgbClr val="4C50BB"/>
               </a:solidFill>
@@ -13494,7 +13299,7 @@
           <p:cNvPr id="10" name="TextBox 9">
             <a:extLst>
               <a:ext uri="{FF2B5EF4-FFF2-40B4-BE49-F238E27FC236}">
-                <a16:creationId xmlns:a16="http://schemas.microsoft.com/office/drawing/2014/main" xmlns="" id="{A2AD056B-97A4-5BCC-4460-250160F3E171}"/>
+                <a16:creationId xmlns:a16="http://schemas.microsoft.com/office/drawing/2014/main" id="{A2AD056B-97A4-5BCC-4460-250160F3E171}"/>
               </a:ext>
             </a:extLst>
           </p:cNvPr>
@@ -13518,7 +13323,7 @@
           <a:lstStyle/>
           <a:p>
             <a:r>
-              <a:rPr lang="en-US" altLang="ko-KR" sz="4000" dirty="0" smtClean="0">
+              <a:rPr lang="en-US" altLang="ko-KR" sz="4000" dirty="0">
                 <a:solidFill>
                   <a:schemeClr val="tx1">
                     <a:lumMod val="50000"/>
@@ -13531,7 +13336,7 @@
               <a:t>1~100 </a:t>
             </a:r>
             <a:r>
-              <a:rPr lang="ko-KR" altLang="en-US" sz="4000" dirty="0" smtClean="0">
+              <a:rPr lang="ko-KR" altLang="en-US" sz="4000" dirty="0">
                 <a:solidFill>
                   <a:schemeClr val="tx1">
                     <a:lumMod val="50000"/>
@@ -13561,7 +13366,7 @@
           <p:cNvPr id="11" name="TextBox 10">
             <a:extLst>
               <a:ext uri="{FF2B5EF4-FFF2-40B4-BE49-F238E27FC236}">
-                <a16:creationId xmlns:a16="http://schemas.microsoft.com/office/drawing/2014/main" xmlns="" id="{A2AD056B-97A4-5BCC-4460-250160F3E171}"/>
+                <a16:creationId xmlns:a16="http://schemas.microsoft.com/office/drawing/2014/main" id="{A2AD056B-97A4-5BCC-4460-250160F3E171}"/>
               </a:ext>
             </a:extLst>
           </p:cNvPr>
@@ -13585,7 +13390,7 @@
           <a:lstStyle/>
           <a:p>
             <a:r>
-              <a:rPr lang="ko-KR" altLang="en-US" sz="4000" dirty="0" smtClean="0">
+              <a:rPr lang="ko-KR" altLang="en-US" sz="4000" dirty="0">
                 <a:solidFill>
                   <a:schemeClr val="tx1">
                     <a:lumMod val="50000"/>
@@ -13598,7 +13403,7 @@
               <a:t>키보드로 숫자 </a:t>
             </a:r>
             <a:r>
-              <a:rPr lang="ko-KR" altLang="en-US" sz="4000" dirty="0" err="1" smtClean="0">
+              <a:rPr lang="ko-KR" altLang="en-US" sz="4000" dirty="0" err="1">
                 <a:solidFill>
                   <a:schemeClr val="tx1">
                     <a:lumMod val="50000"/>
@@ -13657,13 +13462,6 @@
   <p:clrMapOvr>
     <a:masterClrMapping/>
   </p:clrMapOvr>
-  <p:timing>
-    <p:tnLst>
-      <p:par>
-        <p:cTn id="1" dur="indefinite" restart="never" nodeType="tmRoot"/>
-      </p:par>
-    </p:tnLst>
-  </p:timing>
 </p:sld>
 </file>
 
@@ -13854,7 +13652,7 @@
           <p:cNvPr id="4" name="TextBox 3">
             <a:extLst>
               <a:ext uri="{FF2B5EF4-FFF2-40B4-BE49-F238E27FC236}">
-                <a16:creationId xmlns="" xmlns:a16="http://schemas.microsoft.com/office/drawing/2014/main" id="{2FFEA572-0493-CB52-6BE5-4BCEFE8076B6}"/>
+                <a16:creationId xmlns:a16="http://schemas.microsoft.com/office/drawing/2014/main" id="{2FFEA572-0493-CB52-6BE5-4BCEFE8076B6}"/>
               </a:ext>
             </a:extLst>
           </p:cNvPr>
@@ -13878,7 +13676,7 @@
           <a:lstStyle/>
           <a:p>
             <a:r>
-              <a:rPr lang="en-US" altLang="ko-KR" sz="3200" dirty="0" smtClean="0">
+              <a:rPr lang="en-US" altLang="ko-KR" sz="3200" dirty="0">
                 <a:solidFill>
                   <a:srgbClr val="4C50BB"/>
                 </a:solidFill>
@@ -13888,7 +13686,7 @@
               <a:t>3. Main </a:t>
             </a:r>
             <a:r>
-              <a:rPr lang="ko-KR" altLang="en-US" sz="3200" dirty="0" smtClean="0">
+              <a:rPr lang="ko-KR" altLang="en-US" sz="3200" dirty="0">
                 <a:solidFill>
                   <a:srgbClr val="4C50BB"/>
                 </a:solidFill>
@@ -13898,7 +13696,7 @@
               <a:t>클래스에 </a:t>
             </a:r>
             <a:r>
-              <a:rPr lang="en-US" altLang="ko-KR" sz="3200" dirty="0" smtClean="0">
+              <a:rPr lang="en-US" altLang="ko-KR" sz="3200" dirty="0">
                 <a:solidFill>
                   <a:srgbClr val="4C50BB"/>
                 </a:solidFill>
@@ -13908,7 +13706,7 @@
               <a:t>test </a:t>
             </a:r>
             <a:r>
-              <a:rPr lang="ko-KR" altLang="en-US" sz="3200" dirty="0" err="1" smtClean="0">
+              <a:rPr lang="ko-KR" altLang="en-US" sz="3200" dirty="0" err="1">
                 <a:solidFill>
                   <a:srgbClr val="4C50BB"/>
                 </a:solidFill>
@@ -13925,19 +13723,9 @@
                 <a:latin typeface="G마켓 산스 Medium" panose="02000000000000000000" pitchFamily="50" charset="-127"/>
                 <a:ea typeface="G마켓 산스 Medium" panose="02000000000000000000" pitchFamily="50" charset="-127"/>
               </a:rPr>
-              <a:t> </a:t>
-            </a:r>
-            <a:r>
-              <a:rPr lang="ko-KR" altLang="en-US" sz="3200" dirty="0" smtClean="0">
-                <a:solidFill>
-                  <a:srgbClr val="4C50BB"/>
-                </a:solidFill>
-                <a:latin typeface="G마켓 산스 Medium" panose="02000000000000000000" pitchFamily="50" charset="-127"/>
-                <a:ea typeface="G마켓 산스 Medium" panose="02000000000000000000" pitchFamily="50" charset="-127"/>
-              </a:rPr>
-              <a:t>아래와 같이 만들어서 사용해보자</a:t>
-            </a:r>
-            <a:endParaRPr lang="en-US" altLang="ko-KR" sz="3200" dirty="0" smtClean="0">
+              <a:t> 아래와 같이 만들어서 사용해보자</a:t>
+            </a:r>
+            <a:endParaRPr lang="en-US" altLang="ko-KR" sz="3200" dirty="0">
               <a:solidFill>
                 <a:srgbClr val="4C50BB"/>
               </a:solidFill>
@@ -13951,7 +13739,7 @@
               <a:buChar char="-"/>
             </a:pPr>
             <a:r>
-              <a:rPr lang="ko-KR" altLang="en-US" sz="3200" dirty="0" smtClean="0">
+              <a:rPr lang="ko-KR" altLang="en-US" sz="3200" dirty="0">
                 <a:solidFill>
                   <a:srgbClr val="4C50BB"/>
                 </a:solidFill>
@@ -13961,7 +13749,7 @@
               <a:t>빈칸 부분을 적절하게 채워 넣어 </a:t>
             </a:r>
             <a:r>
-              <a:rPr lang="en-US" altLang="ko-KR" sz="3200" dirty="0" smtClean="0">
+              <a:rPr lang="en-US" altLang="ko-KR" sz="3200" dirty="0">
                 <a:solidFill>
                   <a:srgbClr val="4C50BB"/>
                 </a:solidFill>
@@ -13971,26 +13759,16 @@
               <a:t>124561356 </a:t>
             </a:r>
             <a:r>
-              <a:rPr lang="ko-KR" altLang="en-US" sz="3200" dirty="0" smtClean="0">
+              <a:rPr lang="ko-KR" altLang="en-US" sz="3200" dirty="0">
                 <a:solidFill>
                   <a:srgbClr val="4C50BB"/>
                 </a:solidFill>
                 <a:latin typeface="G마켓 산스 Medium" panose="02000000000000000000" pitchFamily="50" charset="-127"/>
                 <a:ea typeface="G마켓 산스 Medium" panose="02000000000000000000" pitchFamily="50" charset="-127"/>
               </a:rPr>
-              <a:t>이 출력 </a:t>
-            </a:r>
-            <a:r>
-              <a:rPr lang="ko-KR" altLang="en-US" sz="3200" dirty="0" smtClean="0">
-                <a:solidFill>
-                  <a:srgbClr val="4C50BB"/>
-                </a:solidFill>
-                <a:latin typeface="G마켓 산스 Medium" panose="02000000000000000000" pitchFamily="50" charset="-127"/>
-                <a:ea typeface="G마켓 산스 Medium" panose="02000000000000000000" pitchFamily="50" charset="-127"/>
-              </a:rPr>
-              <a:t>되도록 실행흐름을 만들어보자</a:t>
-            </a:r>
-            <a:endParaRPr lang="en-US" altLang="ko-KR" sz="3200" dirty="0" smtClean="0">
+              <a:t>이 출력 되도록 실행흐름을 만들어보자</a:t>
+            </a:r>
+            <a:endParaRPr lang="en-US" altLang="ko-KR" sz="3200" dirty="0">
               <a:solidFill>
                 <a:srgbClr val="4C50BB"/>
               </a:solidFill>
@@ -14034,7 +13812,7 @@
               <a:t> 사용시 반드시 예외처리를 하도록 </a:t>
             </a:r>
             <a:r>
-              <a:rPr lang="ko-KR" altLang="en-US" sz="2800" dirty="0" err="1" smtClean="0">
+              <a:rPr lang="ko-KR" altLang="en-US" sz="2800" dirty="0" err="1">
                 <a:solidFill>
                   <a:srgbClr val="FF0000"/>
                 </a:solidFill>
@@ -14522,7 +14300,7 @@
           <p:cNvPr id="4" name="Object 1">
             <a:extLst>
               <a:ext uri="{FF2B5EF4-FFF2-40B4-BE49-F238E27FC236}">
-                <a16:creationId xmlns="" xmlns:a16="http://schemas.microsoft.com/office/drawing/2014/main" id="{B0329035-BE76-33A8-0F2E-44624FCC1DED}"/>
+                <a16:creationId xmlns:a16="http://schemas.microsoft.com/office/drawing/2014/main" id="{B0329035-BE76-33A8-0F2E-44624FCC1DED}"/>
               </a:ext>
             </a:extLst>
           </p:cNvPr>
@@ -14552,7 +14330,7 @@
           <p:cNvPr id="7" name="그룹 1001">
             <a:extLst>
               <a:ext uri="{FF2B5EF4-FFF2-40B4-BE49-F238E27FC236}">
-                <a16:creationId xmlns="" xmlns:a16="http://schemas.microsoft.com/office/drawing/2014/main" id="{CD24CE9D-AC18-B6CD-F397-7E8E03D6FE26}"/>
+                <a16:creationId xmlns:a16="http://schemas.microsoft.com/office/drawing/2014/main" id="{CD24CE9D-AC18-B6CD-F397-7E8E03D6FE26}"/>
               </a:ext>
             </a:extLst>
           </p:cNvPr>
@@ -14572,7 +14350,7 @@
             <p:cNvPr id="8" name="Object 5">
               <a:extLst>
                 <a:ext uri="{FF2B5EF4-FFF2-40B4-BE49-F238E27FC236}">
-                  <a16:creationId xmlns="" xmlns:a16="http://schemas.microsoft.com/office/drawing/2014/main" id="{0EEF25E8-3BA8-EBAA-6DC2-66D70C3F9F4D}"/>
+                  <a16:creationId xmlns:a16="http://schemas.microsoft.com/office/drawing/2014/main" id="{0EEF25E8-3BA8-EBAA-6DC2-66D70C3F9F4D}"/>
                 </a:ext>
               </a:extLst>
             </p:cNvPr>
@@ -14603,7 +14381,7 @@
           <p:cNvPr id="9" name="그룹 1002">
             <a:extLst>
               <a:ext uri="{FF2B5EF4-FFF2-40B4-BE49-F238E27FC236}">
-                <a16:creationId xmlns="" xmlns:a16="http://schemas.microsoft.com/office/drawing/2014/main" id="{0F281BC9-DE1F-D1FE-E64C-C4640398F00C}"/>
+                <a16:creationId xmlns:a16="http://schemas.microsoft.com/office/drawing/2014/main" id="{0F281BC9-DE1F-D1FE-E64C-C4640398F00C}"/>
               </a:ext>
             </a:extLst>
           </p:cNvPr>
@@ -14623,7 +14401,7 @@
             <p:cNvPr id="10" name="Object 8">
               <a:extLst>
                 <a:ext uri="{FF2B5EF4-FFF2-40B4-BE49-F238E27FC236}">
-                  <a16:creationId xmlns="" xmlns:a16="http://schemas.microsoft.com/office/drawing/2014/main" id="{F669DCEF-04BB-7046-3F7F-5B513213556E}"/>
+                  <a16:creationId xmlns:a16="http://schemas.microsoft.com/office/drawing/2014/main" id="{F669DCEF-04BB-7046-3F7F-5B513213556E}"/>
                 </a:ext>
               </a:extLst>
             </p:cNvPr>
@@ -14654,7 +14432,7 @@
           <p:cNvPr id="11" name="그룹 1003">
             <a:extLst>
               <a:ext uri="{FF2B5EF4-FFF2-40B4-BE49-F238E27FC236}">
-                <a16:creationId xmlns="" xmlns:a16="http://schemas.microsoft.com/office/drawing/2014/main" id="{1F91EEF9-13EA-BB7F-B056-D35E7DB989AC}"/>
+                <a16:creationId xmlns:a16="http://schemas.microsoft.com/office/drawing/2014/main" id="{1F91EEF9-13EA-BB7F-B056-D35E7DB989AC}"/>
               </a:ext>
             </a:extLst>
           </p:cNvPr>
@@ -14674,7 +14452,7 @@
             <p:cNvPr id="12" name="Object 11">
               <a:extLst>
                 <a:ext uri="{FF2B5EF4-FFF2-40B4-BE49-F238E27FC236}">
-                  <a16:creationId xmlns="" xmlns:a16="http://schemas.microsoft.com/office/drawing/2014/main" id="{2CFFB217-AEFB-2C9E-5F86-6EE19510FFC6}"/>
+                  <a16:creationId xmlns:a16="http://schemas.microsoft.com/office/drawing/2014/main" id="{2CFFB217-AEFB-2C9E-5F86-6EE19510FFC6}"/>
                 </a:ext>
               </a:extLst>
             </p:cNvPr>
@@ -14705,7 +14483,7 @@
           <p:cNvPr id="13" name="그룹 1004">
             <a:extLst>
               <a:ext uri="{FF2B5EF4-FFF2-40B4-BE49-F238E27FC236}">
-                <a16:creationId xmlns="" xmlns:a16="http://schemas.microsoft.com/office/drawing/2014/main" id="{123B9C7E-94E8-E7E1-81BE-D59EA0299187}"/>
+                <a16:creationId xmlns:a16="http://schemas.microsoft.com/office/drawing/2014/main" id="{123B9C7E-94E8-E7E1-81BE-D59EA0299187}"/>
               </a:ext>
             </a:extLst>
           </p:cNvPr>
@@ -14725,7 +14503,7 @@
             <p:cNvPr id="14" name="Object 14">
               <a:extLst>
                 <a:ext uri="{FF2B5EF4-FFF2-40B4-BE49-F238E27FC236}">
-                  <a16:creationId xmlns="" xmlns:a16="http://schemas.microsoft.com/office/drawing/2014/main" id="{B6291552-2D89-A79F-7ACD-EA0EF9A4C389}"/>
+                  <a16:creationId xmlns:a16="http://schemas.microsoft.com/office/drawing/2014/main" id="{B6291552-2D89-A79F-7ACD-EA0EF9A4C389}"/>
                 </a:ext>
               </a:extLst>
             </p:cNvPr>
@@ -14756,7 +14534,7 @@
           <p:cNvPr id="15" name="TextBox 14">
             <a:extLst>
               <a:ext uri="{FF2B5EF4-FFF2-40B4-BE49-F238E27FC236}">
-                <a16:creationId xmlns="" xmlns:a16="http://schemas.microsoft.com/office/drawing/2014/main" id="{7D99763A-FC24-23F5-5BA9-D7B042E0F323}"/>
+                <a16:creationId xmlns:a16="http://schemas.microsoft.com/office/drawing/2014/main" id="{7D99763A-FC24-23F5-5BA9-D7B042E0F323}"/>
               </a:ext>
             </a:extLst>
           </p:cNvPr>
@@ -14780,7 +14558,7 @@
           <a:lstStyle/>
           <a:p>
             <a:r>
-              <a:rPr lang="ko-KR" altLang="en-US" sz="6600" smtClean="0">
+              <a:rPr lang="ko-KR" altLang="en-US" sz="6600">
                 <a:solidFill>
                   <a:schemeClr val="bg1"/>
                 </a:solidFill>
@@ -14809,13 +14587,6 @@
   <p:clrMapOvr>
     <a:masterClrMapping/>
   </p:clrMapOvr>
-  <p:timing>
-    <p:tnLst>
-      <p:par>
-        <p:cTn id="1" dur="indefinite" restart="never" nodeType="tmRoot"/>
-      </p:par>
-    </p:tnLst>
-  </p:timing>
 </p:sld>
 </file>
 
@@ -14918,13 +14689,6 @@
   <p:clrMapOvr>
     <a:masterClrMapping/>
   </p:clrMapOvr>
-  <p:timing>
-    <p:tnLst>
-      <p:par>
-        <p:cTn id="1" dur="indefinite" restart="never" nodeType="tmRoot"/>
-      </p:par>
-    </p:tnLst>
-  </p:timing>
 </p:sld>
 </file>
 
@@ -14950,7 +14714,7 @@
           <p:cNvPr id="4" name="TextBox 3">
             <a:extLst>
               <a:ext uri="{FF2B5EF4-FFF2-40B4-BE49-F238E27FC236}">
-                <a16:creationId xmlns="" xmlns:a16="http://schemas.microsoft.com/office/drawing/2014/main" id="{F84DC196-DA83-3926-FA25-58A1850ED904}"/>
+                <a16:creationId xmlns:a16="http://schemas.microsoft.com/office/drawing/2014/main" id="{F84DC196-DA83-3926-FA25-58A1850ED904}"/>
               </a:ext>
             </a:extLst>
           </p:cNvPr>
@@ -14974,7 +14738,7 @@
           <a:lstStyle/>
           <a:p>
             <a:r>
-              <a:rPr lang="ko-KR" altLang="en-US" sz="4000" smtClean="0">
+              <a:rPr lang="ko-KR" altLang="en-US" sz="4000">
                 <a:solidFill>
                   <a:srgbClr val="4C50BC"/>
                 </a:solidFill>
@@ -15046,7 +14810,7 @@
           <p:cNvPr id="26" name="그룹 1018">
             <a:extLst>
               <a:ext uri="{FF2B5EF4-FFF2-40B4-BE49-F238E27FC236}">
-                <a16:creationId xmlns="" xmlns:a16="http://schemas.microsoft.com/office/drawing/2014/main" id="{F53BC57C-78A5-6AFC-CB34-7E3FD29B339F}"/>
+                <a16:creationId xmlns:a16="http://schemas.microsoft.com/office/drawing/2014/main" id="{F53BC57C-78A5-6AFC-CB34-7E3FD29B339F}"/>
               </a:ext>
             </a:extLst>
           </p:cNvPr>
@@ -15066,7 +14830,7 @@
             <p:cNvPr id="27" name="Object 61">
               <a:extLst>
                 <a:ext uri="{FF2B5EF4-FFF2-40B4-BE49-F238E27FC236}">
-                  <a16:creationId xmlns="" xmlns:a16="http://schemas.microsoft.com/office/drawing/2014/main" id="{E6F73685-14E5-06A9-813C-1C372BD6F4DE}"/>
+                  <a16:creationId xmlns:a16="http://schemas.microsoft.com/office/drawing/2014/main" id="{E6F73685-14E5-06A9-813C-1C372BD6F4DE}"/>
                 </a:ext>
               </a:extLst>
             </p:cNvPr>
@@ -15097,7 +14861,7 @@
           <p:cNvPr id="28" name="TextBox 27">
             <a:extLst>
               <a:ext uri="{FF2B5EF4-FFF2-40B4-BE49-F238E27FC236}">
-                <a16:creationId xmlns="" xmlns:a16="http://schemas.microsoft.com/office/drawing/2014/main" id="{A06D4055-10A8-4A24-5EDC-0761473BA40F}"/>
+                <a16:creationId xmlns:a16="http://schemas.microsoft.com/office/drawing/2014/main" id="{A06D4055-10A8-4A24-5EDC-0761473BA40F}"/>
               </a:ext>
             </a:extLst>
           </p:cNvPr>
@@ -15151,7 +14915,7 @@
           <p:cNvPr id="29" name="직선 연결선 28">
             <a:extLst>
               <a:ext uri="{FF2B5EF4-FFF2-40B4-BE49-F238E27FC236}">
-                <a16:creationId xmlns="" xmlns:a16="http://schemas.microsoft.com/office/drawing/2014/main" id="{1172879B-889D-0C2F-EEA8-003E6793F36F}"/>
+                <a16:creationId xmlns:a16="http://schemas.microsoft.com/office/drawing/2014/main" id="{1172879B-889D-0C2F-EEA8-003E6793F36F}"/>
               </a:ext>
             </a:extLst>
           </p:cNvPr>
@@ -15196,7 +14960,7 @@
           <p:cNvPr id="30" name="그룹 1018">
             <a:extLst>
               <a:ext uri="{FF2B5EF4-FFF2-40B4-BE49-F238E27FC236}">
-                <a16:creationId xmlns="" xmlns:a16="http://schemas.microsoft.com/office/drawing/2014/main" id="{F53BC57C-78A5-6AFC-CB34-7E3FD29B339F}"/>
+                <a16:creationId xmlns:a16="http://schemas.microsoft.com/office/drawing/2014/main" id="{F53BC57C-78A5-6AFC-CB34-7E3FD29B339F}"/>
               </a:ext>
             </a:extLst>
           </p:cNvPr>
@@ -15216,7 +14980,7 @@
             <p:cNvPr id="31" name="Object 61">
               <a:extLst>
                 <a:ext uri="{FF2B5EF4-FFF2-40B4-BE49-F238E27FC236}">
-                  <a16:creationId xmlns="" xmlns:a16="http://schemas.microsoft.com/office/drawing/2014/main" id="{E6F73685-14E5-06A9-813C-1C372BD6F4DE}"/>
+                  <a16:creationId xmlns:a16="http://schemas.microsoft.com/office/drawing/2014/main" id="{E6F73685-14E5-06A9-813C-1C372BD6F4DE}"/>
                 </a:ext>
               </a:extLst>
             </p:cNvPr>
@@ -15247,7 +15011,7 @@
           <p:cNvPr id="32" name="TextBox 31">
             <a:extLst>
               <a:ext uri="{FF2B5EF4-FFF2-40B4-BE49-F238E27FC236}">
-                <a16:creationId xmlns="" xmlns:a16="http://schemas.microsoft.com/office/drawing/2014/main" id="{A06D4055-10A8-4A24-5EDC-0761473BA40F}"/>
+                <a16:creationId xmlns:a16="http://schemas.microsoft.com/office/drawing/2014/main" id="{A06D4055-10A8-4A24-5EDC-0761473BA40F}"/>
               </a:ext>
             </a:extLst>
           </p:cNvPr>
@@ -15307,7 +15071,7 @@
           <p:cNvPr id="33" name="직선 연결선 32">
             <a:extLst>
               <a:ext uri="{FF2B5EF4-FFF2-40B4-BE49-F238E27FC236}">
-                <a16:creationId xmlns="" xmlns:a16="http://schemas.microsoft.com/office/drawing/2014/main" id="{1172879B-889D-0C2F-EEA8-003E6793F36F}"/>
+                <a16:creationId xmlns:a16="http://schemas.microsoft.com/office/drawing/2014/main" id="{1172879B-889D-0C2F-EEA8-003E6793F36F}"/>
               </a:ext>
             </a:extLst>
           </p:cNvPr>
@@ -15352,7 +15116,7 @@
           <p:cNvPr id="34" name="그룹 1018">
             <a:extLst>
               <a:ext uri="{FF2B5EF4-FFF2-40B4-BE49-F238E27FC236}">
-                <a16:creationId xmlns="" xmlns:a16="http://schemas.microsoft.com/office/drawing/2014/main" id="{F53BC57C-78A5-6AFC-CB34-7E3FD29B339F}"/>
+                <a16:creationId xmlns:a16="http://schemas.microsoft.com/office/drawing/2014/main" id="{F53BC57C-78A5-6AFC-CB34-7E3FD29B339F}"/>
               </a:ext>
             </a:extLst>
           </p:cNvPr>
@@ -15372,7 +15136,7 @@
             <p:cNvPr id="35" name="Object 61">
               <a:extLst>
                 <a:ext uri="{FF2B5EF4-FFF2-40B4-BE49-F238E27FC236}">
-                  <a16:creationId xmlns="" xmlns:a16="http://schemas.microsoft.com/office/drawing/2014/main" id="{E6F73685-14E5-06A9-813C-1C372BD6F4DE}"/>
+                  <a16:creationId xmlns:a16="http://schemas.microsoft.com/office/drawing/2014/main" id="{E6F73685-14E5-06A9-813C-1C372BD6F4DE}"/>
                 </a:ext>
               </a:extLst>
             </p:cNvPr>
@@ -15403,7 +15167,7 @@
           <p:cNvPr id="36" name="TextBox 35">
             <a:extLst>
               <a:ext uri="{FF2B5EF4-FFF2-40B4-BE49-F238E27FC236}">
-                <a16:creationId xmlns="" xmlns:a16="http://schemas.microsoft.com/office/drawing/2014/main" id="{A06D4055-10A8-4A24-5EDC-0761473BA40F}"/>
+                <a16:creationId xmlns:a16="http://schemas.microsoft.com/office/drawing/2014/main" id="{A06D4055-10A8-4A24-5EDC-0761473BA40F}"/>
               </a:ext>
             </a:extLst>
           </p:cNvPr>
@@ -15457,7 +15221,7 @@
           <p:cNvPr id="41" name="그룹 1018">
             <a:extLst>
               <a:ext uri="{FF2B5EF4-FFF2-40B4-BE49-F238E27FC236}">
-                <a16:creationId xmlns="" xmlns:a16="http://schemas.microsoft.com/office/drawing/2014/main" id="{F53BC57C-78A5-6AFC-CB34-7E3FD29B339F}"/>
+                <a16:creationId xmlns:a16="http://schemas.microsoft.com/office/drawing/2014/main" id="{F53BC57C-78A5-6AFC-CB34-7E3FD29B339F}"/>
               </a:ext>
             </a:extLst>
           </p:cNvPr>
@@ -15477,7 +15241,7 @@
             <p:cNvPr id="42" name="Object 61">
               <a:extLst>
                 <a:ext uri="{FF2B5EF4-FFF2-40B4-BE49-F238E27FC236}">
-                  <a16:creationId xmlns="" xmlns:a16="http://schemas.microsoft.com/office/drawing/2014/main" id="{E6F73685-14E5-06A9-813C-1C372BD6F4DE}"/>
+                  <a16:creationId xmlns:a16="http://schemas.microsoft.com/office/drawing/2014/main" id="{E6F73685-14E5-06A9-813C-1C372BD6F4DE}"/>
                 </a:ext>
               </a:extLst>
             </p:cNvPr>
@@ -15508,7 +15272,7 @@
           <p:cNvPr id="43" name="TextBox 42">
             <a:extLst>
               <a:ext uri="{FF2B5EF4-FFF2-40B4-BE49-F238E27FC236}">
-                <a16:creationId xmlns="" xmlns:a16="http://schemas.microsoft.com/office/drawing/2014/main" id="{A06D4055-10A8-4A24-5EDC-0761473BA40F}"/>
+                <a16:creationId xmlns:a16="http://schemas.microsoft.com/office/drawing/2014/main" id="{A06D4055-10A8-4A24-5EDC-0761473BA40F}"/>
               </a:ext>
             </a:extLst>
           </p:cNvPr>
@@ -15532,7 +15296,7 @@
           <a:lstStyle/>
           <a:p>
             <a:r>
-              <a:rPr lang="en-US" altLang="ko-KR" sz="3600" smtClean="0">
+              <a:rPr lang="en-US" altLang="ko-KR" sz="3600">
                 <a:solidFill>
                   <a:schemeClr val="tx1">
                     <a:lumMod val="50000"/>
@@ -15562,7 +15326,7 @@
           <p:cNvPr id="44" name="직선 연결선 43">
             <a:extLst>
               <a:ext uri="{FF2B5EF4-FFF2-40B4-BE49-F238E27FC236}">
-                <a16:creationId xmlns="" xmlns:a16="http://schemas.microsoft.com/office/drawing/2014/main" id="{1172879B-889D-0C2F-EEA8-003E6793F36F}"/>
+                <a16:creationId xmlns:a16="http://schemas.microsoft.com/office/drawing/2014/main" id="{1172879B-889D-0C2F-EEA8-003E6793F36F}"/>
               </a:ext>
             </a:extLst>
           </p:cNvPr>
@@ -15607,7 +15371,7 @@
           <p:cNvPr id="48" name="TextBox 47">
             <a:extLst>
               <a:ext uri="{FF2B5EF4-FFF2-40B4-BE49-F238E27FC236}">
-                <a16:creationId xmlns="" xmlns:a16="http://schemas.microsoft.com/office/drawing/2014/main" id="{C6D113C6-EA5C-788F-0C77-E7CE6EBB865F}"/>
+                <a16:creationId xmlns:a16="http://schemas.microsoft.com/office/drawing/2014/main" id="{C6D113C6-EA5C-788F-0C77-E7CE6EBB865F}"/>
               </a:ext>
             </a:extLst>
           </p:cNvPr>
@@ -15631,7 +15395,7 @@
           <a:lstStyle/>
           <a:p>
             <a:r>
-              <a:rPr lang="en-US" altLang="ko-KR" sz="4000" smtClean="0">
+              <a:rPr lang="en-US" altLang="ko-KR" sz="4000">
                 <a:solidFill>
                   <a:srgbClr val="FF0000"/>
                 </a:solidFill>
@@ -15641,7 +15405,7 @@
               <a:t>Runtime Exception</a:t>
             </a:r>
             <a:r>
-              <a:rPr lang="ko-KR" altLang="en-US" sz="4000" smtClean="0">
+              <a:rPr lang="ko-KR" altLang="en-US" sz="4000">
                 <a:solidFill>
                   <a:srgbClr val="FF0000"/>
                 </a:solidFill>
@@ -15651,7 +15415,7 @@
               <a:t>을 상속받아 만들어 예외처리를  선택적으로 사용할수 있게 만드는게 일반적이다</a:t>
             </a:r>
             <a:r>
-              <a:rPr lang="en-US" altLang="ko-KR" sz="4000" smtClean="0">
+              <a:rPr lang="en-US" altLang="ko-KR" sz="4000">
                 <a:solidFill>
                   <a:srgbClr val="FF0000"/>
                 </a:solidFill>
@@ -16102,7 +15866,7 @@
           <p:cNvPr id="4" name="그룹 1018">
             <a:extLst>
               <a:ext uri="{FF2B5EF4-FFF2-40B4-BE49-F238E27FC236}">
-                <a16:creationId xmlns="" xmlns:a16="http://schemas.microsoft.com/office/drawing/2014/main" id="{F53BC57C-78A5-6AFC-CB34-7E3FD29B339F}"/>
+                <a16:creationId xmlns:a16="http://schemas.microsoft.com/office/drawing/2014/main" id="{F53BC57C-78A5-6AFC-CB34-7E3FD29B339F}"/>
               </a:ext>
             </a:extLst>
           </p:cNvPr>
@@ -16122,7 +15886,7 @@
             <p:cNvPr id="5" name="Object 61">
               <a:extLst>
                 <a:ext uri="{FF2B5EF4-FFF2-40B4-BE49-F238E27FC236}">
-                  <a16:creationId xmlns="" xmlns:a16="http://schemas.microsoft.com/office/drawing/2014/main" id="{E6F73685-14E5-06A9-813C-1C372BD6F4DE}"/>
+                  <a16:creationId xmlns:a16="http://schemas.microsoft.com/office/drawing/2014/main" id="{E6F73685-14E5-06A9-813C-1C372BD6F4DE}"/>
                 </a:ext>
               </a:extLst>
             </p:cNvPr>
@@ -16153,7 +15917,7 @@
           <p:cNvPr id="6" name="직선 연결선 5">
             <a:extLst>
               <a:ext uri="{FF2B5EF4-FFF2-40B4-BE49-F238E27FC236}">
-                <a16:creationId xmlns="" xmlns:a16="http://schemas.microsoft.com/office/drawing/2014/main" id="{1172879B-889D-0C2F-EEA8-003E6793F36F}"/>
+                <a16:creationId xmlns:a16="http://schemas.microsoft.com/office/drawing/2014/main" id="{1172879B-889D-0C2F-EEA8-003E6793F36F}"/>
               </a:ext>
             </a:extLst>
           </p:cNvPr>
@@ -16197,7 +15961,7 @@
           <p:cNvPr id="8" name="그룹 1018">
             <a:extLst>
               <a:ext uri="{FF2B5EF4-FFF2-40B4-BE49-F238E27FC236}">
-                <a16:creationId xmlns="" xmlns:a16="http://schemas.microsoft.com/office/drawing/2014/main" id="{6422EA0E-12C8-4264-ABC7-17F8CE933867}"/>
+                <a16:creationId xmlns:a16="http://schemas.microsoft.com/office/drawing/2014/main" id="{6422EA0E-12C8-4264-ABC7-17F8CE933867}"/>
               </a:ext>
             </a:extLst>
           </p:cNvPr>
@@ -16217,7 +15981,7 @@
             <p:cNvPr id="9" name="Object 61">
               <a:extLst>
                 <a:ext uri="{FF2B5EF4-FFF2-40B4-BE49-F238E27FC236}">
-                  <a16:creationId xmlns="" xmlns:a16="http://schemas.microsoft.com/office/drawing/2014/main" id="{B8EE3D0F-6DDF-413D-3D54-0B0C4905D65D}"/>
+                  <a16:creationId xmlns:a16="http://schemas.microsoft.com/office/drawing/2014/main" id="{B8EE3D0F-6DDF-413D-3D54-0B0C4905D65D}"/>
                 </a:ext>
               </a:extLst>
             </p:cNvPr>
@@ -16248,7 +16012,7 @@
           <p:cNvPr id="10" name="그룹 1018">
             <a:extLst>
               <a:ext uri="{FF2B5EF4-FFF2-40B4-BE49-F238E27FC236}">
-                <a16:creationId xmlns="" xmlns:a16="http://schemas.microsoft.com/office/drawing/2014/main" id="{11F8DF7C-F95F-B0B5-FC7F-85E369D002C6}"/>
+                <a16:creationId xmlns:a16="http://schemas.microsoft.com/office/drawing/2014/main" id="{11F8DF7C-F95F-B0B5-FC7F-85E369D002C6}"/>
               </a:ext>
             </a:extLst>
           </p:cNvPr>
@@ -16268,7 +16032,7 @@
             <p:cNvPr id="11" name="Object 61">
               <a:extLst>
                 <a:ext uri="{FF2B5EF4-FFF2-40B4-BE49-F238E27FC236}">
-                  <a16:creationId xmlns="" xmlns:a16="http://schemas.microsoft.com/office/drawing/2014/main" id="{B8B15D9F-D5FD-93DD-D076-037E1D6FFEC7}"/>
+                  <a16:creationId xmlns:a16="http://schemas.microsoft.com/office/drawing/2014/main" id="{B8B15D9F-D5FD-93DD-D076-037E1D6FFEC7}"/>
                 </a:ext>
               </a:extLst>
             </p:cNvPr>
@@ -16299,7 +16063,7 @@
           <p:cNvPr id="12" name="직선 연결선 11">
             <a:extLst>
               <a:ext uri="{FF2B5EF4-FFF2-40B4-BE49-F238E27FC236}">
-                <a16:creationId xmlns="" xmlns:a16="http://schemas.microsoft.com/office/drawing/2014/main" id="{450E9148-0C3A-3B85-23E5-E1D1C0997659}"/>
+                <a16:creationId xmlns:a16="http://schemas.microsoft.com/office/drawing/2014/main" id="{450E9148-0C3A-3B85-23E5-E1D1C0997659}"/>
               </a:ext>
             </a:extLst>
           </p:cNvPr>
@@ -16343,7 +16107,7 @@
           <p:cNvPr id="13" name="TextBox 12">
             <a:extLst>
               <a:ext uri="{FF2B5EF4-FFF2-40B4-BE49-F238E27FC236}">
-                <a16:creationId xmlns="" xmlns:a16="http://schemas.microsoft.com/office/drawing/2014/main" id="{A06D4055-10A8-4A24-5EDC-0761473BA40F}"/>
+                <a16:creationId xmlns:a16="http://schemas.microsoft.com/office/drawing/2014/main" id="{A06D4055-10A8-4A24-5EDC-0761473BA40F}"/>
               </a:ext>
             </a:extLst>
           </p:cNvPr>
@@ -16397,7 +16161,7 @@
           <p:cNvPr id="14" name="TextBox 13">
             <a:extLst>
               <a:ext uri="{FF2B5EF4-FFF2-40B4-BE49-F238E27FC236}">
-                <a16:creationId xmlns="" xmlns:a16="http://schemas.microsoft.com/office/drawing/2014/main" id="{044C5ACF-17B6-5920-7904-E16248F54A6A}"/>
+                <a16:creationId xmlns:a16="http://schemas.microsoft.com/office/drawing/2014/main" id="{044C5ACF-17B6-5920-7904-E16248F54A6A}"/>
               </a:ext>
             </a:extLst>
           </p:cNvPr>
@@ -16451,7 +16215,7 @@
           <p:cNvPr id="16" name="TextBox 15">
             <a:extLst>
               <a:ext uri="{FF2B5EF4-FFF2-40B4-BE49-F238E27FC236}">
-                <a16:creationId xmlns="" xmlns:a16="http://schemas.microsoft.com/office/drawing/2014/main" id="{101E227B-A9BD-20A0-66DD-A013FA376D02}"/>
+                <a16:creationId xmlns:a16="http://schemas.microsoft.com/office/drawing/2014/main" id="{101E227B-A9BD-20A0-66DD-A013FA376D02}"/>
               </a:ext>
             </a:extLst>
           </p:cNvPr>
@@ -16505,7 +16269,7 @@
           <p:cNvPr id="17" name="직선 연결선 16">
             <a:extLst>
               <a:ext uri="{FF2B5EF4-FFF2-40B4-BE49-F238E27FC236}">
-                <a16:creationId xmlns="" xmlns:a16="http://schemas.microsoft.com/office/drawing/2014/main" id="{1172879B-889D-0C2F-EEA8-003E6793F36F}"/>
+                <a16:creationId xmlns:a16="http://schemas.microsoft.com/office/drawing/2014/main" id="{1172879B-889D-0C2F-EEA8-003E6793F36F}"/>
               </a:ext>
             </a:extLst>
           </p:cNvPr>
@@ -16548,7 +16312,7 @@
           <p:cNvPr id="18" name="직선 연결선 17">
             <a:extLst>
               <a:ext uri="{FF2B5EF4-FFF2-40B4-BE49-F238E27FC236}">
-                <a16:creationId xmlns="" xmlns:a16="http://schemas.microsoft.com/office/drawing/2014/main" id="{450E9148-0C3A-3B85-23E5-E1D1C0997659}"/>
+                <a16:creationId xmlns:a16="http://schemas.microsoft.com/office/drawing/2014/main" id="{450E9148-0C3A-3B85-23E5-E1D1C0997659}"/>
               </a:ext>
             </a:extLst>
           </p:cNvPr>
@@ -16591,7 +16355,7 @@
           <p:cNvPr id="19" name="그룹 1018">
             <a:extLst>
               <a:ext uri="{FF2B5EF4-FFF2-40B4-BE49-F238E27FC236}">
-                <a16:creationId xmlns="" xmlns:a16="http://schemas.microsoft.com/office/drawing/2014/main" id="{6422EA0E-12C8-4264-ABC7-17F8CE933867}"/>
+                <a16:creationId xmlns:a16="http://schemas.microsoft.com/office/drawing/2014/main" id="{6422EA0E-12C8-4264-ABC7-17F8CE933867}"/>
               </a:ext>
             </a:extLst>
           </p:cNvPr>
@@ -16611,7 +16375,7 @@
             <p:cNvPr id="20" name="Object 61">
               <a:extLst>
                 <a:ext uri="{FF2B5EF4-FFF2-40B4-BE49-F238E27FC236}">
-                  <a16:creationId xmlns="" xmlns:a16="http://schemas.microsoft.com/office/drawing/2014/main" id="{B8EE3D0F-6DDF-413D-3D54-0B0C4905D65D}"/>
+                  <a16:creationId xmlns:a16="http://schemas.microsoft.com/office/drawing/2014/main" id="{B8EE3D0F-6DDF-413D-3D54-0B0C4905D65D}"/>
                 </a:ext>
               </a:extLst>
             </p:cNvPr>
@@ -16642,7 +16406,7 @@
           <p:cNvPr id="22" name="그룹 1018">
             <a:extLst>
               <a:ext uri="{FF2B5EF4-FFF2-40B4-BE49-F238E27FC236}">
-                <a16:creationId xmlns="" xmlns:a16="http://schemas.microsoft.com/office/drawing/2014/main" id="{11F8DF7C-F95F-B0B5-FC7F-85E369D002C6}"/>
+                <a16:creationId xmlns:a16="http://schemas.microsoft.com/office/drawing/2014/main" id="{11F8DF7C-F95F-B0B5-FC7F-85E369D002C6}"/>
               </a:ext>
             </a:extLst>
           </p:cNvPr>
@@ -16662,7 +16426,7 @@
             <p:cNvPr id="23" name="Object 61">
               <a:extLst>
                 <a:ext uri="{FF2B5EF4-FFF2-40B4-BE49-F238E27FC236}">
-                  <a16:creationId xmlns="" xmlns:a16="http://schemas.microsoft.com/office/drawing/2014/main" id="{B8B15D9F-D5FD-93DD-D076-037E1D6FFEC7}"/>
+                  <a16:creationId xmlns:a16="http://schemas.microsoft.com/office/drawing/2014/main" id="{B8B15D9F-D5FD-93DD-D076-037E1D6FFEC7}"/>
                 </a:ext>
               </a:extLst>
             </p:cNvPr>
@@ -16693,7 +16457,7 @@
           <p:cNvPr id="24" name="TextBox 23">
             <a:extLst>
               <a:ext uri="{FF2B5EF4-FFF2-40B4-BE49-F238E27FC236}">
-                <a16:creationId xmlns="" xmlns:a16="http://schemas.microsoft.com/office/drawing/2014/main" id="{044C5ACF-17B6-5920-7904-E16248F54A6A}"/>
+                <a16:creationId xmlns:a16="http://schemas.microsoft.com/office/drawing/2014/main" id="{044C5ACF-17B6-5920-7904-E16248F54A6A}"/>
               </a:ext>
             </a:extLst>
           </p:cNvPr>
@@ -16747,7 +16511,7 @@
           <p:cNvPr id="25" name="TextBox 24">
             <a:extLst>
               <a:ext uri="{FF2B5EF4-FFF2-40B4-BE49-F238E27FC236}">
-                <a16:creationId xmlns="" xmlns:a16="http://schemas.microsoft.com/office/drawing/2014/main" id="{101E227B-A9BD-20A0-66DD-A013FA376D02}"/>
+                <a16:creationId xmlns:a16="http://schemas.microsoft.com/office/drawing/2014/main" id="{101E227B-A9BD-20A0-66DD-A013FA376D02}"/>
               </a:ext>
             </a:extLst>
           </p:cNvPr>
@@ -16801,7 +16565,7 @@
           <p:cNvPr id="26" name="TextBox 25">
             <a:extLst>
               <a:ext uri="{FF2B5EF4-FFF2-40B4-BE49-F238E27FC236}">
-                <a16:creationId xmlns="" xmlns:a16="http://schemas.microsoft.com/office/drawing/2014/main" id="{D15853EE-94B0-D08B-DCB7-3381290CC3FF}"/>
+                <a16:creationId xmlns:a16="http://schemas.microsoft.com/office/drawing/2014/main" id="{D15853EE-94B0-D08B-DCB7-3381290CC3FF}"/>
               </a:ext>
             </a:extLst>
           </p:cNvPr>
@@ -16849,7 +16613,7 @@
           <p:cNvPr id="27" name="TextBox 26">
             <a:extLst>
               <a:ext uri="{FF2B5EF4-FFF2-40B4-BE49-F238E27FC236}">
-                <a16:creationId xmlns="" xmlns:a16="http://schemas.microsoft.com/office/drawing/2014/main" id="{044C5ACF-17B6-5920-7904-E16248F54A6A}"/>
+                <a16:creationId xmlns:a16="http://schemas.microsoft.com/office/drawing/2014/main" id="{044C5ACF-17B6-5920-7904-E16248F54A6A}"/>
               </a:ext>
             </a:extLst>
           </p:cNvPr>
@@ -16875,7 +16639,7 @@
             <a:r>
               <a:rPr lang="ko-KR" altLang="en-US" sz="2400" dirty="0">
                 <a:solidFill>
-                  <a:srgbClr val="4C50BC"/>
+                  <a:srgbClr val="4D4848"/>
                 </a:solidFill>
                 <a:latin typeface="G마켓 산스 Medium" panose="02000000000000000000" pitchFamily="50" charset="-127"/>
                 <a:ea typeface="G마켓 산스 Medium" panose="02000000000000000000" pitchFamily="50" charset="-127"/>
@@ -16885,7 +16649,7 @@
             <a:r>
               <a:rPr lang="en-US" altLang="ko-KR" sz="2400" dirty="0">
                 <a:solidFill>
-                  <a:srgbClr val="4C50BC"/>
+                  <a:srgbClr val="4D4848"/>
                 </a:solidFill>
                 <a:latin typeface="G마켓 산스 Medium" panose="02000000000000000000" pitchFamily="50" charset="-127"/>
                 <a:ea typeface="G마켓 산스 Medium" panose="02000000000000000000" pitchFamily="50" charset="-127"/>
@@ -16895,7 +16659,7 @@
             <a:r>
               <a:rPr lang="ko-KR" altLang="en-US" sz="2400" dirty="0">
                 <a:solidFill>
-                  <a:srgbClr val="4C50BC"/>
+                  <a:srgbClr val="4D4848"/>
                 </a:solidFill>
                 <a:latin typeface="G마켓 산스 Medium" panose="02000000000000000000" pitchFamily="50" charset="-127"/>
                 <a:ea typeface="G마켓 산스 Medium" panose="02000000000000000000" pitchFamily="50" charset="-127"/>
@@ -16905,7 +16669,7 @@
             <a:r>
               <a:rPr lang="en-US" altLang="ko-KR" sz="2400" dirty="0">
                 <a:solidFill>
-                  <a:srgbClr val="4C50BC"/>
+                  <a:srgbClr val="4D4848"/>
                 </a:solidFill>
                 <a:latin typeface="G마켓 산스 Medium" panose="02000000000000000000" pitchFamily="50" charset="-127"/>
                 <a:ea typeface="G마켓 산스 Medium" panose="02000000000000000000" pitchFamily="50" charset="-127"/>
@@ -16913,58 +16677,18 @@
               <a:t>, </a:t>
             </a:r>
             <a:r>
-              <a:rPr lang="ko-KR" altLang="en-US" sz="2400" dirty="0" err="1">
-                <a:solidFill>
-                  <a:srgbClr val="4C50BC"/>
-                </a:solidFill>
-                <a:latin typeface="G마켓 산스 Medium" panose="02000000000000000000" pitchFamily="50" charset="-127"/>
-                <a:ea typeface="G마켓 산스 Medium" panose="02000000000000000000" pitchFamily="50" charset="-127"/>
-              </a:rPr>
-              <a:t>자료형</a:t>
-            </a:r>
-            <a:r>
               <a:rPr lang="ko-KR" altLang="en-US" sz="2400" dirty="0">
                 <a:solidFill>
-                  <a:srgbClr val="4C50BC"/>
-                </a:solidFill>
-                <a:latin typeface="G마켓 산스 Medium" panose="02000000000000000000" pitchFamily="50" charset="-127"/>
-                <a:ea typeface="G마켓 산스 Medium" panose="02000000000000000000" pitchFamily="50" charset="-127"/>
-              </a:rPr>
-              <a:t> 체크 등등 실행하지 않아도 </a:t>
-            </a:r>
-            <a:r>
-              <a:rPr lang="ko-KR" altLang="en-US" sz="2400" dirty="0" err="1" smtClean="0">
-                <a:solidFill>
-                  <a:srgbClr val="4C50BC"/>
-                </a:solidFill>
-                <a:latin typeface="G마켓 산스 Medium" panose="02000000000000000000" pitchFamily="50" charset="-127"/>
-                <a:ea typeface="G마켓 산스 Medium" panose="02000000000000000000" pitchFamily="50" charset="-127"/>
-              </a:rPr>
-              <a:t>알수</a:t>
-            </a:r>
-            <a:r>
-              <a:rPr lang="ko-KR" altLang="en-US" sz="2400" dirty="0" smtClean="0">
-                <a:solidFill>
-                  <a:srgbClr val="4C50BC"/>
-                </a:solidFill>
-                <a:latin typeface="G마켓 산스 Medium" panose="02000000000000000000" pitchFamily="50" charset="-127"/>
-                <a:ea typeface="G마켓 산스 Medium" panose="02000000000000000000" pitchFamily="50" charset="-127"/>
-              </a:rPr>
-              <a:t> </a:t>
-            </a:r>
-            <a:r>
-              <a:rPr lang="ko-KR" altLang="en-US" sz="2400" dirty="0" err="1" smtClean="0">
-                <a:solidFill>
-                  <a:srgbClr val="4C50BC"/>
-                </a:solidFill>
-                <a:latin typeface="G마켓 산스 Medium" panose="02000000000000000000" pitchFamily="50" charset="-127"/>
-                <a:ea typeface="G마켓 산스 Medium" panose="02000000000000000000" pitchFamily="50" charset="-127"/>
-              </a:rPr>
-              <a:t>있는에러</a:t>
+                  <a:srgbClr val="4D4848"/>
+                </a:solidFill>
+                <a:latin typeface="G마켓 산스 Medium" panose="02000000000000000000" pitchFamily="50" charset="-127"/>
+                <a:ea typeface="G마켓 산스 Medium" panose="02000000000000000000" pitchFamily="50" charset="-127"/>
+              </a:rPr>
+              <a:t>자료형 체크 등등 실행하지 않아도 알 수 있는 에러</a:t>
             </a:r>
             <a:endParaRPr lang="en-US" altLang="ko-KR" sz="2400" dirty="0">
               <a:solidFill>
-                <a:srgbClr val="4C50BC"/>
+                <a:srgbClr val="4D4848"/>
               </a:solidFill>
               <a:latin typeface="G마켓 산스 Medium" panose="02000000000000000000" pitchFamily="50" charset="-127"/>
               <a:ea typeface="G마켓 산스 Medium" panose="02000000000000000000" pitchFamily="50" charset="-127"/>
@@ -16977,7 +16701,7 @@
           <p:cNvPr id="28" name="TextBox 27">
             <a:extLst>
               <a:ext uri="{FF2B5EF4-FFF2-40B4-BE49-F238E27FC236}">
-                <a16:creationId xmlns="" xmlns:a16="http://schemas.microsoft.com/office/drawing/2014/main" id="{044C5ACF-17B6-5920-7904-E16248F54A6A}"/>
+                <a16:creationId xmlns:a16="http://schemas.microsoft.com/office/drawing/2014/main" id="{044C5ACF-17B6-5920-7904-E16248F54A6A}"/>
               </a:ext>
             </a:extLst>
           </p:cNvPr>
@@ -17003,7 +16727,7 @@
             <a:r>
               <a:rPr lang="ko-KR" altLang="en-US" sz="2400">
                 <a:solidFill>
-                  <a:srgbClr val="4C50BC"/>
+                  <a:srgbClr val="4D4848"/>
                 </a:solidFill>
                 <a:latin typeface="G마켓 산스 Medium" panose="02000000000000000000" pitchFamily="50" charset="-127"/>
                 <a:ea typeface="G마켓 산스 Medium" panose="02000000000000000000" pitchFamily="50" charset="-127"/>
@@ -17013,7 +16737,7 @@
             <a:r>
               <a:rPr lang="en-US" altLang="ko-KR" sz="2400">
                 <a:solidFill>
-                  <a:srgbClr val="4C50BC"/>
+                  <a:srgbClr val="4D4848"/>
                 </a:solidFill>
                 <a:latin typeface="G마켓 산스 Medium" panose="02000000000000000000" pitchFamily="50" charset="-127"/>
                 <a:ea typeface="G마켓 산스 Medium" panose="02000000000000000000" pitchFamily="50" charset="-127"/>
@@ -17023,7 +16747,7 @@
             <a:r>
               <a:rPr lang="ko-KR" altLang="en-US" sz="2400">
                 <a:solidFill>
-                  <a:srgbClr val="4C50BC"/>
+                  <a:srgbClr val="4D4848"/>
                 </a:solidFill>
                 <a:latin typeface="G마켓 산스 Medium" panose="02000000000000000000" pitchFamily="50" charset="-127"/>
                 <a:ea typeface="G마켓 산스 Medium" panose="02000000000000000000" pitchFamily="50" charset="-127"/>
@@ -17033,7 +16757,7 @@
             <a:r>
               <a:rPr lang="en-US" altLang="ko-KR" sz="2400">
                 <a:solidFill>
-                  <a:srgbClr val="4C50BC"/>
+                  <a:srgbClr val="4D4848"/>
                 </a:solidFill>
                 <a:latin typeface="G마켓 산스 Medium" panose="02000000000000000000" pitchFamily="50" charset="-127"/>
                 <a:ea typeface="G마켓 산스 Medium" panose="02000000000000000000" pitchFamily="50" charset="-127"/>
@@ -17042,7 +16766,7 @@
             </a:r>
             <a:endParaRPr lang="en-US" altLang="ko-KR" sz="2400" dirty="0">
               <a:solidFill>
-                <a:srgbClr val="4C50BC"/>
+                <a:srgbClr val="4D4848"/>
               </a:solidFill>
               <a:latin typeface="G마켓 산스 Medium" panose="02000000000000000000" pitchFamily="50" charset="-127"/>
               <a:ea typeface="G마켓 산스 Medium" panose="02000000000000000000" pitchFamily="50" charset="-127"/>
@@ -17055,7 +16779,7 @@
           <p:cNvPr id="29" name="TextBox 28">
             <a:extLst>
               <a:ext uri="{FF2B5EF4-FFF2-40B4-BE49-F238E27FC236}">
-                <a16:creationId xmlns="" xmlns:a16="http://schemas.microsoft.com/office/drawing/2014/main" id="{044C5ACF-17B6-5920-7904-E16248F54A6A}"/>
+                <a16:creationId xmlns:a16="http://schemas.microsoft.com/office/drawing/2014/main" id="{044C5ACF-17B6-5920-7904-E16248F54A6A}"/>
               </a:ext>
             </a:extLst>
           </p:cNvPr>
@@ -17081,7 +16805,7 @@
             <a:r>
               <a:rPr lang="ko-KR" altLang="en-US" sz="2400">
                 <a:solidFill>
-                  <a:srgbClr val="4C50BC"/>
+                  <a:srgbClr val="4D4848"/>
                 </a:solidFill>
                 <a:latin typeface="G마켓 산스 Medium" panose="02000000000000000000" pitchFamily="50" charset="-127"/>
                 <a:ea typeface="G마켓 산스 Medium" panose="02000000000000000000" pitchFamily="50" charset="-127"/>
@@ -17091,7 +16815,7 @@
             <a:r>
               <a:rPr lang="en-US" altLang="ko-KR" sz="2400">
                 <a:solidFill>
-                  <a:srgbClr val="4C50BC"/>
+                  <a:srgbClr val="4D4848"/>
                 </a:solidFill>
                 <a:latin typeface="G마켓 산스 Medium" panose="02000000000000000000" pitchFamily="50" charset="-127"/>
                 <a:ea typeface="G마켓 산스 Medium" panose="02000000000000000000" pitchFamily="50" charset="-127"/>
@@ -17101,7 +16825,7 @@
             <a:r>
               <a:rPr lang="ko-KR" altLang="en-US" sz="2400">
                 <a:solidFill>
-                  <a:srgbClr val="4C50BC"/>
+                  <a:srgbClr val="4D4848"/>
                 </a:solidFill>
                 <a:latin typeface="G마켓 산스 Medium" panose="02000000000000000000" pitchFamily="50" charset="-127"/>
                 <a:ea typeface="G마켓 산스 Medium" panose="02000000000000000000" pitchFamily="50" charset="-127"/>
@@ -17110,7 +16834,7 @@
             </a:r>
             <a:endParaRPr lang="en-US" altLang="ko-KR" sz="2400" dirty="0">
               <a:solidFill>
-                <a:srgbClr val="4C50BC"/>
+                <a:srgbClr val="4D4848"/>
               </a:solidFill>
               <a:latin typeface="G마켓 산스 Medium" panose="02000000000000000000" pitchFamily="50" charset="-127"/>
               <a:ea typeface="G마켓 산스 Medium" panose="02000000000000000000" pitchFamily="50" charset="-127"/>
@@ -17123,7 +16847,7 @@
           <p:cNvPr id="30" name="TextBox 29">
             <a:extLst>
               <a:ext uri="{FF2B5EF4-FFF2-40B4-BE49-F238E27FC236}">
-                <a16:creationId xmlns="" xmlns:a16="http://schemas.microsoft.com/office/drawing/2014/main" id="{044C5ACF-17B6-5920-7904-E16248F54A6A}"/>
+                <a16:creationId xmlns:a16="http://schemas.microsoft.com/office/drawing/2014/main" id="{044C5ACF-17B6-5920-7904-E16248F54A6A}"/>
               </a:ext>
             </a:extLst>
           </p:cNvPr>
@@ -17149,7 +16873,7 @@
             <a:r>
               <a:rPr lang="ko-KR" altLang="en-US" sz="2400">
                 <a:solidFill>
-                  <a:srgbClr val="4C50BC"/>
+                  <a:srgbClr val="4D4848"/>
                 </a:solidFill>
                 <a:latin typeface="G마켓 산스 Medium" panose="02000000000000000000" pitchFamily="50" charset="-127"/>
                 <a:ea typeface="G마켓 산스 Medium" panose="02000000000000000000" pitchFamily="50" charset="-127"/>
@@ -17158,7 +16882,7 @@
             </a:r>
             <a:endParaRPr lang="en-US" altLang="ko-KR" sz="2400" dirty="0">
               <a:solidFill>
-                <a:srgbClr val="4C50BC"/>
+                <a:srgbClr val="4D4848"/>
               </a:solidFill>
               <a:latin typeface="G마켓 산스 Medium" panose="02000000000000000000" pitchFamily="50" charset="-127"/>
               <a:ea typeface="G마켓 산스 Medium" panose="02000000000000000000" pitchFamily="50" charset="-127"/>
@@ -17417,7 +17141,7 @@
           <p:cNvPr id="4" name="TextBox 3">
             <a:extLst>
               <a:ext uri="{FF2B5EF4-FFF2-40B4-BE49-F238E27FC236}">
-                <a16:creationId xmlns="" xmlns:a16="http://schemas.microsoft.com/office/drawing/2014/main" id="{F84DC196-DA83-3926-FA25-58A1850ED904}"/>
+                <a16:creationId xmlns:a16="http://schemas.microsoft.com/office/drawing/2014/main" id="{F84DC196-DA83-3926-FA25-58A1850ED904}"/>
               </a:ext>
             </a:extLst>
           </p:cNvPr>
@@ -17441,7 +17165,7 @@
           <a:lstStyle/>
           <a:p>
             <a:r>
-              <a:rPr lang="ko-KR" altLang="en-US" sz="4000" dirty="0" smtClean="0">
+              <a:rPr lang="ko-KR" altLang="en-US" sz="4000" dirty="0">
                 <a:solidFill>
                   <a:srgbClr val="4C50BC"/>
                 </a:solidFill>
@@ -17451,7 +17175,7 @@
               <a:t>그런데 에러를 일부러 생성해서 발생 시킬 이유가 있는가</a:t>
             </a:r>
             <a:r>
-              <a:rPr lang="en-US" altLang="ko-KR" sz="4000" dirty="0" smtClean="0">
+              <a:rPr lang="en-US" altLang="ko-KR" sz="4000" dirty="0">
                 <a:solidFill>
                   <a:srgbClr val="4C50BC"/>
                 </a:solidFill>
@@ -17472,7 +17196,7 @@
           </a:p>
           <a:p>
             <a:r>
-              <a:rPr lang="ko-KR" altLang="en-US" sz="4000" dirty="0" smtClean="0">
+              <a:rPr lang="ko-KR" altLang="en-US" sz="4000" dirty="0">
                 <a:solidFill>
                   <a:srgbClr val="4C50BC"/>
                 </a:solidFill>
@@ -17482,7 +17206,7 @@
               <a:t>게다가 자체적으로 새롭게 만든 에러까지 만들어서 발생시켜서 어디다 </a:t>
             </a:r>
             <a:r>
-              <a:rPr lang="ko-KR" altLang="en-US" sz="4000" dirty="0" err="1" smtClean="0">
+              <a:rPr lang="ko-KR" altLang="en-US" sz="4000" dirty="0" err="1">
                 <a:solidFill>
                   <a:srgbClr val="4C50BC"/>
                 </a:solidFill>
@@ -17492,7 +17216,7 @@
               <a:t>써먹는걸까</a:t>
             </a:r>
             <a:r>
-              <a:rPr lang="en-US" altLang="ko-KR" sz="4000" dirty="0" smtClean="0">
+              <a:rPr lang="en-US" altLang="ko-KR" sz="4000" dirty="0">
                 <a:solidFill>
                   <a:srgbClr val="4C50BC"/>
                 </a:solidFill>
@@ -17513,7 +17237,7 @@
           </a:p>
           <a:p>
             <a:r>
-              <a:rPr lang="ko-KR" altLang="en-US" sz="4000" dirty="0" smtClean="0">
+              <a:rPr lang="ko-KR" altLang="en-US" sz="4000" dirty="0">
                 <a:solidFill>
                   <a:srgbClr val="4C50BC"/>
                 </a:solidFill>
@@ -17523,7 +17247,7 @@
               <a:t>에러는 </a:t>
             </a:r>
             <a:r>
-              <a:rPr lang="ko-KR" altLang="en-US" sz="4000" dirty="0" err="1" smtClean="0">
+              <a:rPr lang="ko-KR" altLang="en-US" sz="4000" dirty="0" err="1">
                 <a:solidFill>
                   <a:srgbClr val="4C50BC"/>
                 </a:solidFill>
@@ -17533,7 +17257,7 @@
               <a:t>안나게</a:t>
             </a:r>
             <a:r>
-              <a:rPr lang="ko-KR" altLang="en-US" sz="4000" dirty="0" smtClean="0">
+              <a:rPr lang="ko-KR" altLang="en-US" sz="4000" dirty="0">
                 <a:solidFill>
                   <a:srgbClr val="4C50BC"/>
                 </a:solidFill>
@@ -17543,7 +17267,7 @@
               <a:t> </a:t>
             </a:r>
             <a:r>
-              <a:rPr lang="ko-KR" altLang="en-US" sz="4000" dirty="0" err="1" smtClean="0">
+              <a:rPr lang="ko-KR" altLang="en-US" sz="4000" dirty="0" err="1">
                 <a:solidFill>
                   <a:srgbClr val="4C50BC"/>
                 </a:solidFill>
@@ -17553,7 +17277,7 @@
               <a:t>해야하는건데</a:t>
             </a:r>
             <a:r>
-              <a:rPr lang="ko-KR" altLang="en-US" sz="4000" dirty="0" smtClean="0">
+              <a:rPr lang="ko-KR" altLang="en-US" sz="4000" dirty="0">
                 <a:solidFill>
                   <a:srgbClr val="4C50BC"/>
                 </a:solidFill>
@@ -17563,7 +17287,7 @@
               <a:t> 왜 더 </a:t>
             </a:r>
             <a:r>
-              <a:rPr lang="ko-KR" altLang="en-US" sz="4000" dirty="0" err="1" smtClean="0">
+              <a:rPr lang="ko-KR" altLang="en-US" sz="4000" dirty="0" err="1">
                 <a:solidFill>
                   <a:srgbClr val="4C50BC"/>
                 </a:solidFill>
@@ -17573,7 +17297,7 @@
               <a:t>발생시키려는걸까</a:t>
             </a:r>
             <a:r>
-              <a:rPr lang="en-US" altLang="ko-KR" sz="4000" dirty="0" smtClean="0">
+              <a:rPr lang="en-US" altLang="ko-KR" sz="4000" dirty="0">
                 <a:solidFill>
                   <a:srgbClr val="4C50BC"/>
                 </a:solidFill>
@@ -17582,13 +17306,6 @@
               </a:rPr>
               <a:t>?</a:t>
             </a:r>
-            <a:endParaRPr lang="en-US" altLang="ko-KR" sz="4000" dirty="0">
-              <a:solidFill>
-                <a:srgbClr val="4C50BC"/>
-              </a:solidFill>
-              <a:latin typeface="G마켓 산스 Medium" panose="02000000000000000000" pitchFamily="50" charset="-127"/>
-              <a:ea typeface="G마켓 산스 Medium" panose="02000000000000000000" pitchFamily="50" charset="-127"/>
-            </a:endParaRPr>
           </a:p>
         </p:txBody>
       </p:sp>
@@ -17602,13 +17319,6 @@
   <p:clrMapOvr>
     <a:masterClrMapping/>
   </p:clrMapOvr>
-  <p:timing>
-    <p:tnLst>
-      <p:par>
-        <p:cTn id="1" dur="indefinite" restart="never" nodeType="tmRoot"/>
-      </p:par>
-    </p:tnLst>
-  </p:timing>
 </p:sld>
 </file>
 
@@ -17634,7 +17344,7 @@
           <p:cNvPr id="4" name="TextBox 3">
             <a:extLst>
               <a:ext uri="{FF2B5EF4-FFF2-40B4-BE49-F238E27FC236}">
-                <a16:creationId xmlns="" xmlns:a16="http://schemas.microsoft.com/office/drawing/2014/main" id="{F84DC196-DA83-3926-FA25-58A1850ED904}"/>
+                <a16:creationId xmlns:a16="http://schemas.microsoft.com/office/drawing/2014/main" id="{F84DC196-DA83-3926-FA25-58A1850ED904}"/>
               </a:ext>
             </a:extLst>
           </p:cNvPr>
@@ -17658,7 +17368,7 @@
           <a:lstStyle/>
           <a:p>
             <a:r>
-              <a:rPr lang="ko-KR" altLang="en-US" sz="4000" dirty="0" smtClean="0">
+              <a:rPr lang="ko-KR" altLang="en-US" sz="4000" dirty="0">
                 <a:solidFill>
                   <a:srgbClr val="4C50BC"/>
                 </a:solidFill>
@@ -17706,7 +17416,7 @@
           <p:cNvPr id="5" name="TextBox 4">
             <a:extLst>
               <a:ext uri="{FF2B5EF4-FFF2-40B4-BE49-F238E27FC236}">
-                <a16:creationId xmlns="" xmlns:a16="http://schemas.microsoft.com/office/drawing/2014/main" id="{A2AD056B-97A4-5BCC-4460-250160F3E171}"/>
+                <a16:creationId xmlns:a16="http://schemas.microsoft.com/office/drawing/2014/main" id="{A2AD056B-97A4-5BCC-4460-250160F3E171}"/>
               </a:ext>
             </a:extLst>
           </p:cNvPr>
@@ -17730,7 +17440,7 @@
           <a:lstStyle/>
           <a:p>
             <a:r>
-              <a:rPr lang="ko-KR" altLang="en-US" sz="4000" smtClean="0">
+              <a:rPr lang="ko-KR" altLang="en-US" sz="4000">
                 <a:solidFill>
                   <a:schemeClr val="tx1">
                     <a:lumMod val="50000"/>
@@ -17743,7 +17453,7 @@
               <a:t>아래 코드의 문제점이 무엇일까</a:t>
             </a:r>
             <a:r>
-              <a:rPr lang="en-US" altLang="ko-KR" sz="4000" smtClean="0">
+              <a:rPr lang="en-US" altLang="ko-KR" sz="4000">
                 <a:solidFill>
                   <a:schemeClr val="tx1">
                     <a:lumMod val="50000"/>
@@ -17821,7 +17531,7 @@
           <p:cNvPr id="7" name="TextBox 6">
             <a:extLst>
               <a:ext uri="{FF2B5EF4-FFF2-40B4-BE49-F238E27FC236}">
-                <a16:creationId xmlns="" xmlns:a16="http://schemas.microsoft.com/office/drawing/2014/main" id="{C6D113C6-EA5C-788F-0C77-E7CE6EBB865F}"/>
+                <a16:creationId xmlns:a16="http://schemas.microsoft.com/office/drawing/2014/main" id="{C6D113C6-EA5C-788F-0C77-E7CE6EBB865F}"/>
               </a:ext>
             </a:extLst>
           </p:cNvPr>
@@ -17845,7 +17555,7 @@
           <a:lstStyle/>
           <a:p>
             <a:r>
-              <a:rPr lang="ko-KR" altLang="en-US" sz="4000" dirty="0" smtClean="0">
+              <a:rPr lang="ko-KR" altLang="en-US" sz="4000" dirty="0">
                 <a:solidFill>
                   <a:srgbClr val="FF0000"/>
                 </a:solidFill>
@@ -17855,7 +17565,7 @@
               <a:t>수리가 불가능 할 때 나는 다른 문구를 쓰고 싶은데</a:t>
             </a:r>
             <a:r>
-              <a:rPr lang="en-US" altLang="ko-KR" sz="4000" dirty="0" smtClean="0">
+              <a:rPr lang="en-US" altLang="ko-KR" sz="4000" dirty="0">
                 <a:solidFill>
                   <a:srgbClr val="FF0000"/>
                 </a:solidFill>
@@ -17865,7 +17575,7 @@
               <a:t>… </a:t>
             </a:r>
             <a:r>
-              <a:rPr lang="en-US" altLang="ko-KR" sz="4000" dirty="0" err="1" smtClean="0">
+              <a:rPr lang="en-US" altLang="ko-KR" sz="4000" dirty="0" err="1">
                 <a:solidFill>
                   <a:srgbClr val="FF0000"/>
                 </a:solidFill>
@@ -17875,7 +17585,7 @@
               <a:t>BlackSmith</a:t>
             </a:r>
             <a:r>
-              <a:rPr lang="en-US" altLang="ko-KR" sz="4000" dirty="0" smtClean="0">
+              <a:rPr lang="en-US" altLang="ko-KR" sz="4000" dirty="0">
                 <a:solidFill>
                   <a:srgbClr val="FF0000"/>
                 </a:solidFill>
@@ -17885,7 +17595,7 @@
               <a:t> </a:t>
             </a:r>
             <a:r>
-              <a:rPr lang="ko-KR" altLang="en-US" sz="4000" dirty="0" smtClean="0">
+              <a:rPr lang="ko-KR" altLang="en-US" sz="4000" dirty="0">
                 <a:solidFill>
                   <a:srgbClr val="FF0000"/>
                 </a:solidFill>
@@ -17895,7 +17605,7 @@
               <a:t>클래스에서 자기 맘대로 문구를 정해놓고 출력까지 해버리네</a:t>
             </a:r>
             <a:r>
-              <a:rPr lang="en-US" altLang="ko-KR" sz="4000" dirty="0" smtClean="0">
+              <a:rPr lang="en-US" altLang="ko-KR" sz="4000" dirty="0">
                 <a:solidFill>
                   <a:srgbClr val="FF0000"/>
                 </a:solidFill>
@@ -17904,13 +17614,6 @@
               </a:rPr>
               <a:t>?</a:t>
             </a:r>
-            <a:endParaRPr lang="en-US" altLang="ko-KR" sz="4000" dirty="0">
-              <a:solidFill>
-                <a:srgbClr val="FF0000"/>
-              </a:solidFill>
-              <a:latin typeface="G마켓 산스 Medium" panose="02000000000000000000" pitchFamily="50" charset="-127"/>
-              <a:ea typeface="G마켓 산스 Medium" panose="02000000000000000000" pitchFamily="50" charset="-127"/>
-            </a:endParaRPr>
           </a:p>
         </p:txBody>
       </p:sp>
@@ -18099,7 +17802,7 @@
           <p:cNvPr id="5" name="TextBox 4">
             <a:extLst>
               <a:ext uri="{FF2B5EF4-FFF2-40B4-BE49-F238E27FC236}">
-                <a16:creationId xmlns="" xmlns:a16="http://schemas.microsoft.com/office/drawing/2014/main" id="{F84DC196-DA83-3926-FA25-58A1850ED904}"/>
+                <a16:creationId xmlns:a16="http://schemas.microsoft.com/office/drawing/2014/main" id="{F84DC196-DA83-3926-FA25-58A1850ED904}"/>
               </a:ext>
             </a:extLst>
           </p:cNvPr>
@@ -18123,7 +17826,7 @@
           <a:lstStyle/>
           <a:p>
             <a:r>
-              <a:rPr lang="ko-KR" altLang="en-US" sz="4000" dirty="0" smtClean="0">
+              <a:rPr lang="ko-KR" altLang="en-US" sz="4000" dirty="0">
                 <a:solidFill>
                   <a:srgbClr val="FF0000"/>
                 </a:solidFill>
@@ -18133,7 +17836,7 @@
               <a:t>그래 알겠어 나는 수리 가능</a:t>
             </a:r>
             <a:r>
-              <a:rPr lang="en-US" altLang="ko-KR" sz="4000" dirty="0" smtClean="0">
+              <a:rPr lang="en-US" altLang="ko-KR" sz="4000" dirty="0">
                 <a:solidFill>
                   <a:srgbClr val="FF0000"/>
                 </a:solidFill>
@@ -18143,7 +17846,7 @@
               <a:t>, </a:t>
             </a:r>
             <a:r>
-              <a:rPr lang="ko-KR" altLang="en-US" sz="4000" dirty="0" smtClean="0">
+              <a:rPr lang="ko-KR" altLang="en-US" sz="4000" dirty="0">
                 <a:solidFill>
                   <a:srgbClr val="FF0000"/>
                 </a:solidFill>
@@ -18153,7 +17856,7 @@
               <a:t>불가능 여부만 </a:t>
             </a:r>
             <a:r>
-              <a:rPr lang="en-US" altLang="ko-KR" sz="4000" dirty="0" err="1" smtClean="0">
+              <a:rPr lang="en-US" altLang="ko-KR" sz="4000" dirty="0" err="1">
                 <a:solidFill>
                   <a:srgbClr val="FF0000"/>
                 </a:solidFill>
@@ -18163,7 +17866,7 @@
               <a:t>boolean</a:t>
             </a:r>
             <a:r>
-              <a:rPr lang="ko-KR" altLang="en-US" sz="4000" dirty="0" smtClean="0">
+              <a:rPr lang="ko-KR" altLang="en-US" sz="4000" dirty="0">
                 <a:solidFill>
                   <a:srgbClr val="FF0000"/>
                 </a:solidFill>
@@ -18171,55 +17874,6 @@
                 <a:ea typeface="G마켓 산스 Medium" panose="02000000000000000000" pitchFamily="50" charset="-127"/>
               </a:rPr>
               <a:t>으로 반환해줄게</a:t>
-            </a:r>
-            <a:endParaRPr lang="en-US" altLang="ko-KR" sz="4000" dirty="0" smtClean="0">
-              <a:solidFill>
-                <a:srgbClr val="FF0000"/>
-              </a:solidFill>
-              <a:latin typeface="G마켓 산스 Medium" panose="02000000000000000000" pitchFamily="50" charset="-127"/>
-              <a:ea typeface="G마켓 산스 Medium" panose="02000000000000000000" pitchFamily="50" charset="-127"/>
-            </a:endParaRPr>
-          </a:p>
-          <a:p>
-            <a:r>
-              <a:rPr lang="ko-KR" altLang="en-US" sz="4000" dirty="0" smtClean="0">
-                <a:solidFill>
-                  <a:srgbClr val="FF0000"/>
-                </a:solidFill>
-                <a:latin typeface="G마켓 산스 Medium" panose="02000000000000000000" pitchFamily="50" charset="-127"/>
-                <a:ea typeface="G마켓 산스 Medium" panose="02000000000000000000" pitchFamily="50" charset="-127"/>
-              </a:rPr>
-              <a:t>문구는 </a:t>
-            </a:r>
-            <a:r>
-              <a:rPr lang="ko-KR" altLang="en-US" sz="4000" dirty="0" err="1" smtClean="0">
-                <a:solidFill>
-                  <a:srgbClr val="FF0000"/>
-                </a:solidFill>
-                <a:latin typeface="G마켓 산스 Medium" panose="02000000000000000000" pitchFamily="50" charset="-127"/>
-                <a:ea typeface="G마켓 산스 Medium" panose="02000000000000000000" pitchFamily="50" charset="-127"/>
-              </a:rPr>
-              <a:t>사용하는쪽에서</a:t>
-            </a:r>
-            <a:r>
-              <a:rPr lang="ko-KR" altLang="en-US" sz="4000" dirty="0" smtClean="0">
-                <a:solidFill>
-                  <a:srgbClr val="FF0000"/>
-                </a:solidFill>
-                <a:latin typeface="G마켓 산스 Medium" panose="02000000000000000000" pitchFamily="50" charset="-127"/>
-                <a:ea typeface="G마켓 산스 Medium" panose="02000000000000000000" pitchFamily="50" charset="-127"/>
-              </a:rPr>
-              <a:t> 정해</a:t>
-            </a:r>
-            <a:r>
-              <a:rPr lang="en-US" altLang="ko-KR" sz="4000" dirty="0" smtClean="0">
-                <a:solidFill>
-                  <a:srgbClr val="FF0000"/>
-                </a:solidFill>
-                <a:latin typeface="G마켓 산스 Medium" panose="02000000000000000000" pitchFamily="50" charset="-127"/>
-                <a:ea typeface="G마켓 산스 Medium" panose="02000000000000000000" pitchFamily="50" charset="-127"/>
-              </a:rPr>
-              <a:t>!</a:t>
             </a:r>
             <a:endParaRPr lang="en-US" altLang="ko-KR" sz="4000" dirty="0">
               <a:solidFill>
@@ -18228,6 +17882,48 @@
               <a:latin typeface="G마켓 산스 Medium" panose="02000000000000000000" pitchFamily="50" charset="-127"/>
               <a:ea typeface="G마켓 산스 Medium" panose="02000000000000000000" pitchFamily="50" charset="-127"/>
             </a:endParaRPr>
+          </a:p>
+          <a:p>
+            <a:r>
+              <a:rPr lang="ko-KR" altLang="en-US" sz="4000" dirty="0">
+                <a:solidFill>
+                  <a:srgbClr val="FF0000"/>
+                </a:solidFill>
+                <a:latin typeface="G마켓 산스 Medium" panose="02000000000000000000" pitchFamily="50" charset="-127"/>
+                <a:ea typeface="G마켓 산스 Medium" panose="02000000000000000000" pitchFamily="50" charset="-127"/>
+              </a:rPr>
+              <a:t>문구는 </a:t>
+            </a:r>
+            <a:r>
+              <a:rPr lang="ko-KR" altLang="en-US" sz="4000" dirty="0" err="1">
+                <a:solidFill>
+                  <a:srgbClr val="FF0000"/>
+                </a:solidFill>
+                <a:latin typeface="G마켓 산스 Medium" panose="02000000000000000000" pitchFamily="50" charset="-127"/>
+                <a:ea typeface="G마켓 산스 Medium" panose="02000000000000000000" pitchFamily="50" charset="-127"/>
+              </a:rPr>
+              <a:t>사용하는쪽에서</a:t>
+            </a:r>
+            <a:r>
+              <a:rPr lang="ko-KR" altLang="en-US" sz="4000" dirty="0">
+                <a:solidFill>
+                  <a:srgbClr val="FF0000"/>
+                </a:solidFill>
+                <a:latin typeface="G마켓 산스 Medium" panose="02000000000000000000" pitchFamily="50" charset="-127"/>
+                <a:ea typeface="G마켓 산스 Medium" panose="02000000000000000000" pitchFamily="50" charset="-127"/>
+              </a:rPr>
+              <a:t> 정해</a:t>
+            </a:r>
+            <a:r>
+              <a:rPr lang="en-US" altLang="ko-KR" sz="4000" dirty="0">
+                <a:solidFill>
+                  <a:srgbClr val="FF0000"/>
+                </a:solidFill>
+                <a:latin typeface="G마켓 산스 Medium" panose="02000000000000000000" pitchFamily="50" charset="-127"/>
+                <a:ea typeface="G마켓 산스 Medium" panose="02000000000000000000" pitchFamily="50" charset="-127"/>
+              </a:rPr>
+              <a:t>!</a:t>
+            </a:r>
           </a:p>
         </p:txBody>
       </p:sp>
@@ -18265,13 +17961,6 @@
   <p:clrMapOvr>
     <a:masterClrMapping/>
   </p:clrMapOvr>
-  <p:timing>
-    <p:tnLst>
-      <p:par>
-        <p:cTn id="1" dur="indefinite" restart="never" nodeType="tmRoot"/>
-      </p:par>
-    </p:tnLst>
-  </p:timing>
 </p:sld>
 </file>
 
@@ -18321,7 +18010,7 @@
           <p:cNvPr id="5" name="TextBox 4">
             <a:extLst>
               <a:ext uri="{FF2B5EF4-FFF2-40B4-BE49-F238E27FC236}">
-                <a16:creationId xmlns="" xmlns:a16="http://schemas.microsoft.com/office/drawing/2014/main" id="{F84DC196-DA83-3926-FA25-58A1850ED904}"/>
+                <a16:creationId xmlns:a16="http://schemas.microsoft.com/office/drawing/2014/main" id="{F84DC196-DA83-3926-FA25-58A1850ED904}"/>
               </a:ext>
             </a:extLst>
           </p:cNvPr>
@@ -18345,7 +18034,7 @@
           <a:lstStyle/>
           <a:p>
             <a:r>
-              <a:rPr lang="ko-KR" altLang="en-US" sz="4000" dirty="0" smtClean="0">
+              <a:rPr lang="ko-KR" altLang="en-US" sz="4000" dirty="0">
                 <a:solidFill>
                   <a:srgbClr val="4C50BC"/>
                 </a:solidFill>
@@ -18355,7 +18044,7 @@
               <a:t>이제 어떤 문구를 어떻게 표시 할 것인지는 </a:t>
             </a:r>
             <a:r>
-              <a:rPr lang="en-US" altLang="ko-KR" sz="4000" dirty="0" err="1" smtClean="0">
+              <a:rPr lang="en-US" altLang="ko-KR" sz="4000" dirty="0" err="1">
                 <a:solidFill>
                   <a:srgbClr val="4C50BC"/>
                 </a:solidFill>
@@ -18365,7 +18054,7 @@
               <a:t>BlackSmith</a:t>
             </a:r>
             <a:r>
-              <a:rPr lang="ko-KR" altLang="en-US" sz="4000" dirty="0" smtClean="0">
+              <a:rPr lang="ko-KR" altLang="en-US" sz="4000" dirty="0">
                 <a:solidFill>
                   <a:srgbClr val="4C50BC"/>
                 </a:solidFill>
@@ -18375,7 +18064,7 @@
               <a:t>에서 제거 되었다</a:t>
             </a:r>
             <a:r>
-              <a:rPr lang="en-US" altLang="ko-KR" sz="4000" dirty="0" smtClean="0">
+              <a:rPr lang="en-US" altLang="ko-KR" sz="4000" dirty="0">
                 <a:solidFill>
                   <a:srgbClr val="4C50BC"/>
                 </a:solidFill>
@@ -18392,7 +18081,7 @@
           <p:cNvPr id="6" name="TextBox 5">
             <a:extLst>
               <a:ext uri="{FF2B5EF4-FFF2-40B4-BE49-F238E27FC236}">
-                <a16:creationId xmlns="" xmlns:a16="http://schemas.microsoft.com/office/drawing/2014/main" id="{C6D113C6-EA5C-788F-0C77-E7CE6EBB865F}"/>
+                <a16:creationId xmlns:a16="http://schemas.microsoft.com/office/drawing/2014/main" id="{C6D113C6-EA5C-788F-0C77-E7CE6EBB865F}"/>
               </a:ext>
             </a:extLst>
           </p:cNvPr>
@@ -18416,7 +18105,7 @@
           <a:lstStyle/>
           <a:p>
             <a:r>
-              <a:rPr lang="ko-KR" altLang="en-US" sz="4000" smtClean="0">
+              <a:rPr lang="ko-KR" altLang="en-US" sz="4000">
                 <a:solidFill>
                   <a:srgbClr val="FF0000"/>
                 </a:solidFill>
@@ -18426,7 +18115,7 @@
               <a:t>그런데 수리비용이 부족해서 절반만큼만 수리가 됐으면</a:t>
             </a:r>
             <a:r>
-              <a:rPr lang="en-US" altLang="ko-KR" sz="4000" smtClean="0">
+              <a:rPr lang="en-US" altLang="ko-KR" sz="4000">
                 <a:solidFill>
                   <a:srgbClr val="FF0000"/>
                 </a:solidFill>
@@ -18436,7 +18125,7 @@
               <a:t>???... </a:t>
             </a:r>
             <a:r>
-              <a:rPr lang="ko-KR" altLang="en-US" sz="4000" smtClean="0">
+              <a:rPr lang="ko-KR" altLang="en-US" sz="4000">
                 <a:solidFill>
                   <a:srgbClr val="FF0000"/>
                 </a:solidFill>
@@ -18446,7 +18135,7 @@
               <a:t>혹은 그 외에 다양한 수리결과를 받아보고 싶다면</a:t>
             </a:r>
             <a:r>
-              <a:rPr lang="en-US" altLang="ko-KR" sz="4000" smtClean="0">
+              <a:rPr lang="en-US" altLang="ko-KR" sz="4000">
                 <a:solidFill>
                   <a:srgbClr val="FF0000"/>
                 </a:solidFill>
@@ -18458,7 +18147,7 @@
           </a:p>
           <a:p>
             <a:r>
-              <a:rPr lang="ko-KR" altLang="en-US" sz="4000" smtClean="0">
+              <a:rPr lang="ko-KR" altLang="en-US" sz="4000">
                 <a:solidFill>
                   <a:srgbClr val="FF0000"/>
                 </a:solidFill>
@@ -18468,7 +18157,7 @@
               <a:t>예를들어 수리 대성공으로 인해 공격력이 올라간다던가</a:t>
             </a:r>
             <a:r>
-              <a:rPr lang="en-US" altLang="ko-KR" sz="4000" smtClean="0">
+              <a:rPr lang="en-US" altLang="ko-KR" sz="4000">
                 <a:solidFill>
                   <a:srgbClr val="FF0000"/>
                 </a:solidFill>
@@ -18624,7 +18313,7 @@
           <p:cNvPr id="5" name="직사각형 4">
             <a:extLst>
               <a:ext uri="{FF2B5EF4-FFF2-40B4-BE49-F238E27FC236}">
-                <a16:creationId xmlns:a16="http://schemas.microsoft.com/office/drawing/2014/main" xmlns="" id="{FFF506F9-840A-0508-4CAF-3AC711D8D5CE}"/>
+                <a16:creationId xmlns:a16="http://schemas.microsoft.com/office/drawing/2014/main" id="{FFF506F9-840A-0508-4CAF-3AC711D8D5CE}"/>
               </a:ext>
             </a:extLst>
           </p:cNvPr>
@@ -18676,7 +18365,7 @@
           <p:cNvPr id="6" name="직선 화살표 연결선 5">
             <a:extLst>
               <a:ext uri="{FF2B5EF4-FFF2-40B4-BE49-F238E27FC236}">
-                <a16:creationId xmlns:a16="http://schemas.microsoft.com/office/drawing/2014/main" xmlns="" id="{299DF5EC-9DF4-5255-06AC-0A7CE4FF58C3}"/>
+                <a16:creationId xmlns:a16="http://schemas.microsoft.com/office/drawing/2014/main" id="{299DF5EC-9DF4-5255-06AC-0A7CE4FF58C3}"/>
               </a:ext>
             </a:extLst>
           </p:cNvPr>
@@ -18717,7 +18406,7 @@
           <p:cNvPr id="7" name="TextBox 6">
             <a:extLst>
               <a:ext uri="{FF2B5EF4-FFF2-40B4-BE49-F238E27FC236}">
-                <a16:creationId xmlns:a16="http://schemas.microsoft.com/office/drawing/2014/main" xmlns="" id="{C6D113C6-EA5C-788F-0C77-E7CE6EBB865F}"/>
+                <a16:creationId xmlns:a16="http://schemas.microsoft.com/office/drawing/2014/main" id="{C6D113C6-EA5C-788F-0C77-E7CE6EBB865F}"/>
               </a:ext>
             </a:extLst>
           </p:cNvPr>
@@ -18741,7 +18430,7 @@
           <a:lstStyle/>
           <a:p>
             <a:r>
-              <a:rPr lang="ko-KR" altLang="en-US" sz="4000" smtClean="0">
+              <a:rPr lang="ko-KR" altLang="en-US" sz="4000">
                 <a:solidFill>
                   <a:srgbClr val="FF0000"/>
                 </a:solidFill>
@@ -18751,7 +18440,7 @@
               <a:t>반환값으로는 다양한 정보를 전달하는것에 한계가 있다</a:t>
             </a:r>
             <a:r>
-              <a:rPr lang="en-US" altLang="ko-KR" sz="4000" smtClean="0">
+              <a:rPr lang="en-US" altLang="ko-KR" sz="4000">
                 <a:solidFill>
                   <a:srgbClr val="FF0000"/>
                 </a:solidFill>
@@ -18803,7 +18492,7 @@
               </a:rPr>
               <a:t>물론 그런 정보를 담을 용도의 클래스를 만들어 </a:t>
             </a:r>
-            <a:endParaRPr lang="en-US" altLang="ko-KR" sz="4000" smtClean="0">
+            <a:endParaRPr lang="en-US" altLang="ko-KR" sz="4000">
               <a:solidFill>
                 <a:srgbClr val="FF0000"/>
               </a:solidFill>
@@ -18813,24 +18502,14 @@
           </a:p>
           <a:p>
             <a:r>
-              <a:rPr lang="ko-KR" altLang="en-US" sz="4000" smtClean="0">
+              <a:rPr lang="ko-KR" altLang="en-US" sz="4000">
                 <a:solidFill>
                   <a:srgbClr val="FF0000"/>
                 </a:solidFill>
                 <a:latin typeface="G마켓 산스 Medium" panose="02000000000000000000" pitchFamily="50" charset="-127"/>
                 <a:ea typeface="G마켓 산스 Medium" panose="02000000000000000000" pitchFamily="50" charset="-127"/>
               </a:rPr>
-              <a:t>객체를 </a:t>
-            </a:r>
-            <a:r>
-              <a:rPr lang="ko-KR" altLang="en-US" sz="4000">
-                <a:solidFill>
-                  <a:srgbClr val="FF0000"/>
-                </a:solidFill>
-                <a:latin typeface="G마켓 산스 Medium" panose="02000000000000000000" pitchFamily="50" charset="-127"/>
-                <a:ea typeface="G마켓 산스 Medium" panose="02000000000000000000" pitchFamily="50" charset="-127"/>
-              </a:rPr>
-              <a:t>돌려주면 가능은 하다</a:t>
+              <a:t>객체를 돌려주면 가능은 하다</a:t>
             </a:r>
             <a:r>
               <a:rPr lang="en-US" altLang="ko-KR" sz="4000">
@@ -18989,7 +18668,7 @@
           <p:cNvPr id="5" name="직선 화살표 연결선 4">
             <a:extLst>
               <a:ext uri="{FF2B5EF4-FFF2-40B4-BE49-F238E27FC236}">
-                <a16:creationId xmlns:a16="http://schemas.microsoft.com/office/drawing/2014/main" xmlns="" id="{299DF5EC-9DF4-5255-06AC-0A7CE4FF58C3}"/>
+                <a16:creationId xmlns:a16="http://schemas.microsoft.com/office/drawing/2014/main" id="{299DF5EC-9DF4-5255-06AC-0A7CE4FF58C3}"/>
               </a:ext>
             </a:extLst>
           </p:cNvPr>
@@ -19030,7 +18709,7 @@
           <p:cNvPr id="6" name="TextBox 5">
             <a:extLst>
               <a:ext uri="{FF2B5EF4-FFF2-40B4-BE49-F238E27FC236}">
-                <a16:creationId xmlns:a16="http://schemas.microsoft.com/office/drawing/2014/main" xmlns="" id="{C6D113C6-EA5C-788F-0C77-E7CE6EBB865F}"/>
+                <a16:creationId xmlns:a16="http://schemas.microsoft.com/office/drawing/2014/main" id="{C6D113C6-EA5C-788F-0C77-E7CE6EBB865F}"/>
               </a:ext>
             </a:extLst>
           </p:cNvPr>
@@ -19054,7 +18733,7 @@
           <a:lstStyle/>
           <a:p>
             <a:r>
-              <a:rPr lang="ko-KR" altLang="en-US" sz="4000" smtClean="0">
+              <a:rPr lang="ko-KR" altLang="en-US" sz="4000">
                 <a:solidFill>
                   <a:srgbClr val="FF0000"/>
                 </a:solidFill>
@@ -19064,7 +18743,7 @@
               <a:t>반환값 보다 더욱 풍성하게 메서드 내부의 상황을 외부에 알려줄수 있다</a:t>
             </a:r>
             <a:r>
-              <a:rPr lang="en-US" altLang="ko-KR" sz="4000" smtClean="0">
+              <a:rPr lang="en-US" altLang="ko-KR" sz="4000">
                 <a:solidFill>
                   <a:srgbClr val="FF0000"/>
                 </a:solidFill>
@@ -19112,7 +18791,7 @@
           <p:cNvPr id="11" name="직선 화살표 연결선 10">
             <a:extLst>
               <a:ext uri="{FF2B5EF4-FFF2-40B4-BE49-F238E27FC236}">
-                <a16:creationId xmlns:a16="http://schemas.microsoft.com/office/drawing/2014/main" xmlns="" id="{299DF5EC-9DF4-5255-06AC-0A7CE4FF58C3}"/>
+                <a16:creationId xmlns:a16="http://schemas.microsoft.com/office/drawing/2014/main" id="{299DF5EC-9DF4-5255-06AC-0A7CE4FF58C3}"/>
               </a:ext>
             </a:extLst>
           </p:cNvPr>
@@ -19153,7 +18832,7 @@
           <p:cNvPr id="12" name="TextBox 11">
             <a:extLst>
               <a:ext uri="{FF2B5EF4-FFF2-40B4-BE49-F238E27FC236}">
-                <a16:creationId xmlns:a16="http://schemas.microsoft.com/office/drawing/2014/main" xmlns="" id="{C6D113C6-EA5C-788F-0C77-E7CE6EBB865F}"/>
+                <a16:creationId xmlns:a16="http://schemas.microsoft.com/office/drawing/2014/main" id="{C6D113C6-EA5C-788F-0C77-E7CE6EBB865F}"/>
               </a:ext>
             </a:extLst>
           </p:cNvPr>
@@ -19177,7 +18856,7 @@
           <a:lstStyle/>
           <a:p>
             <a:r>
-              <a:rPr lang="ko-KR" altLang="en-US" sz="4000" dirty="0" err="1" smtClean="0">
+              <a:rPr lang="ko-KR" altLang="en-US" sz="4000" dirty="0" err="1">
                 <a:solidFill>
                   <a:srgbClr val="FF0000"/>
                 </a:solidFill>
@@ -19187,7 +18866,7 @@
               <a:t>반환값</a:t>
             </a:r>
             <a:r>
-              <a:rPr lang="ko-KR" altLang="en-US" sz="4000" dirty="0" smtClean="0">
+              <a:rPr lang="ko-KR" altLang="en-US" sz="4000" dirty="0">
                 <a:solidFill>
                   <a:srgbClr val="FF0000"/>
                 </a:solidFill>
@@ -19197,7 +18876,7 @@
               <a:t> 만으로 외부와 커뮤니케이션 하려면 이 아래부터 </a:t>
             </a:r>
             <a:r>
-              <a:rPr lang="en-US" altLang="ko-KR" sz="4000" dirty="0" smtClean="0">
+              <a:rPr lang="en-US" altLang="ko-KR" sz="4000" dirty="0">
                 <a:solidFill>
                   <a:srgbClr val="FF0000"/>
                 </a:solidFill>
@@ -19207,7 +18886,7 @@
               <a:t>IF</a:t>
             </a:r>
             <a:r>
-              <a:rPr lang="ko-KR" altLang="en-US" sz="4000" dirty="0" smtClean="0">
+              <a:rPr lang="ko-KR" altLang="en-US" sz="4000" dirty="0">
                 <a:solidFill>
                   <a:srgbClr val="FF0000"/>
                 </a:solidFill>
@@ -19236,13 +18915,6 @@
   <p:clrMapOvr>
     <a:masterClrMapping/>
   </p:clrMapOvr>
-  <p:timing>
-    <p:tnLst>
-      <p:par>
-        <p:cTn id="1" dur="indefinite" restart="never" nodeType="tmRoot"/>
-      </p:par>
-    </p:tnLst>
-  </p:timing>
 </p:sld>
 </file>
 
@@ -19292,7 +18964,7 @@
           <p:cNvPr id="5" name="직선 화살표 연결선 4">
             <a:extLst>
               <a:ext uri="{FF2B5EF4-FFF2-40B4-BE49-F238E27FC236}">
-                <a16:creationId xmlns:a16="http://schemas.microsoft.com/office/drawing/2014/main" xmlns="" id="{299DF5EC-9DF4-5255-06AC-0A7CE4FF58C3}"/>
+                <a16:creationId xmlns:a16="http://schemas.microsoft.com/office/drawing/2014/main" id="{299DF5EC-9DF4-5255-06AC-0A7CE4FF58C3}"/>
               </a:ext>
             </a:extLst>
           </p:cNvPr>
@@ -19333,7 +19005,7 @@
           <p:cNvPr id="6" name="직사각형 5">
             <a:extLst>
               <a:ext uri="{FF2B5EF4-FFF2-40B4-BE49-F238E27FC236}">
-                <a16:creationId xmlns:a16="http://schemas.microsoft.com/office/drawing/2014/main" xmlns="" id="{FFF506F9-840A-0508-4CAF-3AC711D8D5CE}"/>
+                <a16:creationId xmlns:a16="http://schemas.microsoft.com/office/drawing/2014/main" id="{FFF506F9-840A-0508-4CAF-3AC711D8D5CE}"/>
               </a:ext>
             </a:extLst>
           </p:cNvPr>
@@ -19385,7 +19057,7 @@
           <p:cNvPr id="7" name="TextBox 6">
             <a:extLst>
               <a:ext uri="{FF2B5EF4-FFF2-40B4-BE49-F238E27FC236}">
-                <a16:creationId xmlns:a16="http://schemas.microsoft.com/office/drawing/2014/main" xmlns="" id="{C6D113C6-EA5C-788F-0C77-E7CE6EBB865F}"/>
+                <a16:creationId xmlns:a16="http://schemas.microsoft.com/office/drawing/2014/main" id="{C6D113C6-EA5C-788F-0C77-E7CE6EBB865F}"/>
               </a:ext>
             </a:extLst>
           </p:cNvPr>
@@ -19409,7 +19081,7 @@
           <a:lstStyle/>
           <a:p>
             <a:r>
-              <a:rPr lang="ko-KR" altLang="en-US" sz="4000" smtClean="0">
+              <a:rPr lang="ko-KR" altLang="en-US" sz="4000">
                 <a:solidFill>
                   <a:srgbClr val="FF0000"/>
                 </a:solidFill>
@@ -19419,7 +19091,7 @@
               <a:t>일부만 처리하고 해당 로직의 상위로 또다시 예외를 던져 객체를 반환 하는것보다 상당히 유연한 코드 구조를 가질수 있다</a:t>
             </a:r>
             <a:r>
-              <a:rPr lang="en-US" altLang="ko-KR" sz="4000" smtClean="0">
+              <a:rPr lang="en-US" altLang="ko-KR" sz="4000">
                 <a:solidFill>
                   <a:srgbClr val="FF0000"/>
                 </a:solidFill>
@@ -19448,13 +19120,6 @@
   <p:clrMapOvr>
     <a:masterClrMapping/>
   </p:clrMapOvr>
-  <p:timing>
-    <p:tnLst>
-      <p:par>
-        <p:cTn id="1" dur="indefinite" restart="never" nodeType="tmRoot"/>
-      </p:par>
-    </p:tnLst>
-  </p:timing>
 </p:sld>
 </file>
 
@@ -19480,7 +19145,7 @@
           <p:cNvPr id="4" name="TextBox 3">
             <a:extLst>
               <a:ext uri="{FF2B5EF4-FFF2-40B4-BE49-F238E27FC236}">
-                <a16:creationId xmlns="" xmlns:a16="http://schemas.microsoft.com/office/drawing/2014/main" id="{F84DC196-DA83-3926-FA25-58A1850ED904}"/>
+                <a16:creationId xmlns:a16="http://schemas.microsoft.com/office/drawing/2014/main" id="{F84DC196-DA83-3926-FA25-58A1850ED904}"/>
               </a:ext>
             </a:extLst>
           </p:cNvPr>
@@ -19504,7 +19169,7 @@
           <a:lstStyle/>
           <a:p>
             <a:r>
-              <a:rPr lang="ko-KR" altLang="en-US" sz="4000" dirty="0" smtClean="0">
+              <a:rPr lang="ko-KR" altLang="en-US" sz="4000" dirty="0">
                 <a:solidFill>
                   <a:srgbClr val="FF0000"/>
                 </a:solidFill>
@@ -19514,7 +19179,7 @@
               <a:t>주의점</a:t>
             </a:r>
             <a:r>
-              <a:rPr lang="en-US" altLang="ko-KR" sz="4000" dirty="0" smtClean="0">
+              <a:rPr lang="en-US" altLang="ko-KR" sz="4000" dirty="0">
                 <a:solidFill>
                   <a:srgbClr val="FF0000"/>
                 </a:solidFill>
@@ -19524,7 +19189,7 @@
               <a:t>: </a:t>
             </a:r>
             <a:r>
-              <a:rPr lang="ko-KR" altLang="en-US" sz="4000" dirty="0" smtClean="0">
+              <a:rPr lang="ko-KR" altLang="en-US" sz="4000" dirty="0">
                 <a:solidFill>
                   <a:srgbClr val="FF0000"/>
                 </a:solidFill>
@@ -19534,7 +19199,7 @@
               <a:t>정보 전달을 메인 목적으로 예외를 </a:t>
             </a:r>
             <a:r>
-              <a:rPr lang="ko-KR" altLang="en-US" sz="4000" dirty="0" err="1" smtClean="0">
+              <a:rPr lang="ko-KR" altLang="en-US" sz="4000" dirty="0" err="1">
                 <a:solidFill>
                   <a:srgbClr val="FF0000"/>
                 </a:solidFill>
@@ -19544,7 +19209,7 @@
               <a:t>사용하는건</a:t>
             </a:r>
             <a:r>
-              <a:rPr lang="ko-KR" altLang="en-US" sz="4000" dirty="0" smtClean="0">
+              <a:rPr lang="ko-KR" altLang="en-US" sz="4000" dirty="0">
                 <a:solidFill>
                   <a:srgbClr val="FF0000"/>
                 </a:solidFill>
@@ -19554,7 +19219,7 @@
               <a:t> 옳지 않다</a:t>
             </a:r>
             <a:r>
-              <a:rPr lang="en-US" altLang="ko-KR" sz="4000" dirty="0" smtClean="0">
+              <a:rPr lang="en-US" altLang="ko-KR" sz="4000" dirty="0">
                 <a:solidFill>
                   <a:srgbClr val="FF0000"/>
                 </a:solidFill>
@@ -19575,7 +19240,7 @@
           </a:p>
           <a:p>
             <a:r>
-              <a:rPr lang="ko-KR" altLang="en-US" sz="4000" dirty="0" smtClean="0">
+              <a:rPr lang="ko-KR" altLang="en-US" sz="4000" dirty="0">
                 <a:solidFill>
                   <a:srgbClr val="FF0000"/>
                 </a:solidFill>
@@ -19585,7 +19250,7 @@
               <a:t>외부로 전달하려는 정보들이 프로그래밍 코드로써 대응 </a:t>
             </a:r>
             <a:r>
-              <a:rPr lang="ko-KR" altLang="en-US" sz="4000" dirty="0" err="1" smtClean="0">
+              <a:rPr lang="ko-KR" altLang="en-US" sz="4000" dirty="0" err="1">
                 <a:solidFill>
                   <a:srgbClr val="FF0000"/>
                 </a:solidFill>
@@ -19595,7 +19260,7 @@
               <a:t>해야하는</a:t>
             </a:r>
             <a:r>
-              <a:rPr lang="ko-KR" altLang="en-US" sz="4000" dirty="0" smtClean="0">
+              <a:rPr lang="ko-KR" altLang="en-US" sz="4000" dirty="0">
                 <a:solidFill>
                   <a:srgbClr val="FF0000"/>
                 </a:solidFill>
@@ -19615,7 +19280,7 @@
               <a:t> </a:t>
             </a:r>
             <a:r>
-              <a:rPr lang="ko-KR" altLang="en-US" sz="4000" dirty="0" smtClean="0">
+              <a:rPr lang="ko-KR" altLang="en-US" sz="4000" dirty="0">
                 <a:solidFill>
                   <a:srgbClr val="FF0000"/>
                 </a:solidFill>
@@ -19625,7 +19290,7 @@
               <a:t>객체를 </a:t>
             </a:r>
             <a:r>
-              <a:rPr lang="ko-KR" altLang="en-US" sz="4000" dirty="0" err="1" smtClean="0">
+              <a:rPr lang="ko-KR" altLang="en-US" sz="4000" dirty="0" err="1">
                 <a:solidFill>
                   <a:srgbClr val="FF0000"/>
                 </a:solidFill>
@@ -19635,7 +19300,7 @@
               <a:t>반환하는것보다</a:t>
             </a:r>
             <a:r>
-              <a:rPr lang="ko-KR" altLang="en-US" sz="4000" dirty="0" smtClean="0">
+              <a:rPr lang="ko-KR" altLang="en-US" sz="4000" dirty="0">
                 <a:solidFill>
                   <a:srgbClr val="FF0000"/>
                 </a:solidFill>
@@ -19645,7 +19310,7 @@
               <a:t> 코드의 </a:t>
             </a:r>
             <a:r>
-              <a:rPr lang="ko-KR" altLang="en-US" sz="4000" dirty="0" err="1" smtClean="0">
+              <a:rPr lang="ko-KR" altLang="en-US" sz="4000" dirty="0" err="1">
                 <a:solidFill>
                   <a:srgbClr val="FF0000"/>
                 </a:solidFill>
@@ -19655,7 +19320,7 @@
               <a:t>가독성이</a:t>
             </a:r>
             <a:r>
-              <a:rPr lang="ko-KR" altLang="en-US" sz="4000" dirty="0" smtClean="0">
+              <a:rPr lang="ko-KR" altLang="en-US" sz="4000" dirty="0">
                 <a:solidFill>
                   <a:srgbClr val="FF0000"/>
                 </a:solidFill>
@@ -19665,7 +19330,7 @@
               <a:t> 좋아 지는지 등을 고려 해야 한다</a:t>
             </a:r>
             <a:r>
-              <a:rPr lang="en-US" altLang="ko-KR" sz="4000" dirty="0" smtClean="0">
+              <a:rPr lang="en-US" altLang="ko-KR" sz="4000" dirty="0">
                 <a:solidFill>
                   <a:srgbClr val="FF0000"/>
                 </a:solidFill>
@@ -19674,13 +19339,6 @@
               </a:rPr>
               <a:t>!</a:t>
             </a:r>
-            <a:endParaRPr lang="en-US" altLang="ko-KR" sz="4000" dirty="0">
-              <a:solidFill>
-                <a:srgbClr val="FF0000"/>
-              </a:solidFill>
-              <a:latin typeface="G마켓 산스 Medium" panose="02000000000000000000" pitchFamily="50" charset="-127"/>
-              <a:ea typeface="G마켓 산스 Medium" panose="02000000000000000000" pitchFamily="50" charset="-127"/>
-            </a:endParaRPr>
           </a:p>
         </p:txBody>
       </p:sp>
@@ -19694,13 +19352,6 @@
   <p:clrMapOvr>
     <a:masterClrMapping/>
   </p:clrMapOvr>
-  <p:timing>
-    <p:tnLst>
-      <p:par>
-        <p:cTn id="1" dur="indefinite" restart="never" nodeType="tmRoot"/>
-      </p:par>
-    </p:tnLst>
-  </p:timing>
 </p:sld>
 </file>
 
@@ -19914,7 +19565,7 @@
           <p:cNvPr id="15" name="TextBox 14">
             <a:extLst>
               <a:ext uri="{FF2B5EF4-FFF2-40B4-BE49-F238E27FC236}">
-                <a16:creationId xmlns="" xmlns:a16="http://schemas.microsoft.com/office/drawing/2014/main" id="{76F36AE5-79B5-0B9F-E510-1C27AAC4B649}"/>
+                <a16:creationId xmlns:a16="http://schemas.microsoft.com/office/drawing/2014/main" id="{76F36AE5-79B5-0B9F-E510-1C27AAC4B649}"/>
               </a:ext>
             </a:extLst>
           </p:cNvPr>
@@ -19967,13 +19618,6 @@
   <p:clrMapOvr>
     <a:masterClrMapping/>
   </p:clrMapOvr>
-  <p:timing>
-    <p:tnLst>
-      <p:par>
-        <p:cTn id="1" dur="indefinite" restart="never" nodeType="tmRoot"/>
-      </p:par>
-    </p:tnLst>
-  </p:timing>
 </p:sld>
 </file>
 
@@ -19999,7 +19643,7 @@
           <p:cNvPr id="7" name="TextBox 6">
             <a:extLst>
               <a:ext uri="{FF2B5EF4-FFF2-40B4-BE49-F238E27FC236}">
-                <a16:creationId xmlns="" xmlns:a16="http://schemas.microsoft.com/office/drawing/2014/main" id="{90E0C58D-4AB9-A52A-B53C-44A4B8F11990}"/>
+                <a16:creationId xmlns:a16="http://schemas.microsoft.com/office/drawing/2014/main" id="{90E0C58D-4AB9-A52A-B53C-44A4B8F11990}"/>
               </a:ext>
             </a:extLst>
           </p:cNvPr>
@@ -20057,7 +19701,7 @@
           <p:cNvPr id="8" name="TextBox 7">
             <a:extLst>
               <a:ext uri="{FF2B5EF4-FFF2-40B4-BE49-F238E27FC236}">
-                <a16:creationId xmlns="" xmlns:a16="http://schemas.microsoft.com/office/drawing/2014/main" id="{1583823F-6E16-B4AA-2A3D-AE935DD9603F}"/>
+                <a16:creationId xmlns:a16="http://schemas.microsoft.com/office/drawing/2014/main" id="{1583823F-6E16-B4AA-2A3D-AE935DD9603F}"/>
               </a:ext>
             </a:extLst>
           </p:cNvPr>
@@ -20081,7 +19725,7 @@
           <a:lstStyle/>
           <a:p>
             <a:r>
-              <a:rPr lang="en-US" altLang="ko-KR" sz="3200" dirty="0" smtClean="0">
+              <a:rPr lang="en-US" altLang="ko-KR" sz="3200" dirty="0">
                 <a:solidFill>
                   <a:schemeClr val="tx1">
                     <a:lumMod val="50000"/>
@@ -20094,7 +19738,7 @@
               <a:t>0</a:t>
             </a:r>
             <a:r>
-              <a:rPr lang="ko-KR" altLang="en-US" sz="3200" dirty="0" smtClean="0">
+              <a:rPr lang="ko-KR" altLang="en-US" sz="3200" dirty="0">
                 <a:solidFill>
                   <a:schemeClr val="tx1">
                     <a:lumMod val="50000"/>
@@ -20107,7 +19751,7 @@
               <a:t>을 </a:t>
             </a:r>
             <a:r>
-              <a:rPr lang="ko-KR" altLang="en-US" sz="3200" dirty="0" err="1" smtClean="0">
+              <a:rPr lang="ko-KR" altLang="en-US" sz="3200" dirty="0" err="1">
                 <a:solidFill>
                   <a:schemeClr val="tx1">
                     <a:lumMod val="50000"/>
@@ -20120,7 +19764,7 @@
               <a:t>더할경우</a:t>
             </a:r>
             <a:r>
-              <a:rPr lang="ko-KR" altLang="en-US" sz="3200" dirty="0" smtClean="0">
+              <a:rPr lang="ko-KR" altLang="en-US" sz="3200" dirty="0">
                 <a:solidFill>
                   <a:schemeClr val="tx1">
                     <a:lumMod val="50000"/>
@@ -20133,7 +19777,7 @@
               <a:t> </a:t>
             </a:r>
             <a:r>
-              <a:rPr lang="ko-KR" altLang="en-US" sz="3200" dirty="0" err="1" smtClean="0">
+              <a:rPr lang="ko-KR" altLang="en-US" sz="3200" dirty="0" err="1">
                 <a:solidFill>
                   <a:schemeClr val="tx1">
                     <a:lumMod val="50000"/>
@@ -20146,7 +19790,7 @@
               <a:t>직접만든</a:t>
             </a:r>
             <a:r>
-              <a:rPr lang="ko-KR" altLang="en-US" sz="3200" dirty="0" smtClean="0">
+              <a:rPr lang="ko-KR" altLang="en-US" sz="3200" dirty="0">
                 <a:solidFill>
                   <a:schemeClr val="tx1">
                     <a:lumMod val="50000"/>
@@ -20159,7 +19803,7 @@
               <a:t> </a:t>
             </a:r>
             <a:r>
-              <a:rPr lang="en-US" altLang="ko-KR" sz="3200" dirty="0" err="1" smtClean="0">
+              <a:rPr lang="en-US" altLang="ko-KR" sz="3200" dirty="0" err="1">
                 <a:solidFill>
                   <a:schemeClr val="tx1">
                     <a:lumMod val="50000"/>
@@ -20172,7 +19816,7 @@
               <a:t>CanNotAddZeroException</a:t>
             </a:r>
             <a:r>
-              <a:rPr lang="en-US" altLang="ko-KR" sz="3200" dirty="0" smtClean="0">
+              <a:rPr lang="en-US" altLang="ko-KR" sz="3200" dirty="0">
                 <a:solidFill>
                   <a:schemeClr val="tx1">
                     <a:lumMod val="50000"/>
@@ -20185,7 +19829,7 @@
               <a:t> </a:t>
             </a:r>
             <a:r>
-              <a:rPr lang="ko-KR" altLang="en-US" sz="3200" dirty="0" smtClean="0">
+              <a:rPr lang="ko-KR" altLang="en-US" sz="3200" dirty="0">
                 <a:solidFill>
                   <a:schemeClr val="tx1">
                     <a:lumMod val="50000"/>
@@ -20198,7 +19842,7 @@
               <a:t>예외를 발생시켜보자</a:t>
             </a:r>
             <a:r>
-              <a:rPr lang="en-US" altLang="ko-KR" sz="3200" dirty="0" smtClean="0">
+              <a:rPr lang="en-US" altLang="ko-KR" sz="3200" dirty="0">
                 <a:solidFill>
                   <a:schemeClr val="tx1">
                     <a:lumMod val="50000"/>
@@ -20211,7 +19855,7 @@
               <a:t>(</a:t>
             </a:r>
             <a:r>
-              <a:rPr lang="ko-KR" altLang="en-US" sz="3200" dirty="0" smtClean="0">
+              <a:rPr lang="ko-KR" altLang="en-US" sz="3200" dirty="0">
                 <a:solidFill>
                   <a:srgbClr val="FF0000"/>
                 </a:solidFill>
@@ -20221,7 +19865,7 @@
               <a:t>사용자에게 예외처리를 강제하지 </a:t>
             </a:r>
             <a:r>
-              <a:rPr lang="ko-KR" altLang="en-US" sz="3200" dirty="0" err="1" smtClean="0">
+              <a:rPr lang="ko-KR" altLang="en-US" sz="3200" dirty="0" err="1">
                 <a:solidFill>
                   <a:srgbClr val="FF0000"/>
                 </a:solidFill>
@@ -20231,7 +19875,7 @@
               <a:t>말것</a:t>
             </a:r>
             <a:r>
-              <a:rPr lang="en-US" altLang="ko-KR" sz="3200" dirty="0" smtClean="0">
+              <a:rPr lang="en-US" altLang="ko-KR" sz="3200" dirty="0">
                 <a:solidFill>
                   <a:srgbClr val="FF0000"/>
                 </a:solidFill>
@@ -20241,7 +19885,7 @@
               <a:t>!</a:t>
             </a:r>
             <a:r>
-              <a:rPr lang="en-US" altLang="ko-KR" sz="3200" dirty="0" smtClean="0">
+              <a:rPr lang="en-US" altLang="ko-KR" sz="3200" dirty="0">
                 <a:solidFill>
                   <a:schemeClr val="tx1">
                     <a:lumMod val="50000"/>
@@ -20253,16 +19897,6 @@
               </a:rPr>
               <a:t>)</a:t>
             </a:r>
-            <a:endParaRPr lang="en-US" altLang="ko-KR" sz="3200" dirty="0">
-              <a:solidFill>
-                <a:schemeClr val="tx1">
-                  <a:lumMod val="50000"/>
-                  <a:lumOff val="50000"/>
-                </a:schemeClr>
-              </a:solidFill>
-              <a:latin typeface="G마켓 산스 Medium" panose="02000000000000000000" pitchFamily="50" charset="-127"/>
-              <a:ea typeface="G마켓 산스 Medium" panose="02000000000000000000" pitchFamily="50" charset="-127"/>
-            </a:endParaRPr>
           </a:p>
         </p:txBody>
       </p:sp>
@@ -20319,7 +19953,7 @@
           <p:cNvPr id="12" name="TextBox 11">
             <a:extLst>
               <a:ext uri="{FF2B5EF4-FFF2-40B4-BE49-F238E27FC236}">
-                <a16:creationId xmlns="" xmlns:a16="http://schemas.microsoft.com/office/drawing/2014/main" id="{2FFEA572-0493-CB52-6BE5-4BCEFE8076B6}"/>
+                <a16:creationId xmlns:a16="http://schemas.microsoft.com/office/drawing/2014/main" id="{2FFEA572-0493-CB52-6BE5-4BCEFE8076B6}"/>
               </a:ext>
             </a:extLst>
           </p:cNvPr>
@@ -20343,7 +19977,7 @@
           <a:lstStyle/>
           <a:p>
             <a:r>
-              <a:rPr lang="en-US" altLang="ko-KR" sz="4000" smtClean="0">
+              <a:rPr lang="en-US" altLang="ko-KR" sz="4000">
                 <a:solidFill>
                   <a:srgbClr val="4C50BB"/>
                 </a:solidFill>
@@ -20353,7 +19987,7 @@
               <a:t>1. MyMath </a:t>
             </a:r>
             <a:r>
-              <a:rPr lang="ko-KR" altLang="en-US" sz="4000" smtClean="0">
+              <a:rPr lang="ko-KR" altLang="en-US" sz="4000">
                 <a:solidFill>
                   <a:srgbClr val="4C50BB"/>
                 </a:solidFill>
@@ -20363,7 +19997,7 @@
               <a:t>클래스를 만든후 </a:t>
             </a:r>
             <a:r>
-              <a:rPr lang="en-US" altLang="ko-KR" sz="4000" smtClean="0">
+              <a:rPr lang="en-US" altLang="ko-KR" sz="4000">
                 <a:solidFill>
                   <a:srgbClr val="4C50BB"/>
                 </a:solidFill>
@@ -20373,7 +20007,7 @@
               <a:t>int add(int a, int b) </a:t>
             </a:r>
             <a:r>
-              <a:rPr lang="ko-KR" altLang="en-US" sz="4000" smtClean="0">
+              <a:rPr lang="ko-KR" altLang="en-US" sz="4000">
                 <a:solidFill>
                   <a:srgbClr val="4C50BB"/>
                 </a:solidFill>
@@ -20565,7 +20199,7 @@
           <p:cNvPr id="14" name="TextBox 13">
             <a:extLst>
               <a:ext uri="{FF2B5EF4-FFF2-40B4-BE49-F238E27FC236}">
-                <a16:creationId xmlns="" xmlns:a16="http://schemas.microsoft.com/office/drawing/2014/main" id="{D15853EE-94B0-D08B-DCB7-3381290CC3FF}"/>
+                <a16:creationId xmlns:a16="http://schemas.microsoft.com/office/drawing/2014/main" id="{D15853EE-94B0-D08B-DCB7-3381290CC3FF}"/>
               </a:ext>
             </a:extLst>
           </p:cNvPr>
@@ -20613,7 +20247,7 @@
           <p:cNvPr id="15" name="그룹 1008">
             <a:extLst>
               <a:ext uri="{FF2B5EF4-FFF2-40B4-BE49-F238E27FC236}">
-                <a16:creationId xmlns="" xmlns:a16="http://schemas.microsoft.com/office/drawing/2014/main" id="{678F6342-C505-E8AD-ADA4-022CB2C2088E}"/>
+                <a16:creationId xmlns:a16="http://schemas.microsoft.com/office/drawing/2014/main" id="{678F6342-C505-E8AD-ADA4-022CB2C2088E}"/>
               </a:ext>
             </a:extLst>
           </p:cNvPr>
@@ -20633,7 +20267,7 @@
             <p:cNvPr id="16" name="그룹 1009">
               <a:extLst>
                 <a:ext uri="{FF2B5EF4-FFF2-40B4-BE49-F238E27FC236}">
-                  <a16:creationId xmlns="" xmlns:a16="http://schemas.microsoft.com/office/drawing/2014/main" id="{4E1F1FED-812B-9BBB-925A-84B54A077414}"/>
+                  <a16:creationId xmlns:a16="http://schemas.microsoft.com/office/drawing/2014/main" id="{4E1F1FED-812B-9BBB-925A-84B54A077414}"/>
                 </a:ext>
               </a:extLst>
             </p:cNvPr>
@@ -20653,7 +20287,7 @@
               <p:cNvPr id="21" name="Object 29">
                 <a:extLst>
                   <a:ext uri="{FF2B5EF4-FFF2-40B4-BE49-F238E27FC236}">
-                    <a16:creationId xmlns="" xmlns:a16="http://schemas.microsoft.com/office/drawing/2014/main" id="{7B078609-4286-7B00-51EB-809C8E2DE289}"/>
+                    <a16:creationId xmlns:a16="http://schemas.microsoft.com/office/drawing/2014/main" id="{7B078609-4286-7B00-51EB-809C8E2DE289}"/>
                   </a:ext>
                 </a:extLst>
               </p:cNvPr>
@@ -20684,7 +20318,7 @@
             <p:cNvPr id="17" name="그룹 1010">
               <a:extLst>
                 <a:ext uri="{FF2B5EF4-FFF2-40B4-BE49-F238E27FC236}">
-                  <a16:creationId xmlns="" xmlns:a16="http://schemas.microsoft.com/office/drawing/2014/main" id="{02A649BF-B5B5-FBAF-7DFD-E118A4DF8907}"/>
+                  <a16:creationId xmlns:a16="http://schemas.microsoft.com/office/drawing/2014/main" id="{02A649BF-B5B5-FBAF-7DFD-E118A4DF8907}"/>
                 </a:ext>
               </a:extLst>
             </p:cNvPr>
@@ -20704,7 +20338,7 @@
               <p:cNvPr id="20" name="Object 32">
                 <a:extLst>
                   <a:ext uri="{FF2B5EF4-FFF2-40B4-BE49-F238E27FC236}">
-                    <a16:creationId xmlns="" xmlns:a16="http://schemas.microsoft.com/office/drawing/2014/main" id="{2A0FFF23-B3C9-3EA0-1C1B-A87D4FF098AE}"/>
+                    <a16:creationId xmlns:a16="http://schemas.microsoft.com/office/drawing/2014/main" id="{2A0FFF23-B3C9-3EA0-1C1B-A87D4FF098AE}"/>
                   </a:ext>
                 </a:extLst>
               </p:cNvPr>
@@ -20735,7 +20369,7 @@
             <p:cNvPr id="18" name="그룹 1011">
               <a:extLst>
                 <a:ext uri="{FF2B5EF4-FFF2-40B4-BE49-F238E27FC236}">
-                  <a16:creationId xmlns="" xmlns:a16="http://schemas.microsoft.com/office/drawing/2014/main" id="{881F5410-F7FB-F261-A584-707359BAC593}"/>
+                  <a16:creationId xmlns:a16="http://schemas.microsoft.com/office/drawing/2014/main" id="{881F5410-F7FB-F261-A584-707359BAC593}"/>
                 </a:ext>
               </a:extLst>
             </p:cNvPr>
@@ -20755,7 +20389,7 @@
               <p:cNvPr id="19" name="Object 35">
                 <a:extLst>
                   <a:ext uri="{FF2B5EF4-FFF2-40B4-BE49-F238E27FC236}">
-                    <a16:creationId xmlns="" xmlns:a16="http://schemas.microsoft.com/office/drawing/2014/main" id="{4E99E669-73EB-F9F4-EFE8-DC107035C265}"/>
+                    <a16:creationId xmlns:a16="http://schemas.microsoft.com/office/drawing/2014/main" id="{4E99E669-73EB-F9F4-EFE8-DC107035C265}"/>
                   </a:ext>
                 </a:extLst>
               </p:cNvPr>
@@ -20787,7 +20421,7 @@
           <p:cNvPr id="22" name="TextBox 21">
             <a:extLst>
               <a:ext uri="{FF2B5EF4-FFF2-40B4-BE49-F238E27FC236}">
-                <a16:creationId xmlns="" xmlns:a16="http://schemas.microsoft.com/office/drawing/2014/main" id="{A06D4055-10A8-4A24-5EDC-0761473BA40F}"/>
+                <a16:creationId xmlns:a16="http://schemas.microsoft.com/office/drawing/2014/main" id="{A06D4055-10A8-4A24-5EDC-0761473BA40F}"/>
               </a:ext>
             </a:extLst>
           </p:cNvPr>
@@ -20831,7 +20465,7 @@
           <p:cNvPr id="23" name="TextBox 22">
             <a:extLst>
               <a:ext uri="{FF2B5EF4-FFF2-40B4-BE49-F238E27FC236}">
-                <a16:creationId xmlns="" xmlns:a16="http://schemas.microsoft.com/office/drawing/2014/main" id="{A06D4055-10A8-4A24-5EDC-0761473BA40F}"/>
+                <a16:creationId xmlns:a16="http://schemas.microsoft.com/office/drawing/2014/main" id="{A06D4055-10A8-4A24-5EDC-0761473BA40F}"/>
               </a:ext>
             </a:extLst>
           </p:cNvPr>
@@ -20879,7 +20513,7 @@
           <p:cNvPr id="31" name="TextBox 30">
             <a:extLst>
               <a:ext uri="{FF2B5EF4-FFF2-40B4-BE49-F238E27FC236}">
-                <a16:creationId xmlns="" xmlns:a16="http://schemas.microsoft.com/office/drawing/2014/main" id="{A06D4055-10A8-4A24-5EDC-0761473BA40F}"/>
+                <a16:creationId xmlns:a16="http://schemas.microsoft.com/office/drawing/2014/main" id="{A06D4055-10A8-4A24-5EDC-0761473BA40F}"/>
               </a:ext>
             </a:extLst>
           </p:cNvPr>
@@ -20923,7 +20557,7 @@
           <p:cNvPr id="32" name="직선 화살표 연결선 31">
             <a:extLst>
               <a:ext uri="{FF2B5EF4-FFF2-40B4-BE49-F238E27FC236}">
-                <a16:creationId xmlns="" xmlns:a16="http://schemas.microsoft.com/office/drawing/2014/main" id="{299DF5EC-9DF4-5255-06AC-0A7CE4FF58C3}"/>
+                <a16:creationId xmlns:a16="http://schemas.microsoft.com/office/drawing/2014/main" id="{299DF5EC-9DF4-5255-06AC-0A7CE4FF58C3}"/>
               </a:ext>
             </a:extLst>
           </p:cNvPr>
@@ -20964,7 +20598,7 @@
           <p:cNvPr id="33" name="TextBox 32">
             <a:extLst>
               <a:ext uri="{FF2B5EF4-FFF2-40B4-BE49-F238E27FC236}">
-                <a16:creationId xmlns="" xmlns:a16="http://schemas.microsoft.com/office/drawing/2014/main" id="{C6D113C6-EA5C-788F-0C77-E7CE6EBB865F}"/>
+                <a16:creationId xmlns:a16="http://schemas.microsoft.com/office/drawing/2014/main" id="{C6D113C6-EA5C-788F-0C77-E7CE6EBB865F}"/>
               </a:ext>
             </a:extLst>
           </p:cNvPr>
@@ -21022,7 +20656,7 @@
           <p:cNvPr id="36" name="그룹 1008">
             <a:extLst>
               <a:ext uri="{FF2B5EF4-FFF2-40B4-BE49-F238E27FC236}">
-                <a16:creationId xmlns="" xmlns:a16="http://schemas.microsoft.com/office/drawing/2014/main" id="{678F6342-C505-E8AD-ADA4-022CB2C2088E}"/>
+                <a16:creationId xmlns:a16="http://schemas.microsoft.com/office/drawing/2014/main" id="{678F6342-C505-E8AD-ADA4-022CB2C2088E}"/>
               </a:ext>
             </a:extLst>
           </p:cNvPr>
@@ -21042,7 +20676,7 @@
             <p:cNvPr id="37" name="그룹 1009">
               <a:extLst>
                 <a:ext uri="{FF2B5EF4-FFF2-40B4-BE49-F238E27FC236}">
-                  <a16:creationId xmlns="" xmlns:a16="http://schemas.microsoft.com/office/drawing/2014/main" id="{4E1F1FED-812B-9BBB-925A-84B54A077414}"/>
+                  <a16:creationId xmlns:a16="http://schemas.microsoft.com/office/drawing/2014/main" id="{4E1F1FED-812B-9BBB-925A-84B54A077414}"/>
                 </a:ext>
               </a:extLst>
             </p:cNvPr>
@@ -21062,7 +20696,7 @@
               <p:cNvPr id="42" name="Object 29">
                 <a:extLst>
                   <a:ext uri="{FF2B5EF4-FFF2-40B4-BE49-F238E27FC236}">
-                    <a16:creationId xmlns="" xmlns:a16="http://schemas.microsoft.com/office/drawing/2014/main" id="{7B078609-4286-7B00-51EB-809C8E2DE289}"/>
+                    <a16:creationId xmlns:a16="http://schemas.microsoft.com/office/drawing/2014/main" id="{7B078609-4286-7B00-51EB-809C8E2DE289}"/>
                   </a:ext>
                 </a:extLst>
               </p:cNvPr>
@@ -21093,7 +20727,7 @@
             <p:cNvPr id="38" name="그룹 1010">
               <a:extLst>
                 <a:ext uri="{FF2B5EF4-FFF2-40B4-BE49-F238E27FC236}">
-                  <a16:creationId xmlns="" xmlns:a16="http://schemas.microsoft.com/office/drawing/2014/main" id="{02A649BF-B5B5-FBAF-7DFD-E118A4DF8907}"/>
+                  <a16:creationId xmlns:a16="http://schemas.microsoft.com/office/drawing/2014/main" id="{02A649BF-B5B5-FBAF-7DFD-E118A4DF8907}"/>
                 </a:ext>
               </a:extLst>
             </p:cNvPr>
@@ -21113,7 +20747,7 @@
               <p:cNvPr id="41" name="Object 32">
                 <a:extLst>
                   <a:ext uri="{FF2B5EF4-FFF2-40B4-BE49-F238E27FC236}">
-                    <a16:creationId xmlns="" xmlns:a16="http://schemas.microsoft.com/office/drawing/2014/main" id="{2A0FFF23-B3C9-3EA0-1C1B-A87D4FF098AE}"/>
+                    <a16:creationId xmlns:a16="http://schemas.microsoft.com/office/drawing/2014/main" id="{2A0FFF23-B3C9-3EA0-1C1B-A87D4FF098AE}"/>
                   </a:ext>
                 </a:extLst>
               </p:cNvPr>
@@ -21144,7 +20778,7 @@
             <p:cNvPr id="39" name="그룹 1011">
               <a:extLst>
                 <a:ext uri="{FF2B5EF4-FFF2-40B4-BE49-F238E27FC236}">
-                  <a16:creationId xmlns="" xmlns:a16="http://schemas.microsoft.com/office/drawing/2014/main" id="{881F5410-F7FB-F261-A584-707359BAC593}"/>
+                  <a16:creationId xmlns:a16="http://schemas.microsoft.com/office/drawing/2014/main" id="{881F5410-F7FB-F261-A584-707359BAC593}"/>
                 </a:ext>
               </a:extLst>
             </p:cNvPr>
@@ -21164,7 +20798,7 @@
               <p:cNvPr id="40" name="Object 35">
                 <a:extLst>
                   <a:ext uri="{FF2B5EF4-FFF2-40B4-BE49-F238E27FC236}">
-                    <a16:creationId xmlns="" xmlns:a16="http://schemas.microsoft.com/office/drawing/2014/main" id="{4E99E669-73EB-F9F4-EFE8-DC107035C265}"/>
+                    <a16:creationId xmlns:a16="http://schemas.microsoft.com/office/drawing/2014/main" id="{4E99E669-73EB-F9F4-EFE8-DC107035C265}"/>
                   </a:ext>
                 </a:extLst>
               </p:cNvPr>
@@ -21196,7 +20830,7 @@
           <p:cNvPr id="43" name="TextBox 42">
             <a:extLst>
               <a:ext uri="{FF2B5EF4-FFF2-40B4-BE49-F238E27FC236}">
-                <a16:creationId xmlns="" xmlns:a16="http://schemas.microsoft.com/office/drawing/2014/main" id="{A06D4055-10A8-4A24-5EDC-0761473BA40F}"/>
+                <a16:creationId xmlns:a16="http://schemas.microsoft.com/office/drawing/2014/main" id="{A06D4055-10A8-4A24-5EDC-0761473BA40F}"/>
               </a:ext>
             </a:extLst>
           </p:cNvPr>
@@ -21244,7 +20878,7 @@
           <p:cNvPr id="44" name="TextBox 43">
             <a:extLst>
               <a:ext uri="{FF2B5EF4-FFF2-40B4-BE49-F238E27FC236}">
-                <a16:creationId xmlns="" xmlns:a16="http://schemas.microsoft.com/office/drawing/2014/main" id="{A06D4055-10A8-4A24-5EDC-0761473BA40F}"/>
+                <a16:creationId xmlns:a16="http://schemas.microsoft.com/office/drawing/2014/main" id="{A06D4055-10A8-4A24-5EDC-0761473BA40F}"/>
               </a:ext>
             </a:extLst>
           </p:cNvPr>
@@ -21298,7 +20932,7 @@
           <p:cNvPr id="45" name="직선 화살표 연결선 44">
             <a:extLst>
               <a:ext uri="{FF2B5EF4-FFF2-40B4-BE49-F238E27FC236}">
-                <a16:creationId xmlns="" xmlns:a16="http://schemas.microsoft.com/office/drawing/2014/main" id="{299DF5EC-9DF4-5255-06AC-0A7CE4FF58C3}"/>
+                <a16:creationId xmlns:a16="http://schemas.microsoft.com/office/drawing/2014/main" id="{299DF5EC-9DF4-5255-06AC-0A7CE4FF58C3}"/>
               </a:ext>
             </a:extLst>
           </p:cNvPr>
@@ -21339,7 +20973,7 @@
           <p:cNvPr id="46" name="TextBox 45">
             <a:extLst>
               <a:ext uri="{FF2B5EF4-FFF2-40B4-BE49-F238E27FC236}">
-                <a16:creationId xmlns="" xmlns:a16="http://schemas.microsoft.com/office/drawing/2014/main" id="{C6D113C6-EA5C-788F-0C77-E7CE6EBB865F}"/>
+                <a16:creationId xmlns:a16="http://schemas.microsoft.com/office/drawing/2014/main" id="{C6D113C6-EA5C-788F-0C77-E7CE6EBB865F}"/>
               </a:ext>
             </a:extLst>
           </p:cNvPr>
@@ -21402,13 +21036,6 @@
   <p:clrMapOvr>
     <a:masterClrMapping/>
   </p:clrMapOvr>
-  <p:timing>
-    <p:tnLst>
-      <p:par>
-        <p:cTn id="1" dur="indefinite" restart="never" nodeType="tmRoot"/>
-      </p:par>
-    </p:tnLst>
-  </p:timing>
 </p:sld>
 </file>
 
@@ -21434,7 +21061,7 @@
           <p:cNvPr id="4" name="TextBox 3">
             <a:extLst>
               <a:ext uri="{FF2B5EF4-FFF2-40B4-BE49-F238E27FC236}">
-                <a16:creationId xmlns="" xmlns:a16="http://schemas.microsoft.com/office/drawing/2014/main" id="{2FFEA572-0493-CB52-6BE5-4BCEFE8076B6}"/>
+                <a16:creationId xmlns:a16="http://schemas.microsoft.com/office/drawing/2014/main" id="{2FFEA572-0493-CB52-6BE5-4BCEFE8076B6}"/>
               </a:ext>
             </a:extLst>
           </p:cNvPr>
@@ -21465,40 +21092,30 @@
                 <a:latin typeface="G마켓 산스 Medium" panose="02000000000000000000" pitchFamily="50" charset="-127"/>
                 <a:ea typeface="G마켓 산스 Medium" panose="02000000000000000000" pitchFamily="50" charset="-127"/>
               </a:rPr>
-              <a:t>2</a:t>
-            </a:r>
-            <a:r>
-              <a:rPr lang="en-US" altLang="ko-KR" sz="4000" dirty="0" smtClean="0">
+              <a:t>2. </a:t>
+            </a:r>
+            <a:r>
+              <a:rPr lang="ko-KR" altLang="en-US" sz="4000" dirty="0">
                 <a:solidFill>
                   <a:srgbClr val="4C50BB"/>
                 </a:solidFill>
                 <a:latin typeface="G마켓 산스 Medium" panose="02000000000000000000" pitchFamily="50" charset="-127"/>
                 <a:ea typeface="G마켓 산스 Medium" panose="02000000000000000000" pitchFamily="50" charset="-127"/>
               </a:rPr>
+              <a:t>아래의 코드는 에러가 발생한다</a:t>
+            </a:r>
+            <a:r>
+              <a:rPr lang="en-US" altLang="ko-KR" sz="4000" dirty="0">
+                <a:solidFill>
+                  <a:srgbClr val="4C50BB"/>
+                </a:solidFill>
+                <a:latin typeface="G마켓 산스 Medium" panose="02000000000000000000" pitchFamily="50" charset="-127"/>
+                <a:ea typeface="G마켓 산스 Medium" panose="02000000000000000000" pitchFamily="50" charset="-127"/>
+              </a:rPr>
               <a:t>. </a:t>
             </a:r>
             <a:r>
-              <a:rPr lang="ko-KR" altLang="en-US" sz="4000" dirty="0" smtClean="0">
-                <a:solidFill>
-                  <a:srgbClr val="4C50BB"/>
-                </a:solidFill>
-                <a:latin typeface="G마켓 산스 Medium" panose="02000000000000000000" pitchFamily="50" charset="-127"/>
-                <a:ea typeface="G마켓 산스 Medium" panose="02000000000000000000" pitchFamily="50" charset="-127"/>
-              </a:rPr>
-              <a:t>아래의 코드는 에러가 발생한다</a:t>
-            </a:r>
-            <a:r>
-              <a:rPr lang="en-US" altLang="ko-KR" sz="4000" dirty="0" smtClean="0">
-                <a:solidFill>
-                  <a:srgbClr val="4C50BB"/>
-                </a:solidFill>
-                <a:latin typeface="G마켓 산스 Medium" panose="02000000000000000000" pitchFamily="50" charset="-127"/>
-                <a:ea typeface="G마켓 산스 Medium" panose="02000000000000000000" pitchFamily="50" charset="-127"/>
-              </a:rPr>
-              <a:t>. </a:t>
-            </a:r>
-            <a:r>
-              <a:rPr lang="ko-KR" altLang="en-US" sz="4000" dirty="0" smtClean="0">
+              <a:rPr lang="ko-KR" altLang="en-US" sz="4000" dirty="0">
                 <a:solidFill>
                   <a:srgbClr val="4C50BB"/>
                 </a:solidFill>
@@ -21578,13 +21195,6 @@
   <p:clrMapOvr>
     <a:masterClrMapping/>
   </p:clrMapOvr>
-  <p:timing>
-    <p:tnLst>
-      <p:par>
-        <p:cTn id="1" dur="indefinite" restart="never" nodeType="tmRoot"/>
-      </p:par>
-    </p:tnLst>
-  </p:timing>
 </p:sld>
 </file>
 
@@ -21610,7 +21220,7 @@
           <p:cNvPr id="4" name="TextBox 3">
             <a:extLst>
               <a:ext uri="{FF2B5EF4-FFF2-40B4-BE49-F238E27FC236}">
-                <a16:creationId xmlns="" xmlns:a16="http://schemas.microsoft.com/office/drawing/2014/main" id="{2FFEA572-0493-CB52-6BE5-4BCEFE8076B6}"/>
+                <a16:creationId xmlns:a16="http://schemas.microsoft.com/office/drawing/2014/main" id="{2FFEA572-0493-CB52-6BE5-4BCEFE8076B6}"/>
               </a:ext>
             </a:extLst>
           </p:cNvPr>
@@ -21634,7 +21244,7 @@
           <a:lstStyle/>
           <a:p>
             <a:r>
-              <a:rPr lang="en-US" altLang="ko-KR" sz="4000" smtClean="0">
+              <a:rPr lang="en-US" altLang="ko-KR" sz="4000">
                 <a:solidFill>
                   <a:srgbClr val="4C50BB"/>
                 </a:solidFill>
@@ -21644,7 +21254,7 @@
               <a:t>3. test.txt </a:t>
             </a:r>
             <a:r>
-              <a:rPr lang="ko-KR" altLang="en-US" sz="4000" smtClean="0">
+              <a:rPr lang="ko-KR" altLang="en-US" sz="4000">
                 <a:solidFill>
                   <a:srgbClr val="4C50BB"/>
                 </a:solidFill>
@@ -21654,7 +21264,7 @@
               <a:t>파일을 읽어서 콘솔화면에 출력해보자</a:t>
             </a:r>
             <a:r>
-              <a:rPr lang="en-US" altLang="ko-KR" sz="4000" smtClean="0">
+              <a:rPr lang="en-US" altLang="ko-KR" sz="4000">
                 <a:solidFill>
                   <a:srgbClr val="4C50BB"/>
                 </a:solidFill>
@@ -21705,7 +21315,7 @@
           <p:cNvPr id="6" name="직사각형 5">
             <a:extLst>
               <a:ext uri="{FF2B5EF4-FFF2-40B4-BE49-F238E27FC236}">
-                <a16:creationId xmlns:a16="http://schemas.microsoft.com/office/drawing/2014/main" xmlns="" id="{FFF506F9-840A-0508-4CAF-3AC711D8D5CE}"/>
+                <a16:creationId xmlns:a16="http://schemas.microsoft.com/office/drawing/2014/main" id="{FFF506F9-840A-0508-4CAF-3AC711D8D5CE}"/>
               </a:ext>
             </a:extLst>
           </p:cNvPr>
@@ -21757,7 +21367,7 @@
           <p:cNvPr id="7" name="직사각형 6">
             <a:extLst>
               <a:ext uri="{FF2B5EF4-FFF2-40B4-BE49-F238E27FC236}">
-                <a16:creationId xmlns:a16="http://schemas.microsoft.com/office/drawing/2014/main" xmlns="" id="{FFF506F9-840A-0508-4CAF-3AC711D8D5CE}"/>
+                <a16:creationId xmlns:a16="http://schemas.microsoft.com/office/drawing/2014/main" id="{FFF506F9-840A-0508-4CAF-3AC711D8D5CE}"/>
               </a:ext>
             </a:extLst>
           </p:cNvPr>
@@ -21809,7 +21419,7 @@
           <p:cNvPr id="8" name="TextBox 7">
             <a:extLst>
               <a:ext uri="{FF2B5EF4-FFF2-40B4-BE49-F238E27FC236}">
-                <a16:creationId xmlns:a16="http://schemas.microsoft.com/office/drawing/2014/main" xmlns="" id="{A2AD056B-97A4-5BCC-4460-250160F3E171}"/>
+                <a16:creationId xmlns:a16="http://schemas.microsoft.com/office/drawing/2014/main" id="{A2AD056B-97A4-5BCC-4460-250160F3E171}"/>
               </a:ext>
             </a:extLst>
           </p:cNvPr>
@@ -21833,7 +21443,7 @@
           <a:lstStyle/>
           <a:p>
             <a:r>
-              <a:rPr lang="ko-KR" altLang="en-US" sz="4000" smtClean="0">
+              <a:rPr lang="ko-KR" altLang="en-US" sz="4000">
                 <a:solidFill>
                   <a:schemeClr val="tx1">
                     <a:lumMod val="50000"/>
@@ -21846,7 +21456,7 @@
               <a:t>파일경로</a:t>
             </a:r>
             <a:r>
-              <a:rPr lang="en-US" altLang="ko-KR" sz="4000" smtClean="0">
+              <a:rPr lang="en-US" altLang="ko-KR" sz="4000">
                 <a:solidFill>
                   <a:schemeClr val="tx1">
                     <a:lumMod val="50000"/>
@@ -21859,7 +21469,7 @@
               <a:t>: </a:t>
             </a:r>
             <a:r>
-              <a:rPr lang="ko-KR" altLang="en-US" sz="4000" smtClean="0">
+              <a:rPr lang="ko-KR" altLang="en-US" sz="4000">
                 <a:solidFill>
                   <a:schemeClr val="tx1">
                     <a:lumMod val="50000"/>
@@ -21872,7 +21482,7 @@
               <a:t>생성된 파일 우클릭 </a:t>
             </a:r>
             <a:r>
-              <a:rPr lang="en-US" altLang="ko-KR" sz="4000" smtClean="0">
+              <a:rPr lang="en-US" altLang="ko-KR" sz="4000">
                 <a:solidFill>
                   <a:schemeClr val="tx1">
                     <a:lumMod val="50000"/>
@@ -21885,7 +21495,7 @@
               <a:t>-&gt;Properties -&gt; </a:t>
             </a:r>
             <a:r>
-              <a:rPr lang="ko-KR" altLang="en-US" sz="4000" smtClean="0">
+              <a:rPr lang="ko-KR" altLang="en-US" sz="4000">
                 <a:solidFill>
                   <a:schemeClr val="tx1">
                     <a:lumMod val="50000"/>
@@ -21987,7 +21597,7 @@
           <p:cNvPr id="12" name="직선 화살표 연결선 11">
             <a:extLst>
               <a:ext uri="{FF2B5EF4-FFF2-40B4-BE49-F238E27FC236}">
-                <a16:creationId xmlns:a16="http://schemas.microsoft.com/office/drawing/2014/main" xmlns="" id="{299DF5EC-9DF4-5255-06AC-0A7CE4FF58C3}"/>
+                <a16:creationId xmlns:a16="http://schemas.microsoft.com/office/drawing/2014/main" id="{299DF5EC-9DF4-5255-06AC-0A7CE4FF58C3}"/>
               </a:ext>
             </a:extLst>
           </p:cNvPr>
@@ -22028,7 +21638,7 @@
           <p:cNvPr id="13" name="TextBox 12">
             <a:extLst>
               <a:ext uri="{FF2B5EF4-FFF2-40B4-BE49-F238E27FC236}">
-                <a16:creationId xmlns:a16="http://schemas.microsoft.com/office/drawing/2014/main" xmlns="" id="{C6D113C6-EA5C-788F-0C77-E7CE6EBB865F}"/>
+                <a16:creationId xmlns:a16="http://schemas.microsoft.com/office/drawing/2014/main" id="{C6D113C6-EA5C-788F-0C77-E7CE6EBB865F}"/>
               </a:ext>
             </a:extLst>
           </p:cNvPr>
@@ -22052,7 +21662,7 @@
           <a:lstStyle/>
           <a:p>
             <a:r>
-              <a:rPr lang="ko-KR" altLang="en-US" sz="4000" smtClean="0">
+              <a:rPr lang="ko-KR" altLang="en-US" sz="4000">
                 <a:solidFill>
                   <a:srgbClr val="FF0000"/>
                 </a:solidFill>
@@ -22062,7 +21672,7 @@
               <a:t>파일 내용의 끝이 나올때까지 </a:t>
             </a:r>
             <a:r>
-              <a:rPr lang="en-US" altLang="ko-KR" sz="4000" smtClean="0">
+              <a:rPr lang="en-US" altLang="ko-KR" sz="4000">
                 <a:solidFill>
                   <a:srgbClr val="FF0000"/>
                 </a:solidFill>
@@ -22072,7 +21682,7 @@
               <a:t>1</a:t>
             </a:r>
             <a:r>
-              <a:rPr lang="ko-KR" altLang="en-US" sz="4000" smtClean="0">
+              <a:rPr lang="ko-KR" altLang="en-US" sz="4000">
                 <a:solidFill>
                   <a:srgbClr val="FF0000"/>
                 </a:solidFill>
@@ -22096,7 +21706,7 @@
           <p:cNvPr id="16" name="TextBox 15">
             <a:extLst>
               <a:ext uri="{FF2B5EF4-FFF2-40B4-BE49-F238E27FC236}">
-                <a16:creationId xmlns:a16="http://schemas.microsoft.com/office/drawing/2014/main" xmlns="" id="{A2AD056B-97A4-5BCC-4460-250160F3E171}"/>
+                <a16:creationId xmlns:a16="http://schemas.microsoft.com/office/drawing/2014/main" id="{A2AD056B-97A4-5BCC-4460-250160F3E171}"/>
               </a:ext>
             </a:extLst>
           </p:cNvPr>
@@ -22120,7 +21730,7 @@
           <a:lstStyle/>
           <a:p>
             <a:r>
-              <a:rPr lang="en-US" altLang="ko-KR" sz="3600" dirty="0" err="1" smtClean="0">
+              <a:rPr lang="en-US" altLang="ko-KR" sz="3600" dirty="0" err="1">
                 <a:solidFill>
                   <a:schemeClr val="tx1">
                     <a:lumMod val="50000"/>
@@ -22133,7 +21743,7 @@
               <a:t>FileReader</a:t>
             </a:r>
             <a:r>
-              <a:rPr lang="en-US" altLang="ko-KR" sz="3600" dirty="0" smtClean="0">
+              <a:rPr lang="en-US" altLang="ko-KR" sz="3600" dirty="0">
                 <a:solidFill>
                   <a:schemeClr val="tx1">
                     <a:lumMod val="50000"/>
@@ -22146,7 +21756,7 @@
               <a:t> </a:t>
             </a:r>
             <a:r>
-              <a:rPr lang="ko-KR" altLang="en-US" sz="3600" dirty="0" smtClean="0">
+              <a:rPr lang="ko-KR" altLang="en-US" sz="3600" dirty="0">
                 <a:solidFill>
                   <a:schemeClr val="tx1">
                     <a:lumMod val="50000"/>
@@ -22159,7 +21769,7 @@
               <a:t>객체는 다 사용하였다면 </a:t>
             </a:r>
             <a:r>
-              <a:rPr lang="en-US" altLang="ko-KR" sz="3600" dirty="0" smtClean="0">
+              <a:rPr lang="en-US" altLang="ko-KR" sz="3600" dirty="0">
                 <a:solidFill>
                   <a:schemeClr val="tx1">
                     <a:lumMod val="50000"/>
@@ -22172,7 +21782,7 @@
               <a:t>close() </a:t>
             </a:r>
             <a:r>
-              <a:rPr lang="ko-KR" altLang="en-US" sz="3600" dirty="0" err="1" smtClean="0">
+              <a:rPr lang="ko-KR" altLang="en-US" sz="3600" dirty="0" err="1">
                 <a:solidFill>
                   <a:schemeClr val="tx1">
                     <a:lumMod val="50000"/>
@@ -22185,7 +21795,7 @@
               <a:t>메서드를</a:t>
             </a:r>
             <a:r>
-              <a:rPr lang="ko-KR" altLang="en-US" sz="3600" dirty="0" smtClean="0">
+              <a:rPr lang="ko-KR" altLang="en-US" sz="3600" dirty="0">
                 <a:solidFill>
                   <a:schemeClr val="tx1">
                     <a:lumMod val="50000"/>
@@ -22198,7 +21808,7 @@
               <a:t> 이용하여 닫아 </a:t>
             </a:r>
             <a:r>
-              <a:rPr lang="ko-KR" altLang="en-US" sz="3600" dirty="0" err="1" smtClean="0">
+              <a:rPr lang="ko-KR" altLang="en-US" sz="3600" dirty="0" err="1">
                 <a:solidFill>
                   <a:schemeClr val="tx1">
                     <a:lumMod val="50000"/>
@@ -22211,7 +21821,7 @@
               <a:t>줘야한다</a:t>
             </a:r>
             <a:r>
-              <a:rPr lang="en-US" altLang="ko-KR" sz="3600" dirty="0" smtClean="0">
+              <a:rPr lang="en-US" altLang="ko-KR" sz="3600" dirty="0">
                 <a:solidFill>
                   <a:schemeClr val="tx1">
                     <a:lumMod val="50000"/>
@@ -22223,16 +21833,6 @@
               </a:rPr>
               <a:t>.</a:t>
             </a:r>
-            <a:endParaRPr lang="en-US" altLang="ko-KR" sz="3600" dirty="0">
-              <a:solidFill>
-                <a:schemeClr val="tx1">
-                  <a:lumMod val="50000"/>
-                  <a:lumOff val="50000"/>
-                </a:schemeClr>
-              </a:solidFill>
-              <a:latin typeface="G마켓 산스 Medium" panose="02000000000000000000" pitchFamily="50" charset="-127"/>
-              <a:ea typeface="G마켓 산스 Medium" panose="02000000000000000000" pitchFamily="50" charset="-127"/>
-            </a:endParaRPr>
           </a:p>
         </p:txBody>
       </p:sp>
@@ -22246,13 +21846,6 @@
   <p:clrMapOvr>
     <a:masterClrMapping/>
   </p:clrMapOvr>
-  <p:timing>
-    <p:tnLst>
-      <p:par>
-        <p:cTn id="1" dur="indefinite" restart="never" nodeType="tmRoot"/>
-      </p:par>
-    </p:tnLst>
-  </p:timing>
 </p:sld>
 </file>
 
@@ -22814,7 +22407,7 @@
           <p:cNvPr id="2" name="TextBox 1">
             <a:extLst>
               <a:ext uri="{FF2B5EF4-FFF2-40B4-BE49-F238E27FC236}">
-                <a16:creationId xmlns="" xmlns:a16="http://schemas.microsoft.com/office/drawing/2014/main" id="{715D88A2-BD52-978B-A00A-540446126E3D}"/>
+                <a16:creationId xmlns:a16="http://schemas.microsoft.com/office/drawing/2014/main" id="{715D88A2-BD52-978B-A00A-540446126E3D}"/>
               </a:ext>
             </a:extLst>
           </p:cNvPr>
@@ -22862,13 +22455,6 @@
   <p:clrMapOvr>
     <a:masterClrMapping/>
   </p:clrMapOvr>
-  <p:timing>
-    <p:tnLst>
-      <p:par>
-        <p:cTn id="1" dur="indefinite" restart="never" nodeType="tmRoot"/>
-      </p:par>
-    </p:tnLst>
-  </p:timing>
 </p:sld>
 </file>
 
@@ -22894,7 +22480,7 @@
           <p:cNvPr id="3" name="TextBox 2">
             <a:extLst>
               <a:ext uri="{FF2B5EF4-FFF2-40B4-BE49-F238E27FC236}">
-                <a16:creationId xmlns="" xmlns:a16="http://schemas.microsoft.com/office/drawing/2014/main" id="{D15853EE-94B0-D08B-DCB7-3381290CC3FF}"/>
+                <a16:creationId xmlns:a16="http://schemas.microsoft.com/office/drawing/2014/main" id="{D15853EE-94B0-D08B-DCB7-3381290CC3FF}"/>
               </a:ext>
             </a:extLst>
           </p:cNvPr>
@@ -22942,7 +22528,7 @@
           <p:cNvPr id="5" name="그룹 1018">
             <a:extLst>
               <a:ext uri="{FF2B5EF4-FFF2-40B4-BE49-F238E27FC236}">
-                <a16:creationId xmlns="" xmlns:a16="http://schemas.microsoft.com/office/drawing/2014/main" id="{F53BC57C-78A5-6AFC-CB34-7E3FD29B339F}"/>
+                <a16:creationId xmlns:a16="http://schemas.microsoft.com/office/drawing/2014/main" id="{F53BC57C-78A5-6AFC-CB34-7E3FD29B339F}"/>
               </a:ext>
             </a:extLst>
           </p:cNvPr>
@@ -22962,7 +22548,7 @@
             <p:cNvPr id="6" name="Object 61">
               <a:extLst>
                 <a:ext uri="{FF2B5EF4-FFF2-40B4-BE49-F238E27FC236}">
-                  <a16:creationId xmlns="" xmlns:a16="http://schemas.microsoft.com/office/drawing/2014/main" id="{E6F73685-14E5-06A9-813C-1C372BD6F4DE}"/>
+                  <a16:creationId xmlns:a16="http://schemas.microsoft.com/office/drawing/2014/main" id="{E6F73685-14E5-06A9-813C-1C372BD6F4DE}"/>
                 </a:ext>
               </a:extLst>
             </p:cNvPr>
@@ -22993,7 +22579,7 @@
           <p:cNvPr id="7" name="TextBox 6">
             <a:extLst>
               <a:ext uri="{FF2B5EF4-FFF2-40B4-BE49-F238E27FC236}">
-                <a16:creationId xmlns="" xmlns:a16="http://schemas.microsoft.com/office/drawing/2014/main" id="{A06D4055-10A8-4A24-5EDC-0761473BA40F}"/>
+                <a16:creationId xmlns:a16="http://schemas.microsoft.com/office/drawing/2014/main" id="{A06D4055-10A8-4A24-5EDC-0761473BA40F}"/>
               </a:ext>
             </a:extLst>
           </p:cNvPr>
@@ -23037,7 +22623,7 @@
           <p:cNvPr id="8" name="직선 연결선 7">
             <a:extLst>
               <a:ext uri="{FF2B5EF4-FFF2-40B4-BE49-F238E27FC236}">
-                <a16:creationId xmlns="" xmlns:a16="http://schemas.microsoft.com/office/drawing/2014/main" id="{1172879B-889D-0C2F-EEA8-003E6793F36F}"/>
+                <a16:creationId xmlns:a16="http://schemas.microsoft.com/office/drawing/2014/main" id="{1172879B-889D-0C2F-EEA8-003E6793F36F}"/>
               </a:ext>
             </a:extLst>
           </p:cNvPr>
@@ -23081,7 +22667,7 @@
           <p:cNvPr id="10" name="그룹 1018">
             <a:extLst>
               <a:ext uri="{FF2B5EF4-FFF2-40B4-BE49-F238E27FC236}">
-                <a16:creationId xmlns="" xmlns:a16="http://schemas.microsoft.com/office/drawing/2014/main" id="{F53BC57C-78A5-6AFC-CB34-7E3FD29B339F}"/>
+                <a16:creationId xmlns:a16="http://schemas.microsoft.com/office/drawing/2014/main" id="{F53BC57C-78A5-6AFC-CB34-7E3FD29B339F}"/>
               </a:ext>
             </a:extLst>
           </p:cNvPr>
@@ -23101,7 +22687,7 @@
             <p:cNvPr id="11" name="Object 61">
               <a:extLst>
                 <a:ext uri="{FF2B5EF4-FFF2-40B4-BE49-F238E27FC236}">
-                  <a16:creationId xmlns="" xmlns:a16="http://schemas.microsoft.com/office/drawing/2014/main" id="{E6F73685-14E5-06A9-813C-1C372BD6F4DE}"/>
+                  <a16:creationId xmlns:a16="http://schemas.microsoft.com/office/drawing/2014/main" id="{E6F73685-14E5-06A9-813C-1C372BD6F4DE}"/>
                 </a:ext>
               </a:extLst>
             </p:cNvPr>
@@ -23132,7 +22718,7 @@
           <p:cNvPr id="12" name="TextBox 11">
             <a:extLst>
               <a:ext uri="{FF2B5EF4-FFF2-40B4-BE49-F238E27FC236}">
-                <a16:creationId xmlns="" xmlns:a16="http://schemas.microsoft.com/office/drawing/2014/main" id="{A06D4055-10A8-4A24-5EDC-0761473BA40F}"/>
+                <a16:creationId xmlns:a16="http://schemas.microsoft.com/office/drawing/2014/main" id="{A06D4055-10A8-4A24-5EDC-0761473BA40F}"/>
               </a:ext>
             </a:extLst>
           </p:cNvPr>
@@ -23186,7 +22772,7 @@
           <p:cNvPr id="14" name="그룹 1018">
             <a:extLst>
               <a:ext uri="{FF2B5EF4-FFF2-40B4-BE49-F238E27FC236}">
-                <a16:creationId xmlns="" xmlns:a16="http://schemas.microsoft.com/office/drawing/2014/main" id="{F53BC57C-78A5-6AFC-CB34-7E3FD29B339F}"/>
+                <a16:creationId xmlns:a16="http://schemas.microsoft.com/office/drawing/2014/main" id="{F53BC57C-78A5-6AFC-CB34-7E3FD29B339F}"/>
               </a:ext>
             </a:extLst>
           </p:cNvPr>
@@ -23206,7 +22792,7 @@
             <p:cNvPr id="15" name="Object 61">
               <a:extLst>
                 <a:ext uri="{FF2B5EF4-FFF2-40B4-BE49-F238E27FC236}">
-                  <a16:creationId xmlns="" xmlns:a16="http://schemas.microsoft.com/office/drawing/2014/main" id="{E6F73685-14E5-06A9-813C-1C372BD6F4DE}"/>
+                  <a16:creationId xmlns:a16="http://schemas.microsoft.com/office/drawing/2014/main" id="{E6F73685-14E5-06A9-813C-1C372BD6F4DE}"/>
                 </a:ext>
               </a:extLst>
             </p:cNvPr>
@@ -23237,7 +22823,7 @@
           <p:cNvPr id="16" name="TextBox 15">
             <a:extLst>
               <a:ext uri="{FF2B5EF4-FFF2-40B4-BE49-F238E27FC236}">
-                <a16:creationId xmlns="" xmlns:a16="http://schemas.microsoft.com/office/drawing/2014/main" id="{A06D4055-10A8-4A24-5EDC-0761473BA40F}"/>
+                <a16:creationId xmlns:a16="http://schemas.microsoft.com/office/drawing/2014/main" id="{A06D4055-10A8-4A24-5EDC-0761473BA40F}"/>
               </a:ext>
             </a:extLst>
           </p:cNvPr>
@@ -23291,7 +22877,7 @@
           <p:cNvPr id="17" name="그룹 1018">
             <a:extLst>
               <a:ext uri="{FF2B5EF4-FFF2-40B4-BE49-F238E27FC236}">
-                <a16:creationId xmlns="" xmlns:a16="http://schemas.microsoft.com/office/drawing/2014/main" id="{F53BC57C-78A5-6AFC-CB34-7E3FD29B339F}"/>
+                <a16:creationId xmlns:a16="http://schemas.microsoft.com/office/drawing/2014/main" id="{F53BC57C-78A5-6AFC-CB34-7E3FD29B339F}"/>
               </a:ext>
             </a:extLst>
           </p:cNvPr>
@@ -23311,7 +22897,7 @@
             <p:cNvPr id="18" name="Object 61">
               <a:extLst>
                 <a:ext uri="{FF2B5EF4-FFF2-40B4-BE49-F238E27FC236}">
-                  <a16:creationId xmlns="" xmlns:a16="http://schemas.microsoft.com/office/drawing/2014/main" id="{E6F73685-14E5-06A9-813C-1C372BD6F4DE}"/>
+                  <a16:creationId xmlns:a16="http://schemas.microsoft.com/office/drawing/2014/main" id="{E6F73685-14E5-06A9-813C-1C372BD6F4DE}"/>
                 </a:ext>
               </a:extLst>
             </p:cNvPr>
@@ -23342,7 +22928,7 @@
           <p:cNvPr id="19" name="TextBox 18">
             <a:extLst>
               <a:ext uri="{FF2B5EF4-FFF2-40B4-BE49-F238E27FC236}">
-                <a16:creationId xmlns="" xmlns:a16="http://schemas.microsoft.com/office/drawing/2014/main" id="{A06D4055-10A8-4A24-5EDC-0761473BA40F}"/>
+                <a16:creationId xmlns:a16="http://schemas.microsoft.com/office/drawing/2014/main" id="{A06D4055-10A8-4A24-5EDC-0761473BA40F}"/>
               </a:ext>
             </a:extLst>
           </p:cNvPr>
@@ -23396,7 +22982,7 @@
           <p:cNvPr id="20" name="직선 연결선 19">
             <a:extLst>
               <a:ext uri="{FF2B5EF4-FFF2-40B4-BE49-F238E27FC236}">
-                <a16:creationId xmlns="" xmlns:a16="http://schemas.microsoft.com/office/drawing/2014/main" id="{1172879B-889D-0C2F-EEA8-003E6793F36F}"/>
+                <a16:creationId xmlns:a16="http://schemas.microsoft.com/office/drawing/2014/main" id="{1172879B-889D-0C2F-EEA8-003E6793F36F}"/>
               </a:ext>
             </a:extLst>
           </p:cNvPr>
@@ -23441,7 +23027,7 @@
           <p:cNvPr id="23" name="직선 연결선 22">
             <a:extLst>
               <a:ext uri="{FF2B5EF4-FFF2-40B4-BE49-F238E27FC236}">
-                <a16:creationId xmlns="" xmlns:a16="http://schemas.microsoft.com/office/drawing/2014/main" id="{1172879B-889D-0C2F-EEA8-003E6793F36F}"/>
+                <a16:creationId xmlns:a16="http://schemas.microsoft.com/office/drawing/2014/main" id="{1172879B-889D-0C2F-EEA8-003E6793F36F}"/>
               </a:ext>
             </a:extLst>
           </p:cNvPr>
@@ -23486,7 +23072,7 @@
           <p:cNvPr id="26" name="직선 연결선 25">
             <a:extLst>
               <a:ext uri="{FF2B5EF4-FFF2-40B4-BE49-F238E27FC236}">
-                <a16:creationId xmlns="" xmlns:a16="http://schemas.microsoft.com/office/drawing/2014/main" id="{1172879B-889D-0C2F-EEA8-003E6793F36F}"/>
+                <a16:creationId xmlns:a16="http://schemas.microsoft.com/office/drawing/2014/main" id="{1172879B-889D-0C2F-EEA8-003E6793F36F}"/>
               </a:ext>
             </a:extLst>
           </p:cNvPr>
@@ -23531,7 +23117,7 @@
           <p:cNvPr id="27" name="그룹 1018">
             <a:extLst>
               <a:ext uri="{FF2B5EF4-FFF2-40B4-BE49-F238E27FC236}">
-                <a16:creationId xmlns="" xmlns:a16="http://schemas.microsoft.com/office/drawing/2014/main" id="{F53BC57C-78A5-6AFC-CB34-7E3FD29B339F}"/>
+                <a16:creationId xmlns:a16="http://schemas.microsoft.com/office/drawing/2014/main" id="{F53BC57C-78A5-6AFC-CB34-7E3FD29B339F}"/>
               </a:ext>
             </a:extLst>
           </p:cNvPr>
@@ -23551,7 +23137,7 @@
             <p:cNvPr id="28" name="Object 61">
               <a:extLst>
                 <a:ext uri="{FF2B5EF4-FFF2-40B4-BE49-F238E27FC236}">
-                  <a16:creationId xmlns="" xmlns:a16="http://schemas.microsoft.com/office/drawing/2014/main" id="{E6F73685-14E5-06A9-813C-1C372BD6F4DE}"/>
+                  <a16:creationId xmlns:a16="http://schemas.microsoft.com/office/drawing/2014/main" id="{E6F73685-14E5-06A9-813C-1C372BD6F4DE}"/>
                 </a:ext>
               </a:extLst>
             </p:cNvPr>
@@ -23582,7 +23168,7 @@
           <p:cNvPr id="29" name="TextBox 28">
             <a:extLst>
               <a:ext uri="{FF2B5EF4-FFF2-40B4-BE49-F238E27FC236}">
-                <a16:creationId xmlns="" xmlns:a16="http://schemas.microsoft.com/office/drawing/2014/main" id="{A06D4055-10A8-4A24-5EDC-0761473BA40F}"/>
+                <a16:creationId xmlns:a16="http://schemas.microsoft.com/office/drawing/2014/main" id="{A06D4055-10A8-4A24-5EDC-0761473BA40F}"/>
               </a:ext>
             </a:extLst>
           </p:cNvPr>
@@ -23642,7 +23228,7 @@
           <p:cNvPr id="30" name="직선 연결선 29">
             <a:extLst>
               <a:ext uri="{FF2B5EF4-FFF2-40B4-BE49-F238E27FC236}">
-                <a16:creationId xmlns="" xmlns:a16="http://schemas.microsoft.com/office/drawing/2014/main" id="{1172879B-889D-0C2F-EEA8-003E6793F36F}"/>
+                <a16:creationId xmlns:a16="http://schemas.microsoft.com/office/drawing/2014/main" id="{1172879B-889D-0C2F-EEA8-003E6793F36F}"/>
               </a:ext>
             </a:extLst>
           </p:cNvPr>
@@ -23687,7 +23273,7 @@
           <p:cNvPr id="31" name="그룹 1018">
             <a:extLst>
               <a:ext uri="{FF2B5EF4-FFF2-40B4-BE49-F238E27FC236}">
-                <a16:creationId xmlns="" xmlns:a16="http://schemas.microsoft.com/office/drawing/2014/main" id="{F53BC57C-78A5-6AFC-CB34-7E3FD29B339F}"/>
+                <a16:creationId xmlns:a16="http://schemas.microsoft.com/office/drawing/2014/main" id="{F53BC57C-78A5-6AFC-CB34-7E3FD29B339F}"/>
               </a:ext>
             </a:extLst>
           </p:cNvPr>
@@ -23707,7 +23293,7 @@
             <p:cNvPr id="32" name="Object 61">
               <a:extLst>
                 <a:ext uri="{FF2B5EF4-FFF2-40B4-BE49-F238E27FC236}">
-                  <a16:creationId xmlns="" xmlns:a16="http://schemas.microsoft.com/office/drawing/2014/main" id="{E6F73685-14E5-06A9-813C-1C372BD6F4DE}"/>
+                  <a16:creationId xmlns:a16="http://schemas.microsoft.com/office/drawing/2014/main" id="{E6F73685-14E5-06A9-813C-1C372BD6F4DE}"/>
                 </a:ext>
               </a:extLst>
             </p:cNvPr>
@@ -23738,7 +23324,7 @@
           <p:cNvPr id="33" name="TextBox 32">
             <a:extLst>
               <a:ext uri="{FF2B5EF4-FFF2-40B4-BE49-F238E27FC236}">
-                <a16:creationId xmlns="" xmlns:a16="http://schemas.microsoft.com/office/drawing/2014/main" id="{A06D4055-10A8-4A24-5EDC-0761473BA40F}"/>
+                <a16:creationId xmlns:a16="http://schemas.microsoft.com/office/drawing/2014/main" id="{A06D4055-10A8-4A24-5EDC-0761473BA40F}"/>
               </a:ext>
             </a:extLst>
           </p:cNvPr>
@@ -23792,7 +23378,7 @@
           <p:cNvPr id="34" name="직선 연결선 33">
             <a:extLst>
               <a:ext uri="{FF2B5EF4-FFF2-40B4-BE49-F238E27FC236}">
-                <a16:creationId xmlns="" xmlns:a16="http://schemas.microsoft.com/office/drawing/2014/main" id="{1172879B-889D-0C2F-EEA8-003E6793F36F}"/>
+                <a16:creationId xmlns:a16="http://schemas.microsoft.com/office/drawing/2014/main" id="{1172879B-889D-0C2F-EEA8-003E6793F36F}"/>
               </a:ext>
             </a:extLst>
           </p:cNvPr>
@@ -23837,7 +23423,7 @@
           <p:cNvPr id="35" name="그룹 1018">
             <a:extLst>
               <a:ext uri="{FF2B5EF4-FFF2-40B4-BE49-F238E27FC236}">
-                <a16:creationId xmlns="" xmlns:a16="http://schemas.microsoft.com/office/drawing/2014/main" id="{F53BC57C-78A5-6AFC-CB34-7E3FD29B339F}"/>
+                <a16:creationId xmlns:a16="http://schemas.microsoft.com/office/drawing/2014/main" id="{F53BC57C-78A5-6AFC-CB34-7E3FD29B339F}"/>
               </a:ext>
             </a:extLst>
           </p:cNvPr>
@@ -23857,7 +23443,7 @@
             <p:cNvPr id="36" name="Object 61">
               <a:extLst>
                 <a:ext uri="{FF2B5EF4-FFF2-40B4-BE49-F238E27FC236}">
-                  <a16:creationId xmlns="" xmlns:a16="http://schemas.microsoft.com/office/drawing/2014/main" id="{E6F73685-14E5-06A9-813C-1C372BD6F4DE}"/>
+                  <a16:creationId xmlns:a16="http://schemas.microsoft.com/office/drawing/2014/main" id="{E6F73685-14E5-06A9-813C-1C372BD6F4DE}"/>
                 </a:ext>
               </a:extLst>
             </p:cNvPr>
@@ -23888,7 +23474,7 @@
           <p:cNvPr id="37" name="TextBox 36">
             <a:extLst>
               <a:ext uri="{FF2B5EF4-FFF2-40B4-BE49-F238E27FC236}">
-                <a16:creationId xmlns="" xmlns:a16="http://schemas.microsoft.com/office/drawing/2014/main" id="{A06D4055-10A8-4A24-5EDC-0761473BA40F}"/>
+                <a16:creationId xmlns:a16="http://schemas.microsoft.com/office/drawing/2014/main" id="{A06D4055-10A8-4A24-5EDC-0761473BA40F}"/>
               </a:ext>
             </a:extLst>
           </p:cNvPr>
@@ -24268,7 +23854,7 @@
           <p:cNvPr id="4" name="TextBox 3">
             <a:extLst>
               <a:ext uri="{FF2B5EF4-FFF2-40B4-BE49-F238E27FC236}">
-                <a16:creationId xmlns="" xmlns:a16="http://schemas.microsoft.com/office/drawing/2014/main" id="{D15853EE-94B0-D08B-DCB7-3381290CC3FF}"/>
+                <a16:creationId xmlns:a16="http://schemas.microsoft.com/office/drawing/2014/main" id="{D15853EE-94B0-D08B-DCB7-3381290CC3FF}"/>
               </a:ext>
             </a:extLst>
           </p:cNvPr>
@@ -24422,7 +24008,7 @@
           <p:cNvPr id="3" name="그림 2">
             <a:extLst>
               <a:ext uri="{FF2B5EF4-FFF2-40B4-BE49-F238E27FC236}">
-                <a16:creationId xmlns="" xmlns:a16="http://schemas.microsoft.com/office/drawing/2014/main" id="{5FBA39C2-1CDB-D659-3B42-CB064BD4B62E}"/>
+                <a16:creationId xmlns:a16="http://schemas.microsoft.com/office/drawing/2014/main" id="{5FBA39C2-1CDB-D659-3B42-CB064BD4B62E}"/>
               </a:ext>
             </a:extLst>
           </p:cNvPr>
@@ -24452,7 +24038,7 @@
           <p:cNvPr id="10" name="그림 9">
             <a:extLst>
               <a:ext uri="{FF2B5EF4-FFF2-40B4-BE49-F238E27FC236}">
-                <a16:creationId xmlns="" xmlns:a16="http://schemas.microsoft.com/office/drawing/2014/main" id="{9CEEF8E7-836B-510B-B344-E972EC8AEA01}"/>
+                <a16:creationId xmlns:a16="http://schemas.microsoft.com/office/drawing/2014/main" id="{9CEEF8E7-836B-510B-B344-E972EC8AEA01}"/>
               </a:ext>
             </a:extLst>
           </p:cNvPr>
@@ -24482,7 +24068,7 @@
           <p:cNvPr id="11" name="TextBox 10">
             <a:extLst>
               <a:ext uri="{FF2B5EF4-FFF2-40B4-BE49-F238E27FC236}">
-                <a16:creationId xmlns="" xmlns:a16="http://schemas.microsoft.com/office/drawing/2014/main" id="{9957F764-DB13-DDF4-AD27-CC5DBC6B463B}"/>
+                <a16:creationId xmlns:a16="http://schemas.microsoft.com/office/drawing/2014/main" id="{9957F764-DB13-DDF4-AD27-CC5DBC6B463B}"/>
               </a:ext>
             </a:extLst>
           </p:cNvPr>
@@ -24776,7 +24362,7 @@
           <p:cNvPr id="4" name="TextBox 3">
             <a:extLst>
               <a:ext uri="{FF2B5EF4-FFF2-40B4-BE49-F238E27FC236}">
-                <a16:creationId xmlns="" xmlns:a16="http://schemas.microsoft.com/office/drawing/2014/main" id="{D15853EE-94B0-D08B-DCB7-3381290CC3FF}"/>
+                <a16:creationId xmlns:a16="http://schemas.microsoft.com/office/drawing/2014/main" id="{D15853EE-94B0-D08B-DCB7-3381290CC3FF}"/>
               </a:ext>
             </a:extLst>
           </p:cNvPr>
@@ -24844,7 +24430,7 @@
           <p:cNvPr id="2" name="TextBox 1">
             <a:extLst>
               <a:ext uri="{FF2B5EF4-FFF2-40B4-BE49-F238E27FC236}">
-                <a16:creationId xmlns="" xmlns:a16="http://schemas.microsoft.com/office/drawing/2014/main" id="{F1C19F05-6E0F-C7F2-B0AC-32BC391E1A0D}"/>
+                <a16:creationId xmlns:a16="http://schemas.microsoft.com/office/drawing/2014/main" id="{F1C19F05-6E0F-C7F2-B0AC-32BC391E1A0D}"/>
               </a:ext>
             </a:extLst>
           </p:cNvPr>
@@ -25149,13 +24735,6 @@
   <p:clrMapOvr>
     <a:masterClrMapping/>
   </p:clrMapOvr>
-  <p:timing>
-    <p:tnLst>
-      <p:par>
-        <p:cTn id="1" dur="indefinite" restart="never" nodeType="tmRoot"/>
-      </p:par>
-    </p:tnLst>
-  </p:timing>
 </p:sld>
 </file>
 
@@ -25369,7 +24948,7 @@
           <p:cNvPr id="2" name="TextBox 1">
             <a:extLst>
               <a:ext uri="{FF2B5EF4-FFF2-40B4-BE49-F238E27FC236}">
-                <a16:creationId xmlns="" xmlns:a16="http://schemas.microsoft.com/office/drawing/2014/main" id="{76F36AE5-79B5-0B9F-E510-1C27AAC4B649}"/>
+                <a16:creationId xmlns:a16="http://schemas.microsoft.com/office/drawing/2014/main" id="{76F36AE5-79B5-0B9F-E510-1C27AAC4B649}"/>
               </a:ext>
             </a:extLst>
           </p:cNvPr>
@@ -25393,7 +24972,7 @@
           <a:lstStyle/>
           <a:p>
             <a:r>
-              <a:rPr lang="ko-KR" altLang="en-US" sz="6600" smtClean="0">
+              <a:rPr lang="ko-KR" altLang="en-US" sz="6600">
                 <a:solidFill>
                   <a:schemeClr val="bg1"/>
                 </a:solidFill>
@@ -25422,13 +25001,6 @@
   <p:clrMapOvr>
     <a:masterClrMapping/>
   </p:clrMapOvr>
-  <p:timing>
-    <p:tnLst>
-      <p:par>
-        <p:cTn id="1" dur="indefinite" restart="never" nodeType="tmRoot"/>
-      </p:par>
-    </p:tnLst>
-  </p:timing>
 </p:sld>
 </file>
 

--- a/JavaLecture/LectureFile/java 12강 예외처리.pptx
+++ b/JavaLecture/LectureFile/java 12강 예외처리.pptx
@@ -265,7 +265,7 @@
           <a:p>
             <a:fld id="{D79F2C30-10E1-4C46-91DC-BBDB9629E720}" type="datetimeFigureOut">
               <a:rPr lang="ko-KR" altLang="en-US" smtClean="0"/>
-              <a:t>2023-11-05</a:t>
+              <a:t>2024-04-06 Saturday</a:t>
             </a:fld>
             <a:endParaRPr lang="ko-KR" altLang="en-US"/>
           </a:p>
@@ -725,7 +725,7 @@
           <a:p>
             <a:fld id="{F8166F1F-CE9B-4651-A6AA-CD717754106B}" type="datetimeFigureOut">
               <a:rPr lang="en-US" smtClean="0"/>
-              <a:t>11/5/2023</a:t>
+              <a:t>4/6/2024</a:t>
             </a:fld>
             <a:endParaRPr lang="en-US"/>
           </a:p>
@@ -928,7 +928,7 @@
           <a:p>
             <a:fld id="{A76116CE-C4A3-4A05-B2D7-7C2E9A889C0F}" type="datetimeFigureOut">
               <a:rPr lang="en-US" smtClean="0"/>
-              <a:t>11/5/2023</a:t>
+              <a:t>4/6/2024</a:t>
             </a:fld>
             <a:endParaRPr lang="en-US"/>
           </a:p>
@@ -1131,7 +1131,7 @@
           <a:p>
             <a:fld id="{A76116CE-C4A3-4A05-B2D7-7C2E9A889C0F}" type="datetimeFigureOut">
               <a:rPr lang="en-US" smtClean="0"/>
-              <a:t>11/5/2023</a:t>
+              <a:t>4/6/2024</a:t>
             </a:fld>
             <a:endParaRPr lang="en-US"/>
           </a:p>
@@ -1336,7 +1336,7 @@
           <a:p>
             <a:fld id="{A76116CE-C4A3-4A05-B2D7-7C2E9A889C0F}" type="datetimeFigureOut">
               <a:rPr lang="en-US" smtClean="0"/>
-              <a:t>11/5/2023</a:t>
+              <a:t>4/6/2024</a:t>
             </a:fld>
             <a:endParaRPr lang="en-US"/>
           </a:p>
@@ -1606,7 +1606,7 @@
           <a:p>
             <a:fld id="{A76116CE-C4A3-4A05-B2D7-7C2E9A889C0F}" type="datetimeFigureOut">
               <a:rPr lang="en-US" smtClean="0"/>
-              <a:t>11/5/2023</a:t>
+              <a:t>4/6/2024</a:t>
             </a:fld>
             <a:endParaRPr lang="en-US"/>
           </a:p>
@@ -1924,7 +1924,7 @@
           <a:p>
             <a:fld id="{A76116CE-C4A3-4A05-B2D7-7C2E9A889C0F}" type="datetimeFigureOut">
               <a:rPr lang="en-US" smtClean="0"/>
-              <a:t>11/5/2023</a:t>
+              <a:t>4/6/2024</a:t>
             </a:fld>
             <a:endParaRPr lang="en-US"/>
           </a:p>
@@ -2382,7 +2382,7 @@
           <a:p>
             <a:fld id="{A76116CE-C4A3-4A05-B2D7-7C2E9A889C0F}" type="datetimeFigureOut">
               <a:rPr lang="en-US" smtClean="0"/>
-              <a:t>11/5/2023</a:t>
+              <a:t>4/6/2024</a:t>
             </a:fld>
             <a:endParaRPr lang="en-US"/>
           </a:p>
@@ -2526,7 +2526,7 @@
           <a:p>
             <a:fld id="{A76116CE-C4A3-4A05-B2D7-7C2E9A889C0F}" type="datetimeFigureOut">
               <a:rPr lang="en-US" smtClean="0"/>
-              <a:t>11/5/2023</a:t>
+              <a:t>4/6/2024</a:t>
             </a:fld>
             <a:endParaRPr lang="en-US"/>
           </a:p>
@@ -2640,7 +2640,7 @@
           <a:p>
             <a:fld id="{A76116CE-C4A3-4A05-B2D7-7C2E9A889C0F}" type="datetimeFigureOut">
               <a:rPr lang="en-US" smtClean="0"/>
-              <a:t>11/5/2023</a:t>
+              <a:t>4/6/2024</a:t>
             </a:fld>
             <a:endParaRPr lang="en-US"/>
           </a:p>
@@ -2943,7 +2943,7 @@
           <a:p>
             <a:fld id="{A76116CE-C4A3-4A05-B2D7-7C2E9A889C0F}" type="datetimeFigureOut">
               <a:rPr lang="en-US" smtClean="0"/>
-              <a:t>11/5/2023</a:t>
+              <a:t>4/6/2024</a:t>
             </a:fld>
             <a:endParaRPr lang="en-US"/>
           </a:p>
@@ -3223,7 +3223,7 @@
           <a:p>
             <a:fld id="{A76116CE-C4A3-4A05-B2D7-7C2E9A889C0F}" type="datetimeFigureOut">
               <a:rPr lang="en-US" smtClean="0"/>
-              <a:t>11/5/2023</a:t>
+              <a:t>4/6/2024</a:t>
             </a:fld>
             <a:endParaRPr lang="en-US"/>
           </a:p>
@@ -3981,7 +3981,7 @@
           <p:cNvPr id="2" name="TextBox 1">
             <a:extLst>
               <a:ext uri="{FF2B5EF4-FFF2-40B4-BE49-F238E27FC236}">
-                <a16:creationId xmlns:a16="http://schemas.microsoft.com/office/drawing/2014/main" xmlns="" id="{E9A453A8-9968-67AB-7B4A-83EEB4662AA6}"/>
+                <a16:creationId xmlns:a16="http://schemas.microsoft.com/office/drawing/2014/main" id="{E9A453A8-9968-67AB-7B4A-83EEB4662AA6}"/>
               </a:ext>
             </a:extLst>
           </p:cNvPr>
@@ -4029,7 +4029,7 @@
           <p:cNvPr id="4" name="TextBox 3">
             <a:extLst>
               <a:ext uri="{FF2B5EF4-FFF2-40B4-BE49-F238E27FC236}">
-                <a16:creationId xmlns:a16="http://schemas.microsoft.com/office/drawing/2014/main" xmlns="" id="{F4B7A35A-8AAC-4622-64BC-CAD1472D4115}"/>
+                <a16:creationId xmlns:a16="http://schemas.microsoft.com/office/drawing/2014/main" id="{F4B7A35A-8AAC-4622-64BC-CAD1472D4115}"/>
               </a:ext>
             </a:extLst>
           </p:cNvPr>
@@ -4101,7 +4101,7 @@
           <p:cNvPr id="7" name="TextBox 6">
             <a:extLst>
               <a:ext uri="{FF2B5EF4-FFF2-40B4-BE49-F238E27FC236}">
-                <a16:creationId xmlns:a16="http://schemas.microsoft.com/office/drawing/2014/main" xmlns="" id="{3ACE900A-D779-4343-6623-8588B376F0A1}"/>
+                <a16:creationId xmlns:a16="http://schemas.microsoft.com/office/drawing/2014/main" id="{3ACE900A-D779-4343-6623-8588B376F0A1}"/>
               </a:ext>
             </a:extLst>
           </p:cNvPr>
@@ -4165,7 +4165,7 @@
           <p:cNvPr id="5" name="TextBox 4">
             <a:extLst>
               <a:ext uri="{FF2B5EF4-FFF2-40B4-BE49-F238E27FC236}">
-                <a16:creationId xmlns:a16="http://schemas.microsoft.com/office/drawing/2014/main" xmlns="" id="{1583823F-6E16-B4AA-2A3D-AE935DD9603F}"/>
+                <a16:creationId xmlns:a16="http://schemas.microsoft.com/office/drawing/2014/main" id="{1583823F-6E16-B4AA-2A3D-AE935DD9603F}"/>
               </a:ext>
             </a:extLst>
           </p:cNvPr>
@@ -4222,7 +4222,7 @@
           <p:cNvPr id="7" name="그림 6">
             <a:extLst>
               <a:ext uri="{FF2B5EF4-FFF2-40B4-BE49-F238E27FC236}">
-                <a16:creationId xmlns:a16="http://schemas.microsoft.com/office/drawing/2014/main" xmlns="" id="{3B212094-C9D2-02F2-1B77-8C804582E345}"/>
+                <a16:creationId xmlns:a16="http://schemas.microsoft.com/office/drawing/2014/main" id="{3B212094-C9D2-02F2-1B77-8C804582E345}"/>
               </a:ext>
             </a:extLst>
           </p:cNvPr>
@@ -4252,7 +4252,7 @@
           <p:cNvPr id="9" name="그림 8">
             <a:extLst>
               <a:ext uri="{FF2B5EF4-FFF2-40B4-BE49-F238E27FC236}">
-                <a16:creationId xmlns:a16="http://schemas.microsoft.com/office/drawing/2014/main" xmlns="" id="{CE1B1B75-9AB2-2013-BB6F-0143935009FC}"/>
+                <a16:creationId xmlns:a16="http://schemas.microsoft.com/office/drawing/2014/main" id="{CE1B1B75-9AB2-2013-BB6F-0143935009FC}"/>
               </a:ext>
             </a:extLst>
           </p:cNvPr>
@@ -4282,7 +4282,7 @@
           <p:cNvPr id="10" name="직선 화살표 연결선 9">
             <a:extLst>
               <a:ext uri="{FF2B5EF4-FFF2-40B4-BE49-F238E27FC236}">
-                <a16:creationId xmlns:a16="http://schemas.microsoft.com/office/drawing/2014/main" xmlns="" id="{19469B41-CB1D-4442-AE4F-439C343DFFDD}"/>
+                <a16:creationId xmlns:a16="http://schemas.microsoft.com/office/drawing/2014/main" id="{19469B41-CB1D-4442-AE4F-439C343DFFDD}"/>
               </a:ext>
             </a:extLst>
           </p:cNvPr>
@@ -4323,7 +4323,7 @@
           <p:cNvPr id="11" name="직사각형 10">
             <a:extLst>
               <a:ext uri="{FF2B5EF4-FFF2-40B4-BE49-F238E27FC236}">
-                <a16:creationId xmlns:a16="http://schemas.microsoft.com/office/drawing/2014/main" xmlns="" id="{FFF7D7ED-FFE5-7940-8928-098E763BE29A}"/>
+                <a16:creationId xmlns:a16="http://schemas.microsoft.com/office/drawing/2014/main" id="{FFF7D7ED-FFE5-7940-8928-098E763BE29A}"/>
               </a:ext>
             </a:extLst>
           </p:cNvPr>
@@ -4375,7 +4375,7 @@
           <p:cNvPr id="12" name="TextBox 11">
             <a:extLst>
               <a:ext uri="{FF2B5EF4-FFF2-40B4-BE49-F238E27FC236}">
-                <a16:creationId xmlns:a16="http://schemas.microsoft.com/office/drawing/2014/main" xmlns="" id="{528FEE32-966C-754B-FA30-4B36778FD805}"/>
+                <a16:creationId xmlns:a16="http://schemas.microsoft.com/office/drawing/2014/main" id="{528FEE32-966C-754B-FA30-4B36778FD805}"/>
               </a:ext>
             </a:extLst>
           </p:cNvPr>
@@ -4433,7 +4433,7 @@
           <p:cNvPr id="13" name="TextBox 12">
             <a:extLst>
               <a:ext uri="{FF2B5EF4-FFF2-40B4-BE49-F238E27FC236}">
-                <a16:creationId xmlns:a16="http://schemas.microsoft.com/office/drawing/2014/main" xmlns="" id="{69196D22-2A4C-4EF6-5A42-2031D7FEF549}"/>
+                <a16:creationId xmlns:a16="http://schemas.microsoft.com/office/drawing/2014/main" id="{69196D22-2A4C-4EF6-5A42-2031D7FEF549}"/>
               </a:ext>
             </a:extLst>
           </p:cNvPr>
@@ -4457,7 +4457,7 @@
           <a:lstStyle/>
           <a:p>
             <a:r>
-              <a:rPr lang="en-US" altLang="ko-KR" sz="5400" spc="-300" smtClean="0">
+              <a:rPr lang="en-US" altLang="ko-KR" sz="5400" spc="-300">
                 <a:solidFill>
                   <a:srgbClr val="4C50BC"/>
                 </a:solidFill>
@@ -4467,7 +4467,7 @@
               <a:t>try catch</a:t>
             </a:r>
             <a:r>
-              <a:rPr lang="ko-KR" altLang="en-US" sz="5400" spc="-300" smtClean="0">
+              <a:rPr lang="ko-KR" altLang="en-US" sz="5400" spc="-300">
                 <a:solidFill>
                   <a:srgbClr val="4C50BC"/>
                 </a:solidFill>
@@ -4491,7 +4491,7 @@
           <p:cNvPr id="14" name="직선 연결선 13">
             <a:extLst>
               <a:ext uri="{FF2B5EF4-FFF2-40B4-BE49-F238E27FC236}">
-                <a16:creationId xmlns:a16="http://schemas.microsoft.com/office/drawing/2014/main" xmlns="" id="{DDFA97EB-659B-5D0A-D41B-496A6FF66D9E}"/>
+                <a16:creationId xmlns:a16="http://schemas.microsoft.com/office/drawing/2014/main" id="{DDFA97EB-659B-5D0A-D41B-496A6FF66D9E}"/>
               </a:ext>
             </a:extLst>
           </p:cNvPr>
@@ -4697,7 +4697,7 @@
           <p:cNvPr id="5" name="그림 4">
             <a:extLst>
               <a:ext uri="{FF2B5EF4-FFF2-40B4-BE49-F238E27FC236}">
-                <a16:creationId xmlns:a16="http://schemas.microsoft.com/office/drawing/2014/main" xmlns="" id="{55162697-71CD-91B7-355A-FF15A0905044}"/>
+                <a16:creationId xmlns:a16="http://schemas.microsoft.com/office/drawing/2014/main" id="{55162697-71CD-91B7-355A-FF15A0905044}"/>
               </a:ext>
             </a:extLst>
           </p:cNvPr>
@@ -4727,7 +4727,7 @@
           <p:cNvPr id="6" name="TextBox 5">
             <a:extLst>
               <a:ext uri="{FF2B5EF4-FFF2-40B4-BE49-F238E27FC236}">
-                <a16:creationId xmlns:a16="http://schemas.microsoft.com/office/drawing/2014/main" xmlns="" id="{842ED589-6A4E-CC1A-50B8-343A67912051}"/>
+                <a16:creationId xmlns:a16="http://schemas.microsoft.com/office/drawing/2014/main" id="{842ED589-6A4E-CC1A-50B8-343A67912051}"/>
               </a:ext>
             </a:extLst>
           </p:cNvPr>
@@ -4805,7 +4805,7 @@
           <p:cNvPr id="7" name="직선 화살표 연결선 6">
             <a:extLst>
               <a:ext uri="{FF2B5EF4-FFF2-40B4-BE49-F238E27FC236}">
-                <a16:creationId xmlns:a16="http://schemas.microsoft.com/office/drawing/2014/main" xmlns="" id="{78350CA7-7D9E-D5BC-71A2-76542762DA7E}"/>
+                <a16:creationId xmlns:a16="http://schemas.microsoft.com/office/drawing/2014/main" id="{78350CA7-7D9E-D5BC-71A2-76542762DA7E}"/>
               </a:ext>
             </a:extLst>
           </p:cNvPr>
@@ -4846,7 +4846,7 @@
           <p:cNvPr id="8" name="직사각형 7">
             <a:extLst>
               <a:ext uri="{FF2B5EF4-FFF2-40B4-BE49-F238E27FC236}">
-                <a16:creationId xmlns:a16="http://schemas.microsoft.com/office/drawing/2014/main" xmlns="" id="{33193D77-5A18-A0DA-BB53-F16BFE75FA0E}"/>
+                <a16:creationId xmlns:a16="http://schemas.microsoft.com/office/drawing/2014/main" id="{33193D77-5A18-A0DA-BB53-F16BFE75FA0E}"/>
               </a:ext>
             </a:extLst>
           </p:cNvPr>
@@ -4898,7 +4898,7 @@
           <p:cNvPr id="9" name="TextBox 8">
             <a:extLst>
               <a:ext uri="{FF2B5EF4-FFF2-40B4-BE49-F238E27FC236}">
-                <a16:creationId xmlns:a16="http://schemas.microsoft.com/office/drawing/2014/main" xmlns="" id="{C6164B7A-CA1C-488F-8ABC-692B60D8B6B5}"/>
+                <a16:creationId xmlns:a16="http://schemas.microsoft.com/office/drawing/2014/main" id="{C6164B7A-CA1C-488F-8ABC-692B60D8B6B5}"/>
               </a:ext>
             </a:extLst>
           </p:cNvPr>
@@ -4946,7 +4946,7 @@
           <p:cNvPr id="13" name="TextBox 12">
             <a:extLst>
               <a:ext uri="{FF2B5EF4-FFF2-40B4-BE49-F238E27FC236}">
-                <a16:creationId xmlns:a16="http://schemas.microsoft.com/office/drawing/2014/main" xmlns="" id="{EB114B2D-5101-9468-FBA4-85DE6949CD2E}"/>
+                <a16:creationId xmlns:a16="http://schemas.microsoft.com/office/drawing/2014/main" id="{EB114B2D-5101-9468-FBA4-85DE6949CD2E}"/>
               </a:ext>
             </a:extLst>
           </p:cNvPr>
@@ -5004,7 +5004,7 @@
           <p:cNvPr id="14" name="직선 화살표 연결선 13">
             <a:extLst>
               <a:ext uri="{FF2B5EF4-FFF2-40B4-BE49-F238E27FC236}">
-                <a16:creationId xmlns:a16="http://schemas.microsoft.com/office/drawing/2014/main" xmlns="" id="{02FD05C8-47C0-8BD0-E666-89DB9DE9F93D}"/>
+                <a16:creationId xmlns:a16="http://schemas.microsoft.com/office/drawing/2014/main" id="{02FD05C8-47C0-8BD0-E666-89DB9DE9F93D}"/>
               </a:ext>
             </a:extLst>
           </p:cNvPr>
@@ -5045,7 +5045,7 @@
           <p:cNvPr id="16" name="직선 화살표 연결선 15">
             <a:extLst>
               <a:ext uri="{FF2B5EF4-FFF2-40B4-BE49-F238E27FC236}">
-                <a16:creationId xmlns:a16="http://schemas.microsoft.com/office/drawing/2014/main" xmlns="" id="{DAE50015-329C-E6CE-9C9A-64E4EC165251}"/>
+                <a16:creationId xmlns:a16="http://schemas.microsoft.com/office/drawing/2014/main" id="{DAE50015-329C-E6CE-9C9A-64E4EC165251}"/>
               </a:ext>
             </a:extLst>
           </p:cNvPr>
@@ -5355,7 +5355,7 @@
           <p:cNvPr id="7" name="직선 화살표 연결선 6">
             <a:extLst>
               <a:ext uri="{FF2B5EF4-FFF2-40B4-BE49-F238E27FC236}">
-                <a16:creationId xmlns:a16="http://schemas.microsoft.com/office/drawing/2014/main" xmlns="" id="{299DF5EC-9DF4-5255-06AC-0A7CE4FF58C3}"/>
+                <a16:creationId xmlns:a16="http://schemas.microsoft.com/office/drawing/2014/main" id="{299DF5EC-9DF4-5255-06AC-0A7CE4FF58C3}"/>
               </a:ext>
             </a:extLst>
           </p:cNvPr>
@@ -5420,7 +5420,7 @@
           <p:cNvPr id="6" name="TextBox 5">
             <a:extLst>
               <a:ext uri="{FF2B5EF4-FFF2-40B4-BE49-F238E27FC236}">
-                <a16:creationId xmlns:a16="http://schemas.microsoft.com/office/drawing/2014/main" xmlns="" id="{69196D22-2A4C-4EF6-5A42-2031D7FEF549}"/>
+                <a16:creationId xmlns:a16="http://schemas.microsoft.com/office/drawing/2014/main" id="{69196D22-2A4C-4EF6-5A42-2031D7FEF549}"/>
               </a:ext>
             </a:extLst>
           </p:cNvPr>
@@ -5444,7 +5444,7 @@
           <a:lstStyle/>
           <a:p>
             <a:r>
-              <a:rPr lang="en-US" altLang="ko-KR" sz="5400" spc="-300" smtClean="0">
+              <a:rPr lang="en-US" altLang="ko-KR" sz="5400" spc="-300">
                 <a:solidFill>
                   <a:srgbClr val="4C50BC"/>
                 </a:solidFill>
@@ -5454,7 +5454,7 @@
               <a:t>try catch</a:t>
             </a:r>
             <a:r>
-              <a:rPr lang="ko-KR" altLang="en-US" sz="5400" spc="-300" smtClean="0">
+              <a:rPr lang="ko-KR" altLang="en-US" sz="5400" spc="-300">
                 <a:solidFill>
                   <a:srgbClr val="4C50BC"/>
                 </a:solidFill>
@@ -5478,7 +5478,7 @@
           <p:cNvPr id="8" name="직선 연결선 7">
             <a:extLst>
               <a:ext uri="{FF2B5EF4-FFF2-40B4-BE49-F238E27FC236}">
-                <a16:creationId xmlns:a16="http://schemas.microsoft.com/office/drawing/2014/main" xmlns="" id="{DDFA97EB-659B-5D0A-D41B-496A6FF66D9E}"/>
+                <a16:creationId xmlns:a16="http://schemas.microsoft.com/office/drawing/2014/main" id="{DDFA97EB-659B-5D0A-D41B-496A6FF66D9E}"/>
               </a:ext>
             </a:extLst>
           </p:cNvPr>
@@ -5719,7 +5719,7 @@
           <p:cNvPr id="7" name="직선 화살표 연결선 6">
             <a:extLst>
               <a:ext uri="{FF2B5EF4-FFF2-40B4-BE49-F238E27FC236}">
-                <a16:creationId xmlns:a16="http://schemas.microsoft.com/office/drawing/2014/main" xmlns="" id="{299DF5EC-9DF4-5255-06AC-0A7CE4FF58C3}"/>
+                <a16:creationId xmlns:a16="http://schemas.microsoft.com/office/drawing/2014/main" id="{299DF5EC-9DF4-5255-06AC-0A7CE4FF58C3}"/>
               </a:ext>
             </a:extLst>
           </p:cNvPr>
@@ -5760,7 +5760,7 @@
           <p:cNvPr id="8" name="TextBox 7">
             <a:extLst>
               <a:ext uri="{FF2B5EF4-FFF2-40B4-BE49-F238E27FC236}">
-                <a16:creationId xmlns:a16="http://schemas.microsoft.com/office/drawing/2014/main" xmlns="" id="{C6D113C6-EA5C-788F-0C77-E7CE6EBB865F}"/>
+                <a16:creationId xmlns:a16="http://schemas.microsoft.com/office/drawing/2014/main" id="{C6D113C6-EA5C-788F-0C77-E7CE6EBB865F}"/>
               </a:ext>
             </a:extLst>
           </p:cNvPr>
@@ -5808,7 +5808,7 @@
           <p:cNvPr id="9" name="TextBox 8">
             <a:extLst>
               <a:ext uri="{FF2B5EF4-FFF2-40B4-BE49-F238E27FC236}">
-                <a16:creationId xmlns:a16="http://schemas.microsoft.com/office/drawing/2014/main" xmlns="" id="{69196D22-2A4C-4EF6-5A42-2031D7FEF549}"/>
+                <a16:creationId xmlns:a16="http://schemas.microsoft.com/office/drawing/2014/main" id="{69196D22-2A4C-4EF6-5A42-2031D7FEF549}"/>
               </a:ext>
             </a:extLst>
           </p:cNvPr>
@@ -5832,7 +5832,7 @@
           <a:lstStyle/>
           <a:p>
             <a:r>
-              <a:rPr lang="ko-KR" altLang="en-US" sz="5400" spc="-300" smtClean="0">
+              <a:rPr lang="ko-KR" altLang="en-US" sz="5400" spc="-300">
                 <a:solidFill>
                   <a:srgbClr val="4C50BC"/>
                 </a:solidFill>
@@ -5842,7 +5842,7 @@
               <a:t>예외의 최상위 클래스 </a:t>
             </a:r>
             <a:r>
-              <a:rPr lang="en-US" altLang="ko-KR" sz="5400" spc="-300" smtClean="0">
+              <a:rPr lang="en-US" altLang="ko-KR" sz="5400" spc="-300">
                 <a:solidFill>
                   <a:srgbClr val="4C50BC"/>
                 </a:solidFill>
@@ -5866,7 +5866,7 @@
           <p:cNvPr id="10" name="직선 연결선 9">
             <a:extLst>
               <a:ext uri="{FF2B5EF4-FFF2-40B4-BE49-F238E27FC236}">
-                <a16:creationId xmlns:a16="http://schemas.microsoft.com/office/drawing/2014/main" xmlns="" id="{DDFA97EB-659B-5D0A-D41B-496A6FF66D9E}"/>
+                <a16:creationId xmlns:a16="http://schemas.microsoft.com/office/drawing/2014/main" id="{DDFA97EB-659B-5D0A-D41B-496A6FF66D9E}"/>
               </a:ext>
             </a:extLst>
           </p:cNvPr>
@@ -6113,7 +6113,7 @@
           <p:cNvPr id="6" name="직선 화살표 연결선 5">
             <a:extLst>
               <a:ext uri="{FF2B5EF4-FFF2-40B4-BE49-F238E27FC236}">
-                <a16:creationId xmlns:a16="http://schemas.microsoft.com/office/drawing/2014/main" xmlns="" id="{299DF5EC-9DF4-5255-06AC-0A7CE4FF58C3}"/>
+                <a16:creationId xmlns:a16="http://schemas.microsoft.com/office/drawing/2014/main" id="{299DF5EC-9DF4-5255-06AC-0A7CE4FF58C3}"/>
               </a:ext>
             </a:extLst>
           </p:cNvPr>
@@ -6154,7 +6154,7 @@
           <p:cNvPr id="7" name="TextBox 6">
             <a:extLst>
               <a:ext uri="{FF2B5EF4-FFF2-40B4-BE49-F238E27FC236}">
-                <a16:creationId xmlns:a16="http://schemas.microsoft.com/office/drawing/2014/main" xmlns="" id="{C6D113C6-EA5C-788F-0C77-E7CE6EBB865F}"/>
+                <a16:creationId xmlns:a16="http://schemas.microsoft.com/office/drawing/2014/main" id="{C6D113C6-EA5C-788F-0C77-E7CE6EBB865F}"/>
               </a:ext>
             </a:extLst>
           </p:cNvPr>
@@ -6242,7 +6242,7 @@
           <p:cNvPr id="8" name="TextBox 7">
             <a:extLst>
               <a:ext uri="{FF2B5EF4-FFF2-40B4-BE49-F238E27FC236}">
-                <a16:creationId xmlns:a16="http://schemas.microsoft.com/office/drawing/2014/main" xmlns="" id="{69196D22-2A4C-4EF6-5A42-2031D7FEF549}"/>
+                <a16:creationId xmlns:a16="http://schemas.microsoft.com/office/drawing/2014/main" id="{69196D22-2A4C-4EF6-5A42-2031D7FEF549}"/>
               </a:ext>
             </a:extLst>
           </p:cNvPr>
@@ -6266,7 +6266,7 @@
           <a:lstStyle/>
           <a:p>
             <a:r>
-              <a:rPr lang="ko-KR" altLang="en-US" sz="5400" spc="-300" smtClean="0">
+              <a:rPr lang="ko-KR" altLang="en-US" sz="5400" spc="-300">
                 <a:solidFill>
                   <a:srgbClr val="4C50BC"/>
                 </a:solidFill>
@@ -6290,7 +6290,7 @@
           <p:cNvPr id="9" name="직선 연결선 8">
             <a:extLst>
               <a:ext uri="{FF2B5EF4-FFF2-40B4-BE49-F238E27FC236}">
-                <a16:creationId xmlns:a16="http://schemas.microsoft.com/office/drawing/2014/main" xmlns="" id="{DDFA97EB-659B-5D0A-D41B-496A6FF66D9E}"/>
+                <a16:creationId xmlns:a16="http://schemas.microsoft.com/office/drawing/2014/main" id="{DDFA97EB-659B-5D0A-D41B-496A6FF66D9E}"/>
               </a:ext>
             </a:extLst>
           </p:cNvPr>
@@ -6387,7 +6387,7 @@
           <p:cNvPr id="5" name="TextBox 4">
             <a:extLst>
               <a:ext uri="{FF2B5EF4-FFF2-40B4-BE49-F238E27FC236}">
-                <a16:creationId xmlns:a16="http://schemas.microsoft.com/office/drawing/2014/main" xmlns="" id="{842ED589-6A4E-CC1A-50B8-343A67912051}"/>
+                <a16:creationId xmlns:a16="http://schemas.microsoft.com/office/drawing/2014/main" id="{842ED589-6A4E-CC1A-50B8-343A67912051}"/>
               </a:ext>
             </a:extLst>
           </p:cNvPr>
@@ -6435,7 +6435,7 @@
           <p:cNvPr id="6" name="TextBox 5">
             <a:extLst>
               <a:ext uri="{FF2B5EF4-FFF2-40B4-BE49-F238E27FC236}">
-                <a16:creationId xmlns:a16="http://schemas.microsoft.com/office/drawing/2014/main" xmlns="" id="{A2AD056B-97A4-5BCC-4460-250160F3E171}"/>
+                <a16:creationId xmlns:a16="http://schemas.microsoft.com/office/drawing/2014/main" id="{A2AD056B-97A4-5BCC-4460-250160F3E171}"/>
               </a:ext>
             </a:extLst>
           </p:cNvPr>
@@ -6514,7 +6514,7 @@
           <p:cNvPr id="7" name="TextBox 6">
             <a:extLst>
               <a:ext uri="{FF2B5EF4-FFF2-40B4-BE49-F238E27FC236}">
-                <a16:creationId xmlns:a16="http://schemas.microsoft.com/office/drawing/2014/main" xmlns="" id="{842ED589-6A4E-CC1A-50B8-343A67912051}"/>
+                <a16:creationId xmlns:a16="http://schemas.microsoft.com/office/drawing/2014/main" id="{842ED589-6A4E-CC1A-50B8-343A67912051}"/>
               </a:ext>
             </a:extLst>
           </p:cNvPr>
@@ -6562,7 +6562,7 @@
           <p:cNvPr id="8" name="TextBox 7">
             <a:extLst>
               <a:ext uri="{FF2B5EF4-FFF2-40B4-BE49-F238E27FC236}">
-                <a16:creationId xmlns:a16="http://schemas.microsoft.com/office/drawing/2014/main" xmlns="" id="{A2AD056B-97A4-5BCC-4460-250160F3E171}"/>
+                <a16:creationId xmlns:a16="http://schemas.microsoft.com/office/drawing/2014/main" id="{A2AD056B-97A4-5BCC-4460-250160F3E171}"/>
               </a:ext>
             </a:extLst>
           </p:cNvPr>
@@ -6696,7 +6696,7 @@
           <p:cNvPr id="5" name="그림 4">
             <a:extLst>
               <a:ext uri="{FF2B5EF4-FFF2-40B4-BE49-F238E27FC236}">
-                <a16:creationId xmlns:a16="http://schemas.microsoft.com/office/drawing/2014/main" xmlns="" id="{3B212094-C9D2-02F2-1B77-8C804582E345}"/>
+                <a16:creationId xmlns:a16="http://schemas.microsoft.com/office/drawing/2014/main" id="{3B212094-C9D2-02F2-1B77-8C804582E345}"/>
               </a:ext>
             </a:extLst>
           </p:cNvPr>
@@ -6726,7 +6726,7 @@
           <p:cNvPr id="6" name="그룹 1008">
             <a:extLst>
               <a:ext uri="{FF2B5EF4-FFF2-40B4-BE49-F238E27FC236}">
-                <a16:creationId xmlns:a16="http://schemas.microsoft.com/office/drawing/2014/main" xmlns="" id="{678F6342-C505-E8AD-ADA4-022CB2C2088E}"/>
+                <a16:creationId xmlns:a16="http://schemas.microsoft.com/office/drawing/2014/main" id="{678F6342-C505-E8AD-ADA4-022CB2C2088E}"/>
               </a:ext>
             </a:extLst>
           </p:cNvPr>
@@ -6746,7 +6746,7 @@
             <p:cNvPr id="7" name="그룹 1009">
               <a:extLst>
                 <a:ext uri="{FF2B5EF4-FFF2-40B4-BE49-F238E27FC236}">
-                  <a16:creationId xmlns:a16="http://schemas.microsoft.com/office/drawing/2014/main" xmlns="" id="{4E1F1FED-812B-9BBB-925A-84B54A077414}"/>
+                  <a16:creationId xmlns:a16="http://schemas.microsoft.com/office/drawing/2014/main" id="{4E1F1FED-812B-9BBB-925A-84B54A077414}"/>
                 </a:ext>
               </a:extLst>
             </p:cNvPr>
@@ -6766,7 +6766,7 @@
               <p:cNvPr id="12" name="Object 29">
                 <a:extLst>
                   <a:ext uri="{FF2B5EF4-FFF2-40B4-BE49-F238E27FC236}">
-                    <a16:creationId xmlns:a16="http://schemas.microsoft.com/office/drawing/2014/main" xmlns="" id="{7B078609-4286-7B00-51EB-809C8E2DE289}"/>
+                    <a16:creationId xmlns:a16="http://schemas.microsoft.com/office/drawing/2014/main" id="{7B078609-4286-7B00-51EB-809C8E2DE289}"/>
                   </a:ext>
                 </a:extLst>
               </p:cNvPr>
@@ -6797,7 +6797,7 @@
             <p:cNvPr id="8" name="그룹 1010">
               <a:extLst>
                 <a:ext uri="{FF2B5EF4-FFF2-40B4-BE49-F238E27FC236}">
-                  <a16:creationId xmlns:a16="http://schemas.microsoft.com/office/drawing/2014/main" xmlns="" id="{02A649BF-B5B5-FBAF-7DFD-E118A4DF8907}"/>
+                  <a16:creationId xmlns:a16="http://schemas.microsoft.com/office/drawing/2014/main" id="{02A649BF-B5B5-FBAF-7DFD-E118A4DF8907}"/>
                 </a:ext>
               </a:extLst>
             </p:cNvPr>
@@ -6817,7 +6817,7 @@
               <p:cNvPr id="11" name="Object 32">
                 <a:extLst>
                   <a:ext uri="{FF2B5EF4-FFF2-40B4-BE49-F238E27FC236}">
-                    <a16:creationId xmlns:a16="http://schemas.microsoft.com/office/drawing/2014/main" xmlns="" id="{2A0FFF23-B3C9-3EA0-1C1B-A87D4FF098AE}"/>
+                    <a16:creationId xmlns:a16="http://schemas.microsoft.com/office/drawing/2014/main" id="{2A0FFF23-B3C9-3EA0-1C1B-A87D4FF098AE}"/>
                   </a:ext>
                 </a:extLst>
               </p:cNvPr>
@@ -6848,7 +6848,7 @@
             <p:cNvPr id="9" name="그룹 1011">
               <a:extLst>
                 <a:ext uri="{FF2B5EF4-FFF2-40B4-BE49-F238E27FC236}">
-                  <a16:creationId xmlns:a16="http://schemas.microsoft.com/office/drawing/2014/main" xmlns="" id="{881F5410-F7FB-F261-A584-707359BAC593}"/>
+                  <a16:creationId xmlns:a16="http://schemas.microsoft.com/office/drawing/2014/main" id="{881F5410-F7FB-F261-A584-707359BAC593}"/>
                 </a:ext>
               </a:extLst>
             </p:cNvPr>
@@ -6868,7 +6868,7 @@
               <p:cNvPr id="10" name="Object 35">
                 <a:extLst>
                   <a:ext uri="{FF2B5EF4-FFF2-40B4-BE49-F238E27FC236}">
-                    <a16:creationId xmlns:a16="http://schemas.microsoft.com/office/drawing/2014/main" xmlns="" id="{4E99E669-73EB-F9F4-EFE8-DC107035C265}"/>
+                    <a16:creationId xmlns:a16="http://schemas.microsoft.com/office/drawing/2014/main" id="{4E99E669-73EB-F9F4-EFE8-DC107035C265}"/>
                   </a:ext>
                 </a:extLst>
               </p:cNvPr>
@@ -6924,7 +6924,7 @@
           <p:cNvPr id="14" name="TextBox 13">
             <a:extLst>
               <a:ext uri="{FF2B5EF4-FFF2-40B4-BE49-F238E27FC236}">
-                <a16:creationId xmlns:a16="http://schemas.microsoft.com/office/drawing/2014/main" xmlns="" id="{69196D22-2A4C-4EF6-5A42-2031D7FEF549}"/>
+                <a16:creationId xmlns:a16="http://schemas.microsoft.com/office/drawing/2014/main" id="{69196D22-2A4C-4EF6-5A42-2031D7FEF549}"/>
               </a:ext>
             </a:extLst>
           </p:cNvPr>
@@ -6948,7 +6948,7 @@
           <a:lstStyle/>
           <a:p>
             <a:r>
-              <a:rPr lang="ko-KR" altLang="en-US" sz="5400" spc="-300" smtClean="0">
+              <a:rPr lang="ko-KR" altLang="en-US" sz="5400" spc="-300">
                 <a:solidFill>
                   <a:srgbClr val="4C50BC"/>
                 </a:solidFill>
@@ -6958,7 +6958,7 @@
               <a:t>멀티 </a:t>
             </a:r>
             <a:r>
-              <a:rPr lang="en-US" altLang="ko-KR" sz="5400" spc="-300" smtClean="0">
+              <a:rPr lang="en-US" altLang="ko-KR" sz="5400" spc="-300">
                 <a:solidFill>
                   <a:srgbClr val="4C50BC"/>
                 </a:solidFill>
@@ -6968,7 +6968,7 @@
               <a:t>catch </a:t>
             </a:r>
             <a:r>
-              <a:rPr lang="ko-KR" altLang="en-US" sz="5400" spc="-300" smtClean="0">
+              <a:rPr lang="ko-KR" altLang="en-US" sz="5400" spc="-300">
                 <a:solidFill>
                   <a:srgbClr val="4C50BC"/>
                 </a:solidFill>
@@ -6992,7 +6992,7 @@
           <p:cNvPr id="15" name="직선 연결선 14">
             <a:extLst>
               <a:ext uri="{FF2B5EF4-FFF2-40B4-BE49-F238E27FC236}">
-                <a16:creationId xmlns:a16="http://schemas.microsoft.com/office/drawing/2014/main" xmlns="" id="{DDFA97EB-659B-5D0A-D41B-496A6FF66D9E}"/>
+                <a16:creationId xmlns:a16="http://schemas.microsoft.com/office/drawing/2014/main" id="{DDFA97EB-659B-5D0A-D41B-496A6FF66D9E}"/>
               </a:ext>
             </a:extLst>
           </p:cNvPr>
@@ -7089,7 +7089,7 @@
           <p:cNvPr id="6" name="TextBox 5">
             <a:extLst>
               <a:ext uri="{FF2B5EF4-FFF2-40B4-BE49-F238E27FC236}">
-                <a16:creationId xmlns:a16="http://schemas.microsoft.com/office/drawing/2014/main" xmlns="" id="{C6D113C6-EA5C-788F-0C77-E7CE6EBB865F}"/>
+                <a16:creationId xmlns:a16="http://schemas.microsoft.com/office/drawing/2014/main" id="{C6D113C6-EA5C-788F-0C77-E7CE6EBB865F}"/>
               </a:ext>
             </a:extLst>
           </p:cNvPr>
@@ -7170,7 +7170,7 @@
           <p:cNvPr id="7" name="TextBox 6">
             <a:extLst>
               <a:ext uri="{FF2B5EF4-FFF2-40B4-BE49-F238E27FC236}">
-                <a16:creationId xmlns:a16="http://schemas.microsoft.com/office/drawing/2014/main" xmlns="" id="{69196D22-2A4C-4EF6-5A42-2031D7FEF549}"/>
+                <a16:creationId xmlns:a16="http://schemas.microsoft.com/office/drawing/2014/main" id="{69196D22-2A4C-4EF6-5A42-2031D7FEF549}"/>
               </a:ext>
             </a:extLst>
           </p:cNvPr>
@@ -7194,7 +7194,7 @@
           <a:lstStyle/>
           <a:p>
             <a:r>
-              <a:rPr lang="ko-KR" altLang="en-US" sz="5400" spc="-300" smtClean="0">
+              <a:rPr lang="ko-KR" altLang="en-US" sz="5400" spc="-300">
                 <a:solidFill>
                   <a:srgbClr val="4C50BC"/>
                 </a:solidFill>
@@ -7204,7 +7204,7 @@
               <a:t>멀티 </a:t>
             </a:r>
             <a:r>
-              <a:rPr lang="en-US" altLang="ko-KR" sz="5400" spc="-300" smtClean="0">
+              <a:rPr lang="en-US" altLang="ko-KR" sz="5400" spc="-300">
                 <a:solidFill>
                   <a:srgbClr val="4C50BC"/>
                 </a:solidFill>
@@ -7214,7 +7214,7 @@
               <a:t>catch </a:t>
             </a:r>
             <a:r>
-              <a:rPr lang="ko-KR" altLang="en-US" sz="5400" spc="-300" smtClean="0">
+              <a:rPr lang="ko-KR" altLang="en-US" sz="5400" spc="-300">
                 <a:solidFill>
                   <a:srgbClr val="4C50BC"/>
                 </a:solidFill>
@@ -7238,7 +7238,7 @@
           <p:cNvPr id="8" name="직선 연결선 7">
             <a:extLst>
               <a:ext uri="{FF2B5EF4-FFF2-40B4-BE49-F238E27FC236}">
-                <a16:creationId xmlns:a16="http://schemas.microsoft.com/office/drawing/2014/main" xmlns="" id="{DDFA97EB-659B-5D0A-D41B-496A6FF66D9E}"/>
+                <a16:creationId xmlns:a16="http://schemas.microsoft.com/office/drawing/2014/main" id="{DDFA97EB-659B-5D0A-D41B-496A6FF66D9E}"/>
               </a:ext>
             </a:extLst>
           </p:cNvPr>
@@ -7413,7 +7413,7 @@
           <p:cNvPr id="6" name="TextBox 5">
             <a:extLst>
               <a:ext uri="{FF2B5EF4-FFF2-40B4-BE49-F238E27FC236}">
-                <a16:creationId xmlns:a16="http://schemas.microsoft.com/office/drawing/2014/main" xmlns="" id="{69196D22-2A4C-4EF6-5A42-2031D7FEF549}"/>
+                <a16:creationId xmlns:a16="http://schemas.microsoft.com/office/drawing/2014/main" id="{69196D22-2A4C-4EF6-5A42-2031D7FEF549}"/>
               </a:ext>
             </a:extLst>
           </p:cNvPr>
@@ -7437,7 +7437,7 @@
           <a:lstStyle/>
           <a:p>
             <a:r>
-              <a:rPr lang="ko-KR" altLang="en-US" sz="5400" spc="-300" smtClean="0">
+              <a:rPr lang="ko-KR" altLang="en-US" sz="5400" spc="-300">
                 <a:solidFill>
                   <a:srgbClr val="4C50BC"/>
                 </a:solidFill>
@@ -7461,7 +7461,7 @@
           <p:cNvPr id="7" name="직선 연결선 6">
             <a:extLst>
               <a:ext uri="{FF2B5EF4-FFF2-40B4-BE49-F238E27FC236}">
-                <a16:creationId xmlns:a16="http://schemas.microsoft.com/office/drawing/2014/main" xmlns="" id="{DDFA97EB-659B-5D0A-D41B-496A6FF66D9E}"/>
+                <a16:creationId xmlns:a16="http://schemas.microsoft.com/office/drawing/2014/main" id="{DDFA97EB-659B-5D0A-D41B-496A6FF66D9E}"/>
               </a:ext>
             </a:extLst>
           </p:cNvPr>
@@ -7504,7 +7504,7 @@
           <p:cNvPr id="8" name="직사각형 7">
             <a:extLst>
               <a:ext uri="{FF2B5EF4-FFF2-40B4-BE49-F238E27FC236}">
-                <a16:creationId xmlns:a16="http://schemas.microsoft.com/office/drawing/2014/main" xmlns="" id="{FFF506F9-840A-0508-4CAF-3AC711D8D5CE}"/>
+                <a16:creationId xmlns:a16="http://schemas.microsoft.com/office/drawing/2014/main" id="{FFF506F9-840A-0508-4CAF-3AC711D8D5CE}"/>
               </a:ext>
             </a:extLst>
           </p:cNvPr>
@@ -7610,7 +7610,7 @@
           <p:cNvPr id="6" name="TextBox 5">
             <a:extLst>
               <a:ext uri="{FF2B5EF4-FFF2-40B4-BE49-F238E27FC236}">
-                <a16:creationId xmlns:a16="http://schemas.microsoft.com/office/drawing/2014/main" xmlns="" id="{A06D4055-10A8-4A24-5EDC-0761473BA40F}"/>
+                <a16:creationId xmlns:a16="http://schemas.microsoft.com/office/drawing/2014/main" id="{A06D4055-10A8-4A24-5EDC-0761473BA40F}"/>
               </a:ext>
             </a:extLst>
           </p:cNvPr>
@@ -7698,7 +7698,7 @@
           <p:cNvPr id="7" name="직선 화살표 연결선 6">
             <a:extLst>
               <a:ext uri="{FF2B5EF4-FFF2-40B4-BE49-F238E27FC236}">
-                <a16:creationId xmlns:a16="http://schemas.microsoft.com/office/drawing/2014/main" xmlns="" id="{299DF5EC-9DF4-5255-06AC-0A7CE4FF58C3}"/>
+                <a16:creationId xmlns:a16="http://schemas.microsoft.com/office/drawing/2014/main" id="{299DF5EC-9DF4-5255-06AC-0A7CE4FF58C3}"/>
               </a:ext>
             </a:extLst>
           </p:cNvPr>
@@ -7763,7 +7763,7 @@
           <p:cNvPr id="11" name="TextBox 10">
             <a:extLst>
               <a:ext uri="{FF2B5EF4-FFF2-40B4-BE49-F238E27FC236}">
-                <a16:creationId xmlns:a16="http://schemas.microsoft.com/office/drawing/2014/main" xmlns="" id="{A06D4055-10A8-4A24-5EDC-0761473BA40F}"/>
+                <a16:creationId xmlns:a16="http://schemas.microsoft.com/office/drawing/2014/main" id="{A06D4055-10A8-4A24-5EDC-0761473BA40F}"/>
               </a:ext>
             </a:extLst>
           </p:cNvPr>
@@ -7851,7 +7851,7 @@
           <p:cNvPr id="12" name="직선 화살표 연결선 11">
             <a:extLst>
               <a:ext uri="{FF2B5EF4-FFF2-40B4-BE49-F238E27FC236}">
-                <a16:creationId xmlns:a16="http://schemas.microsoft.com/office/drawing/2014/main" xmlns="" id="{299DF5EC-9DF4-5255-06AC-0A7CE4FF58C3}"/>
+                <a16:creationId xmlns:a16="http://schemas.microsoft.com/office/drawing/2014/main" id="{299DF5EC-9DF4-5255-06AC-0A7CE4FF58C3}"/>
               </a:ext>
             </a:extLst>
           </p:cNvPr>
@@ -7892,7 +7892,7 @@
           <p:cNvPr id="13" name="TextBox 12">
             <a:extLst>
               <a:ext uri="{FF2B5EF4-FFF2-40B4-BE49-F238E27FC236}">
-                <a16:creationId xmlns:a16="http://schemas.microsoft.com/office/drawing/2014/main" xmlns="" id="{69196D22-2A4C-4EF6-5A42-2031D7FEF549}"/>
+                <a16:creationId xmlns:a16="http://schemas.microsoft.com/office/drawing/2014/main" id="{69196D22-2A4C-4EF6-5A42-2031D7FEF549}"/>
               </a:ext>
             </a:extLst>
           </p:cNvPr>
@@ -7916,7 +7916,7 @@
           <a:lstStyle/>
           <a:p>
             <a:r>
-              <a:rPr lang="en-US" altLang="ko-KR" sz="5400" spc="-300" smtClean="0">
+              <a:rPr lang="en-US" altLang="ko-KR" sz="5400" spc="-300">
                 <a:solidFill>
                   <a:srgbClr val="4C50BC"/>
                 </a:solidFill>
@@ -7940,7 +7940,7 @@
           <p:cNvPr id="14" name="직선 연결선 13">
             <a:extLst>
               <a:ext uri="{FF2B5EF4-FFF2-40B4-BE49-F238E27FC236}">
-                <a16:creationId xmlns:a16="http://schemas.microsoft.com/office/drawing/2014/main" xmlns="" id="{DDFA97EB-659B-5D0A-D41B-496A6FF66D9E}"/>
+                <a16:creationId xmlns:a16="http://schemas.microsoft.com/office/drawing/2014/main" id="{DDFA97EB-659B-5D0A-D41B-496A6FF66D9E}"/>
               </a:ext>
             </a:extLst>
           </p:cNvPr>
@@ -8295,7 +8295,7 @@
           <p:cNvPr id="11" name="TextBox 10">
             <a:extLst>
               <a:ext uri="{FF2B5EF4-FFF2-40B4-BE49-F238E27FC236}">
-                <a16:creationId xmlns:a16="http://schemas.microsoft.com/office/drawing/2014/main" xmlns="" id="{9F88F580-08BE-88C2-D640-13F0026591CB}"/>
+                <a16:creationId xmlns:a16="http://schemas.microsoft.com/office/drawing/2014/main" id="{9F88F580-08BE-88C2-D640-13F0026591CB}"/>
               </a:ext>
             </a:extLst>
           </p:cNvPr>
@@ -8353,7 +8353,7 @@
           <p:cNvPr id="13" name="TextBox 12">
             <a:extLst>
               <a:ext uri="{FF2B5EF4-FFF2-40B4-BE49-F238E27FC236}">
-                <a16:creationId xmlns:a16="http://schemas.microsoft.com/office/drawing/2014/main" xmlns="" id="{72769C28-9BB6-DE9C-7B6F-264B77B8DD0E}"/>
+                <a16:creationId xmlns:a16="http://schemas.microsoft.com/office/drawing/2014/main" id="{72769C28-9BB6-DE9C-7B6F-264B77B8DD0E}"/>
               </a:ext>
             </a:extLst>
           </p:cNvPr>
@@ -8401,7 +8401,7 @@
           <p:cNvPr id="14" name="TextBox 13">
             <a:extLst>
               <a:ext uri="{FF2B5EF4-FFF2-40B4-BE49-F238E27FC236}">
-                <a16:creationId xmlns:a16="http://schemas.microsoft.com/office/drawing/2014/main" xmlns="" id="{270FBB6A-01CE-5637-78DA-58F0C974145C}"/>
+                <a16:creationId xmlns:a16="http://schemas.microsoft.com/office/drawing/2014/main" id="{270FBB6A-01CE-5637-78DA-58F0C974145C}"/>
               </a:ext>
             </a:extLst>
           </p:cNvPr>
@@ -8442,7 +8442,7 @@
           <p:cNvPr id="2" name="Object 17">
             <a:extLst>
               <a:ext uri="{FF2B5EF4-FFF2-40B4-BE49-F238E27FC236}">
-                <a16:creationId xmlns:a16="http://schemas.microsoft.com/office/drawing/2014/main" xmlns="" id="{140B283D-FE58-FA6F-6F7C-E0F1DBB62A65}"/>
+                <a16:creationId xmlns:a16="http://schemas.microsoft.com/office/drawing/2014/main" id="{140B283D-FE58-FA6F-6F7C-E0F1DBB62A65}"/>
               </a:ext>
             </a:extLst>
           </p:cNvPr>
@@ -8472,7 +8472,7 @@
           <p:cNvPr id="4" name="TextBox 3">
             <a:extLst>
               <a:ext uri="{FF2B5EF4-FFF2-40B4-BE49-F238E27FC236}">
-                <a16:creationId xmlns:a16="http://schemas.microsoft.com/office/drawing/2014/main" xmlns="" id="{2C8D0998-79BC-6FD2-59D9-8052B4A25F65}"/>
+                <a16:creationId xmlns:a16="http://schemas.microsoft.com/office/drawing/2014/main" id="{2C8D0998-79BC-6FD2-59D9-8052B4A25F65}"/>
               </a:ext>
             </a:extLst>
           </p:cNvPr>
@@ -8520,7 +8520,7 @@
           <p:cNvPr id="5" name="Object 18">
             <a:extLst>
               <a:ext uri="{FF2B5EF4-FFF2-40B4-BE49-F238E27FC236}">
-                <a16:creationId xmlns:a16="http://schemas.microsoft.com/office/drawing/2014/main" xmlns="" id="{3F58EA3E-1018-64D3-FAB2-4F6B9618FA56}"/>
+                <a16:creationId xmlns:a16="http://schemas.microsoft.com/office/drawing/2014/main" id="{3F58EA3E-1018-64D3-FAB2-4F6B9618FA56}"/>
               </a:ext>
             </a:extLst>
           </p:cNvPr>
@@ -8550,7 +8550,7 @@
           <p:cNvPr id="8" name="TextBox 7">
             <a:extLst>
               <a:ext uri="{FF2B5EF4-FFF2-40B4-BE49-F238E27FC236}">
-                <a16:creationId xmlns:a16="http://schemas.microsoft.com/office/drawing/2014/main" xmlns="" id="{681D3F16-7DCF-41AD-F5F1-0558C78C0E4D}"/>
+                <a16:creationId xmlns:a16="http://schemas.microsoft.com/office/drawing/2014/main" id="{681D3F16-7DCF-41AD-F5F1-0558C78C0E4D}"/>
               </a:ext>
             </a:extLst>
           </p:cNvPr>
@@ -8623,7 +8623,7 @@
           <p:cNvPr id="29" name="그룹 1018">
             <a:extLst>
               <a:ext uri="{FF2B5EF4-FFF2-40B4-BE49-F238E27FC236}">
-                <a16:creationId xmlns:a16="http://schemas.microsoft.com/office/drawing/2014/main" xmlns="" id="{F53BC57C-78A5-6AFC-CB34-7E3FD29B339F}"/>
+                <a16:creationId xmlns:a16="http://schemas.microsoft.com/office/drawing/2014/main" id="{F53BC57C-78A5-6AFC-CB34-7E3FD29B339F}"/>
               </a:ext>
             </a:extLst>
           </p:cNvPr>
@@ -8643,7 +8643,7 @@
             <p:cNvPr id="30" name="Object 61">
               <a:extLst>
                 <a:ext uri="{FF2B5EF4-FFF2-40B4-BE49-F238E27FC236}">
-                  <a16:creationId xmlns:a16="http://schemas.microsoft.com/office/drawing/2014/main" xmlns="" id="{E6F73685-14E5-06A9-813C-1C372BD6F4DE}"/>
+                  <a16:creationId xmlns:a16="http://schemas.microsoft.com/office/drawing/2014/main" id="{E6F73685-14E5-06A9-813C-1C372BD6F4DE}"/>
                 </a:ext>
               </a:extLst>
             </p:cNvPr>
@@ -8674,7 +8674,7 @@
           <p:cNvPr id="31" name="TextBox 30">
             <a:extLst>
               <a:ext uri="{FF2B5EF4-FFF2-40B4-BE49-F238E27FC236}">
-                <a16:creationId xmlns:a16="http://schemas.microsoft.com/office/drawing/2014/main" xmlns="" id="{A06D4055-10A8-4A24-5EDC-0761473BA40F}"/>
+                <a16:creationId xmlns:a16="http://schemas.microsoft.com/office/drawing/2014/main" id="{A06D4055-10A8-4A24-5EDC-0761473BA40F}"/>
               </a:ext>
             </a:extLst>
           </p:cNvPr>
@@ -8728,7 +8728,7 @@
           <p:cNvPr id="32" name="직선 연결선 31">
             <a:extLst>
               <a:ext uri="{FF2B5EF4-FFF2-40B4-BE49-F238E27FC236}">
-                <a16:creationId xmlns:a16="http://schemas.microsoft.com/office/drawing/2014/main" xmlns="" id="{1172879B-889D-0C2F-EEA8-003E6793F36F}"/>
+                <a16:creationId xmlns:a16="http://schemas.microsoft.com/office/drawing/2014/main" id="{1172879B-889D-0C2F-EEA8-003E6793F36F}"/>
               </a:ext>
             </a:extLst>
           </p:cNvPr>
@@ -8773,7 +8773,7 @@
           <p:cNvPr id="33" name="그룹 1018">
             <a:extLst>
               <a:ext uri="{FF2B5EF4-FFF2-40B4-BE49-F238E27FC236}">
-                <a16:creationId xmlns:a16="http://schemas.microsoft.com/office/drawing/2014/main" xmlns="" id="{F53BC57C-78A5-6AFC-CB34-7E3FD29B339F}"/>
+                <a16:creationId xmlns:a16="http://schemas.microsoft.com/office/drawing/2014/main" id="{F53BC57C-78A5-6AFC-CB34-7E3FD29B339F}"/>
               </a:ext>
             </a:extLst>
           </p:cNvPr>
@@ -8793,7 +8793,7 @@
             <p:cNvPr id="34" name="Object 61">
               <a:extLst>
                 <a:ext uri="{FF2B5EF4-FFF2-40B4-BE49-F238E27FC236}">
-                  <a16:creationId xmlns:a16="http://schemas.microsoft.com/office/drawing/2014/main" xmlns="" id="{E6F73685-14E5-06A9-813C-1C372BD6F4DE}"/>
+                  <a16:creationId xmlns:a16="http://schemas.microsoft.com/office/drawing/2014/main" id="{E6F73685-14E5-06A9-813C-1C372BD6F4DE}"/>
                 </a:ext>
               </a:extLst>
             </p:cNvPr>
@@ -8824,7 +8824,7 @@
           <p:cNvPr id="35" name="TextBox 34">
             <a:extLst>
               <a:ext uri="{FF2B5EF4-FFF2-40B4-BE49-F238E27FC236}">
-                <a16:creationId xmlns:a16="http://schemas.microsoft.com/office/drawing/2014/main" xmlns="" id="{A06D4055-10A8-4A24-5EDC-0761473BA40F}"/>
+                <a16:creationId xmlns:a16="http://schemas.microsoft.com/office/drawing/2014/main" id="{A06D4055-10A8-4A24-5EDC-0761473BA40F}"/>
               </a:ext>
             </a:extLst>
           </p:cNvPr>
@@ -8884,7 +8884,7 @@
           <p:cNvPr id="36" name="직선 연결선 35">
             <a:extLst>
               <a:ext uri="{FF2B5EF4-FFF2-40B4-BE49-F238E27FC236}">
-                <a16:creationId xmlns:a16="http://schemas.microsoft.com/office/drawing/2014/main" xmlns="" id="{1172879B-889D-0C2F-EEA8-003E6793F36F}"/>
+                <a16:creationId xmlns:a16="http://schemas.microsoft.com/office/drawing/2014/main" id="{1172879B-889D-0C2F-EEA8-003E6793F36F}"/>
               </a:ext>
             </a:extLst>
           </p:cNvPr>
@@ -8929,7 +8929,7 @@
           <p:cNvPr id="37" name="그룹 1018">
             <a:extLst>
               <a:ext uri="{FF2B5EF4-FFF2-40B4-BE49-F238E27FC236}">
-                <a16:creationId xmlns:a16="http://schemas.microsoft.com/office/drawing/2014/main" xmlns="" id="{F53BC57C-78A5-6AFC-CB34-7E3FD29B339F}"/>
+                <a16:creationId xmlns:a16="http://schemas.microsoft.com/office/drawing/2014/main" id="{F53BC57C-78A5-6AFC-CB34-7E3FD29B339F}"/>
               </a:ext>
             </a:extLst>
           </p:cNvPr>
@@ -8949,7 +8949,7 @@
             <p:cNvPr id="38" name="Object 61">
               <a:extLst>
                 <a:ext uri="{FF2B5EF4-FFF2-40B4-BE49-F238E27FC236}">
-                  <a16:creationId xmlns:a16="http://schemas.microsoft.com/office/drawing/2014/main" xmlns="" id="{E6F73685-14E5-06A9-813C-1C372BD6F4DE}"/>
+                  <a16:creationId xmlns:a16="http://schemas.microsoft.com/office/drawing/2014/main" id="{E6F73685-14E5-06A9-813C-1C372BD6F4DE}"/>
                 </a:ext>
               </a:extLst>
             </p:cNvPr>
@@ -8980,7 +8980,7 @@
           <p:cNvPr id="39" name="TextBox 38">
             <a:extLst>
               <a:ext uri="{FF2B5EF4-FFF2-40B4-BE49-F238E27FC236}">
-                <a16:creationId xmlns:a16="http://schemas.microsoft.com/office/drawing/2014/main" xmlns="" id="{A06D4055-10A8-4A24-5EDC-0761473BA40F}"/>
+                <a16:creationId xmlns:a16="http://schemas.microsoft.com/office/drawing/2014/main" id="{A06D4055-10A8-4A24-5EDC-0761473BA40F}"/>
               </a:ext>
             </a:extLst>
           </p:cNvPr>
@@ -9034,7 +9034,7 @@
           <p:cNvPr id="40" name="직선 연결선 39">
             <a:extLst>
               <a:ext uri="{FF2B5EF4-FFF2-40B4-BE49-F238E27FC236}">
-                <a16:creationId xmlns:a16="http://schemas.microsoft.com/office/drawing/2014/main" xmlns="" id="{1172879B-889D-0C2F-EEA8-003E6793F36F}"/>
+                <a16:creationId xmlns:a16="http://schemas.microsoft.com/office/drawing/2014/main" id="{1172879B-889D-0C2F-EEA8-003E6793F36F}"/>
               </a:ext>
             </a:extLst>
           </p:cNvPr>
@@ -9079,7 +9079,7 @@
           <p:cNvPr id="41" name="그룹 1018">
             <a:extLst>
               <a:ext uri="{FF2B5EF4-FFF2-40B4-BE49-F238E27FC236}">
-                <a16:creationId xmlns:a16="http://schemas.microsoft.com/office/drawing/2014/main" xmlns="" id="{F53BC57C-78A5-6AFC-CB34-7E3FD29B339F}"/>
+                <a16:creationId xmlns:a16="http://schemas.microsoft.com/office/drawing/2014/main" id="{F53BC57C-78A5-6AFC-CB34-7E3FD29B339F}"/>
               </a:ext>
             </a:extLst>
           </p:cNvPr>
@@ -9099,7 +9099,7 @@
             <p:cNvPr id="42" name="Object 61">
               <a:extLst>
                 <a:ext uri="{FF2B5EF4-FFF2-40B4-BE49-F238E27FC236}">
-                  <a16:creationId xmlns:a16="http://schemas.microsoft.com/office/drawing/2014/main" xmlns="" id="{E6F73685-14E5-06A9-813C-1C372BD6F4DE}"/>
+                  <a16:creationId xmlns:a16="http://schemas.microsoft.com/office/drawing/2014/main" id="{E6F73685-14E5-06A9-813C-1C372BD6F4DE}"/>
                 </a:ext>
               </a:extLst>
             </p:cNvPr>
@@ -9130,7 +9130,7 @@
           <p:cNvPr id="43" name="TextBox 42">
             <a:extLst>
               <a:ext uri="{FF2B5EF4-FFF2-40B4-BE49-F238E27FC236}">
-                <a16:creationId xmlns:a16="http://schemas.microsoft.com/office/drawing/2014/main" xmlns="" id="{A06D4055-10A8-4A24-5EDC-0761473BA40F}"/>
+                <a16:creationId xmlns:a16="http://schemas.microsoft.com/office/drawing/2014/main" id="{A06D4055-10A8-4A24-5EDC-0761473BA40F}"/>
               </a:ext>
             </a:extLst>
           </p:cNvPr>
@@ -9184,7 +9184,7 @@
           <p:cNvPr id="44" name="그룹 1018">
             <a:extLst>
               <a:ext uri="{FF2B5EF4-FFF2-40B4-BE49-F238E27FC236}">
-                <a16:creationId xmlns:a16="http://schemas.microsoft.com/office/drawing/2014/main" xmlns="" id="{F53BC57C-78A5-6AFC-CB34-7E3FD29B339F}"/>
+                <a16:creationId xmlns:a16="http://schemas.microsoft.com/office/drawing/2014/main" id="{F53BC57C-78A5-6AFC-CB34-7E3FD29B339F}"/>
               </a:ext>
             </a:extLst>
           </p:cNvPr>
@@ -9204,7 +9204,7 @@
             <p:cNvPr id="45" name="Object 61">
               <a:extLst>
                 <a:ext uri="{FF2B5EF4-FFF2-40B4-BE49-F238E27FC236}">
-                  <a16:creationId xmlns:a16="http://schemas.microsoft.com/office/drawing/2014/main" xmlns="" id="{E6F73685-14E5-06A9-813C-1C372BD6F4DE}"/>
+                  <a16:creationId xmlns:a16="http://schemas.microsoft.com/office/drawing/2014/main" id="{E6F73685-14E5-06A9-813C-1C372BD6F4DE}"/>
                 </a:ext>
               </a:extLst>
             </p:cNvPr>
@@ -9235,7 +9235,7 @@
           <p:cNvPr id="46" name="TextBox 45">
             <a:extLst>
               <a:ext uri="{FF2B5EF4-FFF2-40B4-BE49-F238E27FC236}">
-                <a16:creationId xmlns:a16="http://schemas.microsoft.com/office/drawing/2014/main" xmlns="" id="{A06D4055-10A8-4A24-5EDC-0761473BA40F}"/>
+                <a16:creationId xmlns:a16="http://schemas.microsoft.com/office/drawing/2014/main" id="{A06D4055-10A8-4A24-5EDC-0761473BA40F}"/>
               </a:ext>
             </a:extLst>
           </p:cNvPr>
@@ -9289,7 +9289,7 @@
           <p:cNvPr id="47" name="직선 연결선 46">
             <a:extLst>
               <a:ext uri="{FF2B5EF4-FFF2-40B4-BE49-F238E27FC236}">
-                <a16:creationId xmlns:a16="http://schemas.microsoft.com/office/drawing/2014/main" xmlns="" id="{1172879B-889D-0C2F-EEA8-003E6793F36F}"/>
+                <a16:creationId xmlns:a16="http://schemas.microsoft.com/office/drawing/2014/main" id="{1172879B-889D-0C2F-EEA8-003E6793F36F}"/>
               </a:ext>
             </a:extLst>
           </p:cNvPr>
@@ -9334,7 +9334,7 @@
           <p:cNvPr id="22" name="TextBox 21">
             <a:extLst>
               <a:ext uri="{FF2B5EF4-FFF2-40B4-BE49-F238E27FC236}">
-                <a16:creationId xmlns:a16="http://schemas.microsoft.com/office/drawing/2014/main" xmlns="" id="{69196D22-2A4C-4EF6-5A42-2031D7FEF549}"/>
+                <a16:creationId xmlns:a16="http://schemas.microsoft.com/office/drawing/2014/main" id="{69196D22-2A4C-4EF6-5A42-2031D7FEF549}"/>
               </a:ext>
             </a:extLst>
           </p:cNvPr>
@@ -9358,7 +9358,7 @@
           <a:lstStyle/>
           <a:p>
             <a:r>
-              <a:rPr lang="en-US" altLang="ko-KR" sz="5400" spc="-300" smtClean="0">
+              <a:rPr lang="en-US" altLang="ko-KR" sz="5400" spc="-300">
                 <a:solidFill>
                   <a:srgbClr val="4C50BC"/>
                 </a:solidFill>
@@ -9382,7 +9382,7 @@
           <p:cNvPr id="23" name="직선 연결선 22">
             <a:extLst>
               <a:ext uri="{FF2B5EF4-FFF2-40B4-BE49-F238E27FC236}">
-                <a16:creationId xmlns:a16="http://schemas.microsoft.com/office/drawing/2014/main" xmlns="" id="{DDFA97EB-659B-5D0A-D41B-496A6FF66D9E}"/>
+                <a16:creationId xmlns:a16="http://schemas.microsoft.com/office/drawing/2014/main" id="{DDFA97EB-659B-5D0A-D41B-496A6FF66D9E}"/>
               </a:ext>
             </a:extLst>
           </p:cNvPr>
@@ -9857,7 +9857,7 @@
           <p:cNvPr id="5" name="TextBox 4">
             <a:extLst>
               <a:ext uri="{FF2B5EF4-FFF2-40B4-BE49-F238E27FC236}">
-                <a16:creationId xmlns:a16="http://schemas.microsoft.com/office/drawing/2014/main" xmlns="" id="{C6D113C6-EA5C-788F-0C77-E7CE6EBB865F}"/>
+                <a16:creationId xmlns:a16="http://schemas.microsoft.com/office/drawing/2014/main" id="{C6D113C6-EA5C-788F-0C77-E7CE6EBB865F}"/>
               </a:ext>
             </a:extLst>
           </p:cNvPr>
@@ -9979,7 +9979,7 @@
           <p:cNvPr id="9" name="직선 화살표 연결선 8">
             <a:extLst>
               <a:ext uri="{FF2B5EF4-FFF2-40B4-BE49-F238E27FC236}">
-                <a16:creationId xmlns:a16="http://schemas.microsoft.com/office/drawing/2014/main" xmlns="" id="{299DF5EC-9DF4-5255-06AC-0A7CE4FF58C3}"/>
+                <a16:creationId xmlns:a16="http://schemas.microsoft.com/office/drawing/2014/main" id="{299DF5EC-9DF4-5255-06AC-0A7CE4FF58C3}"/>
               </a:ext>
             </a:extLst>
           </p:cNvPr>
@@ -10020,7 +10020,7 @@
           <p:cNvPr id="10" name="직사각형 9">
             <a:extLst>
               <a:ext uri="{FF2B5EF4-FFF2-40B4-BE49-F238E27FC236}">
-                <a16:creationId xmlns:a16="http://schemas.microsoft.com/office/drawing/2014/main" xmlns="" id="{FFF506F9-840A-0508-4CAF-3AC711D8D5CE}"/>
+                <a16:creationId xmlns:a16="http://schemas.microsoft.com/office/drawing/2014/main" id="{FFF506F9-840A-0508-4CAF-3AC711D8D5CE}"/>
               </a:ext>
             </a:extLst>
           </p:cNvPr>
@@ -10072,7 +10072,7 @@
           <p:cNvPr id="11" name="TextBox 10">
             <a:extLst>
               <a:ext uri="{FF2B5EF4-FFF2-40B4-BE49-F238E27FC236}">
-                <a16:creationId xmlns:a16="http://schemas.microsoft.com/office/drawing/2014/main" xmlns="" id="{C6D113C6-EA5C-788F-0C77-E7CE6EBB865F}"/>
+                <a16:creationId xmlns:a16="http://schemas.microsoft.com/office/drawing/2014/main" id="{C6D113C6-EA5C-788F-0C77-E7CE6EBB865F}"/>
               </a:ext>
             </a:extLst>
           </p:cNvPr>
@@ -10178,7 +10178,7 @@
           <p:cNvPr id="12" name="TextBox 11">
             <a:extLst>
               <a:ext uri="{FF2B5EF4-FFF2-40B4-BE49-F238E27FC236}">
-                <a16:creationId xmlns:a16="http://schemas.microsoft.com/office/drawing/2014/main" xmlns="" id="{69196D22-2A4C-4EF6-5A42-2031D7FEF549}"/>
+                <a16:creationId xmlns:a16="http://schemas.microsoft.com/office/drawing/2014/main" id="{69196D22-2A4C-4EF6-5A42-2031D7FEF549}"/>
               </a:ext>
             </a:extLst>
           </p:cNvPr>
@@ -10202,7 +10202,7 @@
           <a:lstStyle/>
           <a:p>
             <a:r>
-              <a:rPr lang="ko-KR" altLang="en-US" sz="5400" spc="-300" smtClean="0">
+              <a:rPr lang="ko-KR" altLang="en-US" sz="5400" spc="-300">
                 <a:solidFill>
                   <a:srgbClr val="4C50BC"/>
                 </a:solidFill>
@@ -10226,7 +10226,7 @@
           <p:cNvPr id="13" name="직선 연결선 12">
             <a:extLst>
               <a:ext uri="{FF2B5EF4-FFF2-40B4-BE49-F238E27FC236}">
-                <a16:creationId xmlns:a16="http://schemas.microsoft.com/office/drawing/2014/main" xmlns="" id="{DDFA97EB-659B-5D0A-D41B-496A6FF66D9E}"/>
+                <a16:creationId xmlns:a16="http://schemas.microsoft.com/office/drawing/2014/main" id="{DDFA97EB-659B-5D0A-D41B-496A6FF66D9E}"/>
               </a:ext>
             </a:extLst>
           </p:cNvPr>
@@ -10323,7 +10323,7 @@
           <p:cNvPr id="6" name="그룹 1008">
             <a:extLst>
               <a:ext uri="{FF2B5EF4-FFF2-40B4-BE49-F238E27FC236}">
-                <a16:creationId xmlns:a16="http://schemas.microsoft.com/office/drawing/2014/main" xmlns="" id="{678F6342-C505-E8AD-ADA4-022CB2C2088E}"/>
+                <a16:creationId xmlns:a16="http://schemas.microsoft.com/office/drawing/2014/main" id="{678F6342-C505-E8AD-ADA4-022CB2C2088E}"/>
               </a:ext>
             </a:extLst>
           </p:cNvPr>
@@ -10343,7 +10343,7 @@
             <p:cNvPr id="7" name="그룹 1009">
               <a:extLst>
                 <a:ext uri="{FF2B5EF4-FFF2-40B4-BE49-F238E27FC236}">
-                  <a16:creationId xmlns:a16="http://schemas.microsoft.com/office/drawing/2014/main" xmlns="" id="{4E1F1FED-812B-9BBB-925A-84B54A077414}"/>
+                  <a16:creationId xmlns:a16="http://schemas.microsoft.com/office/drawing/2014/main" id="{4E1F1FED-812B-9BBB-925A-84B54A077414}"/>
                 </a:ext>
               </a:extLst>
             </p:cNvPr>
@@ -10363,7 +10363,7 @@
               <p:cNvPr id="12" name="Object 29">
                 <a:extLst>
                   <a:ext uri="{FF2B5EF4-FFF2-40B4-BE49-F238E27FC236}">
-                    <a16:creationId xmlns:a16="http://schemas.microsoft.com/office/drawing/2014/main" xmlns="" id="{7B078609-4286-7B00-51EB-809C8E2DE289}"/>
+                    <a16:creationId xmlns:a16="http://schemas.microsoft.com/office/drawing/2014/main" id="{7B078609-4286-7B00-51EB-809C8E2DE289}"/>
                   </a:ext>
                 </a:extLst>
               </p:cNvPr>
@@ -10394,7 +10394,7 @@
             <p:cNvPr id="8" name="그룹 1010">
               <a:extLst>
                 <a:ext uri="{FF2B5EF4-FFF2-40B4-BE49-F238E27FC236}">
-                  <a16:creationId xmlns:a16="http://schemas.microsoft.com/office/drawing/2014/main" xmlns="" id="{02A649BF-B5B5-FBAF-7DFD-E118A4DF8907}"/>
+                  <a16:creationId xmlns:a16="http://schemas.microsoft.com/office/drawing/2014/main" id="{02A649BF-B5B5-FBAF-7DFD-E118A4DF8907}"/>
                 </a:ext>
               </a:extLst>
             </p:cNvPr>
@@ -10414,7 +10414,7 @@
               <p:cNvPr id="11" name="Object 32">
                 <a:extLst>
                   <a:ext uri="{FF2B5EF4-FFF2-40B4-BE49-F238E27FC236}">
-                    <a16:creationId xmlns:a16="http://schemas.microsoft.com/office/drawing/2014/main" xmlns="" id="{2A0FFF23-B3C9-3EA0-1C1B-A87D4FF098AE}"/>
+                    <a16:creationId xmlns:a16="http://schemas.microsoft.com/office/drawing/2014/main" id="{2A0FFF23-B3C9-3EA0-1C1B-A87D4FF098AE}"/>
                   </a:ext>
                 </a:extLst>
               </p:cNvPr>
@@ -10445,7 +10445,7 @@
             <p:cNvPr id="9" name="그룹 1011">
               <a:extLst>
                 <a:ext uri="{FF2B5EF4-FFF2-40B4-BE49-F238E27FC236}">
-                  <a16:creationId xmlns:a16="http://schemas.microsoft.com/office/drawing/2014/main" xmlns="" id="{881F5410-F7FB-F261-A584-707359BAC593}"/>
+                  <a16:creationId xmlns:a16="http://schemas.microsoft.com/office/drawing/2014/main" id="{881F5410-F7FB-F261-A584-707359BAC593}"/>
                 </a:ext>
               </a:extLst>
             </p:cNvPr>
@@ -10465,7 +10465,7 @@
               <p:cNvPr id="10" name="Object 35">
                 <a:extLst>
                   <a:ext uri="{FF2B5EF4-FFF2-40B4-BE49-F238E27FC236}">
-                    <a16:creationId xmlns:a16="http://schemas.microsoft.com/office/drawing/2014/main" xmlns="" id="{4E99E669-73EB-F9F4-EFE8-DC107035C265}"/>
+                    <a16:creationId xmlns:a16="http://schemas.microsoft.com/office/drawing/2014/main" id="{4E99E669-73EB-F9F4-EFE8-DC107035C265}"/>
                   </a:ext>
                 </a:extLst>
               </p:cNvPr>
@@ -10545,7 +10545,7 @@
           <p:cNvPr id="15" name="직사각형 14">
             <a:extLst>
               <a:ext uri="{FF2B5EF4-FFF2-40B4-BE49-F238E27FC236}">
-                <a16:creationId xmlns:a16="http://schemas.microsoft.com/office/drawing/2014/main" xmlns="" id="{FFF506F9-840A-0508-4CAF-3AC711D8D5CE}"/>
+                <a16:creationId xmlns:a16="http://schemas.microsoft.com/office/drawing/2014/main" id="{FFF506F9-840A-0508-4CAF-3AC711D8D5CE}"/>
               </a:ext>
             </a:extLst>
           </p:cNvPr>
@@ -10597,7 +10597,7 @@
           <p:cNvPr id="16" name="TextBox 15">
             <a:extLst>
               <a:ext uri="{FF2B5EF4-FFF2-40B4-BE49-F238E27FC236}">
-                <a16:creationId xmlns:a16="http://schemas.microsoft.com/office/drawing/2014/main" xmlns="" id="{C6D113C6-EA5C-788F-0C77-E7CE6EBB865F}"/>
+                <a16:creationId xmlns:a16="http://schemas.microsoft.com/office/drawing/2014/main" id="{C6D113C6-EA5C-788F-0C77-E7CE6EBB865F}"/>
               </a:ext>
             </a:extLst>
           </p:cNvPr>
@@ -10719,7 +10719,7 @@
           <p:cNvPr id="7" name="직선 화살표 연결선 6">
             <a:extLst>
               <a:ext uri="{FF2B5EF4-FFF2-40B4-BE49-F238E27FC236}">
-                <a16:creationId xmlns:a16="http://schemas.microsoft.com/office/drawing/2014/main" xmlns="" id="{299DF5EC-9DF4-5255-06AC-0A7CE4FF58C3}"/>
+                <a16:creationId xmlns:a16="http://schemas.microsoft.com/office/drawing/2014/main" id="{299DF5EC-9DF4-5255-06AC-0A7CE4FF58C3}"/>
               </a:ext>
             </a:extLst>
           </p:cNvPr>
@@ -10760,7 +10760,7 @@
           <p:cNvPr id="8" name="직사각형 7">
             <a:extLst>
               <a:ext uri="{FF2B5EF4-FFF2-40B4-BE49-F238E27FC236}">
-                <a16:creationId xmlns:a16="http://schemas.microsoft.com/office/drawing/2014/main" xmlns="" id="{FFF506F9-840A-0508-4CAF-3AC711D8D5CE}"/>
+                <a16:creationId xmlns:a16="http://schemas.microsoft.com/office/drawing/2014/main" id="{FFF506F9-840A-0508-4CAF-3AC711D8D5CE}"/>
               </a:ext>
             </a:extLst>
           </p:cNvPr>
@@ -10812,7 +10812,7 @@
           <p:cNvPr id="9" name="TextBox 8">
             <a:extLst>
               <a:ext uri="{FF2B5EF4-FFF2-40B4-BE49-F238E27FC236}">
-                <a16:creationId xmlns:a16="http://schemas.microsoft.com/office/drawing/2014/main" xmlns="" id="{C6D113C6-EA5C-788F-0C77-E7CE6EBB865F}"/>
+                <a16:creationId xmlns:a16="http://schemas.microsoft.com/office/drawing/2014/main" id="{C6D113C6-EA5C-788F-0C77-E7CE6EBB865F}"/>
               </a:ext>
             </a:extLst>
           </p:cNvPr>
@@ -10974,7 +10974,7 @@
           <p:cNvPr id="10" name="직선 화살표 연결선 9">
             <a:extLst>
               <a:ext uri="{FF2B5EF4-FFF2-40B4-BE49-F238E27FC236}">
-                <a16:creationId xmlns:a16="http://schemas.microsoft.com/office/drawing/2014/main" xmlns="" id="{299DF5EC-9DF4-5255-06AC-0A7CE4FF58C3}"/>
+                <a16:creationId xmlns:a16="http://schemas.microsoft.com/office/drawing/2014/main" id="{299DF5EC-9DF4-5255-06AC-0A7CE4FF58C3}"/>
               </a:ext>
             </a:extLst>
           </p:cNvPr>
@@ -11015,7 +11015,7 @@
           <p:cNvPr id="11" name="직사각형 10">
             <a:extLst>
               <a:ext uri="{FF2B5EF4-FFF2-40B4-BE49-F238E27FC236}">
-                <a16:creationId xmlns:a16="http://schemas.microsoft.com/office/drawing/2014/main" xmlns="" id="{FFF506F9-840A-0508-4CAF-3AC711D8D5CE}"/>
+                <a16:creationId xmlns:a16="http://schemas.microsoft.com/office/drawing/2014/main" id="{FFF506F9-840A-0508-4CAF-3AC711D8D5CE}"/>
               </a:ext>
             </a:extLst>
           </p:cNvPr>
@@ -11067,7 +11067,7 @@
           <p:cNvPr id="12" name="TextBox 11">
             <a:extLst>
               <a:ext uri="{FF2B5EF4-FFF2-40B4-BE49-F238E27FC236}">
-                <a16:creationId xmlns:a16="http://schemas.microsoft.com/office/drawing/2014/main" xmlns="" id="{C6D113C6-EA5C-788F-0C77-E7CE6EBB865F}"/>
+                <a16:creationId xmlns:a16="http://schemas.microsoft.com/office/drawing/2014/main" id="{C6D113C6-EA5C-788F-0C77-E7CE6EBB865F}"/>
               </a:ext>
             </a:extLst>
           </p:cNvPr>
@@ -11138,7 +11138,7 @@
           <p:cNvPr id="14" name="TextBox 13">
             <a:extLst>
               <a:ext uri="{FF2B5EF4-FFF2-40B4-BE49-F238E27FC236}">
-                <a16:creationId xmlns:a16="http://schemas.microsoft.com/office/drawing/2014/main" xmlns="" id="{69196D22-2A4C-4EF6-5A42-2031D7FEF549}"/>
+                <a16:creationId xmlns:a16="http://schemas.microsoft.com/office/drawing/2014/main" id="{69196D22-2A4C-4EF6-5A42-2031D7FEF549}"/>
               </a:ext>
             </a:extLst>
           </p:cNvPr>
@@ -11162,7 +11162,7 @@
           <a:lstStyle/>
           <a:p>
             <a:r>
-              <a:rPr lang="en-US" altLang="ko-KR" sz="5400" spc="-300" smtClean="0">
+              <a:rPr lang="en-US" altLang="ko-KR" sz="5400" spc="-300">
                 <a:solidFill>
                   <a:srgbClr val="4C50BC"/>
                 </a:solidFill>
@@ -11186,7 +11186,7 @@
           <p:cNvPr id="15" name="직선 연결선 14">
             <a:extLst>
               <a:ext uri="{FF2B5EF4-FFF2-40B4-BE49-F238E27FC236}">
-                <a16:creationId xmlns:a16="http://schemas.microsoft.com/office/drawing/2014/main" xmlns="" id="{DDFA97EB-659B-5D0A-D41B-496A6FF66D9E}"/>
+                <a16:creationId xmlns:a16="http://schemas.microsoft.com/office/drawing/2014/main" id="{DDFA97EB-659B-5D0A-D41B-496A6FF66D9E}"/>
               </a:ext>
             </a:extLst>
           </p:cNvPr>
@@ -11229,7 +11229,7 @@
           <p:cNvPr id="16" name="TextBox 15">
             <a:extLst>
               <a:ext uri="{FF2B5EF4-FFF2-40B4-BE49-F238E27FC236}">
-                <a16:creationId xmlns:a16="http://schemas.microsoft.com/office/drawing/2014/main" xmlns="" id="{B1C05CB3-45A9-FA20-A8E0-BE6F095B8777}"/>
+                <a16:creationId xmlns:a16="http://schemas.microsoft.com/office/drawing/2014/main" id="{B1C05CB3-45A9-FA20-A8E0-BE6F095B8777}"/>
               </a:ext>
             </a:extLst>
           </p:cNvPr>
@@ -11257,7 +11257,7 @@
               <a:buChar char="•"/>
             </a:pPr>
             <a:r>
-              <a:rPr lang="ko-KR" altLang="en-US" sz="3600" smtClean="0">
+              <a:rPr lang="ko-KR" altLang="en-US" sz="3600">
                 <a:solidFill>
                   <a:schemeClr val="tx1">
                     <a:lumMod val="50000"/>
@@ -11270,7 +11270,7 @@
               <a:t>예외와 상관없이 반드시 실행되는 코드영역이다</a:t>
             </a:r>
             <a:r>
-              <a:rPr lang="en-US" altLang="ko-KR" sz="3600" smtClean="0">
+              <a:rPr lang="en-US" altLang="ko-KR" sz="3600">
                 <a:solidFill>
                   <a:schemeClr val="tx1">
                     <a:lumMod val="50000"/>
@@ -11354,7 +11354,7 @@
           <p:cNvPr id="6" name="직선 화살표 연결선 5">
             <a:extLst>
               <a:ext uri="{FF2B5EF4-FFF2-40B4-BE49-F238E27FC236}">
-                <a16:creationId xmlns:a16="http://schemas.microsoft.com/office/drawing/2014/main" xmlns="" id="{299DF5EC-9DF4-5255-06AC-0A7CE4FF58C3}"/>
+                <a16:creationId xmlns:a16="http://schemas.microsoft.com/office/drawing/2014/main" id="{299DF5EC-9DF4-5255-06AC-0A7CE4FF58C3}"/>
               </a:ext>
             </a:extLst>
           </p:cNvPr>
@@ -11395,7 +11395,7 @@
           <p:cNvPr id="7" name="직사각형 6">
             <a:extLst>
               <a:ext uri="{FF2B5EF4-FFF2-40B4-BE49-F238E27FC236}">
-                <a16:creationId xmlns:a16="http://schemas.microsoft.com/office/drawing/2014/main" xmlns="" id="{FFF506F9-840A-0508-4CAF-3AC711D8D5CE}"/>
+                <a16:creationId xmlns:a16="http://schemas.microsoft.com/office/drawing/2014/main" id="{FFF506F9-840A-0508-4CAF-3AC711D8D5CE}"/>
               </a:ext>
             </a:extLst>
           </p:cNvPr>
@@ -11447,7 +11447,7 @@
           <p:cNvPr id="8" name="TextBox 7">
             <a:extLst>
               <a:ext uri="{FF2B5EF4-FFF2-40B4-BE49-F238E27FC236}">
-                <a16:creationId xmlns:a16="http://schemas.microsoft.com/office/drawing/2014/main" xmlns="" id="{C6D113C6-EA5C-788F-0C77-E7CE6EBB865F}"/>
+                <a16:creationId xmlns:a16="http://schemas.microsoft.com/office/drawing/2014/main" id="{C6D113C6-EA5C-788F-0C77-E7CE6EBB865F}"/>
               </a:ext>
             </a:extLst>
           </p:cNvPr>
@@ -11518,7 +11518,7 @@
           <p:cNvPr id="9" name="TextBox 8">
             <a:extLst>
               <a:ext uri="{FF2B5EF4-FFF2-40B4-BE49-F238E27FC236}">
-                <a16:creationId xmlns:a16="http://schemas.microsoft.com/office/drawing/2014/main" xmlns="" id="{69196D22-2A4C-4EF6-5A42-2031D7FEF549}"/>
+                <a16:creationId xmlns:a16="http://schemas.microsoft.com/office/drawing/2014/main" id="{69196D22-2A4C-4EF6-5A42-2031D7FEF549}"/>
               </a:ext>
             </a:extLst>
           </p:cNvPr>
@@ -11542,7 +11542,7 @@
           <a:lstStyle/>
           <a:p>
             <a:r>
-              <a:rPr lang="en-US" altLang="ko-KR" sz="5400" spc="-300" smtClean="0">
+              <a:rPr lang="en-US" altLang="ko-KR" sz="5400" spc="-300">
                 <a:solidFill>
                   <a:srgbClr val="4C50BC"/>
                 </a:solidFill>
@@ -11566,7 +11566,7 @@
           <p:cNvPr id="10" name="직선 연결선 9">
             <a:extLst>
               <a:ext uri="{FF2B5EF4-FFF2-40B4-BE49-F238E27FC236}">
-                <a16:creationId xmlns:a16="http://schemas.microsoft.com/office/drawing/2014/main" xmlns="" id="{DDFA97EB-659B-5D0A-D41B-496A6FF66D9E}"/>
+                <a16:creationId xmlns:a16="http://schemas.microsoft.com/office/drawing/2014/main" id="{DDFA97EB-659B-5D0A-D41B-496A6FF66D9E}"/>
               </a:ext>
             </a:extLst>
           </p:cNvPr>
@@ -11663,7 +11663,7 @@
           <p:cNvPr id="5" name="직선 화살표 연결선 4">
             <a:extLst>
               <a:ext uri="{FF2B5EF4-FFF2-40B4-BE49-F238E27FC236}">
-                <a16:creationId xmlns:a16="http://schemas.microsoft.com/office/drawing/2014/main" xmlns="" id="{299DF5EC-9DF4-5255-06AC-0A7CE4FF58C3}"/>
+                <a16:creationId xmlns:a16="http://schemas.microsoft.com/office/drawing/2014/main" id="{299DF5EC-9DF4-5255-06AC-0A7CE4FF58C3}"/>
               </a:ext>
             </a:extLst>
           </p:cNvPr>
@@ -11704,7 +11704,7 @@
           <p:cNvPr id="6" name="직사각형 5">
             <a:extLst>
               <a:ext uri="{FF2B5EF4-FFF2-40B4-BE49-F238E27FC236}">
-                <a16:creationId xmlns:a16="http://schemas.microsoft.com/office/drawing/2014/main" xmlns="" id="{FFF506F9-840A-0508-4CAF-3AC711D8D5CE}"/>
+                <a16:creationId xmlns:a16="http://schemas.microsoft.com/office/drawing/2014/main" id="{FFF506F9-840A-0508-4CAF-3AC711D8D5CE}"/>
               </a:ext>
             </a:extLst>
           </p:cNvPr>
@@ -11756,7 +11756,7 @@
           <p:cNvPr id="7" name="TextBox 6">
             <a:extLst>
               <a:ext uri="{FF2B5EF4-FFF2-40B4-BE49-F238E27FC236}">
-                <a16:creationId xmlns:a16="http://schemas.microsoft.com/office/drawing/2014/main" xmlns="" id="{C6D113C6-EA5C-788F-0C77-E7CE6EBB865F}"/>
+                <a16:creationId xmlns:a16="http://schemas.microsoft.com/office/drawing/2014/main" id="{C6D113C6-EA5C-788F-0C77-E7CE6EBB865F}"/>
               </a:ext>
             </a:extLst>
           </p:cNvPr>
@@ -11807,7 +11807,7 @@
           <p:cNvPr id="8" name="TextBox 7">
             <a:extLst>
               <a:ext uri="{FF2B5EF4-FFF2-40B4-BE49-F238E27FC236}">
-                <a16:creationId xmlns:a16="http://schemas.microsoft.com/office/drawing/2014/main" xmlns="" id="{69196D22-2A4C-4EF6-5A42-2031D7FEF549}"/>
+                <a16:creationId xmlns:a16="http://schemas.microsoft.com/office/drawing/2014/main" id="{69196D22-2A4C-4EF6-5A42-2031D7FEF549}"/>
               </a:ext>
             </a:extLst>
           </p:cNvPr>
@@ -11831,7 +11831,7 @@
           <a:lstStyle/>
           <a:p>
             <a:r>
-              <a:rPr lang="en-US" altLang="ko-KR" sz="5400" spc="-300" smtClean="0">
+              <a:rPr lang="en-US" altLang="ko-KR" sz="5400" spc="-300">
                 <a:solidFill>
                   <a:srgbClr val="4C50BC"/>
                 </a:solidFill>
@@ -11855,7 +11855,7 @@
           <p:cNvPr id="9" name="직선 연결선 8">
             <a:extLst>
               <a:ext uri="{FF2B5EF4-FFF2-40B4-BE49-F238E27FC236}">
-                <a16:creationId xmlns:a16="http://schemas.microsoft.com/office/drawing/2014/main" xmlns="" id="{DDFA97EB-659B-5D0A-D41B-496A6FF66D9E}"/>
+                <a16:creationId xmlns:a16="http://schemas.microsoft.com/office/drawing/2014/main" id="{DDFA97EB-659B-5D0A-D41B-496A6FF66D9E}"/>
               </a:ext>
             </a:extLst>
           </p:cNvPr>
@@ -11976,7 +11976,7 @@
           <p:cNvPr id="6" name="직사각형 5">
             <a:extLst>
               <a:ext uri="{FF2B5EF4-FFF2-40B4-BE49-F238E27FC236}">
-                <a16:creationId xmlns:a16="http://schemas.microsoft.com/office/drawing/2014/main" xmlns="" id="{FFF506F9-840A-0508-4CAF-3AC711D8D5CE}"/>
+                <a16:creationId xmlns:a16="http://schemas.microsoft.com/office/drawing/2014/main" id="{FFF506F9-840A-0508-4CAF-3AC711D8D5CE}"/>
               </a:ext>
             </a:extLst>
           </p:cNvPr>
@@ -12028,7 +12028,7 @@
           <p:cNvPr id="7" name="TextBox 6">
             <a:extLst>
               <a:ext uri="{FF2B5EF4-FFF2-40B4-BE49-F238E27FC236}">
-                <a16:creationId xmlns:a16="http://schemas.microsoft.com/office/drawing/2014/main" xmlns="" id="{C6D113C6-EA5C-788F-0C77-E7CE6EBB865F}"/>
+                <a16:creationId xmlns:a16="http://schemas.microsoft.com/office/drawing/2014/main" id="{C6D113C6-EA5C-788F-0C77-E7CE6EBB865F}"/>
               </a:ext>
             </a:extLst>
           </p:cNvPr>
@@ -12129,7 +12129,7 @@
           <p:cNvPr id="8" name="TextBox 7">
             <a:extLst>
               <a:ext uri="{FF2B5EF4-FFF2-40B4-BE49-F238E27FC236}">
-                <a16:creationId xmlns:a16="http://schemas.microsoft.com/office/drawing/2014/main" xmlns="" id="{69196D22-2A4C-4EF6-5A42-2031D7FEF549}"/>
+                <a16:creationId xmlns:a16="http://schemas.microsoft.com/office/drawing/2014/main" id="{69196D22-2A4C-4EF6-5A42-2031D7FEF549}"/>
               </a:ext>
             </a:extLst>
           </p:cNvPr>
@@ -12153,7 +12153,7 @@
           <a:lstStyle/>
           <a:p>
             <a:r>
-              <a:rPr lang="en-US" altLang="ko-KR" sz="5400" spc="-300" smtClean="0">
+              <a:rPr lang="en-US" altLang="ko-KR" sz="5400" spc="-300">
                 <a:solidFill>
                   <a:srgbClr val="4C50BC"/>
                 </a:solidFill>
@@ -12177,7 +12177,7 @@
           <p:cNvPr id="9" name="직선 연결선 8">
             <a:extLst>
               <a:ext uri="{FF2B5EF4-FFF2-40B4-BE49-F238E27FC236}">
-                <a16:creationId xmlns:a16="http://schemas.microsoft.com/office/drawing/2014/main" xmlns="" id="{DDFA97EB-659B-5D0A-D41B-496A6FF66D9E}"/>
+                <a16:creationId xmlns:a16="http://schemas.microsoft.com/office/drawing/2014/main" id="{DDFA97EB-659B-5D0A-D41B-496A6FF66D9E}"/>
               </a:ext>
             </a:extLst>
           </p:cNvPr>
@@ -12274,7 +12274,7 @@
           <p:cNvPr id="5" name="TextBox 4">
             <a:extLst>
               <a:ext uri="{FF2B5EF4-FFF2-40B4-BE49-F238E27FC236}">
-                <a16:creationId xmlns:a16="http://schemas.microsoft.com/office/drawing/2014/main" xmlns="" id="{C6D113C6-EA5C-788F-0C77-E7CE6EBB865F}"/>
+                <a16:creationId xmlns:a16="http://schemas.microsoft.com/office/drawing/2014/main" id="{C6D113C6-EA5C-788F-0C77-E7CE6EBB865F}"/>
               </a:ext>
             </a:extLst>
           </p:cNvPr>
@@ -12345,7 +12345,7 @@
           <p:cNvPr id="6" name="직선 화살표 연결선 5">
             <a:extLst>
               <a:ext uri="{FF2B5EF4-FFF2-40B4-BE49-F238E27FC236}">
-                <a16:creationId xmlns:a16="http://schemas.microsoft.com/office/drawing/2014/main" xmlns="" id="{299DF5EC-9DF4-5255-06AC-0A7CE4FF58C3}"/>
+                <a16:creationId xmlns:a16="http://schemas.microsoft.com/office/drawing/2014/main" id="{299DF5EC-9DF4-5255-06AC-0A7CE4FF58C3}"/>
               </a:ext>
             </a:extLst>
           </p:cNvPr>
@@ -12386,7 +12386,7 @@
           <p:cNvPr id="7" name="직사각형 6">
             <a:extLst>
               <a:ext uri="{FF2B5EF4-FFF2-40B4-BE49-F238E27FC236}">
-                <a16:creationId xmlns:a16="http://schemas.microsoft.com/office/drawing/2014/main" xmlns="" id="{FFF506F9-840A-0508-4CAF-3AC711D8D5CE}"/>
+                <a16:creationId xmlns:a16="http://schemas.microsoft.com/office/drawing/2014/main" id="{FFF506F9-840A-0508-4CAF-3AC711D8D5CE}"/>
               </a:ext>
             </a:extLst>
           </p:cNvPr>
@@ -12438,7 +12438,7 @@
           <p:cNvPr id="8" name="TextBox 7">
             <a:extLst>
               <a:ext uri="{FF2B5EF4-FFF2-40B4-BE49-F238E27FC236}">
-                <a16:creationId xmlns:a16="http://schemas.microsoft.com/office/drawing/2014/main" xmlns="" id="{C6D113C6-EA5C-788F-0C77-E7CE6EBB865F}"/>
+                <a16:creationId xmlns:a16="http://schemas.microsoft.com/office/drawing/2014/main" id="{C6D113C6-EA5C-788F-0C77-E7CE6EBB865F}"/>
               </a:ext>
             </a:extLst>
           </p:cNvPr>
@@ -12496,7 +12496,7 @@
           <p:cNvPr id="9" name="TextBox 8">
             <a:extLst>
               <a:ext uri="{FF2B5EF4-FFF2-40B4-BE49-F238E27FC236}">
-                <a16:creationId xmlns:a16="http://schemas.microsoft.com/office/drawing/2014/main" xmlns="" id="{69196D22-2A4C-4EF6-5A42-2031D7FEF549}"/>
+                <a16:creationId xmlns:a16="http://schemas.microsoft.com/office/drawing/2014/main" id="{69196D22-2A4C-4EF6-5A42-2031D7FEF549}"/>
               </a:ext>
             </a:extLst>
           </p:cNvPr>
@@ -12520,7 +12520,7 @@
           <a:lstStyle/>
           <a:p>
             <a:r>
-              <a:rPr lang="en-US" altLang="ko-KR" sz="5400" spc="-300" smtClean="0">
+              <a:rPr lang="en-US" altLang="ko-KR" sz="5400" spc="-300">
                 <a:solidFill>
                   <a:srgbClr val="4C50BC"/>
                 </a:solidFill>
@@ -12544,7 +12544,7 @@
           <p:cNvPr id="10" name="직선 연결선 9">
             <a:extLst>
               <a:ext uri="{FF2B5EF4-FFF2-40B4-BE49-F238E27FC236}">
-                <a16:creationId xmlns:a16="http://schemas.microsoft.com/office/drawing/2014/main" xmlns="" id="{DDFA97EB-659B-5D0A-D41B-496A6FF66D9E}"/>
+                <a16:creationId xmlns:a16="http://schemas.microsoft.com/office/drawing/2014/main" id="{DDFA97EB-659B-5D0A-D41B-496A6FF66D9E}"/>
               </a:ext>
             </a:extLst>
           </p:cNvPr>
@@ -12937,7 +12937,7 @@
           <p:cNvPr id="2" name="TextBox 1">
             <a:extLst>
               <a:ext uri="{FF2B5EF4-FFF2-40B4-BE49-F238E27FC236}">
-                <a16:creationId xmlns:a16="http://schemas.microsoft.com/office/drawing/2014/main" xmlns="" id="{8D19D88B-9541-32D7-90F1-0C45C993E21C}"/>
+                <a16:creationId xmlns:a16="http://schemas.microsoft.com/office/drawing/2014/main" id="{8D19D88B-9541-32D7-90F1-0C45C993E21C}"/>
               </a:ext>
             </a:extLst>
           </p:cNvPr>
@@ -13034,7 +13034,7 @@
           <p:cNvPr id="5" name="TextBox 4">
             <a:extLst>
               <a:ext uri="{FF2B5EF4-FFF2-40B4-BE49-F238E27FC236}">
-                <a16:creationId xmlns:a16="http://schemas.microsoft.com/office/drawing/2014/main" xmlns="" id="{C6D113C6-EA5C-788F-0C77-E7CE6EBB865F}"/>
+                <a16:creationId xmlns:a16="http://schemas.microsoft.com/office/drawing/2014/main" id="{C6D113C6-EA5C-788F-0C77-E7CE6EBB865F}"/>
               </a:ext>
             </a:extLst>
           </p:cNvPr>
@@ -13092,7 +13092,7 @@
           <p:cNvPr id="6" name="TextBox 5">
             <a:extLst>
               <a:ext uri="{FF2B5EF4-FFF2-40B4-BE49-F238E27FC236}">
-                <a16:creationId xmlns:a16="http://schemas.microsoft.com/office/drawing/2014/main" xmlns="" id="{69196D22-2A4C-4EF6-5A42-2031D7FEF549}"/>
+                <a16:creationId xmlns:a16="http://schemas.microsoft.com/office/drawing/2014/main" id="{69196D22-2A4C-4EF6-5A42-2031D7FEF549}"/>
               </a:ext>
             </a:extLst>
           </p:cNvPr>
@@ -13116,7 +13116,7 @@
           <a:lstStyle/>
           <a:p>
             <a:r>
-              <a:rPr lang="en-US" altLang="ko-KR" sz="5400" spc="-300" smtClean="0">
+              <a:rPr lang="en-US" altLang="ko-KR" sz="5400" spc="-300">
                 <a:solidFill>
                   <a:srgbClr val="4C50BC"/>
                 </a:solidFill>
@@ -13140,7 +13140,7 @@
           <p:cNvPr id="7" name="직선 연결선 6">
             <a:extLst>
               <a:ext uri="{FF2B5EF4-FFF2-40B4-BE49-F238E27FC236}">
-                <a16:creationId xmlns:a16="http://schemas.microsoft.com/office/drawing/2014/main" xmlns="" id="{DDFA97EB-659B-5D0A-D41B-496A6FF66D9E}"/>
+                <a16:creationId xmlns:a16="http://schemas.microsoft.com/office/drawing/2014/main" id="{DDFA97EB-659B-5D0A-D41B-496A6FF66D9E}"/>
               </a:ext>
             </a:extLst>
           </p:cNvPr>
@@ -13237,7 +13237,7 @@
           <p:cNvPr id="11" name="직선 화살표 연결선 10">
             <a:extLst>
               <a:ext uri="{FF2B5EF4-FFF2-40B4-BE49-F238E27FC236}">
-                <a16:creationId xmlns:a16="http://schemas.microsoft.com/office/drawing/2014/main" xmlns="" id="{299DF5EC-9DF4-5255-06AC-0A7CE4FF58C3}"/>
+                <a16:creationId xmlns:a16="http://schemas.microsoft.com/office/drawing/2014/main" id="{299DF5EC-9DF4-5255-06AC-0A7CE4FF58C3}"/>
               </a:ext>
             </a:extLst>
           </p:cNvPr>
@@ -13278,7 +13278,7 @@
           <p:cNvPr id="12" name="직사각형 11">
             <a:extLst>
               <a:ext uri="{FF2B5EF4-FFF2-40B4-BE49-F238E27FC236}">
-                <a16:creationId xmlns:a16="http://schemas.microsoft.com/office/drawing/2014/main" xmlns="" id="{FFF506F9-840A-0508-4CAF-3AC711D8D5CE}"/>
+                <a16:creationId xmlns:a16="http://schemas.microsoft.com/office/drawing/2014/main" id="{FFF506F9-840A-0508-4CAF-3AC711D8D5CE}"/>
               </a:ext>
             </a:extLst>
           </p:cNvPr>
@@ -13330,7 +13330,7 @@
           <p:cNvPr id="13" name="TextBox 12">
             <a:extLst>
               <a:ext uri="{FF2B5EF4-FFF2-40B4-BE49-F238E27FC236}">
-                <a16:creationId xmlns:a16="http://schemas.microsoft.com/office/drawing/2014/main" xmlns="" id="{C6D113C6-EA5C-788F-0C77-E7CE6EBB865F}"/>
+                <a16:creationId xmlns:a16="http://schemas.microsoft.com/office/drawing/2014/main" id="{C6D113C6-EA5C-788F-0C77-E7CE6EBB865F}"/>
               </a:ext>
             </a:extLst>
           </p:cNvPr>
@@ -13398,7 +13398,7 @@
           <p:cNvPr id="8" name="TextBox 7">
             <a:extLst>
               <a:ext uri="{FF2B5EF4-FFF2-40B4-BE49-F238E27FC236}">
-                <a16:creationId xmlns:a16="http://schemas.microsoft.com/office/drawing/2014/main" xmlns="" id="{69196D22-2A4C-4EF6-5A42-2031D7FEF549}"/>
+                <a16:creationId xmlns:a16="http://schemas.microsoft.com/office/drawing/2014/main" id="{69196D22-2A4C-4EF6-5A42-2031D7FEF549}"/>
               </a:ext>
             </a:extLst>
           </p:cNvPr>
@@ -13422,7 +13422,7 @@
           <a:lstStyle/>
           <a:p>
             <a:r>
-              <a:rPr lang="en-US" altLang="ko-KR" sz="5400" spc="-300" smtClean="0">
+              <a:rPr lang="en-US" altLang="ko-KR" sz="5400" spc="-300">
                 <a:solidFill>
                   <a:srgbClr val="4C50BC"/>
                 </a:solidFill>
@@ -13432,7 +13432,7 @@
               <a:t>try with resource</a:t>
             </a:r>
             <a:r>
-              <a:rPr lang="ko-KR" altLang="en-US" sz="5400" spc="-300" smtClean="0">
+              <a:rPr lang="ko-KR" altLang="en-US" sz="5400" spc="-300">
                 <a:solidFill>
                   <a:srgbClr val="4C50BC"/>
                 </a:solidFill>
@@ -13456,7 +13456,7 @@
           <p:cNvPr id="9" name="직선 연결선 8">
             <a:extLst>
               <a:ext uri="{FF2B5EF4-FFF2-40B4-BE49-F238E27FC236}">
-                <a16:creationId xmlns:a16="http://schemas.microsoft.com/office/drawing/2014/main" xmlns="" id="{DDFA97EB-659B-5D0A-D41B-496A6FF66D9E}"/>
+                <a16:creationId xmlns:a16="http://schemas.microsoft.com/office/drawing/2014/main" id="{DDFA97EB-659B-5D0A-D41B-496A6FF66D9E}"/>
               </a:ext>
             </a:extLst>
           </p:cNvPr>
@@ -13499,7 +13499,7 @@
           <p:cNvPr id="10" name="TextBox 9">
             <a:extLst>
               <a:ext uri="{FF2B5EF4-FFF2-40B4-BE49-F238E27FC236}">
-                <a16:creationId xmlns:a16="http://schemas.microsoft.com/office/drawing/2014/main" xmlns="" id="{B1C05CB3-45A9-FA20-A8E0-BE6F095B8777}"/>
+                <a16:creationId xmlns:a16="http://schemas.microsoft.com/office/drawing/2014/main" id="{B1C05CB3-45A9-FA20-A8E0-BE6F095B8777}"/>
               </a:ext>
             </a:extLst>
           </p:cNvPr>
@@ -13527,7 +13527,7 @@
               <a:buChar char="•"/>
             </a:pPr>
             <a:r>
-              <a:rPr lang="en-US" altLang="ko-KR" sz="3600" smtClean="0">
+              <a:rPr lang="en-US" altLang="ko-KR" sz="3600">
                 <a:solidFill>
                   <a:schemeClr val="tx1">
                     <a:lumMod val="50000"/>
@@ -13540,7 +13540,7 @@
               <a:t>SDK 1.7</a:t>
             </a:r>
             <a:r>
-              <a:rPr lang="ko-KR" altLang="en-US" sz="3600" smtClean="0">
+              <a:rPr lang="ko-KR" altLang="en-US" sz="3600">
                 <a:solidFill>
                   <a:schemeClr val="tx1">
                     <a:lumMod val="50000"/>
@@ -13624,7 +13624,7 @@
           <p:cNvPr id="6" name="TextBox 5">
             <a:extLst>
               <a:ext uri="{FF2B5EF4-FFF2-40B4-BE49-F238E27FC236}">
-                <a16:creationId xmlns:a16="http://schemas.microsoft.com/office/drawing/2014/main" xmlns="" id="{C6D113C6-EA5C-788F-0C77-E7CE6EBB865F}"/>
+                <a16:creationId xmlns:a16="http://schemas.microsoft.com/office/drawing/2014/main" id="{C6D113C6-EA5C-788F-0C77-E7CE6EBB865F}"/>
               </a:ext>
             </a:extLst>
           </p:cNvPr>
@@ -13735,7 +13735,7 @@
           <p:cNvPr id="7" name="TextBox 6">
             <a:extLst>
               <a:ext uri="{FF2B5EF4-FFF2-40B4-BE49-F238E27FC236}">
-                <a16:creationId xmlns:a16="http://schemas.microsoft.com/office/drawing/2014/main" xmlns="" id="{69196D22-2A4C-4EF6-5A42-2031D7FEF549}"/>
+                <a16:creationId xmlns:a16="http://schemas.microsoft.com/office/drawing/2014/main" id="{69196D22-2A4C-4EF6-5A42-2031D7FEF549}"/>
               </a:ext>
             </a:extLst>
           </p:cNvPr>
@@ -13759,7 +13759,7 @@
           <a:lstStyle/>
           <a:p>
             <a:r>
-              <a:rPr lang="en-US" altLang="ko-KR" sz="5400" spc="-300" smtClean="0">
+              <a:rPr lang="en-US" altLang="ko-KR" sz="5400" spc="-300">
                 <a:solidFill>
                   <a:srgbClr val="4C50BC"/>
                 </a:solidFill>
@@ -13769,7 +13769,7 @@
               <a:t>try with resource</a:t>
             </a:r>
             <a:r>
-              <a:rPr lang="ko-KR" altLang="en-US" sz="5400" spc="-300" smtClean="0">
+              <a:rPr lang="ko-KR" altLang="en-US" sz="5400" spc="-300">
                 <a:solidFill>
                   <a:srgbClr val="4C50BC"/>
                 </a:solidFill>
@@ -13793,7 +13793,7 @@
           <p:cNvPr id="8" name="직선 연결선 7">
             <a:extLst>
               <a:ext uri="{FF2B5EF4-FFF2-40B4-BE49-F238E27FC236}">
-                <a16:creationId xmlns:a16="http://schemas.microsoft.com/office/drawing/2014/main" xmlns="" id="{DDFA97EB-659B-5D0A-D41B-496A6FF66D9E}"/>
+                <a16:creationId xmlns:a16="http://schemas.microsoft.com/office/drawing/2014/main" id="{DDFA97EB-659B-5D0A-D41B-496A6FF66D9E}"/>
               </a:ext>
             </a:extLst>
           </p:cNvPr>
@@ -13866,7 +13866,7 @@
           <p:cNvPr id="5" name="TextBox 4">
             <a:extLst>
               <a:ext uri="{FF2B5EF4-FFF2-40B4-BE49-F238E27FC236}">
-                <a16:creationId xmlns:a16="http://schemas.microsoft.com/office/drawing/2014/main" xmlns="" id="{2FFEA572-0493-CB52-6BE5-4BCEFE8076B6}"/>
+                <a16:creationId xmlns:a16="http://schemas.microsoft.com/office/drawing/2014/main" id="{2FFEA572-0493-CB52-6BE5-4BCEFE8076B6}"/>
               </a:ext>
             </a:extLst>
           </p:cNvPr>
@@ -13917,7 +13917,7 @@
           <p:cNvPr id="8" name="TextBox 7">
             <a:extLst>
               <a:ext uri="{FF2B5EF4-FFF2-40B4-BE49-F238E27FC236}">
-                <a16:creationId xmlns="" xmlns:a16="http://schemas.microsoft.com/office/drawing/2014/main" id="{EFADA8A7-2D7C-E1EF-D1E9-025E662096C2}"/>
+                <a16:creationId xmlns:a16="http://schemas.microsoft.com/office/drawing/2014/main" id="{EFADA8A7-2D7C-E1EF-D1E9-025E662096C2}"/>
               </a:ext>
             </a:extLst>
           </p:cNvPr>
@@ -13988,7 +13988,7 @@
           <p:cNvPr id="10" name="직선 연결선 9">
             <a:extLst>
               <a:ext uri="{FF2B5EF4-FFF2-40B4-BE49-F238E27FC236}">
-                <a16:creationId xmlns="" xmlns:a16="http://schemas.microsoft.com/office/drawing/2014/main" id="{605E5585-A658-1210-D674-A0EA5BC76656}"/>
+                <a16:creationId xmlns:a16="http://schemas.microsoft.com/office/drawing/2014/main" id="{605E5585-A658-1210-D674-A0EA5BC76656}"/>
               </a:ext>
             </a:extLst>
           </p:cNvPr>
@@ -14119,13 +14119,6 @@
   <p:clrMapOvr>
     <a:masterClrMapping/>
   </p:clrMapOvr>
-  <p:timing>
-    <p:tnLst>
-      <p:par>
-        <p:cTn id="1" dur="indefinite" restart="never" nodeType="tmRoot"/>
-      </p:par>
-    </p:tnLst>
-  </p:timing>
 </p:sld>
 </file>
 
@@ -14151,7 +14144,7 @@
           <p:cNvPr id="5" name="TextBox 4">
             <a:extLst>
               <a:ext uri="{FF2B5EF4-FFF2-40B4-BE49-F238E27FC236}">
-                <a16:creationId xmlns="" xmlns:a16="http://schemas.microsoft.com/office/drawing/2014/main" id="{26CD9C83-0282-7E52-F78D-81B20BC5E752}"/>
+                <a16:creationId xmlns:a16="http://schemas.microsoft.com/office/drawing/2014/main" id="{26CD9C83-0282-7E52-F78D-81B20BC5E752}"/>
               </a:ext>
             </a:extLst>
           </p:cNvPr>
@@ -14222,7 +14215,7 @@
           <p:cNvPr id="6" name="직선 연결선 5">
             <a:extLst>
               <a:ext uri="{FF2B5EF4-FFF2-40B4-BE49-F238E27FC236}">
-                <a16:creationId xmlns="" xmlns:a16="http://schemas.microsoft.com/office/drawing/2014/main" id="{2F545EF6-04BF-E79E-38B5-7F7F894E0974}"/>
+                <a16:creationId xmlns:a16="http://schemas.microsoft.com/office/drawing/2014/main" id="{2F545EF6-04BF-E79E-38B5-7F7F894E0974}"/>
               </a:ext>
             </a:extLst>
           </p:cNvPr>
@@ -14289,7 +14282,7 @@
           <p:cNvPr id="9" name="TextBox 8">
             <a:extLst>
               <a:ext uri="{FF2B5EF4-FFF2-40B4-BE49-F238E27FC236}">
-                <a16:creationId xmlns:a16="http://schemas.microsoft.com/office/drawing/2014/main" xmlns="" id="{B1C05CB3-45A9-FA20-A8E0-BE6F095B8777}"/>
+                <a16:creationId xmlns:a16="http://schemas.microsoft.com/office/drawing/2014/main" id="{B1C05CB3-45A9-FA20-A8E0-BE6F095B8777}"/>
               </a:ext>
             </a:extLst>
           </p:cNvPr>
@@ -14317,7 +14310,7 @@
               <a:buChar char="•"/>
             </a:pPr>
             <a:r>
-              <a:rPr lang="en-US" altLang="ko-KR" sz="3600" smtClean="0">
+              <a:rPr lang="en-US" altLang="ko-KR" sz="3600">
                 <a:solidFill>
                   <a:schemeClr val="tx1">
                     <a:lumMod val="50000"/>
@@ -14330,7 +14323,7 @@
               <a:t>try catch</a:t>
             </a:r>
             <a:r>
-              <a:rPr lang="ko-KR" altLang="en-US" sz="3600" smtClean="0">
+              <a:rPr lang="ko-KR" altLang="en-US" sz="3600">
                 <a:solidFill>
                   <a:schemeClr val="tx1">
                     <a:lumMod val="50000"/>
@@ -14343,7 +14336,7 @@
               <a:t>문을 이용하여 종료되지 않게 한다</a:t>
             </a:r>
             <a:r>
-              <a:rPr lang="en-US" altLang="ko-KR" sz="3600" smtClean="0">
+              <a:rPr lang="en-US" altLang="ko-KR" sz="3600">
                 <a:solidFill>
                   <a:schemeClr val="tx1">
                     <a:lumMod val="50000"/>
@@ -14373,7 +14366,7 @@
           <p:cNvPr id="10" name="직사각형 9">
             <a:extLst>
               <a:ext uri="{FF2B5EF4-FFF2-40B4-BE49-F238E27FC236}">
-                <a16:creationId xmlns:a16="http://schemas.microsoft.com/office/drawing/2014/main" xmlns="" id="{361FA442-8171-4EBF-65A2-19C90654959D}"/>
+                <a16:creationId xmlns:a16="http://schemas.microsoft.com/office/drawing/2014/main" id="{361FA442-8171-4EBF-65A2-19C90654959D}"/>
               </a:ext>
             </a:extLst>
           </p:cNvPr>
@@ -14533,7 +14526,7 @@
           <p:cNvPr id="5" name="TextBox 4">
             <a:extLst>
               <a:ext uri="{FF2B5EF4-FFF2-40B4-BE49-F238E27FC236}">
-                <a16:creationId xmlns:a16="http://schemas.microsoft.com/office/drawing/2014/main" xmlns="" id="{2FFEA572-0493-CB52-6BE5-4BCEFE8076B6}"/>
+                <a16:creationId xmlns:a16="http://schemas.microsoft.com/office/drawing/2014/main" id="{2FFEA572-0493-CB52-6BE5-4BCEFE8076B6}"/>
               </a:ext>
             </a:extLst>
           </p:cNvPr>
@@ -14557,7 +14550,7 @@
           <a:lstStyle/>
           <a:p>
             <a:r>
-              <a:rPr lang="en-US" altLang="ko-KR" sz="3200" smtClean="0">
+              <a:rPr lang="en-US" altLang="ko-KR" sz="3200">
                 <a:solidFill>
                   <a:srgbClr val="4C50BB"/>
                 </a:solidFill>
@@ -14765,7 +14758,7 @@
           <p:cNvPr id="10" name="TextBox 9">
             <a:extLst>
               <a:ext uri="{FF2B5EF4-FFF2-40B4-BE49-F238E27FC236}">
-                <a16:creationId xmlns:a16="http://schemas.microsoft.com/office/drawing/2014/main" xmlns="" id="{A2AD056B-97A4-5BCC-4460-250160F3E171}"/>
+                <a16:creationId xmlns:a16="http://schemas.microsoft.com/office/drawing/2014/main" id="{A2AD056B-97A4-5BCC-4460-250160F3E171}"/>
               </a:ext>
             </a:extLst>
           </p:cNvPr>
@@ -14832,7 +14825,7 @@
           <p:cNvPr id="11" name="TextBox 10">
             <a:extLst>
               <a:ext uri="{FF2B5EF4-FFF2-40B4-BE49-F238E27FC236}">
-                <a16:creationId xmlns:a16="http://schemas.microsoft.com/office/drawing/2014/main" xmlns="" id="{A2AD056B-97A4-5BCC-4460-250160F3E171}"/>
+                <a16:creationId xmlns:a16="http://schemas.microsoft.com/office/drawing/2014/main" id="{A2AD056B-97A4-5BCC-4460-250160F3E171}"/>
               </a:ext>
             </a:extLst>
           </p:cNvPr>
@@ -14923,7 +14916,7 @@
           <p:cNvPr id="13" name="TextBox 12">
             <a:extLst>
               <a:ext uri="{FF2B5EF4-FFF2-40B4-BE49-F238E27FC236}">
-                <a16:creationId xmlns="" xmlns:a16="http://schemas.microsoft.com/office/drawing/2014/main" id="{EFADA8A7-2D7C-E1EF-D1E9-025E662096C2}"/>
+                <a16:creationId xmlns:a16="http://schemas.microsoft.com/office/drawing/2014/main" id="{EFADA8A7-2D7C-E1EF-D1E9-025E662096C2}"/>
               </a:ext>
             </a:extLst>
           </p:cNvPr>
@@ -14947,7 +14940,7 @@
           <a:lstStyle/>
           <a:p>
             <a:r>
-              <a:rPr lang="en-US" altLang="ko-KR" sz="5400" spc="-300" smtClean="0">
+              <a:rPr lang="en-US" altLang="ko-KR" sz="5400" spc="-300">
                 <a:solidFill>
                   <a:srgbClr val="4C50BC"/>
                 </a:solidFill>
@@ -14977,34 +14970,14 @@
               <a:t> </a:t>
             </a:r>
             <a:r>
-              <a:rPr lang="en-US" altLang="ko-KR" sz="5400" spc="-300" smtClean="0">
+              <a:rPr lang="en-US" altLang="ko-KR" sz="5400" spc="-300">
                 <a:solidFill>
                   <a:srgbClr val="FF0000"/>
                 </a:solidFill>
                 <a:latin typeface="G마켓 산스 Bold" panose="02000000000000000000" pitchFamily="50" charset="-127"/>
                 <a:ea typeface="G마켓 산스 Bold" panose="02000000000000000000" pitchFamily="50" charset="-127"/>
               </a:rPr>
-              <a:t>(</a:t>
-            </a:r>
-            <a:r>
-              <a:rPr lang="en-US" altLang="ko-KR" sz="5400" spc="-300" smtClean="0">
-                <a:solidFill>
-                  <a:srgbClr val="FF0000"/>
-                </a:solidFill>
-                <a:latin typeface="G마켓 산스 Bold" panose="02000000000000000000" pitchFamily="50" charset="-127"/>
-                <a:ea typeface="G마켓 산스 Bold" panose="02000000000000000000" pitchFamily="50" charset="-127"/>
-              </a:rPr>
-              <a:t>hard</a:t>
-            </a:r>
-            <a:r>
-              <a:rPr lang="en-US" altLang="ko-KR" sz="5400" spc="-300" smtClean="0">
-                <a:solidFill>
-                  <a:srgbClr val="FF0000"/>
-                </a:solidFill>
-                <a:latin typeface="G마켓 산스 Bold" panose="02000000000000000000" pitchFamily="50" charset="-127"/>
-                <a:ea typeface="G마켓 산스 Bold" panose="02000000000000000000" pitchFamily="50" charset="-127"/>
-              </a:rPr>
-              <a:t>)</a:t>
+              <a:t>(hard)</a:t>
             </a:r>
             <a:endParaRPr lang="en-US" altLang="ko-KR" sz="5400" spc="-300" dirty="0">
               <a:solidFill>
@@ -15021,7 +14994,7 @@
           <p:cNvPr id="14" name="직선 연결선 13">
             <a:extLst>
               <a:ext uri="{FF2B5EF4-FFF2-40B4-BE49-F238E27FC236}">
-                <a16:creationId xmlns="" xmlns:a16="http://schemas.microsoft.com/office/drawing/2014/main" id="{605E5585-A658-1210-D674-A0EA5BC76656}"/>
+                <a16:creationId xmlns:a16="http://schemas.microsoft.com/office/drawing/2014/main" id="{605E5585-A658-1210-D674-A0EA5BC76656}"/>
               </a:ext>
             </a:extLst>
           </p:cNvPr>
@@ -15069,13 +15042,6 @@
   <p:clrMapOvr>
     <a:masterClrMapping/>
   </p:clrMapOvr>
-  <p:timing>
-    <p:tnLst>
-      <p:par>
-        <p:cTn id="1" dur="indefinite" restart="never" nodeType="tmRoot"/>
-      </p:par>
-    </p:tnLst>
-  </p:timing>
 </p:sld>
 </file>
 
@@ -15101,7 +15067,7 @@
           <p:cNvPr id="4" name="TextBox 3">
             <a:extLst>
               <a:ext uri="{FF2B5EF4-FFF2-40B4-BE49-F238E27FC236}">
-                <a16:creationId xmlns="" xmlns:a16="http://schemas.microsoft.com/office/drawing/2014/main" id="{EFADA8A7-2D7C-E1EF-D1E9-025E662096C2}"/>
+                <a16:creationId xmlns:a16="http://schemas.microsoft.com/office/drawing/2014/main" id="{EFADA8A7-2D7C-E1EF-D1E9-025E662096C2}"/>
               </a:ext>
             </a:extLst>
           </p:cNvPr>
@@ -15125,7 +15091,7 @@
           <a:lstStyle/>
           <a:p>
             <a:r>
-              <a:rPr lang="en-US" altLang="ko-KR" sz="5400" spc="-300" smtClean="0">
+              <a:rPr lang="en-US" altLang="ko-KR" sz="5400" spc="-300">
                 <a:solidFill>
                   <a:srgbClr val="4C50BC"/>
                 </a:solidFill>
@@ -15135,7 +15101,7 @@
               <a:t>1-2 </a:t>
             </a:r>
             <a:r>
-              <a:rPr lang="ko-KR" altLang="en-US" sz="5400" spc="-300" smtClean="0">
+              <a:rPr lang="ko-KR" altLang="en-US" sz="5400" spc="-300">
                 <a:solidFill>
                   <a:srgbClr val="4C50BC"/>
                 </a:solidFill>
@@ -15145,7 +15111,7 @@
               <a:t>문제풀이</a:t>
             </a:r>
             <a:r>
-              <a:rPr lang="en-US" altLang="ko-KR" sz="5400" spc="-300" smtClean="0">
+              <a:rPr lang="en-US" altLang="ko-KR" sz="5400" spc="-300">
                 <a:solidFill>
                   <a:srgbClr val="4C50BC"/>
                 </a:solidFill>
@@ -15155,7 +15121,7 @@
               <a:t> </a:t>
             </a:r>
             <a:r>
-              <a:rPr lang="en-US" altLang="ko-KR" sz="5400" spc="-300" smtClean="0">
+              <a:rPr lang="en-US" altLang="ko-KR" sz="5400" spc="-300">
                 <a:solidFill>
                   <a:srgbClr val="FF0000"/>
                 </a:solidFill>
@@ -15179,7 +15145,7 @@
           <p:cNvPr id="5" name="직선 연결선 4">
             <a:extLst>
               <a:ext uri="{FF2B5EF4-FFF2-40B4-BE49-F238E27FC236}">
-                <a16:creationId xmlns="" xmlns:a16="http://schemas.microsoft.com/office/drawing/2014/main" id="{605E5585-A658-1210-D674-A0EA5BC76656}"/>
+                <a16:creationId xmlns:a16="http://schemas.microsoft.com/office/drawing/2014/main" id="{605E5585-A658-1210-D674-A0EA5BC76656}"/>
               </a:ext>
             </a:extLst>
           </p:cNvPr>
@@ -15246,7 +15212,7 @@
           <p:cNvPr id="7" name="직선 화살표 연결선 6">
             <a:extLst>
               <a:ext uri="{FF2B5EF4-FFF2-40B4-BE49-F238E27FC236}">
-                <a16:creationId xmlns:a16="http://schemas.microsoft.com/office/drawing/2014/main" xmlns="" id="{299DF5EC-9DF4-5255-06AC-0A7CE4FF58C3}"/>
+                <a16:creationId xmlns:a16="http://schemas.microsoft.com/office/drawing/2014/main" id="{299DF5EC-9DF4-5255-06AC-0A7CE4FF58C3}"/>
               </a:ext>
             </a:extLst>
           </p:cNvPr>
@@ -15287,7 +15253,7 @@
           <p:cNvPr id="8" name="TextBox 7">
             <a:extLst>
               <a:ext uri="{FF2B5EF4-FFF2-40B4-BE49-F238E27FC236}">
-                <a16:creationId xmlns:a16="http://schemas.microsoft.com/office/drawing/2014/main" xmlns="" id="{C6D113C6-EA5C-788F-0C77-E7CE6EBB865F}"/>
+                <a16:creationId xmlns:a16="http://schemas.microsoft.com/office/drawing/2014/main" id="{C6D113C6-EA5C-788F-0C77-E7CE6EBB865F}"/>
               </a:ext>
             </a:extLst>
           </p:cNvPr>
@@ -15311,7 +15277,7 @@
           <a:lstStyle/>
           <a:p>
             <a:r>
-              <a:rPr lang="ko-KR" altLang="en-US" sz="3600" smtClean="0">
+              <a:rPr lang="ko-KR" altLang="en-US" sz="3600">
                 <a:solidFill>
                   <a:srgbClr val="FF0000"/>
                 </a:solidFill>
@@ -15321,7 +15287,7 @@
               <a:t>입력받는 부분을 </a:t>
             </a:r>
             <a:r>
-              <a:rPr lang="en-US" altLang="ko-KR" sz="3600" smtClean="0">
+              <a:rPr lang="en-US" altLang="ko-KR" sz="3600">
                 <a:solidFill>
                   <a:srgbClr val="FF0000"/>
                 </a:solidFill>
@@ -15331,7 +15297,7 @@
               <a:t>try catch</a:t>
             </a:r>
             <a:r>
-              <a:rPr lang="ko-KR" altLang="en-US" sz="3600" smtClean="0">
+              <a:rPr lang="ko-KR" altLang="en-US" sz="3600">
                 <a:solidFill>
                   <a:srgbClr val="FF0000"/>
                 </a:solidFill>
@@ -15341,7 +15307,7 @@
               <a:t>로 예외처리하였다</a:t>
             </a:r>
             <a:r>
-              <a:rPr lang="en-US" altLang="ko-KR" sz="3600" smtClean="0">
+              <a:rPr lang="en-US" altLang="ko-KR" sz="3600">
                 <a:solidFill>
                   <a:srgbClr val="FF0000"/>
                 </a:solidFill>
@@ -15365,7 +15331,7 @@
           <p:cNvPr id="9" name="직사각형 8">
             <a:extLst>
               <a:ext uri="{FF2B5EF4-FFF2-40B4-BE49-F238E27FC236}">
-                <a16:creationId xmlns:a16="http://schemas.microsoft.com/office/drawing/2014/main" xmlns="" id="{FFF506F9-840A-0508-4CAF-3AC711D8D5CE}"/>
+                <a16:creationId xmlns:a16="http://schemas.microsoft.com/office/drawing/2014/main" id="{FFF506F9-840A-0508-4CAF-3AC711D8D5CE}"/>
               </a:ext>
             </a:extLst>
           </p:cNvPr>
@@ -15417,7 +15383,7 @@
           <p:cNvPr id="10" name="직선 화살표 연결선 9">
             <a:extLst>
               <a:ext uri="{FF2B5EF4-FFF2-40B4-BE49-F238E27FC236}">
-                <a16:creationId xmlns:a16="http://schemas.microsoft.com/office/drawing/2014/main" xmlns="" id="{299DF5EC-9DF4-5255-06AC-0A7CE4FF58C3}"/>
+                <a16:creationId xmlns:a16="http://schemas.microsoft.com/office/drawing/2014/main" id="{299DF5EC-9DF4-5255-06AC-0A7CE4FF58C3}"/>
               </a:ext>
             </a:extLst>
           </p:cNvPr>
@@ -15458,7 +15424,7 @@
           <p:cNvPr id="11" name="TextBox 10">
             <a:extLst>
               <a:ext uri="{FF2B5EF4-FFF2-40B4-BE49-F238E27FC236}">
-                <a16:creationId xmlns:a16="http://schemas.microsoft.com/office/drawing/2014/main" xmlns="" id="{C6D113C6-EA5C-788F-0C77-E7CE6EBB865F}"/>
+                <a16:creationId xmlns:a16="http://schemas.microsoft.com/office/drawing/2014/main" id="{C6D113C6-EA5C-788F-0C77-E7CE6EBB865F}"/>
               </a:ext>
             </a:extLst>
           </p:cNvPr>
@@ -15482,7 +15448,7 @@
           <a:lstStyle/>
           <a:p>
             <a:r>
-              <a:rPr lang="en-US" altLang="ko-KR" sz="3600" smtClean="0">
+              <a:rPr lang="en-US" altLang="ko-KR" sz="3600">
                 <a:solidFill>
                   <a:srgbClr val="FF0000"/>
                 </a:solidFill>
@@ -15492,7 +15458,7 @@
               <a:t>break</a:t>
             </a:r>
             <a:r>
-              <a:rPr lang="ko-KR" altLang="en-US" sz="3600" smtClean="0">
+              <a:rPr lang="ko-KR" altLang="en-US" sz="3600">
                 <a:solidFill>
                   <a:srgbClr val="FF0000"/>
                 </a:solidFill>
@@ -15502,7 +15468,7 @@
               <a:t>를 쓰면 게임이 종료되어 버린다</a:t>
             </a:r>
             <a:r>
-              <a:rPr lang="en-US" altLang="ko-KR" sz="3600" smtClean="0">
+              <a:rPr lang="en-US" altLang="ko-KR" sz="3600">
                 <a:solidFill>
                   <a:srgbClr val="FF0000"/>
                 </a:solidFill>
@@ -15514,7 +15480,7 @@
           </a:p>
           <a:p>
             <a:r>
-              <a:rPr lang="en-US" altLang="ko-KR" sz="3600" smtClean="0">
+              <a:rPr lang="en-US" altLang="ko-KR" sz="3600">
                 <a:solidFill>
                   <a:srgbClr val="FF0000"/>
                 </a:solidFill>
@@ -15524,7 +15490,7 @@
               <a:t>continue </a:t>
             </a:r>
             <a:r>
-              <a:rPr lang="ko-KR" altLang="en-US" sz="3600" smtClean="0">
+              <a:rPr lang="ko-KR" altLang="en-US" sz="3600">
                 <a:solidFill>
                   <a:srgbClr val="FF0000"/>
                 </a:solidFill>
@@ -15534,7 +15500,7 @@
               <a:t>를 이용하여 게임을 다시 진행시킨다</a:t>
             </a:r>
             <a:r>
-              <a:rPr lang="en-US" altLang="ko-KR" sz="3600" smtClean="0">
+              <a:rPr lang="en-US" altLang="ko-KR" sz="3600">
                 <a:solidFill>
                   <a:srgbClr val="FF0000"/>
                 </a:solidFill>
@@ -15558,7 +15524,7 @@
           <p:cNvPr id="13" name="직사각형 12">
             <a:extLst>
               <a:ext uri="{FF2B5EF4-FFF2-40B4-BE49-F238E27FC236}">
-                <a16:creationId xmlns:a16="http://schemas.microsoft.com/office/drawing/2014/main" xmlns="" id="{361FA442-8171-4EBF-65A2-19C90654959D}"/>
+                <a16:creationId xmlns:a16="http://schemas.microsoft.com/office/drawing/2014/main" id="{361FA442-8171-4EBF-65A2-19C90654959D}"/>
               </a:ext>
             </a:extLst>
           </p:cNvPr>
@@ -15718,7 +15684,7 @@
           <p:cNvPr id="4" name="TextBox 3">
             <a:extLst>
               <a:ext uri="{FF2B5EF4-FFF2-40B4-BE49-F238E27FC236}">
-                <a16:creationId xmlns="" xmlns:a16="http://schemas.microsoft.com/office/drawing/2014/main" id="{EFADA8A7-2D7C-E1EF-D1E9-025E662096C2}"/>
+                <a16:creationId xmlns:a16="http://schemas.microsoft.com/office/drawing/2014/main" id="{EFADA8A7-2D7C-E1EF-D1E9-025E662096C2}"/>
               </a:ext>
             </a:extLst>
           </p:cNvPr>
@@ -15742,7 +15708,7 @@
           <a:lstStyle/>
           <a:p>
             <a:r>
-              <a:rPr lang="en-US" altLang="ko-KR" sz="5400" spc="-300" smtClean="0">
+              <a:rPr lang="en-US" altLang="ko-KR" sz="5400" spc="-300">
                 <a:solidFill>
                   <a:srgbClr val="4C50BC"/>
                 </a:solidFill>
@@ -15772,34 +15738,14 @@
               <a:t> </a:t>
             </a:r>
             <a:r>
-              <a:rPr lang="en-US" altLang="ko-KR" sz="5400" spc="-300" smtClean="0">
+              <a:rPr lang="en-US" altLang="ko-KR" sz="5400" spc="-300">
                 <a:solidFill>
                   <a:srgbClr val="FF0000"/>
                 </a:solidFill>
                 <a:latin typeface="G마켓 산스 Bold" panose="02000000000000000000" pitchFamily="50" charset="-127"/>
                 <a:ea typeface="G마켓 산스 Bold" panose="02000000000000000000" pitchFamily="50" charset="-127"/>
               </a:rPr>
-              <a:t>(</a:t>
-            </a:r>
-            <a:r>
-              <a:rPr lang="en-US" altLang="ko-KR" sz="5400" spc="-300" smtClean="0">
-                <a:solidFill>
-                  <a:srgbClr val="FF0000"/>
-                </a:solidFill>
-                <a:latin typeface="G마켓 산스 Bold" panose="02000000000000000000" pitchFamily="50" charset="-127"/>
-                <a:ea typeface="G마켓 산스 Bold" panose="02000000000000000000" pitchFamily="50" charset="-127"/>
-              </a:rPr>
-              <a:t>hard</a:t>
-            </a:r>
-            <a:r>
-              <a:rPr lang="en-US" altLang="ko-KR" sz="5400" spc="-300" smtClean="0">
-                <a:solidFill>
-                  <a:srgbClr val="FF0000"/>
-                </a:solidFill>
-                <a:latin typeface="G마켓 산스 Bold" panose="02000000000000000000" pitchFamily="50" charset="-127"/>
-                <a:ea typeface="G마켓 산스 Bold" panose="02000000000000000000" pitchFamily="50" charset="-127"/>
-              </a:rPr>
-              <a:t>)</a:t>
+              <a:t>(hard)</a:t>
             </a:r>
             <a:endParaRPr lang="en-US" altLang="ko-KR" sz="5400" spc="-300" dirty="0">
               <a:solidFill>
@@ -15816,7 +15762,7 @@
           <p:cNvPr id="5" name="직선 연결선 4">
             <a:extLst>
               <a:ext uri="{FF2B5EF4-FFF2-40B4-BE49-F238E27FC236}">
-                <a16:creationId xmlns="" xmlns:a16="http://schemas.microsoft.com/office/drawing/2014/main" id="{605E5585-A658-1210-D674-A0EA5BC76656}"/>
+                <a16:creationId xmlns:a16="http://schemas.microsoft.com/office/drawing/2014/main" id="{605E5585-A658-1210-D674-A0EA5BC76656}"/>
               </a:ext>
             </a:extLst>
           </p:cNvPr>
@@ -15859,7 +15805,7 @@
           <p:cNvPr id="6" name="TextBox 5">
             <a:extLst>
               <a:ext uri="{FF2B5EF4-FFF2-40B4-BE49-F238E27FC236}">
-                <a16:creationId xmlns:a16="http://schemas.microsoft.com/office/drawing/2014/main" xmlns="" id="{2FFEA572-0493-CB52-6BE5-4BCEFE8076B6}"/>
+                <a16:creationId xmlns:a16="http://schemas.microsoft.com/office/drawing/2014/main" id="{2FFEA572-0493-CB52-6BE5-4BCEFE8076B6}"/>
               </a:ext>
             </a:extLst>
           </p:cNvPr>
@@ -15883,7 +15829,7 @@
           <a:lstStyle/>
           <a:p>
             <a:r>
-              <a:rPr lang="en-US" altLang="ko-KR" sz="3200" smtClean="0">
+              <a:rPr lang="en-US" altLang="ko-KR" sz="3200">
                 <a:solidFill>
                   <a:srgbClr val="4C50BB"/>
                 </a:solidFill>
@@ -16279,13 +16225,6 @@
   <p:clrMapOvr>
     <a:masterClrMapping/>
   </p:clrMapOvr>
-  <p:timing>
-    <p:tnLst>
-      <p:par>
-        <p:cTn id="1" dur="indefinite" restart="never" nodeType="tmRoot"/>
-      </p:par>
-    </p:tnLst>
-  </p:timing>
 </p:sld>
 </file>
 
@@ -16311,7 +16250,7 @@
           <p:cNvPr id="4" name="TextBox 3">
             <a:extLst>
               <a:ext uri="{FF2B5EF4-FFF2-40B4-BE49-F238E27FC236}">
-                <a16:creationId xmlns="" xmlns:a16="http://schemas.microsoft.com/office/drawing/2014/main" id="{EFADA8A7-2D7C-E1EF-D1E9-025E662096C2}"/>
+                <a16:creationId xmlns:a16="http://schemas.microsoft.com/office/drawing/2014/main" id="{EFADA8A7-2D7C-E1EF-D1E9-025E662096C2}"/>
               </a:ext>
             </a:extLst>
           </p:cNvPr>
@@ -16335,7 +16274,7 @@
           <a:lstStyle/>
           <a:p>
             <a:r>
-              <a:rPr lang="en-US" altLang="ko-KR" sz="5400" spc="-300" smtClean="0">
+              <a:rPr lang="en-US" altLang="ko-KR" sz="5400" spc="-300">
                 <a:solidFill>
                   <a:srgbClr val="4C50BC"/>
                 </a:solidFill>
@@ -16345,7 +16284,7 @@
               <a:t>1-3 </a:t>
             </a:r>
             <a:r>
-              <a:rPr lang="ko-KR" altLang="en-US" sz="5400" spc="-300" smtClean="0">
+              <a:rPr lang="ko-KR" altLang="en-US" sz="5400" spc="-300">
                 <a:solidFill>
                   <a:srgbClr val="4C50BC"/>
                 </a:solidFill>
@@ -16355,7 +16294,7 @@
               <a:t>문제풀이</a:t>
             </a:r>
             <a:r>
-              <a:rPr lang="en-US" altLang="ko-KR" sz="5400" spc="-300" smtClean="0">
+              <a:rPr lang="en-US" altLang="ko-KR" sz="5400" spc="-300">
                 <a:solidFill>
                   <a:srgbClr val="4C50BC"/>
                 </a:solidFill>
@@ -16365,34 +16304,14 @@
               <a:t> </a:t>
             </a:r>
             <a:r>
-              <a:rPr lang="en-US" altLang="ko-KR" sz="5400" spc="-300" smtClean="0">
+              <a:rPr lang="en-US" altLang="ko-KR" sz="5400" spc="-300">
                 <a:solidFill>
                   <a:srgbClr val="FF0000"/>
                 </a:solidFill>
                 <a:latin typeface="G마켓 산스 Bold" panose="02000000000000000000" pitchFamily="50" charset="-127"/>
                 <a:ea typeface="G마켓 산스 Bold" panose="02000000000000000000" pitchFamily="50" charset="-127"/>
               </a:rPr>
-              <a:t>(</a:t>
-            </a:r>
-            <a:r>
-              <a:rPr lang="en-US" altLang="ko-KR" sz="5400" spc="-300" smtClean="0">
-                <a:solidFill>
-                  <a:srgbClr val="FF0000"/>
-                </a:solidFill>
-                <a:latin typeface="G마켓 산스 Bold" panose="02000000000000000000" pitchFamily="50" charset="-127"/>
-                <a:ea typeface="G마켓 산스 Bold" panose="02000000000000000000" pitchFamily="50" charset="-127"/>
-              </a:rPr>
-              <a:t>hard</a:t>
-            </a:r>
-            <a:r>
-              <a:rPr lang="en-US" altLang="ko-KR" sz="5400" spc="-300" smtClean="0">
-                <a:solidFill>
-                  <a:srgbClr val="FF0000"/>
-                </a:solidFill>
-                <a:latin typeface="G마켓 산스 Bold" panose="02000000000000000000" pitchFamily="50" charset="-127"/>
-                <a:ea typeface="G마켓 산스 Bold" panose="02000000000000000000" pitchFamily="50" charset="-127"/>
-              </a:rPr>
-              <a:t>)</a:t>
+              <a:t>(hard)</a:t>
             </a:r>
             <a:endParaRPr lang="en-US" altLang="ko-KR" sz="5400" spc="-300" dirty="0">
               <a:solidFill>
@@ -16409,7 +16328,7 @@
           <p:cNvPr id="5" name="직선 연결선 4">
             <a:extLst>
               <a:ext uri="{FF2B5EF4-FFF2-40B4-BE49-F238E27FC236}">
-                <a16:creationId xmlns="" xmlns:a16="http://schemas.microsoft.com/office/drawing/2014/main" id="{605E5585-A658-1210-D674-A0EA5BC76656}"/>
+                <a16:creationId xmlns:a16="http://schemas.microsoft.com/office/drawing/2014/main" id="{605E5585-A658-1210-D674-A0EA5BC76656}"/>
               </a:ext>
             </a:extLst>
           </p:cNvPr>
@@ -16500,7 +16419,7 @@
           <p:cNvPr id="8" name="직사각형 7">
             <a:extLst>
               <a:ext uri="{FF2B5EF4-FFF2-40B4-BE49-F238E27FC236}">
-                <a16:creationId xmlns:a16="http://schemas.microsoft.com/office/drawing/2014/main" xmlns="" id="{361FA442-8171-4EBF-65A2-19C90654959D}"/>
+                <a16:creationId xmlns:a16="http://schemas.microsoft.com/office/drawing/2014/main" id="{361FA442-8171-4EBF-65A2-19C90654959D}"/>
               </a:ext>
             </a:extLst>
           </p:cNvPr>
@@ -16668,7 +16587,7 @@
           <p:cNvPr id="4" name="Object 1">
             <a:extLst>
               <a:ext uri="{FF2B5EF4-FFF2-40B4-BE49-F238E27FC236}">
-                <a16:creationId xmlns:a16="http://schemas.microsoft.com/office/drawing/2014/main" xmlns="" id="{B0329035-BE76-33A8-0F2E-44624FCC1DED}"/>
+                <a16:creationId xmlns:a16="http://schemas.microsoft.com/office/drawing/2014/main" id="{B0329035-BE76-33A8-0F2E-44624FCC1DED}"/>
               </a:ext>
             </a:extLst>
           </p:cNvPr>
@@ -16698,7 +16617,7 @@
           <p:cNvPr id="7" name="그룹 1001">
             <a:extLst>
               <a:ext uri="{FF2B5EF4-FFF2-40B4-BE49-F238E27FC236}">
-                <a16:creationId xmlns:a16="http://schemas.microsoft.com/office/drawing/2014/main" xmlns="" id="{CD24CE9D-AC18-B6CD-F397-7E8E03D6FE26}"/>
+                <a16:creationId xmlns:a16="http://schemas.microsoft.com/office/drawing/2014/main" id="{CD24CE9D-AC18-B6CD-F397-7E8E03D6FE26}"/>
               </a:ext>
             </a:extLst>
           </p:cNvPr>
@@ -16718,7 +16637,7 @@
             <p:cNvPr id="8" name="Object 5">
               <a:extLst>
                 <a:ext uri="{FF2B5EF4-FFF2-40B4-BE49-F238E27FC236}">
-                  <a16:creationId xmlns:a16="http://schemas.microsoft.com/office/drawing/2014/main" xmlns="" id="{0EEF25E8-3BA8-EBAA-6DC2-66D70C3F9F4D}"/>
+                  <a16:creationId xmlns:a16="http://schemas.microsoft.com/office/drawing/2014/main" id="{0EEF25E8-3BA8-EBAA-6DC2-66D70C3F9F4D}"/>
                 </a:ext>
               </a:extLst>
             </p:cNvPr>
@@ -16749,7 +16668,7 @@
           <p:cNvPr id="9" name="그룹 1002">
             <a:extLst>
               <a:ext uri="{FF2B5EF4-FFF2-40B4-BE49-F238E27FC236}">
-                <a16:creationId xmlns:a16="http://schemas.microsoft.com/office/drawing/2014/main" xmlns="" id="{0F281BC9-DE1F-D1FE-E64C-C4640398F00C}"/>
+                <a16:creationId xmlns:a16="http://schemas.microsoft.com/office/drawing/2014/main" id="{0F281BC9-DE1F-D1FE-E64C-C4640398F00C}"/>
               </a:ext>
             </a:extLst>
           </p:cNvPr>
@@ -16769,7 +16688,7 @@
             <p:cNvPr id="10" name="Object 8">
               <a:extLst>
                 <a:ext uri="{FF2B5EF4-FFF2-40B4-BE49-F238E27FC236}">
-                  <a16:creationId xmlns:a16="http://schemas.microsoft.com/office/drawing/2014/main" xmlns="" id="{F669DCEF-04BB-7046-3F7F-5B513213556E}"/>
+                  <a16:creationId xmlns:a16="http://schemas.microsoft.com/office/drawing/2014/main" id="{F669DCEF-04BB-7046-3F7F-5B513213556E}"/>
                 </a:ext>
               </a:extLst>
             </p:cNvPr>
@@ -16800,7 +16719,7 @@
           <p:cNvPr id="11" name="그룹 1003">
             <a:extLst>
               <a:ext uri="{FF2B5EF4-FFF2-40B4-BE49-F238E27FC236}">
-                <a16:creationId xmlns:a16="http://schemas.microsoft.com/office/drawing/2014/main" xmlns="" id="{1F91EEF9-13EA-BB7F-B056-D35E7DB989AC}"/>
+                <a16:creationId xmlns:a16="http://schemas.microsoft.com/office/drawing/2014/main" id="{1F91EEF9-13EA-BB7F-B056-D35E7DB989AC}"/>
               </a:ext>
             </a:extLst>
           </p:cNvPr>
@@ -16820,7 +16739,7 @@
             <p:cNvPr id="12" name="Object 11">
               <a:extLst>
                 <a:ext uri="{FF2B5EF4-FFF2-40B4-BE49-F238E27FC236}">
-                  <a16:creationId xmlns:a16="http://schemas.microsoft.com/office/drawing/2014/main" xmlns="" id="{2CFFB217-AEFB-2C9E-5F86-6EE19510FFC6}"/>
+                  <a16:creationId xmlns:a16="http://schemas.microsoft.com/office/drawing/2014/main" id="{2CFFB217-AEFB-2C9E-5F86-6EE19510FFC6}"/>
                 </a:ext>
               </a:extLst>
             </p:cNvPr>
@@ -16851,7 +16770,7 @@
           <p:cNvPr id="13" name="그룹 1004">
             <a:extLst>
               <a:ext uri="{FF2B5EF4-FFF2-40B4-BE49-F238E27FC236}">
-                <a16:creationId xmlns:a16="http://schemas.microsoft.com/office/drawing/2014/main" xmlns="" id="{123B9C7E-94E8-E7E1-81BE-D59EA0299187}"/>
+                <a16:creationId xmlns:a16="http://schemas.microsoft.com/office/drawing/2014/main" id="{123B9C7E-94E8-E7E1-81BE-D59EA0299187}"/>
               </a:ext>
             </a:extLst>
           </p:cNvPr>
@@ -16871,7 +16790,7 @@
             <p:cNvPr id="14" name="Object 14">
               <a:extLst>
                 <a:ext uri="{FF2B5EF4-FFF2-40B4-BE49-F238E27FC236}">
-                  <a16:creationId xmlns:a16="http://schemas.microsoft.com/office/drawing/2014/main" xmlns="" id="{B6291552-2D89-A79F-7ACD-EA0EF9A4C389}"/>
+                  <a16:creationId xmlns:a16="http://schemas.microsoft.com/office/drawing/2014/main" id="{B6291552-2D89-A79F-7ACD-EA0EF9A4C389}"/>
                 </a:ext>
               </a:extLst>
             </p:cNvPr>
@@ -16902,7 +16821,7 @@
           <p:cNvPr id="15" name="TextBox 14">
             <a:extLst>
               <a:ext uri="{FF2B5EF4-FFF2-40B4-BE49-F238E27FC236}">
-                <a16:creationId xmlns:a16="http://schemas.microsoft.com/office/drawing/2014/main" xmlns="" id="{7D99763A-FC24-23F5-5BA9-D7B042E0F323}"/>
+                <a16:creationId xmlns:a16="http://schemas.microsoft.com/office/drawing/2014/main" id="{7D99763A-FC24-23F5-5BA9-D7B042E0F323}"/>
               </a:ext>
             </a:extLst>
           </p:cNvPr>
@@ -16980,7 +16899,7 @@
           <p:cNvPr id="4" name="그룹 1018">
             <a:extLst>
               <a:ext uri="{FF2B5EF4-FFF2-40B4-BE49-F238E27FC236}">
-                <a16:creationId xmlns:a16="http://schemas.microsoft.com/office/drawing/2014/main" xmlns="" id="{F53BC57C-78A5-6AFC-CB34-7E3FD29B339F}"/>
+                <a16:creationId xmlns:a16="http://schemas.microsoft.com/office/drawing/2014/main" id="{F53BC57C-78A5-6AFC-CB34-7E3FD29B339F}"/>
               </a:ext>
             </a:extLst>
           </p:cNvPr>
@@ -17000,7 +16919,7 @@
             <p:cNvPr id="5" name="Object 61">
               <a:extLst>
                 <a:ext uri="{FF2B5EF4-FFF2-40B4-BE49-F238E27FC236}">
-                  <a16:creationId xmlns:a16="http://schemas.microsoft.com/office/drawing/2014/main" xmlns="" id="{E6F73685-14E5-06A9-813C-1C372BD6F4DE}"/>
+                  <a16:creationId xmlns:a16="http://schemas.microsoft.com/office/drawing/2014/main" id="{E6F73685-14E5-06A9-813C-1C372BD6F4DE}"/>
                 </a:ext>
               </a:extLst>
             </p:cNvPr>
@@ -17031,7 +16950,7 @@
           <p:cNvPr id="6" name="직선 연결선 5">
             <a:extLst>
               <a:ext uri="{FF2B5EF4-FFF2-40B4-BE49-F238E27FC236}">
-                <a16:creationId xmlns:a16="http://schemas.microsoft.com/office/drawing/2014/main" xmlns="" id="{1172879B-889D-0C2F-EEA8-003E6793F36F}"/>
+                <a16:creationId xmlns:a16="http://schemas.microsoft.com/office/drawing/2014/main" id="{1172879B-889D-0C2F-EEA8-003E6793F36F}"/>
               </a:ext>
             </a:extLst>
           </p:cNvPr>
@@ -17075,7 +16994,7 @@
           <p:cNvPr id="8" name="그룹 1018">
             <a:extLst>
               <a:ext uri="{FF2B5EF4-FFF2-40B4-BE49-F238E27FC236}">
-                <a16:creationId xmlns:a16="http://schemas.microsoft.com/office/drawing/2014/main" xmlns="" id="{6422EA0E-12C8-4264-ABC7-17F8CE933867}"/>
+                <a16:creationId xmlns:a16="http://schemas.microsoft.com/office/drawing/2014/main" id="{6422EA0E-12C8-4264-ABC7-17F8CE933867}"/>
               </a:ext>
             </a:extLst>
           </p:cNvPr>
@@ -17095,7 +17014,7 @@
             <p:cNvPr id="9" name="Object 61">
               <a:extLst>
                 <a:ext uri="{FF2B5EF4-FFF2-40B4-BE49-F238E27FC236}">
-                  <a16:creationId xmlns:a16="http://schemas.microsoft.com/office/drawing/2014/main" xmlns="" id="{B8EE3D0F-6DDF-413D-3D54-0B0C4905D65D}"/>
+                  <a16:creationId xmlns:a16="http://schemas.microsoft.com/office/drawing/2014/main" id="{B8EE3D0F-6DDF-413D-3D54-0B0C4905D65D}"/>
                 </a:ext>
               </a:extLst>
             </p:cNvPr>
@@ -17126,7 +17045,7 @@
           <p:cNvPr id="10" name="그룹 1018">
             <a:extLst>
               <a:ext uri="{FF2B5EF4-FFF2-40B4-BE49-F238E27FC236}">
-                <a16:creationId xmlns:a16="http://schemas.microsoft.com/office/drawing/2014/main" xmlns="" id="{11F8DF7C-F95F-B0B5-FC7F-85E369D002C6}"/>
+                <a16:creationId xmlns:a16="http://schemas.microsoft.com/office/drawing/2014/main" id="{11F8DF7C-F95F-B0B5-FC7F-85E369D002C6}"/>
               </a:ext>
             </a:extLst>
           </p:cNvPr>
@@ -17146,7 +17065,7 @@
             <p:cNvPr id="11" name="Object 61">
               <a:extLst>
                 <a:ext uri="{FF2B5EF4-FFF2-40B4-BE49-F238E27FC236}">
-                  <a16:creationId xmlns:a16="http://schemas.microsoft.com/office/drawing/2014/main" xmlns="" id="{B8B15D9F-D5FD-93DD-D076-037E1D6FFEC7}"/>
+                  <a16:creationId xmlns:a16="http://schemas.microsoft.com/office/drawing/2014/main" id="{B8B15D9F-D5FD-93DD-D076-037E1D6FFEC7}"/>
                 </a:ext>
               </a:extLst>
             </p:cNvPr>
@@ -17177,7 +17096,7 @@
           <p:cNvPr id="12" name="직선 연결선 11">
             <a:extLst>
               <a:ext uri="{FF2B5EF4-FFF2-40B4-BE49-F238E27FC236}">
-                <a16:creationId xmlns:a16="http://schemas.microsoft.com/office/drawing/2014/main" xmlns="" id="{450E9148-0C3A-3B85-23E5-E1D1C0997659}"/>
+                <a16:creationId xmlns:a16="http://schemas.microsoft.com/office/drawing/2014/main" id="{450E9148-0C3A-3B85-23E5-E1D1C0997659}"/>
               </a:ext>
             </a:extLst>
           </p:cNvPr>
@@ -17221,7 +17140,7 @@
           <p:cNvPr id="13" name="TextBox 12">
             <a:extLst>
               <a:ext uri="{FF2B5EF4-FFF2-40B4-BE49-F238E27FC236}">
-                <a16:creationId xmlns:a16="http://schemas.microsoft.com/office/drawing/2014/main" xmlns="" id="{A06D4055-10A8-4A24-5EDC-0761473BA40F}"/>
+                <a16:creationId xmlns:a16="http://schemas.microsoft.com/office/drawing/2014/main" id="{A06D4055-10A8-4A24-5EDC-0761473BA40F}"/>
               </a:ext>
             </a:extLst>
           </p:cNvPr>
@@ -17275,7 +17194,7 @@
           <p:cNvPr id="14" name="TextBox 13">
             <a:extLst>
               <a:ext uri="{FF2B5EF4-FFF2-40B4-BE49-F238E27FC236}">
-                <a16:creationId xmlns:a16="http://schemas.microsoft.com/office/drawing/2014/main" xmlns="" id="{044C5ACF-17B6-5920-7904-E16248F54A6A}"/>
+                <a16:creationId xmlns:a16="http://schemas.microsoft.com/office/drawing/2014/main" id="{044C5ACF-17B6-5920-7904-E16248F54A6A}"/>
               </a:ext>
             </a:extLst>
           </p:cNvPr>
@@ -17329,7 +17248,7 @@
           <p:cNvPr id="16" name="TextBox 15">
             <a:extLst>
               <a:ext uri="{FF2B5EF4-FFF2-40B4-BE49-F238E27FC236}">
-                <a16:creationId xmlns:a16="http://schemas.microsoft.com/office/drawing/2014/main" xmlns="" id="{101E227B-A9BD-20A0-66DD-A013FA376D02}"/>
+                <a16:creationId xmlns:a16="http://schemas.microsoft.com/office/drawing/2014/main" id="{101E227B-A9BD-20A0-66DD-A013FA376D02}"/>
               </a:ext>
             </a:extLst>
           </p:cNvPr>
@@ -17383,7 +17302,7 @@
           <p:cNvPr id="17" name="직선 연결선 16">
             <a:extLst>
               <a:ext uri="{FF2B5EF4-FFF2-40B4-BE49-F238E27FC236}">
-                <a16:creationId xmlns:a16="http://schemas.microsoft.com/office/drawing/2014/main" xmlns="" id="{1172879B-889D-0C2F-EEA8-003E6793F36F}"/>
+                <a16:creationId xmlns:a16="http://schemas.microsoft.com/office/drawing/2014/main" id="{1172879B-889D-0C2F-EEA8-003E6793F36F}"/>
               </a:ext>
             </a:extLst>
           </p:cNvPr>
@@ -17426,7 +17345,7 @@
           <p:cNvPr id="18" name="직선 연결선 17">
             <a:extLst>
               <a:ext uri="{FF2B5EF4-FFF2-40B4-BE49-F238E27FC236}">
-                <a16:creationId xmlns:a16="http://schemas.microsoft.com/office/drawing/2014/main" xmlns="" id="{450E9148-0C3A-3B85-23E5-E1D1C0997659}"/>
+                <a16:creationId xmlns:a16="http://schemas.microsoft.com/office/drawing/2014/main" id="{450E9148-0C3A-3B85-23E5-E1D1C0997659}"/>
               </a:ext>
             </a:extLst>
           </p:cNvPr>
@@ -17469,7 +17388,7 @@
           <p:cNvPr id="19" name="그룹 1018">
             <a:extLst>
               <a:ext uri="{FF2B5EF4-FFF2-40B4-BE49-F238E27FC236}">
-                <a16:creationId xmlns:a16="http://schemas.microsoft.com/office/drawing/2014/main" xmlns="" id="{6422EA0E-12C8-4264-ABC7-17F8CE933867}"/>
+                <a16:creationId xmlns:a16="http://schemas.microsoft.com/office/drawing/2014/main" id="{6422EA0E-12C8-4264-ABC7-17F8CE933867}"/>
               </a:ext>
             </a:extLst>
           </p:cNvPr>
@@ -17489,7 +17408,7 @@
             <p:cNvPr id="20" name="Object 61">
               <a:extLst>
                 <a:ext uri="{FF2B5EF4-FFF2-40B4-BE49-F238E27FC236}">
-                  <a16:creationId xmlns:a16="http://schemas.microsoft.com/office/drawing/2014/main" xmlns="" id="{B8EE3D0F-6DDF-413D-3D54-0B0C4905D65D}"/>
+                  <a16:creationId xmlns:a16="http://schemas.microsoft.com/office/drawing/2014/main" id="{B8EE3D0F-6DDF-413D-3D54-0B0C4905D65D}"/>
                 </a:ext>
               </a:extLst>
             </p:cNvPr>
@@ -17520,7 +17439,7 @@
           <p:cNvPr id="22" name="그룹 1018">
             <a:extLst>
               <a:ext uri="{FF2B5EF4-FFF2-40B4-BE49-F238E27FC236}">
-                <a16:creationId xmlns:a16="http://schemas.microsoft.com/office/drawing/2014/main" xmlns="" id="{11F8DF7C-F95F-B0B5-FC7F-85E369D002C6}"/>
+                <a16:creationId xmlns:a16="http://schemas.microsoft.com/office/drawing/2014/main" id="{11F8DF7C-F95F-B0B5-FC7F-85E369D002C6}"/>
               </a:ext>
             </a:extLst>
           </p:cNvPr>
@@ -17540,7 +17459,7 @@
             <p:cNvPr id="23" name="Object 61">
               <a:extLst>
                 <a:ext uri="{FF2B5EF4-FFF2-40B4-BE49-F238E27FC236}">
-                  <a16:creationId xmlns:a16="http://schemas.microsoft.com/office/drawing/2014/main" xmlns="" id="{B8B15D9F-D5FD-93DD-D076-037E1D6FFEC7}"/>
+                  <a16:creationId xmlns:a16="http://schemas.microsoft.com/office/drawing/2014/main" id="{B8B15D9F-D5FD-93DD-D076-037E1D6FFEC7}"/>
                 </a:ext>
               </a:extLst>
             </p:cNvPr>
@@ -17571,7 +17490,7 @@
           <p:cNvPr id="24" name="TextBox 23">
             <a:extLst>
               <a:ext uri="{FF2B5EF4-FFF2-40B4-BE49-F238E27FC236}">
-                <a16:creationId xmlns:a16="http://schemas.microsoft.com/office/drawing/2014/main" xmlns="" id="{044C5ACF-17B6-5920-7904-E16248F54A6A}"/>
+                <a16:creationId xmlns:a16="http://schemas.microsoft.com/office/drawing/2014/main" id="{044C5ACF-17B6-5920-7904-E16248F54A6A}"/>
               </a:ext>
             </a:extLst>
           </p:cNvPr>
@@ -17625,7 +17544,7 @@
           <p:cNvPr id="25" name="TextBox 24">
             <a:extLst>
               <a:ext uri="{FF2B5EF4-FFF2-40B4-BE49-F238E27FC236}">
-                <a16:creationId xmlns:a16="http://schemas.microsoft.com/office/drawing/2014/main" xmlns="" id="{101E227B-A9BD-20A0-66DD-A013FA376D02}"/>
+                <a16:creationId xmlns:a16="http://schemas.microsoft.com/office/drawing/2014/main" id="{101E227B-A9BD-20A0-66DD-A013FA376D02}"/>
               </a:ext>
             </a:extLst>
           </p:cNvPr>
@@ -17679,7 +17598,7 @@
           <p:cNvPr id="27" name="TextBox 26">
             <a:extLst>
               <a:ext uri="{FF2B5EF4-FFF2-40B4-BE49-F238E27FC236}">
-                <a16:creationId xmlns:a16="http://schemas.microsoft.com/office/drawing/2014/main" xmlns="" id="{044C5ACF-17B6-5920-7904-E16248F54A6A}"/>
+                <a16:creationId xmlns:a16="http://schemas.microsoft.com/office/drawing/2014/main" id="{044C5ACF-17B6-5920-7904-E16248F54A6A}"/>
               </a:ext>
             </a:extLst>
           </p:cNvPr>
@@ -17767,7 +17686,7 @@
           <p:cNvPr id="28" name="TextBox 27">
             <a:extLst>
               <a:ext uri="{FF2B5EF4-FFF2-40B4-BE49-F238E27FC236}">
-                <a16:creationId xmlns:a16="http://schemas.microsoft.com/office/drawing/2014/main" xmlns="" id="{044C5ACF-17B6-5920-7904-E16248F54A6A}"/>
+                <a16:creationId xmlns:a16="http://schemas.microsoft.com/office/drawing/2014/main" id="{044C5ACF-17B6-5920-7904-E16248F54A6A}"/>
               </a:ext>
             </a:extLst>
           </p:cNvPr>
@@ -17845,7 +17764,7 @@
           <p:cNvPr id="29" name="TextBox 28">
             <a:extLst>
               <a:ext uri="{FF2B5EF4-FFF2-40B4-BE49-F238E27FC236}">
-                <a16:creationId xmlns:a16="http://schemas.microsoft.com/office/drawing/2014/main" xmlns="" id="{044C5ACF-17B6-5920-7904-E16248F54A6A}"/>
+                <a16:creationId xmlns:a16="http://schemas.microsoft.com/office/drawing/2014/main" id="{044C5ACF-17B6-5920-7904-E16248F54A6A}"/>
               </a:ext>
             </a:extLst>
           </p:cNvPr>
@@ -17913,7 +17832,7 @@
           <p:cNvPr id="30" name="TextBox 29">
             <a:extLst>
               <a:ext uri="{FF2B5EF4-FFF2-40B4-BE49-F238E27FC236}">
-                <a16:creationId xmlns:a16="http://schemas.microsoft.com/office/drawing/2014/main" xmlns="" id="{044C5ACF-17B6-5920-7904-E16248F54A6A}"/>
+                <a16:creationId xmlns:a16="http://schemas.microsoft.com/office/drawing/2014/main" id="{044C5ACF-17B6-5920-7904-E16248F54A6A}"/>
               </a:ext>
             </a:extLst>
           </p:cNvPr>
@@ -17961,7 +17880,7 @@
           <p:cNvPr id="31" name="TextBox 30">
             <a:extLst>
               <a:ext uri="{FF2B5EF4-FFF2-40B4-BE49-F238E27FC236}">
-                <a16:creationId xmlns:a16="http://schemas.microsoft.com/office/drawing/2014/main" xmlns="" id="{69196D22-2A4C-4EF6-5A42-2031D7FEF549}"/>
+                <a16:creationId xmlns:a16="http://schemas.microsoft.com/office/drawing/2014/main" id="{69196D22-2A4C-4EF6-5A42-2031D7FEF549}"/>
               </a:ext>
             </a:extLst>
           </p:cNvPr>
@@ -17985,7 +17904,7 @@
           <a:lstStyle/>
           <a:p>
             <a:r>
-              <a:rPr lang="ko-KR" altLang="en-US" sz="5400" spc="-300" smtClean="0">
+              <a:rPr lang="ko-KR" altLang="en-US" sz="5400" spc="-300">
                 <a:solidFill>
                   <a:srgbClr val="4C50BC"/>
                 </a:solidFill>
@@ -18009,7 +17928,7 @@
           <p:cNvPr id="32" name="직선 연결선 31">
             <a:extLst>
               <a:ext uri="{FF2B5EF4-FFF2-40B4-BE49-F238E27FC236}">
-                <a16:creationId xmlns:a16="http://schemas.microsoft.com/office/drawing/2014/main" xmlns="" id="{DDFA97EB-659B-5D0A-D41B-496A6FF66D9E}"/>
+                <a16:creationId xmlns:a16="http://schemas.microsoft.com/office/drawing/2014/main" id="{DDFA97EB-659B-5D0A-D41B-496A6FF66D9E}"/>
               </a:ext>
             </a:extLst>
           </p:cNvPr>
@@ -18370,7 +18289,7 @@
           <p:cNvPr id="7" name="TextBox 6">
             <a:extLst>
               <a:ext uri="{FF2B5EF4-FFF2-40B4-BE49-F238E27FC236}">
-                <a16:creationId xmlns:a16="http://schemas.microsoft.com/office/drawing/2014/main" xmlns="" id="{69196D22-2A4C-4EF6-5A42-2031D7FEF549}"/>
+                <a16:creationId xmlns:a16="http://schemas.microsoft.com/office/drawing/2014/main" id="{69196D22-2A4C-4EF6-5A42-2031D7FEF549}"/>
               </a:ext>
             </a:extLst>
           </p:cNvPr>
@@ -18394,7 +18313,7 @@
           <a:lstStyle/>
           <a:p>
             <a:r>
-              <a:rPr lang="ko-KR" altLang="en-US" sz="5400" spc="-300" smtClean="0">
+              <a:rPr lang="ko-KR" altLang="en-US" sz="5400" spc="-300">
                 <a:solidFill>
                   <a:srgbClr val="4C50BC"/>
                 </a:solidFill>
@@ -18418,7 +18337,7 @@
           <p:cNvPr id="8" name="직선 연결선 7">
             <a:extLst>
               <a:ext uri="{FF2B5EF4-FFF2-40B4-BE49-F238E27FC236}">
-                <a16:creationId xmlns:a16="http://schemas.microsoft.com/office/drawing/2014/main" xmlns="" id="{DDFA97EB-659B-5D0A-D41B-496A6FF66D9E}"/>
+                <a16:creationId xmlns:a16="http://schemas.microsoft.com/office/drawing/2014/main" id="{DDFA97EB-659B-5D0A-D41B-496A6FF66D9E}"/>
               </a:ext>
             </a:extLst>
           </p:cNvPr>
@@ -18461,7 +18380,7 @@
           <p:cNvPr id="9" name="TextBox 8">
             <a:extLst>
               <a:ext uri="{FF2B5EF4-FFF2-40B4-BE49-F238E27FC236}">
-                <a16:creationId xmlns:a16="http://schemas.microsoft.com/office/drawing/2014/main" xmlns="" id="{B1C05CB3-45A9-FA20-A8E0-BE6F095B8777}"/>
+                <a16:creationId xmlns:a16="http://schemas.microsoft.com/office/drawing/2014/main" id="{B1C05CB3-45A9-FA20-A8E0-BE6F095B8777}"/>
               </a:ext>
             </a:extLst>
           </p:cNvPr>
@@ -18489,7 +18408,7 @@
               <a:buChar char="•"/>
             </a:pPr>
             <a:r>
-              <a:rPr lang="ko-KR" altLang="en-US" sz="3600" smtClean="0">
+              <a:rPr lang="ko-KR" altLang="en-US" sz="3600">
                 <a:solidFill>
                   <a:schemeClr val="tx1">
                     <a:lumMod val="50000"/>
@@ -18502,7 +18421,7 @@
               <a:t>예외 클래스를 상속받아 구현한다</a:t>
             </a:r>
             <a:r>
-              <a:rPr lang="en-US" altLang="ko-KR" sz="3600" smtClean="0">
+              <a:rPr lang="en-US" altLang="ko-KR" sz="3600">
                 <a:solidFill>
                   <a:schemeClr val="tx1">
                     <a:lumMod val="50000"/>
@@ -18521,7 +18440,7 @@
               <a:buChar char="•"/>
             </a:pPr>
             <a:r>
-              <a:rPr lang="ko-KR" altLang="en-US" sz="3600" smtClean="0">
+              <a:rPr lang="ko-KR" altLang="en-US" sz="3600">
                 <a:solidFill>
                   <a:schemeClr val="tx1">
                     <a:lumMod val="50000"/>
@@ -18534,7 +18453,7 @@
               <a:t>부모가 </a:t>
             </a:r>
             <a:r>
-              <a:rPr lang="en-US" altLang="ko-KR" sz="3600" smtClean="0">
+              <a:rPr lang="en-US" altLang="ko-KR" sz="3600">
                 <a:solidFill>
                   <a:schemeClr val="tx1">
                     <a:lumMod val="50000"/>
@@ -18547,7 +18466,7 @@
               <a:t>checked </a:t>
             </a:r>
             <a:r>
-              <a:rPr lang="ko-KR" altLang="en-US" sz="3600" smtClean="0">
+              <a:rPr lang="ko-KR" altLang="en-US" sz="3600">
                 <a:solidFill>
                   <a:schemeClr val="tx1">
                     <a:lumMod val="50000"/>
@@ -18560,7 +18479,7 @@
               <a:t>이면 자식도 </a:t>
             </a:r>
             <a:r>
-              <a:rPr lang="en-US" altLang="ko-KR" sz="3600" smtClean="0">
+              <a:rPr lang="en-US" altLang="ko-KR" sz="3600">
                 <a:solidFill>
                   <a:schemeClr val="tx1">
                     <a:lumMod val="50000"/>
@@ -18573,7 +18492,7 @@
               <a:t>checked </a:t>
             </a:r>
             <a:r>
-              <a:rPr lang="ko-KR" altLang="en-US" sz="3600" smtClean="0">
+              <a:rPr lang="ko-KR" altLang="en-US" sz="3600">
                 <a:solidFill>
                   <a:schemeClr val="tx1">
                     <a:lumMod val="50000"/>
@@ -18586,7 +18505,7 @@
               <a:t>이다</a:t>
             </a:r>
             <a:r>
-              <a:rPr lang="en-US" altLang="ko-KR" sz="3600" smtClean="0">
+              <a:rPr lang="en-US" altLang="ko-KR" sz="3600">
                 <a:solidFill>
                   <a:schemeClr val="tx1">
                     <a:lumMod val="50000"/>
@@ -18621,13 +18540,6 @@
   <p:clrMapOvr>
     <a:masterClrMapping/>
   </p:clrMapOvr>
-  <p:timing>
-    <p:tnLst>
-      <p:par>
-        <p:cTn id="1" dur="indefinite" restart="never" nodeType="tmRoot"/>
-      </p:par>
-    </p:tnLst>
-  </p:timing>
 </p:sld>
 </file>
 
@@ -18701,7 +18613,7 @@
           <p:cNvPr id="26" name="그룹 1018">
             <a:extLst>
               <a:ext uri="{FF2B5EF4-FFF2-40B4-BE49-F238E27FC236}">
-                <a16:creationId xmlns:a16="http://schemas.microsoft.com/office/drawing/2014/main" xmlns="" id="{F53BC57C-78A5-6AFC-CB34-7E3FD29B339F}"/>
+                <a16:creationId xmlns:a16="http://schemas.microsoft.com/office/drawing/2014/main" id="{F53BC57C-78A5-6AFC-CB34-7E3FD29B339F}"/>
               </a:ext>
             </a:extLst>
           </p:cNvPr>
@@ -18721,7 +18633,7 @@
             <p:cNvPr id="27" name="Object 61">
               <a:extLst>
                 <a:ext uri="{FF2B5EF4-FFF2-40B4-BE49-F238E27FC236}">
-                  <a16:creationId xmlns:a16="http://schemas.microsoft.com/office/drawing/2014/main" xmlns="" id="{E6F73685-14E5-06A9-813C-1C372BD6F4DE}"/>
+                  <a16:creationId xmlns:a16="http://schemas.microsoft.com/office/drawing/2014/main" id="{E6F73685-14E5-06A9-813C-1C372BD6F4DE}"/>
                 </a:ext>
               </a:extLst>
             </p:cNvPr>
@@ -18752,7 +18664,7 @@
           <p:cNvPr id="28" name="TextBox 27">
             <a:extLst>
               <a:ext uri="{FF2B5EF4-FFF2-40B4-BE49-F238E27FC236}">
-                <a16:creationId xmlns:a16="http://schemas.microsoft.com/office/drawing/2014/main" xmlns="" id="{A06D4055-10A8-4A24-5EDC-0761473BA40F}"/>
+                <a16:creationId xmlns:a16="http://schemas.microsoft.com/office/drawing/2014/main" id="{A06D4055-10A8-4A24-5EDC-0761473BA40F}"/>
               </a:ext>
             </a:extLst>
           </p:cNvPr>
@@ -18806,7 +18718,7 @@
           <p:cNvPr id="29" name="직선 연결선 28">
             <a:extLst>
               <a:ext uri="{FF2B5EF4-FFF2-40B4-BE49-F238E27FC236}">
-                <a16:creationId xmlns:a16="http://schemas.microsoft.com/office/drawing/2014/main" xmlns="" id="{1172879B-889D-0C2F-EEA8-003E6793F36F}"/>
+                <a16:creationId xmlns:a16="http://schemas.microsoft.com/office/drawing/2014/main" id="{1172879B-889D-0C2F-EEA8-003E6793F36F}"/>
               </a:ext>
             </a:extLst>
           </p:cNvPr>
@@ -18851,7 +18763,7 @@
           <p:cNvPr id="30" name="그룹 1018">
             <a:extLst>
               <a:ext uri="{FF2B5EF4-FFF2-40B4-BE49-F238E27FC236}">
-                <a16:creationId xmlns:a16="http://schemas.microsoft.com/office/drawing/2014/main" xmlns="" id="{F53BC57C-78A5-6AFC-CB34-7E3FD29B339F}"/>
+                <a16:creationId xmlns:a16="http://schemas.microsoft.com/office/drawing/2014/main" id="{F53BC57C-78A5-6AFC-CB34-7E3FD29B339F}"/>
               </a:ext>
             </a:extLst>
           </p:cNvPr>
@@ -18871,7 +18783,7 @@
             <p:cNvPr id="31" name="Object 61">
               <a:extLst>
                 <a:ext uri="{FF2B5EF4-FFF2-40B4-BE49-F238E27FC236}">
-                  <a16:creationId xmlns:a16="http://schemas.microsoft.com/office/drawing/2014/main" xmlns="" id="{E6F73685-14E5-06A9-813C-1C372BD6F4DE}"/>
+                  <a16:creationId xmlns:a16="http://schemas.microsoft.com/office/drawing/2014/main" id="{E6F73685-14E5-06A9-813C-1C372BD6F4DE}"/>
                 </a:ext>
               </a:extLst>
             </p:cNvPr>
@@ -18902,7 +18814,7 @@
           <p:cNvPr id="32" name="TextBox 31">
             <a:extLst>
               <a:ext uri="{FF2B5EF4-FFF2-40B4-BE49-F238E27FC236}">
-                <a16:creationId xmlns:a16="http://schemas.microsoft.com/office/drawing/2014/main" xmlns="" id="{A06D4055-10A8-4A24-5EDC-0761473BA40F}"/>
+                <a16:creationId xmlns:a16="http://schemas.microsoft.com/office/drawing/2014/main" id="{A06D4055-10A8-4A24-5EDC-0761473BA40F}"/>
               </a:ext>
             </a:extLst>
           </p:cNvPr>
@@ -18962,7 +18874,7 @@
           <p:cNvPr id="33" name="직선 연결선 32">
             <a:extLst>
               <a:ext uri="{FF2B5EF4-FFF2-40B4-BE49-F238E27FC236}">
-                <a16:creationId xmlns:a16="http://schemas.microsoft.com/office/drawing/2014/main" xmlns="" id="{1172879B-889D-0C2F-EEA8-003E6793F36F}"/>
+                <a16:creationId xmlns:a16="http://schemas.microsoft.com/office/drawing/2014/main" id="{1172879B-889D-0C2F-EEA8-003E6793F36F}"/>
               </a:ext>
             </a:extLst>
           </p:cNvPr>
@@ -19007,7 +18919,7 @@
           <p:cNvPr id="34" name="그룹 1018">
             <a:extLst>
               <a:ext uri="{FF2B5EF4-FFF2-40B4-BE49-F238E27FC236}">
-                <a16:creationId xmlns:a16="http://schemas.microsoft.com/office/drawing/2014/main" xmlns="" id="{F53BC57C-78A5-6AFC-CB34-7E3FD29B339F}"/>
+                <a16:creationId xmlns:a16="http://schemas.microsoft.com/office/drawing/2014/main" id="{F53BC57C-78A5-6AFC-CB34-7E3FD29B339F}"/>
               </a:ext>
             </a:extLst>
           </p:cNvPr>
@@ -19027,7 +18939,7 @@
             <p:cNvPr id="35" name="Object 61">
               <a:extLst>
                 <a:ext uri="{FF2B5EF4-FFF2-40B4-BE49-F238E27FC236}">
-                  <a16:creationId xmlns:a16="http://schemas.microsoft.com/office/drawing/2014/main" xmlns="" id="{E6F73685-14E5-06A9-813C-1C372BD6F4DE}"/>
+                  <a16:creationId xmlns:a16="http://schemas.microsoft.com/office/drawing/2014/main" id="{E6F73685-14E5-06A9-813C-1C372BD6F4DE}"/>
                 </a:ext>
               </a:extLst>
             </p:cNvPr>
@@ -19058,7 +18970,7 @@
           <p:cNvPr id="36" name="TextBox 35">
             <a:extLst>
               <a:ext uri="{FF2B5EF4-FFF2-40B4-BE49-F238E27FC236}">
-                <a16:creationId xmlns:a16="http://schemas.microsoft.com/office/drawing/2014/main" xmlns="" id="{A06D4055-10A8-4A24-5EDC-0761473BA40F}"/>
+                <a16:creationId xmlns:a16="http://schemas.microsoft.com/office/drawing/2014/main" id="{A06D4055-10A8-4A24-5EDC-0761473BA40F}"/>
               </a:ext>
             </a:extLst>
           </p:cNvPr>
@@ -19112,7 +19024,7 @@
           <p:cNvPr id="41" name="그룹 1018">
             <a:extLst>
               <a:ext uri="{FF2B5EF4-FFF2-40B4-BE49-F238E27FC236}">
-                <a16:creationId xmlns:a16="http://schemas.microsoft.com/office/drawing/2014/main" xmlns="" id="{F53BC57C-78A5-6AFC-CB34-7E3FD29B339F}"/>
+                <a16:creationId xmlns:a16="http://schemas.microsoft.com/office/drawing/2014/main" id="{F53BC57C-78A5-6AFC-CB34-7E3FD29B339F}"/>
               </a:ext>
             </a:extLst>
           </p:cNvPr>
@@ -19132,7 +19044,7 @@
             <p:cNvPr id="42" name="Object 61">
               <a:extLst>
                 <a:ext uri="{FF2B5EF4-FFF2-40B4-BE49-F238E27FC236}">
-                  <a16:creationId xmlns:a16="http://schemas.microsoft.com/office/drawing/2014/main" xmlns="" id="{E6F73685-14E5-06A9-813C-1C372BD6F4DE}"/>
+                  <a16:creationId xmlns:a16="http://schemas.microsoft.com/office/drawing/2014/main" id="{E6F73685-14E5-06A9-813C-1C372BD6F4DE}"/>
                 </a:ext>
               </a:extLst>
             </p:cNvPr>
@@ -19163,7 +19075,7 @@
           <p:cNvPr id="43" name="TextBox 42">
             <a:extLst>
               <a:ext uri="{FF2B5EF4-FFF2-40B4-BE49-F238E27FC236}">
-                <a16:creationId xmlns:a16="http://schemas.microsoft.com/office/drawing/2014/main" xmlns="" id="{A06D4055-10A8-4A24-5EDC-0761473BA40F}"/>
+                <a16:creationId xmlns:a16="http://schemas.microsoft.com/office/drawing/2014/main" id="{A06D4055-10A8-4A24-5EDC-0761473BA40F}"/>
               </a:ext>
             </a:extLst>
           </p:cNvPr>
@@ -19217,7 +19129,7 @@
           <p:cNvPr id="44" name="직선 연결선 43">
             <a:extLst>
               <a:ext uri="{FF2B5EF4-FFF2-40B4-BE49-F238E27FC236}">
-                <a16:creationId xmlns:a16="http://schemas.microsoft.com/office/drawing/2014/main" xmlns="" id="{1172879B-889D-0C2F-EEA8-003E6793F36F}"/>
+                <a16:creationId xmlns:a16="http://schemas.microsoft.com/office/drawing/2014/main" id="{1172879B-889D-0C2F-EEA8-003E6793F36F}"/>
               </a:ext>
             </a:extLst>
           </p:cNvPr>
@@ -19262,7 +19174,7 @@
           <p:cNvPr id="48" name="TextBox 47">
             <a:extLst>
               <a:ext uri="{FF2B5EF4-FFF2-40B4-BE49-F238E27FC236}">
-                <a16:creationId xmlns:a16="http://schemas.microsoft.com/office/drawing/2014/main" xmlns="" id="{C6D113C6-EA5C-788F-0C77-E7CE6EBB865F}"/>
+                <a16:creationId xmlns:a16="http://schemas.microsoft.com/office/drawing/2014/main" id="{C6D113C6-EA5C-788F-0C77-E7CE6EBB865F}"/>
               </a:ext>
             </a:extLst>
           </p:cNvPr>
@@ -19330,7 +19242,7 @@
           <p:cNvPr id="21" name="TextBox 20">
             <a:extLst>
               <a:ext uri="{FF2B5EF4-FFF2-40B4-BE49-F238E27FC236}">
-                <a16:creationId xmlns:a16="http://schemas.microsoft.com/office/drawing/2014/main" xmlns="" id="{69196D22-2A4C-4EF6-5A42-2031D7FEF549}"/>
+                <a16:creationId xmlns:a16="http://schemas.microsoft.com/office/drawing/2014/main" id="{69196D22-2A4C-4EF6-5A42-2031D7FEF549}"/>
               </a:ext>
             </a:extLst>
           </p:cNvPr>
@@ -19354,7 +19266,7 @@
           <a:lstStyle/>
           <a:p>
             <a:r>
-              <a:rPr lang="ko-KR" altLang="en-US" sz="5400" spc="-300" smtClean="0">
+              <a:rPr lang="ko-KR" altLang="en-US" sz="5400" spc="-300">
                 <a:solidFill>
                   <a:srgbClr val="4C50BC"/>
                 </a:solidFill>
@@ -19378,7 +19290,7 @@
           <p:cNvPr id="22" name="직선 연결선 21">
             <a:extLst>
               <a:ext uri="{FF2B5EF4-FFF2-40B4-BE49-F238E27FC236}">
-                <a16:creationId xmlns:a16="http://schemas.microsoft.com/office/drawing/2014/main" xmlns="" id="{DDFA97EB-659B-5D0A-D41B-496A6FF66D9E}"/>
+                <a16:creationId xmlns:a16="http://schemas.microsoft.com/office/drawing/2014/main" id="{DDFA97EB-659B-5D0A-D41B-496A6FF66D9E}"/>
               </a:ext>
             </a:extLst>
           </p:cNvPr>
@@ -19848,7 +19760,7 @@
           <p:cNvPr id="4" name="TextBox 3">
             <a:extLst>
               <a:ext uri="{FF2B5EF4-FFF2-40B4-BE49-F238E27FC236}">
-                <a16:creationId xmlns:a16="http://schemas.microsoft.com/office/drawing/2014/main" xmlns="" id="{F84DC196-DA83-3926-FA25-58A1850ED904}"/>
+                <a16:creationId xmlns:a16="http://schemas.microsoft.com/office/drawing/2014/main" id="{F84DC196-DA83-3926-FA25-58A1850ED904}"/>
               </a:ext>
             </a:extLst>
           </p:cNvPr>
@@ -20026,13 +19938,6 @@
   <p:clrMapOvr>
     <a:masterClrMapping/>
   </p:clrMapOvr>
-  <p:timing>
-    <p:tnLst>
-      <p:par>
-        <p:cTn id="1" dur="indefinite" restart="never" nodeType="tmRoot"/>
-      </p:par>
-    </p:tnLst>
-  </p:timing>
 </p:sld>
 </file>
 
@@ -20130,7 +20035,7 @@
           <p:cNvPr id="7" name="TextBox 6">
             <a:extLst>
               <a:ext uri="{FF2B5EF4-FFF2-40B4-BE49-F238E27FC236}">
-                <a16:creationId xmlns:a16="http://schemas.microsoft.com/office/drawing/2014/main" xmlns="" id="{C6D113C6-EA5C-788F-0C77-E7CE6EBB865F}"/>
+                <a16:creationId xmlns:a16="http://schemas.microsoft.com/office/drawing/2014/main" id="{C6D113C6-EA5C-788F-0C77-E7CE6EBB865F}"/>
               </a:ext>
             </a:extLst>
           </p:cNvPr>
@@ -20221,7 +20126,7 @@
           <p:cNvPr id="8" name="TextBox 7">
             <a:extLst>
               <a:ext uri="{FF2B5EF4-FFF2-40B4-BE49-F238E27FC236}">
-                <a16:creationId xmlns:a16="http://schemas.microsoft.com/office/drawing/2014/main" xmlns="" id="{69196D22-2A4C-4EF6-5A42-2031D7FEF549}"/>
+                <a16:creationId xmlns:a16="http://schemas.microsoft.com/office/drawing/2014/main" id="{69196D22-2A4C-4EF6-5A42-2031D7FEF549}"/>
               </a:ext>
             </a:extLst>
           </p:cNvPr>
@@ -20231,7 +20136,7 @@
         <p:spPr>
           <a:xfrm>
             <a:off x="304800" y="114300"/>
-            <a:ext cx="6324600" cy="923330"/>
+            <a:ext cx="8077200" cy="923330"/>
           </a:xfrm>
           <a:prstGeom prst="rect">
             <a:avLst/>
@@ -20245,7 +20150,7 @@
           <a:lstStyle/>
           <a:p>
             <a:r>
-              <a:rPr lang="ko-KR" altLang="en-US" sz="5400" spc="-300" smtClean="0">
+              <a:rPr lang="ko-KR" altLang="en-US" sz="5400" spc="-300" dirty="0">
                 <a:solidFill>
                   <a:srgbClr val="4C50BC"/>
                 </a:solidFill>
@@ -20269,7 +20174,7 @@
           <p:cNvPr id="9" name="직선 연결선 8">
             <a:extLst>
               <a:ext uri="{FF2B5EF4-FFF2-40B4-BE49-F238E27FC236}">
-                <a16:creationId xmlns:a16="http://schemas.microsoft.com/office/drawing/2014/main" xmlns="" id="{DDFA97EB-659B-5D0A-D41B-496A6FF66D9E}"/>
+                <a16:creationId xmlns:a16="http://schemas.microsoft.com/office/drawing/2014/main" id="{DDFA97EB-659B-5D0A-D41B-496A6FF66D9E}"/>
               </a:ext>
             </a:extLst>
           </p:cNvPr>
@@ -20312,7 +20217,7 @@
           <p:cNvPr id="10" name="TextBox 9">
             <a:extLst>
               <a:ext uri="{FF2B5EF4-FFF2-40B4-BE49-F238E27FC236}">
-                <a16:creationId xmlns:a16="http://schemas.microsoft.com/office/drawing/2014/main" xmlns="" id="{B1C05CB3-45A9-FA20-A8E0-BE6F095B8777}"/>
+                <a16:creationId xmlns:a16="http://schemas.microsoft.com/office/drawing/2014/main" id="{B1C05CB3-45A9-FA20-A8E0-BE6F095B8777}"/>
               </a:ext>
             </a:extLst>
           </p:cNvPr>
@@ -20340,7 +20245,7 @@
               <a:buChar char="•"/>
             </a:pPr>
             <a:r>
-              <a:rPr lang="ko-KR" altLang="en-US" sz="3600" smtClean="0">
+              <a:rPr lang="ko-KR" altLang="en-US" sz="3600">
                 <a:solidFill>
                   <a:schemeClr val="tx1">
                     <a:lumMod val="50000"/>
@@ -20353,7 +20258,7 @@
               <a:t>아래 코드의 문제점을 생각해보자</a:t>
             </a:r>
             <a:r>
-              <a:rPr lang="en-US" altLang="ko-KR" sz="3600" smtClean="0">
+              <a:rPr lang="en-US" altLang="ko-KR" sz="3600">
                 <a:solidFill>
                   <a:schemeClr val="tx1">
                     <a:lumMod val="50000"/>
@@ -20563,7 +20468,7 @@
           <p:cNvPr id="5" name="TextBox 4">
             <a:extLst>
               <a:ext uri="{FF2B5EF4-FFF2-40B4-BE49-F238E27FC236}">
-                <a16:creationId xmlns:a16="http://schemas.microsoft.com/office/drawing/2014/main" xmlns="" id="{F84DC196-DA83-3926-FA25-58A1850ED904}"/>
+                <a16:creationId xmlns:a16="http://schemas.microsoft.com/office/drawing/2014/main" id="{F84DC196-DA83-3926-FA25-58A1850ED904}"/>
               </a:ext>
             </a:extLst>
           </p:cNvPr>
@@ -20717,7 +20622,7 @@
           <p:cNvPr id="4" name="TextBox 3">
             <a:extLst>
               <a:ext uri="{FF2B5EF4-FFF2-40B4-BE49-F238E27FC236}">
-                <a16:creationId xmlns:a16="http://schemas.microsoft.com/office/drawing/2014/main" xmlns="" id="{69196D22-2A4C-4EF6-5A42-2031D7FEF549}"/>
+                <a16:creationId xmlns:a16="http://schemas.microsoft.com/office/drawing/2014/main" id="{69196D22-2A4C-4EF6-5A42-2031D7FEF549}"/>
               </a:ext>
             </a:extLst>
           </p:cNvPr>
@@ -20727,7 +20632,7 @@
         <p:spPr>
           <a:xfrm>
             <a:off x="304800" y="114300"/>
-            <a:ext cx="6324600" cy="923330"/>
+            <a:ext cx="8305800" cy="923330"/>
           </a:xfrm>
           <a:prstGeom prst="rect">
             <a:avLst/>
@@ -20741,7 +20646,7 @@
           <a:lstStyle/>
           <a:p>
             <a:r>
-              <a:rPr lang="ko-KR" altLang="en-US" sz="5400" spc="-300" smtClean="0">
+              <a:rPr lang="ko-KR" altLang="en-US" sz="5400" spc="-300" dirty="0">
                 <a:solidFill>
                   <a:srgbClr val="4C50BC"/>
                 </a:solidFill>
@@ -20765,7 +20670,7 @@
           <p:cNvPr id="7" name="직선 연결선 6">
             <a:extLst>
               <a:ext uri="{FF2B5EF4-FFF2-40B4-BE49-F238E27FC236}">
-                <a16:creationId xmlns:a16="http://schemas.microsoft.com/office/drawing/2014/main" xmlns="" id="{DDFA97EB-659B-5D0A-D41B-496A6FF66D9E}"/>
+                <a16:creationId xmlns:a16="http://schemas.microsoft.com/office/drawing/2014/main" id="{DDFA97EB-659B-5D0A-D41B-496A6FF66D9E}"/>
               </a:ext>
             </a:extLst>
           </p:cNvPr>
@@ -20813,13 +20718,6 @@
   <p:clrMapOvr>
     <a:masterClrMapping/>
   </p:clrMapOvr>
-  <p:timing>
-    <p:tnLst>
-      <p:par>
-        <p:cTn id="1" dur="indefinite" restart="never" nodeType="tmRoot"/>
-      </p:par>
-    </p:tnLst>
-  </p:timing>
 </p:sld>
 </file>
 
@@ -20869,7 +20767,7 @@
           <p:cNvPr id="5" name="TextBox 4">
             <a:extLst>
               <a:ext uri="{FF2B5EF4-FFF2-40B4-BE49-F238E27FC236}">
-                <a16:creationId xmlns:a16="http://schemas.microsoft.com/office/drawing/2014/main" xmlns="" id="{F84DC196-DA83-3926-FA25-58A1850ED904}"/>
+                <a16:creationId xmlns:a16="http://schemas.microsoft.com/office/drawing/2014/main" id="{F84DC196-DA83-3926-FA25-58A1850ED904}"/>
               </a:ext>
             </a:extLst>
           </p:cNvPr>
@@ -20940,7 +20838,7 @@
           <p:cNvPr id="6" name="TextBox 5">
             <a:extLst>
               <a:ext uri="{FF2B5EF4-FFF2-40B4-BE49-F238E27FC236}">
-                <a16:creationId xmlns:a16="http://schemas.microsoft.com/office/drawing/2014/main" xmlns="" id="{C6D113C6-EA5C-788F-0C77-E7CE6EBB865F}"/>
+                <a16:creationId xmlns:a16="http://schemas.microsoft.com/office/drawing/2014/main" id="{C6D113C6-EA5C-788F-0C77-E7CE6EBB865F}"/>
               </a:ext>
             </a:extLst>
           </p:cNvPr>
@@ -21040,7 +20938,7 @@
           <p:cNvPr id="7" name="TextBox 6">
             <a:extLst>
               <a:ext uri="{FF2B5EF4-FFF2-40B4-BE49-F238E27FC236}">
-                <a16:creationId xmlns:a16="http://schemas.microsoft.com/office/drawing/2014/main" xmlns="" id="{69196D22-2A4C-4EF6-5A42-2031D7FEF549}"/>
+                <a16:creationId xmlns:a16="http://schemas.microsoft.com/office/drawing/2014/main" id="{69196D22-2A4C-4EF6-5A42-2031D7FEF549}"/>
               </a:ext>
             </a:extLst>
           </p:cNvPr>
@@ -21050,7 +20948,7 @@
         <p:spPr>
           <a:xfrm>
             <a:off x="304800" y="114300"/>
-            <a:ext cx="6324600" cy="923330"/>
+            <a:ext cx="9372600" cy="923330"/>
           </a:xfrm>
           <a:prstGeom prst="rect">
             <a:avLst/>
@@ -21064,7 +20962,7 @@
           <a:lstStyle/>
           <a:p>
             <a:r>
-              <a:rPr lang="ko-KR" altLang="en-US" sz="5400" spc="-300" smtClean="0">
+              <a:rPr lang="ko-KR" altLang="en-US" sz="5400" spc="-300" dirty="0">
                 <a:solidFill>
                   <a:srgbClr val="4C50BC"/>
                 </a:solidFill>
@@ -21088,7 +20986,7 @@
           <p:cNvPr id="8" name="직선 연결선 7">
             <a:extLst>
               <a:ext uri="{FF2B5EF4-FFF2-40B4-BE49-F238E27FC236}">
-                <a16:creationId xmlns:a16="http://schemas.microsoft.com/office/drawing/2014/main" xmlns="" id="{DDFA97EB-659B-5D0A-D41B-496A6FF66D9E}"/>
+                <a16:creationId xmlns:a16="http://schemas.microsoft.com/office/drawing/2014/main" id="{DDFA97EB-659B-5D0A-D41B-496A6FF66D9E}"/>
               </a:ext>
             </a:extLst>
           </p:cNvPr>
@@ -21263,7 +21161,7 @@
           <p:cNvPr id="5" name="직사각형 4">
             <a:extLst>
               <a:ext uri="{FF2B5EF4-FFF2-40B4-BE49-F238E27FC236}">
-                <a16:creationId xmlns:a16="http://schemas.microsoft.com/office/drawing/2014/main" xmlns="" id="{FFF506F9-840A-0508-4CAF-3AC711D8D5CE}"/>
+                <a16:creationId xmlns:a16="http://schemas.microsoft.com/office/drawing/2014/main" id="{FFF506F9-840A-0508-4CAF-3AC711D8D5CE}"/>
               </a:ext>
             </a:extLst>
           </p:cNvPr>
@@ -21315,7 +21213,7 @@
           <p:cNvPr id="6" name="직선 화살표 연결선 5">
             <a:extLst>
               <a:ext uri="{FF2B5EF4-FFF2-40B4-BE49-F238E27FC236}">
-                <a16:creationId xmlns:a16="http://schemas.microsoft.com/office/drawing/2014/main" xmlns="" id="{299DF5EC-9DF4-5255-06AC-0A7CE4FF58C3}"/>
+                <a16:creationId xmlns:a16="http://schemas.microsoft.com/office/drawing/2014/main" id="{299DF5EC-9DF4-5255-06AC-0A7CE4FF58C3}"/>
               </a:ext>
             </a:extLst>
           </p:cNvPr>
@@ -21356,7 +21254,7 @@
           <p:cNvPr id="7" name="TextBox 6">
             <a:extLst>
               <a:ext uri="{FF2B5EF4-FFF2-40B4-BE49-F238E27FC236}">
-                <a16:creationId xmlns:a16="http://schemas.microsoft.com/office/drawing/2014/main" xmlns="" id="{C6D113C6-EA5C-788F-0C77-E7CE6EBB865F}"/>
+                <a16:creationId xmlns:a16="http://schemas.microsoft.com/office/drawing/2014/main" id="{C6D113C6-EA5C-788F-0C77-E7CE6EBB865F}"/>
               </a:ext>
             </a:extLst>
           </p:cNvPr>
@@ -21486,7 +21384,7 @@
           <p:cNvPr id="8" name="TextBox 7">
             <a:extLst>
               <a:ext uri="{FF2B5EF4-FFF2-40B4-BE49-F238E27FC236}">
-                <a16:creationId xmlns:a16="http://schemas.microsoft.com/office/drawing/2014/main" xmlns="" id="{69196D22-2A4C-4EF6-5A42-2031D7FEF549}"/>
+                <a16:creationId xmlns:a16="http://schemas.microsoft.com/office/drawing/2014/main" id="{69196D22-2A4C-4EF6-5A42-2031D7FEF549}"/>
               </a:ext>
             </a:extLst>
           </p:cNvPr>
@@ -21496,7 +21394,7 @@
         <p:spPr>
           <a:xfrm>
             <a:off x="304800" y="114300"/>
-            <a:ext cx="6324600" cy="923330"/>
+            <a:ext cx="9067800" cy="923330"/>
           </a:xfrm>
           <a:prstGeom prst="rect">
             <a:avLst/>
@@ -21510,7 +21408,7 @@
           <a:lstStyle/>
           <a:p>
             <a:r>
-              <a:rPr lang="ko-KR" altLang="en-US" sz="5400" spc="-300" smtClean="0">
+              <a:rPr lang="ko-KR" altLang="en-US" sz="5400" spc="-300" dirty="0">
                 <a:solidFill>
                   <a:srgbClr val="4C50BC"/>
                 </a:solidFill>
@@ -21534,7 +21432,7 @@
           <p:cNvPr id="10" name="직선 연결선 9">
             <a:extLst>
               <a:ext uri="{FF2B5EF4-FFF2-40B4-BE49-F238E27FC236}">
-                <a16:creationId xmlns:a16="http://schemas.microsoft.com/office/drawing/2014/main" xmlns="" id="{DDFA97EB-659B-5D0A-D41B-496A6FF66D9E}"/>
+                <a16:creationId xmlns:a16="http://schemas.microsoft.com/office/drawing/2014/main" id="{DDFA97EB-659B-5D0A-D41B-496A6FF66D9E}"/>
               </a:ext>
             </a:extLst>
           </p:cNvPr>
@@ -21577,7 +21475,7 @@
           <p:cNvPr id="11" name="TextBox 10">
             <a:extLst>
               <a:ext uri="{FF2B5EF4-FFF2-40B4-BE49-F238E27FC236}">
-                <a16:creationId xmlns:a16="http://schemas.microsoft.com/office/drawing/2014/main" xmlns="" id="{B1C05CB3-45A9-FA20-A8E0-BE6F095B8777}"/>
+                <a16:creationId xmlns:a16="http://schemas.microsoft.com/office/drawing/2014/main" id="{B1C05CB3-45A9-FA20-A8E0-BE6F095B8777}"/>
               </a:ext>
             </a:extLst>
           </p:cNvPr>
@@ -21605,7 +21503,7 @@
               <a:buChar char="•"/>
             </a:pPr>
             <a:r>
-              <a:rPr lang="ko-KR" altLang="en-US" sz="3600" smtClean="0">
+              <a:rPr lang="ko-KR" altLang="en-US" sz="3600">
                 <a:solidFill>
                   <a:schemeClr val="tx1">
                     <a:lumMod val="50000"/>
@@ -21618,7 +21516,7 @@
               <a:t>메서드의 반환 데이터로는 메서드 내부의 상황을 알리기 힘들다</a:t>
             </a:r>
             <a:r>
-              <a:rPr lang="en-US" altLang="ko-KR" sz="3600" smtClean="0">
+              <a:rPr lang="en-US" altLang="ko-KR" sz="3600">
                 <a:solidFill>
                   <a:schemeClr val="tx1">
                     <a:lumMod val="50000"/>
@@ -21780,7 +21678,7 @@
           <p:cNvPr id="5" name="직선 화살표 연결선 4">
             <a:extLst>
               <a:ext uri="{FF2B5EF4-FFF2-40B4-BE49-F238E27FC236}">
-                <a16:creationId xmlns:a16="http://schemas.microsoft.com/office/drawing/2014/main" xmlns="" id="{299DF5EC-9DF4-5255-06AC-0A7CE4FF58C3}"/>
+                <a16:creationId xmlns:a16="http://schemas.microsoft.com/office/drawing/2014/main" id="{299DF5EC-9DF4-5255-06AC-0A7CE4FF58C3}"/>
               </a:ext>
             </a:extLst>
           </p:cNvPr>
@@ -21821,7 +21719,7 @@
           <p:cNvPr id="6" name="TextBox 5">
             <a:extLst>
               <a:ext uri="{FF2B5EF4-FFF2-40B4-BE49-F238E27FC236}">
-                <a16:creationId xmlns:a16="http://schemas.microsoft.com/office/drawing/2014/main" xmlns="" id="{C6D113C6-EA5C-788F-0C77-E7CE6EBB865F}"/>
+                <a16:creationId xmlns:a16="http://schemas.microsoft.com/office/drawing/2014/main" id="{C6D113C6-EA5C-788F-0C77-E7CE6EBB865F}"/>
               </a:ext>
             </a:extLst>
           </p:cNvPr>
@@ -21903,7 +21801,7 @@
           <p:cNvPr id="11" name="직선 화살표 연결선 10">
             <a:extLst>
               <a:ext uri="{FF2B5EF4-FFF2-40B4-BE49-F238E27FC236}">
-                <a16:creationId xmlns:a16="http://schemas.microsoft.com/office/drawing/2014/main" xmlns="" id="{299DF5EC-9DF4-5255-06AC-0A7CE4FF58C3}"/>
+                <a16:creationId xmlns:a16="http://schemas.microsoft.com/office/drawing/2014/main" id="{299DF5EC-9DF4-5255-06AC-0A7CE4FF58C3}"/>
               </a:ext>
             </a:extLst>
           </p:cNvPr>
@@ -21944,7 +21842,7 @@
           <p:cNvPr id="12" name="TextBox 11">
             <a:extLst>
               <a:ext uri="{FF2B5EF4-FFF2-40B4-BE49-F238E27FC236}">
-                <a16:creationId xmlns:a16="http://schemas.microsoft.com/office/drawing/2014/main" xmlns="" id="{C6D113C6-EA5C-788F-0C77-E7CE6EBB865F}"/>
+                <a16:creationId xmlns:a16="http://schemas.microsoft.com/office/drawing/2014/main" id="{C6D113C6-EA5C-788F-0C77-E7CE6EBB865F}"/>
               </a:ext>
             </a:extLst>
           </p:cNvPr>
@@ -22022,7 +21920,7 @@
           <p:cNvPr id="17" name="TextBox 16">
             <a:extLst>
               <a:ext uri="{FF2B5EF4-FFF2-40B4-BE49-F238E27FC236}">
-                <a16:creationId xmlns:a16="http://schemas.microsoft.com/office/drawing/2014/main" xmlns="" id="{69196D22-2A4C-4EF6-5A42-2031D7FEF549}"/>
+                <a16:creationId xmlns:a16="http://schemas.microsoft.com/office/drawing/2014/main" id="{69196D22-2A4C-4EF6-5A42-2031D7FEF549}"/>
               </a:ext>
             </a:extLst>
           </p:cNvPr>
@@ -22031,8 +21929,8 @@
         </p:nvSpPr>
         <p:spPr>
           <a:xfrm>
-            <a:off x="304800" y="114300"/>
-            <a:ext cx="6324600" cy="923330"/>
+            <a:off x="304799" y="114300"/>
+            <a:ext cx="7919393" cy="923330"/>
           </a:xfrm>
           <a:prstGeom prst="rect">
             <a:avLst/>
@@ -22046,7 +21944,7 @@
           <a:lstStyle/>
           <a:p>
             <a:r>
-              <a:rPr lang="ko-KR" altLang="en-US" sz="5400" spc="-300" smtClean="0">
+              <a:rPr lang="ko-KR" altLang="en-US" sz="5400" spc="-300" dirty="0">
                 <a:solidFill>
                   <a:srgbClr val="4C50BC"/>
                 </a:solidFill>
@@ -22070,7 +21968,7 @@
           <p:cNvPr id="18" name="직선 연결선 17">
             <a:extLst>
               <a:ext uri="{FF2B5EF4-FFF2-40B4-BE49-F238E27FC236}">
-                <a16:creationId xmlns:a16="http://schemas.microsoft.com/office/drawing/2014/main" xmlns="" id="{DDFA97EB-659B-5D0A-D41B-496A6FF66D9E}"/>
+                <a16:creationId xmlns:a16="http://schemas.microsoft.com/office/drawing/2014/main" id="{DDFA97EB-659B-5D0A-D41B-496A6FF66D9E}"/>
               </a:ext>
             </a:extLst>
           </p:cNvPr>
@@ -22113,7 +22011,7 @@
           <p:cNvPr id="19" name="TextBox 18">
             <a:extLst>
               <a:ext uri="{FF2B5EF4-FFF2-40B4-BE49-F238E27FC236}">
-                <a16:creationId xmlns:a16="http://schemas.microsoft.com/office/drawing/2014/main" xmlns="" id="{B1C05CB3-45A9-FA20-A8E0-BE6F095B8777}"/>
+                <a16:creationId xmlns:a16="http://schemas.microsoft.com/office/drawing/2014/main" id="{B1C05CB3-45A9-FA20-A8E0-BE6F095B8777}"/>
               </a:ext>
             </a:extLst>
           </p:cNvPr>
@@ -22141,7 +22039,7 @@
               <a:buChar char="•"/>
             </a:pPr>
             <a:r>
-              <a:rPr lang="ko-KR" altLang="en-US" sz="3600" smtClean="0">
+              <a:rPr lang="ko-KR" altLang="en-US" sz="3600">
                 <a:solidFill>
                   <a:schemeClr val="tx1">
                     <a:lumMod val="50000"/>
@@ -22154,7 +22052,7 @@
               <a:t>메서드의 </a:t>
             </a:r>
             <a:r>
-              <a:rPr lang="en-US" altLang="ko-KR" sz="3600" smtClean="0">
+              <a:rPr lang="en-US" altLang="ko-KR" sz="3600">
                 <a:solidFill>
                   <a:schemeClr val="tx1">
                     <a:lumMod val="50000"/>
@@ -22167,7 +22065,7 @@
               <a:t>return</a:t>
             </a:r>
             <a:r>
-              <a:rPr lang="ko-KR" altLang="en-US" sz="3600" smtClean="0">
+              <a:rPr lang="ko-KR" altLang="en-US" sz="3600">
                 <a:solidFill>
                   <a:schemeClr val="tx1">
                     <a:lumMod val="50000"/>
@@ -22180,7 +22078,7 @@
               <a:t>은 일반적으로 데이터를 반환하는 목적이다</a:t>
             </a:r>
             <a:r>
-              <a:rPr lang="en-US" altLang="ko-KR" sz="3600" smtClean="0">
+              <a:rPr lang="en-US" altLang="ko-KR" sz="3600">
                 <a:solidFill>
                   <a:schemeClr val="tx1">
                     <a:lumMod val="50000"/>
@@ -22193,7 +22091,7 @@
               <a:t>(</a:t>
             </a:r>
             <a:r>
-              <a:rPr lang="ko-KR" altLang="en-US" sz="3600" smtClean="0">
+              <a:rPr lang="ko-KR" altLang="en-US" sz="3600">
                 <a:solidFill>
                   <a:schemeClr val="tx1">
                     <a:lumMod val="50000"/>
@@ -22206,7 +22104,7 @@
               <a:t>메시지전달이 아니다</a:t>
             </a:r>
             <a:r>
-              <a:rPr lang="en-US" altLang="ko-KR" sz="3600" smtClean="0">
+              <a:rPr lang="en-US" altLang="ko-KR" sz="3600">
                 <a:solidFill>
                   <a:schemeClr val="tx1">
                     <a:lumMod val="50000"/>
@@ -22225,7 +22123,7 @@
               <a:buChar char="•"/>
             </a:pPr>
             <a:r>
-              <a:rPr lang="ko-KR" altLang="en-US" sz="3600" smtClean="0">
+              <a:rPr lang="ko-KR" altLang="en-US" sz="3600">
                 <a:solidFill>
                   <a:schemeClr val="tx1">
                     <a:lumMod val="50000"/>
@@ -22238,7 +22136,7 @@
               <a:t>예외처리를 통해 클래스를 사용하려는 개발자에게 다양한 메시지를 전달할수 있다</a:t>
             </a:r>
             <a:r>
-              <a:rPr lang="en-US" altLang="ko-KR" sz="3600" smtClean="0">
+              <a:rPr lang="en-US" altLang="ko-KR" sz="3600">
                 <a:solidFill>
                   <a:schemeClr val="tx1">
                     <a:lumMod val="50000"/>
@@ -22322,7 +22220,7 @@
           <p:cNvPr id="5" name="직선 화살표 연결선 4">
             <a:extLst>
               <a:ext uri="{FF2B5EF4-FFF2-40B4-BE49-F238E27FC236}">
-                <a16:creationId xmlns:a16="http://schemas.microsoft.com/office/drawing/2014/main" xmlns="" id="{299DF5EC-9DF4-5255-06AC-0A7CE4FF58C3}"/>
+                <a16:creationId xmlns:a16="http://schemas.microsoft.com/office/drawing/2014/main" id="{299DF5EC-9DF4-5255-06AC-0A7CE4FF58C3}"/>
               </a:ext>
             </a:extLst>
           </p:cNvPr>
@@ -22363,7 +22261,7 @@
           <p:cNvPr id="6" name="직사각형 5">
             <a:extLst>
               <a:ext uri="{FF2B5EF4-FFF2-40B4-BE49-F238E27FC236}">
-                <a16:creationId xmlns:a16="http://schemas.microsoft.com/office/drawing/2014/main" xmlns="" id="{FFF506F9-840A-0508-4CAF-3AC711D8D5CE}"/>
+                <a16:creationId xmlns:a16="http://schemas.microsoft.com/office/drawing/2014/main" id="{FFF506F9-840A-0508-4CAF-3AC711D8D5CE}"/>
               </a:ext>
             </a:extLst>
           </p:cNvPr>
@@ -22415,7 +22313,7 @@
           <p:cNvPr id="7" name="TextBox 6">
             <a:extLst>
               <a:ext uri="{FF2B5EF4-FFF2-40B4-BE49-F238E27FC236}">
-                <a16:creationId xmlns:a16="http://schemas.microsoft.com/office/drawing/2014/main" xmlns="" id="{C6D113C6-EA5C-788F-0C77-E7CE6EBB865F}"/>
+                <a16:creationId xmlns:a16="http://schemas.microsoft.com/office/drawing/2014/main" id="{C6D113C6-EA5C-788F-0C77-E7CE6EBB865F}"/>
               </a:ext>
             </a:extLst>
           </p:cNvPr>
@@ -22473,7 +22371,7 @@
           <p:cNvPr id="8" name="TextBox 7">
             <a:extLst>
               <a:ext uri="{FF2B5EF4-FFF2-40B4-BE49-F238E27FC236}">
-                <a16:creationId xmlns:a16="http://schemas.microsoft.com/office/drawing/2014/main" xmlns="" id="{69196D22-2A4C-4EF6-5A42-2031D7FEF549}"/>
+                <a16:creationId xmlns:a16="http://schemas.microsoft.com/office/drawing/2014/main" id="{69196D22-2A4C-4EF6-5A42-2031D7FEF549}"/>
               </a:ext>
             </a:extLst>
           </p:cNvPr>
@@ -22482,8 +22380,8 @@
         </p:nvSpPr>
         <p:spPr>
           <a:xfrm>
-            <a:off x="304800" y="114300"/>
-            <a:ext cx="6324600" cy="923330"/>
+            <a:off x="304799" y="114300"/>
+            <a:ext cx="9590433" cy="923330"/>
           </a:xfrm>
           <a:prstGeom prst="rect">
             <a:avLst/>
@@ -22497,7 +22395,7 @@
           <a:lstStyle/>
           <a:p>
             <a:r>
-              <a:rPr lang="ko-KR" altLang="en-US" sz="5400" spc="-300" smtClean="0">
+              <a:rPr lang="ko-KR" altLang="en-US" sz="5400" spc="-300" dirty="0">
                 <a:solidFill>
                   <a:srgbClr val="4C50BC"/>
                 </a:solidFill>
@@ -22521,7 +22419,7 @@
           <p:cNvPr id="9" name="직선 연결선 8">
             <a:extLst>
               <a:ext uri="{FF2B5EF4-FFF2-40B4-BE49-F238E27FC236}">
-                <a16:creationId xmlns:a16="http://schemas.microsoft.com/office/drawing/2014/main" xmlns="" id="{DDFA97EB-659B-5D0A-D41B-496A6FF66D9E}"/>
+                <a16:creationId xmlns:a16="http://schemas.microsoft.com/office/drawing/2014/main" id="{DDFA97EB-659B-5D0A-D41B-496A6FF66D9E}"/>
               </a:ext>
             </a:extLst>
           </p:cNvPr>
@@ -22594,7 +22492,7 @@
           <p:cNvPr id="4" name="TextBox 3">
             <a:extLst>
               <a:ext uri="{FF2B5EF4-FFF2-40B4-BE49-F238E27FC236}">
-                <a16:creationId xmlns:a16="http://schemas.microsoft.com/office/drawing/2014/main" xmlns="" id="{F84DC196-DA83-3926-FA25-58A1850ED904}"/>
+                <a16:creationId xmlns:a16="http://schemas.microsoft.com/office/drawing/2014/main" id="{F84DC196-DA83-3926-FA25-58A1850ED904}"/>
               </a:ext>
             </a:extLst>
           </p:cNvPr>
@@ -22826,7 +22724,7 @@
           <p:cNvPr id="15" name="그룹 1008">
             <a:extLst>
               <a:ext uri="{FF2B5EF4-FFF2-40B4-BE49-F238E27FC236}">
-                <a16:creationId xmlns:a16="http://schemas.microsoft.com/office/drawing/2014/main" xmlns="" id="{678F6342-C505-E8AD-ADA4-022CB2C2088E}"/>
+                <a16:creationId xmlns:a16="http://schemas.microsoft.com/office/drawing/2014/main" id="{678F6342-C505-E8AD-ADA4-022CB2C2088E}"/>
               </a:ext>
             </a:extLst>
           </p:cNvPr>
@@ -22846,7 +22744,7 @@
             <p:cNvPr id="16" name="그룹 1009">
               <a:extLst>
                 <a:ext uri="{FF2B5EF4-FFF2-40B4-BE49-F238E27FC236}">
-                  <a16:creationId xmlns:a16="http://schemas.microsoft.com/office/drawing/2014/main" xmlns="" id="{4E1F1FED-812B-9BBB-925A-84B54A077414}"/>
+                  <a16:creationId xmlns:a16="http://schemas.microsoft.com/office/drawing/2014/main" id="{4E1F1FED-812B-9BBB-925A-84B54A077414}"/>
                 </a:ext>
               </a:extLst>
             </p:cNvPr>
@@ -22866,7 +22764,7 @@
               <p:cNvPr id="21" name="Object 29">
                 <a:extLst>
                   <a:ext uri="{FF2B5EF4-FFF2-40B4-BE49-F238E27FC236}">
-                    <a16:creationId xmlns:a16="http://schemas.microsoft.com/office/drawing/2014/main" xmlns="" id="{7B078609-4286-7B00-51EB-809C8E2DE289}"/>
+                    <a16:creationId xmlns:a16="http://schemas.microsoft.com/office/drawing/2014/main" id="{7B078609-4286-7B00-51EB-809C8E2DE289}"/>
                   </a:ext>
                 </a:extLst>
               </p:cNvPr>
@@ -22897,7 +22795,7 @@
             <p:cNvPr id="17" name="그룹 1010">
               <a:extLst>
                 <a:ext uri="{FF2B5EF4-FFF2-40B4-BE49-F238E27FC236}">
-                  <a16:creationId xmlns:a16="http://schemas.microsoft.com/office/drawing/2014/main" xmlns="" id="{02A649BF-B5B5-FBAF-7DFD-E118A4DF8907}"/>
+                  <a16:creationId xmlns:a16="http://schemas.microsoft.com/office/drawing/2014/main" id="{02A649BF-B5B5-FBAF-7DFD-E118A4DF8907}"/>
                 </a:ext>
               </a:extLst>
             </p:cNvPr>
@@ -22917,7 +22815,7 @@
               <p:cNvPr id="20" name="Object 32">
                 <a:extLst>
                   <a:ext uri="{FF2B5EF4-FFF2-40B4-BE49-F238E27FC236}">
-                    <a16:creationId xmlns:a16="http://schemas.microsoft.com/office/drawing/2014/main" xmlns="" id="{2A0FFF23-B3C9-3EA0-1C1B-A87D4FF098AE}"/>
+                    <a16:creationId xmlns:a16="http://schemas.microsoft.com/office/drawing/2014/main" id="{2A0FFF23-B3C9-3EA0-1C1B-A87D4FF098AE}"/>
                   </a:ext>
                 </a:extLst>
               </p:cNvPr>
@@ -22948,7 +22846,7 @@
             <p:cNvPr id="18" name="그룹 1011">
               <a:extLst>
                 <a:ext uri="{FF2B5EF4-FFF2-40B4-BE49-F238E27FC236}">
-                  <a16:creationId xmlns:a16="http://schemas.microsoft.com/office/drawing/2014/main" xmlns="" id="{881F5410-F7FB-F261-A584-707359BAC593}"/>
+                  <a16:creationId xmlns:a16="http://schemas.microsoft.com/office/drawing/2014/main" id="{881F5410-F7FB-F261-A584-707359BAC593}"/>
                 </a:ext>
               </a:extLst>
             </p:cNvPr>
@@ -22968,7 +22866,7 @@
               <p:cNvPr id="19" name="Object 35">
                 <a:extLst>
                   <a:ext uri="{FF2B5EF4-FFF2-40B4-BE49-F238E27FC236}">
-                    <a16:creationId xmlns:a16="http://schemas.microsoft.com/office/drawing/2014/main" xmlns="" id="{4E99E669-73EB-F9F4-EFE8-DC107035C265}"/>
+                    <a16:creationId xmlns:a16="http://schemas.microsoft.com/office/drawing/2014/main" id="{4E99E669-73EB-F9F4-EFE8-DC107035C265}"/>
                   </a:ext>
                 </a:extLst>
               </p:cNvPr>
@@ -23000,7 +22898,7 @@
           <p:cNvPr id="22" name="TextBox 21">
             <a:extLst>
               <a:ext uri="{FF2B5EF4-FFF2-40B4-BE49-F238E27FC236}">
-                <a16:creationId xmlns:a16="http://schemas.microsoft.com/office/drawing/2014/main" xmlns="" id="{A06D4055-10A8-4A24-5EDC-0761473BA40F}"/>
+                <a16:creationId xmlns:a16="http://schemas.microsoft.com/office/drawing/2014/main" id="{A06D4055-10A8-4A24-5EDC-0761473BA40F}"/>
               </a:ext>
             </a:extLst>
           </p:cNvPr>
@@ -23044,7 +22942,7 @@
           <p:cNvPr id="23" name="TextBox 22">
             <a:extLst>
               <a:ext uri="{FF2B5EF4-FFF2-40B4-BE49-F238E27FC236}">
-                <a16:creationId xmlns:a16="http://schemas.microsoft.com/office/drawing/2014/main" xmlns="" id="{A06D4055-10A8-4A24-5EDC-0761473BA40F}"/>
+                <a16:creationId xmlns:a16="http://schemas.microsoft.com/office/drawing/2014/main" id="{A06D4055-10A8-4A24-5EDC-0761473BA40F}"/>
               </a:ext>
             </a:extLst>
           </p:cNvPr>
@@ -23092,7 +22990,7 @@
           <p:cNvPr id="31" name="TextBox 30">
             <a:extLst>
               <a:ext uri="{FF2B5EF4-FFF2-40B4-BE49-F238E27FC236}">
-                <a16:creationId xmlns:a16="http://schemas.microsoft.com/office/drawing/2014/main" xmlns="" id="{A06D4055-10A8-4A24-5EDC-0761473BA40F}"/>
+                <a16:creationId xmlns:a16="http://schemas.microsoft.com/office/drawing/2014/main" id="{A06D4055-10A8-4A24-5EDC-0761473BA40F}"/>
               </a:ext>
             </a:extLst>
           </p:cNvPr>
@@ -23136,7 +23034,7 @@
           <p:cNvPr id="32" name="직선 화살표 연결선 31">
             <a:extLst>
               <a:ext uri="{FF2B5EF4-FFF2-40B4-BE49-F238E27FC236}">
-                <a16:creationId xmlns:a16="http://schemas.microsoft.com/office/drawing/2014/main" xmlns="" id="{299DF5EC-9DF4-5255-06AC-0A7CE4FF58C3}"/>
+                <a16:creationId xmlns:a16="http://schemas.microsoft.com/office/drawing/2014/main" id="{299DF5EC-9DF4-5255-06AC-0A7CE4FF58C3}"/>
               </a:ext>
             </a:extLst>
           </p:cNvPr>
@@ -23177,7 +23075,7 @@
           <p:cNvPr id="33" name="TextBox 32">
             <a:extLst>
               <a:ext uri="{FF2B5EF4-FFF2-40B4-BE49-F238E27FC236}">
-                <a16:creationId xmlns:a16="http://schemas.microsoft.com/office/drawing/2014/main" xmlns="" id="{C6D113C6-EA5C-788F-0C77-E7CE6EBB865F}"/>
+                <a16:creationId xmlns:a16="http://schemas.microsoft.com/office/drawing/2014/main" id="{C6D113C6-EA5C-788F-0C77-E7CE6EBB865F}"/>
               </a:ext>
             </a:extLst>
           </p:cNvPr>
@@ -23235,7 +23133,7 @@
           <p:cNvPr id="36" name="그룹 1008">
             <a:extLst>
               <a:ext uri="{FF2B5EF4-FFF2-40B4-BE49-F238E27FC236}">
-                <a16:creationId xmlns:a16="http://schemas.microsoft.com/office/drawing/2014/main" xmlns="" id="{678F6342-C505-E8AD-ADA4-022CB2C2088E}"/>
+                <a16:creationId xmlns:a16="http://schemas.microsoft.com/office/drawing/2014/main" id="{678F6342-C505-E8AD-ADA4-022CB2C2088E}"/>
               </a:ext>
             </a:extLst>
           </p:cNvPr>
@@ -23255,7 +23153,7 @@
             <p:cNvPr id="37" name="그룹 1009">
               <a:extLst>
                 <a:ext uri="{FF2B5EF4-FFF2-40B4-BE49-F238E27FC236}">
-                  <a16:creationId xmlns:a16="http://schemas.microsoft.com/office/drawing/2014/main" xmlns="" id="{4E1F1FED-812B-9BBB-925A-84B54A077414}"/>
+                  <a16:creationId xmlns:a16="http://schemas.microsoft.com/office/drawing/2014/main" id="{4E1F1FED-812B-9BBB-925A-84B54A077414}"/>
                 </a:ext>
               </a:extLst>
             </p:cNvPr>
@@ -23275,7 +23173,7 @@
               <p:cNvPr id="42" name="Object 29">
                 <a:extLst>
                   <a:ext uri="{FF2B5EF4-FFF2-40B4-BE49-F238E27FC236}">
-                    <a16:creationId xmlns:a16="http://schemas.microsoft.com/office/drawing/2014/main" xmlns="" id="{7B078609-4286-7B00-51EB-809C8E2DE289}"/>
+                    <a16:creationId xmlns:a16="http://schemas.microsoft.com/office/drawing/2014/main" id="{7B078609-4286-7B00-51EB-809C8E2DE289}"/>
                   </a:ext>
                 </a:extLst>
               </p:cNvPr>
@@ -23306,7 +23204,7 @@
             <p:cNvPr id="38" name="그룹 1010">
               <a:extLst>
                 <a:ext uri="{FF2B5EF4-FFF2-40B4-BE49-F238E27FC236}">
-                  <a16:creationId xmlns:a16="http://schemas.microsoft.com/office/drawing/2014/main" xmlns="" id="{02A649BF-B5B5-FBAF-7DFD-E118A4DF8907}"/>
+                  <a16:creationId xmlns:a16="http://schemas.microsoft.com/office/drawing/2014/main" id="{02A649BF-B5B5-FBAF-7DFD-E118A4DF8907}"/>
                 </a:ext>
               </a:extLst>
             </p:cNvPr>
@@ -23326,7 +23224,7 @@
               <p:cNvPr id="41" name="Object 32">
                 <a:extLst>
                   <a:ext uri="{FF2B5EF4-FFF2-40B4-BE49-F238E27FC236}">
-                    <a16:creationId xmlns:a16="http://schemas.microsoft.com/office/drawing/2014/main" xmlns="" id="{2A0FFF23-B3C9-3EA0-1C1B-A87D4FF098AE}"/>
+                    <a16:creationId xmlns:a16="http://schemas.microsoft.com/office/drawing/2014/main" id="{2A0FFF23-B3C9-3EA0-1C1B-A87D4FF098AE}"/>
                   </a:ext>
                 </a:extLst>
               </p:cNvPr>
@@ -23357,7 +23255,7 @@
             <p:cNvPr id="39" name="그룹 1011">
               <a:extLst>
                 <a:ext uri="{FF2B5EF4-FFF2-40B4-BE49-F238E27FC236}">
-                  <a16:creationId xmlns:a16="http://schemas.microsoft.com/office/drawing/2014/main" xmlns="" id="{881F5410-F7FB-F261-A584-707359BAC593}"/>
+                  <a16:creationId xmlns:a16="http://schemas.microsoft.com/office/drawing/2014/main" id="{881F5410-F7FB-F261-A584-707359BAC593}"/>
                 </a:ext>
               </a:extLst>
             </p:cNvPr>
@@ -23377,7 +23275,7 @@
               <p:cNvPr id="40" name="Object 35">
                 <a:extLst>
                   <a:ext uri="{FF2B5EF4-FFF2-40B4-BE49-F238E27FC236}">
-                    <a16:creationId xmlns:a16="http://schemas.microsoft.com/office/drawing/2014/main" xmlns="" id="{4E99E669-73EB-F9F4-EFE8-DC107035C265}"/>
+                    <a16:creationId xmlns:a16="http://schemas.microsoft.com/office/drawing/2014/main" id="{4E99E669-73EB-F9F4-EFE8-DC107035C265}"/>
                   </a:ext>
                 </a:extLst>
               </p:cNvPr>
@@ -23409,7 +23307,7 @@
           <p:cNvPr id="43" name="TextBox 42">
             <a:extLst>
               <a:ext uri="{FF2B5EF4-FFF2-40B4-BE49-F238E27FC236}">
-                <a16:creationId xmlns:a16="http://schemas.microsoft.com/office/drawing/2014/main" xmlns="" id="{A06D4055-10A8-4A24-5EDC-0761473BA40F}"/>
+                <a16:creationId xmlns:a16="http://schemas.microsoft.com/office/drawing/2014/main" id="{A06D4055-10A8-4A24-5EDC-0761473BA40F}"/>
               </a:ext>
             </a:extLst>
           </p:cNvPr>
@@ -23457,7 +23355,7 @@
           <p:cNvPr id="44" name="TextBox 43">
             <a:extLst>
               <a:ext uri="{FF2B5EF4-FFF2-40B4-BE49-F238E27FC236}">
-                <a16:creationId xmlns:a16="http://schemas.microsoft.com/office/drawing/2014/main" xmlns="" id="{A06D4055-10A8-4A24-5EDC-0761473BA40F}"/>
+                <a16:creationId xmlns:a16="http://schemas.microsoft.com/office/drawing/2014/main" id="{A06D4055-10A8-4A24-5EDC-0761473BA40F}"/>
               </a:ext>
             </a:extLst>
           </p:cNvPr>
@@ -23511,7 +23409,7 @@
           <p:cNvPr id="45" name="직선 화살표 연결선 44">
             <a:extLst>
               <a:ext uri="{FF2B5EF4-FFF2-40B4-BE49-F238E27FC236}">
-                <a16:creationId xmlns:a16="http://schemas.microsoft.com/office/drawing/2014/main" xmlns="" id="{299DF5EC-9DF4-5255-06AC-0A7CE4FF58C3}"/>
+                <a16:creationId xmlns:a16="http://schemas.microsoft.com/office/drawing/2014/main" id="{299DF5EC-9DF4-5255-06AC-0A7CE4FF58C3}"/>
               </a:ext>
             </a:extLst>
           </p:cNvPr>
@@ -23552,7 +23450,7 @@
           <p:cNvPr id="46" name="TextBox 45">
             <a:extLst>
               <a:ext uri="{FF2B5EF4-FFF2-40B4-BE49-F238E27FC236}">
-                <a16:creationId xmlns:a16="http://schemas.microsoft.com/office/drawing/2014/main" xmlns="" id="{C6D113C6-EA5C-788F-0C77-E7CE6EBB865F}"/>
+                <a16:creationId xmlns:a16="http://schemas.microsoft.com/office/drawing/2014/main" id="{C6D113C6-EA5C-788F-0C77-E7CE6EBB865F}"/>
               </a:ext>
             </a:extLst>
           </p:cNvPr>
@@ -23610,7 +23508,7 @@
           <p:cNvPr id="26" name="TextBox 25">
             <a:extLst>
               <a:ext uri="{FF2B5EF4-FFF2-40B4-BE49-F238E27FC236}">
-                <a16:creationId xmlns:a16="http://schemas.microsoft.com/office/drawing/2014/main" xmlns="" id="{69196D22-2A4C-4EF6-5A42-2031D7FEF549}"/>
+                <a16:creationId xmlns:a16="http://schemas.microsoft.com/office/drawing/2014/main" id="{69196D22-2A4C-4EF6-5A42-2031D7FEF549}"/>
               </a:ext>
             </a:extLst>
           </p:cNvPr>
@@ -23634,7 +23532,7 @@
           <a:lstStyle/>
           <a:p>
             <a:r>
-              <a:rPr lang="ko-KR" altLang="en-US" sz="5400" spc="-300" smtClean="0">
+              <a:rPr lang="ko-KR" altLang="en-US" sz="5400" spc="-300">
                 <a:solidFill>
                   <a:srgbClr val="4C50BC"/>
                 </a:solidFill>
@@ -23658,7 +23556,7 @@
           <p:cNvPr id="27" name="직선 연결선 26">
             <a:extLst>
               <a:ext uri="{FF2B5EF4-FFF2-40B4-BE49-F238E27FC236}">
-                <a16:creationId xmlns:a16="http://schemas.microsoft.com/office/drawing/2014/main" xmlns="" id="{DDFA97EB-659B-5D0A-D41B-496A6FF66D9E}"/>
+                <a16:creationId xmlns:a16="http://schemas.microsoft.com/office/drawing/2014/main" id="{DDFA97EB-659B-5D0A-D41B-496A6FF66D9E}"/>
               </a:ext>
             </a:extLst>
           </p:cNvPr>
@@ -23919,7 +23817,7 @@
           <p:cNvPr id="15" name="TextBox 14">
             <a:extLst>
               <a:ext uri="{FF2B5EF4-FFF2-40B4-BE49-F238E27FC236}">
-                <a16:creationId xmlns:a16="http://schemas.microsoft.com/office/drawing/2014/main" xmlns="" id="{76F36AE5-79B5-0B9F-E510-1C27AAC4B649}"/>
+                <a16:creationId xmlns:a16="http://schemas.microsoft.com/office/drawing/2014/main" id="{76F36AE5-79B5-0B9F-E510-1C27AAC4B649}"/>
               </a:ext>
             </a:extLst>
           </p:cNvPr>
@@ -23997,7 +23895,7 @@
           <p:cNvPr id="8" name="TextBox 7">
             <a:extLst>
               <a:ext uri="{FF2B5EF4-FFF2-40B4-BE49-F238E27FC236}">
-                <a16:creationId xmlns:a16="http://schemas.microsoft.com/office/drawing/2014/main" xmlns="" id="{1583823F-6E16-B4AA-2A3D-AE935DD9603F}"/>
+                <a16:creationId xmlns:a16="http://schemas.microsoft.com/office/drawing/2014/main" id="{1583823F-6E16-B4AA-2A3D-AE935DD9603F}"/>
               </a:ext>
             </a:extLst>
           </p:cNvPr>
@@ -24021,7 +23919,7 @@
           <a:lstStyle/>
           <a:p>
             <a:r>
-              <a:rPr lang="en-US" altLang="ko-KR" sz="3200" smtClean="0">
+              <a:rPr lang="en-US" altLang="ko-KR" sz="3200">
                 <a:solidFill>
                   <a:schemeClr val="tx1">
                     <a:lumMod val="50000"/>
@@ -24031,10 +23929,10 @@
                 <a:latin typeface="G마켓 산스 Medium" panose="02000000000000000000" pitchFamily="50" charset="-127"/>
                 <a:ea typeface="G마켓 산스 Medium" panose="02000000000000000000" pitchFamily="50" charset="-127"/>
               </a:rPr>
-              <a:t>- </a:t>
-            </a:r>
-            <a:r>
-              <a:rPr lang="en-US" altLang="ko-KR" sz="3200" smtClean="0">
+              <a:t>- 0</a:t>
+            </a:r>
+            <a:r>
+              <a:rPr lang="ko-KR" altLang="en-US" sz="3200" dirty="0">
                 <a:solidFill>
                   <a:schemeClr val="tx1">
                     <a:lumMod val="50000"/>
@@ -24044,10 +23942,10 @@
                 <a:latin typeface="G마켓 산스 Medium" panose="02000000000000000000" pitchFamily="50" charset="-127"/>
                 <a:ea typeface="G마켓 산스 Medium" panose="02000000000000000000" pitchFamily="50" charset="-127"/>
               </a:rPr>
-              <a:t>0</a:t>
-            </a:r>
-            <a:r>
-              <a:rPr lang="ko-KR" altLang="en-US" sz="3200" dirty="0">
+              <a:t>을 </a:t>
+            </a:r>
+            <a:r>
+              <a:rPr lang="ko-KR" altLang="en-US" sz="3200" dirty="0" err="1">
                 <a:solidFill>
                   <a:schemeClr val="tx1">
                     <a:lumMod val="50000"/>
@@ -24057,10 +23955,10 @@
                 <a:latin typeface="G마켓 산스 Medium" panose="02000000000000000000" pitchFamily="50" charset="-127"/>
                 <a:ea typeface="G마켓 산스 Medium" panose="02000000000000000000" pitchFamily="50" charset="-127"/>
               </a:rPr>
-              <a:t>을 </a:t>
-            </a:r>
-            <a:r>
-              <a:rPr lang="ko-KR" altLang="en-US" sz="3200" dirty="0" err="1">
+              <a:t>더할경우</a:t>
+            </a:r>
+            <a:r>
+              <a:rPr lang="ko-KR" altLang="en-US" sz="3200" dirty="0">
                 <a:solidFill>
                   <a:schemeClr val="tx1">
                     <a:lumMod val="50000"/>
@@ -24070,10 +23968,10 @@
                 <a:latin typeface="G마켓 산스 Medium" panose="02000000000000000000" pitchFamily="50" charset="-127"/>
                 <a:ea typeface="G마켓 산스 Medium" panose="02000000000000000000" pitchFamily="50" charset="-127"/>
               </a:rPr>
-              <a:t>더할경우</a:t>
-            </a:r>
-            <a:r>
-              <a:rPr lang="ko-KR" altLang="en-US" sz="3200" dirty="0">
+              <a:t> </a:t>
+            </a:r>
+            <a:r>
+              <a:rPr lang="ko-KR" altLang="en-US" sz="3200" dirty="0" err="1">
                 <a:solidFill>
                   <a:schemeClr val="tx1">
                     <a:lumMod val="50000"/>
@@ -24083,10 +23981,10 @@
                 <a:latin typeface="G마켓 산스 Medium" panose="02000000000000000000" pitchFamily="50" charset="-127"/>
                 <a:ea typeface="G마켓 산스 Medium" panose="02000000000000000000" pitchFamily="50" charset="-127"/>
               </a:rPr>
-              <a:t> </a:t>
-            </a:r>
-            <a:r>
-              <a:rPr lang="ko-KR" altLang="en-US" sz="3200" dirty="0" err="1">
+              <a:t>직접만든</a:t>
+            </a:r>
+            <a:r>
+              <a:rPr lang="ko-KR" altLang="en-US" sz="3200" dirty="0">
                 <a:solidFill>
                   <a:schemeClr val="tx1">
                     <a:lumMod val="50000"/>
@@ -24096,10 +23994,10 @@
                 <a:latin typeface="G마켓 산스 Medium" panose="02000000000000000000" pitchFamily="50" charset="-127"/>
                 <a:ea typeface="G마켓 산스 Medium" panose="02000000000000000000" pitchFamily="50" charset="-127"/>
               </a:rPr>
-              <a:t>직접만든</a:t>
-            </a:r>
-            <a:r>
-              <a:rPr lang="ko-KR" altLang="en-US" sz="3200" dirty="0">
+              <a:t> </a:t>
+            </a:r>
+            <a:r>
+              <a:rPr lang="en-US" altLang="ko-KR" sz="3200" dirty="0" err="1">
                 <a:solidFill>
                   <a:schemeClr val="tx1">
                     <a:lumMod val="50000"/>
@@ -24109,10 +24007,10 @@
                 <a:latin typeface="G마켓 산스 Medium" panose="02000000000000000000" pitchFamily="50" charset="-127"/>
                 <a:ea typeface="G마켓 산스 Medium" panose="02000000000000000000" pitchFamily="50" charset="-127"/>
               </a:rPr>
-              <a:t> </a:t>
-            </a:r>
-            <a:r>
-              <a:rPr lang="en-US" altLang="ko-KR" sz="3200" dirty="0" err="1">
+              <a:t>CanNotAddZeroException</a:t>
+            </a:r>
+            <a:r>
+              <a:rPr lang="en-US" altLang="ko-KR" sz="3200" dirty="0">
                 <a:solidFill>
                   <a:schemeClr val="tx1">
                     <a:lumMod val="50000"/>
@@ -24122,10 +24020,10 @@
                 <a:latin typeface="G마켓 산스 Medium" panose="02000000000000000000" pitchFamily="50" charset="-127"/>
                 <a:ea typeface="G마켓 산스 Medium" panose="02000000000000000000" pitchFamily="50" charset="-127"/>
               </a:rPr>
-              <a:t>CanNotAddZeroException</a:t>
-            </a:r>
-            <a:r>
-              <a:rPr lang="en-US" altLang="ko-KR" sz="3200" dirty="0">
+              <a:t> </a:t>
+            </a:r>
+            <a:r>
+              <a:rPr lang="ko-KR" altLang="en-US" sz="3200" dirty="0">
                 <a:solidFill>
                   <a:schemeClr val="tx1">
                     <a:lumMod val="50000"/>
@@ -24135,10 +24033,10 @@
                 <a:latin typeface="G마켓 산스 Medium" panose="02000000000000000000" pitchFamily="50" charset="-127"/>
                 <a:ea typeface="G마켓 산스 Medium" panose="02000000000000000000" pitchFamily="50" charset="-127"/>
               </a:rPr>
-              <a:t> </a:t>
-            </a:r>
-            <a:r>
-              <a:rPr lang="ko-KR" altLang="en-US" sz="3200" dirty="0">
+              <a:t>예외를 발생시켜보자</a:t>
+            </a:r>
+            <a:r>
+              <a:rPr lang="en-US" altLang="ko-KR" sz="3200" dirty="0">
                 <a:solidFill>
                   <a:schemeClr val="tx1">
                     <a:lumMod val="50000"/>
@@ -24148,10 +24046,40 @@
                 <a:latin typeface="G마켓 산스 Medium" panose="02000000000000000000" pitchFamily="50" charset="-127"/>
                 <a:ea typeface="G마켓 산스 Medium" panose="02000000000000000000" pitchFamily="50" charset="-127"/>
               </a:rPr>
-              <a:t>예외를 발생시켜보자</a:t>
-            </a:r>
-            <a:r>
-              <a:rPr lang="en-US" altLang="ko-KR" sz="3200" dirty="0">
+              <a:t>(</a:t>
+            </a:r>
+            <a:r>
+              <a:rPr lang="ko-KR" altLang="en-US" sz="3200" dirty="0">
+                <a:solidFill>
+                  <a:srgbClr val="FF0000"/>
+                </a:solidFill>
+                <a:latin typeface="G마켓 산스 Medium" panose="02000000000000000000" pitchFamily="50" charset="-127"/>
+                <a:ea typeface="G마켓 산스 Medium" panose="02000000000000000000" pitchFamily="50" charset="-127"/>
+              </a:rPr>
+              <a:t>사용자에게 예외처리를 강제하지 </a:t>
+            </a:r>
+            <a:r>
+              <a:rPr lang="ko-KR" altLang="en-US" sz="3200" err="1">
+                <a:solidFill>
+                  <a:srgbClr val="FF0000"/>
+                </a:solidFill>
+                <a:latin typeface="G마켓 산스 Medium" panose="02000000000000000000" pitchFamily="50" charset="-127"/>
+                <a:ea typeface="G마켓 산스 Medium" panose="02000000000000000000" pitchFamily="50" charset="-127"/>
+              </a:rPr>
+              <a:t>말것</a:t>
+            </a:r>
+            <a:r>
+              <a:rPr lang="en-US" altLang="ko-KR" sz="3200">
+                <a:solidFill>
+                  <a:srgbClr val="FF0000"/>
+                </a:solidFill>
+                <a:latin typeface="G마켓 산스 Medium" panose="02000000000000000000" pitchFamily="50" charset="-127"/>
+                <a:ea typeface="G마켓 산스 Medium" panose="02000000000000000000" pitchFamily="50" charset="-127"/>
+              </a:rPr>
+              <a:t>!</a:t>
+            </a:r>
+            <a:r>
+              <a:rPr lang="en-US" altLang="ko-KR" sz="3200">
                 <a:solidFill>
                   <a:schemeClr val="tx1">
                     <a:lumMod val="50000"/>
@@ -24161,40 +24089,12 @@
                 <a:latin typeface="G마켓 산스 Medium" panose="02000000000000000000" pitchFamily="50" charset="-127"/>
                 <a:ea typeface="G마켓 산스 Medium" panose="02000000000000000000" pitchFamily="50" charset="-127"/>
               </a:rPr>
-              <a:t>(</a:t>
-            </a:r>
-            <a:r>
-              <a:rPr lang="ko-KR" altLang="en-US" sz="3200" dirty="0">
-                <a:solidFill>
-                  <a:srgbClr val="FF0000"/>
-                </a:solidFill>
-                <a:latin typeface="G마켓 산스 Medium" panose="02000000000000000000" pitchFamily="50" charset="-127"/>
-                <a:ea typeface="G마켓 산스 Medium" panose="02000000000000000000" pitchFamily="50" charset="-127"/>
-              </a:rPr>
-              <a:t>사용자에게 예외처리를 강제하지 </a:t>
-            </a:r>
-            <a:r>
-              <a:rPr lang="ko-KR" altLang="en-US" sz="3200" err="1">
-                <a:solidFill>
-                  <a:srgbClr val="FF0000"/>
-                </a:solidFill>
-                <a:latin typeface="G마켓 산스 Medium" panose="02000000000000000000" pitchFamily="50" charset="-127"/>
-                <a:ea typeface="G마켓 산스 Medium" panose="02000000000000000000" pitchFamily="50" charset="-127"/>
-              </a:rPr>
-              <a:t>말것</a:t>
-            </a:r>
-            <a:r>
-              <a:rPr lang="en-US" altLang="ko-KR" sz="3200" smtClean="0">
-                <a:solidFill>
-                  <a:srgbClr val="FF0000"/>
-                </a:solidFill>
-                <a:latin typeface="G마켓 산스 Medium" panose="02000000000000000000" pitchFamily="50" charset="-127"/>
-                <a:ea typeface="G마켓 산스 Medium" panose="02000000000000000000" pitchFamily="50" charset="-127"/>
-              </a:rPr>
-              <a:t>!</a:t>
-            </a:r>
-            <a:r>
-              <a:rPr lang="en-US" altLang="ko-KR" sz="3200" smtClean="0">
+              <a:t>)</a:t>
+            </a:r>
+          </a:p>
+          <a:p>
+            <a:r>
+              <a:rPr lang="en-US" altLang="ko-KR" sz="3200">
                 <a:solidFill>
                   <a:schemeClr val="tx1">
                     <a:lumMod val="50000"/>
@@ -24204,12 +24104,10 @@
                 <a:latin typeface="G마켓 산스 Medium" panose="02000000000000000000" pitchFamily="50" charset="-127"/>
                 <a:ea typeface="G마켓 산스 Medium" panose="02000000000000000000" pitchFamily="50" charset="-127"/>
               </a:rPr>
-              <a:t>)</a:t>
-            </a:r>
-          </a:p>
-          <a:p>
-            <a:r>
-              <a:rPr lang="en-US" altLang="ko-KR" sz="3200" smtClean="0">
+              <a:t>- CanNotAddZeroException </a:t>
+            </a:r>
+            <a:r>
+              <a:rPr lang="ko-KR" altLang="en-US" sz="3200">
                 <a:solidFill>
                   <a:schemeClr val="tx1">
                     <a:lumMod val="50000"/>
@@ -24219,23 +24117,10 @@
                 <a:latin typeface="G마켓 산스 Medium" panose="02000000000000000000" pitchFamily="50" charset="-127"/>
                 <a:ea typeface="G마켓 산스 Medium" panose="02000000000000000000" pitchFamily="50" charset="-127"/>
               </a:rPr>
-              <a:t>- CanNotAddZeroException </a:t>
-            </a:r>
-            <a:r>
-              <a:rPr lang="ko-KR" altLang="en-US" sz="3200" smtClean="0">
-                <a:solidFill>
-                  <a:schemeClr val="tx1">
-                    <a:lumMod val="50000"/>
-                    <a:lumOff val="50000"/>
-                  </a:schemeClr>
-                </a:solidFill>
-                <a:latin typeface="G마켓 산스 Medium" panose="02000000000000000000" pitchFamily="50" charset="-127"/>
-                <a:ea typeface="G마켓 산스 Medium" panose="02000000000000000000" pitchFamily="50" charset="-127"/>
-              </a:rPr>
               <a:t>는 직접만든 사용자 정의 예외이다</a:t>
             </a:r>
             <a:r>
-              <a:rPr lang="en-US" altLang="ko-KR" sz="3200" smtClean="0">
+              <a:rPr lang="en-US" altLang="ko-KR" sz="3200">
                 <a:solidFill>
                   <a:schemeClr val="tx1">
                     <a:lumMod val="50000"/>
@@ -24313,7 +24198,7 @@
           <p:cNvPr id="12" name="TextBox 11">
             <a:extLst>
               <a:ext uri="{FF2B5EF4-FFF2-40B4-BE49-F238E27FC236}">
-                <a16:creationId xmlns:a16="http://schemas.microsoft.com/office/drawing/2014/main" xmlns="" id="{2FFEA572-0493-CB52-6BE5-4BCEFE8076B6}"/>
+                <a16:creationId xmlns:a16="http://schemas.microsoft.com/office/drawing/2014/main" id="{2FFEA572-0493-CB52-6BE5-4BCEFE8076B6}"/>
               </a:ext>
             </a:extLst>
           </p:cNvPr>
@@ -24337,7 +24222,7 @@
           <a:lstStyle/>
           <a:p>
             <a:r>
-              <a:rPr lang="en-US" altLang="ko-KR" sz="4000" smtClean="0">
+              <a:rPr lang="en-US" altLang="ko-KR" sz="4000">
                 <a:solidFill>
                   <a:srgbClr val="4C50BB"/>
                 </a:solidFill>
@@ -24394,7 +24279,7 @@
           <p:cNvPr id="9" name="TextBox 8">
             <a:extLst>
               <a:ext uri="{FF2B5EF4-FFF2-40B4-BE49-F238E27FC236}">
-                <a16:creationId xmlns="" xmlns:a16="http://schemas.microsoft.com/office/drawing/2014/main" id="{EFADA8A7-2D7C-E1EF-D1E9-025E662096C2}"/>
+                <a16:creationId xmlns:a16="http://schemas.microsoft.com/office/drawing/2014/main" id="{EFADA8A7-2D7C-E1EF-D1E9-025E662096C2}"/>
               </a:ext>
             </a:extLst>
           </p:cNvPr>
@@ -24425,17 +24310,7 @@
                 <a:latin typeface="G마켓 산스 Bold" panose="02000000000000000000" pitchFamily="50" charset="-127"/>
                 <a:ea typeface="G마켓 산스 Bold" panose="02000000000000000000" pitchFamily="50" charset="-127"/>
               </a:rPr>
-              <a:t>2</a:t>
-            </a:r>
-            <a:r>
-              <a:rPr lang="en-US" altLang="ko-KR" sz="5400" spc="-300" smtClean="0">
-                <a:solidFill>
-                  <a:srgbClr val="4C50BC"/>
-                </a:solidFill>
-                <a:latin typeface="G마켓 산스 Bold" panose="02000000000000000000" pitchFamily="50" charset="-127"/>
-                <a:ea typeface="G마켓 산스 Bold" panose="02000000000000000000" pitchFamily="50" charset="-127"/>
-              </a:rPr>
-              <a:t>-1 </a:t>
+              <a:t>2-1 </a:t>
             </a:r>
             <a:r>
               <a:rPr lang="ko-KR" altLang="en-US" sz="5400" spc="-300" dirty="0">
@@ -24475,7 +24350,7 @@
           <p:cNvPr id="10" name="직선 연결선 9">
             <a:extLst>
               <a:ext uri="{FF2B5EF4-FFF2-40B4-BE49-F238E27FC236}">
-                <a16:creationId xmlns="" xmlns:a16="http://schemas.microsoft.com/office/drawing/2014/main" id="{605E5585-A658-1210-D674-A0EA5BC76656}"/>
+                <a16:creationId xmlns:a16="http://schemas.microsoft.com/office/drawing/2014/main" id="{605E5585-A658-1210-D674-A0EA5BC76656}"/>
               </a:ext>
             </a:extLst>
           </p:cNvPr>
@@ -24523,13 +24398,6 @@
   <p:clrMapOvr>
     <a:masterClrMapping/>
   </p:clrMapOvr>
-  <p:timing>
-    <p:tnLst>
-      <p:par>
-        <p:cTn id="1" dur="indefinite" restart="never" nodeType="tmRoot"/>
-      </p:par>
-    </p:tnLst>
-  </p:timing>
 </p:sld>
 </file>
 
@@ -24555,7 +24423,7 @@
           <p:cNvPr id="4" name="TextBox 3">
             <a:extLst>
               <a:ext uri="{FF2B5EF4-FFF2-40B4-BE49-F238E27FC236}">
-                <a16:creationId xmlns="" xmlns:a16="http://schemas.microsoft.com/office/drawing/2014/main" id="{EFADA8A7-2D7C-E1EF-D1E9-025E662096C2}"/>
+                <a16:creationId xmlns:a16="http://schemas.microsoft.com/office/drawing/2014/main" id="{EFADA8A7-2D7C-E1EF-D1E9-025E662096C2}"/>
               </a:ext>
             </a:extLst>
           </p:cNvPr>
@@ -24586,30 +24454,20 @@
                 <a:latin typeface="G마켓 산스 Bold" panose="02000000000000000000" pitchFamily="50" charset="-127"/>
                 <a:ea typeface="G마켓 산스 Bold" panose="02000000000000000000" pitchFamily="50" charset="-127"/>
               </a:rPr>
-              <a:t>2</a:t>
-            </a:r>
-            <a:r>
-              <a:rPr lang="en-US" altLang="ko-KR" sz="5400" spc="-300" smtClean="0">
+              <a:t>2-1 </a:t>
+            </a:r>
+            <a:r>
+              <a:rPr lang="ko-KR" altLang="en-US" sz="5400" spc="-300">
                 <a:solidFill>
                   <a:srgbClr val="4C50BC"/>
                 </a:solidFill>
                 <a:latin typeface="G마켓 산스 Bold" panose="02000000000000000000" pitchFamily="50" charset="-127"/>
                 <a:ea typeface="G마켓 산스 Bold" panose="02000000000000000000" pitchFamily="50" charset="-127"/>
               </a:rPr>
-              <a:t>-1 </a:t>
-            </a:r>
-            <a:r>
-              <a:rPr lang="ko-KR" altLang="en-US" sz="5400" spc="-300" smtClean="0">
-                <a:solidFill>
-                  <a:srgbClr val="4C50BC"/>
-                </a:solidFill>
-                <a:latin typeface="G마켓 산스 Bold" panose="02000000000000000000" pitchFamily="50" charset="-127"/>
-                <a:ea typeface="G마켓 산스 Bold" panose="02000000000000000000" pitchFamily="50" charset="-127"/>
-              </a:rPr>
               <a:t>문제풀이</a:t>
             </a:r>
             <a:r>
-              <a:rPr lang="en-US" altLang="ko-KR" sz="5400" spc="-300" smtClean="0">
+              <a:rPr lang="en-US" altLang="ko-KR" sz="5400" spc="-300">
                 <a:solidFill>
                   <a:srgbClr val="4C50BC"/>
                 </a:solidFill>
@@ -24636,7 +24494,7 @@
           <p:cNvPr id="5" name="직선 연결선 4">
             <a:extLst>
               <a:ext uri="{FF2B5EF4-FFF2-40B4-BE49-F238E27FC236}">
-                <a16:creationId xmlns="" xmlns:a16="http://schemas.microsoft.com/office/drawing/2014/main" id="{605E5585-A658-1210-D674-A0EA5BC76656}"/>
+                <a16:creationId xmlns:a16="http://schemas.microsoft.com/office/drawing/2014/main" id="{605E5585-A658-1210-D674-A0EA5BC76656}"/>
               </a:ext>
             </a:extLst>
           </p:cNvPr>
@@ -24703,7 +24561,7 @@
           <p:cNvPr id="8" name="직사각형 7">
             <a:extLst>
               <a:ext uri="{FF2B5EF4-FFF2-40B4-BE49-F238E27FC236}">
-                <a16:creationId xmlns:a16="http://schemas.microsoft.com/office/drawing/2014/main" xmlns="" id="{361FA442-8171-4EBF-65A2-19C90654959D}"/>
+                <a16:creationId xmlns:a16="http://schemas.microsoft.com/office/drawing/2014/main" id="{361FA442-8171-4EBF-65A2-19C90654959D}"/>
               </a:ext>
             </a:extLst>
           </p:cNvPr>
@@ -24863,7 +24721,7 @@
           <p:cNvPr id="4" name="TextBox 3">
             <a:extLst>
               <a:ext uri="{FF2B5EF4-FFF2-40B4-BE49-F238E27FC236}">
-                <a16:creationId xmlns:a16="http://schemas.microsoft.com/office/drawing/2014/main" xmlns="" id="{2FFEA572-0493-CB52-6BE5-4BCEFE8076B6}"/>
+                <a16:creationId xmlns:a16="http://schemas.microsoft.com/office/drawing/2014/main" id="{2FFEA572-0493-CB52-6BE5-4BCEFE8076B6}"/>
               </a:ext>
             </a:extLst>
           </p:cNvPr>
@@ -24887,7 +24745,7 @@
           <a:lstStyle/>
           <a:p>
             <a:r>
-              <a:rPr lang="ko-KR" altLang="en-US" sz="4000" smtClean="0">
+              <a:rPr lang="ko-KR" altLang="en-US" sz="4000">
                 <a:solidFill>
                   <a:srgbClr val="4C50BB"/>
                 </a:solidFill>
@@ -24968,7 +24826,7 @@
           <p:cNvPr id="7" name="TextBox 6">
             <a:extLst>
               <a:ext uri="{FF2B5EF4-FFF2-40B4-BE49-F238E27FC236}">
-                <a16:creationId xmlns="" xmlns:a16="http://schemas.microsoft.com/office/drawing/2014/main" id="{EFADA8A7-2D7C-E1EF-D1E9-025E662096C2}"/>
+                <a16:creationId xmlns:a16="http://schemas.microsoft.com/office/drawing/2014/main" id="{EFADA8A7-2D7C-E1EF-D1E9-025E662096C2}"/>
               </a:ext>
             </a:extLst>
           </p:cNvPr>
@@ -24992,24 +24850,14 @@
           <a:lstStyle/>
           <a:p>
             <a:r>
-              <a:rPr lang="en-US" altLang="ko-KR" sz="5400" spc="-300" smtClean="0">
+              <a:rPr lang="en-US" altLang="ko-KR" sz="5400" spc="-300">
                 <a:solidFill>
                   <a:srgbClr val="4C50BC"/>
                 </a:solidFill>
                 <a:latin typeface="G마켓 산스 Bold" panose="02000000000000000000" pitchFamily="50" charset="-127"/>
                 <a:ea typeface="G마켓 산스 Bold" panose="02000000000000000000" pitchFamily="50" charset="-127"/>
               </a:rPr>
-              <a:t>2</a:t>
-            </a:r>
-            <a:r>
-              <a:rPr lang="en-US" altLang="ko-KR" sz="5400" spc="-300" smtClean="0">
-                <a:solidFill>
-                  <a:srgbClr val="4C50BC"/>
-                </a:solidFill>
-                <a:latin typeface="G마켓 산스 Bold" panose="02000000000000000000" pitchFamily="50" charset="-127"/>
-                <a:ea typeface="G마켓 산스 Bold" panose="02000000000000000000" pitchFamily="50" charset="-127"/>
-              </a:rPr>
-              <a:t>-2 </a:t>
+              <a:t>2-2 </a:t>
             </a:r>
             <a:r>
               <a:rPr lang="ko-KR" altLang="en-US" sz="5400" spc="-300" dirty="0">
@@ -25049,7 +24897,7 @@
           <p:cNvPr id="8" name="직선 연결선 7">
             <a:extLst>
               <a:ext uri="{FF2B5EF4-FFF2-40B4-BE49-F238E27FC236}">
-                <a16:creationId xmlns="" xmlns:a16="http://schemas.microsoft.com/office/drawing/2014/main" id="{605E5585-A658-1210-D674-A0EA5BC76656}"/>
+                <a16:creationId xmlns:a16="http://schemas.microsoft.com/office/drawing/2014/main" id="{605E5585-A658-1210-D674-A0EA5BC76656}"/>
               </a:ext>
             </a:extLst>
           </p:cNvPr>
@@ -25122,7 +24970,7 @@
           <p:cNvPr id="4" name="TextBox 3">
             <a:extLst>
               <a:ext uri="{FF2B5EF4-FFF2-40B4-BE49-F238E27FC236}">
-                <a16:creationId xmlns="" xmlns:a16="http://schemas.microsoft.com/office/drawing/2014/main" id="{EFADA8A7-2D7C-E1EF-D1E9-025E662096C2}"/>
+                <a16:creationId xmlns:a16="http://schemas.microsoft.com/office/drawing/2014/main" id="{EFADA8A7-2D7C-E1EF-D1E9-025E662096C2}"/>
               </a:ext>
             </a:extLst>
           </p:cNvPr>
@@ -25146,37 +24994,27 @@
           <a:lstStyle/>
           <a:p>
             <a:r>
-              <a:rPr lang="en-US" altLang="ko-KR" sz="5400" spc="-300" smtClean="0">
+              <a:rPr lang="en-US" altLang="ko-KR" sz="5400" spc="-300">
                 <a:solidFill>
                   <a:srgbClr val="4C50BC"/>
                 </a:solidFill>
                 <a:latin typeface="G마켓 산스 Bold" panose="02000000000000000000" pitchFamily="50" charset="-127"/>
                 <a:ea typeface="G마켓 산스 Bold" panose="02000000000000000000" pitchFamily="50" charset="-127"/>
               </a:rPr>
-              <a:t>2</a:t>
-            </a:r>
-            <a:r>
-              <a:rPr lang="en-US" altLang="ko-KR" sz="5400" spc="-300" smtClean="0">
+              <a:t>2-2 </a:t>
+            </a:r>
+            <a:r>
+              <a:rPr lang="ko-KR" altLang="en-US" sz="5400" spc="-300">
                 <a:solidFill>
                   <a:srgbClr val="4C50BC"/>
                 </a:solidFill>
                 <a:latin typeface="G마켓 산스 Bold" panose="02000000000000000000" pitchFamily="50" charset="-127"/>
                 <a:ea typeface="G마켓 산스 Bold" panose="02000000000000000000" pitchFamily="50" charset="-127"/>
               </a:rPr>
-              <a:t>-2 </a:t>
-            </a:r>
-            <a:r>
-              <a:rPr lang="ko-KR" altLang="en-US" sz="5400" spc="-300" smtClean="0">
-                <a:solidFill>
-                  <a:srgbClr val="4C50BC"/>
-                </a:solidFill>
-                <a:latin typeface="G마켓 산스 Bold" panose="02000000000000000000" pitchFamily="50" charset="-127"/>
-                <a:ea typeface="G마켓 산스 Bold" panose="02000000000000000000" pitchFamily="50" charset="-127"/>
-              </a:rPr>
               <a:t>문제풀이</a:t>
             </a:r>
             <a:r>
-              <a:rPr lang="en-US" altLang="ko-KR" sz="5400" spc="-300" smtClean="0">
+              <a:rPr lang="en-US" altLang="ko-KR" sz="5400" spc="-300">
                 <a:solidFill>
                   <a:srgbClr val="4C50BC"/>
                 </a:solidFill>
@@ -25203,7 +25041,7 @@
           <p:cNvPr id="5" name="직선 연결선 4">
             <a:extLst>
               <a:ext uri="{FF2B5EF4-FFF2-40B4-BE49-F238E27FC236}">
-                <a16:creationId xmlns="" xmlns:a16="http://schemas.microsoft.com/office/drawing/2014/main" id="{605E5585-A658-1210-D674-A0EA5BC76656}"/>
+                <a16:creationId xmlns:a16="http://schemas.microsoft.com/office/drawing/2014/main" id="{605E5585-A658-1210-D674-A0EA5BC76656}"/>
               </a:ext>
             </a:extLst>
           </p:cNvPr>
@@ -25270,7 +25108,7 @@
           <p:cNvPr id="7" name="직선 화살표 연결선 6">
             <a:extLst>
               <a:ext uri="{FF2B5EF4-FFF2-40B4-BE49-F238E27FC236}">
-                <a16:creationId xmlns:a16="http://schemas.microsoft.com/office/drawing/2014/main" xmlns="" id="{299DF5EC-9DF4-5255-06AC-0A7CE4FF58C3}"/>
+                <a16:creationId xmlns:a16="http://schemas.microsoft.com/office/drawing/2014/main" id="{299DF5EC-9DF4-5255-06AC-0A7CE4FF58C3}"/>
               </a:ext>
             </a:extLst>
           </p:cNvPr>
@@ -25311,7 +25149,7 @@
           <p:cNvPr id="8" name="TextBox 7">
             <a:extLst>
               <a:ext uri="{FF2B5EF4-FFF2-40B4-BE49-F238E27FC236}">
-                <a16:creationId xmlns:a16="http://schemas.microsoft.com/office/drawing/2014/main" xmlns="" id="{C6D113C6-EA5C-788F-0C77-E7CE6EBB865F}"/>
+                <a16:creationId xmlns:a16="http://schemas.microsoft.com/office/drawing/2014/main" id="{C6D113C6-EA5C-788F-0C77-E7CE6EBB865F}"/>
               </a:ext>
             </a:extLst>
           </p:cNvPr>
@@ -25335,7 +25173,7 @@
           <a:lstStyle/>
           <a:p>
             <a:r>
-              <a:rPr lang="ko-KR" altLang="en-US" sz="3600" smtClean="0">
+              <a:rPr lang="ko-KR" altLang="en-US" sz="3600">
                 <a:solidFill>
                   <a:srgbClr val="FF0000"/>
                 </a:solidFill>
@@ -25345,7 +25183,7 @@
               <a:t>범위가 좁은 예외먼저 오도록 한다</a:t>
             </a:r>
             <a:r>
-              <a:rPr lang="en-US" altLang="ko-KR" sz="3600" smtClean="0">
+              <a:rPr lang="en-US" altLang="ko-KR" sz="3600">
                 <a:solidFill>
                   <a:srgbClr val="FF0000"/>
                 </a:solidFill>
@@ -25369,7 +25207,7 @@
           <p:cNvPr id="9" name="직선 화살표 연결선 8">
             <a:extLst>
               <a:ext uri="{FF2B5EF4-FFF2-40B4-BE49-F238E27FC236}">
-                <a16:creationId xmlns:a16="http://schemas.microsoft.com/office/drawing/2014/main" xmlns="" id="{299DF5EC-9DF4-5255-06AC-0A7CE4FF58C3}"/>
+                <a16:creationId xmlns:a16="http://schemas.microsoft.com/office/drawing/2014/main" id="{299DF5EC-9DF4-5255-06AC-0A7CE4FF58C3}"/>
               </a:ext>
             </a:extLst>
           </p:cNvPr>
@@ -25410,7 +25248,7 @@
           <p:cNvPr id="10" name="TextBox 9">
             <a:extLst>
               <a:ext uri="{FF2B5EF4-FFF2-40B4-BE49-F238E27FC236}">
-                <a16:creationId xmlns:a16="http://schemas.microsoft.com/office/drawing/2014/main" xmlns="" id="{C6D113C6-EA5C-788F-0C77-E7CE6EBB865F}"/>
+                <a16:creationId xmlns:a16="http://schemas.microsoft.com/office/drawing/2014/main" id="{C6D113C6-EA5C-788F-0C77-E7CE6EBB865F}"/>
               </a:ext>
             </a:extLst>
           </p:cNvPr>
@@ -25434,7 +25272,7 @@
           <a:lstStyle/>
           <a:p>
             <a:r>
-              <a:rPr lang="en-US" altLang="ko-KR" sz="3600" smtClean="0">
+              <a:rPr lang="en-US" altLang="ko-KR" sz="3600">
                 <a:solidFill>
                   <a:srgbClr val="FF0000"/>
                 </a:solidFill>
@@ -25444,7 +25282,7 @@
               <a:t>Exception</a:t>
             </a:r>
             <a:r>
-              <a:rPr lang="ko-KR" altLang="en-US" sz="3600" smtClean="0">
+              <a:rPr lang="ko-KR" altLang="en-US" sz="3600">
                 <a:solidFill>
                   <a:srgbClr val="FF0000"/>
                 </a:solidFill>
@@ -25454,7 +25292,7 @@
               <a:t>은 모든 예외의 부모이므로 </a:t>
             </a:r>
             <a:r>
-              <a:rPr lang="en-US" altLang="ko-KR" sz="3600" smtClean="0">
+              <a:rPr lang="en-US" altLang="ko-KR" sz="3600">
                 <a:solidFill>
                   <a:srgbClr val="FF0000"/>
                 </a:solidFill>
@@ -25464,7 +25302,7 @@
               <a:t>Exception </a:t>
             </a:r>
             <a:r>
-              <a:rPr lang="ko-KR" altLang="en-US" sz="3600" smtClean="0">
+              <a:rPr lang="ko-KR" altLang="en-US" sz="3600">
                 <a:solidFill>
                   <a:srgbClr val="FF0000"/>
                 </a:solidFill>
@@ -25474,7 +25312,7 @@
               <a:t>다음에는 어떠한 예외도 걸릴수 없다</a:t>
             </a:r>
             <a:r>
-              <a:rPr lang="en-US" altLang="ko-KR" sz="3600" smtClean="0">
+              <a:rPr lang="en-US" altLang="ko-KR" sz="3600">
                 <a:solidFill>
                   <a:srgbClr val="FF0000"/>
                 </a:solidFill>
@@ -25498,7 +25336,7 @@
           <p:cNvPr id="11" name="직사각형 10">
             <a:extLst>
               <a:ext uri="{FF2B5EF4-FFF2-40B4-BE49-F238E27FC236}">
-                <a16:creationId xmlns:a16="http://schemas.microsoft.com/office/drawing/2014/main" xmlns="" id="{361FA442-8171-4EBF-65A2-19C90654959D}"/>
+                <a16:creationId xmlns:a16="http://schemas.microsoft.com/office/drawing/2014/main" id="{361FA442-8171-4EBF-65A2-19C90654959D}"/>
               </a:ext>
             </a:extLst>
           </p:cNvPr>
@@ -25658,7 +25496,7 @@
           <p:cNvPr id="4" name="TextBox 3">
             <a:extLst>
               <a:ext uri="{FF2B5EF4-FFF2-40B4-BE49-F238E27FC236}">
-                <a16:creationId xmlns:a16="http://schemas.microsoft.com/office/drawing/2014/main" xmlns="" id="{2FFEA572-0493-CB52-6BE5-4BCEFE8076B6}"/>
+                <a16:creationId xmlns:a16="http://schemas.microsoft.com/office/drawing/2014/main" id="{2FFEA572-0493-CB52-6BE5-4BCEFE8076B6}"/>
               </a:ext>
             </a:extLst>
           </p:cNvPr>
@@ -25682,7 +25520,7 @@
           <a:lstStyle/>
           <a:p>
             <a:r>
-              <a:rPr lang="en-US" altLang="ko-KR" sz="4000" smtClean="0">
+              <a:rPr lang="en-US" altLang="ko-KR" sz="4000">
                 <a:solidFill>
                   <a:srgbClr val="4C50BB"/>
                 </a:solidFill>
@@ -25753,7 +25591,7 @@
           <p:cNvPr id="6" name="직사각형 5">
             <a:extLst>
               <a:ext uri="{FF2B5EF4-FFF2-40B4-BE49-F238E27FC236}">
-                <a16:creationId xmlns:a16="http://schemas.microsoft.com/office/drawing/2014/main" xmlns="" id="{FFF506F9-840A-0508-4CAF-3AC711D8D5CE}"/>
+                <a16:creationId xmlns:a16="http://schemas.microsoft.com/office/drawing/2014/main" id="{FFF506F9-840A-0508-4CAF-3AC711D8D5CE}"/>
               </a:ext>
             </a:extLst>
           </p:cNvPr>
@@ -25805,7 +25643,7 @@
           <p:cNvPr id="7" name="직사각형 6">
             <a:extLst>
               <a:ext uri="{FF2B5EF4-FFF2-40B4-BE49-F238E27FC236}">
-                <a16:creationId xmlns:a16="http://schemas.microsoft.com/office/drawing/2014/main" xmlns="" id="{FFF506F9-840A-0508-4CAF-3AC711D8D5CE}"/>
+                <a16:creationId xmlns:a16="http://schemas.microsoft.com/office/drawing/2014/main" id="{FFF506F9-840A-0508-4CAF-3AC711D8D5CE}"/>
               </a:ext>
             </a:extLst>
           </p:cNvPr>
@@ -25857,7 +25695,7 @@
           <p:cNvPr id="8" name="TextBox 7">
             <a:extLst>
               <a:ext uri="{FF2B5EF4-FFF2-40B4-BE49-F238E27FC236}">
-                <a16:creationId xmlns:a16="http://schemas.microsoft.com/office/drawing/2014/main" xmlns="" id="{A2AD056B-97A4-5BCC-4460-250160F3E171}"/>
+                <a16:creationId xmlns:a16="http://schemas.microsoft.com/office/drawing/2014/main" id="{A2AD056B-97A4-5BCC-4460-250160F3E171}"/>
               </a:ext>
             </a:extLst>
           </p:cNvPr>
@@ -26035,7 +25873,7 @@
           <p:cNvPr id="12" name="직선 화살표 연결선 11">
             <a:extLst>
               <a:ext uri="{FF2B5EF4-FFF2-40B4-BE49-F238E27FC236}">
-                <a16:creationId xmlns:a16="http://schemas.microsoft.com/office/drawing/2014/main" xmlns="" id="{299DF5EC-9DF4-5255-06AC-0A7CE4FF58C3}"/>
+                <a16:creationId xmlns:a16="http://schemas.microsoft.com/office/drawing/2014/main" id="{299DF5EC-9DF4-5255-06AC-0A7CE4FF58C3}"/>
               </a:ext>
             </a:extLst>
           </p:cNvPr>
@@ -26076,7 +25914,7 @@
           <p:cNvPr id="13" name="TextBox 12">
             <a:extLst>
               <a:ext uri="{FF2B5EF4-FFF2-40B4-BE49-F238E27FC236}">
-                <a16:creationId xmlns:a16="http://schemas.microsoft.com/office/drawing/2014/main" xmlns="" id="{C6D113C6-EA5C-788F-0C77-E7CE6EBB865F}"/>
+                <a16:creationId xmlns:a16="http://schemas.microsoft.com/office/drawing/2014/main" id="{C6D113C6-EA5C-788F-0C77-E7CE6EBB865F}"/>
               </a:ext>
             </a:extLst>
           </p:cNvPr>
@@ -26144,7 +25982,7 @@
           <p:cNvPr id="16" name="TextBox 15">
             <a:extLst>
               <a:ext uri="{FF2B5EF4-FFF2-40B4-BE49-F238E27FC236}">
-                <a16:creationId xmlns:a16="http://schemas.microsoft.com/office/drawing/2014/main" xmlns="" id="{A2AD056B-97A4-5BCC-4460-250160F3E171}"/>
+                <a16:creationId xmlns:a16="http://schemas.microsoft.com/office/drawing/2014/main" id="{A2AD056B-97A4-5BCC-4460-250160F3E171}"/>
               </a:ext>
             </a:extLst>
           </p:cNvPr>
@@ -26279,7 +26117,7 @@
           <p:cNvPr id="14" name="TextBox 13">
             <a:extLst>
               <a:ext uri="{FF2B5EF4-FFF2-40B4-BE49-F238E27FC236}">
-                <a16:creationId xmlns="" xmlns:a16="http://schemas.microsoft.com/office/drawing/2014/main" id="{EFADA8A7-2D7C-E1EF-D1E9-025E662096C2}"/>
+                <a16:creationId xmlns:a16="http://schemas.microsoft.com/office/drawing/2014/main" id="{EFADA8A7-2D7C-E1EF-D1E9-025E662096C2}"/>
               </a:ext>
             </a:extLst>
           </p:cNvPr>
@@ -26303,47 +26141,37 @@
           <a:lstStyle/>
           <a:p>
             <a:r>
-              <a:rPr lang="en-US" altLang="ko-KR" sz="5400" spc="-300" smtClean="0">
+              <a:rPr lang="en-US" altLang="ko-KR" sz="5400" spc="-300">
                 <a:solidFill>
                   <a:srgbClr val="4C50BC"/>
                 </a:solidFill>
                 <a:latin typeface="G마켓 산스 Bold" panose="02000000000000000000" pitchFamily="50" charset="-127"/>
                 <a:ea typeface="G마켓 산스 Bold" panose="02000000000000000000" pitchFamily="50" charset="-127"/>
               </a:rPr>
-              <a:t>2</a:t>
-            </a:r>
-            <a:r>
-              <a:rPr lang="en-US" altLang="ko-KR" sz="5400" spc="-300" smtClean="0">
+              <a:t>2-3 </a:t>
+            </a:r>
+            <a:r>
+              <a:rPr lang="ko-KR" altLang="en-US" sz="5400" spc="-300">
                 <a:solidFill>
                   <a:srgbClr val="4C50BC"/>
                 </a:solidFill>
                 <a:latin typeface="G마켓 산스 Bold" panose="02000000000000000000" pitchFamily="50" charset="-127"/>
                 <a:ea typeface="G마켓 산스 Bold" panose="02000000000000000000" pitchFamily="50" charset="-127"/>
               </a:rPr>
-              <a:t>-3 </a:t>
-            </a:r>
-            <a:r>
-              <a:rPr lang="ko-KR" altLang="en-US" sz="5400" spc="-300">
+              <a:t>실습문제</a:t>
+            </a:r>
+            <a:r>
+              <a:rPr lang="en-US" altLang="ko-KR" sz="5400" spc="-300">
                 <a:solidFill>
                   <a:srgbClr val="4C50BC"/>
                 </a:solidFill>
                 <a:latin typeface="G마켓 산스 Bold" panose="02000000000000000000" pitchFamily="50" charset="-127"/>
                 <a:ea typeface="G마켓 산스 Bold" panose="02000000000000000000" pitchFamily="50" charset="-127"/>
               </a:rPr>
-              <a:t>실습문제</a:t>
+              <a:t> </a:t>
             </a:r>
             <a:r>
               <a:rPr lang="en-US" altLang="ko-KR" sz="5400" spc="-300">
-                <a:solidFill>
-                  <a:srgbClr val="4C50BC"/>
-                </a:solidFill>
-                <a:latin typeface="G마켓 산스 Bold" panose="02000000000000000000" pitchFamily="50" charset="-127"/>
-                <a:ea typeface="G마켓 산스 Bold" panose="02000000000000000000" pitchFamily="50" charset="-127"/>
-              </a:rPr>
-              <a:t> </a:t>
-            </a:r>
-            <a:r>
-              <a:rPr lang="en-US" altLang="ko-KR" sz="5400" spc="-300" smtClean="0">
                 <a:solidFill>
                   <a:srgbClr val="FF0000"/>
                 </a:solidFill>
@@ -26367,7 +26195,7 @@
           <p:cNvPr id="15" name="직선 연결선 14">
             <a:extLst>
               <a:ext uri="{FF2B5EF4-FFF2-40B4-BE49-F238E27FC236}">
-                <a16:creationId xmlns="" xmlns:a16="http://schemas.microsoft.com/office/drawing/2014/main" id="{605E5585-A658-1210-D674-A0EA5BC76656}"/>
+                <a16:creationId xmlns:a16="http://schemas.microsoft.com/office/drawing/2014/main" id="{605E5585-A658-1210-D674-A0EA5BC76656}"/>
               </a:ext>
             </a:extLst>
           </p:cNvPr>
@@ -26440,7 +26268,7 @@
           <p:cNvPr id="4" name="TextBox 3">
             <a:extLst>
               <a:ext uri="{FF2B5EF4-FFF2-40B4-BE49-F238E27FC236}">
-                <a16:creationId xmlns="" xmlns:a16="http://schemas.microsoft.com/office/drawing/2014/main" id="{EFADA8A7-2D7C-E1EF-D1E9-025E662096C2}"/>
+                <a16:creationId xmlns:a16="http://schemas.microsoft.com/office/drawing/2014/main" id="{EFADA8A7-2D7C-E1EF-D1E9-025E662096C2}"/>
               </a:ext>
             </a:extLst>
           </p:cNvPr>
@@ -26464,57 +26292,37 @@
           <a:lstStyle/>
           <a:p>
             <a:r>
-              <a:rPr lang="en-US" altLang="ko-KR" sz="5400" spc="-300" smtClean="0">
+              <a:rPr lang="en-US" altLang="ko-KR" sz="5400" spc="-300">
                 <a:solidFill>
                   <a:srgbClr val="4C50BC"/>
                 </a:solidFill>
                 <a:latin typeface="G마켓 산스 Bold" panose="02000000000000000000" pitchFamily="50" charset="-127"/>
                 <a:ea typeface="G마켓 산스 Bold" panose="02000000000000000000" pitchFamily="50" charset="-127"/>
               </a:rPr>
-              <a:t>2</a:t>
-            </a:r>
-            <a:r>
-              <a:rPr lang="en-US" altLang="ko-KR" sz="5400" spc="-300" smtClean="0">
+              <a:t>2-3 </a:t>
+            </a:r>
+            <a:r>
+              <a:rPr lang="ko-KR" altLang="en-US" sz="5400" spc="-300">
                 <a:solidFill>
                   <a:srgbClr val="4C50BC"/>
                 </a:solidFill>
                 <a:latin typeface="G마켓 산스 Bold" panose="02000000000000000000" pitchFamily="50" charset="-127"/>
                 <a:ea typeface="G마켓 산스 Bold" panose="02000000000000000000" pitchFamily="50" charset="-127"/>
               </a:rPr>
-              <a:t>-3 </a:t>
-            </a:r>
-            <a:r>
-              <a:rPr lang="ko-KR" altLang="en-US" sz="5400" spc="-300" smtClean="0">
+              <a:t>문제풀이</a:t>
+            </a:r>
+            <a:r>
+              <a:rPr lang="en-US" altLang="ko-KR" sz="5400" spc="-300">
                 <a:solidFill>
                   <a:srgbClr val="4C50BC"/>
                 </a:solidFill>
                 <a:latin typeface="G마켓 산스 Bold" panose="02000000000000000000" pitchFamily="50" charset="-127"/>
                 <a:ea typeface="G마켓 산스 Bold" panose="02000000000000000000" pitchFamily="50" charset="-127"/>
               </a:rPr>
-              <a:t>문제</a:t>
-            </a:r>
-            <a:r>
-              <a:rPr lang="ko-KR" altLang="en-US" sz="5400" spc="-300" smtClean="0">
-                <a:solidFill>
-                  <a:srgbClr val="4C50BC"/>
-                </a:solidFill>
-                <a:latin typeface="G마켓 산스 Bold" panose="02000000000000000000" pitchFamily="50" charset="-127"/>
-                <a:ea typeface="G마켓 산스 Bold" panose="02000000000000000000" pitchFamily="50" charset="-127"/>
-              </a:rPr>
-              <a:t>풀이</a:t>
-            </a:r>
-            <a:r>
-              <a:rPr lang="en-US" altLang="ko-KR" sz="5400" spc="-300" smtClean="0">
-                <a:solidFill>
-                  <a:srgbClr val="4C50BC"/>
-                </a:solidFill>
-                <a:latin typeface="G마켓 산스 Bold" panose="02000000000000000000" pitchFamily="50" charset="-127"/>
-                <a:ea typeface="G마켓 산스 Bold" panose="02000000000000000000" pitchFamily="50" charset="-127"/>
-              </a:rPr>
               <a:t> </a:t>
             </a:r>
             <a:r>
-              <a:rPr lang="en-US" altLang="ko-KR" sz="5400" spc="-300" smtClean="0">
+              <a:rPr lang="en-US" altLang="ko-KR" sz="5400" spc="-300">
                 <a:solidFill>
                   <a:srgbClr val="FF0000"/>
                 </a:solidFill>
@@ -26538,7 +26346,7 @@
           <p:cNvPr id="5" name="직선 연결선 4">
             <a:extLst>
               <a:ext uri="{FF2B5EF4-FFF2-40B4-BE49-F238E27FC236}">
-                <a16:creationId xmlns="" xmlns:a16="http://schemas.microsoft.com/office/drawing/2014/main" id="{605E5585-A658-1210-D674-A0EA5BC76656}"/>
+                <a16:creationId xmlns:a16="http://schemas.microsoft.com/office/drawing/2014/main" id="{605E5585-A658-1210-D674-A0EA5BC76656}"/>
               </a:ext>
             </a:extLst>
           </p:cNvPr>
@@ -26605,7 +26413,7 @@
           <p:cNvPr id="7" name="직선 화살표 연결선 6">
             <a:extLst>
               <a:ext uri="{FF2B5EF4-FFF2-40B4-BE49-F238E27FC236}">
-                <a16:creationId xmlns:a16="http://schemas.microsoft.com/office/drawing/2014/main" xmlns="" id="{299DF5EC-9DF4-5255-06AC-0A7CE4FF58C3}"/>
+                <a16:creationId xmlns:a16="http://schemas.microsoft.com/office/drawing/2014/main" id="{299DF5EC-9DF4-5255-06AC-0A7CE4FF58C3}"/>
               </a:ext>
             </a:extLst>
           </p:cNvPr>
@@ -26646,7 +26454,7 @@
           <p:cNvPr id="8" name="TextBox 7">
             <a:extLst>
               <a:ext uri="{FF2B5EF4-FFF2-40B4-BE49-F238E27FC236}">
-                <a16:creationId xmlns:a16="http://schemas.microsoft.com/office/drawing/2014/main" xmlns="" id="{C6D113C6-EA5C-788F-0C77-E7CE6EBB865F}"/>
+                <a16:creationId xmlns:a16="http://schemas.microsoft.com/office/drawing/2014/main" id="{C6D113C6-EA5C-788F-0C77-E7CE6EBB865F}"/>
               </a:ext>
             </a:extLst>
           </p:cNvPr>
@@ -26670,7 +26478,7 @@
           <a:lstStyle/>
           <a:p>
             <a:r>
-              <a:rPr lang="en-US" altLang="ko-KR" sz="3600" smtClean="0">
+              <a:rPr lang="en-US" altLang="ko-KR" sz="3600">
                 <a:solidFill>
                   <a:srgbClr val="FF0000"/>
                 </a:solidFill>
@@ -26680,7 +26488,7 @@
               <a:t>close()</a:t>
             </a:r>
             <a:r>
-              <a:rPr lang="ko-KR" altLang="en-US" sz="3600" smtClean="0">
+              <a:rPr lang="ko-KR" altLang="en-US" sz="3600">
                 <a:solidFill>
                   <a:srgbClr val="FF0000"/>
                 </a:solidFill>
@@ -26690,7 +26498,7 @@
               <a:t>는 </a:t>
             </a:r>
             <a:r>
-              <a:rPr lang="en-US" altLang="ko-KR" sz="3600" smtClean="0">
+              <a:rPr lang="en-US" altLang="ko-KR" sz="3600">
                 <a:solidFill>
                   <a:srgbClr val="FF0000"/>
                 </a:solidFill>
@@ -26700,7 +26508,7 @@
               <a:t>checked </a:t>
             </a:r>
             <a:r>
-              <a:rPr lang="ko-KR" altLang="en-US" sz="3600" smtClean="0">
+              <a:rPr lang="ko-KR" altLang="en-US" sz="3600">
                 <a:solidFill>
                   <a:srgbClr val="FF0000"/>
                 </a:solidFill>
@@ -26710,7 +26518,7 @@
               <a:t>예외를 발생 시키므로 반드시 예외처리를 해줘야 한다</a:t>
             </a:r>
             <a:r>
-              <a:rPr lang="en-US" altLang="ko-KR" sz="3600" smtClean="0">
+              <a:rPr lang="en-US" altLang="ko-KR" sz="3600">
                 <a:solidFill>
                   <a:srgbClr val="FF0000"/>
                 </a:solidFill>
@@ -26734,7 +26542,7 @@
           <p:cNvPr id="9" name="직선 화살표 연결선 8">
             <a:extLst>
               <a:ext uri="{FF2B5EF4-FFF2-40B4-BE49-F238E27FC236}">
-                <a16:creationId xmlns:a16="http://schemas.microsoft.com/office/drawing/2014/main" xmlns="" id="{299DF5EC-9DF4-5255-06AC-0A7CE4FF58C3}"/>
+                <a16:creationId xmlns:a16="http://schemas.microsoft.com/office/drawing/2014/main" id="{299DF5EC-9DF4-5255-06AC-0A7CE4FF58C3}"/>
               </a:ext>
             </a:extLst>
           </p:cNvPr>
@@ -26775,7 +26583,7 @@
           <p:cNvPr id="10" name="TextBox 9">
             <a:extLst>
               <a:ext uri="{FF2B5EF4-FFF2-40B4-BE49-F238E27FC236}">
-                <a16:creationId xmlns:a16="http://schemas.microsoft.com/office/drawing/2014/main" xmlns="" id="{C6D113C6-EA5C-788F-0C77-E7CE6EBB865F}"/>
+                <a16:creationId xmlns:a16="http://schemas.microsoft.com/office/drawing/2014/main" id="{C6D113C6-EA5C-788F-0C77-E7CE6EBB865F}"/>
               </a:ext>
             </a:extLst>
           </p:cNvPr>
@@ -26799,7 +26607,7 @@
           <a:lstStyle/>
           <a:p>
             <a:r>
-              <a:rPr lang="en-US" altLang="ko-KR" sz="3600" smtClean="0">
+              <a:rPr lang="en-US" altLang="ko-KR" sz="3600">
                 <a:solidFill>
                   <a:srgbClr val="FF0000"/>
                 </a:solidFill>
@@ -26809,7 +26617,7 @@
               <a:t>close()</a:t>
             </a:r>
             <a:r>
-              <a:rPr lang="ko-KR" altLang="en-US" sz="3600" smtClean="0">
+              <a:rPr lang="ko-KR" altLang="en-US" sz="3600">
                 <a:solidFill>
                   <a:srgbClr val="FF0000"/>
                 </a:solidFill>
@@ -26819,7 +26627,7 @@
               <a:t>는 예외에 상관없이 무조건 실행 해야 하므로 </a:t>
             </a:r>
             <a:r>
-              <a:rPr lang="en-US" altLang="ko-KR" sz="3600" smtClean="0">
+              <a:rPr lang="en-US" altLang="ko-KR" sz="3600">
                 <a:solidFill>
                   <a:srgbClr val="FF0000"/>
                 </a:solidFill>
@@ -26829,7 +26637,7 @@
               <a:t>finally</a:t>
             </a:r>
             <a:r>
-              <a:rPr lang="ko-KR" altLang="en-US" sz="3600" smtClean="0">
+              <a:rPr lang="ko-KR" altLang="en-US" sz="3600">
                 <a:solidFill>
                   <a:srgbClr val="FF0000"/>
                 </a:solidFill>
@@ -26839,7 +26647,7 @@
               <a:t>에 추가 한다</a:t>
             </a:r>
             <a:r>
-              <a:rPr lang="en-US" altLang="ko-KR" sz="3600" smtClean="0">
+              <a:rPr lang="en-US" altLang="ko-KR" sz="3600">
                 <a:solidFill>
                   <a:srgbClr val="FF0000"/>
                 </a:solidFill>
@@ -26863,7 +26671,7 @@
           <p:cNvPr id="11" name="직사각형 10">
             <a:extLst>
               <a:ext uri="{FF2B5EF4-FFF2-40B4-BE49-F238E27FC236}">
-                <a16:creationId xmlns:a16="http://schemas.microsoft.com/office/drawing/2014/main" xmlns="" id="{361FA442-8171-4EBF-65A2-19C90654959D}"/>
+                <a16:creationId xmlns:a16="http://schemas.microsoft.com/office/drawing/2014/main" id="{361FA442-8171-4EBF-65A2-19C90654959D}"/>
               </a:ext>
             </a:extLst>
           </p:cNvPr>
@@ -27047,7 +26855,7 @@
           <p:cNvPr id="8" name="TextBox 7">
             <a:extLst>
               <a:ext uri="{FF2B5EF4-FFF2-40B4-BE49-F238E27FC236}">
-                <a16:creationId xmlns="" xmlns:a16="http://schemas.microsoft.com/office/drawing/2014/main" id="{EFADA8A7-2D7C-E1EF-D1E9-025E662096C2}"/>
+                <a16:creationId xmlns:a16="http://schemas.microsoft.com/office/drawing/2014/main" id="{EFADA8A7-2D7C-E1EF-D1E9-025E662096C2}"/>
               </a:ext>
             </a:extLst>
           </p:cNvPr>
@@ -27071,57 +26879,37 @@
           <a:lstStyle/>
           <a:p>
             <a:r>
-              <a:rPr lang="en-US" altLang="ko-KR" sz="5400" spc="-300" smtClean="0">
+              <a:rPr lang="en-US" altLang="ko-KR" sz="5400" spc="-300">
                 <a:solidFill>
                   <a:srgbClr val="4C50BC"/>
                 </a:solidFill>
                 <a:latin typeface="G마켓 산스 Bold" panose="02000000000000000000" pitchFamily="50" charset="-127"/>
                 <a:ea typeface="G마켓 산스 Bold" panose="02000000000000000000" pitchFamily="50" charset="-127"/>
               </a:rPr>
-              <a:t>2</a:t>
-            </a:r>
-            <a:r>
-              <a:rPr lang="en-US" altLang="ko-KR" sz="5400" spc="-300" smtClean="0">
+              <a:t>2-3 </a:t>
+            </a:r>
+            <a:r>
+              <a:rPr lang="ko-KR" altLang="en-US" sz="5400" spc="-300">
                 <a:solidFill>
                   <a:srgbClr val="4C50BC"/>
                 </a:solidFill>
                 <a:latin typeface="G마켓 산스 Bold" panose="02000000000000000000" pitchFamily="50" charset="-127"/>
                 <a:ea typeface="G마켓 산스 Bold" panose="02000000000000000000" pitchFamily="50" charset="-127"/>
               </a:rPr>
-              <a:t>-3 </a:t>
-            </a:r>
-            <a:r>
-              <a:rPr lang="ko-KR" altLang="en-US" sz="5400" spc="-300" smtClean="0">
+              <a:t>문제풀이</a:t>
+            </a:r>
+            <a:r>
+              <a:rPr lang="en-US" altLang="ko-KR" sz="5400" spc="-300">
                 <a:solidFill>
                   <a:srgbClr val="4C50BC"/>
                 </a:solidFill>
                 <a:latin typeface="G마켓 산스 Bold" panose="02000000000000000000" pitchFamily="50" charset="-127"/>
                 <a:ea typeface="G마켓 산스 Bold" panose="02000000000000000000" pitchFamily="50" charset="-127"/>
               </a:rPr>
-              <a:t>문제</a:t>
-            </a:r>
-            <a:r>
-              <a:rPr lang="ko-KR" altLang="en-US" sz="5400" spc="-300" smtClean="0">
-                <a:solidFill>
-                  <a:srgbClr val="4C50BC"/>
-                </a:solidFill>
-                <a:latin typeface="G마켓 산스 Bold" panose="02000000000000000000" pitchFamily="50" charset="-127"/>
-                <a:ea typeface="G마켓 산스 Bold" panose="02000000000000000000" pitchFamily="50" charset="-127"/>
-              </a:rPr>
-              <a:t>풀이</a:t>
-            </a:r>
-            <a:r>
-              <a:rPr lang="en-US" altLang="ko-KR" sz="5400" spc="-300" smtClean="0">
-                <a:solidFill>
-                  <a:srgbClr val="4C50BC"/>
-                </a:solidFill>
-                <a:latin typeface="G마켓 산스 Bold" panose="02000000000000000000" pitchFamily="50" charset="-127"/>
-                <a:ea typeface="G마켓 산스 Bold" panose="02000000000000000000" pitchFamily="50" charset="-127"/>
-              </a:rPr>
               <a:t> </a:t>
             </a:r>
             <a:r>
-              <a:rPr lang="en-US" altLang="ko-KR" sz="5400" spc="-300" smtClean="0">
+              <a:rPr lang="en-US" altLang="ko-KR" sz="5400" spc="-300">
                 <a:solidFill>
                   <a:srgbClr val="FF0000"/>
                 </a:solidFill>
@@ -27145,7 +26933,7 @@
           <p:cNvPr id="9" name="직선 연결선 8">
             <a:extLst>
               <a:ext uri="{FF2B5EF4-FFF2-40B4-BE49-F238E27FC236}">
-                <a16:creationId xmlns="" xmlns:a16="http://schemas.microsoft.com/office/drawing/2014/main" id="{605E5585-A658-1210-D674-A0EA5BC76656}"/>
+                <a16:creationId xmlns:a16="http://schemas.microsoft.com/office/drawing/2014/main" id="{605E5585-A658-1210-D674-A0EA5BC76656}"/>
               </a:ext>
             </a:extLst>
           </p:cNvPr>
@@ -27188,7 +26976,7 @@
           <p:cNvPr id="10" name="직선 화살표 연결선 9">
             <a:extLst>
               <a:ext uri="{FF2B5EF4-FFF2-40B4-BE49-F238E27FC236}">
-                <a16:creationId xmlns:a16="http://schemas.microsoft.com/office/drawing/2014/main" xmlns="" id="{299DF5EC-9DF4-5255-06AC-0A7CE4FF58C3}"/>
+                <a16:creationId xmlns:a16="http://schemas.microsoft.com/office/drawing/2014/main" id="{299DF5EC-9DF4-5255-06AC-0A7CE4FF58C3}"/>
               </a:ext>
             </a:extLst>
           </p:cNvPr>
@@ -27229,7 +27017,7 @@
           <p:cNvPr id="11" name="TextBox 10">
             <a:extLst>
               <a:ext uri="{FF2B5EF4-FFF2-40B4-BE49-F238E27FC236}">
-                <a16:creationId xmlns:a16="http://schemas.microsoft.com/office/drawing/2014/main" xmlns="" id="{C6D113C6-EA5C-788F-0C77-E7CE6EBB865F}"/>
+                <a16:creationId xmlns:a16="http://schemas.microsoft.com/office/drawing/2014/main" id="{C6D113C6-EA5C-788F-0C77-E7CE6EBB865F}"/>
               </a:ext>
             </a:extLst>
           </p:cNvPr>
@@ -27253,7 +27041,7 @@
           <a:lstStyle/>
           <a:p>
             <a:r>
-              <a:rPr lang="en-US" altLang="ko-KR" sz="3600" smtClean="0">
+              <a:rPr lang="en-US" altLang="ko-KR" sz="3600">
                 <a:solidFill>
                   <a:srgbClr val="FF0000"/>
                 </a:solidFill>
@@ -27263,7 +27051,7 @@
               <a:t>try with recource </a:t>
             </a:r>
             <a:r>
-              <a:rPr lang="ko-KR" altLang="en-US" sz="3600" smtClean="0">
+              <a:rPr lang="ko-KR" altLang="en-US" sz="3600">
                 <a:solidFill>
                   <a:srgbClr val="FF0000"/>
                 </a:solidFill>
@@ -27273,7 +27061,7 @@
               <a:t>문법을 이용해 </a:t>
             </a:r>
             <a:r>
-              <a:rPr lang="en-US" altLang="ko-KR" sz="3600" smtClean="0">
+              <a:rPr lang="en-US" altLang="ko-KR" sz="3600">
                 <a:solidFill>
                   <a:srgbClr val="FF0000"/>
                 </a:solidFill>
@@ -27283,7 +27071,7 @@
               <a:t>close()</a:t>
             </a:r>
             <a:r>
-              <a:rPr lang="ko-KR" altLang="en-US" sz="3600" smtClean="0">
+              <a:rPr lang="ko-KR" altLang="en-US" sz="3600">
                 <a:solidFill>
                   <a:srgbClr val="FF0000"/>
                 </a:solidFill>
@@ -27293,7 +27081,7 @@
               <a:t>를 편리하게 처리한다</a:t>
             </a:r>
             <a:r>
-              <a:rPr lang="en-US" altLang="ko-KR" sz="3600" smtClean="0">
+              <a:rPr lang="en-US" altLang="ko-KR" sz="3600">
                 <a:solidFill>
                   <a:srgbClr val="FF0000"/>
                 </a:solidFill>
@@ -27310,7 +27098,7 @@
           <p:cNvPr id="13" name="직사각형 12">
             <a:extLst>
               <a:ext uri="{FF2B5EF4-FFF2-40B4-BE49-F238E27FC236}">
-                <a16:creationId xmlns:a16="http://schemas.microsoft.com/office/drawing/2014/main" xmlns="" id="{361FA442-8171-4EBF-65A2-19C90654959D}"/>
+                <a16:creationId xmlns:a16="http://schemas.microsoft.com/office/drawing/2014/main" id="{361FA442-8171-4EBF-65A2-19C90654959D}"/>
               </a:ext>
             </a:extLst>
           </p:cNvPr>
@@ -27736,7 +27524,7 @@
           <p:cNvPr id="2" name="TextBox 1">
             <a:extLst>
               <a:ext uri="{FF2B5EF4-FFF2-40B4-BE49-F238E27FC236}">
-                <a16:creationId xmlns:a16="http://schemas.microsoft.com/office/drawing/2014/main" xmlns="" id="{715D88A2-BD52-978B-A00A-540446126E3D}"/>
+                <a16:creationId xmlns:a16="http://schemas.microsoft.com/office/drawing/2014/main" id="{715D88A2-BD52-978B-A00A-540446126E3D}"/>
               </a:ext>
             </a:extLst>
           </p:cNvPr>
@@ -27809,7 +27597,7 @@
           <p:cNvPr id="5" name="그룹 1018">
             <a:extLst>
               <a:ext uri="{FF2B5EF4-FFF2-40B4-BE49-F238E27FC236}">
-                <a16:creationId xmlns:a16="http://schemas.microsoft.com/office/drawing/2014/main" xmlns="" id="{F53BC57C-78A5-6AFC-CB34-7E3FD29B339F}"/>
+                <a16:creationId xmlns:a16="http://schemas.microsoft.com/office/drawing/2014/main" id="{F53BC57C-78A5-6AFC-CB34-7E3FD29B339F}"/>
               </a:ext>
             </a:extLst>
           </p:cNvPr>
@@ -27829,7 +27617,7 @@
             <p:cNvPr id="6" name="Object 61">
               <a:extLst>
                 <a:ext uri="{FF2B5EF4-FFF2-40B4-BE49-F238E27FC236}">
-                  <a16:creationId xmlns:a16="http://schemas.microsoft.com/office/drawing/2014/main" xmlns="" id="{E6F73685-14E5-06A9-813C-1C372BD6F4DE}"/>
+                  <a16:creationId xmlns:a16="http://schemas.microsoft.com/office/drawing/2014/main" id="{E6F73685-14E5-06A9-813C-1C372BD6F4DE}"/>
                 </a:ext>
               </a:extLst>
             </p:cNvPr>
@@ -27860,7 +27648,7 @@
           <p:cNvPr id="7" name="TextBox 6">
             <a:extLst>
               <a:ext uri="{FF2B5EF4-FFF2-40B4-BE49-F238E27FC236}">
-                <a16:creationId xmlns:a16="http://schemas.microsoft.com/office/drawing/2014/main" xmlns="" id="{A06D4055-10A8-4A24-5EDC-0761473BA40F}"/>
+                <a16:creationId xmlns:a16="http://schemas.microsoft.com/office/drawing/2014/main" id="{A06D4055-10A8-4A24-5EDC-0761473BA40F}"/>
               </a:ext>
             </a:extLst>
           </p:cNvPr>
@@ -27904,7 +27692,7 @@
           <p:cNvPr id="8" name="직선 연결선 7">
             <a:extLst>
               <a:ext uri="{FF2B5EF4-FFF2-40B4-BE49-F238E27FC236}">
-                <a16:creationId xmlns:a16="http://schemas.microsoft.com/office/drawing/2014/main" xmlns="" id="{1172879B-889D-0C2F-EEA8-003E6793F36F}"/>
+                <a16:creationId xmlns:a16="http://schemas.microsoft.com/office/drawing/2014/main" id="{1172879B-889D-0C2F-EEA8-003E6793F36F}"/>
               </a:ext>
             </a:extLst>
           </p:cNvPr>
@@ -27948,7 +27736,7 @@
           <p:cNvPr id="10" name="그룹 1018">
             <a:extLst>
               <a:ext uri="{FF2B5EF4-FFF2-40B4-BE49-F238E27FC236}">
-                <a16:creationId xmlns:a16="http://schemas.microsoft.com/office/drawing/2014/main" xmlns="" id="{F53BC57C-78A5-6AFC-CB34-7E3FD29B339F}"/>
+                <a16:creationId xmlns:a16="http://schemas.microsoft.com/office/drawing/2014/main" id="{F53BC57C-78A5-6AFC-CB34-7E3FD29B339F}"/>
               </a:ext>
             </a:extLst>
           </p:cNvPr>
@@ -27968,7 +27756,7 @@
             <p:cNvPr id="11" name="Object 61">
               <a:extLst>
                 <a:ext uri="{FF2B5EF4-FFF2-40B4-BE49-F238E27FC236}">
-                  <a16:creationId xmlns:a16="http://schemas.microsoft.com/office/drawing/2014/main" xmlns="" id="{E6F73685-14E5-06A9-813C-1C372BD6F4DE}"/>
+                  <a16:creationId xmlns:a16="http://schemas.microsoft.com/office/drawing/2014/main" id="{E6F73685-14E5-06A9-813C-1C372BD6F4DE}"/>
                 </a:ext>
               </a:extLst>
             </p:cNvPr>
@@ -27999,7 +27787,7 @@
           <p:cNvPr id="12" name="TextBox 11">
             <a:extLst>
               <a:ext uri="{FF2B5EF4-FFF2-40B4-BE49-F238E27FC236}">
-                <a16:creationId xmlns:a16="http://schemas.microsoft.com/office/drawing/2014/main" xmlns="" id="{A06D4055-10A8-4A24-5EDC-0761473BA40F}"/>
+                <a16:creationId xmlns:a16="http://schemas.microsoft.com/office/drawing/2014/main" id="{A06D4055-10A8-4A24-5EDC-0761473BA40F}"/>
               </a:ext>
             </a:extLst>
           </p:cNvPr>
@@ -28053,7 +27841,7 @@
           <p:cNvPr id="14" name="그룹 1018">
             <a:extLst>
               <a:ext uri="{FF2B5EF4-FFF2-40B4-BE49-F238E27FC236}">
-                <a16:creationId xmlns:a16="http://schemas.microsoft.com/office/drawing/2014/main" xmlns="" id="{F53BC57C-78A5-6AFC-CB34-7E3FD29B339F}"/>
+                <a16:creationId xmlns:a16="http://schemas.microsoft.com/office/drawing/2014/main" id="{F53BC57C-78A5-6AFC-CB34-7E3FD29B339F}"/>
               </a:ext>
             </a:extLst>
           </p:cNvPr>
@@ -28073,7 +27861,7 @@
             <p:cNvPr id="15" name="Object 61">
               <a:extLst>
                 <a:ext uri="{FF2B5EF4-FFF2-40B4-BE49-F238E27FC236}">
-                  <a16:creationId xmlns:a16="http://schemas.microsoft.com/office/drawing/2014/main" xmlns="" id="{E6F73685-14E5-06A9-813C-1C372BD6F4DE}"/>
+                  <a16:creationId xmlns:a16="http://schemas.microsoft.com/office/drawing/2014/main" id="{E6F73685-14E5-06A9-813C-1C372BD6F4DE}"/>
                 </a:ext>
               </a:extLst>
             </p:cNvPr>
@@ -28104,7 +27892,7 @@
           <p:cNvPr id="16" name="TextBox 15">
             <a:extLst>
               <a:ext uri="{FF2B5EF4-FFF2-40B4-BE49-F238E27FC236}">
-                <a16:creationId xmlns:a16="http://schemas.microsoft.com/office/drawing/2014/main" xmlns="" id="{A06D4055-10A8-4A24-5EDC-0761473BA40F}"/>
+                <a16:creationId xmlns:a16="http://schemas.microsoft.com/office/drawing/2014/main" id="{A06D4055-10A8-4A24-5EDC-0761473BA40F}"/>
               </a:ext>
             </a:extLst>
           </p:cNvPr>
@@ -28158,7 +27946,7 @@
           <p:cNvPr id="17" name="그룹 1018">
             <a:extLst>
               <a:ext uri="{FF2B5EF4-FFF2-40B4-BE49-F238E27FC236}">
-                <a16:creationId xmlns:a16="http://schemas.microsoft.com/office/drawing/2014/main" xmlns="" id="{F53BC57C-78A5-6AFC-CB34-7E3FD29B339F}"/>
+                <a16:creationId xmlns:a16="http://schemas.microsoft.com/office/drawing/2014/main" id="{F53BC57C-78A5-6AFC-CB34-7E3FD29B339F}"/>
               </a:ext>
             </a:extLst>
           </p:cNvPr>
@@ -28178,7 +27966,7 @@
             <p:cNvPr id="18" name="Object 61">
               <a:extLst>
                 <a:ext uri="{FF2B5EF4-FFF2-40B4-BE49-F238E27FC236}">
-                  <a16:creationId xmlns:a16="http://schemas.microsoft.com/office/drawing/2014/main" xmlns="" id="{E6F73685-14E5-06A9-813C-1C372BD6F4DE}"/>
+                  <a16:creationId xmlns:a16="http://schemas.microsoft.com/office/drawing/2014/main" id="{E6F73685-14E5-06A9-813C-1C372BD6F4DE}"/>
                 </a:ext>
               </a:extLst>
             </p:cNvPr>
@@ -28209,7 +27997,7 @@
           <p:cNvPr id="19" name="TextBox 18">
             <a:extLst>
               <a:ext uri="{FF2B5EF4-FFF2-40B4-BE49-F238E27FC236}">
-                <a16:creationId xmlns:a16="http://schemas.microsoft.com/office/drawing/2014/main" xmlns="" id="{A06D4055-10A8-4A24-5EDC-0761473BA40F}"/>
+                <a16:creationId xmlns:a16="http://schemas.microsoft.com/office/drawing/2014/main" id="{A06D4055-10A8-4A24-5EDC-0761473BA40F}"/>
               </a:ext>
             </a:extLst>
           </p:cNvPr>
@@ -28263,7 +28051,7 @@
           <p:cNvPr id="20" name="직선 연결선 19">
             <a:extLst>
               <a:ext uri="{FF2B5EF4-FFF2-40B4-BE49-F238E27FC236}">
-                <a16:creationId xmlns:a16="http://schemas.microsoft.com/office/drawing/2014/main" xmlns="" id="{1172879B-889D-0C2F-EEA8-003E6793F36F}"/>
+                <a16:creationId xmlns:a16="http://schemas.microsoft.com/office/drawing/2014/main" id="{1172879B-889D-0C2F-EEA8-003E6793F36F}"/>
               </a:ext>
             </a:extLst>
           </p:cNvPr>
@@ -28308,7 +28096,7 @@
           <p:cNvPr id="23" name="직선 연결선 22">
             <a:extLst>
               <a:ext uri="{FF2B5EF4-FFF2-40B4-BE49-F238E27FC236}">
-                <a16:creationId xmlns:a16="http://schemas.microsoft.com/office/drawing/2014/main" xmlns="" id="{1172879B-889D-0C2F-EEA8-003E6793F36F}"/>
+                <a16:creationId xmlns:a16="http://schemas.microsoft.com/office/drawing/2014/main" id="{1172879B-889D-0C2F-EEA8-003E6793F36F}"/>
               </a:ext>
             </a:extLst>
           </p:cNvPr>
@@ -28353,7 +28141,7 @@
           <p:cNvPr id="26" name="직선 연결선 25">
             <a:extLst>
               <a:ext uri="{FF2B5EF4-FFF2-40B4-BE49-F238E27FC236}">
-                <a16:creationId xmlns:a16="http://schemas.microsoft.com/office/drawing/2014/main" xmlns="" id="{1172879B-889D-0C2F-EEA8-003E6793F36F}"/>
+                <a16:creationId xmlns:a16="http://schemas.microsoft.com/office/drawing/2014/main" id="{1172879B-889D-0C2F-EEA8-003E6793F36F}"/>
               </a:ext>
             </a:extLst>
           </p:cNvPr>
@@ -28398,7 +28186,7 @@
           <p:cNvPr id="27" name="그룹 1018">
             <a:extLst>
               <a:ext uri="{FF2B5EF4-FFF2-40B4-BE49-F238E27FC236}">
-                <a16:creationId xmlns:a16="http://schemas.microsoft.com/office/drawing/2014/main" xmlns="" id="{F53BC57C-78A5-6AFC-CB34-7E3FD29B339F}"/>
+                <a16:creationId xmlns:a16="http://schemas.microsoft.com/office/drawing/2014/main" id="{F53BC57C-78A5-6AFC-CB34-7E3FD29B339F}"/>
               </a:ext>
             </a:extLst>
           </p:cNvPr>
@@ -28418,7 +28206,7 @@
             <p:cNvPr id="28" name="Object 61">
               <a:extLst>
                 <a:ext uri="{FF2B5EF4-FFF2-40B4-BE49-F238E27FC236}">
-                  <a16:creationId xmlns:a16="http://schemas.microsoft.com/office/drawing/2014/main" xmlns="" id="{E6F73685-14E5-06A9-813C-1C372BD6F4DE}"/>
+                  <a16:creationId xmlns:a16="http://schemas.microsoft.com/office/drawing/2014/main" id="{E6F73685-14E5-06A9-813C-1C372BD6F4DE}"/>
                 </a:ext>
               </a:extLst>
             </p:cNvPr>
@@ -28449,7 +28237,7 @@
           <p:cNvPr id="29" name="TextBox 28">
             <a:extLst>
               <a:ext uri="{FF2B5EF4-FFF2-40B4-BE49-F238E27FC236}">
-                <a16:creationId xmlns:a16="http://schemas.microsoft.com/office/drawing/2014/main" xmlns="" id="{A06D4055-10A8-4A24-5EDC-0761473BA40F}"/>
+                <a16:creationId xmlns:a16="http://schemas.microsoft.com/office/drawing/2014/main" id="{A06D4055-10A8-4A24-5EDC-0761473BA40F}"/>
               </a:ext>
             </a:extLst>
           </p:cNvPr>
@@ -28509,7 +28297,7 @@
           <p:cNvPr id="30" name="직선 연결선 29">
             <a:extLst>
               <a:ext uri="{FF2B5EF4-FFF2-40B4-BE49-F238E27FC236}">
-                <a16:creationId xmlns:a16="http://schemas.microsoft.com/office/drawing/2014/main" xmlns="" id="{1172879B-889D-0C2F-EEA8-003E6793F36F}"/>
+                <a16:creationId xmlns:a16="http://schemas.microsoft.com/office/drawing/2014/main" id="{1172879B-889D-0C2F-EEA8-003E6793F36F}"/>
               </a:ext>
             </a:extLst>
           </p:cNvPr>
@@ -28554,7 +28342,7 @@
           <p:cNvPr id="31" name="그룹 1018">
             <a:extLst>
               <a:ext uri="{FF2B5EF4-FFF2-40B4-BE49-F238E27FC236}">
-                <a16:creationId xmlns:a16="http://schemas.microsoft.com/office/drawing/2014/main" xmlns="" id="{F53BC57C-78A5-6AFC-CB34-7E3FD29B339F}"/>
+                <a16:creationId xmlns:a16="http://schemas.microsoft.com/office/drawing/2014/main" id="{F53BC57C-78A5-6AFC-CB34-7E3FD29B339F}"/>
               </a:ext>
             </a:extLst>
           </p:cNvPr>
@@ -28574,7 +28362,7 @@
             <p:cNvPr id="32" name="Object 61">
               <a:extLst>
                 <a:ext uri="{FF2B5EF4-FFF2-40B4-BE49-F238E27FC236}">
-                  <a16:creationId xmlns:a16="http://schemas.microsoft.com/office/drawing/2014/main" xmlns="" id="{E6F73685-14E5-06A9-813C-1C372BD6F4DE}"/>
+                  <a16:creationId xmlns:a16="http://schemas.microsoft.com/office/drawing/2014/main" id="{E6F73685-14E5-06A9-813C-1C372BD6F4DE}"/>
                 </a:ext>
               </a:extLst>
             </p:cNvPr>
@@ -28605,7 +28393,7 @@
           <p:cNvPr id="33" name="TextBox 32">
             <a:extLst>
               <a:ext uri="{FF2B5EF4-FFF2-40B4-BE49-F238E27FC236}">
-                <a16:creationId xmlns:a16="http://schemas.microsoft.com/office/drawing/2014/main" xmlns="" id="{A06D4055-10A8-4A24-5EDC-0761473BA40F}"/>
+                <a16:creationId xmlns:a16="http://schemas.microsoft.com/office/drawing/2014/main" id="{A06D4055-10A8-4A24-5EDC-0761473BA40F}"/>
               </a:ext>
             </a:extLst>
           </p:cNvPr>
@@ -28659,7 +28447,7 @@
           <p:cNvPr id="34" name="직선 연결선 33">
             <a:extLst>
               <a:ext uri="{FF2B5EF4-FFF2-40B4-BE49-F238E27FC236}">
-                <a16:creationId xmlns:a16="http://schemas.microsoft.com/office/drawing/2014/main" xmlns="" id="{1172879B-889D-0C2F-EEA8-003E6793F36F}"/>
+                <a16:creationId xmlns:a16="http://schemas.microsoft.com/office/drawing/2014/main" id="{1172879B-889D-0C2F-EEA8-003E6793F36F}"/>
               </a:ext>
             </a:extLst>
           </p:cNvPr>
@@ -28704,7 +28492,7 @@
           <p:cNvPr id="35" name="그룹 1018">
             <a:extLst>
               <a:ext uri="{FF2B5EF4-FFF2-40B4-BE49-F238E27FC236}">
-                <a16:creationId xmlns:a16="http://schemas.microsoft.com/office/drawing/2014/main" xmlns="" id="{F53BC57C-78A5-6AFC-CB34-7E3FD29B339F}"/>
+                <a16:creationId xmlns:a16="http://schemas.microsoft.com/office/drawing/2014/main" id="{F53BC57C-78A5-6AFC-CB34-7E3FD29B339F}"/>
               </a:ext>
             </a:extLst>
           </p:cNvPr>
@@ -28724,7 +28512,7 @@
             <p:cNvPr id="36" name="Object 61">
               <a:extLst>
                 <a:ext uri="{FF2B5EF4-FFF2-40B4-BE49-F238E27FC236}">
-                  <a16:creationId xmlns:a16="http://schemas.microsoft.com/office/drawing/2014/main" xmlns="" id="{E6F73685-14E5-06A9-813C-1C372BD6F4DE}"/>
+                  <a16:creationId xmlns:a16="http://schemas.microsoft.com/office/drawing/2014/main" id="{E6F73685-14E5-06A9-813C-1C372BD6F4DE}"/>
                 </a:ext>
               </a:extLst>
             </p:cNvPr>
@@ -28755,7 +28543,7 @@
           <p:cNvPr id="37" name="TextBox 36">
             <a:extLst>
               <a:ext uri="{FF2B5EF4-FFF2-40B4-BE49-F238E27FC236}">
-                <a16:creationId xmlns:a16="http://schemas.microsoft.com/office/drawing/2014/main" xmlns="" id="{A06D4055-10A8-4A24-5EDC-0761473BA40F}"/>
+                <a16:creationId xmlns:a16="http://schemas.microsoft.com/office/drawing/2014/main" id="{A06D4055-10A8-4A24-5EDC-0761473BA40F}"/>
               </a:ext>
             </a:extLst>
           </p:cNvPr>
@@ -28809,7 +28597,7 @@
           <p:cNvPr id="38" name="TextBox 37">
             <a:extLst>
               <a:ext uri="{FF2B5EF4-FFF2-40B4-BE49-F238E27FC236}">
-                <a16:creationId xmlns:a16="http://schemas.microsoft.com/office/drawing/2014/main" xmlns="" id="{69196D22-2A4C-4EF6-5A42-2031D7FEF549}"/>
+                <a16:creationId xmlns:a16="http://schemas.microsoft.com/office/drawing/2014/main" id="{69196D22-2A4C-4EF6-5A42-2031D7FEF549}"/>
               </a:ext>
             </a:extLst>
           </p:cNvPr>
@@ -28833,7 +28621,7 @@
           <a:lstStyle/>
           <a:p>
             <a:r>
-              <a:rPr lang="ko-KR" altLang="en-US" sz="5400" spc="-300" smtClean="0">
+              <a:rPr lang="ko-KR" altLang="en-US" sz="5400" spc="-300">
                 <a:solidFill>
                   <a:srgbClr val="4C50BC"/>
                 </a:solidFill>
@@ -28857,7 +28645,7 @@
           <p:cNvPr id="39" name="직선 연결선 38">
             <a:extLst>
               <a:ext uri="{FF2B5EF4-FFF2-40B4-BE49-F238E27FC236}">
-                <a16:creationId xmlns:a16="http://schemas.microsoft.com/office/drawing/2014/main" xmlns="" id="{DDFA97EB-659B-5D0A-D41B-496A6FF66D9E}"/>
+                <a16:creationId xmlns:a16="http://schemas.microsoft.com/office/drawing/2014/main" id="{DDFA97EB-659B-5D0A-D41B-496A6FF66D9E}"/>
               </a:ext>
             </a:extLst>
           </p:cNvPr>
@@ -29322,7 +29110,7 @@
           <p:cNvPr id="3" name="그림 2">
             <a:extLst>
               <a:ext uri="{FF2B5EF4-FFF2-40B4-BE49-F238E27FC236}">
-                <a16:creationId xmlns:a16="http://schemas.microsoft.com/office/drawing/2014/main" xmlns="" id="{5FBA39C2-1CDB-D659-3B42-CB064BD4B62E}"/>
+                <a16:creationId xmlns:a16="http://schemas.microsoft.com/office/drawing/2014/main" id="{5FBA39C2-1CDB-D659-3B42-CB064BD4B62E}"/>
               </a:ext>
             </a:extLst>
           </p:cNvPr>
@@ -29352,7 +29140,7 @@
           <p:cNvPr id="10" name="그림 9">
             <a:extLst>
               <a:ext uri="{FF2B5EF4-FFF2-40B4-BE49-F238E27FC236}">
-                <a16:creationId xmlns:a16="http://schemas.microsoft.com/office/drawing/2014/main" xmlns="" id="{9CEEF8E7-836B-510B-B344-E972EC8AEA01}"/>
+                <a16:creationId xmlns:a16="http://schemas.microsoft.com/office/drawing/2014/main" id="{9CEEF8E7-836B-510B-B344-E972EC8AEA01}"/>
               </a:ext>
             </a:extLst>
           </p:cNvPr>
@@ -29382,7 +29170,7 @@
           <p:cNvPr id="11" name="TextBox 10">
             <a:extLst>
               <a:ext uri="{FF2B5EF4-FFF2-40B4-BE49-F238E27FC236}">
-                <a16:creationId xmlns:a16="http://schemas.microsoft.com/office/drawing/2014/main" xmlns="" id="{9957F764-DB13-DDF4-AD27-CC5DBC6B463B}"/>
+                <a16:creationId xmlns:a16="http://schemas.microsoft.com/office/drawing/2014/main" id="{9957F764-DB13-DDF4-AD27-CC5DBC6B463B}"/>
               </a:ext>
             </a:extLst>
           </p:cNvPr>
@@ -29433,7 +29221,7 @@
           <p:cNvPr id="12" name="TextBox 11">
             <a:extLst>
               <a:ext uri="{FF2B5EF4-FFF2-40B4-BE49-F238E27FC236}">
-                <a16:creationId xmlns:a16="http://schemas.microsoft.com/office/drawing/2014/main" xmlns="" id="{69196D22-2A4C-4EF6-5A42-2031D7FEF549}"/>
+                <a16:creationId xmlns:a16="http://schemas.microsoft.com/office/drawing/2014/main" id="{69196D22-2A4C-4EF6-5A42-2031D7FEF549}"/>
               </a:ext>
             </a:extLst>
           </p:cNvPr>
@@ -29457,17 +29245,27 @@
           <a:lstStyle/>
           <a:p>
             <a:r>
-              <a:rPr lang="en-US" altLang="ko-KR" sz="5400" spc="-300" smtClean="0">
+              <a:rPr lang="en-US" altLang="ko-KR" sz="5400" spc="-300" dirty="0" err="1">
                 <a:solidFill>
                   <a:srgbClr val="4C50BC"/>
                 </a:solidFill>
                 <a:latin typeface="G마켓 산스 Bold" panose="02000000000000000000" pitchFamily="50" charset="-127"/>
                 <a:ea typeface="G마켓 산스 Bold" panose="02000000000000000000" pitchFamily="50" charset="-127"/>
               </a:rPr>
-              <a:t>RuntimeException </a:t>
-            </a:r>
-            <a:r>
-              <a:rPr lang="ko-KR" altLang="en-US" sz="5400" spc="-300" smtClean="0">
+              <a:t>RuntimeException</a:t>
+            </a:r>
+            <a:r>
+              <a:rPr lang="en-US" altLang="ko-KR" sz="5400" spc="-300" dirty="0">
+                <a:solidFill>
+                  <a:srgbClr val="4C50BC"/>
+                </a:solidFill>
+                <a:latin typeface="G마켓 산스 Bold" panose="02000000000000000000" pitchFamily="50" charset="-127"/>
+                <a:ea typeface="G마켓 산스 Bold" panose="02000000000000000000" pitchFamily="50" charset="-127"/>
+              </a:rPr>
+              <a:t> </a:t>
+            </a:r>
+            <a:r>
+              <a:rPr lang="ko-KR" altLang="en-US" sz="5400" spc="-300" dirty="0">
                 <a:solidFill>
                   <a:srgbClr val="4C50BC"/>
                 </a:solidFill>
@@ -29491,7 +29289,7 @@
           <p:cNvPr id="13" name="직선 연결선 12">
             <a:extLst>
               <a:ext uri="{FF2B5EF4-FFF2-40B4-BE49-F238E27FC236}">
-                <a16:creationId xmlns:a16="http://schemas.microsoft.com/office/drawing/2014/main" xmlns="" id="{DDFA97EB-659B-5D0A-D41B-496A6FF66D9E}"/>
+                <a16:creationId xmlns:a16="http://schemas.microsoft.com/office/drawing/2014/main" id="{DDFA97EB-659B-5D0A-D41B-496A6FF66D9E}"/>
               </a:ext>
             </a:extLst>
           </p:cNvPr>
@@ -29777,7 +29575,7 @@
           <p:cNvPr id="2" name="TextBox 1">
             <a:extLst>
               <a:ext uri="{FF2B5EF4-FFF2-40B4-BE49-F238E27FC236}">
-                <a16:creationId xmlns:a16="http://schemas.microsoft.com/office/drawing/2014/main" xmlns="" id="{F1C19F05-6E0F-C7F2-B0AC-32BC391E1A0D}"/>
+                <a16:creationId xmlns:a16="http://schemas.microsoft.com/office/drawing/2014/main" id="{F1C19F05-6E0F-C7F2-B0AC-32BC391E1A0D}"/>
               </a:ext>
             </a:extLst>
           </p:cNvPr>
@@ -30077,7 +29875,7 @@
           <p:cNvPr id="5" name="TextBox 4">
             <a:extLst>
               <a:ext uri="{FF2B5EF4-FFF2-40B4-BE49-F238E27FC236}">
-                <a16:creationId xmlns:a16="http://schemas.microsoft.com/office/drawing/2014/main" xmlns="" id="{69196D22-2A4C-4EF6-5A42-2031D7FEF549}"/>
+                <a16:creationId xmlns:a16="http://schemas.microsoft.com/office/drawing/2014/main" id="{69196D22-2A4C-4EF6-5A42-2031D7FEF549}"/>
               </a:ext>
             </a:extLst>
           </p:cNvPr>
@@ -30101,7 +29899,7 @@
           <a:lstStyle/>
           <a:p>
             <a:r>
-              <a:rPr lang="ko-KR" altLang="en-US" sz="5400" spc="-300" smtClean="0">
+              <a:rPr lang="ko-KR" altLang="en-US" sz="5400" spc="-300">
                 <a:solidFill>
                   <a:srgbClr val="4C50BC"/>
                 </a:solidFill>
@@ -30111,7 +29909,7 @@
               <a:t>그외 </a:t>
             </a:r>
             <a:r>
-              <a:rPr lang="en-US" altLang="ko-KR" sz="5400" spc="-300" smtClean="0">
+              <a:rPr lang="en-US" altLang="ko-KR" sz="5400" spc="-300">
                 <a:solidFill>
                   <a:srgbClr val="4C50BC"/>
                 </a:solidFill>
@@ -30121,7 +29919,7 @@
               <a:t>Exception </a:t>
             </a:r>
             <a:r>
-              <a:rPr lang="ko-KR" altLang="en-US" sz="5400" spc="-300" smtClean="0">
+              <a:rPr lang="ko-KR" altLang="en-US" sz="5400" spc="-300">
                 <a:solidFill>
                   <a:srgbClr val="4C50BC"/>
                 </a:solidFill>
@@ -30145,7 +29943,7 @@
           <p:cNvPr id="6" name="직선 연결선 5">
             <a:extLst>
               <a:ext uri="{FF2B5EF4-FFF2-40B4-BE49-F238E27FC236}">
-                <a16:creationId xmlns:a16="http://schemas.microsoft.com/office/drawing/2014/main" xmlns="" id="{DDFA97EB-659B-5D0A-D41B-496A6FF66D9E}"/>
+                <a16:creationId xmlns:a16="http://schemas.microsoft.com/office/drawing/2014/main" id="{DDFA97EB-659B-5D0A-D41B-496A6FF66D9E}"/>
               </a:ext>
             </a:extLst>
           </p:cNvPr>
@@ -30406,7 +30204,7 @@
           <p:cNvPr id="2" name="TextBox 1">
             <a:extLst>
               <a:ext uri="{FF2B5EF4-FFF2-40B4-BE49-F238E27FC236}">
-                <a16:creationId xmlns:a16="http://schemas.microsoft.com/office/drawing/2014/main" xmlns="" id="{76F36AE5-79B5-0B9F-E510-1C27AAC4B649}"/>
+                <a16:creationId xmlns:a16="http://schemas.microsoft.com/office/drawing/2014/main" id="{76F36AE5-79B5-0B9F-E510-1C27AAC4B649}"/>
               </a:ext>
             </a:extLst>
           </p:cNvPr>
